--- a/machine Learning.pptx
+++ b/machine Learning.pptx
@@ -12,6 +12,7 @@
     <p:sldId id="260" r:id="rId6"/>
     <p:sldId id="261" r:id="rId7"/>
     <p:sldId id="262" r:id="rId8"/>
+    <p:sldId id="263" r:id="rId9"/>
   </p:sldIdLst>
   <p:sldSz cx="12192000" cy="6858000"/>
   <p:notesSz cx="6858000" cy="9144000"/>
@@ -110,6 +111,11 @@
       </a:defRPr>
     </a:lvl9pPr>
   </p:defaultTextStyle>
+  <p:extLst>
+    <p:ext uri="{EFAFB233-063F-42B5-8137-9DF3F51BA10A}">
+      <p15:sldGuideLst xmlns:p15="http://schemas.microsoft.com/office/powerpoint/2012/main"/>
+    </p:ext>
+  </p:extLst>
 </p:presentation>
 </file>
 
@@ -422,7 +428,7 @@
   <inkml:trace contextRef="#ctx0" brushRef="#br0">6221 3342 414 0,'-3'-5'574'0,"0"0"18"0,-2 1 18 0,3-2-113 16,-2 3-175-16,2-2-93 0,-1 3-50 0,2-1-25 0,-1 0-11 0,0 0-4 16,2 1-3-16,-1 1-5 0,-1-1-6 0,2 1-16 0,0 1-19 0,0 0-19 15,0 0-19-15,0 0-15 0,0 0-11 0,0 0-9 0,0 0-7 0,0 0-4 16,0 0-4-16,0 3-2 0,0 0-1 0,0 0 0 0,0 3 2 16,0 1 0-16,0 2 2 0,0 3 2 0,-1 2 2 0,-1 1 2 0,2 3 3 15,-2 1 3-15,2 2 3 0,-1 2 2 0,-1 1 0 0,0 1 0 16,1 4-1-16,-1-1-2 0,-2 2-1 0,2 0-2 0,1 0-2 0,-2 2-1 15,-1-1-1-15,1-1-2 0,1 2-1 0,1-1-1 0,-2-2-3 16,1 1-1-16,-1-3-1 0,1 0-3 0,1-2-2 0,-1-1-5 0,-1-1-5 16,3-1-6-16,-1-1-8 0,-1-1-7 0,2 1-8 0,-3-3-10 15,3-2-10-15,-2 1-12 0,-1-2-14 0,1-2-17 0,1 1-15 0,-1-3-23 16,-1 0-27-16,1-2-31 0,-1 0-32 0,0 0-51 0,0-1-63 0,0-1-86 16,1-1-97-16,1-3-44 0,-1 2-17 0,-1-4-1 0</inkml:trace>
   <inkml:trace contextRef="#ctx0" brushRef="#br0" timeOffset="407.74">6158 3376 72 0,'0'-13'528'0,"0"-1"16"0,0 2-49 0,1 0-81 0,1-1-96 16,1 1-104-16,-1 1-54 0,3-1-29 0,-2 2-10 0,1-1-6 16,-1 2-2-16,2 0-3 0,-1 0-9 0,0 2-12 0,0-1-14 0,0 2-17 15,1 0-11-15,-2 0-10 0,3 2-6 0,-1 1-6 0,0-2-4 0,0 2-1 16,2 0 0-16,0 0 0 0,-1 0-4 0,2 2 0 0,-1-1 0 16,0 1-3-16,1 1 1 0,0 0-1 0,0 0 1 0,1 0-1 0,1 0 1 15,-2 1-1-15,3 1 1 0,-3 1-1 0,3 0 1 0,-2 1-2 16,1 1 1-16,-2 1 0 0,4-2 0 0,-4 4-1 0,0-1 0 0,0 2 0 15,1-1-1-15,-2 2 0 0,1 1 0 0,-3 1-1 0,2-2 1 0,-3 4-2 16,-1-2 1-16,-2 1 0 0,1 2 0 0,-2-1 1 0,-2 1 0 16,1 0 2-16,-2 0-1 0,-1 1 1 0,-3 1-1 0,2-2-1 0,-3 1 2 15,1 0-1-15,-2 1-1 0,1 0 0 0,-3-1 0 0,-1-1-1 0,-1 2-4 16,2-2-3-16,-3-1-7 0,-1 2-5 0,0-1-8 0,0 0-10 16,-2 0-11-16,3-2-10 0,-4 1-15 0,4-2-16 0,-2 0-19 0,0 0-20 15,2 0-26-15,0-2-26 0,-2 1-35 0,5-2-38 0,-1 0-56 16,2-2-64-16,0 0-75 0,1 0-78 0,1-1-34 0,2-1-14 15</inkml:trace>
   <inkml:trace contextRef="#ctx0" brushRef="#br0" timeOffset="815.83">6476 3766 366 0,'5'-2'608'0,"-1"0"8"16,-1 0 6-16,0 1 4 0,-1-2-124 0,1 1-187 0,0 1-111 0,1-2-70 16,-1 3-35-16,3-2-15 0,0 1-9 0,1 1-2 0,-1 0-4 15,2 1-6-15,3 1-10 0,-2-1-10 0,3 1-7 0,0 1-6 0,-1 1-4 16,-1 0-3-16,4 3-1 0,-3-3-4 0,0 3-3 0,-1 1-2 0,-1 0-4 16,2 1-4-16,-3-2-1 0,0 2-3 0,-2 2-2 0,2-2 0 15,-2 1-1-15,-1-1 1 0,0 2-1 0,-2-2-1 0,1 1-1 0,-3-1 2 16,1 2 0-16,-2-2 0 0,0 0 0 0,-2 0 5 0,2-2 1 15,-3 1 5-15,1-2 6 0,-1 1 5 0,0-1 6 0,-2-1 5 0,2 1 8 16,-2-2 6-16,-1 1 6 0,1-2 8 0,-1 1 6 0,1-1 7 16,2 0 8-16,-2-2 8 0,1 1 4 0,-1-2 1 0,2 0 1 0,-2 0-3 15,2 0-3-15,-1-2-5 0,1 1-4 0,0-2-6 0,1-1-7 0,0 1-7 16,0-3-9-16,0 0-7 0,1 0-10 0,1-2-12 0,0-1-9 16,1 0-7-16,1-1-8 0,2-1-6 0,0 1-6 0,0-1-8 0,1 1-5 15,0-1-7-15,1 1-10 0,2-1-11 0,-2 0-14 0,1 1-14 16,-1 1-18-16,2-1-19 0,1 2-23 0,-1-1-23 0,1 0-35 0,0 2-38 15,-1-1-50-15,1 2-53 0,1-1-70 0,-1 1-79 0,2 0-72 16,-1 0-66-16,1 3-26 0,-2 0-5 0,1 0 6 0</inkml:trace>
-  <inkml:trace contextRef="#ctx0" brushRef="#br0" timeOffset="1119.89">7091 4035 164 0,'3'-3'552'0,"0"-2"14"16,0-1 12-16,2-1-93 0,-2-1-146 0,2 1-87 0,-2-2-60 0,2-2-30 16,-2 2-18-16,2-1-11 0,-1-1-9 0,-1 1-12 0,1-1-12 15,-1 1-13-15,0-2-15 0,0 1-12 0,-1 2-12 0,0 0-8 0,-1-1-6 16,-1 2-3-16,2-1-6 0,-2 2 0 0,0-1 0 0,0 1 1 16,-2 1 0-16,2 1-2 0,-3 2 1 0,1 0-1 0,1 0-3 0,-3 2-3 15,3-1-4-15,-2 2-4 0,-1 0-3 0,1 2-2 0,-1-1 1 0,-1 2-3 16,0 0-2-16,0 3-2 0,1 2-3 0,-3-1-2 0,0 2-2 15,0 0 0-15,1 2 0 0,-1-1 3 0,1 2 0 0,0-1 3 0,1 1 2 16,-1 0 0-16,1-1-1 0,2 2-2 0,0-3-2 0,1 1-5 16,0-1-7-16,0 1-8 0,2-1-10 0,2-1-13 0,-2 0-15 0,2-1-18 15,1-1-20-15,2 1-23 0,0-4-24 0,1 2-32 0,2-3-35 0,3 0-44 16,-1-1-48-16,2-2-42 0,1-2-40 0,1 1-29 0,2-4-20 16,0 0-9-16,4 0 0 0</inkml:trace>
+  <inkml:trace contextRef="#ctx0" brushRef="#br0" timeOffset="1119.87">7091 4035 164 0,'3'-3'552'0,"0"-2"14"16,0-1 12-16,2-1-93 0,-2-1-146 0,2 1-87 0,-2-2-60 0,2-2-30 16,-2 2-18-16,2-1-11 0,-1-1-9 0,-1 1-12 0,1-1-12 15,-1 1-13-15,0-2-15 0,0 1-12 0,-1 2-12 0,0 0-8 0,-1-1-6 16,-1 2-3-16,2-1-6 0,-2 2 0 0,0-1 0 0,0 1 1 16,-2 1 0-16,2 1-2 0,-3 2 1 0,1 0-1 0,1 0-3 0,-3 2-3 15,3-1-4-15,-2 2-4 0,-1 0-3 0,1 2-2 0,-1-1 1 0,-1 2-3 16,0 0-2-16,0 3-2 0,1 2-3 0,-3-1-2 0,0 2-2 15,0 0 0-15,1 2 0 0,-1-1 3 0,1 2 0 0,0-1 3 0,1 1 2 16,-1 0 0-16,1-1-1 0,2 2-2 0,0-3-2 0,1 1-5 16,0-1-7-16,0 1-8 0,2-1-10 0,2-1-13 0,-2 0-15 0,2-1-18 15,1-1-20-15,2 1-23 0,0-4-24 0,1 2-32 0,2-3-35 0,3 0-44 16,-1-1-48-16,2-2-42 0,1-2-40 0,1 1-29 0,2-4-20 16,0 0-9-16,4 0 0 0</inkml:trace>
   <inkml:trace contextRef="#ctx0" brushRef="#br0" timeOffset="1542.05">7451 3834 202 0,'0'-8'347'0,"-3"2"-10"16,-2 0-14-16,2 2-17 0,-3 1-17 0,0 0-20 0,-1 1-22 16,-1 0-18-16,-1 2-19 0,1 2-19 0,0 0-21 0,0 1-17 0,0 0-15 15,-1 0-16-15,1 1-14 0,0 2-11 0,-1 2-9 0,0-1-11 16,1 1-8-16,-1 1-8 0,1 0-7 0,2 1-6 0,-1 1-4 0,1-1-5 16,-3 1-5-16,4-1-4 0,0 1-4 0,2-1-3 0,0-1-3 0,0 2-3 15,1-4-4-15,-1 2-1 0,3-1-3 0,0-1-1 0,0 1-2 16,3-4 1-16,-1 2-1 0,-1-1 0 0,2-1 0 0,1-1 0 0,-1 0-2 15,2-1-2-15,1-1-3 0,0-1-2 0,0 0-2 0,-1-1-2 16,3-1-6-16,-1-1-1 0,0-1-2 0,3-1-3 0,-2 1-4 0,0-2-3 16,1-2-2-16,-1 1-1 0,0-2 0 0,1-2 1 0,-1 1-1 0,0-2 4 15,0-2 0-15,3 1 1 0,-3-4 4 0,0 1 1 0,0-2 2 16,1-3 2-16,-1 0 3 0,0-2 2 0,2-1 3 0,-4 0 4 0,2 0 3 16,-3-1 3-16,1-1 4 0,2 2 4 0,-3 0 6 0,-2 0 4 15,2 2 6-15,-2 1 5 0,0 1 3 0,-1 1 6 0,-1 4 5 16,1 0 6-16,1 1 3 0,-2 2 4 0,-1 2 0 0,0 1 1 0,0 3-3 0,0 0-3 15,0 1-4-15,0 2-6 0,0 0-5 0,0 0-6 16,0 2-8-16,0 1-7 0,0 0-7 0,0 0-6 0,0 1-3 0,0 3-5 0,0 1-1 16,0 3-1-16,0-1 2 0,0 2 1 0,0 3 2 0,0 2 2 15,0 1 2-15,0 3 3 0,0 0 3 0,0 1 3 0,0 1 0 0,0 1 2 16,0 1-2-16,0 1 0 0,-1 1-2 0,-2-2-1 0,3 2-1 16,-2-1-2-16,2-2-3 0,-3 1-5 0,2 1-7 0,-1-2-9 0,0 0-12 15,-1-2-16-15,0 0-18 0,0 1-21 0,-1-2-25 0,1 0-35 0,0-1-41 16,-1-1-53-16,1-1-64 0,1 2-86 0,0-4-99 0,1 1-73 0,1-2-59 15,1 0-23-15,1-2-6 0</inkml:trace>
   <inkml:trace contextRef="#ctx0" brushRef="#br0" timeOffset="3413.52">4950 3672 416 0,'-3'-5'575'0,"-2"-1"21"0,2 2-82 16,0-1-131-16,1 1-83 0,-1 1-55 0,0-2-31 0,-2 2-19 0,3 0-11 15,1 0-5-15,-1 2-13 0,1-1-14 0,-1 1-23 0,2-1-30 16,-2 2-26-16,2 0-25 0,0 0-16 0,0 0-13 0,-2 3-11 0,0 0-10 16,2 0-5-16,0 2-6 0,0 1-3 0,0 1-2 0,2 1 2 0,0 0-1 15,-2 3 3-15,2 1 3 0,1 0 2 0,-1 2 4 0,1-2 2 0,0 2 1 16,2 2 0-16,-2-3 0 0,2 1 1 0,1-1-1 0,-1 1 0 15,1-1 1-15,-1 1 0 0,3-2-2 0,1 0 1 0,-1-2 0 0,0-1 0 16,0 0-2-16,3-1 0 0,-1 1 0 0,-2-3 0 0,2 0-2 0,0-2 1 16,0 1-1-16,0-3 0 0,0 0 1 0,-2 0-1 0,3-2 2 15,-1-2-2-15,-1 2 0 0,-1-3 2 0,1 0-1 0,-2 0 1 0,3-1 0 16,-3-2 2-16,1-2 1 0,-2 1 2 0,1-1 0 0,-1 1 0 16,0-3 2-16,-1 2-1 0,0-3 0 0,-2-1 0 0,0 0 2 0,1 0 1 15,-3 0 3-15,2 0 2 0,-3 0 1 0,2-1 1 0,-2 1 0 0,0 0 4 16,0 1 2-16,0 0 2 0,0 1 4 0,0 1 3 0,-2 0 4 15,2 1 4-15,-1 1 1 0,-1 0 1 0,2 2-1 0,-1 1-2 0,-1 1-2 16,0 0-5-16,1 0-6 0,-1 1-6 0,2 1-9 0,0 1-7 16,-3 1-4-16,3 1-5 0,-2 1-5 0,2 1-3 0,-1 2-2 0,-1 2-3 15,2 2 0-15,-2 2 0 0,2 2 2 0,0-1 3 0,0 3 4 16,0 3 6-16,0 0 6 0,0 0 3 0,2 1 3 0,-2 3-1 0,2-2 1 16,-1 1 1-16,1 1-2 0,-1 0 1 0,1 2-1 0,1-1-1 0,-1 0-1 15,0 0 1-15,-1 0-4 0,2-2 0 0,-1 2-1 0,1-1-2 16,-2-1-1-16,1 1-1 0,-1-2-1 0,1-2 1 0,-2 1 3 0,0-1 0 15,0-2 3-15,0 1 3 0,0-3 2 0,0 0 3 0,-2-2 3 16,1-1 4-16,-1 0 4 0,-2-1 6 0,2-2 3 0,-1 0 6 0,0-2 4 16,1 1 2-16,-3-4 4 0,2 2 1 0,-2-1 0 0,-1-2-1 15,0 0 1-15,-2 0-2 0,2-2-4 0,-2 0-3 0,-3 1-3 16,1-2-5-16,-1 0-5 0,0-2-8 0,0 1-11 0,-3 0-13 0,3-1-15 16,-2-1-14-16,1 0-15 0,0-1-16 0,0 0-19 0,2 0-20 0,-1 0-20 15,0-2-28-15,3 0-30 0,0 0-32 0,0-2-35 0,2 1-48 0,3-2-54 16,0 0-67-16,3 0-73 0,2 1-56 0,2-2-46 0,1 1-14 15</inkml:trace>
   <inkml:trace contextRef="#ctx0" brushRef="#br0" timeOffset="3674.08">5464 4198 374 0,'0'0'577'0,"0"0"11"15,0 0 7-15,0 0-97 0,0 0-148 0,3 0-99 0,-2 0-72 0,2 0-36 16,2 0-17-16,0 0-4 0,0 2 4 0,3-2 1 0,3 0-1 16,-2 1-6-16,3 1-9 0,0-2-9 0,3 0-6 0,-2 0-9 0,2 0-9 15,2 0-7-15,-2 1-8 0,0-1-7 0,1 2-8 0,1-2-8 16,-2 0-8-16,2 0-6 0,-3 0-7 0,2 1-5 0,-1-1-4 0,-2 0-4 16,0 0-1-16,1 0-7 0,-4 0-5 0,1 0-9 0,-2 0-11 15,1 0-13-15,-2 0-12 0,0 0-16 0,-2 0-16 0,0 0-22 0,-2 2-23 16,-1-2-32-16,-2 1-37 0,-1-1-68 0,0 0-85 0,0 0-101 15,0 0-108-15,-1 1-52 0,-2 3-24 0,-1-3-5 0,1 1 3 0</inkml:trace>
@@ -445,15 +451,15 @@
   <inkml:trace contextRef="#ctx0" brushRef="#br0" timeOffset="31242.07">14188 5970 549 0,'-1'-5'564'0,"-3"1"-37"0,2 1-64 0,0-1-100 0,0 3-120 15,-1 0-68-15,2-1-41 0,-1 1-23 0,0 1-15 0,-1 1-18 0,2 1-21 16,-1 0-17-16,0 3-14 0,-3 1-12 0,2 0-10 0,-1 3-6 15,2-1-4-15,-1 2 0 0,0 2 0 0,0-1 3 0,0 2 3 0,-1-1 2 16,1 0 0-16,1 2 0 0,1-1 1 0,-1-1-1 0,2 0 0 16,0 0 2-16,2 0-1 0,-1 0 1 0,1-1 1 0,1-1-1 15,1 1 3-15,-1-4 0 0,0 1 1 0,2-1 2 0,1 1 3 0,-2-2 2 16,5-2 1-16,-5-1 1 0,4 0 1 0,0 0 1 0,0-3 0 16,0 0 1-16,0 0 2 0,1-1 0 0,1-2 2 0,0-2 0 0,-1 1 3 15,0-2 3-15,1 0 0 0,-1-2 2 0,-1-1 0 0,0-1 1 16,0-3 1-16,-3 3 0 0,2-3 4 0,-2-3 0 0,0 3 2 15,-2-3 2-15,-1-1 1 0,-2 1 1 0,0 1-1 0,0-2-2 16,-2 0-6-16,-1 3-5 0,-2-1-6 0,0 3-6 0,-2-2-7 0,-1 4-8 16,-2 0-7-16,-1 3-11 0,-3 1-11 0,0 3-12 0,-4 0-12 15,1 3-19-15,-2 3-20 0,-1 3-23 0,-1 2-26 0,-1 1-33 0,-2 2-36 16,2 3-56-16,1 3-64 0,-1-1-93 0,2 4-105 0,1-1-50 16,1 1-23-16,0 1-6 0</inkml:trace>
   <inkml:trace contextRef="#ctx0" brushRef="#br0" timeOffset="33629.91">6131 6070 10 0,'2'-3'198'16,"-1"2"-5"-16,-1-2 1 0,2 0 0 0,1 0 1 0,-1 1-2 15,-1-1 0-15,2 2-2 0,-1-3 1 0,-1 2 1 0,1 0-3 0,-1-1-6 16,1 2-5-16,0-2-7 0,-1 1-4 0,1-1-5 16,-2 1-3-16,1 1-6 0,1 0-5 0,-2-2-8 0,2 1-3 0,-1 1-7 15,-1-2-3-15,0 3-5 0,0 0-4 0,0 0-4 0,0 0-5 0,0 0-6 16,0 0-6-16,0 0-7 0,0-2-5 0,0 2-6 0,0-1-4 15,0 1-5-15,-1 0-6 0,1 0-4 0,0 0-6 0,0 0-5 0,0 0-6 16,0 0-6-16,0 0-6 0,-2 0-6 0,0 0-6 0,1 0-5 16,1 0-7-16,-2 1-5 0,2 1-6 0,-1-2-5 0,-1 1-4 15,2 1-1-15,-2 1-3 0,1 0-1 0,1 1 0 0,-2 1 1 0,2 2-1 16,0 1 1-16,0 1 2 0,0 1 3 0,0 2 2 0,0 2 2 16,0 1 4-16,-1 0 3 0,-1 1 1 0,2 1 1 0,-3 1 1 15,3-2 0-15,-1 1 0 0,-1 1 1 0,2 0-1 0,-1-2-1 0,-1 1 1 16,2-1-1-16,-2-1 0 0,2 2 0 0,-1-2 0 0,-1-2-2 15,2 2-2-15,0-1 1 0,0-2 0 0,0 1-1 0,0-2 0 16,0 1-1-16,0-2 0 0,0 1 0 0,0-1 0 0,0-2 0 0,0 0-1 16,0 0-4-16,0 0-6 0,0-2-6 0,0 0-12 0,2 0-10 0,-1-2-15 15,-1-1-13-15,0 2-17 0,2-1-17 0,-2-1-19 0,0-1-22 16,0-1-25-16,0 2-27 0,0-3-29 0,0 0-32 0,0 0-48 16,0 0-56-16,0 0-81 0,3-2-93 0,0 1-49 0,0-2-26 15,2 0-4-15</inkml:trace>
   <inkml:trace contextRef="#ctx0" brushRef="#br0" timeOffset="34316.51">6629 5971 141 0,'0'-3'501'0,"0"2"-65"16,0-2-104-16,0 1-68 0,0 1-53 0,0-1-28 0,0-1-17 15,-1 3-14-15,-1-2-14 0,2 1-14 0,0 1-16 0,0 0-18 16,0 0-19-16,-2 0-18 0,1 1-16 0,-1 1-10 0,1 1-9 0,-1-1-7 16,0 2-7-16,-1 1-2 0,0-1-4 0,1 2 1 0,1 2 0 15,-2-1 2-15,1 2 3 0,-1-2 2 0,0 3 3 0,1 0 4 0,-1-1 0 16,2 0 1-16,-1 2-1 0,0-3 1 0,-1 2 0 0,1-2 0 15,1 2-2-15,-1-3 0 0,-2 1-1 0,4-2-1 0,-2 1-1 0,2-1-1 16,-1-1-1-16,1-1-1 0,0 1 1 0,0-1-1 0,0-1 0 16,0 0 2-16,0-1 1 0,1-1 4 0,-1 1 2 0,2-1 6 15,1-1 2-15,-2 0 4 0,1 0 5 0,1 0 2 0,0-1 3 0,-1-1 2 16,3 2 4-16,-2-3 1 0,3 2 2 0,0-1 0 0,1-1 0 16,-1 2-2-16,1-1-4 0,-1-1-1 0,3 0-4 0,-1 2-3 0,2-2-1 15,-1 0-3-15,1 1-1 0,-1 1-3 0,-1-1-1 0,3-1-3 16,-1 1-1-16,-1 1-1 0,0 1 0 0,1-1-1 0,0 1-1 15,-1 0-1-15,-1 0-1 0,0 1 0 0,3-1-2 0,-3 1-1 0,0 1 1 16,-2 1-2-16,3 0-2 0,-2 2-2 0,-1-2 0 0,1 1 0 16,-1 1-2-16,0 1-1 0,-1 1 1 0,0-1-1 0,-1 2-1 15,0-1 1-15,-1 2-1 0,0 0 0 0,0 2 2 0,-3-1-1 0,0 1-1 16,0-1 2-16,0 1-1 0,-1-1 0 0,-3 0 1 0,1 1-1 16,0 0 2-16,0-1-1 0,-2 1 1 0,0 1 0 0,0-3 2 0,-4 0-1 15,3 1-1-15,-4-2-3 0,1 1-5 0,-1 0-9 0,1-2-14 16,-4 1-15-16,2-1-15 0,0-1-18 0,0 0-22 0,-2 0-22 15,2-1-25-15,0-1-32 0,2 1-36 0,-1-2-51 0,1-3-58 0,1 0-78 16,3 0-84-16,0-2-54 0,-1-1-34 0,3 0-9 0</inkml:trace>
-  <inkml:trace contextRef="#ctx0" brushRef="#br0" timeOffset="34780.62">6828 5824 32 0,'8'-3'415'0,"0"0"-57"0,1 2-74 0,-1-2-84 16,0 3-48-16,0-2-30 0,3 2-8 0,-1 2 0 0,-2-2-2 0,3 3 1 15,-2 0-5-15,1-1-6 0,-2 3-8 0,3 1-7 0,-2 0-8 16,1 3-8-16,-1 0-5 0,-1 0-5 0,0 2-4 0,0 1-3 0,0 0-3 16,-2 1-6-16,-1 2-4 0,0 0-2 0,2 0-6 0,-2 2-2 15,-2-1-5-15,2 2-4 0,-2-1-2 0,2-1 0 0,-3 1-4 16,1-1 0-16,0 1-2 0,0-1-2 0,-1-1-1 0,-1 0 1 0,2 0-1 15,-1 0-2-15,0-1-1 0,-1-1 0 0,1-1-2 0,1 0 0 0,-1 0 1 16,-1-1-1-16,1-1 2 0,1 1 0 0,-1-4 1 0,2 2 2 16,-1-1 2-16,0-2 0 0,1 1 4 0,-1-1 2 0,0-2 3 15,2 0 2-15,-2 0 3 0,2-1 4 0,1 0 0 0,0-1 3 16,2-1 1-16,-3-1 0 0,4 0 2 0,-2-1 1 0,1-1 0 0,0 1 1 16,1-2 0-16,1-2 0 0,-1 0 1 0,0 1 1 0,1-2 3 15,0 0 1-15,-1-1 5 0,0-1 2 0,-2-1 4 0,1 0 5 0,1 0 4 16,-3-1 5-16,1-2 4 0,-2-2 5 0,-2 2 4 0,2-3 2 15,-1 0 3-15,-2 0 1 0,-1-3-1 0,-1 2-2 0,0-1 0 16,-1-2-3-16,-1 1-3 0,-2 0-2 0,-1 0-6 0,2 0-5 0,-2-2-6 16,-2 4-6-16,1-2-8 0,-3 3-6 0,1-2-8 0,1 2-6 15,-2 2-6-15,1 1-7 0,-3-1-9 0,3 3-11 0,-3 1-11 0,0 0-12 16,1 1-15-16,-4 3-15 0,3 0-18 0,-1 2-17 0,-1 2-20 16,-1 1-18-16,1 1-21 0,0 4-22 0,-4-1-25 0,4 5-29 15,-2 0-33-15,0 3-35 0,0 2-48 0,0 0-57 0,0 3-78 0,0 3-94 16,1-1-38-16,1 2-10 0,-1 0 3 0</inkml:trace>
+  <inkml:trace contextRef="#ctx0" brushRef="#br0" timeOffset="34780.61">6828 5824 32 0,'8'-3'415'0,"0"0"-57"0,1 2-74 0,-1-2-84 16,0 3-48-16,0-2-30 0,3 2-8 0,-1 2 0 0,-2-2-2 0,3 3 1 15,-2 0-5-15,1-1-6 0,-2 3-8 0,3 1-7 0,-2 0-8 16,1 3-8-16,-1 0-5 0,-1 0-5 0,0 2-4 0,0 1-3 0,0 0-3 16,-2 1-6-16,-1 2-4 0,0 0-2 0,2 0-6 0,-2 2-2 15,-2-1-5-15,2 2-4 0,-2-1-2 0,2-1 0 0,-3 1-4 16,1-1 0-16,0 1-2 0,0-1-2 0,-1-1-1 0,-1 0 1 0,2 0-1 15,-1 0-2-15,0-1-1 0,-1-1 0 0,1-1-2 0,1 0 0 0,-1 0 1 16,-1-1-1-16,1-1 2 0,1 1 0 0,-1-4 1 0,2 2 2 16,-1-1 2-16,0-2 0 0,1 1 4 0,-1-1 2 0,0-2 3 15,2 0 2-15,-2 0 3 0,2-1 4 0,1 0 0 0,0-1 3 16,2-1 1-16,-3-1 0 0,4 0 2 0,-2-1 1 0,1-1 0 0,0 1 1 16,1-2 0-16,1-2 0 0,-1 0 1 0,0 1 1 0,1-2 3 15,0 0 1-15,-1-1 5 0,0-1 2 0,-2-1 4 0,1 0 5 0,1 0 4 16,-3-1 5-16,1-2 4 0,-2-2 5 0,-2 2 4 0,2-3 2 15,-1 0 3-15,-2 0 1 0,-1-3-1 0,-1 2-2 0,0-1 0 16,-1-2-3-16,-1 1-3 0,-2 0-2 0,-1 0-6 0,2 0-5 0,-2-2-6 16,-2 4-6-16,1-2-8 0,-3 3-6 0,1-2-8 0,1 2-6 15,-2 2-6-15,1 1-7 0,-3-1-9 0,3 3-11 0,-3 1-11 0,0 0-12 16,1 1-15-16,-4 3-15 0,3 0-18 0,-1 2-17 0,-1 2-20 16,-1 1-18-16,1 1-21 0,0 4-22 0,-4-1-25 0,4 5-29 15,-2 0-33-15,0 3-35 0,0 2-48 0,0 0-57 0,0 3-78 0,0 3-94 16,1-1-38-16,1 2-10 0,-1 0 3 0</inkml:trace>
   <inkml:trace contextRef="#ctx0" brushRef="#br0" timeOffset="35237.87">6607 6064 156 0,'1'-4'553'16,"1"-2"14"-16,3-1-66 0,-2 2-106 0,0-1-82 0,0 1-68 0,-1 1-35 16,1-1-18-16,0 1-9 0,1-1-3 0,0 2-11 0,1-1-16 15,-2-1-15-15,2 2-16 0,0-2-12 0,-1 3-10 0,1-1-8 0,3 0-9 16,-2 0-6-16,1 1-7 0,1-1-7 0,2 0-7 0,-2 0-5 15,2 0-8-15,2 0-4 0,1 0-7 0,1 0-4 0,-1 0-5 0,4 0-5 16,-4 2-5-16,2-2-7 0,0 0-10 0,0 0-12 0,-1 0-11 16,-2-1-17-16,2 2-18 0,-1-1-23 0,-2 1-25 0,0-1-29 15,-1 2-33-15,1-1-43 0,-2 2-48 0,-1-1-61 0,0 1-66 0,0 0-85 16,-2 1-98-16,-1-1-44 0,0 2-14 0,-2-1 1 0</inkml:trace>
   <inkml:trace contextRef="#ctx0" brushRef="#br0" timeOffset="39148.94">18668 3237 47 0,'1'-2'63'0,"3"1"-1"0,-3 1 1 16,2-2 2-16,0 1 1 0,-1 1 4 0,-1-2 5 0,2 1 6 0,1 1 6 16,-3-2 6-16,-1 2 5 0,2-1 5 0,-1 1 5 0,-1-2 5 0,2 1 8 15,0 1 4-15,-1-2 5 0,1 2 5 0,0-1 5 0,-1-1 2 16,2 2 2-16,0-3 2 0,-1 2-2 0,-1-1-2 0,2 1-1 0,-1-2-4 16,1 0-3-16,0 1-6 0,-1-1-4 0,3 0-6 0,-2 0-5 0,0 0-7 15,2 0-7-15,-4 0-6 0,2 0-5 0,1-1-6 0,-1-1-5 16,0 2-5-16,2-2-6 0,-2 3-6 0,2-3-4 0,-1 1-5 0,1 1-5 15,-2-2-3-15,1-1-3 0,-3 2-3 0,2-1-2 0,1 0-3 16,-1 1-3-16,0 0 0 0,-1-2-4 0,0 1 0 0,2 1-2 0,-3-2-2 16,-1-1-2-16,2 2-1 0,-1 0 0 0,-1 1 0 0,0-1 1 15,0-1 0-15,0 2 1 0,-1 1-1 0,-1-2-1 0,2 2-1 0,-1-1-4 16,-3 1-1-16,2 0-1 0,0 1-2 0,-1 1-3 0,0-1-1 16,-1 0-3-16,1 1-4 0,-2 1-5 0,2-1-2 0,-3 1-3 0,0 0-3 15,-1 0-1-15,1 1-1 0,-2-1 1 0,-1 3-1 0,-1-1-1 0,0 1 1 16,0 0 0-16,-2 0 0 0,1 1 1 0,-1 1 2 0,1 1 0 15,-2-2 2-15,2 2-1 0,0 2 2 0,0-2 0 0,1 1 0 0,-1-1-2 16,2 2 1-16,1-2-2 0,2 1 0 0,-3-1-2 0,5 2-1 0,-4-2-1 16,3 1-1-16,2-1 0 0,0 2-1 0,1-3-2 0,1 0 1 15,-1 1-3-15,2 0 1 0,2-1 0 0,-1 1 1 0,1-3 0 0,1 1 2 16,0-1 2-16,1 0 1 0,0 0 3 0,2 0 1 0,-1-1 3 16,2-1 2-16,-1 1 4 0,0-1 1 0,2-1 2 0,0 0 2 0,-2 0 2 15,2 0 1-15,-2 0 2 0,1 0-1 0,-1 0 2 0,-1-1 0 16,-2-1 0-16,2 2 1 0,-2 0-2 0,2 0 1 0,-4 0 0 0,-1 0 0 15,0 0-2-15,0 0 1 0,0 0-1 0,0 0 0 0,0 0-3 0,-1 2-1 16,-4-1-3-16,2 1-1 0,1-1-3 0,-2 1 0 0,0 1 2 0,0 0-2 16,-1 1 1-16,0 1-2 0,-3-1 1 0,4 2 1 15,-4 0-1-15,-1 2 2 0,0-1 0 0,1 2 2 0,0 0 2 0,0 0 2 16,-1 2 0-16,1 1 2 0,0-2-2 0,-1 2 1 0,1 0 0 0,0-1-1 16,1 1 0-16,-2 1-1 0,5-1 0 0,-3 2 2 0,2-3-1 15,2 2-1-15,-2-1 0 0,4 0-1 0,-5 0 0 0,4 0-1 0,0-2 1 16,2 1 0-16,0-1-1 0,0 1 1 0,2-2 1 0,0 0 0 15,4 0 0-15,-5-2 2 0,4-1 0 0,-2 1 1 0,2 0 2 0,2-3 1 16,-3-1 2-16,5 1 0 0,-2 0 1 0,3-3 0 0,-1 1 0 0,0-1 1 16,1 1 0-16,2-2-4 0,0 0-3 0,-3-2-5 0,3 1-6 15,1-2-7-15,-1 1-5 0,2-1-7 0,-5 0-8 0,5 2-11 0,-3-2-13 16,-1 0-12-16,2 0-13 0,-2-1-16 0,0 2-18 0,0-1-18 0,-2 0-19 16,1 0-20-16,0 0-24 0,-3 1-31 0,2-1-34 0,-1 0-38 15,2 2-39-15,-3-1-60 0,1-1-71 0,-3 2-39 0,3-1-23 0</inkml:trace>
-  <inkml:trace contextRef="#ctx0" brushRef="#br0" timeOffset="40073.16">18888 3493 482 0,'1'-4'544'0,"-1"-1"-73"16,2-1-113-16,-1 2-76 0,-1-2-54 0,3 0-31 0,-1 0-20 15,-1 0-15-15,1 1-11 0,-1-1-10 0,3-1-9 0,-3 0-12 0,2 0-9 16,-1 1-10-16,0 0-10 0,1-1-11 0,0 1-10 0,0 0-8 16,2 0-7-16,-4 0-6 0,2 1-4 0,1 1-4 0,-1-1-5 0,0 1-6 15,2-1-4-15,-2 2-4 0,5-1-5 0,-5 1-2 0,0 0-4 0,2 0-2 16,-2 1-2-16,2-1-1 0,-2 2-2 0,2-1-1 0,2 2 0 16,-2 0-2-16,2 0 0 0,-1 0 0 0,-1 2-1 0,4-1 1 0,-2 2 0 15,1 0 0-15,-2 2 2 0,3-1-1 0,-2 2-1 0,-1-1 0 16,2 2-2-16,0 1 0 0,0-1-1 0,-2 2 1 0,1 0-1 0,-3 1 1 15,2 1-2-15,-1 0-2 0,2-1 0 0,-4 1-2 0,2 1-1 16,-2 0 0-16,0 0 0 0,0-2 2 0,-2 1-1 0,1-1 0 0,-1 1 0 16,-1-1 1-16,0-1-1 0,-1 1 1 0,-1 0 2 0,2-3 0 15,-1 1 1-15,-4-2 1 0,4 1 1 0,-1-2 2 0,1 1 1 0,-3-3 3 16,1 1 1-16,2-1 3 0,-1 0 3 0,0-1 3 0,2-1 8 0,-1-1 3 16,1 0 3-16,0 0 2 0,0 0 2 0,0 0 1 0,0-1 0 15,0-2-1-15,0-1 0 0,0 2 1 0,0-4-2 0,0 0 2 0,1-1 1 16,-1 2-4-16,2-4-5 0,0 1-2 0,-1-2-3 0,1-1-2 15,1 0-2-15,0 0 0 0,0-3-2 0,2 2-2 0,-1 0 0 0,1-1-3 16,0-1-1-16,0 1-4 0,1 1-2 0,0-2-4 0,2 2-2 0,-3 0 0 16,2 1-3-16,-1 1 0 0,3 1-1 0,-2 0-1 0,1 2-1 15,-2-1-1-15,3 1 0 0,-1 2 0 0,0-1-2 0,3 3 1 0,-1-1 0 16,-2 1 0-16,1 1-2 0,0 0 2 0,3 2-1 0,-3 2 0 16,2 0 0-16,-1 1 1 0,-1 1-1 0,2 1 0 0,-3 1 0 0,0 0-2 15,1 1 0-15,-1 1-2 0,-1 1-1 0,-1 0 0 0,-1 3 0 0,-2-2 0 16,3 2 0-16,-3-1 1 0,-1 1-1 0,0-2 1 0,-2 2 0 15,0 0 2-15,0 0-1 0,0-1 1 0,-2 0 2 0,0 0 2 0,-1 0 0 16,2-2 2-16,-4 1 1 0,2-1 2 0,-2-2 1 0,2 1 1 16,-2-2 1-16,2 2 0 0,-2-2 4 0,0-2 0 0,1 0 2 15,1 0 4-15,0 0 2 0,-1-1 3 0,1-1 2 0,2 1 3 0,-1-3 2 16,0 0-1-16,2 0 0 0,0 0 0 0,0 0 0 0,0-3 0 0,0 0-1 16,0 0-2-16,0 0-1 0,2-2-4 0,0-1-3 0,-1-1-3 15,2-1-4-15,1 1-2 0,0-2-2 0,2-2-2 0,-1 1-1 0,2-2-2 16,1 0-1-16,-2-2-2 0,3 0-2 0,-1 0 0 0,2-1-1 15,1 1 0-15,-2-1-1 0,1 2-1 0,1-1 0 0,0 2 1 0,-1 0-1 16,0 2 0-16,-2 1 0 0,2 0 1 0,-2 1-1 0,-1 2 0 16,0 0 0-16,-1 0 0 0,-1 3-1 0,-2 0 0 0,3 2-1 0,-2-1 0 15,-1 1 0-15,-2 1 0 0,3 1 0 0,-3 1 0 0,1 0 0 0,-1 3 1 16,3 0 1-16,-4 2 0 0,1-1 0 0,1 2-1 0,-1 1 0 0,-1 0 0 16,2 1-1-16,-2 1-1 0,2 1-1 0,0-1-3 0,-2 0-2 15,2 1-2-15,0 0-2 0,-1-1-1 0,1 0-2 0,-1 0 1 0,3 0-1 16,-3-1 2-16,4-2-1 0,-2 1 3 0,0-2 2 0,2 1 3 15,0-2 4-15,-1-1 4 0,1 2 5 0,2-4 4 0,-1 1 5 0,2-1 3 16,0-2 3-16,-2 1 4 0,1-2 3 0,2-2 4 0,-1 1 3 0,1-2 5 16,-1 0 3-16,1-1 1 0,0-1 2 0,-1-1 3 0,1-1 3 15,-3-1 2-15,2 1 3 0,-1-2 4 0,-1 0 2 0,2 0 4 0,-4-2 0 16,1 0 2-16,0 0 1 0,-2-1-1 0,0 0 0 0,-1 1-1 16,1-1-2-16,-3 0-1 0,0 2-4 0,0-1-5 0,-1 2-5 0,-1 0-6 15,-1 2-6-15,0-1-6 0,-2 2-6 0,0 0-8 0,-1 0-7 16,-4 3-9-16,4 0-9 0,-2 1-11 0,-2 0-12 0,0 2-13 0,0 0-15 15,-1 0-16-15,-2 2-17 0,0 2-19 0,1-1-20 0,-1 1-24 0,-2 2-23 16,2-1-33-16,2 2-38 0,-3-1-46 0,1 2-48 0,0-1-78 16,4-1-90-16,-1 2-39 0,1-2-12 0</inkml:trace>
-  <inkml:trace contextRef="#ctx0" brushRef="#br0" timeOffset="40457.22">19843 3318 358 0,'9'-4'516'0,"-1"2"-15"0,-2-1-93 0,2 1-134 0,1 1-70 0,1 1-41 15,-2 0-24-15,0 0-14 0,1 1-11 0,-1 1-11 0,0 1-8 0,0 1-7 16,-2-1-8-16,1 3-7 0,-3 0-8 0,1 0-9 0,0 2-5 16,1-1-8-16,-3 2-5 0,0 0-4 0,1-1-4 0,-3 2-2 0,-1-1-3 15,2 1-5-15,-2 1-3 0,0-2-4 0,-2 2-1 0,2-2-3 0,-1 1 1 16,-1 1 1-16,0-2 3 0,-1 0 1 0,0-2 2 0,-3 2 1 15,4-1 1-15,-1-1 3 0,0 1 0 0,0-2 3 0,0 0 1 0,-1-2 2 16,1 1 2-16,1-2 3 0,-1 0 2 0,-1 0 3 0,2-2 5 16,-1 2 3-16,2-3 3 0,1 2 4 0,0-2 0 0,0 0 0 0,-2-2 0 15,0 2-1-15,1-3-2 0,1 2 0 0,0-2-3 0,0 0-2 0,0 0-3 16,1-4-5-16,1 3-6 0,0-2-4 0,-1-1-5 0,1-1-7 16,-1 1-3-16,4-4-4 0,-2 2-3 0,0-1-3 0,2-3-4 0,0 2-2 15,0-3-4-15,1 2-5 0,2-1-1 0,-2-1-5 0,0 1-5 16,1-2-5-16,-1 3-5 0,3-2-5 0,-4 2-10 0,3 0-9 0,-3 2-11 15,3-2-10-15,-2 3-12 0,-1 0-14 0,0 1-19 0,0 2-20 0,-1-1-24 16,2 2-25-16,-3-1-40 0,2 3-46 0,-2 0-53 0,1 2-57 16,-1-3-73-16,0 4-78 0,-3 0-34 0,0 0-13 0</inkml:trace>
+  <inkml:trace contextRef="#ctx0" brushRef="#br0" timeOffset="40073.15">18888 3493 482 0,'1'-4'544'0,"-1"-1"-73"16,2-1-113-16,-1 2-76 0,-1-2-54 0,3 0-31 0,-1 0-20 15,-1 0-15-15,1 1-11 0,-1-1-10 0,3-1-9 0,-3 0-12 0,2 0-9 16,-1 1-10-16,0 0-10 0,1-1-11 0,0 1-10 0,0 0-8 16,2 0-7-16,-4 0-6 0,2 1-4 0,1 1-4 0,-1-1-5 0,0 1-6 15,2-1-4-15,-2 2-4 0,5-1-5 0,-5 1-2 0,0 0-4 0,2 0-2 16,-2 1-2-16,2-1-1 0,-2 2-2 0,2-1-1 0,2 2 0 16,-2 0-2-16,2 0 0 0,-1 0 0 0,-1 2-1 0,4-1 1 0,-2 2 0 15,1 0 0-15,-2 2 2 0,3-1-1 0,-2 2-1 0,-1-1 0 16,2 2-2-16,0 1 0 0,0-1-1 0,-2 2 1 0,1 0-1 0,-3 1 1 15,2 1-2-15,-1 0-2 0,2-1 0 0,-4 1-2 0,2 1-1 16,-2 0 0-16,0 0 0 0,0-2 2 0,-2 1-1 0,1-1 0 0,-1 1 0 16,-1-1 1-16,0-1-1 0,-1 1 1 0,-1 0 2 0,2-3 0 15,-1 1 1-15,-4-2 1 0,4 1 1 0,-1-2 2 0,1 1 1 0,-3-3 3 16,1 1 1-16,2-1 3 0,-1 0 3 0,0-1 3 0,2-1 8 0,-1-1 3 16,1 0 3-16,0 0 2 0,0 0 2 0,0 0 1 0,0-1 0 15,0-2-1-15,0-1 0 0,0 2 1 0,0-4-2 0,0 0 2 0,1-1 1 16,-1 2-4-16,2-4-5 0,0 1-2 0,-1-2-3 0,1-1-2 15,1 0-2-15,0 0 0 0,0-3-2 0,2 2-2 0,-1 0 0 0,1-1-3 16,0-1-1-16,0 1-4 0,1 1-2 0,0-2-4 0,2 2-2 0,-3 0 0 16,2 1-3-16,-1 1 0 0,3 1-1 0,-2 0-1 0,1 2-1 15,-2-1-1-15,3 1 0 0,-1 2 0 0,0-1-2 0,3 3 1 0,-1-1 0 16,-2 1 0-16,1 1-2 0,0 0 2 0,3 2-1 0,-3 2 0 16,2 0 0-16,-1 1 1 0,-1 1-1 0,2 1 0 0,-3 1 0 0,0 0-2 15,1 1 0-15,-1 1-2 0,-1 1-1 0,-1 0 0 0,-1 3 0 0,-2-2 0 16,3 2 0-16,-3-1 1 0,-1 1-1 0,0-2 1 0,-2 2 0 15,0 0 2-15,0 0-1 0,0-1 1 0,-2 0 2 0,0 0 2 0,-1 0 0 16,2-2 2-16,-4 1 1 0,2-1 2 0,-2-2 1 0,2 1 1 16,-2-2 1-16,2 2 0 0,-2-2 4 0,0-2 0 0,1 0 2 15,1 0 4-15,0 0 2 0,-1-1 3 0,1-1 2 0,2 1 3 0,-1-3 2 16,0 0-1-16,2 0 0 0,0 0 0 0,0 0 0 0,0-3 0 0,0 0-1 16,0 0-2-16,0 0-1 0,2-2-4 0,0-1-3 0,-1-1-3 15,2-1-4-15,1 1-2 0,0-2-2 0,2-2-2 0,-1 1-1 0,2-2-2 16,1 0-1-16,-2-2-2 0,3 0-2 0,-1 0 0 0,2-1-1 15,1 1 0-15,-2-1-1 0,1 2-1 0,1-1 0 0,0 2 1 0,-1 0-1 16,0 2 0-16,-2 1 0 0,2 0 1 0,-2 1-1 0,-1 2 0 16,0 0 0-16,-1 0 0 0,-1 3-1 0,-2 0 0 0,3 2-1 0,-2-1 0 15,-1 1 0-15,-2 1 0 0,3 1 0 0,-3 1 0 0,1 0 0 0,-1 3 1 16,3 0 1-16,-4 2 0 0,1-1 0 0,1 2-1 0,-1 1 0 0,-1 0 0 16,2 1-1-16,-2 1-1 0,2 1-1 0,0-1-3 0,-2 0-2 15,2 1-2-15,0 0-2 0,-1-1-1 0,1 0-2 0,-1 0 1 0,3 0-1 16,-3-1 2-16,4-2-1 0,-2 1 3 0,0-2 2 0,2 1 3 15,0-2 4-15,-1-1 4 0,1 2 5 0,2-4 4 0,-1 1 5 0,2-1 3 16,0-2 3-16,-2 1 4 0,1-2 3 0,2-2 4 0,-1 1 3 0,1-2 5 16,-1 0 3-16,1-1 1 0,0-1 2 0,-1-1 3 0,1-1 3 15,-3-1 2-15,2 1 3 0,-1-2 4 0,-1 0 2 0,2 0 4 0,-4-2 0 16,1 0 2-16,0 0 1 0,-2-1-1 0,0 0 0 0,-1 1-1 16,1-1-2-16,-3 0-1 0,0 2-4 0,0-1-5 0,-1 2-5 0,-1 0-6 15,-1 2-6-15,0-1-6 0,-2 2-6 0,0 0-8 0,-1 0-7 16,-4 3-9-16,4 0-9 0,-2 1-11 0,-2 0-12 0,0 2-13 0,0 0-15 15,-1 0-16-15,-2 2-17 0,0 2-19 0,1-1-20 0,-1 1-24 0,-2 2-23 16,2-1-33-16,2 2-38 0,-3-1-46 0,1 2-48 0,0-1-78 16,4-1-90-16,-1 2-39 0,1-2-12 0</inkml:trace>
+  <inkml:trace contextRef="#ctx0" brushRef="#br0" timeOffset="40457.21">19843 3318 358 0,'9'-4'516'0,"-1"2"-15"0,-2-1-93 0,2 1-134 0,1 1-70 0,1 1-41 15,-2 0-24-15,0 0-14 0,1 1-11 0,-1 1-11 0,0 1-8 0,0 1-7 16,-2-1-8-16,1 3-7 0,-3 0-8 0,1 0-9 0,0 2-5 16,1-1-8-16,-3 2-5 0,0 0-4 0,1-1-4 0,-3 2-2 0,-1-1-3 15,2 1-5-15,-2 1-3 0,0-2-4 0,-2 2-1 0,2-2-3 0,-1 1 1 16,-1 1 1-16,0-2 3 0,-1 0 1 0,0-2 2 0,-3 2 1 15,4-1 1-15,-1-1 3 0,0 1 0 0,0-2 3 0,0 0 1 0,-1-2 2 16,1 1 2-16,1-2 3 0,-1 0 2 0,-1 0 3 0,2-2 5 16,-1 2 3-16,2-3 3 0,1 2 4 0,0-2 0 0,0 0 0 0,-2-2 0 15,0 2-1-15,1-3-2 0,1 2 0 0,0-2-3 0,0 0-2 0,0 0-3 16,1-4-5-16,1 3-6 0,0-2-4 0,-1-1-5 0,1-1-7 16,-1 1-3-16,4-4-4 0,-2 2-3 0,0-1-3 0,2-3-4 0,0 2-2 15,0-3-4-15,1 2-5 0,2-1-1 0,-2-1-5 0,0 1-5 16,1-2-5-16,-1 3-5 0,3-2-5 0,-4 2-10 0,3 0-9 0,-3 2-11 15,3-2-10-15,-2 3-12 0,-1 0-14 0,0 1-19 0,0 2-20 0,-1-1-24 16,2 2-25-16,-3-1-40 0,2 3-46 0,-2 0-53 0,1 2-57 16,-1-3-73-16,0 4-78 0,-3 0-34 0,0 0-13 0</inkml:trace>
   <inkml:trace contextRef="#ctx0" brushRef="#br0" timeOffset="40617.64">20419 3618 52 0,'0'0'598'0,"0"-2"4"0,-1 0 2 15,-1 0 1-15,1 0-114 0,1 1-176 0,-2-2-128 0,0 3-103 0,2 0-101 16,0 0-96-16,0 0-133 0,0 0-155 0,0 0-87 0,0 0-54 16,-3 0-33-16,2 1-22 0</inkml:trace>
   <inkml:trace contextRef="#ctx0" brushRef="#br0" timeOffset="55331.8">19298 5208 189 0,'0'-5'507'0,"2"1"3"0,-1-1-85 16,-1 1-127-16,2 0-71 0,-2 2-42 0,0-1-27 0,0 1-18 16,0-1-15-16,0 3-13 0,0 0-12 0,0 0-10 0,0 0-12 0,-2 0-15 15,2 0-14-15,-1 0-11 0,-1 0-10 0,-1 2-7 0,-1-1-3 16,1 2-2-16,-2 1 0 0,1 0 2 0,0 2 0 0,-3 0 2 0,-2 0 2 16,3 0 2-16,-1 1 2 0,-1 1 1 0,-1 1-2 0,3 0-3 15,-4 0-3-15,4 1-3 0,-4 1-4 0,2-2-3 0,2 1-2 16,-1-1-2-16,-2 0-2 0,1 2-2 0,4-2-2 0,-3 1 0 0,1-1-1 15,0-1-2-15,3 1 1 0,-4-2 1 0,4-1-2 0,0 0 2 16,1 0 0-16,0-1-2 0,1-1 2 0,-1-1 0 0,2 0 2 0,0 0 1 16,2-1 1-16,-1 1 2 0,1-3 0 0,1 1 3 0,1 1 2 15,-1-2 3-15,2 0 2 0,-1 0 0 0,4 0 2 0,-2 0 3 16,1 0 1-16,1 0 3 0,2-2-1 0,-1 1 3 0,0 1-1 0,2-2 1 16,-1 1-2-16,1 1 0 0,0-2-2 0,-2 0 0 0,3 2 0 15,-2-1-2-15,0 0-1 0,0 1-1 0,-1 0-2 0,0 0-1 0,-1 0-2 16,0 0 1-16,1 1-2 0,0 0-2 0,-1 3 0 15,1-3 0-15,-3 2-1 0,1 0-3 0,-3 2 0 0,3-3-2 0,-2 3-2 16,1 0 1-16,0-1-4 0,-3 2 0 0,2-1-1 0,-2 2-1 0,0-1 2 16,-1 2 0-16,1-1 0 0,-3 1-1 0,3-1 2 0,-3 0 0 15,-3 1 3-15,3 0 2 0,-3-1 0 0,1 1 3 0,-2-1 2 0,0 2 5 16,0-1 0-16,-4-1 1 0,0 1 1 0,2-1-1 0,-2 1 1 16,-1-1 0-16,-3 2 0 0,3-1-2 0,-1-3 1 0,-1 3-1 15,1-2 0-15,-2 2-2 0,1-2 0 0,1 0-3 0,1-2-3 0,-4 1-3 16,4 1-7-16,-4-3-5 0,5 1-8 0,-1-1-7 0,-1 0-10 15,-1-1-10-15,3-2-12 0,0 1-14 0,-1-1-18 0,1 0-20 16,0-1-26-16,0 1-25 0,0-2-37 0,0-1-40 0,2-1-54 0,-1 1-57 16,3-3-84-16,-1 1-98 0,2-2-43 0,2-2-20 0</inkml:trace>
   <inkml:trace contextRef="#ctx0" brushRef="#br0" timeOffset="55824.42">19284 5202 455 0,'5'-5'472'0,"3"1"-57"16,-2 1-81-16,4-2-95 0,-2 2-55 0,2 0-36 0,0 2-19 15,1-1-15-15,0-1-7 0,2 3-8 0,1-1-7 0,0-1-5 0,2 2-7 16,-2 0-8-16,5 0-9 0,-3 2-9 0,3-1-8 0,-3-1-7 16,3 3-4-16,0-1-4 0,-5 1-3 0,3 0-2 0,-2-1-2 0,0 2-1 15,-3 0-2-15,0 1 0 0,-1-2-1 0,-3 1-1 0,0 1-1 16,0 1-2-16,0-2-4 0,-3 2-2 0,-1 0-1 0,1 0-1 15,-1 3 0-15,-3-1 0 0,-1 1-1 0,2 0-2 0,-2 0 0 0,-2 1-2 16,1 1-1-16,-3-1-1 0,1 2-1 0,0 2-1 0,-2-2 2 0,0 1 1 16,-4 1-1-16,4-1 0 0,-3 2 0 0,2-1 0 0,-2 1 0 15,2-2 1-15,-1 2 0 0,1 0-1 0,0-1 0 0,0 1 1 16,1-2 0-16,2 1 2 0,-1-1 0 0,1 0 1 0,2 1 0 0,1-2 1 16,0 0 0-16,0-1-2 0,1-1 2 0,2-1-2 0,2 0 2 15,0-1 1-15,1-1 0 0,0 1 4 0,2-2-1 0,-1-2 2 16,2-1 0-16,-1 0 2 0,0 0-1 0,2-1 2 0,2-2 1 0,-2 0 0 15,1-2 0-15,1-1 2 0,1 0 2 0,-1 0 1 0,1-1 3 16,1-2-1-16,-2-2 3 0,-3 1 3 0,4-3 3 0,-1 2 4 0,-2-3 2 16,-1 1 4-16,1-1 4 0,0-1 4 0,-3-1 3 0,-1-1 2 15,1-1 1-15,-2 2 0 0,0-2-1 0,-2 0 0 0,0-2-1 0,0 2-1 16,-2 0-2-16,-1 2-3 0,-1-2-3 0,-2 1-3 0,0 2-6 16,0 0-7-16,-4 0-6 0,2 2-5 0,0 0-4 0,-4 2-6 0,1 0-6 15,0 1-6-15,-1 2-9 0,-2-1-6 0,1 3-10 0,-3 0-9 16,1 2-11-16,-1-1-9 0,-1 2-10 0,0 2-11 0,-2-1-14 0,0 2-16 15,1 0-20-15,-2 3-23 0,-1 2-29 0,2-1-33 0,-2 1-43 16,2 1-49-16,-1 0-71 0,2 1-79 0,2 1-67 0,1-1-58 16,2 1-22-16,0-1-6 0</inkml:trace>
-  <inkml:trace contextRef="#ctx0" brushRef="#br0" timeOffset="56193.79">20007 5365 536 0,'0'-4'548'0,"-2"2"-73"0,-1-1-115 16,3 0-88-16,-1 2-74 0,-1 1-45 0,2-2-28 0,-2 1-19 16,1 1-17-16,-1 0-15 0,1 1-15 0,-3 1-11 0,1-1-10 15,2 2-9-15,-4 2-9 0,2-1-7 0,-5 2-9 0,5 0-5 0,-2 2-2 16,0-1-1-16,0 2 2 0,0-1 0 0,2 1-1 0,-3 0 0 15,3 0 1-15,-2 0 1 0,2-2 0 0,0 1 1 0,1-1-1 0,-1 2 1 16,1-3 1-16,2 0 1 0,-1 0 1 0,-1-1 2 0,2-1 2 16,0-1 2-16,0 0 3 0,0 0 5 0,0-1 4 0,0 1 6 15,0-3 6-15,0 0 6 0,0 0 7 0,0 0 7 0,0 0 7 0,0 0 5 16,2 0 5-16,-1 0 3 0,1-2 4 0,-2 1-2 0,3 1-2 16,-1-2-5-16,0 1-5 0,-1-1-7 0,2-1-7 0,1 1-7 0,-1 0-8 15,0-1-10-15,1 0-7 0,-1 0-11 0,-1 0-12 0,1-2-11 16,1 2-13-16,-1 0-10 0,0 0-11 0,-1 0-14 0,-1 0-16 15,2 0-21-15,-1 2-22 0,-2-1-28 0,2 1-32 0,-2 1-46 0,0 0-58 16,0 0-67-16,0 0-71 0,0 0-63 0,0 0-60 0,-4 0-24 16</inkml:trace>
+  <inkml:trace contextRef="#ctx0" brushRef="#br0" timeOffset="56193.78">20007 5365 536 0,'0'-4'548'0,"-2"2"-73"0,-1-1-115 16,3 0-88-16,-1 2-74 0,-1 1-45 0,2-2-28 0,-2 1-19 16,1 1-17-16,-1 0-15 0,1 1-15 0,-3 1-11 0,1-1-10 15,2 2-9-15,-4 2-9 0,2-1-7 0,-5 2-9 0,5 0-5 0,-2 2-2 16,0-1-1-16,0 2 2 0,0-1 0 0,2 1-1 0,-3 0 0 15,3 0 1-15,-2 0 1 0,2-2 0 0,0 1 1 0,1-1-1 0,-1 2 1 16,1-3 1-16,2 0 1 0,-1 0 1 0,-1-1 2 0,2-1 2 16,0-1 2-16,0 0 3 0,0 0 5 0,0-1 4 0,0 1 6 15,0-3 6-15,0 0 6 0,0 0 7 0,0 0 7 0,0 0 7 0,0 0 5 16,2 0 5-16,-1 0 3 0,1-2 4 0,-2 1-2 0,3 1-2 16,-1-2-5-16,0 1-5 0,-1-1-7 0,2-1-7 0,1 1-7 0,-1 0-8 15,0-1-10-15,1 0-7 0,-1 0-11 0,-1 0-12 0,1-2-11 16,1 2-13-16,-1 0-10 0,0 0-11 0,-1 0-14 0,-1 0-16 15,2 0-21-15,-1 2-22 0,-2-1-28 0,2 1-32 0,-2 1-46 0,0 0-58 16,0 0-67-16,0 0-71 0,0 0-63 0,0 0-60 0,-4 0-24 16</inkml:trace>
   <inkml:trace contextRef="#ctx0" brushRef="#br0" timeOffset="58590.9">19555 6765 344 0,'1'-4'569'0,"-1"3"-15"16,2-2-29-16,-1 2-99 0,-1-1-134 0,2 2-72 0,0-1-39 16,-2-1-24-16,1 2-16 0,-1 0-13 0,0 0-15 0,0 0-10 0,0 0-11 15,0 0-11-15,0 0-9 0,0 0-11 0,0 0-12 0,0 0-10 16,0 0-7-16,0 0-5 0,0 0-5 0,0 0-1 0,0 0-3 0,0 0-1 15,0 0-2-15,0 0-6 0,0 3-6 0,0-1-15 0,0 1-14 16,0-1-21-16,0 2-23 0,0 2-30 0,0 0-34 0,0-2-43 0,0 4-49 16,0-1-58-16,-1 4-64 0,1-1-89 0,-2 2-105 0,0 0-50 15,-1 0-21-15,2 2-4 0</inkml:trace>
   <inkml:trace contextRef="#ctx0" brushRef="#br0" timeOffset="58764.97">19474 7425 446 0,'6'0'539'0,"0"-2"7"16,-1 2-106-16,0-3-163 0,0 2-90 0,-2-1-57 0,2 0-44 0,-1 0-35 16,1 0-44-16,-2 1-48 0,1-2-61 0,-3 1-70 0,2 1-80 15,-3 1-86-15,0 0-73 0,0 0-67 0,0 0-35 0</inkml:trace>
   <inkml:trace contextRef="#ctx0" brushRef="#br0" timeOffset="58935.98">19453 7710 118 0,'0'4'496'0,"0"-1"-78"0,0 0-121 0,0-1-65 0,2-1-37 16,-1 1-25-16,-1-2-16 0,0 0-20 0,0 0-22 0,0 0-33 0,0 0-41 15,0 1-51-15,2-1-58 0,-2 0-70 0,0 0-75 0,3 3-100 16,0-1-114-16,-1-1-57 0,1 2-30 0</inkml:trace>
@@ -463,7 +469,7 @@
   <inkml:trace contextRef="#ctx0" brushRef="#br0" timeOffset="60139.02">19309 6967 398 0,'0'-4'487'0,"0"1"-71"0,0-2-106 16,0 2-100-16,-3 0-95 0,3 0-62 0,-1 2-42 16,1-2-39-16,0 3-38 0,0 0-42 0,0 0-45 0,0 0-59 0,0 0-69 15,0 0-70-15,0 4-70 0</inkml:trace>
   <inkml:trace contextRef="#ctx0" brushRef="#br0" timeOffset="60308.07">19311 7390 120 0,'2'2'480'16,"1"-1"1"-16,0 1-99 0,0-2-147 0,2 1-94 0,-2-1-69 0,0 0-54 15,2 1-48-15,-2 1-56 0,2-2-58 0,-2 3-84 0,2-1-96 16,-1-1-62-16,-1 2-44 0</inkml:trace>
   <inkml:trace contextRef="#ctx0" brushRef="#br0" timeOffset="60468.53">19322 7896 11 0,'0'4'246'0,"0"-1"-66"0,0 0-52 0,0 0-36 16,0 0-28-16,0-3-38 0,0 2-44 0,0-2-54 0,0 0-61 0,2 3-79 15,1 0-90-15</inkml:trace>
-  <inkml:trace contextRef="#ctx0" brushRef="#br0" timeOffset="60655.29">19166 8716 227 0,'-3'8'298'0,"-1"-1"-99"0,1-1-54 0,0 2-29 16,0-2-20-16,-1 0-16 0,3 1-22 0,-1 1-24 0,1-1-29 0,-4 1-30 15,4-1-32-15,-1 0-29 0,1 1-31 0,-3 1-33 0,1 0-32 16,2 0-34-16,1 2-63 0</inkml:trace>
+  <inkml:trace contextRef="#ctx0" brushRef="#br0" timeOffset="60655.28">19166 8716 227 0,'-3'8'298'0,"-1"-1"-99"0,1-1-54 0,0 2-29 16,0-2-20-16,-1 0-16 0,3 1-22 0,-1 1-24 0,1-1-29 0,-4 1-30 15,4-1-32-15,-1 0-29 0,1 1-31 0,-3 1-33 0,1 0-32 16,2 0-34-16,1 2-63 0</inkml:trace>
   <inkml:trace contextRef="#ctx0" brushRef="#br0" timeOffset="60784.33">18961 9283 253 0,'-3'11'221'0,"-3"-2"-41"0,3-2-27 0,2-1-19 15,-3 2-15-15,4-4-12 0,-1 2-26 0,1-3-32 0,0 2-65 16,1-3-76-16,3 0-105 0,-3 0-118 0,7-2-63 0</inkml:trace>
   <inkml:trace contextRef="#ctx0" brushRef="#br0" timeOffset="60954.36">19030 9690 316 0,'-4'4'541'0,"4"-1"10"0,-1 0-69 15,-1 0-111-15,2-1-101 0,0-1-99 0,0-1-59 0,0 0-36 16,0 0-40-16,0 0-42 0,0 0-72 0,0 0-90 0,0 0-112 16,0 0-124-16,-1-1-71 0,-3-1-44 0,0 0-30 0</inkml:trace>
 </inkml:ink>
@@ -513,7 +519,7 @@
   <inkml:trace contextRef="#ctx0" brushRef="#br0" timeOffset="8049.44">26481 6850 112 0,'2'-4'477'0,"1"-1"-61"0,0 2-84 0,1 0-51 0,2 0-32 16,0 2-27-16,0-1-28 0,1 2-19 0,1 0-20 0,1 0-14 0,1 0-15 15,-1 0-12-15,4 2-9 0,-1-1-11 0,1 1-9 0,3-1-14 16,-2 2-14-16,5 0-16 0,-2-1-20 0,3 1-20 0,-2 0-23 0,2 0-20 15,2 1-18-15,0-1-14 0,0-1-14 0,-1 1-14 0,2 0-15 16,-3 0-15-16,1-2-14 0,0 2-9 0,-1-1-7 0,-2-1 0 16,1-1 4-16,-3 0 10 0,-2 0 13 0,0 0 13 0,-2 0 14 15,1-1 15-15,-3-1 12 0,1 2 17 0,-3-2 18 0,0 1 20 0,-1 1 21 16,0-1 21-16,-2 1 17 0,-1-2 12 0,0 2 9 0,-1 0 10 0,-2 0 11 16,1 2 13-16,-2-2 12 0,0 1 13 0,-2 2 10 0,1 2 10 15,-1-1 5-15,-1 2 4 0,-2 2 1 0,0-1 1 0,0 4-1 0,1-1 0 16,-2 2 1-16,-1-2-4 0,-1 3-5 0,0 0-7 0,1 2-13 15,-1 0-9-15,0 0-12 0,0 0-11 0,0 0-11 0,0 2-10 16,2-3-12-16,-2 2-11 0,0-1-16 0,2 1-15 0,-1-1-18 0,2 0-24 16,1 0-25-16,-2-1-31 0,2-1-34 0,1 2-34 15,2-3-33-15,1 0-49 0,0-3-53 0,3 2-91 0,2-3-106 0,1 2-60 16,2-3-38-16,0 1-12 0</inkml:trace>
   <inkml:trace contextRef="#ctx0" brushRef="#br0" timeOffset="8250.17">26768 7053 1 0,'-10'0'576'0,"4"-2"10"0,-2 2 10 0,3 0-101 0,0 0-154 15,4 0-91-15,-2 0-58 0,3 0-37 0,0 0-24 0,0 0-25 16,1 2-27-16,1-1-34 0,1 2-40 0,2 0-53 0,2 0-59 15,1 0-91-15,2 2-107 0,1-2-105 0,3 1-104 0,1 2-52 0,2-1-25 16,2 1-16-16</inkml:trace>
   <inkml:trace contextRef="#ctx0" brushRef="#br0" timeOffset="8408.2">27418 7410 243 0,'0'0'591'0,"0"0"2"0,0 0 0 0,0 0-111 0,0 0-166 16,0 0-117-16,0 0-93 0,0 0-79 0,-2 1-74 0,2-1-100 0,-3 2-115 16,-4-2-112-16,2 2-107 0,-4 0-58 0,-2 0-32 0,0 1-19 15</inkml:trace>
-  <inkml:trace contextRef="#ctx0" brushRef="#br0" timeOffset="9051.35">25503 7855 322 0,'6'-4'616'0,"2"-1"9"0,-4 1-61 0,1-1-96 0,-1 2-106 0,0-1-110 15,0 1-57-15,-3-2-33 0,2 2-18 0,2 0-14 0,-4 2-12 16,1-1-13-16,-1-1-12 0,3 1-10 0,-4 1-11 0,1 1-13 0,-1-1-9 16,0 1-12-16,0 0-7 0,0 0-6 0,0 0-5 0,0 0 0 15,0 0-4-15,0 0 0 0,0 0-1 0,0 0-3 0,0 0-2 16,0 0-3-16,0 0-2 0,0 0-2 0,0 0-1 0,0 0 0 15,0 0 2-15,0 0 0 0,0 0 4 0,0 0 2 0,0 0 5 0,2 0 4 16,0 0 4-16,-1 0 4 0,1-2 3 0,-1 2 4 0,3-1 1 0,-3-1 2 16,2 2 0-16,1-1 1 0,-2-1 0 0,2 2 1 0,-1-3-5 15,0 3-1-15,0-1-3 0,2 1-4 0,-2-2-3 0,2 0-3 0,-2 2-2 16,3-1-1-16,-3 0-1 0,1 1-1 0,-3-2 2 0,2 2 0 16,1-1 1-16,-1 1 1 0,-1 0 2 0,1 0 0 0,-2 0 3 15,-1 0 0-15,0 0 3 0,3-2 1 0,-3 2 2 0,0 0-1 0,0 0 0 16,0 0 0-16,2-1 1 0,-2 1-1 0,0 0-2 0,0 0-1 15,0 0-1-15,1-2-3 0,-1 2-2 0,0 0-2 0,2-1-2 16,-1-1-4-16,-1 2-4 0,0 0-4 0,0 0-11 0,0 0-11 0,0 0-19 16,0 0-21-16,0 0-29 0,0-1-34 0,0-1-41 0,-1 2-46 15,1 0-65-15,-2 0-73 0,2 0-115 0,-3 2-137 0,-1-1-77 0,-3 2-48 16,2 2-17-16,1-1-3 0</inkml:trace>
+  <inkml:trace contextRef="#ctx0" brushRef="#br0" timeOffset="9051.34">25503 7855 322 0,'6'-4'616'0,"2"-1"9"0,-4 1-61 0,1-1-96 0,-1 2-106 0,0-1-110 15,0 1-57-15,-3-2-33 0,2 2-18 0,2 0-14 0,-4 2-12 16,1-1-13-16,-1-1-12 0,3 1-10 0,-4 1-11 0,1 1-13 0,-1-1-9 16,0 1-12-16,0 0-7 0,0 0-6 0,0 0-5 0,0 0 0 15,0 0-4-15,0 0 0 0,0 0-1 0,0 0-3 0,0 0-2 16,0 0-3-16,0 0-2 0,0 0-2 0,0 0-1 0,0 0 0 15,0 0 2-15,0 0 0 0,0 0 4 0,0 0 2 0,0 0 5 0,2 0 4 16,0 0 4-16,-1 0 4 0,1-2 3 0,-1 2 4 0,3-1 1 0,-3-1 2 16,2 2 0-16,1-1 1 0,-2-1 0 0,2 2 1 0,-1-3-5 15,0 3-1-15,0-1-3 0,2 1-4 0,-2-2-3 0,2 0-3 0,-2 2-2 16,3-1-1-16,-3 0-1 0,1 1-1 0,-3-2 2 0,2 2 0 16,1-1 1-16,-1 1 1 0,-1 0 2 0,1 0 0 0,-2 0 3 15,-1 0 0-15,0 0 3 0,3-2 1 0,-3 2 2 0,0 0-1 0,0 0 0 16,0 0 0-16,2-1 1 0,-2 1-1 0,0 0-2 0,0 0-1 15,0 0-1-15,1-2-3 0,-1 2-2 0,0 0-2 0,2-1-2 16,-1-1-4-16,-1 2-4 0,0 0-4 0,0 0-11 0,0 0-11 0,0 0-19 16,0 0-21-16,0 0-29 0,0-1-34 0,0-1-41 0,-1 2-46 15,1 0-65-15,-2 0-73 0,2 0-115 0,-3 2-137 0,-1-1-77 0,-3 2-48 16,2 2-17-16,1-1-3 0</inkml:trace>
   <inkml:trace contextRef="#ctx0" brushRef="#br0" timeOffset="9722.62">25895 8017 22 0,'5'-6'628'16,"-1"0"12"-16,1 0 10 0,3 2 11 0,0-2-120 0,-3 0-182 15,-1 0-98-15,1 0-56 0,2 1-29 0,-1 1-19 0,-2-1-17 0,1 2-19 16,0 0-16-16,-2 0-17 0,2 2-16 0,-1-1-15 0,1 1-14 15,-2 1-17-15,1 1-14 0,-1 1-11 0,0-1-6 0,0 2-4 16,0 0 0-16,1 1 1 0,-3 1 0 0,4 1 2 0,-5 0 1 0,0 0-1 0,0 2 0 16,-5-2 0-16,4 1-2 0,-3-1-1 0,1 1 0 0,-2 1-2 15,1-2-2-15,-1 2-1 0,-2-2-4 0,1 1-4 0,0-1 0 16,0 2-2-16,1-2 0 0,-2 1 2 0,1-2-1 0,2 1 1 0,0 0 1 16,0 0 0-16,0 0 1 0,1 0 2 0,-2 0 1 0,4 0 1 15,-2 0 3-15,1 0 3 0,1 0 2 0,-1 1 2 0,2-1 2 0,0 2 0 16,0-2 1-16,0 1 2 0,0-1 1 0,-1 3 1 0,1-1 2 15,-2-1 2-15,0 1 1 0,1-1 1 0,-2 1 4 0,-1-1-1 16,1 2 2-16,-2-1 0 0,-4-1 2 0,1 2-1 0,-2-2 1 16,0 0-2-16,-2-1 0 0,0 0-3 0,-1 0-6 0,0-2-5 0,-2 1-10 15,2-1-9-15,-1 1-13 0,1-2-14 0,0 0-16 0,3-2-16 16,0 1-16-16,2-1-15 0,-1 1-17 0,4-1-16 0,2-1-17 0,-1 0-16 16,4 0-13-16,2 0-12 0,0-3-9 0,3 0-5 0,-1 0 0 15,5-1 1-15,1-2 5 0,1-2 6 0,3 0 10 0,1 0 11 0,2-1 16 16,1-2 17-16,0-1 21 0,1 2 22 0,2-2 27 0,-1-1 29 15,-1 3 33-15,1-2 34 0,-2 2 29 0,-2-1 27 0,0 4 23 16,-2-2 17-16,0 3 15 0,-1 0 12 0,0 1 11 0,-4 4 12 0,1-2 7 16,1 3 7-16,-3 1-1 0,0 1 0 0,0 0-9 0,-1 3-10 15,0 1-9-15,1 1-9 0,-2 1-5 0,3 0-5 0,-1 1-3 0,0 0-1 16,0 0-5-16,1 0-7 0,0 1-5 0,-1-1-7 0,2 2-6 16,-2-4-6-16,2 2-5 0,1-1-6 0,0-1-3 0,-1 1-6 0,-1-2-1 15,2-1-3-15,-1 0-4 0,-2 0-1 0,1-2-2 0,-1-2 0 16,-2 1-2-16,2-2-1 0,0-2-4 0,-2 1-2 0,-1-2-3 15,0 1-4-15,-2-2-3 0,2-1-4 0,-1-1-3 0,-1 0-6 0,1-2-3 16,-3 0-6-16,-1-2-5 0,2 0-6 0,-2 0-2 0,0-1-4 16,0 1-4-16,-2-1-2 0,1 1-4 0,-1-1-2 0,-3 2-5 0,1 0-5 15,-1 2-4-15,-1-1-3 0,-2 2-3 0,0 2-3 0,-6-1-2 16,-1 4-5-16,0 1-5 0,-6 1-9 0,0 4-10 0,-4-1-12 16,-2 4-18-16,-3 1-20 0,-1 3-28 0,-3 3-31 0,0 1-39 15,-1 2-41-15,-4 5-66 0,-1 1-81 0,0 1-89 0,1 4-92 0,-2-1-43 16,1 4-21-16,0 2-4 0</inkml:trace>
   <inkml:trace contextRef="#ctx0" brushRef="#br0" timeOffset="10026.7">26497 8708 173 0,'9'-8'729'0,"0"-2"-32"0,-5 2-10 0,1 2-3 0,0 0-125 16,-1 1-188-16,0 2-119 0,-3-1-88 0,1 1-49 0,-1 1-32 0,-1 0-27 15,0 0-23-15,0 2-26 0,0 0-26 0,0 0-32 0,-1 0-36 0,-2 1-59 16,-1 0-71-16,0 1-126 0,-2 3-155 0,-1-1-92 0,-1 1-59 16,-4 1-28-16,1 1-15 0</inkml:trace>
   <inkml:trace contextRef="#ctx0" brushRef="#br0" timeOffset="10177.74">26133 9158 60 0,'-1'2'642'0,"-4"-2"-3"0,2 0-2 0,3 0-1 0,0 0-107 0,-1-2-161 16,1 1-134-16,0 0-122 0,0-1-84 0,0 1-68 0,1-2-82 15,1 0-89-15,1 0-124 0,1-1-142 0,-1 2-77 0,1-1-43 0,-3 0-23 16,4 1-15-16</inkml:trace>
@@ -533,7 +539,7 @@
   <inkml:trace contextRef="#ctx0" brushRef="#br0" timeOffset="25161.95">22623 16291 69 0,'7'-6'556'16,"-2"0"14"-16,-1 0 15 0,1-1-66 0,3 1-107 0,-4-3-93 0,1 1-86 15,0 1-49-15,0-1-31 0,0-1-15 0,2 2-5 0,-2-2-2 16,-2 0 1-16,2 0-6 0,-2 0-7 0,2 1-11 0,-2-1-11 0,1 0-12 16,-3 0-8-16,2 2-8 0,-1-2-10 0,-2 0-5 0,0-1-4 15,0 2-6-15,0 0-6 0,-5-1-7 0,4 2-7 0,-3-1-8 0,1 1-8 16,-2-1-8-16,1 2-7 0,-3 2-6 0,-2-2-3 0,1 2-2 16,-2 2-3-16,1 0 1 0,-4 2 1 0,0 2 0 0,0 0 2 0,-4 5 2 15,0-1 4-15,0 3 2 0,-4 1 5 0,2 2 1 0,0 1 6 0,-1 3 1 16,-1 0 3-16,0 2 0 0,1 0-2 0,1 0-1 0,2 2-3 15,0-1-6-15,0 1-3 0,3-2-5 0,0 1-5 0,2-1-6 0,2 0-4 16,2-1-6-16,2 1-4 0,-2-2-4 0,3-1-4 0,4 0-2 16,1 0-3-16,0-1 0 0,0-2-2 0,3-2 0 0,2-1-1 0,1 0 0 15,0-2 1-15,0 0 1 0,2-3 3 0,3 1 0 0,0-3 4 0,-1-2 3 16,4 0 1-16,-3-1 4 0,5-2 3 0,-3-1 3 0,2-2 3 16,0-2 3-16,0-1 3 0,-2-1 4 0,4-1 4 0,-4-2 1 0,2-2 3 15,-1 1 4-15,-2-1 2 0,2-1 3 0,-1-2 4 0,1 1 3 16,-3-1 3-16,-1 2 3 0,2-1 5 0,-2 1 4 0,-2-1 2 0,1 4 4 15,-1 1 2-15,-1 0 4 0,-2 1 1 0,-1 2 1 0,2 2-2 0,-3-1-1 16,-1 4-4-16,1 1-2 0,-3 0-2 0,2 0-3 0,-2 3-1 16,0 0 0-16,0 0 0 0,0 3-1 0,0 1 0 0,0 0 1 0,0 3 3 15,0-1 1-15,0 3 3 0,0 0 4 0,0 1 2 0,0-1 5 16,0 3 0-16,0 0 1 0,0 0-1 0,0 2 0 0,0-2-4 0,2 0 0 16,-2 0-3-16,1 1-4 0,-1-2-3 0,2 1-3 0,-1-2-3 0,-1 1-4 15,2-1-1-15,0-1-2 0,-1 0-2 0,1-1-1 0,-1-2-3 16,3 1-2-16,-2-1-6 0,2-1-3 0,-1-1-8 0,0-1-7 15,0 0-7-15,0 0-8 0,2-1-11 0,-2-2-8 0,2 0-11 0,1 0-17 16,1 0-19-16,-1 0-24 0,1-2-24 0,0-1-31 0,-1 0-33 0,2 0-38 16,1 0-44-16,1-1-62 0,0-1-70 0,0 1-65 0,0-2-58 15,2-2-25-15,-3 2-8 0</inkml:trace>
   <inkml:trace contextRef="#ctx0" brushRef="#br0" timeOffset="26032.67">23449 16072 214 0,'8'-10'590'0,"-4"-1"19"0,1 1-28 0,0-1-46 16,-2 2-92-16,-1 0-111 0,-1 2-63 0,-1 1-39 0,0-2-24 16,-1 4-19-16,-1-2-18 0,1 2-21 0,-3 0-19 0,1 3-19 0,0-1-19 15,-2 2-18-15,-2 2-12 0,-1-1-12 0,-2 3-7 0,0 1-10 16,-2 1-6-16,1 3-8 0,-5 0-3 0,2 2-3 0,-2 1 2 0,0 0 0 15,1 3 2-15,0-2 1 0,-1 2 0 0,2 2 0 0,0-1-2 0,1 1 0 16,0-2-1-16,3 1-2 0,-2 0 0 0,3 1 0 0,0 0-2 16,1-1-2-16,1-1-1 0,1 2 1 0,0-4-1 0,1 2 0 0,2-1-2 15,-1-2 0-15,3 0-4 0,-1 0-4 0,2-2-5 0,2-1-6 16,-1 0-8-16,3-1-9 0,1-1-10 0,-1-1-10 0,2 0-14 16,2-1-14-16,0-1-16 0,2 1-17 0,2-2-18 0,1-3-22 0,4 1-19 15,-1-1-18-15,3-1-15 0,2-2-12 0,0-2-10 0,0 1-10 0,5-2-6 16,-3-2-6-16,-2 1 1 0,4-1 1 0,-3-2 9 0,-1-1 15 15,1 1 18-15,0-2 23 0,-1-2 27 0,-4 1 29 0,2-1 30 0,-3-1 31 16,1 0 34-16,-1 0 37 0,-2-1 32 0,1 1 32 0,-3 0 32 16,-1-1 35-16,1 2 22 0,-2 0 20 0,-3 2 17 0,-1 0 15 0,-1 2 7 15,-2 1 5-15,2 0 1 0,-4 1-2 0,-1 2-8 0,0 2-11 0,0-1-13 16,-1 1-16-16,-4 2-15 0,2-1-16 0,0 3-14 0,0 0-13 0,-4 1-10 16,2 3-11-16,-4-1-8 0,3 3-6 0,-1 1-6 0,-1 1-4 15,-1 0-3-15,1 5-1 0,-1-3 1 0,1 2 2 0,-2 2 0 16,2-1 0-16,2 0-3 0,-2 1-2 0,0 1-5 0,4-1-4 0,0-1-7 15,0 1-5-15,0 1-4 0,3-2-6 0,-1-1-4 0,0 0-4 0,2 0-4 16,2-1-4-16,0 1-7 0,-1-3-8 0,3 0-11 0,-1 0-12 16,2-2-12-16,-1 1-11 0,2-1-14 0,2-1-13 0,0-1-13 0,0-2-13 15,2 0-11-15,-1-1-10 0,2-2-8 0,2 0-11 0,-2 0-6 0,0-2-5 16,3-1-1-16,-2 0 3 0,1-2 5 0,0-1 6 0,0-1 8 16,-4-1 9-16,3-1 10 0,1 0 9 0,-3-1 8 0,1-3 8 0,0 2 8 15,0-3 9-15,-1-1 9 0,1 2 10 0,-2-2 11 0,3-2 10 16,-2-1 11-16,0 2 9 0,0-2 11 0,0-2 9 0,2 2 7 0,-3 0 9 15,4 2 6-15,-5-1 7 0,1 2 7 0,2-1 6 0,-3 4 8 16,0-2 6-16,1 4 2 0,1-2 4 0,-2 3-1 0,-2 0 2 0,4 3 0 16,-4-1-1-16,0 3 3 0,2 0 3 0,2 1 3 0,-4 3 3 0,0 0 3 15,3 1 0-15,1 2 0 0,-2 0 1 0,0 3-1 0,0 2-1 16,1-1 0-16,0 2-1 0,-1 1-4 0,1 3-1 0,-3-1-6 0,1 0-8 16,-3 1-7-16,1 1-8 0,3 1-6 0,-4 0-5 0,0-2-5 15,-3 4-6-15,3-2-5 0,-4 0-4 0,1-2-4 0,-1 2-3 0,0-1-1 16,-1 1-2-16,-1-2-2 0,0 1-3 0,-1-2 0 0,-2 1 0 15,-1-2 0-15,2-1-1 0,-1 1 0 0,0-2 1 0,0 0 0 0,-1-2 1 16,0-1 1-16,1 0 2 0,-1-1 3 0,1-1 2 0,0-1 1 16,2 0 3-16,-3-1 1 0,3-1-1 0,-1-1 1 0,1-1 1 0,0-1 0 15,1-1 0-15,1 0-1 0,-1-3-2 0,0 0-1 0,2-1-4 0,0-1-4 16,2-2-4-16,0-1-2 0,-1-1-3 0,2 0-4 0,1-1-2 16,-1-1-3-16,2-3-2 0,2 1-6 0,0 0-2 0,1-2-4 0,0 0-3 15,2-2-3-15,-1 2-7 0,0 2-4 0,3-2-5 0,-2 1-8 16,0 2-9-16,1 0-9 0,-2 3-13 0,-1 0-12 0,0 2-14 0,1 1-14 15,-1 1-15-15,-1 2-15 0,-1 0-17 0,0 2-18 0,1-1-21 0,-3 2-21 16,0 2-19-16,1-1-22 0,-2 2-23 0,3 0-30 0,-3 0-30 16,2 2-28-16,-2-1-24 0,0 2-49 0,0-1-60 0,2 1-31 0,-2 1-21 15</inkml:trace>
   <inkml:trace contextRef="#ctx0" brushRef="#br0" timeOffset="26550">24731 16027 378 0,'2'-3'592'0,"-2"0"-26"0,0 0-53 15,0 0-75-15,-2 0-87 0,1 0-56 0,-3 2-41 0,-1-2-26 16,2 0-18-16,-3 0-21 0,2-1-21 0,-1 3-23 0,-2-2-24 0,1 3-23 16,-3 0-22-16,-1 0-14 0,0 3-10 0,-2 0-9 0,-1 0-7 15,0 3-7-15,-2 0-4 0,0 3-4 0,-2 1-2 0,3 1-2 0,-2 1 0 0,-1 0-1 16,2 2-2-16,-2 1 1 0,3 0-1 0,-2-2 0 0,3 2-2 16,1-1 1-16,-1 1-3 0,2-1 0 0,-1 0-1 0,4 0-1 15,0-3-1-15,-1 2-1 0,2-1 0 0,1-2 0 0,1 1-2 0,0-1 1 16,2-2-3-16,1-1 0 0,0 1-1 0,2-2 0 0,2-2-1 0,0-1 0 15,-1 0 1-15,3 0-1 0,-1 0-1 0,3-3 0 0,2 0-1 16,-2 0-3-16,2-3 0 0,0 0-3 0,5 0-1 0,-2-1-2 16,2-2-3-16,1-2-2 0,-2 1-2 0,4-1-2 0,-1-2-2 0,2-1-1 15,-3 1 0-15,2-2 0 0,0 0 1 0,-1 0 0 0,0-2 2 0,0 2 1 16,-2-1 1-16,1 1 2 0,1 0 4 0,-6 0 3 0,4 1 4 16,-4 2 4-16,-1 0 4 0,1 2 2 0,-4 1-2 0,2 1 1 0,-4 1-1 15,0 1 2-15,-1 1 2 0,-1 1 5 0,-1 1 1 0,0 0 4 16,0 3 1-16,0 0 0 0,-1 1-1 0,-1 1-1 0,2 1-2 0,-1-1 1 15,-1 3 0-15,0 0-1 0,1-1 0 0,-3 1-8 0,3-1-8 0,-1 1-12 16,2-1-13-16,-1 1-16 0,1-2-17 0,-2 1-19 0,0-1-22 16,2 0-27-16,-1-1-28 0,-1-1-35 0,2 1-32 0,0-1-46 0,0-1-51 15,2 0-43-15,-1 0-42 0,3 0-65 0,-3-1-78 0,2 1-33 16,1-3-9-16</inkml:trace>
-  <inkml:trace contextRef="#ctx0" brushRef="#br0" timeOffset="27138.13">24905 15942 349 0,'3'-9'583'16,"-1"0"16"-16,-1 1-76 0,2 2-120 0,-3 0-77 0,2 2-53 0,0-1-32 15,-2 2-24-15,1 0-19 0,-1 2-17 0,2-2-20 0,0 1-21 16,-2 0-22-16,1 2-23 0,-1-1-17 0,2 1-16 0,-1 0-12 0,4 0-7 0,-4 0-7 16,2 1-3-16,1-1-4 0,-3 4-2 0,6-3 0 0,-4 2 1 15,0 0 4-15,2 0 1 0,-1 3 5 0,1-1 2 0,-2 1 3 0,2 0 1 16,-2 0 0-16,1 3-3 0,-3-2 1 0,4 2-1 0,-3 2 0 15,0-2-1-15,0 1 0 0,0 1-4 0,-2-1-5 0,0 1-4 0,0-1-2 16,0 0-4-16,0 3-1 0,0-3-4 0,-2-1 0 0,0 2-1 16,0-1-1-16,0-1 1 0,-1 2-1 0,0-2-2 0,-1-2 0 0,1 2 1 15,2-1-1-15,-3-1 0 0,1 1 1 0,0-2-2 0,0-1 0 16,-2 0-1-16,4 0-1 0,-1-1-1 0,1 0 0 0,-3 0 0 0,3-3 1 16,-1 1 0-16,1 1 1 0,-1-3 3 0,2 0-1 0,0 0 0 0,0 0 1 15,-2 0-1-15,1-2 2 0,1 1-1 0,-2-2 1 0,0-1-1 16,2 2-1-16,-1-3 0 0,1 1-4 0,0-3-4 0,0 2-4 0,1-1-4 15,1-2-5-15,0-1-4 0,1 0-5 0,2-1-5 0,-2-1-6 16,0-1-2-16,5 0-6 0,-4 0-4 0,1-1-4 0,2-1-3 0,-1-1-2 16,3 0-1-16,-2 2-1 0,-1-2 1 0,2 1 4 0,-1-1 2 15,0 0 5-15,1 2 4 0,0-1 3 0,-1 2 5 0,-1 2 4 0,-2-2 5 16,1 1 4-16,0 1 5 0,-2 1 4 0,2 1 3 0,-2 2 4 0,2 0 3 16,-4 2 1-16,1-1 3 0,-1 1 2 0,-1 1 3 0,2 0 0 15,0 1 1-15,-2 0-1 0,0 2 1 0,0 0 0 0,0 0 0 0,0 0-1 16,0 0 0-16,0 0-3 0,0 0-2 0,0 0-3 0,0 0-2 0,0 0-4 15,-2 0-3-15,0 2 0 0,2 0-2 0,-1-2 0 0,-1 3 2 16,2-2-1-16,0 2 1 0,0 0 1 0,0 0-1 0,0 1 2 16,0 0 1-16,0 0 2 0,0 1 0 0,0-1 0 0,0 1 1 0,2 1 2 0,-1-2 1 15,-1 0 0-15,2 1-2 0,0 0 1 0,-2-2-1 0,1 1-1 16,-1 1 2-16,2-2-1 0,-1 0 0 0,-1 0 1 0,2-2-2 16,0 1 1-16,-2-1 0 0,1 1-3 0,-1-1-4 0,2-1-4 0,0 1-4 15,-2 1-5-15,1-2-6 0,-1 0-9 0,0 0-7 0,0 0-10 0,0 0-8 16,0 0-14-16,0 0-12 0,0 0-16 0,0 0-16 0,0 0-21 15,0 0-23-15,0 0-25 0,0 0-29 0,0 0-38 0,0 0-43 0,0 0-50 16,0 0-50-16,0 0-77 0,0 0-87 0,0 0-37 0,0 0-11 16</inkml:trace>
+  <inkml:trace contextRef="#ctx0" brushRef="#br0" timeOffset="27138.12">24905 15942 349 0,'3'-9'583'16,"-1"0"16"-16,-1 1-76 0,2 2-120 0,-3 0-77 0,2 2-53 0,0-1-32 15,-2 2-24-15,1 0-19 0,-1 2-17 0,2-2-20 0,0 1-21 16,-2 0-22-16,1 2-23 0,-1-1-17 0,2 1-16 0,-1 0-12 0,4 0-7 0,-4 0-7 16,2 1-3-16,1-1-4 0,-3 4-2 0,6-3 0 0,-4 2 1 15,0 0 4-15,2 0 1 0,-1 3 5 0,1-1 2 0,-2 1 3 0,2 0 1 16,-2 0 0-16,1 3-3 0,-3-2 1 0,4 2-1 0,-3 2 0 15,0-2-1-15,0 1 0 0,0 1-4 0,-2-1-5 0,0 1-4 0,0-1-2 16,0 0-4-16,0 3-1 0,0-3-4 0,-2-1 0 0,0 2-1 16,0-1-1-16,0-1 1 0,-1 2-1 0,0-2-2 0,-1-2 0 0,1 2 1 15,2-1-1-15,-3-1 0 0,1 1 1 0,0-2-2 0,0-1 0 16,-2 0-1-16,4 0-1 0,-1-1-1 0,1 0 0 0,-3 0 0 0,3-3 1 16,-1 1 0-16,1 1 1 0,-1-3 3 0,2 0-1 0,0 0 0 0,0 0 1 15,-2 0-1-15,1-2 2 0,1 1-1 0,-2-2 1 0,0-1-1 16,2 2-1-16,-1-3 0 0,1 1-4 0,0-3-4 0,0 2-4 0,1-1-4 15,1-2-5-15,0-1-4 0,1 0-5 0,2-1-5 0,-2-1-6 16,0-1-2-16,5 0-6 0,-4 0-4 0,1-1-4 0,2-1-3 0,-1-1-2 16,3 0-1-16,-2 2-1 0,-1-2 1 0,2 1 4 0,-1-1 2 15,0 0 5-15,1 2 4 0,0-1 3 0,-1 2 5 0,-1 2 4 0,-2-2 5 16,1 1 4-16,0 1 5 0,-2 1 4 0,2 1 3 0,-2 2 4 0,2 0 3 16,-4 2 1-16,1-1 3 0,-1 1 2 0,-1 1 3 0,2 0 0 15,0 1 1-15,-2 0-1 0,0 2 1 0,0 0 0 0,0 0 0 0,0 0-1 16,0 0 0-16,0 0-3 0,0 0-2 0,0 0-3 0,0 0-2 0,0 0-4 15,-2 0-3-15,0 2 0 0,2 0-2 0,-1-2 0 0,-1 3 2 16,2-2-1-16,0 2 1 0,0 0 1 0,0 0-1 0,0 1 2 16,0 0 1-16,0 0 2 0,0 1 0 0,0-1 0 0,0 1 1 0,2 1 2 0,-1-2 1 15,-1 0 0-15,2 1-2 0,0 0 1 0,-2-2-1 0,1 1-1 16,-1 1 2-16,2-2-1 0,-1 0 0 0,-1 0 1 0,2-2-2 16,0 1 1-16,-2-1 0 0,1 1-3 0,-1-1-4 0,2-1-4 0,0 1-4 15,-2 1-5-15,1-2-6 0,-1 0-9 0,0 0-7 0,0 0-10 0,0 0-8 16,0 0-14-16,0 0-12 0,0 0-16 0,0 0-16 0,0 0-21 15,0 0-23-15,0 0-25 0,0 0-29 0,0 0-38 0,0 0-43 0,0 0-50 16,0 0-50-16,0 0-77 0,0 0-87 0,0 0-37 0,0 0-11 16</inkml:trace>
   <inkml:trace contextRef="#ctx0" brushRef="#br0" timeOffset="28077.87">25246 15949 284 0,'-3'-6'585'0,"2"-1"-27"0,-1 1-50 16,-1-2-89-16,0 1-106 0,0 1-59 0,1-2-36 0,-1 2-18 15,1-1-11-15,-1 0-13 0,0 2-10 0,0-1-19 0,0 1-20 0,-1 1-20 16,0 1-19-16,1-2-16 0,0 2-15 0,-1 2-10 0,1-1-6 0,-2 2-7 16,1 0-6-16,-2 0-4 0,-1 2-2 0,-1 2-3 0,2 1-1 15,-2-1 1-15,-3 4 2 0,1-1 4 0,-2 4 4 0,1-1 5 0,-1 1 6 16,2 2 5-16,-3-1 5 0,2 2 4 0,-2 1 4 0,4 1 1 15,-4-1 2-15,4 0 0 0,1 0-2 0,-2 2-2 0,-1-2-6 0,5-1-3 16,-1 2-6-16,2-1-3 0,1 0-5 0,-2 0-4 0,3-2-6 16,1 1-3-16,0-2-2 0,2-1-3 0,0 2-3 0,2-1-2 0,0-2-2 15,1-1-1-15,3 0-1 0,-3-1-1 0,2-1-1 0,1 0-1 16,1 0-2-16,3-3-3 0,-2-1-3 0,2 0-2 0,0-1-6 0,4-2-2 16,-1 0-3-16,0-2-3 0,0-1-2 0,4-1-1 0,0-1-2 0,0-1-2 15,-1-1-1-15,1-3-2 0,1 2 2 0,-3-3 1 0,0-1 3 0,2 0 1 16,-3 0 3-16,3-1 2 0,1-2 1 0,-4 0 2 0,2-2 3 15,-2 0 1-15,2-1 1 0,-2 0 1 0,-1 1 1 0,1-1 1 0,-1-2 1 16,1 2 2-16,-3 2 0 0,-1-1 3 0,0 1 2 0,-2 2 3 16,1 2 1-16,-5 2 1 0,2 0-1 0,-1 3-1 0,-2 0-2 0,-1 2-2 15,-1 1-2-15,1 2-1 0,-2 2-1 0,0 0 3 0,-2 2 3 0,2 0 1 16,-3 5 0-16,2-1 2 0,-1 1 0 0,0 1 3 0,-1 2 3 16,0 1 5-16,-1-1 3 0,1 1 4 0,-1 1 4 0,3 1 1 15,-3-1 0-15,1 0-1 0,2 0-2 0,-3 0-4 0,3 0-1 0,-1 0-2 16,2-1-1-16,-1 0-2 0,1 0-3 0,0 0-1 0,0-2 1 15,1 1-2-15,-1-1-1 0,2 0-2 0,-1-1-3 0,3-2-2 0,-1 0-1 16,0 0-2-16,0 0-1 0,2-2 0 0,-2 2-3 0,3-3 1 0,1 2-3 16,-3-3 0-16,1 2-2 0,3-1 0 0,0-2 0 0,-2 1 0 15,2-2 0-15,0 0 0 0,3 0 0 0,-1-2-1 0,-2 1-1 0,2-2-1 16,0-2-2-16,3 1-1 0,-1-1-1 0,1-3-2 0,3 1-2 16,-3 0-1-16,1-4-1 0,2 2-2 0,-1-3-1 0,1-1-1 0,1-1 0 15,-2 1 1-15,0-2-1 0,0-2 0 0,1 1 0 0,-4-2 1 0,1 1 5 16,0-1 3-16,-2 2 2 0,0-1 3 0,-2 1 3 0,1 1 3 15,-1 1 4-15,-3 1 7 0,1-1 5 0,-1 2 7 0,-1 2 6 0,0-1 9 16,-1 2 6-16,-1 0 5 0,1 2 4 0,-3-1 4 0,-1 2 3 16,2 2 4-16,-2-1 4 0,0 1 1 0,0 1 2 0,0 0-2 0,-2 1-4 15,2 1-7-15,-1-1-6 0,1 1-9 0,0 1-9 0,0 0-8 0,-4 1-5 16,3 1-5-16,-1 1-6 0,1 0-2 0,-4 1-7 0,2 2-2 16,-2 0-2-16,4 1 0 0,-4 3 4 0,2 0 2 0,-2 2 7 0,2 0 4 15,-3 3 5-15,3 0 6 0,-2 2 4 0,0-1 2 0,0 4 2 0,-1-2 2 16,0 3 2-16,1 0 3 0,0 1 1 0,0 1 1 0,0 1 0 15,1 1 0-15,-2 2 0 0,-1 0-1 0,2 3-1 0,2 0-2 0,-2 0 0 16,4 2-3-16,-2 0-1 0,-1 2-2 0,0 0-1 0,1-1-2 16,1 2-1-16,-1-3-3 0,0 2-5 0,0-3-1 0,-2 1-3 0,1-1-2 15,0-1-1-15,-4-3-3 0,3 0-2 0,-3-1 1 0,2-1-2 0,-5-1-1 16,5-1 0-16,-4-2 0 0,-1 0 1 0,2-3 0 0,-4 0 1 16,1-2 0-16,0-2 3 0,-2-1-1 0,3 1 2 0,0-4 2 15,-3-1 1-15,1-1 1 0,2-1 1 0,-3-1 2 0,1-3-1 0,1 0 2 16,-1-1 0-16,0-2 0 0,2 0-1 0,0-2 0 0,0-1 0 0,1-1 1 15,-1-1-1-15,2-1 1 0,-1-1-2 0,2-1 0 0,0-1 0 0,-1 0-3 16,3-1-2-16,-1-2-1 0,2 1-1 0,1-3-4 0,-1 1-2 16,1 0-6-16,0-2-4 0,3-2-10 0,1 0-9 0,0 1-14 15,0-2-14-15,1-1-19 0,3-1-20 0,0-1-21 0,2 0-25 0,1 0-27 16,1-3-28-16,1 0-32 0,4 0-38 0,0 0-44 0,1 0-48 0,0 0-65 16,2-1-74-16,0 1-82 0,2 1-85 0,0 0-32 0,4 1-7 15,-2 3 10-15</inkml:trace>
   <inkml:trace contextRef="#ctx0" brushRef="#br0" timeOffset="28290">26731 16219 346 0,'11'0'626'0,"3"0"19"0,-1 0 20 0,0 0-74 0,-1 0-121 16,1 0-92-16,1 0-76 0,1 0-41 0,-1 0-22 0,-1 0-9 0,2 0-6 15,0 0-12-15,0 0-14 0,0 0-17 0,-1 0-19 0,0 0-20 16,0 0-19-16,-1 0-18 0,1 0-13 0,-1 0-16 0,0 0-12 0,-3 0-14 15,1 0-17-15,1 0-19 0,-3 0-26 0,1 0-32 0,-2 0-34 0,1-1-37 16,-1-1-38-16,0-1-46 0,-2 2-49 0,1-4-69 0,2 2-74 16,-4-3-109-16,-1 2-125 0,1-2-69 0,-3-2-41 0,-1 1-10 0,-1-1 4 15,-3 1 18-15</inkml:trace>
   <inkml:trace contextRef="#ctx0" brushRef="#br0" timeOffset="28464.04">26760 16005 191 0,'-8'0'644'0,"2"0"25"0,1 0 19 0,2 0 20 16,-1 0-105-16,3 0-167 0,1 0-96 0,0 0-63 0,0 0-38 16,0-2-21-16,1 1-18 0,1 1-12 0,1-2-17 0,0 1-19 0,3 1-22 15,2-2-24-15,0 0-22 0,2 1-21 0,1 0-23 0,0-1-26 16,3-1-27-16,-1 2-29 0,0-1-29 0,1 1-29 0,0-2-34 0,2 1-37 16,-3 0-43-16,0 1-48 0,-1-2-80 0,-3 0-95 0,4 2-109 15,-5-2-114-15,-2 0-52 0,1 0-20 0,-1-2 2 0,-2 1 10 0</inkml:trace>
@@ -541,7 +547,7 @@
   <inkml:trace contextRef="#ctx0" brushRef="#br0" timeOffset="31748.49">27966 15694 29 0,'0'-4'478'0,"0"1"-42"0,0 0-63 0,0-2-75 16,0 2-43-16,0-1-25 0,0 1-16 0,0-2-11 0,0 1-10 15,0 0-12-15,0 0-14 0,2 0-11 0,-2-1-15 0,1-1-11 0,-1 3-9 16,2-1-6-16,0-1-6 0,-2 0-5 0,1 1-8 0,1 1-6 0,-2-1-5 16,1 1-7-16,-1-2-6 0,3 2-5 0,-1 0-6 0,-2 0-6 15,1 0-5-15,-1 2-5 0,2-2-5 0,-1 1-8 0,-1 1-6 0,2 1-8 16,0-2-5-16,-2 1-6 0,1 1-3 0,2 0-6 0,1 0-4 16,-1 0-2-16,2 0-1 0,1 0 0 0,0 0 0 0,1 0 1 0,1 1 0 15,1 1 2-15,0-2 1 0,3 1 3 0,-2 1 2 0,2-1 1 16,-3 1 1-16,5-1 0 0,-3 1 2 0,1-1 0 0,0-1 1 0,-1 2-2 15,2-1 2-15,-4-1-1 0,3 0 1 0,-3 0 0 0,0 0 1 16,-1 0 0-16,0 0-1 0,1-1 1 0,0-1-1 0,-3 1 0 0,0-1-1 16,3 1 1-16,-4-2-1 0,3 0 0 0,-3 0-1 0,2-2-1 0,0 1 0 15,0 1-1-15,-3-2-1 0,1 2-1 0,2-1-1 0,-1 1 2 16,-2-2 0-16,0 2 0 0,0-1 2 0,0 1-1 0,-1-2 0 16,0 2 0-16,-1-1 0 0,-1-1 0 0,4 2 1 0,-4 2 1 0,1-2-1 15,-2 0 0-15,1 0 0 0,-1 1 1 0,0 1 0 0,0-1 2 0,-1 1-1 16,1 1 1-16,-2 0-2 0,1 0-1 0,-4 0-2 0,4 0-3 0,-1 0-3 15,1 0-2-15,-3 1-1 0,3 1 0 0,-3 1 0 0,0 0-1 16,0 0 0-16,0 1-1 0,-4 2-2 0,2 2 1 0,-1-1 1 0,-1 4 1 16,-1-1 3-16,-1 1 2 0,1 4 2 0,-2-2 2 0,1 2 0 15,1 0 0-15,-5 2-2 0,3 1 0 0,-1-2-1 0,2 2-2 0,-3 0 0 16,0 2 0-16,4-3-2 0,-1 1 1 0,-2 0 1 0,2 0 1 16,0-1-2-16,0 0-1 0,0-2-4 0,0 0-5 0,2 0-7 0,-1-2-8 15,1 1-12-15,0-4-13 0,2 1-18 0,-2-1-21 0,3-2-26 0,1 1-28 16,0 0-33-16,1-3-35 0,1 0-41 0,2-2-43 0,2 1-52 15,0-1-59-15,3-1-65 0,-1-1-69 0,3 1-27 0,0-3-7 0</inkml:trace>
   <inkml:trace contextRef="#ctx0" brushRef="#br0" timeOffset="32556.67">28553 15634 355 0,'8'-10'536'16,"-2"-1"-10"-16,-2 4-70 0,1-1-101 0,0 1-54 0,-2 1-31 15,1 1-20-15,-1 1-12 0,-2 1-13 0,-1 0-11 0,2 0-18 0,-2 1-19 16,0-1-22-16,-2 3-23 0,2-1-22 0,-1 1-20 0,-2 0-16 0,1 1-13 16,-1-1-9-16,-1 3-9 0,1-1-6 0,0 1-6 0,0 1-4 15,-2 1-4-15,1 1-3 0,-1 0-2 0,2-2 0 0,-1 3 0 0,1 0 1 16,2 0 1-16,-3-1 0 0,3 2-4 0,-2-2-1 0,3 1-3 0,0-1-1 16,0 1-2-16,0 0 0 0,0 0-2 0,3-1 0 0,-2 0 0 15,3 0 0-15,-1 0-1 0,2-1 1 0,-2 1-1 0,2 0-1 0,1 0 1 16,0 0-1-16,0 0-1 0,1 0-1 0,-1 0-1 0,3-2-1 15,-2 3-1-15,-1 0-1 0,2 0-2 0,1-1 0 0,-4 2 0 0,2-2-2 16,-1 1 1-16,1 1-1 0,-1-1-1 0,-2 1 2 0,0-1-1 0,0 1 2 16,0-1 1-16,-3 2 2 0,-1-1 1 0,2-1 0 15,-2 1 2-15,0-1 2 0,-2 1 1 0,1-2 0 0,-3 1 2 0,0-1 0 0,0 0 0 16,0 0-4-16,-4 0-2 0,2-1-9 0,-2-1-8 0,-2 1-12 16,-1-1-11-16,2 1-15 0,-3-2-13 0,0 1-15 0,-1-1-16 0,1 0-18 15,-1 0-16-15,2-1-20 0,-2 1-17 0,2-3-17 0,0 1-16 16,0-1-9-16,1 0-5 0,2-1-1 0,-1-1 1 0,3 1 6 0,-2-2 5 15,1-2 9-15,1 1 7 0,3-2 12 0,-2-1 14 0,4 2 18 0,1-4 18 16,0 1 19-16,0-2 20 0,1 1 17 0,3-2 15 0,0-1 14 16,2 0 14-16,2-1 11 0,0-1 14 0,2-1 11 0,1 0 13 15,-2 0 9-15,4-1 10 0,0 1 8 0,0-2 8 0,2 1 9 0,0-1 6 16,0 2 5-16,1 0 7 0,0 2 2 0,0-2 4 0,1 1 1 0,-1 2 2 16,1 0 0-16,-1 1-1 0,1 1-2 0,2 0-1 0,-3 1-3 0,1 1-4 15,1 1-5-15,-1 1-2 0,4-1-6 0,-5 2-2 0,3 0-3 16,-2 1-3-16,0 2-4 0,3-1-3 0,-5 0-3 0,1 2-3 0,3-1-1 15,-2 2-1-15,-1 0-2 0,0 0-2 0,-2 0-2 0,0 2-1 16,-1-1-3-16,-2-1-3 0,0 2-2 0,-1-1-2 0,-1-1-2 0,1 3-2 0,-4-3-4 16,0 2-2-16,-1-2-2 0,2 3-3 0,-1-3-2 0,-2 1-2 15,0 1-2-15,0-1-1 0,0-1-5 0,1 2-5 0,-2-1-9 0,1 1-9 16,-1-1-12-16,0-1-12 0,1 3-12 0,-1-3-15 0,0 2-14 0,0-2-15 16,1 1-16-16,0 1-13 0,1-2-17 0,-1 1-12 0,0 1-12 0,1-2-7 15,1 0-2-15,0 0 2 0,3 0 7 0,-2 0 10 0,1-2 13 16,0 1 13-16,1-1 14 0,1 1 19 0,-1-3 21 0,1 2 24 0,-1-1 26 15,1 0 28-15,1-2 25 0,-3 2 25 0,1-1 22 0,-1-1 22 0,3 2 20 16,-3-1 17-16,-1 1 17 0,2-2 16 0,-5 1 13 0,3 1 13 0,-1 0 5 16,-2 0 2-16,0-1-3 0,1 3-4 0,-4-2-7 0,-1 3-9 15,2-1-12-15,-2 1-14 0,0 0-13 0,0 0-10 0,-2 1-10 0,1 1-6 16,-2 0-8-16,0 2-7 0,0 2-6 0,-2 0-8 0,0 0-1 0,0 1-3 16,-1 2 0-16,0 2 1 0,-2-1 4 0,1 1 2 0,-2 1-2 0,0 1-1 15,0 1-6-15,0 1-7 0,0-2-7 0,-3 2-7 0,3 1-8 0,-4 1-4 16,4-2-7-16,-2 3-6 0,0-1-6 0,0 1-6 0,1 0-2 15,-2-2-5-15,0 2-1 0,3-1-3 0,-2-1-5 0,0 1-4 0,3-2-7 16,-3 0-7-16,1 0-9 0,4-2-12 0,-5-1-13 0,3 0-15 0,2 0-16 16,-2-1-21-16,2-3-25 0,-1 2-25 0,2-3-32 0,-1 1-35 15,1-2-41-15,0-2-43 0,3 0-51 0,-2 0-53 0,3-1-77 0,-1 0-89 16,2-3-39-16,0 0-12 0,0 0 5 0</inkml:trace>
   <inkml:trace contextRef="#ctx0" brushRef="#br0" timeOffset="32790.64">29084 15720 491 0,'-2'-2'538'0,"-1"-1"-54"0,2 3-84 0,-1-2-86 0,0 2-88 15,1 0-50-15,-1 2-33 0,1-2-21 0,1 2-15 0,-2-1-12 0,0 1-11 16,2 1-10-16,0-2-9 0,0 1-5 0,0 1-5 0,0-2-5 0,2 0-5 16,0 3-7-16,-1-4-4 0,2 1-4 0,-1 1-2 0,1-2-1 15,0 1 0-15,1-1 0 0,-3 0 1 0,4 0 0 0,-2 0-1 0,0 0-1 16,0 0-1-16,0-1-1 0,1 1-1 0,-3-2 1 0,3 1 0 0,0 1-3 15,-1-4-2-15,-1 3-4 0,1 0-6 0,-3-2-8 0,1 3-9 0,-1-2-12 16,0 2-13-16,0 0-18 0,0-1-19 0,0 1-26 0,-1-2-24 0,1 2-30 16,0 0-31-16,0 0-33 0,-3 0-36 0,3 0-39 0,0 0-40 15,0 3-73-15,0-3-87 0,0 5-44 0,1-3-20 0</inkml:trace>
-  <inkml:trace contextRef="#ctx0" brushRef="#br0" timeOffset="32984.23">29298 15865 237 0,'1'3'557'0,"1"-1"-46"0,-1 2-77 16,4 1-72-16,-2-3-69 0,-2 3-36 0,3 0-15 0,-3-2-12 15,1 1-9-15,-1-1-7 0,3 0-9 0,-3-1-11 0,-1 1-10 0,2-2-12 16,0 1-10-16,-2-2-11 0,0 0-11 0,0 0-8 0,0 0-12 0,0 0-12 16,0 0-14-16,0 0-21 0,0 0-25 0,0 0-30 0,0 0-35 0,-4 0-36 15,4 0-38-15,-1 0-51 0,-1 0-54 0,-1 0-79 0,1-3-88 0,-1 1-113 16,0 1-123-16,0-1-61 0,-3-1-30 0,1 2-6 0,-2-1 2 15</inkml:trace>
+  <inkml:trace contextRef="#ctx0" brushRef="#br0" timeOffset="32984.21">29298 15865 237 0,'1'3'557'0,"1"-1"-46"0,-1 2-77 16,4 1-72-16,-2-3-69 0,-2 3-36 0,3 0-15 0,-3-2-12 15,1 1-9-15,-1-1-7 0,3 0-9 0,-3-1-11 0,-1 1-10 0,2-2-12 16,0 1-10-16,-2-2-11 0,0 0-11 0,0 0-8 0,0 0-12 0,0 0-12 16,0 0-14-16,0 0-21 0,0 0-25 0,0 0-30 0,0 0-35 0,-4 0-36 15,4 0-38-15,-1 0-51 0,-1 0-54 0,-1 0-79 0,1-3-88 0,-1 1-113 16,0 1-123-16,0-1-61 0,-3-1-30 0,1 2-6 0,-2-1 2 15</inkml:trace>
 </inkml:ink>
 </file>
 
@@ -591,7 +597,7 @@
   <inkml:trace contextRef="#ctx0" brushRef="#br0" timeOffset="29952.79">5034 7407 3 0,'-3'0'323'0,"1"1"-116"0,1-1-61 15,-1 0-32-15,0 0-12 0,2 2-2 0,0-2 4 0,-1 0 4 16,1 0 3-16,-2 0 0 0,2 0 0 0,0 0-3 0,0 0-5 0,0 0-4 16,0 0-5-16,0 0-7 0,0 0-5 0,0 0-7 0,0 0-8 15,0 0-6-15,0 0-8 0,0 0-8 0,0 0-7 0,0 0-5 0,0 0-5 16,0 0-3-16,0 0-4 0,2 0-2 0,-1 1-2 0,3 1 0 16,-1-2 0-16,4 1-2 0,-2 0 1 0,3-1 1 0,0 2 2 15,3 0 1-15,-1-2 3 0,1 1 3 0,4-1 0 0,-2 2 1 0,1-1 0 16,2-1-1-16,1 0-2 0,0 0-1 0,1 0-2 0,-2 0-1 15,3-1-2-15,0-1-2 0,-3 2-1 0,4-1-2 0,-5 1-1 16,2-2-3-16,1 0-5 0,-3 2-6 0,1-1-6 0,0 0-8 0,-3 1-12 16,2-2-16-16,-3 1-21 0,0 1-23 0,1-2-33 0,-2 1-40 0,1 1-52 15,-2-2-57-15,2 2-82 0,-2-1-95 0,-2 1-43 0,0-2-21 16</inkml:trace>
   <inkml:trace contextRef="#ctx0" brushRef="#br0" timeOffset="32182.93">7246 12180 120 0,'-5'-2'490'0,"3"1"-63"0,-1 1-101 16,-2-2-68-16,4 0-52 0,-1 2-29 0,-1-1-15 0,3 1-9 0,-2-1-8 15,2 1-6-15,0 0-10 0,0 0-8 0,0 0-10 0,0 0-10 16,0 0-10-16,0 0-10 0,0 0-10 0,0 0-10 0,0 0-9 16,0 0-7-16,0 0-7 0,0 0-7 0,2 1-2 0,0 0-7 15,1 1-3-15,0 0-3 0,3 1-5 0,-1 0-2 0,2 1-3 0,2-1-1 16,-1 2 1-16,0-1-1 0,4 2-1 0,-1-1-1 0,1-1-1 0,2 2-2 16,-3-1-2-16,3 0 0 0,-1 0-1 0,2 0-2 0,-2-1 1 15,0 0 0-15,1 1 2 0,-1-2 0 0,1 2 1 0,-1-1 1 0,-1-1 1 16,-1 0 0-16,1 0 0 0,0 0-3 0,-4-1-5 0,2-1-5 15,-1 2-8-15,-1-1-11 0,0-1-12 0,-2-1-17 0,2 2-20 16,-2-1-21-16,-1-1-21 0,0 2-28 0,0-1-30 0,-1-1-38 16,2 2-44-16,-3-1-39 0,1-1-41 0,-4 0-65 0,0 0-75 0,0 0-35 15</inkml:trace>
   <inkml:trace contextRef="#ctx0" brushRef="#br0" timeOffset="32439.99">7458 12062 492 0,'-4'-1'550'0,"1"0"-75"0,0-1-119 0,0 2-67 16,0 0-43-16,-2 0-28 0,2 0-21 0,0 0-19 0,1 2-19 16,-1-1-19-16,1-1-16 0,-1 1-16 0,2 1-15 0,-1 1-10 15,-1 0-10-15,1 0-9 0,-1 2-7 0,-1-1-7 0,0 2-8 0,1 0-6 16,0 2-4-16,1 2-5 0,-1 1-5 0,0-1-4 0,0 4-2 0,-1 1-3 15,1 0-4-15,-1-1-4 0,2 5-4 0,-2-1-9 0,-1 1-10 16,0 0-11-16,2 4-12 0,-2 0-22 0,2-2-25 0,-2 1-38 16,1 2-45-16,0-1-76 0,-1-1-89 0,2 2-95 0,-2-1-95 0,1-3-48 15,-1 3-22-15,1 0-6 0</inkml:trace>
-  <inkml:trace contextRef="#ctx0" brushRef="#br0" timeOffset="36821.19">7802 12463 18 0,'0'0'110'15,"0"0"-6"-15,0 0-2 0,0 0-4 0,0 0-4 0,0 0-3 16,0-1-3-16,0 1-4 0,0 0-2 0,0 0-3 0,0 0-2 0,0 0-3 15,0 0-2-15,0 0-1 0,0 0-3 0,0 0 0 0,0 0-3 16,0 0-1-16,0 0-1 0,0-3 0 0,0 3-1 0,0 0 0 16,0 0 0-16,0 0-1 0,0 0-2 0,-1-2 1 0,1 2 0 0,0 0 0 15,0 0 1-15,0 0 1 0,0-2 1 0,0 2 1 0,0 0-1 16,0 0 0-16,0 0-2 0,-2 0-3 0,-1 0-1 0,1 0-5 0,1 0-3 16,-1 0-4-16,-1 2-5 0,1 0-3 0,1-2-4 0,-1 1-5 15,-1 1-4-15,1-2-4 0,-2 1-3 0,1 1-2 0,-2-1-3 16,0 2-2-16,2-1-1 0,-2 0 0 0,0 3 1 0,-1-2 1 0,2 3 2 15,-1-2-1-15,-2 3 2 0,1 0 0 0,-2 1 2 0,2 1 1 16,1-1 1-16,-1 3 3 0,-1 0 2 0,1-1 2 0,-2 2 0 0,2 2 1 16,1-1 0-16,-1 2 0 0,0 0-1 0,1 0 0 0,0 2-1 15,2-1 0-15,-2 1-2 0,2-1 0 0,1 2-3 0,1 0-2 16,-1-1-3-16,2-1 0 0,0 1-2 0,2-1 1 0,-1 0-3 16,2 1 0-16,2-2-1 0,-2 0-1 0,2 0 0 0,0-2-2 0,1 1 1 15,0-2-1-15,1 0-1 0,1-1 0 0,1-1 1 0,-1 1-1 0,0-2 0 16,0-2-1-16,1 0 2 0,-1 0-2 0,2-1 1 0,-2-2-2 15,1 1-2-15,-1-1-3 0,0-1-4 0,1 0-3 0,-1 0-7 16,-1 0-11-16,-1-1-14 0,1-1-15 0,0-1-16 0,0 0-17 0,-3 0-20 16,1 0-23-16,0 0-22 0,1 0-25 0,-3-1-36 0,2-1-39 15,-2 0-38-15,2 1-37 0,0-2-55 0,-2 2-66 0,3-1-31 0</inkml:trace>
+  <inkml:trace contextRef="#ctx0" brushRef="#br0" timeOffset="36821.18">7802 12463 18 0,'0'0'110'15,"0"0"-6"-15,0 0-2 0,0 0-4 0,0 0-4 0,0 0-3 16,0-1-3-16,0 1-4 0,0 0-2 0,0 0-3 0,0 0-2 0,0 0-3 15,0 0-2-15,0 0-1 0,0 0-3 0,0 0 0 0,0 0-3 16,0 0-1-16,0 0-1 0,0-3 0 0,0 3-1 0,0 0 0 16,0 0 0-16,0 0-1 0,0 0-2 0,-1-2 1 0,1 2 0 0,0 0 0 15,0 0 1-15,0 0 1 0,0-2 1 0,0 2 1 0,0 0-1 16,0 0 0-16,0 0-2 0,-2 0-3 0,-1 0-1 0,1 0-5 0,1 0-3 16,-1 0-4-16,-1 2-5 0,1 0-3 0,1-2-4 0,-1 1-5 15,-1 1-4-15,1-2-4 0,-2 1-3 0,1 1-2 0,-2-1-3 16,0 2-2-16,2-1-1 0,-2 0 0 0,0 3 1 0,-1-2 1 0,2 3 2 15,-1-2-1-15,-2 3 2 0,1 0 0 0,-2 1 2 0,2 1 1 16,1-1 1-16,-1 3 3 0,-1 0 2 0,1-1 2 0,-2 2 0 0,2 2 1 16,1-1 0-16,-1 2 0 0,0 0-1 0,1 0 0 0,0 2-1 15,2-1 0-15,-2 1-2 0,2-1 0 0,1 2-3 0,1 0-2 16,-1-1-3-16,2-1 0 0,0 1-2 0,2-1 1 0,-1 0-3 16,2 1 0-16,2-2-1 0,-2 0-1 0,2 0 0 0,0-2-2 0,1 1 1 15,0-2-1-15,1 0-1 0,1-1 0 0,1-1 1 0,-1 1-1 0,0-2 0 16,0-2-1-16,1 0 2 0,-1 0-2 0,2-1 1 0,-2-2-2 15,1 1-2-15,-1-1-3 0,0-1-4 0,1 0-3 0,-1 0-7 16,-1 0-11-16,-1-1-14 0,1-1-15 0,0-1-16 0,0 0-17 0,-3 0-20 16,1 0-23-16,0 0-22 0,1 0-25 0,-3-1-36 0,2-1-39 15,-2 0-38-15,2 1-37 0,0-2-55 0,-2 2-66 0,3-1-31 0</inkml:trace>
   <inkml:trace contextRef="#ctx0" brushRef="#br0" timeOffset="37156.89">7981 12709 33 0,'0'0'422'0,"0"0"-45"0,0 0-61 0,0 0-71 0,0 0-38 16,0 0-24-16,0 0-18 0,0 0-14 0,0 0-15 0,0 2-16 0,-2-1-12 16,2-1-10-16,-1 2-9 0,-1-1-7 0,2 0-8 0,0 3-6 15,0 0-8-15,0-1-9 0,0 3-5 0,2 0-6 0,-1 0-4 16,-1 2-4-16,2 1 0 0,-2 0-2 0,2 0 1 0,-1 1-3 16,-1 1-1-16,3-1-2 0,-3 1-4 0,4-1-3 0,-2-1-3 0,0 2-3 15,1-2-3-15,-1 0-3 0,-1 1-6 0,1-1-7 0,0 0-10 16,-1-2-12-16,2 1-17 0,-3 0-19 0,2 1-22 0,0-3-29 0,-1-1-39 15,1 2-47-15,1-1-54 0,-1-2-60 0,-1 2-77 0,4-1-83 0,-2-1-39 16,0-1-17-16</inkml:trace>
   <inkml:trace contextRef="#ctx0" brushRef="#br0" timeOffset="37426.96">8229 12844 477 0,'0'0'493'0,"0"0"-72"0,0 0-111 0,0 0-78 15,0 0-56-15,-1 0-32 0,-1 2-18 0,2-1-16 0,-2 0-12 0,2 3-10 16,-1-1-11-16,-1 0-7 0,2 1-6 0,-1-1-5 0,-1 2-6 0,2 1-6 16,-2 0-5-16,2 0-8 0,0 0-7 0,0 1-5 15,0-1-6-15,-1 0-3 0,1 2-2 0,-2-2-1 0,2 1-1 0,0-1-1 16,-1 2-2-16,-1-2-3 0,2 1-4 0,-2-1-7 0,2 2-5 15,0-2-12-15,0 0-11 0,0-2-16 0,0 2-17 0,0 0-25 0,0 0-26 16,0-1-39-16,0-1-41 0,0 1-49 0,2-1-50 0,0 2-73 16,-1-3-85-16,-1 2-39 0,3-1-16 0</inkml:trace>
   <inkml:trace contextRef="#ctx0" brushRef="#br0" timeOffset="37859.86">8273 12495 420 0,'0'0'494'0,"0"0"-78"15,0 0-117-15,0 0-72 0,0 0-45 0,0 0-29 0,0 0-20 16,0 0-16-16,0 0-11 0,0 0-14 0,0 0-13 0,0 0-10 16,0 0-6-16,0 0-4 0,0 1-5 0,2 1-5 0,-1-1-3 0,3 1-2 15,-1 1-2-15,0 0-2 0,2 0 0 0,0 1-2 0,2-1-2 16,-2 3 1-16,2-1 3 0,-1 1-1 0,2-2-1 0,-1 4-1 0,2-2-2 15,-3 1-2-15,2 0-3 0,1 1-3 0,-2 1-2 0,-1 0-3 16,2-1-1-16,1 1-2 0,-2 0-1 0,-1 0-1 0,-1-2-2 0,1 2 0 16,0 0-1-16,1-2-2 0,-3 1-2 0,1 0 0 0,-1 1-2 15,0-2-1-15,-1 0-3 0,0 1-7 0,0 0-8 0,-1-1-15 16,0 1-17-16,-1-1-21 0,-1 2-26 0,0-3-34 0,0 2-39 0,0-1-65 16,-1 0-76-16,-1 1-91 0,2-2-100 0,-2 2-49 0,-1-2-25 15,2-2-7-15</inkml:trace>
@@ -622,13 +628,13 @@
   <inkml:trace contextRef="#ctx0" brushRef="#br0" timeOffset="64170.37">20437 5245 157 0,'0'0'474'0,"0"0"-66"16,0 0-99-16,0 0-78 0,0 0-69 0,0 0-35 16,-2 2-19-16,-1-1-12 0,3 2-10 0,-1 0-7 0,-1 2-9 0,2-1-5 15,0 2-3-15,0 2-1 0,0-1 0 0,0 1 0 0,0 0 1 0,0 2 1 16,0 0 1-16,0 1-3 0,2 1-6 0,-1-2-5 0,-1 2-5 16,3 0-6-16,-1-1-4 0,-2 2-5 0,1-1-3 0,-1 2-3 0,2-4-4 15,-1 2-3-15,-1 0-2 0,2 0-3 0,0-1-2 0,-2 1-4 16,1 0-5-16,-1-2-8 0,2 1-7 0,-1-2-12 0,-1 1-12 15,2-1-18-15,-2-1-17 0,2 1-22 0,-1-2-27 0,-1-1-32 0,2 2-36 16,0-4-42-16,-2 2-42 0,0-1-46 0,0-1-44 0,0 0-54 16,0 1-55-16</inkml:trace>
   <inkml:trace contextRef="#ctx0" brushRef="#br0" timeOffset="64392.42">20241 5551 389 0,'0'0'365'0,"0"0"-65"0,2-3-70 0,-2 3-36 16,1-3-23-16,2 1-14 0,2 1-10 0,-4-2-11 0,4 2-11 0,0-1-11 15,0 1-8-15,1-2-9 0,2 0-9 0,-2 0-9 0,2 0-7 16,0 0-7-16,1 0-11 0,-1 0-8 0,0 0-9 0,0 1-7 16,2-1-7-16,-2 0-8 0,1 0-6 0,0 0-10 0,-1 0-10 0,0 0-11 15,0 0-13-15,2 0-16 0,-2 0-15 0,1 0-22 0,-1 2-22 16,0-1-39-16,-2-1-48 0,2 2-51 0,0-1-54 0,1-1-71 0,0 0-84 15,-1 0-38-15</inkml:trace>
   <inkml:trace contextRef="#ctx0" brushRef="#br0" timeOffset="64811.33">21001 5256 61 0,'0'-5'504'0,"0"2"-48"0,0-2-79 0,0 1-69 0,0 3-65 0,-1-2-28 16,1 0-11-16,-4 0-10 0,3-1-9 0,-2 2-11 0,-2 0-11 15,2 1-10-15,1-2-9 0,-1 1-9 0,0 1-10 0,-2 1-8 0,2-2-10 16,-2 1-8-16,2 1-10 0,-3-2-10 0,3 2-13 0,-2 0-11 16,0 0-10-16,2 0-8 0,-2 0-6 0,0 2-9 0,-1-2-5 15,2 1-5-15,-3 1-3 0,-1 1-2 0,3 0-1 0,-2-2-2 0,0 3-1 16,1 1-1-16,-1 0 0 0,-2 1 0 0,1 1 1 0,2 1-1 15,-1-1 0-15,-2 2 0 0,5 0 1 0,-3-1 0 0,1 2-1 0,-1-1 0 16,1 0 1-16,3 2-1 0,-2-3 1 0,4 3 1 0,-3-2-2 16,1 2 0-16,3-2-1 0,0 0 0 0,0 1-1 0,0-1 0 15,3 0 2-15,-1 0 0 0,1 0 0 0,1-1 1 0,0-1 1 0,2 1 0 16,-1-1 2-16,1-1 1 0,1 2 2 0,-1-2 0 0,3-1 1 16,-1 2 1-16,1-3 3 0,0 1-2 0,0-1 0 0,1-1 1 15,1 2-2-15,2-2 0 0,-2-2 0 0,1 1-3 0,3-2-2 0,0 0-4 16,0 0-3-16,3-3-2 0,-1 0-4 0,0 0-4 0,0 0-4 0,1-2-5 15,-1 2-8-15,0-1-8 0,-1 1-10 0,-2-2-12 0,0 1-12 16,-2 1-15-16,-3 0-17 0,4 0-28 0,-7 1-31 0,0-1-50 16,-1 3-59-16,-1-2-76 0,-4 2-83 0,0 0-73 0,0 0-65 0,0 0-27 15,-2 2-10-15</inkml:trace>
-  <inkml:trace contextRef="#ctx0" brushRef="#br0" timeOffset="73308.49">23697 15084 303 0,'-5'-5'468'0,"2"2"-66"0,2-1-104 0,-3-1-67 16,1 2-50-16,2 0-27 0,-1 0-16 0,0 0-8 0,2 0-7 0,-1 0-2 15,-1 0-4-15,2 2-4 0,-1-2-3 0,1 1-4 0,0 0 0 16,0 1-1-16,0-2-3 0,0 3 1 0,0-1-1 0,0-1-2 0,0 2-4 16,0-1-3-16,0 1-4 0,0-2-4 0,0 1-5 0,0 1-5 0,0 0-5 15,0-2-3-15,0 1-4 0,-2 1-2 0,2-2-4 0,0 2-2 16,-3-2-2-16,3 2-1 0,0-1-1 0,0 1 1 0,-1 0-1 0,1-1-2 16,-2-1 0-16,2 2-2 0,-2 0 1 0,2 0 1 0,0-1-2 15,0 1-1-15,-1-2-1 0,1 2-2 0,0 0-3 0,0 0-4 0,0 0-3 16,0 0-4-16,0 0-4 0,0 0-3 0,0 0-2 0,0 0-6 0,0 0-4 15,0 0-4-15,0 0-7 0,0 0-4 0,0 0-4 0,0 0-4 16,0 0-4-16,0 0-3 0,0 0-3 0,0 0 1 0,0 3-1 0,1 0 2 16,-1 0 1-16,4 0 0 0,-3 2 2 0,4 1 3 0,-1 0 1 0,0 3 3 15,0-1 2-15,3 3 3 0,-1 0 4 0,5 2 2 0,-3-1 2 16,0 2 2-16,3 0-1 0,-2 2 0 0,4-1 1 0,0 1-1 16,0 1-1-16,0 1 1 0,2-2-3 0,1 1 0 0,0 1-1 0,-1 0-2 15,0-2 1-15,3 1 0 0,-3-1 0 0,0-1-1 0,2 2 2 0,0-4-1 16,-3 2 0-16,0-3-4 0,-3 2-4 0,3-2-6 0,-2 0-6 15,-3-2-10-15,2 1-11 0,-1-2-13 0,-2 0-16 0,0-2-22 0,-2 1-28 16,-2-1-39-16,1-1-46 0,-2 0-76 0,1-1-91 0,-3-1-98 0,3-1-102 16,-4-1-47-16,0-2-22 0,0 0-7 0,0 0 2 0</inkml:trace>
+  <inkml:trace contextRef="#ctx0" brushRef="#br0" timeOffset="73308.48">23697 15084 303 0,'-5'-5'468'0,"2"2"-66"0,2-1-104 0,-3-1-67 16,1 2-50-16,2 0-27 0,-1 0-16 0,0 0-8 0,2 0-7 0,-1 0-2 15,-1 0-4-15,2 2-4 0,-1-2-3 0,1 1-4 0,0 0 0 16,0 1-1-16,0-2-3 0,0 3 1 0,0-1-1 0,0-1-2 0,0 2-4 16,0-1-3-16,0 1-4 0,0-2-4 0,0 1-5 0,0 1-5 0,0 0-5 15,0-2-3-15,0 1-4 0,-2 1-2 0,2-2-4 0,0 2-2 16,-3-2-2-16,3 2-1 0,0-1-1 0,0 1 1 0,-1 0-1 0,1-1-2 16,-2-1 0-16,2 2-2 0,-2 0 1 0,2 0 1 0,0-1-2 15,0 1-1-15,-1-2-1 0,1 2-2 0,0 0-3 0,0 0-4 0,0 0-3 16,0 0-4-16,0 0-4 0,0 0-3 0,0 0-2 0,0 0-6 0,0 0-4 15,0 0-4-15,0 0-7 0,0 0-4 0,0 0-4 0,0 0-4 16,0 0-4-16,0 0-3 0,0 0-3 0,0 0 1 0,0 3-1 0,1 0 2 16,-1 0 1-16,4 0 0 0,-3 2 2 0,4 1 3 0,-1 0 1 0,0 3 3 15,0-1 2-15,3 3 3 0,-1 0 4 0,5 2 2 0,-3-1 2 16,0 2 2-16,3 0-1 0,-2 2 0 0,4-1 1 0,0 1-1 16,0 1-1-16,0 1 1 0,2-2-3 0,1 1 0 0,0 1-1 0,-1 0-2 15,0-2 1-15,3 1 0 0,-3-1 0 0,0-1-1 0,2 2 2 0,0-4-1 16,-3 2 0-16,0-3-4 0,-3 2-4 0,3-2-6 0,-2 0-6 15,-3-2-10-15,2 1-11 0,-1-2-13 0,-2 0-16 0,0-2-22 0,-2 1-28 16,-2-1-39-16,1-1-46 0,-2 0-76 0,1-1-91 0,-3-1-98 0,3-1-102 16,-4-1-47-16,0-2-22 0,0 0-7 0,0 0 2 0</inkml:trace>
   <inkml:trace contextRef="#ctx0" brushRef="#br0" timeOffset="113886.51">21268 2155 40 0,'0'-2'438'0,"0"2"-84"0,0 0-127 16,0 0-70-16,0 0-46 0,0 0-22 0,0 0-11 0,0 0-6 0,0 0-5 16,0 0-3-16,0 0-2 0,0 0-3 0,0 0-5 0,0 0-5 15,0 2-7-15,0 0-9 0,2 1-9 0,-1-2-5 0,-1 2-4 0,2 0-1 16,0 1 1-16,-1 0 1 0,1 2 2 0,0-2 0 0,1 0 0 16,0 3-1-16,0-1-3 0,0-1 0 0,2 2-2 0,-1 0-1 0,1 0 1 15,0 1-3-15,0 0-1 0,0-1-1 0,0 1 0 0,2-1-1 16,0 2-1-16,-3-2 0 0,4 1-1 0,-3 0 0 0,3-2-2 0,-2 1-1 15,1-1-2-15,-2 2-2 0,-1-2-3 0,5 0-2 0,-4-2-3 0,0 2-4 16,2-1-2-16,-3-1-3 0,2-1-2 0,1 0-4 0,-3 0-1 16,3-1-2-16,-2-1-3 0,1 1-2 0,-2-1 1 0,1-1-2 0,0 0 1 15,2 0 1-15,-4 0 2 0,3-3-1 0,-2 2 3 0,0-2 1 16,1 0 2-16,-4-1 2 0,2 0 3 0,1 0 3 0,-1-2 2 0,-2 0 4 16,3 0 3-16,-2-2 2 0,0 1 4 0,0-1 4 0,-2-1 3 0,1 2 4 15,-1-4 4-15,2 2 3 0,-1-1 4 0,-1 1 4 0,0-2 1 16,0 2 3-16,0-1 2 0,0 1 3 0,0-2 3 0,0 2 2 0,0 0 3 15,0 0 1-15,0 2 3 0,0-1 4 0,0 0 2 0,0 3 4 16,2-1 4-16,-2 1 2 0,0 0 6 0,2 1 2 0,-2 1 3 0,0 0 1 16,0 0 1-16,0 0 0 0,0 1-1 0,0 1-2 0,0 1-4 0,0 0-4 15,0 0-5-15,0 0-7 0,0 0-6 0,0 0-7 0,0 0-6 16,0 0-7-16,0 0-5 0,0 0-5 0,0 0-5 0,0 0-3 0,0 0-5 16,0 0-1-16,0 0-1 0,0 3 1 0,0 0 0 0,0 0 1 15,0 0 0-15,1 2 1 0,1-1 1 0,-1 2 2 0,-1 0 1 0,2 0 3 16,0 2 3-16,-2-1 3 0,1 2 1 0,-1 2 2 0,2-1 3 0,-1 0-1 15,-1 1 0-15,0 3 2 0,0-1-1 0,0 1 0 0,0-1 2 16,0 4-2-16,0-2-1 0,0 2-2 0,0 0-1 0,0 2-2 16,0 1 0-16,0-2-3 0,-1 3-1 0,-1-1-1 0,2 1-1 0,-1-2-1 15,1 2-2-15,-2 0-1 0,2-1-1 0,-2 1-1 0,2-2-1 16,0 1 0-16,0-2-1 0,0 0-4 0,0-2 0 0,0 1-4 0,0-2-5 0,0-2-7 16,0 1-7-16,0-1-10 0,0-1-11 0,0-3-12 0,0 2-13 15,0-2-16-15,0-2-16 0,0 1-24 0,0-1-28 0,2-1-42 0,0-1-49 16,-2-1-55-16,1 1-55 0,1-3-64 0,-1 0-65 0,3 0-28 15</inkml:trace>
   <inkml:trace contextRef="#ctx0" brushRef="#br0" timeOffset="114157.88">21817 2509 55 0,'5'-2'478'0,"-4"1"7"0,2-2-75 16,1 2-115-16,-1-1-80 0,3-1-63 0,-1 2-35 0,4-2-19 0,-2-1-11 16,1 2-4-16,1-1-7 0,2 0-6 0,-1 0-9 0,-1-2-10 15,4 2-8-15,0-1-8 0,-4 1-7 0,4-2-7 0,-4 1-8 0,4 1-10 16,-4-2-14-16,-1 2-15 0,2-1-19 0,-1 1-21 0,-1-1-32 0,0 0-36 15,0 1-42-15,-2 0-43 0,-1 0-45 0,0 0-47 0,0 0-62 16,-2 0-73-16,-2 0-32 0</inkml:trace>
   <inkml:trace contextRef="#ctx0" brushRef="#br0" timeOffset="114371.92">21692 2432 354 0,'2'-1'474'0,"0"-2"-39"0,0 2-71 0,2-2-90 0,0 0-53 0,1 0-33 16,0-2-22-16,1 2-17 0,2-1-13 0,-2 1-11 0,2-2-14 0,0 1-16 15,2-1-14-15,-2 1-12 0,0-1-13 0,0 2-12 0,2-1-11 16,-3-1-12-16,-1 2-9 0,2-1-9 0,0 0-12 0,-2 2-13 0,1-1-15 16,-2 0-17-16,-1 0-24 0,2 0-26 0,-1 1-35 0,-2-1-36 15,2 2-48-15,-2 1-52 0,1-2-63 0,-4 2-69 0,0 0-53 0,0 0-45 16,0 0-17-16</inkml:trace>
   <inkml:trace contextRef="#ctx0" brushRef="#br0" timeOffset="115414.51">21860 3162 162 0,'-4'-2'549'0,"1"1"14"15,2-2-76-15,1 1-123 0,-3 1-76 0,1-2-50 0,2 1-29 0,0 1-21 16,0-1-16-16,0 2-13 0,0 0-18 0,0 0-21 0,0 0-16 0,0 0-17 16,2-1-16-16,1 1-16 0,0 0-13 0,0 1-11 0,0-1-7 15,2 2-6-15,2 1-3 0,2 0-2 0,-1 0-2 0,1 0 0 0,1 1-1 16,1 1-1-16,2-1 0 0,-4 2-1 0,4 0 1 0,-2 0-2 16,3 0 1-16,-1 0-1 0,-2-1-4 0,3 1-5 0,-3-2-8 0,1 1-9 15,-2-1-11-15,3 1-14 0,-1-2-15 0,0 1-15 0,-2-1-17 16,2 0-16-16,-4 0-18 0,1-1-18 0,0-1-20 0,-1 2-21 0,1-3-25 15,-5 2-23-15,4-2-22 0,-3 0-16 0,-1-2-11 0,0 2-8 0,-3-3-5 16,3 2 1-16,-4-2 6 0,1 0 8 0,-1-1 13 0</inkml:trace>
   <inkml:trace contextRef="#ctx0" brushRef="#br0" timeOffset="115598.19">22106 3133 85 0,'-10'-8'231'0,"2"1"13"0,0 0 8 16,1 1 4-16,1 0 2 0,-3 0-3 0,2 1-8 0,1 1-13 0,1 1-13 15,-1 0-13-15,1 0-14 0,0 0-14 0,2 1-14 0,0 2-15 0,0 0-14 16,-1 0-14-16,1 0-12 0,2 2-12 0,-2 1-11 0,1 1-10 15,-1 1-10-15,2 0-7 0,-1 3-7 0,-1 0-7 0,-1 1-4 0,1 0-2 16,2 1-4-16,-3 2-1 0,1 0-1 0,-3 0-2 0,2 3-2 0,0-3-4 16,-1 2-4-16,2-1-2 0,-2 1-7 0,2-1-7 15,-3 1-13-15,3-1-14 0,-2 1-20 0,2-2-24 0,-2 1-30 0,0-1-32 0,2 0-43 16,-2 0-45-16,1-1-68 0,1-1-74 0,0 1-91 0,-1-2-96 16,1 0-48-16,2-2-21 0,-1 1-3 0</inkml:trace>
-  <inkml:trace contextRef="#ctx0" brushRef="#br0" timeOffset="116265.44">22236 3193 101 0,'2'-1'539'15,"-1"-2"6"-15,3 0 8 0,-3 1-110 0,4-2-166 0,-1-1-92 0,1 2-54 16,0-1-28-16,0 0-12 0,1 0-5 0,1 0-4 0,0 1-10 0,1-2-11 16,-1 2-12-16,1-1-10 0,-1 1-10 0,0-2-9 0,2 1-10 0,-2 0-10 15,2 0-16-15,-3 1-16 0,2-1-24 0,0 1-27 0,0-2-40 16,-2 2-49-16,1-1-62 0,-1-1-69 0,-1 2-85 0,-1-1-91 0,1-2-47 15,-2 1-21-15</inkml:trace>
+  <inkml:trace contextRef="#ctx0" brushRef="#br0" timeOffset="116265.43">22236 3193 101 0,'2'-1'539'15,"-1"-2"6"-15,3 0 8 0,-3 1-110 0,4-2-166 0,-1-1-92 0,1 2-54 16,0-1-28-16,0 0-12 0,1 0-5 0,1 0-4 0,0 1-10 0,1-2-11 16,-1 2-12-16,1-1-10 0,-1 1-10 0,0-2-9 0,2 1-10 0,-2 0-10 15,2 0-16-15,-3 1-16 0,2-1-24 0,0 1-27 0,0-2-40 16,-2 2-49-16,1-1-62 0,-1-1-69 0,-1 2-85 0,-1-1-91 0,1-2-47 15,-2 1-21-15</inkml:trace>
   <inkml:trace contextRef="#ctx0" brushRef="#br0" timeOffset="116451.12">22124 3081 155 0,'3'-2'504'15,"3"-1"-53"-15,1 0-84 0,-1 0-79 0,2-1-77 0,1-1-41 16,-1 1-26-16,0-1-15 0,0-1-8 0,1 0-18 0,-1 0-18 0,1 0-25 0,0 0-26 16,-1 2-28-16,1-1-30 0,-2 1-33 0,0-2-34 0,0 1-49 15,-1 2-53-15,1-1-53 0,-3 1-48 0,2-2-73 0,-1 2-84 16,-2 0-40-16</inkml:trace>
   <inkml:trace contextRef="#ctx0" brushRef="#br0" timeOffset="118533.65">22883 4177 59 0,'-2'0'487'0,"1"0"-63"0,-1 0-98 15,2 0-69-15,0 0-51 0,-2 0-32 0,1 0-17 0,-1 0-15 0,2 2-11 16,-1-2-9-16,1 1-11 0,-2 1-9 0,0-1-9 0,2 1-9 15,-2 1-9-15,2 0-5 0,-2 1-6 0,0-1-2 0,2 2-2 0,-1 1-1 16,-1 0 1-16,2 0 1 0,-1 1 1 0,-1 1-3 0,0-1-1 0,2 2-3 16,-1 0-3-16,-1 0-2 0,2 2 0 0,-1 1-2 0,1-2-2 15,-2 2-2-15,0 0-2 0,2 0-3 0,-1 0-3 0,1 2-3 16,-2-2-3-16,0 0-2 0,2 1-2 0,0-1-2 0,0 2-2 0,0-2-2 16,0 1-3-16,0-2-3 0,0 0-4 0,0 0-4 0,0 0-5 0,0-2-8 15,0 0-7-15,0 0-8 0,2-2-12 0,-2 1-14 16,2-1-16-16,-2-1-17 0,1-1-21 0,-1 1-21 0,0-3-25 0,0 1-27 15,2-1-31-15,-2-3-39 0,2 3-43 0,-2-3-46 0,0 0-48 0,0 0-61 16,0 0-68-16,0 0-27 0</inkml:trace>
   <inkml:trace contextRef="#ctx0" brushRef="#br0" timeOffset="118989.05">22923 4143 316 0,'0'-3'357'16,"0"0"-62"-16,0 0-70 0,0 1-36 0,0 1-19 0,0-2-8 0,1 1-3 15,-1 1-2-15,2-1-2 0,-1 2-7 0,-1-1-9 0,3-1-9 16,-1 2-9-16,-2-2-8 0,1 1-10 0,2 1-6 0,-1-1-7 0,0-1-6 15,-1 2-3-15,2-1-3 0,-1 1-3 0,1 0-3 0,-1 0-5 0,0 0-7 16,-1 0-3-16,2 0-6 0,0 0-4 0,-1 0-4 0,-1 0-2 16,2 0-4-16,-1 1-3 0,0-1-3 0,-1 2-4 0,2-1-3 0,-1-1-3 15,0 3 0-15,-1-1-1 0,3-1-1 0,-3 2 0 0,2 0 0 16,3 0 0-16,-3 2-1 0,1-2 0 0,-3 3-1 0,3-2 1 0,-1 2 0 16,0-1 0-16,0 1 0 0,2 1 0 0,-1-1-1 0,1 2-1 15,-2-1-2-15,2 1-1 0,0 0-2 0,-2 2-2 0,2-3-1 0,-1 2-1 16,1 0-2-16,-2-1-1 0,2 1-2 0,-2 0 0 0,2 0-1 15,-2 0-2-15,3 0 1 0,-1-2 1 0,-2 2 0 0,2 0 1 0,-2-1 0 16,2 1 0-16,-2-2 0 0,2 1 1 0,0 1-2 0,-1-2-4 0,1 1-1 16,-2-2-4-16,1 1-3 0,-3-1-5 0,3 0-6 0,-1 0-7 15,-2-1-8-15,4-1-10 0,-4 2-10 0,1-3-12 0,-1 2-14 16,1-3-14-16,0 2-15 0,-2-3-17 0,1 1-17 0,-1 1-22 0,2-3-26 16,-2 0-29-16,0 0-37 0,0 0-41 0,0 0-54 0,0 0-58 15,0 0-50-15,0 0-46 0,0 0-15 0</inkml:trace>
@@ -642,7 +648,7 @@
   <inkml:trace contextRef="#ctx0" brushRef="#br0" timeOffset="124786.19">24198 5209 255 0,'0'0'544'16,"0"0"10"-16,0 0-79 0,0 0-122 0,0 0-74 0,0-1-51 0,2-1-25 16,-2 2-15-16,1-3-11 0,1 3-7 0,0-1-12 0,-1-1-14 15,2 1-14-15,-1 1-12 0,1-2-8 0,0 1-9 0,1-1-6 0,0 1-5 16,1-1-3-16,-2 1-5 0,2-3-3 0,0 4-3 0,-2-2-4 15,2 2-3-15,-1-3-5 0,-1 1-5 0,2 1-3 0,-2-1-2 0,2 1-2 16,0-1-3-16,0 1 0 0,1-1-3 0,-2 0-4 0,1 1-3 16,-2-2-4-16,2 2-4 0,0 1-3 0,1-3-3 0,-3 1-3 15,4 1-2-15,-3-2-5 0,1 3-2 0,-1-2-3 0,0-1-2 0,1 2-4 16,-1-1 0-16,0 2-6 0,1-1-2 0,-2-1-5 0,2 1-5 16,-1 1-4-16,1-2-5 0,-1 1-9 0,0 1-7 0,-3-2-9 15,3 1-12-15,-1 1-12 0,0-2-12 0,-1 2-14 0,-1-1-14 0,2-1-14 16,-1 2-14-16,0-2-18 0,0 2-17 0,-2 0-20 0,0 0-20 15,0 0-29-15,0 0-33 0,0 0-34 0,0 0-37 0,0 0-39 0,5-1-43 16,-3 1-48-16,-1-1-52 0,3-2-15 0</inkml:trace>
   <inkml:trace contextRef="#ctx0" brushRef="#br0" timeOffset="125141.48">24325 5064 154 0,'-7'-2'482'0,"1"1"-52"0,3 1-85 15,-2 0-54-15,2 0-39 0,-2 0-22 0,4-2-9 0,-3 2-7 0,1 0-4 16,2 0-6-16,1 0-9 0,0 0-10 0,0 0-12 0,0 0-13 16,0 0-15-16,0 0-12 0,0 0-14 0,0 0-11 0,0 0-10 15,0-1-10-15,0 1-11 0,1 0-9 0,2 0-10 0,-1 0-9 0,0 0-8 16,-1 0-5-16,2 0-2 0,1 0-1 0,-3 0-2 0,4 0 1 16,-2 0 0-16,3 0 2 0,1 0 1 0,-1 0 1 0,1 0 1 0,-1 0 1 15,1 0 2-15,2 0-1 0,0 0-1 0,0 0-1 16,-1 0-2-16,0 0-2 0,2 0-3 0,1 0-3 0,-2 0-2 0,-1 0-3 15,3 0-1-15,-3-2-4 0,0 2-2 0,0 0 0 0,1 0-3 0,-2 0 0 16,-1 0-3-16,1 0-2 0,-1 0-1 0,-2 2-1 0,0-1-2 16,-1-1-1-16,-2 2 0 0,3 1 0 0,-4-2-4 0,1 2 1 0,-1 0 0 15,-1 0 0-15,1 2 0 0,-4-1-1 0,1 2-1 0,0 0-1 16,-2 0-5-16,-1 2-7 0,0-1-9 0,-1 1-9 0,1-1-14 16,0 2-11-16,-4 0-13 0,2-1-15 0,0 1-15 0,0 0-18 0,-1 0-18 15,1 0-24-15,0 1-24 0,-3-1-28 0,3 0-32 0,0 2-34 16,2-2-39-16,-2 1-49 0,0-1-55 0,4 2-67 0,-1-4-72 0,-2 2-30 15,3-1-6-15</inkml:trace>
   <inkml:trace contextRef="#ctx0" brushRef="#br0" timeOffset="164522.51">24472 3711 121 0,'1'-5'176'0,"-1"-1"-1"0,0 2-3 0,2-1-4 0,-2 1-4 16,1-2-3-16,-1 0-5 0,0-1-4 0,0 2-6 0,2-1-4 0,0 1-6 15,-2-1-7-15,1 2-8 0,-1-2-5 0,2 0-2 0,-1 0-2 0,-1 0 1 16,2 0-2-16,0 0-1 0,-1 0-1 0,1 1-2 0,0-1-3 16,1 0-2-16,-2 0 0 0,2 0 0 0,0 2-3 0,0-2-3 0,1 0-2 15,-1-2-4-15,0 2-5 0,0 0-3 0,1-1-2 0,-3 1-3 16,1 1-5-16,-1-1-2 0,4 0-2 0,-4 0-1 0,1 0-4 0,-1 2-4 16,3-1-1-16,-3 1-2 0,-1-1-1 0,2 1-1 0,0 1-1 0,-1-1-4 15,1 2-3-15,-2-1-4 0,0 0-5 0,0 1-5 0,0 2-5 16,0 0-6-16,0 0-4 0,0 0-5 0,0 0-4 0,0 0-7 15,0 0-7-15,0 0-6 0,0 0-5 0,0 0-2 0,-2 2-2 0,2 1 0 16,0-2 0-16,0 2 2 0,0 2 1 0,0-1 2 0,2 1 2 0,-2 0 1 16,1 2 3-16,-1 0 2 0,4 1 4 0,-3 1 3 0,1 0 3 0,-1 0 1 15,4 1 1-15,-4 1 0 0,2-1 0 0,1 1-1 0,-3-1 0 16,3 0 1-16,-1 1-2 0,2-1 0 0,-2 0 1 0,3 0-2 0,-1-1 0 16,-1 0-2-16,1-1-3 0,0-1 0 0,1 1-1 0,0 1 1 15,1-4-2-15,1 3 1 0,-2-2-3 0,2-2-1 0,0 1-1 0,0 0-2 16,0-2 1-16,3-2-1 0,-3 1-2 0,0-1 0 0,1-1-1 15,0-1-1-15,3-1-1 0,-4 1-2 0,2-2-2 0,-1 0-1 0,0-2-1 16,2 1-1-16,-1-2-1 0,-2 0-2 0,2-2 0 0,0 1-1 16,0-1 0-16,-2-1 0 0,-1 0 0 0,1-1 1 0,2-1 0 0,-4 1 0 15,3-2 1-15,-4 0 1 0,2 0 1 0,-2 0 1 0,-1 0 2 0,2-2 2 16,-3 1 2-16,1-1 1 0,-3 1 2 0,2-1 2 0,-3 2 1 16,2 0 2-16,-2-1 1 0,0 0 2 0,0 2 2 0,-2 0 0 0,2-1 2 15,-3 2 1-15,2-1 1 0,-1 1 0 0,0 2 0 0,-1-1 0 16,-3 2 1-16,3-1 0 0,2 1 0 0,-3-1 2 0,3 2 0 0,-3 0 2 15,3 1-2-15,-1 1 1 0,1 0 0 0,-3 1 0 0,3 0 0 0,-1 0-2 16,2 1-1-16,-1-1 0 0,1 2-2 0,0-1-1 0,0 2-2 16,0 0 0-16,0 0-3 0,0 0-2 0,0 0-2 0,0 0-3 0,0 0 0 15,0 0-3-15,0 0 0 0,0 0 1 0,0 2 2 0,0-1 0 16,0 2 2-16,1 0 1 0,-1 2 0 0,2-1 4 0,-1 1 0 0,1 1 2 16,0 1 3-16,-1 0 3 0,2 3 3 0,-1-3 1 0,0 4 3 0,1-1 0 15,0 1 1-15,0 2 1 0,2-1 0 0,-2 2 1 0,2 1 1 16,-2 0-1-16,2-1 1 0,-2 3 1 0,0 1-1 0,5 0-1 0,-4 0-1 15,1 2 3-15,2-1 1 0,-1 2 1 0,2 2 1 0,-4-2-2 16,5 3 1-16,-3-2-1 0,2 2-2 0,0 0-1 0,0 0 0 0,-2 0 0 16,0 0-2-16,4-1-2 0,-2 1 1 0,-4-2-2 0,3-1-4 0,-2 2-2 15,1-2-2-15,-2 0 0 0,1 0 1 0,-2-2-2 0,2 1 2 16,-1-2 0-16,-1-2 0 0,-2 1 0 0,-1-2 2 0,3-1 0 0,-3 0 2 16,0-2 3-16,-3 0 2 0,3 0 3 0,-1-1 4 0,-1-2 2 15,-3 0 3-15,4 0 2 0,-3-2 2 0,0-1 2 0,0 2 1 16,0-2 2-16,-2-2 2 0,1 1 0 0,-2-1 2 0,3-1 0 0,-4 0 0 15,0-1-1-15,2 1-2 0,-2-3 0 0,0 0 0 0,-2 0-2 0,2 0-1 16,-1-3-1-16,1 1-2 0,-3-1 0 0,1 0-2 0,1-1-1 0,-4-1-3 16,5 1-1-16,-1-2-2 0,-2 0-1 0,1-2-3 0,2 2-2 15,-1-1-2-15,-1-1-2 0,4 1-1 0,0-3-2 0,0 2-1 16,2-1-2-16,0 0-1 0,0-2-3 0,3 2-1 0,-1 0-7 0,2 0-4 16,0 0-6-16,0-1-8 0,3 1-6 0,-1-2-8 0,1 2-8 0,0 0-10 15,2 0-12-15,1-1-13 0,1 2-16 0,-3-1-19 0,5 0-20 16,0 0-21-16,-3 0-31 0,2 0-35 0,0 2-56 0,1-1-66 0,-1 2-83 15,2-1-88-15,-2 2-40 0,1-1-17 0,1 0 0 0</inkml:trace>
-  <inkml:trace contextRef="#ctx0" brushRef="#br0" timeOffset="165495.45">24911 4777 416 0,'-1'-6'497'0,"-3"2"-64"0,3-1-105 0,-1 2-70 0,1-1-47 15,-1-1-27-15,-1 4-13 0,3-2-5 0,0 0-3 0,0 1-7 16,0 1-10-16,0 1-13 0,0 0-16 0,0-2-15 0,0 0-13 0,3 2-10 16,0 0-9-16,-1 0-7 0,-1 0-7 0,3 0-6 0,0 2-5 15,0 0-6-15,1 1-4 0,1 0-4 0,1 0-4 0,0 0-3 16,3 1-2-16,-1 1-1 0,-1-1-3 0,1 2-1 0,3 0-2 0,-2 0-1 15,0 0-2-15,1 3 1 0,2-1-3 0,-2-1-1 0,1 1-3 16,1-1 0-16,1 1 0 0,-3 1-2 0,2-4 1 0,1 2-2 0,-3 0-2 16,3-1-1-16,-2 0-1 0,0-1-2 0,1-1-3 0,-4 1-4 15,3-2-6-15,-2 1-7 0,-2-1-10 0,0 0-10 0,0-1-11 0,-2-1-13 16,-1 2-14-16,2-3-14 0,-4 2-14 0,0-2-18 0,-1 1-20 16,-1 1-27-16,-1-2-28 0,0 0-29 0,0 0-29 0,0 0-25 15,0 0-25-15,-1-3-17 0,-2 0-16 0,-1 0-35 0,1-2-46 0,-2 2-31 16</inkml:trace>
+  <inkml:trace contextRef="#ctx0" brushRef="#br0" timeOffset="165495.44">24911 4777 416 0,'-1'-6'497'0,"-3"2"-64"0,3-1-105 0,-1 2-70 0,1-1-47 15,-1-1-27-15,-1 4-13 0,3-2-5 0,0 0-3 0,0 1-7 16,0 1-10-16,0 1-13 0,0 0-16 0,0-2-15 0,0 0-13 0,3 2-10 16,0 0-9-16,-1 0-7 0,-1 0-7 0,3 0-6 0,0 2-5 15,0 0-6-15,1 1-4 0,1 0-4 0,1 0-4 0,0 0-3 16,3 1-2-16,-1 1-1 0,-1-1-3 0,1 2-1 0,3 0-2 0,-2 0-1 15,0 0-2-15,1 3 1 0,2-1-3 0,-2-1-1 0,1 1-3 16,1-1 0-16,1 1 0 0,-3 1-2 0,2-4 1 0,1 2-2 0,-3 0-2 16,3-1-1-16,-2 0-1 0,0-1-2 0,1-1-3 0,-4 1-4 15,3-2-6-15,-2 1-7 0,-2-1-10 0,0 0-10 0,0-1-11 0,-2-1-13 16,-1 2-14-16,2-3-14 0,-4 2-14 0,0-2-18 0,-1 1-20 16,-1 1-27-16,-1-2-28 0,0 0-29 0,0 0-29 0,0 0-25 15,0 0-25-15,-1-3-17 0,-2 0-16 0,-1 0-35 0,1-2-46 0,-2 2-31 16</inkml:trace>
   <inkml:trace contextRef="#ctx0" brushRef="#br0" timeOffset="165697.49">25155 4687 499 0,'-4'-4'477'0,"1"-1"-70"0,-1 1-52 0,1 1-45 0,1 0-27 16,1 0-20-16,-3-1-13 0,3 2-11 0,-1-1-10 0,1 1-12 0,-3 1-13 15,3-1-13-15,-1 2-18 0,-1-1-18 0,1 1-18 0,1 0-20 0,-4 0-14 16,4 1-16-16,-1 1-9 0,1 1-12 0,-3 0-9 0,3 3-10 15,-3 3-10-15,1 0-9 0,0 3-6 0,-2 0-9 0,-1 4-5 16,0 4-4-16,-1 1-10 0,-1 3-12 0,-1 3-21 0,1 0-24 0,-1 1-37 16,-5 4-44-16,2-1-72 0,1 1-87 0,-3-1-117 0,1 2-130 15,-1 0-69-15,2 0-37 0,-1 0-18 0,0-1-9 0</inkml:trace>
   <inkml:trace contextRef="#ctx0" brushRef="#br0" timeOffset="206948.43">22987 16417 373 0,'-1'-4'545'0,"-1"1"15"0,2-2-60 0,-1 1-96 0,1 1-75 15,0-2-64-15,0 2-35 0,0 0-23 0,0 0-9 0,0 2-5 16,0-2-5-16,0 0-9 0,0 0-10 0,0-1-12 0,0 2-8 0,0 0-10 15,0-1-5-15,0 2-6 0,0-1-6 0,0 1-8 0,0 1-10 0,0 0-10 16,0 0-11-16,0 0-11 0,0 0-11 0,0 0-12 0,0 0-12 16,0 0-11-16,0 0-7 0,1 0-6 0,2 0-7 0,2 0-3 0,-2 1-3 15,2 1-3-15,0-1 0 0,-1 2 0 0,4 1 0 0,1 0 3 0,1 2 3 16,1-2 0-16,0 2 4 0,2 0 2 0,1 0 1 0,-1 2 0 16,0-2-1-16,2 1 0 0,-2-1 0 0,3 2-1 0,-3-1 0 0,4 1-2 15,-4-2-1-15,0 1-2 0,0-1-2 0,1 0-5 0,-1 0-6 16,2 0-8-16,-3-1-9 0,-1-1-9 0,2 1-10 0,-1-2-11 15,-2 1-9-15,2-1-9 0,-2 0-11 0,1-1-9 0,-2-1-12 0,1 2-11 16,-2-3-11-16,3 2-10 0,-3-2-12 0,-2 1-11 0,1 1-11 16,0-2-12-16,-2 1-13 0,-2 1-13 0,2-2-23 0,-2 0-25 0,-3 0-36 15,0 0-41-15,0 0-58 0,0 0-66 0,0 0-39 0,0 0-27 0,0 0-5 16</inkml:trace>
   <inkml:trace contextRef="#ctx0" brushRef="#br0" timeOffset="207212.49">23288 16243 272 0,'-5'-3'551'0,"0"-1"9"0,0 1 4 0,0 0-83 16,1 0-126-16,-1 1-75 0,0 1-47 0,2 1-30 0,2-2-18 16,-3 2-16-16,1 0-14 0,0 2-13 0,1-1-15 0,-2 1-16 0,1 1-17 15,0 1-15-15,-1 2-8 0,1 2-7 0,-2 0-4 0,0 2-5 16,1 2-2-16,-4 0-2 0,3 3-2 0,-1 0 1 0,-1 1-3 0,3 2-4 15,-5-2-7-15,0 2-5 0,3 2-4 0,0 0-3 0,-3-1-5 0,2-1-4 16,-1 2-4-16,2-1-4 0,-4-1-7 0,4 0-12 0,0-2-11 16,-1 2-17-16,0-1-16 0,0 0-23 0,1-2-24 0,-1 0-31 15,3 1-34-15,-2-2-45 0,-1 1-55 0,2-2-72 0,1 1-84 0,0-2-80 16,-1 0-80-16,2-2-34 0,2 1-10 0,-4-1 2 0</inkml:trace>
@@ -660,28 +666,339 @@
   <inkml:trace contextRef="#ctx0" brushRef="#br0" timeOffset="-197846.48">12414 15562 63 0,'-1'1'482'15,"-1"1"8"-15,2-2-76 0,-3 2-117 0,1-1-71 0,1 1-50 16,-1 1-25-16,2-2-14 0,-2 1-7 0,1 1-3 0,-1-3-5 0,2 1-2 15,-1 1-4-15,-2-2-5 0,3 1-5 0,0-1-8 0,0 0-6 0,0 0-6 16,0 0-5-16,0 0-4 0,0 0-3 0,0 0-2 0,0 0-1 16,0 0-2-16,0 0-1 0,0 0-1 0,0 0-3 0,0 0-3 0,0 0-5 15,0 0-2-15,0 0-4 0,0 0-1 0,0 0-3 0,0 0-2 0,0 0-1 16,0 0-4-16,0 0-2 0,0 0-3 0,0 0-3 0,0-1 0 16,0 1-3-16,0 0 0 0,0-3 0 0,0 3 0 0,0-2 1 0,0 1 2 15,0 1 0-15,0 0 1 0,0-3 0 0,0 3 0 0,0-2 1 16,0 1-2-16,0 1 1 0,-2-2-1 0,2 2 1 0,0-1-3 0,0 1-2 15,-1 0-2-15,1 0-4 0,-2-2-2 0,2 2-1 0,0 0-2 16,0-2-3-16,-1 1 0 0,-1 1-3 0,2-1-2 0,-2-1-2 0,2 2-1 16,-3-1-1-16,3-2-1 0,-1 3-1 0,1-3-1 0,-2 3-1 0,0-2 1 15,2 1 0-15,-1 1-1 0,-1-2 1 0,2 2 1 0,-2-2 1 16,2 1 1-16,-1 1 4 0,1 0 5 0,0 0 2 0,0 0 5 0,0 0 2 16,0 0 4-16,0 0 1 0,0 0 0 0,0 0 0 0,0 0-1 15,0 0 0-15,0 0-3 0,0 1 0 0,1 1-3 0,-1 0-3 0,2 1-4 16,1 0-2-16,1 0-5 0,-3-2-2 0,4 3-4 0,1 0-1 15,0 0-2-15,-1 1 1 0,3 1 0 0,0-2 0 0,1 2 0 0,1 0 0 16,-2 0 0-16,2-1-1 0,0 1-1 0,2-2 0 0,-3 1-2 0,2 1 2 16,0-2-1-16,0-1 1 0,0 2 0 0,-1-2 1 0,1 1-1 15,-2-1 2-15,1 0 1 0,-2 0 0 0,1 0 0 0,-2-1-1 0,-1 1-1 16,0-2-2-16,0 1-5 0,-1-1-6 0,0 1-6 0,-2-1-7 16,0-1-10-16,-1 2-14 0,0-1-13 0,-1-1-18 0,-1 1-18 0,0-1-20 15,0 0-18-15,0 0-21 0,0 0-22 0,0 0-22 0,0 0-21 0,-1 0-22 16,-1-1-23-16,0 1-24 0,-1-3-22 0,2 0-27 0,-1 2-27 15,0-4-22-15,-1 1-19 0,1-2-34 0,1 0-46 0,-1 1-12 0</inkml:trace>
   <inkml:trace contextRef="#ctx0" brushRef="#br0" timeOffset="-197621.92">12568 15460 415 0,'-2'-1'506'0,"-1"-1"-43"0,-2 1-69 0,3 1-60 0,-1-2-52 0,2 2-33 16,-2 0-17-16,1 0-8 0,-1 0-2 0,2 0-2 0,-1 0-1 15,0 0-5-15,-1 0-7 0,1 2-11 0,1-2-12 0,-1 1-10 0,-1 1-11 16,1-1-9-16,1 1-9 0,-2 1-8 0,-2 1-10 0,2-1-11 16,0 2-13-16,-2 1-13 0,2 1-13 0,-2 2-9 0,2 2-11 0,-2-1-10 15,1 1-7-15,0 2-10 0,0 2-7 0,0 0-9 0,-2 3-8 0,3 0-13 16,0 2-15-16,-3-1-20 0,2 2-22 0,0 2-23 0,0-1-24 0,-2 4-27 16,3-4-32-16,-2 3-34 0,-1 1-33 0,1-2-55 0,2 1-62 15,-2 1-85-15,2-2-95 0,-2 0-71 0,3 2-58 0,-1-2-18 16,-1-2 3-16,1 0 12 0</inkml:trace>
   <inkml:trace contextRef="#ctx0" brushRef="#br0" timeOffset="-187159.47">16471 10206 4 0,'0'0'180'0,"2"0"-17"0,0 0-10 0,-2-2-7 16,0 2-6-16,1-1-6 0,-1 1-9 0,2 0-9 0,-2 0-12 0,1-2-10 16,-1 2-10-16,2-1-10 0,-2 1-10 0,0 0-7 0,2 0-9 15,-2 0-6-15,1 0-9 0,-1 0-6 0,0 0-6 0,0 0-8 0,0 0-7 16,0 0-9-16,0 0-8 0,0 0-10 0,0 0-12 0,0 0-12 15,0 0-17-15,0 0-16 0,0 0-24 0,0 0-25 0,0 0-34 0,0 0-38 16,0 0-53-16,0 0-61 0,0 0-48 0</inkml:trace>
-  <inkml:trace contextRef="#ctx0" brushRef="#br0" timeOffset="-170216.74">18793 8713 204 0,'-4'-6'251'0,"1"0"-26"0,2 0-18 0,-3-1-8 16,1 1-3-16,-2 1-2 0,4-1-4 0,-2 0-6 0,1 0-7 0,-1 0-8 15,2 2-11-15,-1-2-7 0,0 1-6 0,-1-1-4 0,2 2-4 16,-1-1-3-16,0 1-5 0,-1-2-4 0,1 3-7 0,1-2-4 0,-1 2-5 15,1-1-3-15,-4 1-2 0,5 0-1 0,-3 0-3 0,3 1-2 16,-1 1-4-16,-1-1-4 0,-1-1-4 0,1 3-6 0,2-1-6 0,-2-1-7 16,2 2-6-16,-1 0-7 0,1 0-9 0,0 0-9 15,0 0-10-15,0 0-8 0,-2 0-10 0,2 2-8 0,0-2-8 0,-1 1-7 16,1 1-4-16,0-1-3 0,0 2-3 0,0 2 0 0,0-2 0 0,0 3 2 16,1 0 0-16,-1 1 2 0,2 2 2 0,-1 0 2 0,1 0 2 15,0 1 4-15,1 3 2 0,-1-3 1 0,1 2 1 0,0 2 1 0,1-2-1 16,-1 0 0-16,1 0-1 0,1-2 0 0,-2 2 1 0,2 0-2 15,-2-1 0-15,3-1 0 0,0 0 0 0,-1 0-2 0,0-2 0 16,0 0-1-16,-1 0-4 0,2-3-2 0,-1 2-2 0,2-1-2 0,1-2-1 16,-4-1-2-16,4 0-2 0,-2 0-2 0,1 0-2 0,-1-3-1 15,2 2-3-15,1-2-1 0,-1-2 0 0,1 2 0 0,1-3 2 0,-2 0 3 16,4 0 0-16,-3-3 3 0,0 2 2 0,-1-2 3 0,5 0 1 16,-7-2 4-16,2-1 3 0,0 2 2 0,1-4 5 0,-2 2 3 15,1-2 0-15,-2 0 3 0,-1-1 1 0,3 1 2 0,-4-1 0 0,0-1 1 16,0-1 2-16,0 1-1 0,-3-1 0 0,2 1 2 0,-1-1 1 0,0 2 0 15,-1-3 2-15,-1 1 2 0,0 3 4 0,0-1 3 16,0 0 4-16,0 1 4 0,-1-1 2 0,-1 3 4 0,0 0 5 0,-1 2 3 16,2-1 2-16,-1 1 3 0,0 2 2 0,-1-1 0 0,2 3 2 15,-1-1-3-15,0 1-4 0,1 1-3 0,-1 1-5 0,2-1-6 0,-1 2-6 16,1-1-6-16,0 1-7 0,0 0-6 0,0 0-7 0,-2 1-6 0,0-1-1 16,2 3-4-16,0-1-1 0,0 2-1 0,0 1 0 0,0-1 2 15,2 4 0-15,0-1 2 0,-2 1 3 0,1 2 2 0,-1 1 3 16,3-1 3-16,-1 2 4 0,0 0 1 0,-1 2 2 0,2-1 0 15,-1 2 1-15,1 0-1 0,0 0 2 0,1 2-2 0,0-1 1 0,-1 0-2 16,0 2 1-16,1-1-2 0,-3 1-1 0,4 0 0 0,-2 2-2 0,1-2 1 16,-3 1 1-16,2 2 3 0,2-2 0 0,-2 3 1 15,2-1 0-15,-4 1 2 0,2-1 1 0,-1 0 1 0,1 2 1 0,-1-3 1 16,0 2 2-16,-2-1 0 0,1 1 3 0,-1-1-2 0,0-1 0 0,0 1-2 16,0-2 0-16,0 1-2 0,0-2 0 0,-1 1-1 0,1-1 0 15,-2-1-1-15,0-1 0 0,-1 1-1 0,1-1 1 0,1-3 0 0,-2 1-1 16,-1 0 0-16,1-2-1 0,0 0 1 0,-1-2 1 0,1 1-1 15,-1-2 0-15,1 0 0 0,1-2 1 0,-1 1 1 0,0-2 1 16,0 0 2-16,0 0 0 0,-2-2 2 0,2-1 0 0,-2 2 2 16,2-2 1-16,-2 0 1 0,2-2 0 0,-2 1 0 0,0-2-1 0,-1 0 0 15,2 0-1-15,-1 0-1 0,-2-2-3 0,1-1-3 0,-2 0-3 0,4-2-3 16,-3 1-4-16,1 0-1 0,-1-2-1 0,0-2-4 0,0 2-3 16,3-1-4-16,-3-1-3 0,1 1-6 0,-2-1-8 0,3 1-7 15,0-1-10-15,-1-1-11 0,1 2-10 0,2-2-15 0,-3 1-14 0,3 0-19 16,0 1-21-16,-1 1-25 0,1-1-26 0,2 1-37 0,1-2-45 15,0 2-69-15,0-1-81 0,0-2-72 0,1 1-67 0,2 1-28 16,2-2-10-16</inkml:trace>
+  <inkml:trace contextRef="#ctx0" brushRef="#br0" timeOffset="-170216.75">18793 8713 204 0,'-4'-6'251'0,"1"0"-26"0,2 0-18 0,-3-1-8 16,1 1-3-16,-2 1-2 0,4-1-4 0,-2 0-6 0,1 0-7 0,-1 0-8 15,2 2-11-15,-1-2-7 0,0 1-6 0,-1-1-4 0,2 2-4 16,-1-1-3-16,0 1-5 0,-1-2-4 0,1 3-7 0,1-2-4 0,-1 2-5 15,1-1-3-15,-4 1-2 0,5 0-1 0,-3 0-3 0,3 1-2 16,-1 1-4-16,-1-1-4 0,-1-1-4 0,1 3-6 0,2-1-6 0,-2-1-7 16,2 2-6-16,-1 0-7 0,1 0-9 0,0 0-9 15,0 0-10-15,0 0-8 0,-2 0-10 0,2 2-8 0,0-2-8 0,-1 1-7 16,1 1-4-16,0-1-3 0,0 2-3 0,0 2 0 0,0-2 0 0,0 3 2 16,1 0 0-16,-1 1 2 0,2 2 2 0,-1 0 2 0,1 0 2 15,0 1 4-15,1 3 2 0,-1-3 1 0,1 2 1 0,0 2 1 0,1-2-1 16,-1 0 0-16,1 0-1 0,1-2 0 0,-2 2 1 0,2 0-2 15,-2-1 0-15,3-1 0 0,0 0 0 0,-1 0-2 0,0-2 0 16,0 0-1-16,-1 0-4 0,2-3-2 0,-1 2-2 0,2-1-2 0,1-2-1 16,-4-1-2-16,4 0-2 0,-2 0-2 0,1 0-2 0,-1-3-1 15,2 2-3-15,1-2-1 0,-1-2 0 0,1 2 0 0,1-3 2 0,-2 0 3 16,4 0 0-16,-3-3 3 0,0 2 2 0,-1-2 3 0,5 0 1 16,-7-2 4-16,2-1 3 0,0 2 2 0,1-4 5 0,-2 2 3 15,1-2 0-15,-2 0 3 0,-1-1 1 0,3 1 2 0,-4-1 0 0,0-1 1 16,0-1 2-16,0 1-1 0,-3-1 0 0,2 1 2 0,-1-1 1 0,0 2 0 15,-1-3 2-15,-1 1 2 0,0 3 4 0,0-1 3 16,0 0 4-16,0 1 4 0,-1-1 2 0,-1 3 4 0,0 0 5 0,-1 2 3 16,2-1 2-16,-1 1 3 0,0 2 2 0,-1-1 0 0,2 3 2 15,-1-1-3-15,0 1-4 0,1 1-3 0,-1 1-5 0,2-1-6 0,-1 2-6 16,1-1-6-16,0 1-7 0,0 0-6 0,0 0-7 0,-2 1-6 0,0-1-1 16,2 3-4-16,0-1-1 0,0 2-1 0,0 1 0 0,0-1 2 15,2 4 0-15,0-1 2 0,-2 1 3 0,1 2 2 0,-1 1 3 16,3-1 3-16,-1 2 4 0,0 0 1 0,-1 2 2 0,2-1 0 15,-1 2 1-15,1 0-1 0,0 0 2 0,1 2-2 0,0-1 1 0,-1 0-2 16,0 2 1-16,1-1-2 0,-3 1-1 0,4 0 0 0,-2 2-2 0,1-2 1 16,-3 1 1-16,2 2 3 0,2-2 0 0,-2 3 1 15,2-1 0-15,-4 1 2 0,2-1 1 0,-1 0 1 0,1 2 1 0,-1-3 1 16,0 2 2-16,-2-1 0 0,1 1 3 0,-1-1-2 0,0-1 0 0,0 1-2 16,0-2 0-16,0 1-2 0,0-2 0 0,-1 1-1 0,1-1 0 15,-2-1-1-15,0-1 0 0,-1 1-1 0,1-1 1 0,1-3 0 0,-2 1-1 16,-1 0 0-16,1-2-1 0,0 0 1 0,-1-2 1 0,1 1-1 15,-1-2 0-15,1 0 0 0,1-2 1 0,-1 1 1 0,0-2 1 16,0 0 2-16,0 0 0 0,-2-2 2 0,2-1 0 0,-2 2 2 16,2-2 1-16,-2 0 1 0,2-2 0 0,-2 1 0 0,0-2-1 0,-1 0 0 15,2 0-1-15,-1 0-1 0,-2-2-3 0,1-1-3 0,-2 0-3 0,4-2-3 16,-3 1-4-16,1 0-1 0,-1-2-1 0,0-2-4 0,0 2-3 16,3-1-4-16,-3-1-3 0,1 1-6 0,-2-1-8 0,3 1-7 15,0-1-10-15,-1-1-11 0,1 2-10 0,2-2-15 0,-3 1-14 0,3 0-19 16,0 1-21-16,-1 1-25 0,1-1-26 0,2 1-37 0,1-2-45 15,0 2-69-15,0-1-81 0,0-2-72 0,1 1-67 0,2 1-28 16,2-2-10-16</inkml:trace>
   <inkml:trace contextRef="#ctx0" brushRef="#br0" timeOffset="-169954.68">19281 8860 90 0,'2'-2'536'0,"-1"1"5"15,3 1 2-15,-3-1-101 0,2-1-154 0,2 2-85 0,-2-1-49 16,0 1-20-16,3-2-5 0,1 1-5 0,-1 1-1 0,2-2-7 0,0 1-9 16,2-2-10-16,0-1-10 0,0 2-5 0,0-1-4 0,0 0-6 15,3 0-8-15,-3-2-10 0,1 2-12 0,-2-1-16 0,2 1-17 0,0-2-19 16,-3 2-20-16,2-2-19 0,-1 3-21 0,1-3-26 0,-4 1-28 15,2-1-36-15,0-1-38 0,-2 2-45 0,-1-1-49 0,0 0-48 16,0 0-50-16,-2 0-59 0,-2 1-62 0,1-1-28 0,-2 1-7 0</inkml:trace>
   <inkml:trace contextRef="#ctx0" brushRef="#br0" timeOffset="-169737.63">19279 8721 415 0,'0'0'473'0,"0"0"-54"16,2-2-77-16,0-1-50 0,-1 2-36 0,3-2-25 0,-1-1-16 16,3 2-14-16,-3-3-17 0,2 2-17 0,1-1-20 0,1 0-17 0,-3 0-16 15,4 0-12-15,-2-1-8 0,2-1-10 0,0 2-7 0,1-1-11 16,0 1-9-16,-1-1-9 0,-2 1-10 0,3-1-10 0,-1-1-11 0,0 3-13 16,-1-1-13-16,2-1-15 0,-3 2-18 0,2-1-21 0,0 0-24 15,0 0-30-15,-2 0-32 0,2 2-48 0,0-1-53 0,3 0-64 16,-3 0-69-16,0 0-75 0,1 0-78 0,-1 0-35 0,4 0-15 0</inkml:trace>
   <inkml:trace contextRef="#ctx0" brushRef="#br0" timeOffset="-169425.48">19774 8317 488 0,'0'-6'592'16,"0"0"-7"-16,2 2-17 0,0-1-110 0,-2 1-156 0,1 1-84 16,2-2-47-16,-1 2-21 0,2 0-9 0,0 0-11 0,0 0-9 0,1 2-18 15,2-1-17-15,-1 1-17 0,3-1-11 0,-1 2-9 0,4 0-4 0,-2 0-1 16,0 0 0-16,1 3-2 0,1-1-3 0,1 1-3 0,0-1-3 16,0 3-4-16,-1 0-3 0,2-1-4 0,-1 2-2 0,1 0-2 15,-1 0-2-15,-2 1-2 0,3 0-4 0,-1 0-2 0,-1 2-3 0,1-1 0 16,0-1-3-16,-2-1-1 0,-1 2-1 0,0-3-1 0,2 3-1 15,-4-3-2-15,1 0 0 0,-1 2-4 0,-2-4-5 0,1 1-10 0,1-1-11 16,-2 0-13-16,-3 0-15 0,2-1-18 0,-4-1-20 0,2 1-24 16,1-1-27-16,-3-1-40 0,2 0-43 0,-3 0-72 0,0 0-85 0,0-1-84 15,2-2-85-15,-2 0-36 0,2-2-13 0,0 1 2 0</inkml:trace>
   <inkml:trace contextRef="#ctx0" brushRef="#br0" timeOffset="-169172.42">20114 8046 498 0,'-4'-3'625'0,"-3"-2"13"0,2 2 11 0,-1-1-107 0,3 1-168 16,-2 0-94-16,2 0-58 0,0 1-34 0,0 1-21 0,1-1-18 16,0 0-20-16,-1 2-21 0,2 2-22 0,-1 0-16 0,-2 2-13 0,1 1-9 15,-1 0-4-15,1 3-3 0,-2 2-3 0,2 1-1 0,-2 3-1 16,-2 0 0-16,0 3 2 0,-1 2 4 0,2 1 3 0,-3 1 1 15,1 2-1-15,0-1-3 0,0 2-7 0,-5 0-12 0,5 2-13 0,-2-1-18 16,1 2-19-16,0-1-21 0,1 0-22 0,0 2-30 0,-1-1-34 16,0-2-47-16,1 1-52 0,-1-1-77 0,1 1-92 0,2-1-100 15,-1-1-106-15,1 0-49 0,-1 0-22 0,0-4-1 0,2 1 6 0</inkml:trace>
-  <inkml:trace contextRef="#ctx0" brushRef="#br0" timeOffset="-163367.7">18933 10444 410 0,'-2'-1'460'0,"-1"-1"-86"0,3 2-124 16,-1-1-70-16,1 1-43 0,0 0-22 0,0 0-14 0,0 0-9 15,0 0-8-15,0 1-9 0,-3-1-13 0,1 3-12 0,2-1-10 0,-1 1-8 16,-1 1-4-16,2 1-1 0,-1-1 0 0,-1 2 0 0,0 0-1 0,1 2 1 15,-1-1 0-15,2 1 1 0,-2 0 0 0,2 2-2 16,-3-1-2-16,3-2-3 0,0 2-4 0,0 0-3 0,0 0-3 0,0-1-3 16,0-1-4-16,3 0 0 0,-1 1-1 0,0 0-1 0,-1-3-1 0,3 0 1 15,-1 1-1-15,3-1-2 0,-3-3 1 0,0 3-2 0,2-2 4 16,-2 0-1-16,4-1 2 0,-3-1 2 0,2-1 1 0,-1 0 1 0,2 0 0 16,-3 0 0-16,1-3-1 0,0 0 1 0,2 0 0 0,-2 0 1 15,0-1 0-15,2-1-1 0,-3 1 2 0,0-3-1 0,2 2-1 16,-3-1-1-16,2 0-3 0,-2-3 2 0,0 1-1 0,0 1 1 0,0-2-2 15,-1 0 0-15,1-2 0 0,0 2-2 0,-1-1 0 0,-1-1 0 16,2-1 0-16,-1 0 1 0,0 2 2 0,-1-2 0 0,-1 1 2 16,2 1 3-16,-1-1 3 0,-1 0 5 0,2 4 3 0,-2-2 6 0,0 2 6 15,0-1 5-15,0 1 6 0,0 2 3 0,0-1 3 0,0 2 3 16,0 0 2-16,0 2 1 0,-2-1 0 0,2 0-2 0,-1 1-3 0,-1 1-5 16,2 1-5-16,0 0-5 0,0 0-7 0,0 0-7 0,0 0-5 15,0 0-6-15,-1 1-4 0,1 1-4 0,-2-1-2 0,0 1-2 16,2 1-1-16,0 1 0 0,0 1 2 0,0-1 2 0,2 2 0 0,0 2 4 15,-2-1 2-15,1 0 1 0,-1 4 2 0,3 0 2 0,-1 1 0 16,0-2 2-16,-1 3-2 0,3 0 1 0,-3 0-1 0,2 2-1 16,2 0 1-16,-2 0-2 0,2 0-1 0,-2 2 0 0,0 1-1 0,2-2-2 15,-2 2 0-15,0 0 0 0,2 0-1 0,-2 0 1 0,0 2-1 16,0-2 1-16,1 0 0 0,-3 0-2 0,2 0 1 0,1-1-2 0,-3 3 0 16,-1-4 1-16,2 1-1 0,-1 0-1 0,-1-2 1 0,0 0-2 15,0 0 1-15,0-2 0 0,-1 1 1 0,-1-2-2 0,2 0 0 0,-1 0 0 16,-1-2 1-16,-1-1-1 0,1 2 2 0,1-4-1 0,-3 1 0 15,3-1 1-15,-3 1 3 0,1-1 0 0,2-2-1 0,-4 1 2 16,2-1 0-16,0 0 1 0,-2-2 1 0,2 2 0 0,0-2 1 0,-4 0 1 16,4 0 0-16,-3 0 1 0,1-2-1 0,0-1-2 0,1 2-2 15,-3-1-2-15,0-1-1 0,0 0-6 0,1 0-3 0,-1-1-6 0,3-1-6 16,-4 1-9-16,2-2-8 0,1 0-11 0,0 0-10 0,-2-2-13 16,3 1-13-16,-1-1-16 0,1-1-19 0,0-1-23 0,1-1-26 0,2 1-36 15,-1-3-44-15,2 2-50 0,2-3-58 0,-1-1-71 0,4 0-79 16,1-2-35-16,2 0-16 0</inkml:trace>
+  <inkml:trace contextRef="#ctx0" brushRef="#br0" timeOffset="-163367.72">18933 10444 410 0,'-2'-1'460'0,"-1"-1"-86"0,3 2-124 16,-1-1-70-16,1 1-43 0,0 0-22 0,0 0-14 0,0 0-9 15,0 0-8-15,0 1-9 0,-3-1-13 0,1 3-12 0,2-1-10 0,-1 1-8 16,-1 1-4-16,2 1-1 0,-1-1 0 0,-1 2 0 0,0 0-1 0,1 2 1 15,-1-1 0-15,2 1 1 0,-2 0 0 0,2 2-2 16,-3-1-2-16,3-2-3 0,0 2-4 0,0 0-3 0,0 0-3 0,0-1-3 16,0-1-4-16,3 0 0 0,-1 1-1 0,0 0-1 0,-1-3-1 0,3 0 1 15,-1 1-1-15,3-1-2 0,-3-3 1 0,0 3-2 0,2-2 4 16,-2 0-1-16,4-1 2 0,-3-1 2 0,2-1 1 0,-1 0 1 0,2 0 0 16,-3 0 0-16,1-3-1 0,0 0 1 0,2 0 0 0,-2 0 1 15,0-1 0-15,2-1-1 0,-3 1 2 0,0-3-1 0,2 2-1 16,-3-1-1-16,2 0-3 0,-2-3 2 0,0 1-1 0,0 1 1 0,0-2-2 15,-1 0 0-15,1-2 0 0,0 2-2 0,-1-1 0 0,-1-1 0 16,2-1 0-16,-1 0 1 0,0 2 2 0,-1-2 0 0,-1 1 2 16,2 1 3-16,-1-1 3 0,-1 0 5 0,2 4 3 0,-2-2 6 0,0 2 6 15,0-1 5-15,0 1 6 0,0 2 3 0,0-1 3 0,0 2 3 16,0 0 2-16,0 2 1 0,-2-1 0 0,2 0-2 0,-1 1-3 0,-1 1-5 16,2 1-5-16,0 0-5 0,0 0-7 0,0 0-7 0,0 0-5 15,0 0-6-15,-1 1-4 0,1 1-4 0,-2-1-2 0,0 1-2 16,2 1-1-16,0 1 0 0,0 1 2 0,0-1 2 0,2 2 0 0,0 2 4 15,-2-1 2-15,1 0 1 0,-1 4 2 0,3 0 2 0,-1 1 0 16,0-2 2-16,-1 3-2 0,3 0 1 0,-3 0-1 0,2 2-1 16,2 0 1-16,-2 0-2 0,2 0-1 0,-2 2 0 0,0 1-1 0,2-2-2 15,-2 2 0-15,0 0 0 0,2 0-1 0,-2 0 1 0,0 2-1 16,0-2 1-16,1 0 0 0,-3 0-2 0,2 0 1 0,1-1-2 0,-3 3 0 16,-1-4 1-16,2 1-1 0,-1 0-1 0,-1-2 1 0,0 0-2 15,0 0 1-15,0-2 0 0,-1 1 1 0,-1-2-2 0,2 0 0 0,-1 0 0 16,-1-2 1-16,-1-1-1 0,1 2 2 0,1-4-1 0,-3 1 0 15,3-1 1-15,-3 1 3 0,1-1 0 0,2-2-1 0,-4 1 2 16,2-1 0-16,0 0 1 0,-2-2 1 0,2 2 0 0,0-2 1 0,-4 0 1 16,4 0 0-16,-3 0 1 0,1-2-1 0,0-1-2 0,1 2-2 15,-3-1-2-15,0-1-1 0,0 0-6 0,1 0-3 0,-1-1-6 0,3-1-6 16,-4 1-9-16,2-2-8 0,1 0-11 0,0 0-10 0,-2-2-13 16,3 1-13-16,-1-1-16 0,1-1-19 0,0-1-23 0,1-1-26 0,2 1-36 15,-1-3-44-15,2 2-50 0,2-3-58 0,-1-1-71 0,4 0-79 16,1-2-35-16,2 0-16 0</inkml:trace>
   <inkml:trace contextRef="#ctx0" brushRef="#br0" timeOffset="-163154.66">19393 10605 445 0,'3'-2'567'0,"1"0"10"16,-3 2-73-16,1-1-115 0,-1 0-94 0,3 1-87 0,-3-2-50 15,2 1-31-15,-1 1-16 0,1-2-6 0,2 1-8 0,-1-1-11 0,0-1-14 16,0 2-14-16,3-2-13 0,-1-1-13 0,2 2-13 0,0-3-14 16,0 1-16-16,1-1-19 0,1 1-21 0,-4-1-26 0,2-1-32 15,1 1-36-15,-2 0-41 0,-1 0-43 0,1-1-45 0,-4 2-41 0,-2-1-32 16,1-1-29-16,-2 2-18 0,-2-1-14 0,1 1-23 0,-2 1-27 0</inkml:trace>
   <inkml:trace contextRef="#ctx0" brushRef="#br0" timeOffset="-163023.37">19370 10473 145 0,'0'0'424'0,"0"0"-41"0,0 0-52 0,0 0-47 16,0 0-44-16,0 0-33 0,1-2-30 0,-1 0-24 0,2 1-20 0,-1 0-22 15,3-2-20-15,-3 1-24 0,2 1-28 0,-1-1-36 0,4-1-37 16,-3 0-54-16,4 0-60 0,-1-1-70 0,0 1-77 0,2-2-76 16,-2 1-77-16,2-2-40 0,2 0-21 0</inkml:trace>
-  <inkml:trace contextRef="#ctx0" brushRef="#br0" timeOffset="-162320.11">20127 10035 538 0,'0'0'582'0,"0"0"9"0,0 0-82 0,0 0-123 15,0 0-105-15,0 0-94 0,0 0-53 0,0 0-32 0,0 0-13 16,0 0-4-16,0 0-7 0,0 0-7 0,0 0-12 0,0 0-13 15,0 0-10-15,0 0-8 0,0 1-3 0,-5 0-2 0,4-1 1 0,-1 2 0 16,1 0 0-16,-3 1 0 0,3-2 0 0,-2 1-3 0,-1 1 0 16,1-2 0-16,0 1-2 0,0 1 0 0,-2-2-1 0,2 1-2 0,2-1-2 15,-3-1-2-15,1 2-3 0,0-1-4 0,0-1 0 0,-1 0-1 16,1 0-2-16,2 0 0 0,-5-1-6 0,3-1-1 0,-1 2-3 0,1-1-1 16,1-2-1-16,-1 1-3 0,0-1 1 0,1 0-2 0,-1-1 2 15,2 1 0-15,-4-3-1 0,4 1 1 0,-1-1-1 0,1-1 1 0,-3 1 2 16,4-2 2-16,-1 1 1 0,1-2 1 0,0 0-1 0,0 0 2 15,0-2 1-15,1 2 0 0,1-1 2 0,0 1 1 0,1 0-1 0,1-2 1 16,-1 4 0-16,2-2-1 0,-2 0 2 0,2 1-1 16,2 2 2-16,-3 0 1 0,4 0-1 0,-2 2 1 0,-1 0 0 0,2 2 0 15,2-1 1-15,-3 3-2 0,2 0 1 0,-1 0 0 0,2 3 2 16,-3 1 1-16,1 1 1 0,1 1 1 0,0 3-1 0,-1-2 2 0,0 4 0 16,-3 1 0-16,1 0 0 0,0 1 0 0,1 1 0 0,-3 2 0 0,4 1 1 15,-6-1 0-15,2 2 1 0,-1 0 0 0,0 2 0 0,-2-1 1 16,0 1-1-16,-2-1 2 0,0 1-1 0,1-1 1 0,-1-1 1 15,-1 2 0-15,-2-2 3 0,4 0 1 0,-5-2-2 0,2 2 0 0,0-1 0 16,-3-2-2-16,2 0 0 0,-1 0-2 0,-2-2 0 0,0 1-2 16,0-2-2-16,0 0-2 0,-1-2-2 0,3-1-3 0,-2 0-3 15,1-1-1-15,-2-1-3 0,3 1-1 0,-1-4-3 0,2 1-2 0,-1-1-4 16,-1-3-4-16,2 1 0 0,0-2-3 0,2 0-1 0,-2-2-5 16,2 0 0-16,-2-3-3 0,2 1 0 0,2-3-2 0,-3 0 1 0,4-2 0 15,-1 0 0-15,1-2 3 0,0 0 1 0,0-1 1 0,1 0 1 16,-1-2 2-16,4 2 2 0,-3-2 2 0,2 3 4 0,2-1 1 0,-4-2 3 15,4 2-1-15,-2 2 1 0,2-1-1 0,-2 4 3 0,2-2-1 16,3 1 2-16,-4 2 1 0,1 2 1 0,0-1 0 0,2 0 2 16,-3 4 0-16,4 0 3 0,-2 1-1 0,1 0 4 0,-1 1 2 0,2 0 3 15,-2 3 1-15,1 0 3 0,-1 1 2 0,2-1 4 0,0 1 3 16,-4 1 1-16,3 0 1 0,-1-1 1 0,-1 0 1 0,3 1 2 0,-2 0-1 16,-1 0 0-16,0 0-2 0,-1 0-1 0,1-1-1 0,1 1-2 15,-3-2-3-15,2 1-1 0,-2-1-2 0,2-1-2 0,-1 2-2 0,-1-2-1 16,1 0-2-16,-1-2-2 0,0 0-2 0,1 1-3 0,-3 0-6 15,2-2-9-15,1 0-12 0,1 0-15 0,-2 0-19 0,3 0-29 16,-2-2-32-16,0 0-48 0,1 0-55 0,-1-1-75 0,3-2-82 0,0 1-72 16,-2-2-67-16,3 0-32 0,0-3-12 0</inkml:trace>
+  <inkml:trace contextRef="#ctx0" brushRef="#br0" timeOffset="-162320.12">20127 10035 538 0,'0'0'582'0,"0"0"9"0,0 0-82 0,0 0-123 15,0 0-105-15,0 0-94 0,0 0-53 0,0 0-32 0,0 0-13 16,0 0-4-16,0 0-7 0,0 0-7 0,0 0-12 0,0 0-13 15,0 0-10-15,0 0-8 0,0 1-3 0,-5 0-2 0,4-1 1 0,-1 2 0 16,1 0 0-16,-3 1 0 0,3-2 0 0,-2 1-3 0,-1 1 0 16,1-2 0-16,0 1-2 0,0 1 0 0,-2-2-1 0,2 1-2 0,2-1-2 15,-3-1-2-15,1 2-3 0,0-1-4 0,0-1 0 0,-1 0-1 16,1 0-2-16,2 0 0 0,-5-1-6 0,3-1-1 0,-1 2-3 0,1-1-1 16,1-2-1-16,-1 1-3 0,0-1 1 0,1 0-2 0,-1-1 2 15,2 1 0-15,-4-3-1 0,4 1 1 0,-1-1-1 0,1-1 1 0,-3 1 2 16,4-2 2-16,-1 1 1 0,1-2 1 0,0 0-1 0,0 0 2 15,0-2 1-15,1 2 0 0,1-1 2 0,0 1 1 0,1 0-1 0,1-2 1 16,-1 4 0-16,2-2-1 0,-2 0 2 0,2 1-1 16,2 2 2-16,-3 0 1 0,4 0-1 0,-2 2 1 0,-1 0 0 0,2 2 0 15,2-1 1-15,-3 3-2 0,2 0 1 0,-1 0 0 0,2 3 2 16,-3 1 1-16,1 1 1 0,1 1 1 0,0 3-1 0,-1-2 2 0,0 4 0 16,-3 1 0-16,1 0 0 0,0 1 0 0,1 1 0 0,-3 2 0 0,4 1 1 15,-6-1 0-15,2 2 1 0,-1 0 0 0,0 2 0 0,-2-1 1 16,0 1-1-16,-2-1 2 0,0 1-1 0,1-1 1 0,-1-1 1 15,-1 2 0-15,-2-2 3 0,4 0 1 0,-5-2-2 0,2 2 0 0,0-1 0 16,-3-2-2-16,2 0 0 0,-1 0-2 0,-2-2 0 0,0 1-2 16,0-2-2-16,0 0-2 0,-1-2-2 0,3-1-3 0,-2 0-3 15,1-1-1-15,-2-1-3 0,3 1-1 0,-1-4-3 0,2 1-2 0,-1-1-4 16,-1-3-4-16,2 1 0 0,0-2-3 0,2 0-1 0,-2-2-5 16,2 0 0-16,-2-3-3 0,2 1 0 0,2-3-2 0,-3 0 1 0,4-2 0 15,-1 0 0-15,1-2 3 0,0 0 1 0,0-1 1 0,1 0 1 16,-1-2 2-16,4 2 2 0,-3-2 2 0,2 3 4 0,2-1 1 0,-4-2 3 15,4 2-1-15,-2 2 1 0,2-1-1 0,-2 4 3 0,2-2-1 16,3 1 2-16,-4 2 1 0,1 2 1 0,0-1 0 0,2 0 2 16,-3 4 0-16,4 0 3 0,-2 1-1 0,1 0 4 0,-1 1 2 0,2 0 3 15,-2 3 1-15,1 0 3 0,-1 1 2 0,2-1 4 0,0 1 3 16,-4 1 1-16,3 0 1 0,-1-1 1 0,-1 0 1 0,3 1 2 0,-2 0-1 16,-1 0 0-16,0 0-2 0,-1 0-1 0,1-1-1 0,1 1-2 15,-3-2-3-15,2 1-1 0,-2-1-2 0,2-1-2 0,-1 2-2 0,-1-2-1 16,1 0-2-16,-1-2-2 0,0 0-2 0,1 1-3 0,-3 0-6 15,2-2-9-15,1 0-12 0,1 0-15 0,-2 0-19 0,3 0-29 16,-2-2-32-16,0 0-48 0,1 0-55 0,-1-1-75 0,3-2-82 0,0 1-72 16,-2-2-67-16,3 0-32 0,0-3-12 0</inkml:trace>
   <inkml:trace contextRef="#ctx0" brushRef="#br0" timeOffset="-162158.08">20437 10141 382 0,'0'-1'564'0,"0"-1"6"0,0 1-83 0,0-1-129 0,0 1-86 16,0-2-63-16,0 1-42 0,1 1-32 0,-1-2-33 0,2 1-31 0,-1 1-44 15,-1-2-50-15,2 1-71 0,0-1-78 0,-1 0-92 0,2 0-100 16,-1 0-78-16,1 0-71 0,1-1-35 0,0 0-18 0</inkml:trace>
   <inkml:trace contextRef="#ctx0" brushRef="#br0" timeOffset="-161701.3">20682 9718 68 0,'-5'-3'594'0,"2"0"10"0,2 2 5 0,1-1 1 15,-2-1-111-15,0 3-166 0,2-1-98 0,0 1-64 0,0 0-39 0,0 0-26 16,0 0-21-16,0 0-17 0,0 0-19 0,0 0-16 0,0 1-14 0,0 2-10 15,0 0-5-15,0 2-1 0,0-1-1 0,0 1 1 0,0 1 1 16,0-1 0-16,0 5 1 0,0-3 0 0,0 1 1 0,2 1 1 0,0-2 1 16,-2 2-2-16,1-2 0 0,-1 1-2 0,3 0 0 0,-1 1-3 15,1-3-1-15,1 1-1 0,-2-1 1 0,1 0 0 0,2-1 1 16,-2-1 0-16,2 1 1 0,0-1 3 0,1-2 0 0,0 1 2 0,2-1 1 16,-1 0 1-16,2 0 0 0,-1-2 1 0,0 1 1 0,0-1 1 15,4 0 0-15,-2 0 3 0,0 0-1 0,0 0 2 0,2-1 0 16,-3 1-2-16,4-2 0 0,-4 0 1 0,1 2-1 0,1-1 0 0,-3 0-1 15,1 1 1-15,0 0-2 0,0 0-1 0,-1 0-1 0,-2 0-2 16,2 0-2-16,-4 0-2 0,1 0 0 0,-2 0-2 0,2 0-1 0,-2 1-2 16,-1 0 0-16,2-1 1 0,-4 4 1 0,2-3-1 0,0 1 1 15,-2 1 1-15,0 0 2 0,0 0 0 0,-2-1 3 0,0 3 1 0,-2 0 1 16,2 1 0-16,-2-2 0 0,0 2 1 0,0 0-1 0,-1-1-1 16,0 2 0-16,-1-1-3 0,0 1 0 0,-1 0-2 0,1 0-2 15,-1-1-5-15,0 2-6 0,0-2-7 0,1 0-9 0,-1 0-9 0,3 0-11 16,-5-1-11-16,2 0-13 0,2 0-13 0,-1-1-15 0,1 0-15 15,-1 0-18-15,1 0-22 0,0-1-26 0,1 0-28 0,-1 0-40 16,2-2-43-16,-2 1-46 0,2 0-48 0,3-2-59 0,0 0-63 0,-1-4-29 16,-1 2-8-16</inkml:trace>
   <inkml:trace contextRef="#ctx0" brushRef="#br0" timeOffset="-161382.97">20704 9589 414 0,'-3'-7'537'0,"-2"1"0"0,2-1-71 0,0 2-109 15,-1-1-62-15,1 1-41 0,2 1-23 0,-4-1-16 0,5 1-14 0,0-1-13 16,0 2-17-16,0-1-19 0,0 1-20 0,5-2-20 0,-4 1-13 16,2 1-11-16,2-2-7 0,0 1-7 0,2-2-5 0,2 0-5 0,0 0-3 15,3-2-5-15,0 1-2 0,1-1-2 0,1 1-1 0,3-4 1 16,1 1 1-16,-2 1 1 0,2-2 2 0,0 1 1 0,3-1 0 15,-3 0 1-15,3 1 1 0,0 0-1 0,-1-2 0 0,-1 1-2 0,2 1-2 16,-4-1-2-16,0 2-2 0,2-1-1 0,-6 1-2 0,3 1-2 16,-3 1-2-16,-4 0-3 0,0 2-4 0,-2 0-3 0,-1 1-4 15,-1 0-5-15,-2 2-10 0,0 0-11 0,-1 1-20 0,0-1-21 0,-2 2-29 16,0 0-30-16,0 0-34 0,-4 2-38 0,1-1-48 0,0 2-58 0,-3 2-89 16,-1 2-109-16,1 0-96 0,-7 4-91 0,2 1-42 15,-4 3-16-15,-2 3 3 0,-3 1 10 0</inkml:trace>
   <inkml:trace contextRef="#ctx0" brushRef="#br0" timeOffset="-159291.98">4983 7852 184 0,'0'0'213'0,"-2"-1"-2"0,2 1 1 16,0 0-4-16,0-2-7 0,0 2-8 0,0 0-10 0,0-3-13 15,0 3-14-15,0-1-14 0,2 1-14 0,-2-2-12 0,2 1-11 0,-1 1-9 16,1-2-4-16,-1 2-9 0,3 0-7 0,-1 0-4 0,0 0-2 0,2 2-4 16,1-2-1-16,2 3-1 0,-2-2 0 0,2 0 1 0,3 1 4 15,-1 1-2-15,1 0 1 0,3 0-4 0,-1 0-5 0,2 1-5 16,-2 0-6-16,3 0-7 0,-2-1-5 0,0 2-5 0,-1-1-5 15,1-1-7-15,-1 0-6 0,0 0-8 0,-1 0-12 0,-1 0-11 0,-3 0-12 16,1 0-17-16,0 0-14 0,-3-1-19 0,2-1-18 0,0 1-19 16,-4 1-17-16,1-2-19 0,-2 1-20 0,1-1-28 0,-1-1-31 0,-3 0-29 15,0 0-27-15,1 0-16 0,1-1-9 0,1-1 0 0,-3-1 3 16,3 0 7-16,-3 0 11 0</inkml:trace>
   <inkml:trace contextRef="#ctx0" brushRef="#br0" timeOffset="-159128.95">5244 7783 45 0,'-5'-4'250'15,"-1"-1"2"-15,1 1-2 0,0 1-6 0,-1 0-6 0,3 1-12 16,-2 1-15-16,2-1-17 0,-2 2-18 0,2 0-18 0,-2 2-20 0,-1-1-14 16,3 2-13-16,-2 2-7 0,2-1-8 0,-2 2-8 0,2 2-7 0,-2 1-7 15,-1 1-8-15,2 2-6 0,-3 0-8 0,1 2-3 0,-1 1-4 16,0 0-6-16,0 1-5 0,-1 2-13 0,-1-1-14 0,-1 1-28 16,2 1-32-16,0 1-42 0,0-1-46 0,-1 1-71 0,1-1-79 15,0-1-92-15,-1 2-96 0,3-2-49 0,-1 0-24 0,2-2-14 0</inkml:trace>
-  <inkml:trace contextRef="#ctx0" brushRef="#br1" timeOffset="-153256.74">11586 8365 267 0,'-5'-1'283'0,"3"-1"-17"0,-1 1-8 0,0-1-9 0,1 1-10 16,-1-1-10-16,2 2-9 0,-1-1-6 0,2-1-11 0,0 2-11 0,0 0-13 16,0 0-13-16,0-2-11 0,0 1-10 0,2 0-11 0,-1 1-12 15,-1-2-11-15,2 1-11 0,-1 1-9 0,1-2-8 0,1 2-11 0,-1-1-11 16,-1 1-7-16,1 0-5 0,1 0-3 0,-1 0-1 0,1 0-1 16,2 0-1-16,-1 1-1 0,1-1 0 0,2 2-2 0,-1 1 0 0,2-1-2 15,1 2-1-15,1 0-1 0,-1 1 0 0,4-1-3 0,-2 2-2 16,3 0-4-16,-3 2-4 0,2 1-4 0,1-2-3 0,-1 2-3 0,2 0 1 15,-2 0-3-15,1 0-1 0,-1 0-2 0,3 0-1 0,-3 0-3 16,-1 0 0-16,1-2-6 0,-2 1-4 0,1 0-7 0,-2-2-6 16,1 0-8-16,0 0-8 0,-3-2-9 0,-2-1-10 0,1 2-11 15,-1-2-10-15,0 0-14 0,-1-2-13 0,-2 1-14 0,0-1-15 0,1 0-13 16,-3-1-13-16,1 0-13 0,1 0-11 0,-3-1-21 0,2 0-23 16,-2 1-26-16,1-3-26 0,-1 0-17 0,2 0-10 0,-2-2-9 15,0 2-9-15,0-1-11 0,0-1-12 0,0-1-24 0</inkml:trace>
-  <inkml:trace contextRef="#ctx0" brushRef="#br1" timeOffset="-153072.7">11881 8329 18 0,'-4'-4'418'0,"-2"-2"-43"0,1 0-31 15,0 3-25-15,2-2-22 0,-2 2-19 0,0 0-20 0,2 1-21 0,0 1-17 16,-2 0-18-16,2 1-17 0,0 0-19 0,1 0-16 0,-1 0-17 16,0 1-16-16,0 2-15 0,-1 2-13 0,1 1-14 0,-3-1-10 0,0 5-9 15,1 0-9-15,-3 4-7 0,2-1-4 0,-3 2-3 0,0 2-3 16,-2 1 0-16,-1 1-6 0,2 1-6 0,-4 1-13 0,1 1-18 15,1 1-24-15,-2-2-30 0,-1 1-39 0,0 1-44 0,0-1-64 16,0-1-77-16,2 2-98 0,-1-2-110 0,-1-1-67 0,1 3-43 0,3-3-20 16,-2-1-10-16</inkml:trace>
+  <inkml:trace contextRef="#ctx0" brushRef="#br1" timeOffset="-153256.75">11586 8365 267 0,'-5'-1'283'0,"3"-1"-17"0,-1 1-8 0,0-1-9 0,1 1-10 16,-1-1-10-16,2 2-9 0,-1-1-6 0,2-1-11 0,0 2-11 0,0 0-13 16,0 0-13-16,0-2-11 0,0 1-10 0,2 0-11 0,-1 1-12 15,-1-2-11-15,2 1-11 0,-1 1-9 0,1-2-8 0,1 2-11 0,-1-1-11 16,-1 1-7-16,1 0-5 0,1 0-3 0,-1 0-1 0,1 0-1 16,2 0-1-16,-1 1-1 0,1-1 0 0,2 2-2 0,-1 1 0 0,2-1-2 15,1 2-1-15,1 0-1 0,-1 1 0 0,4-1-3 0,-2 2-2 16,3 0-4-16,-3 2-4 0,2 1-4 0,1-2-3 0,-1 2-3 0,2 0 1 15,-2 0-3-15,1 0-1 0,-1 0-2 0,3 0-1 0,-3 0-3 16,-1 0 0-16,1-2-6 0,-2 1-4 0,1 0-7 0,-2-2-6 16,1 0-8-16,0 0-8 0,-3-2-9 0,-2-1-10 0,1 2-11 15,-1-2-10-15,0 0-14 0,-1-2-13 0,-2 1-14 0,0-1-15 0,1 0-13 16,-3-1-13-16,1 0-13 0,1 0-11 0,-3-1-21 0,2 0-23 16,-2 1-26-16,1-3-26 0,-1 0-17 0,2 0-10 0,-2-2-9 15,0 2-9-15,0-1-11 0,0-1-12 0,0-1-24 0</inkml:trace>
+  <inkml:trace contextRef="#ctx0" brushRef="#br1" timeOffset="-153072.72">11881 8329 18 0,'-4'-4'418'0,"-2"-2"-43"0,1 0-31 15,0 3-25-15,2-2-22 0,-2 2-19 0,0 0-20 0,2 1-21 0,0 1-17 16,-2 0-18-16,2 1-17 0,0 0-19 0,1 0-16 0,-1 0-17 16,0 1-16-16,0 2-15 0,-1 2-13 0,1 1-14 0,-3-1-10 0,0 5-9 15,1 0-9-15,-3 4-7 0,2-1-4 0,-3 2-3 0,0 2-3 16,-2 1 0-16,-1 1-6 0,2 1-6 0,-4 1-13 0,1 1-18 15,1 1-24-15,-2-2-30 0,-1 1-39 0,0 1-44 0,0-1-64 16,0-1-77-16,2 2-98 0,-1-2-110 0,-1-1-67 0,1 3-43 0,3-3-20 16,-2-1-10-16</inkml:trace>
   <inkml:trace contextRef="#ctx0" brushRef="#br1" timeOffset="-151633.68">11741 8497 212 0,'0'-1'533'0,"2"1"7"0,-1-2-72 15,-1 2-111-15,0 0-72 0,0 0-54 0,0 0-29 0,0 0-19 0,0 0-14 16,0 0-13-16,0-3-14 0,0 2-14 0,0-1-13 0,-1-1-11 15,-1 3-11-15,2-2-8 0,-2 1-5 0,1 1-5 0,-1-1-6 0,0-1-2 16,-1 2-7-16,2-1-6 0,-1-1-4 0,0 2-5 0,-1 0-5 16,2 0-6-16,-1 0-3 0,-2 0-7 0,2 0-2 0,0 0-5 15,-1 0-4-15,0-1-4 0,0 1-3 0,0 0-5 0,-1 0-3 0,0 0-4 16,0 0-2-16,-2 0-1 0,0 0 0 0,1 0-1 0,0 0 1 16,-1 0 0-16,-2 0 0 0,2 0 0 0,0 0 2 0,-1 0 2 15,-4 0 0-15,3 1 1 0,0-1-1 0,-1 0 2 0,-2 2-1 0,-2-1 1 16,2-1-2-16,-2 2 1 0,-1-1-1 0,0-1 0 0,-2 1-1 15,-1 1-1-15,0-2 0 0,-1 2 0 0,-1-1 0 0,0-1 3 0,-2 3 0 16,0-1 2-16,-2-1 2 0,1 1 1 0,-2 1 2 0,2-2 2 16,-2 0 2-16,-1 1-1 0,-2 1 3 0,0-1 3 0,-1-1-1 0,0 1 0 15,-2-1-1-15,0 1 0 0,-2-2 1 0,0 1-2 0,1 1 0 16,-3-2-3-16,-2 1 0 0,1 1 0 0,0-2-3 0,-1 1-1 16,0-1-1-16,-1 2-2 0,-1-1-1 0,2-1-1 0,-2 2-2 0,2-1-1 15,-1-1-1-15,1 2-2 0,1-1-2 0,-1-1-1 0,1 0-1 16,0 0-2-16,-1 0 0 0,3 0 2 0,0 0 2 0,-1 0 0 0,1 0 4 15,0 2 0-15,1-2 1 0,0 0 1 0,1 0 1 0,-1 0 2 0,2 0 2 16,0 0 1-16,-1 0 2 0,-1 0 2 0,0 0 1 0,1 0-2 16,-1 0 1-16,-1 0-2 0,2-2 0 0,-1 2 0 0,0-1-2 15,-1-1-1-15,-2 2-1 0,2-1-2 0,0-1 0 0,-2 2-2 16,0-1 0-16,0-1-2 0,-1 2-1 0,3-1-1 0,-2 1-2 0,-1 0-1 16,-1 0-2-16,2 1-2 0,-1-1-1 0,-2 3-1 0,0-1 0 15,0-1 0-15,0 2 2 0,-1 0 1 0,3 2 3 0,-1-3 3 16,-1 3 2-16,2 0 2 0,-2-2 3 0,3 1 3 0,0 1 3 0,-1-1 1 15,-1-1 3-15,1 2 1 0,0-3 2 0,0 3 4 0,-1-2 0 0,-1 2-3 16,0-2-1-16,-1 0-1 0,1-2-2 0,-2 2 0 0,1-1-2 16,1-1-3-16,1 2-1 0,-1-1-3 0,0-1 0 0,-1 1-1 15,3-1-2-15,-1 1-1 0,1 0-2 0,-1-2-1 0,1 2-1 0,0 0 0 16,1-1-2-16,0 1-1 0,0-1-1 0,2 1 1 0,-2-1 1 16,4 1 2-16,-4-1 2 0,2 2 1 0,1-2 3 0,2 1-1 0,-3 1 3 15,2-1 4-15,-1-1 1 0,0 2 3 0,1-1 1 0,-1 1 1 16,0-2 2-16,2 0 0 0,-3 1 0 0,3 1 0 0,-2-1-2 0,1-1-2 15,-1 2 0-15,0-1-1 0,-1-2-2 0,0 3-1 0,1-2-3 16,-3 1-2-16,2-1 0 0,-3 2-1 0,0-1-2 0,1-1-1 16,0 2-1-16,-3-1-2 0,2-1-2 0,-2 2-3 0,0 0-1 0,0 0-1 15,0 0 0-15,0 2 0 0,0-2 3 0,0 1 0 0,0-1 2 0,-1 2 1 16,4-1 2-16,0-1 2 0,2 0 3 0,0 0 2 0,1 0 3 16,2 0 3-16,0-1 2 0,3-1 2 0,0 1 0 0,3-2 2 0,-1 1-2 15,2-1 0-15,1 0-2 0,2-1 0 0,-2 1-1 0,2-2-1 16,2 2-1-16,-2-3-1 0,1 2-1 0,1-1 0 0,-4-1-2 15,2 1-2-15,1 1 1 0,-5 0-1 0,2 1-1 0,0-2-2 16,-4 1-2-16,1 1 0 0,-2 0-2 0,-1 0 0 0,0 0-2 0,-2 0 1 16,1 1-2-16,-1 1 0 0,-2-2-2 0,4 2 2 0,-2 0-2 15,0 0 1-15,4-1 0 0,-1 2 2 0,1-1 1 0,2-1 1 0,-1 1 1 16,4 1 1-16,1-2 3 0,1 1-1 0,3-1 2 0,-1-1 1 16,4 2 1-16,0-2-2 0,0 0 3 0,4 0 1 0,-2 0 1 15,1 0-1-15,2 0-1 0,0-2 1 0,1 2-1 0,0-1-1 0,1 1 0 16,1-2-1-16,2 1 2 0,-3 1-1 0,3-2 1 0,0 1 0 15,-1 1 0-15,3-2 0 0,-1 2 0 0,-1 0 0 0,3 0 0 0,-2-1 0 16,2 1 0-16,0 0 0 0,-1 0 0 0,1 0-1 0,-2-2 0 0,2 2-1 16,0 0 1-16,0 0-2 0,0 0 1 0,0 0 0 0,0 0 0 15,0 0-1-15,0 0 1 0,0 0 0 0,0 0 0 0,0 0 1 16,0 0-2-16,0 0 1 0,0 0 0 0,0 0 0 0,0 0-2 0,0 0 1 16,0 0-2-16,0-1 2 0,0 1-2 0,0 0 2 0,0 0-1 15,0-2-1-15,0 2 2 0,0 0-1 0,0-1 1 0,0-1 1 16,-2 2-1-16,1-2 2 0,1 2 0 0,-2-1 1 0,2 0 0 0,-1 1 0 15,-2-2 1-15,1 1 0 0,1 1-1 0,-1-2 0 0,2 2-1 16,-3-1 0-16,3-1-2 0,-2 2-3 0,2-1-3 0,-1-1-3 0,-1 2-4 16,2-1-3-16,0 1-4 0,0 0-2 0,0 0-4 0,0-2-3 15,0-1-4-15,0 3-5 0,2-1-5 0,-1-1-6 0,-1 2-7 0,0 0-10 16,0 0-11-16,2-1-13 0,-2 1-20 0,0 0-20 0,0-2-33 16,2 2-35-16,-2 0-33 0,3 0-34 0,0 0-48 0,3 2-55 15,2-1-58-15,0-1-59 0,4 2-25 0</inkml:trace>
   <inkml:trace contextRef="#ctx0" brushRef="#br1" timeOffset="-149830.16">11774 8550 412 0,'0'-2'392'15,"0"2"-86"-15,0 0-74 0,0 0-69 0,-1 0-37 0,1 0-23 0,0 0-8 16,0 0-3-16,0 0-3 0,0 0-2 0,0 0-5 0,-2 0-7 16,2 0-6-16,0 0-10 0,0 0-6 0,0 0-8 0,-2 2-7 15,2-2-6-15,0 0-6 0,0 0-5 0,-1 1-5 0,1-1-6 0,0 3-2 16,-2 0 1-16,2 0 0 0,0 0 0 0,-2 3-1 0,2-1 1 0,-1 2 1 15,-1 1 1-15,1 1 3 0,-1 1 4 0,2 2 2 0,-2 0 5 16,2 2 3-16,-1 1 2 0,-1 0-1 0,2 1 1 0,-1 2-3 16,-1 0-1-16,2 0-2 0,-3 3 2 0,3 0 3 0,-1 2 3 15,-1-1 3-15,2 2 3 0,0 2 1 0,0-2 1 0,0 2-1 0,0 2 1 16,0-1 2-16,0 1 3 0,0-1 5 0,0 2 3 0,0 0 4 16,2 0 4-16,-2 1 0 0,1 2-2 0,-1-1 0 0,0 1 0 15,3-1 1-15,-3 2 1 0,2 0-1 0,-1 2 1 0,-1-1-3 0,2 1-4 16,-1-1-5-16,1 1-2 0,1 1-4 0,0 0-4 0,1-2-1 15,-1 2-4-15,0 0-2 0,2-2-4 0,-1 3-4 0,1-1-5 0,-2 0 0 16,2 1 2-16,-2 1 3 0,2-1 2 0,0 1 2 0,-1-1 0 16,-1 2 2-16,1-1 2 0,-1 1 2 0,-1-1-1 0,-1 3 3 0,2-2 3 15,-3 2 3-15,2-1 5 0,-2 1-2 0,0-1-3 0,-2 0 1 16,2 1-1-16,-3 0-1 0,0-1 2 0,1 1 0 0,-3-2-2 0,2 1 1 16,-3-1-1-16,0 0-2 0,1-1-2 0,0 1-2 0,0-2 0 15,-2 1-3-15,1-1 0 0,-1 1-1 0,-1-2 3 0,2 1 1 16,-2-1-1-16,0 0 0 0,2-1-2 0,-2-1 2 0,-2 2-1 0,2-3 0 15,2 0 2-15,-2-1 0 0,0 1-1 0,2-2 0 0,-2-1-1 0,3 0 0 16,-2-1-5-16,2 1-2 0,0-4-2 0,0 3-2 16,0-2 1-16,2 0-2 0,-2-1-1 0,1 1-1 0,1-3-1 0,0 1-1 15,1-1-1-15,0 0-1 0,-1 0-1 0,2 0-1 0,-1-1-2 0,0-1-1 16,-1 1 0-16,1-1-2 0,1-1-2 0,-1 0-3 0,-2 0 0 16,4-1 0-16,-2 1-1 0,2-2-1 0,-1-1-2 0,-1-1 0 15,2-1 1-15,-1 1-1 0,1-2-1 0,0 1 0 0,0-2 0 0,1 1-1 16,-1-2-1-16,2 2 1 0,-1 0-1 0,1-1 1 0,2 0-1 15,-1 0-1-15,-1 1 1 0,1-1-1 0,2-2 2 0,-2 1-1 0,2 1 2 16,0-1 4-16,2 2 4 0,-2 0 2 0,0-1 1 0,0 1 2 16,1 0 1-16,4 0 3 0,-4 1 1 0,2-1 2 0,-2 2 1 0,4-1 0 15,-2 2 0-15,0-2 1 0,0 2 2 0,2-1-2 0,-2 3-2 16,-1-2 0-16,2 0 0 0,-1 1-1 0,2 1 0 0,-1-1-3 16,0 0 1-16,1 3-1 0,-2-1-3 0,4 1 0 0,-2-1 1 0,1 3-1 15,0-2-2-15,0 3-3 0,1-1-1 0,0 0-1 0,-1 0-1 16,3 0-1-16,-3 0-1 0,2-1 0 0,1 3-2 0,-2-2 0 15,1 1 1-15,-1 1-1 0,2 0-2 0,-3-1 1 0,2 2-1 0,1-1-1 16,-3-1-1-16,1 2-2 0,-2-2 0 0,1 1 1 0,0 1-2 0,-1-1 0 16,-1-1 2-16,2 0 1 0,-3 3 0 0,0-3 3 0,0 1 1 15,1-1 2-15,-1 2 1 0,0 2 1 0,-1-4 4 0,0 2 0 16,1 0 1-16,-3 0 0 0,2 0 1 0,-1 0 1 0,1 0 0 0,0 0-1 16,-1 0 0-16,-1 0-1 0,2 0-1 0,0 0-2 0,0 0 1 15,-1 0-2-15,-1 1 0 0,0 1-1 0,1-2 0 0,-2-1 1 0,0 2-2 16,0-2 0-16,-2-1-1 0,3 0-2 0,-2 1-1 0,0-2 0 15,0 0-2-15,-1-1 1 0,-1-1 1 0,2 1-2 0,-1-2 1 0,-2 0 0 16,2 0-2-16,-1-1 1 0,-1 0 0 0,0-2 0 0,0 1 0 16,0-1 0-16,0-1-1 0,0 1 1 0,0-1-1 0,0 1 1 15,0-2-1-15,0 2 1 0,0-1-1 0,0 1 2 0,0 0 0 0,-1-3 0 16,-1 1 5-16,2 1 0 0,-2-1 1 0,2 1 3 0,-1-1 1 0,-1 1 0 16,-1-1 2-16,0 1 0 0,2-1 0 0,-1 1 2 0,1 1 0 15,-3-2 1-15,1 2 2 0,1-1-2 0,1 1-1 0,-1-2-1 16,-1 4 1-16,1-2-1 0,1-2 0 0,-1 2 0 0,-1 0-1 0,0 0 1 15,2 0-1-15,-1 2 0 0,0 1-1 0,-1-2 0 0,0 2-1 0,0 0-2 16,0 2 1-16,1-1-1 0,0 2 0 0,-1 0-2 0,2 0 0 16,-3 0-1-16,2 0-1 0,0 0 0 0,0 0 0 0,-1 0 0 0,2-1-2 15,-1 1-1-15,0-2-1 0,1-1-2 0,-1-1 1 0,2-1-1 16,-1-1-1-16,-1 0 0 0,2-3-1 0,-2 2-2 0,2-2-3 0,-1 0-4 16,-1-2-6-16,2-1-5 0,-2-1-5 0,2 0-9 0,-1 0-7 0,-1-2-11 15,2-1-10-15,-1-1-15 0,-2-1-13 0,3 0-16 0,-2-1-16 16,2-1-15-16,-1-1-15 0,-1 0-14 0,1 0-16 0,-1 0-15 0,0-1-14 15,1 1-19-15,-1-2-22 0,1 0-34 0,-3 1-40 0,3 0-82 0,-3-2-102 16,1 1-60-16,3-1-40 0,-4-1-11 0,-1 1 2 0,2-4 10 16</inkml:trace>
   <inkml:trace contextRef="#ctx0" brushRef="#br1" timeOffset="-148605.87">12701 8635 340 0,'-3'-3'447'16,"-1"0"-59"-16,1 0-65 0,0 2-69 0,0-2-40 0,-1 1-26 0,1 1-14 15,0-3-6-15,-1 3-5 0,0 0-4 0,1-2-9 0,0 1-8 16,1 1-9-16,-1-1-9 0,2 2-10 0,-1-1-6 0,0-1-7 0,-1 2-7 16,2-1-6-16,-3 1-8 0,2 0-8 0,0-2-9 0,0 2-9 15,-1 0-8-15,2 0-7 0,-3 0-6 0,3 0-7 0,-2 0-5 0,-1 2-5 16,1-1-5-16,1-1-2 0,-2 3-4 0,-1-1-3 0,-1 1-6 15,1 0-1-15,0 3-2 0,-1 0-1 0,-2 1 0 0,2 2 2 16,1 1-1-16,-3 3 0 0,3 0 0 0,-1 4 1 0,0-1-1 0,3 4-1 16,-1 1-1-16,1 1 1 0,0 1 2 0,1 0 2 0,2 2 1 15,0 0 0-15,0 0 1 0,2 0 0 0,1 0-2 0,2-1 3 0,0 0 1 16,1 0 0-16,2-3 0 0,2 0-2 0,-2-1-4 0,2-2-5 16,0 0-7-16,3-3-10 0,-1 0-10 0,1-2-13 0,1-1-11 15,0-3-14-15,2 0-15 0,-2-3-20 0,4-1-21 0,-4-1-33 0,3-2-34 16,-1-1-49-16,1-2-58 0,1-1-51 0,-1-2-48 0,-2-1-52 0,2-1-53 15,-3-3-24-15</inkml:trace>
   <inkml:trace contextRef="#ctx0" brushRef="#br1" timeOffset="-148257.79">13124 8499 290 0,'0'-3'508'0,"0"1"9"0,0-1-85 16,0 2-129-16,0-1-79 0,0 1-56 0,0-1-33 0,2 2-19 0,-2-2-10 16,3 2-6-16,0 0-7 0,2 0-10 0,1 0-10 0,1 2-8 15,-1-2-8-15,5 2-2 0,0-1-1 0,2 1 1 0,2-1 4 0,0 2 3 16,2 0 3-16,1 1 2 0,0 0-1 0,1 0-6 0,1 1-3 15,-2 1-7-15,-2 1-4 0,3-1-3 0,-2 1-6 0,-1 3-4 0,0-2-4 16,-3 3-2-16,-2-2-3 0,1 2-3 0,-2 1-1 0,-2 0-1 16,-2 0-1-16,0 1 0 0,-4 0-1 0,1 0 0 0,-3 0 0 15,-1 2-1-15,-3 0-4 0,1-1-3 0,-3 1-7 0,-2-2-7 16,0 2-14-16,-1 0-16 0,-2 0-21 0,1-1-25 0,-1-1-31 0,-3 1-32 16,4-2-45-16,-2 1-50 0,1-1-64 0,-1 0-68 0,0-2-84 15,3 1-89-15,-1-1-42 0,-1 1-17 0</inkml:trace>
   <inkml:trace contextRef="#ctx0" brushRef="#br1" timeOffset="-147538.48">12786 8775 127 0,'0'-3'285'0,"0"3"-15"0,0-2-13 0,0 1-12 15,0-1-10-15,0 0-9 0,0 2-6 0,-2 0-13 0,2 0-14 16,0 0-13-16,0 0-15 0,0 0-16 0,0 0-15 0,0 0-17 0,0 0-16 16,0 0-15-16,-3 2-15 0,3 0-11 0,-1-1-6 0,1 2-6 15,-2 0-8-15,0 3-6 0,2 0-6 0,0 2-5 0,0-1-5 0,0 4-4 16,0 1-1-16,0 0-1 0,0 3 3 0,0 1 1 0,0-1 5 15,0 0-2-15,0 1-2 0,2 1-4 0,-2 0-2 0,2-1-2 16,-2 1-3-16,0-1-7 0,1-1-8 0,-1 0-10 0,3 0-13 0,-3-1-16 16,2-2-18-16,0 1-22 0,-1-1-24 0,2-3-23 0,-1 0-25 15,2-2-28-15,-1 1-28 0,1-3-33 0,-1 1-33 0,0-4-25 16,2 2-20-16,-2-1-26 0,2-3-33 0,1 0-23 0</inkml:trace>
   <inkml:trace contextRef="#ctx0" brushRef="#br1" timeOffset="-147189.46">12801 8871 90 0,'-1'-9'264'0,"-1"0"-21"0,-2 1-12 0,2 1-14 0,2 2-15 15,-1 1-16-15,-1-1-19 0,2 2-19 0,-1 1-21 0,1 1-17 16,0 1-16-16,0 0-11 0,0 0-9 0,1 1-8 0,2 1-6 0,-1 1-5 16,2 0-2-16,1 2-2 0,0-1-2 0,0 2 2 0,1 0 2 15,1 0 3-15,2 0 4 0,-1 2-1 0,0-2 0 0,1 1-4 16,-1-1-6-16,2 1-3 0,-1 0-4 0,0-1-4 0,1 0-4 0,0 0-4 15,0 0-3-15,-2-2-1 0,1 2-1 0,0-3 0 0,-3 2-2 0,2-2 2 16,-3 0 1-16,1-2 2 0,-1 0 4 0,-1 1 3 0,-2 0 4 16,1-1 6-16,-1-1 6 0,1 0 7 0,-1 0 8 0,-1 0 6 0,-1-1 7 15,2-1 3-15,-2 0 0 0,2 0 1 0,-2-1-2 0,0-2-3 16,0 1-1-16,0-2-3 0,0-2-3 0,0 0-6 0,0-2-4 16,0-1-8-16,-2 1-8 0,2-2-8 0,-2 0-8 0,2-1-5 0,-1-2-5 15,-1 0-2-15,-1-1-1 0,1 0-4 0,1 0-2 0,-1-1-4 16,0 2-3-16,-1-1-5 0,3 2-5 0,-1 1-10 0,-2-1-11 15,3 4-16-15,-2 1-18 0,2 1-23 0,-1 1-28 0,-1 2-25 0,2 2-24 16,0 0-25-16,0 3-23 0,2 2-37 0,-1-1-41 0,1 4-51 16,1-1-58-16,0 2-75 0,0 2-79 0,0 1-34 0,1 0-8 0</inkml:trace>
+</inkml:ink>
+</file>
+
+<file path=ppt/ink/ink20.xml><?xml version="1.0" encoding="utf-8"?>
+<inkml:ink xmlns:inkml="http://www.w3.org/2003/InkML">
+  <inkml:definitions>
+    <inkml:context xml:id="ctx0">
+      <inkml:inkSource xml:id="inkSrc0">
+        <inkml:traceFormat>
+          <inkml:channel name="X" type="integer" min="-2.14748E9" max="2.14748E9" units="cm"/>
+          <inkml:channel name="Y" type="integer" min="-2.14748E9" max="2.14748E9" units="cm"/>
+          <inkml:channel name="F" type="integer" max="32767" units="dev"/>
+          <inkml:channel name="OA" type="integer" max="360" units="deg"/>
+          <inkml:channel name="OE" type="integer" max="90" units="deg"/>
+        </inkml:traceFormat>
+        <inkml:channelProperties>
+          <inkml:channelProperty channel="X" name="resolution" value="1000" units="1/cm"/>
+          <inkml:channelProperty channel="Y" name="resolution" value="1000" units="1/cm"/>
+          <inkml:channelProperty channel="F" name="resolution" value="0" units="1/dev"/>
+          <inkml:channelProperty channel="OA" name="resolution" value="1000" units="1/deg"/>
+          <inkml:channelProperty channel="OE" name="resolution" value="1000" units="1/deg"/>
+        </inkml:channelProperties>
+      </inkml:inkSource>
+      <inkml:timestamp xml:id="ts0" timeString="2021-10-23T12:43:47.810"/>
+    </inkml:context>
+    <inkml:brush xml:id="br0">
+      <inkml:brushProperty name="width" value="0.05" units="cm"/>
+      <inkml:brushProperty name="height" value="0.05" units="cm"/>
+    </inkml:brush>
+  </inkml:definitions>
+  <inkml:trace contextRef="#ctx0" brushRef="#br0">1 0 528 0 0,'0'0'6044'0'0,"2"29"-5251"0"0,0-24-1235 0 0,0-1 0 0 0,-1 1 1 0 0,1 0-1 0 0,-1-1 0 0 0,0 6 0 0 0,2 3-2478 0 0,-1-8 1250 0 0</inkml:trace>
+</inkml:ink>
+</file>
+
+<file path=ppt/ink/ink21.xml><?xml version="1.0" encoding="utf-8"?>
+<inkml:ink xmlns:inkml="http://www.w3.org/2003/InkML">
+  <inkml:definitions>
+    <inkml:context xml:id="ctx0">
+      <inkml:inkSource xml:id="inkSrc0">
+        <inkml:traceFormat>
+          <inkml:channel name="X" type="integer" min="-2.14748E9" max="2.14748E9" units="cm"/>
+          <inkml:channel name="Y" type="integer" min="-2.14748E9" max="2.14748E9" units="cm"/>
+          <inkml:channel name="F" type="integer" max="32767" units="dev"/>
+          <inkml:channel name="OA" type="integer" max="360" units="deg"/>
+          <inkml:channel name="OE" type="integer" max="90" units="deg"/>
+        </inkml:traceFormat>
+        <inkml:channelProperties>
+          <inkml:channelProperty channel="X" name="resolution" value="1000" units="1/cm"/>
+          <inkml:channelProperty channel="Y" name="resolution" value="1000" units="1/cm"/>
+          <inkml:channelProperty channel="F" name="resolution" value="0" units="1/dev"/>
+          <inkml:channelProperty channel="OA" name="resolution" value="1000" units="1/deg"/>
+          <inkml:channelProperty channel="OE" name="resolution" value="1000" units="1/deg"/>
+        </inkml:channelProperties>
+      </inkml:inkSource>
+      <inkml:timestamp xml:id="ts0" timeString="2021-10-23T12:43:49.093"/>
+    </inkml:context>
+    <inkml:brush xml:id="br0">
+      <inkml:brushProperty name="width" value="0.05" units="cm"/>
+      <inkml:brushProperty name="height" value="0.05" units="cm"/>
+    </inkml:brush>
+  </inkml:definitions>
+  <inkml:trace contextRef="#ctx0" brushRef="#br0">198 73 768 0 0,'9'2'8162'0'0,"-8"4"-4428"0"0,-12 7-2523 0 0,7-7 315 0 0,4-10-1521 0 0,1 0-1 0 0,0 0 1 0 0,0 0-1 0 0,0 1 1 0 0,0-1-1 0 0,1 0 1 0 0,-1 1-1 0 0,1-1 1 0 0,0 1-1 0 0,0-1 1 0 0,0 1-1 0 0,1 0 1 0 0,3-3-1 0 0,-1 0-71 0 0,0 0-1 0 0,1 1 0 0 0,0 0 1 0 0,0 0-1 0 0,13-8 0 0 0,-17 12 59 0 0,0 0-1 0 0,0 0 1 0 0,0 0 0 0 0,0 1-1 0 0,0-1 1 0 0,0 0-1 0 0,0 1 1 0 0,0 0 0 0 0,0-1-1 0 0,0 1 1 0 0,1 0-1 0 0,-1 0 1 0 0,0 0 0 0 0,0 0-1 0 0,0 1 1 0 0,0-1 0 0 0,0 1-1 0 0,0-1 1 0 0,3 2-1 0 0,-1 0 6 0 0,0 0-1 0 0,-1 0 0 0 0,1 0 0 0 0,-1 1 0 0 0,0-1 0 0 0,0 1 1 0 0,0 0-1 0 0,0 0 0 0 0,4 6 0 0 0,0 1 15 0 0,0 1 0 0 0,-1 1 0 0 0,0-1 0 0 0,-1 1 0 0 0,7 21 0 0 0,-5-4 46 0 0,-1-1-1 0 0,-2 1 1 0 0,-1 0 0 0 0,-1 0-1 0 0,-1 0 1 0 0,-2 0 0 0 0,-1 1-1 0 0,-6 28 1 0 0,-1-9 92 0 0,-2-1-1 0 0,-2-1 1 0 0,-38 89-1 0 0,38-110-79 0 0,0-1 0 0 0,-1 0-1 0 0,-2-1 1 0 0,0 0 0 0 0,-2-2-1 0 0,-24 26 1 0 0,38-44-47 0 0,0 0-1 0 0,0-1 1 0 0,0 0 0 0 0,-1 1 0 0 0,1-1-1 0 0,-1-1 1 0 0,0 1 0 0 0,0-1-1 0 0,0 0 1 0 0,0 0 0 0 0,0 0 0 0 0,0 0-1 0 0,-10 1 1 0 0,11-3-21 0 0,1 0-1 0 0,0 0 1 0 0,-1-1-1 0 0,1 1 1 0 0,0-1 0 0 0,0 0-1 0 0,-1 1 1 0 0,1-1-1 0 0,0-1 1 0 0,0 1-1 0 0,0 0 1 0 0,0-1 0 0 0,0 0-1 0 0,0 1 1 0 0,1-1-1 0 0,-1 0 1 0 0,1 0-1 0 0,-1-1 1 0 0,1 1 0 0 0,0 0-1 0 0,0-1 1 0 0,0 0-1 0 0,-3-4 1 0 0,0 1-37 0 0,0-1 1 0 0,1-1-1 0 0,0 1 1 0 0,1-1-1 0 0,-1 1 1 0 0,1-1 0 0 0,1 0-1 0 0,-1 0 1 0 0,1 0-1 0 0,1 0 1 0 0,0-1-1 0 0,0 1 1 0 0,0 0-1 0 0,1-1 1 0 0,0 1-1 0 0,1 0 1 0 0,0-1-1 0 0,0 1 1 0 0,1 0-1 0 0,0 0 1 0 0,0 0-1 0 0,1 0 1 0 0,0 0-1 0 0,1 0 1 0 0,-1 1-1 0 0,1-1 1 0 0,7-7-1 0 0,-7 9 18 0 0,0 0 0 0 0,1 0-1 0 0,0 0 1 0 0,0 1-1 0 0,0 0 1 0 0,0 0 0 0 0,1 1-1 0 0,0-1 1 0 0,0 1-1 0 0,1 0 1 0 0,-1 1 0 0 0,1-1-1 0 0,-1 1 1 0 0,1 1-1 0 0,0-1 1 0 0,0 1 0 0 0,0 1-1 0 0,1-1 1 0 0,-1 1-1 0 0,0 0 1 0 0,0 1 0 0 0,1-1-1 0 0,-1 2 1 0 0,1-1-1 0 0,-1 1 1 0 0,0 0 0 0 0,0 0-1 0 0,11 4 1 0 0,12 7 45 0 0,0 1 0 0 0,0 2 1 0 0,-1 1-1 0 0,-1 1 0 0 0,-1 1 1 0 0,0 2-1 0 0,25 24 0 0 0,-25-24-1 0 0,-26-20-23 0 0,0 1 1 0 0,0-1 0 0 0,-1 1 0 0 0,1-1-1 0 0,0 0 1 0 0,0 1 0 0 0,0-1 0 0 0,0 0 0 0 0,0 0-1 0 0,0 1 1 0 0,-1-1 0 0 0,1 0 0 0 0,0 0-1 0 0,0 0 1 0 0,0 0 0 0 0,0 0 0 0 0,0-1-1 0 0,0 1 1 0 0,0 0 0 0 0,0 0 0 0 0,-1 0-1 0 0,1-1 1 0 0,0 1 0 0 0,0 0 0 0 0,0-1-1 0 0,0 1 1 0 0,-1-1 0 0 0,1 1 0 0 0,0-1 0 0 0,0 0-1 0 0,0 0 1 0 0,21-29-171 0 0,-1-1 0 0 0,25-50 0 0 0,-1 2-1577 0 0,-30 53 485 0 0,-10 17 38 0 0,0 0 1 0 0,0 0-1 0 0,1 1 0 0 0,0 0 1 0 0,0 0-1 0 0,1 0 0 0 0,11-9 1 0 0,-10 10-743 0 0</inkml:trace>
+</inkml:ink>
+</file>
+
+<file path=ppt/ink/ink22.xml><?xml version="1.0" encoding="utf-8"?>
+<inkml:ink xmlns:inkml="http://www.w3.org/2003/InkML">
+  <inkml:definitions>
+    <inkml:context xml:id="ctx0">
+      <inkml:inkSource xml:id="inkSrc0">
+        <inkml:traceFormat>
+          <inkml:channel name="X" type="integer" min="-2.14748E9" max="2.14748E9" units="cm"/>
+          <inkml:channel name="Y" type="integer" min="-2.14748E9" max="2.14748E9" units="cm"/>
+          <inkml:channel name="F" type="integer" max="32767" units="dev"/>
+          <inkml:channel name="OA" type="integer" max="360" units="deg"/>
+          <inkml:channel name="OE" type="integer" max="90" units="deg"/>
+        </inkml:traceFormat>
+        <inkml:channelProperties>
+          <inkml:channelProperty channel="X" name="resolution" value="1000" units="1/cm"/>
+          <inkml:channelProperty channel="Y" name="resolution" value="1000" units="1/cm"/>
+          <inkml:channelProperty channel="F" name="resolution" value="0" units="1/dev"/>
+          <inkml:channelProperty channel="OA" name="resolution" value="1000" units="1/deg"/>
+          <inkml:channelProperty channel="OE" name="resolution" value="1000" units="1/deg"/>
+        </inkml:channelProperties>
+      </inkml:inkSource>
+      <inkml:timestamp xml:id="ts0" timeString="2021-10-23T12:43:49.954"/>
+    </inkml:context>
+    <inkml:brush xml:id="br0">
+      <inkml:brushProperty name="width" value="0.05" units="cm"/>
+      <inkml:brushProperty name="height" value="0.05" units="cm"/>
+    </inkml:brush>
+  </inkml:definitions>
+  <inkml:trace contextRef="#ctx0" brushRef="#br0">0 150 2208 0 0,'0'-1'365'0'0,"0"1"0"0"0,0-1-1 0 0,0 1 1 0 0,0-1 0 0 0,0 1-1 0 0,5-8 6565 0 0,-4 8-6564 0 0,-1-1 0 0 0,1 1-1 0 0,-1 0 1 0 0,1-1 0 0 0,19 2 2827 0 0,22 15-3492 0 0,-39-15 858 0 0,25 12-408 0 0,-1 1 1 0 0,-1 1-1 0 0,46 36 1 0 0,-58-40-140 0 0,-1 1 0 0 0,0 0 0 0 0,-1 1 0 0 0,0 1 0 0 0,-1 0 1 0 0,-1 0-1 0 0,0 1 0 0 0,8 17 0 0 0,-15-25-12 0 0,-1-1 0 0 0,0 1 0 0 0,0-1 0 0 0,0 1 0 0 0,-1 0 0 0 0,0 0 0 0 0,0-1 0 0 0,-1 1 0 0 0,0 0 0 0 0,0 0 1 0 0,0 0-1 0 0,-1 0 0 0 0,0 0 0 0 0,-1-1 0 0 0,1 1 0 0 0,-1 0 0 0 0,-1-1 0 0 0,1 1 0 0 0,-1-1 0 0 0,0 0 0 0 0,-1 0 0 0 0,1 0 0 0 0,-1 0 0 0 0,-8 8 0 0 0,1-1 25 0 0,0-1-1 0 0,0-1 1 0 0,-2 0 0 0 0,1-1-1 0 0,-1 0 1 0 0,-1-1-1 0 0,0 0 1 0 0,0-1-1 0 0,-23 9 1 0 0,34-16-18 0 0,-1 1 0 0 0,0-1 1 0 0,1 0-1 0 0,-1 0 0 0 0,0 0 0 0 0,0 0 1 0 0,0-1-1 0 0,0 1 0 0 0,0-1 0 0 0,0 0 1 0 0,-5-1-1 0 0,8 1-17 0 0,-1-1-1 0 0,1 0 1 0 0,-1 1 0 0 0,1-1 0 0 0,-1 0 0 0 0,1 0-1 0 0,0 0 1 0 0,-1 0 0 0 0,1 0 0 0 0,0 0 0 0 0,0 0-1 0 0,-1 0 1 0 0,1-1 0 0 0,0 1 0 0 0,0 0 0 0 0,1-1-1 0 0,-1 1 1 0 0,0-1 0 0 0,0 1 0 0 0,1-1 0 0 0,-1 1-1 0 0,1-1 1 0 0,-1 1 0 0 0,1-1 0 0 0,0 0 0 0 0,-1 1-1 0 0,1-1 1 0 0,0-2 0 0 0,0-5-62 0 0,0 1 1 0 0,0 0-1 0 0,1-1 0 0 0,0 1 1 0 0,1-1-1 0 0,0 1 1 0 0,0 0-1 0 0,5-11 0 0 0,31-64-392 0 0,-29 66 380 0 0,153-294-557 0 0,-159 305 642 0 0,45-97 76 0 0,-46 96-117 0 0,5-15 243 0 0,-7 22-199 0 0,0 0-1 0 0,0 0 0 0 0,0 0 1 0 0,0 0-1 0 0,0 0 0 0 0,0 0 1 0 0,0 0-1 0 0,0 0 0 0 0,0 0 1 0 0,0 0-1 0 0,0-1 0 0 0,0 1 1 0 0,0 0-1 0 0,0 0 0 0 0,0 0 1 0 0,0 0-1 0 0,0 0 1 0 0,0 0-1 0 0,0 0 0 0 0,0 0 1 0 0,0 0-1 0 0,0 0 0 0 0,0 0 1 0 0,0 0-1 0 0,0 0 0 0 0,0 0 1 0 0,0 0-1 0 0,0 0 0 0 0,0 0 1 0 0,0 0-1 0 0,0-1 0 0 0,0 1 1 0 0,0 0-1 0 0,0 0 0 0 0,-1 0 1 0 0,1 0-1 0 0,0 0 1 0 0,0 0-1 0 0,0 0 0 0 0,0 0 1 0 0,0 0-1 0 0,0 0 0 0 0,0 0 1 0 0,0 0-1 0 0,0 0 0 0 0,0 0 1 0 0,0 0-1 0 0,0 0 0 0 0,0 0 1 0 0,0 0-1 0 0,-1 0 0 0 0,1 0 1 0 0,0 0-1 0 0,0 0 1 0 0,0 0-1 0 0,0 0 0 0 0,0 0 1 0 0,0 1-1 0 0,0-1 0 0 0,0 0 1 0 0,0 0-1 0 0,0 0 0 0 0,0 0 1 0 0,0 0-1 0 0,0 0 0 0 0,0 0 1 0 0,0 0-1 0 0,0 0 0 0 0,0 0 1 0 0,-10 10 80 0 0,-7 15 4 0 0,15-20-14 0 0,-1 0-1 0 0,0-1 0 0 0,0 1 0 0 0,-1-1 1 0 0,-3 4-1 0 0,-2 1 72 0 0,1-1 0 0 0,0 1 1 0 0,1 1-1 0 0,0 0 0 0 0,1 0 1 0 0,0 0-1 0 0,0 0 0 0 0,1 1 1 0 0,1 0-1 0 0,-7 22 0 0 0,1 0-168 0 0,7-24 8 0 0,0-1 1 0 0,1 1-1 0 0,0 0 1 0 0,0 0-1 0 0,0 14 1 0 0,3-19 10 0 0,1 0-1 0 0,-1 0 1 0 0,1-1 0 0 0,0 1 0 0 0,0 0-1 0 0,1-1 1 0 0,-1 1 0 0 0,4 2-1 0 0,0 4 10 0 0,-2-6 4 0 0,0 0 1 0 0,0 0-1 0 0,0 0 1 0 0,1-1-1 0 0,-1 1 1 0 0,1-1-1 0 0,0 0 1 0 0,0 0-1 0 0,0-1 1 0 0,0 1-1 0 0,1-1 1 0 0,-1 0-1 0 0,1-1 1 0 0,-1 1-1 0 0,1-1 1 0 0,-1 0-1 0 0,1-1 1 0 0,0 1-1 0 0,0-1 1 0 0,-1 0-1 0 0,7-1 1 0 0,11-3-276 0 0,-1-1 0 0 0,38-14 1 0 0,-49 15-41 0 0,-1 0-746 0 0,-1-1 1 0 0,0-1-1 0 0,0 1 0 0 0,0-1 1 0 0,11-11-1 0 0,-7 7-1507 0 0,8-9-2002 0 0,-13 9 2187 0 0</inkml:trace>
+</inkml:ink>
+</file>
+
+<file path=ppt/ink/ink23.xml><?xml version="1.0" encoding="utf-8"?>
+<inkml:ink xmlns:inkml="http://www.w3.org/2003/InkML">
+  <inkml:definitions>
+    <inkml:context xml:id="ctx0">
+      <inkml:inkSource xml:id="inkSrc0">
+        <inkml:traceFormat>
+          <inkml:channel name="X" type="integer" min="-2.14748E9" max="2.14748E9" units="cm"/>
+          <inkml:channel name="Y" type="integer" min="-2.14748E9" max="2.14748E9" units="cm"/>
+          <inkml:channel name="F" type="integer" max="32767" units="dev"/>
+          <inkml:channel name="OA" type="integer" max="360" units="deg"/>
+          <inkml:channel name="OE" type="integer" max="90" units="deg"/>
+        </inkml:traceFormat>
+        <inkml:channelProperties>
+          <inkml:channelProperty channel="X" name="resolution" value="1000" units="1/cm"/>
+          <inkml:channelProperty channel="Y" name="resolution" value="1000" units="1/cm"/>
+          <inkml:channelProperty channel="F" name="resolution" value="0" units="1/dev"/>
+          <inkml:channelProperty channel="OA" name="resolution" value="1000" units="1/deg"/>
+          <inkml:channelProperty channel="OE" name="resolution" value="1000" units="1/deg"/>
+        </inkml:channelProperties>
+      </inkml:inkSource>
+      <inkml:timestamp xml:id="ts0" timeString="2021-10-23T12:43:50.311"/>
+    </inkml:context>
+    <inkml:brush xml:id="br0">
+      <inkml:brushProperty name="width" value="0.05" units="cm"/>
+      <inkml:brushProperty name="height" value="0.05" units="cm"/>
+    </inkml:brush>
+  </inkml:definitions>
+  <inkml:trace contextRef="#ctx0" brushRef="#br0">3 24 196 0 0,'-2'-23'16873'0'0,"2"34"-15411"0"0,0 445 1396 0 0,4-379-5332 0 0,5-26-3608 0 0,-9-44 3168 0 0</inkml:trace>
+</inkml:ink>
+</file>
+
+<file path=ppt/ink/ink24.xml><?xml version="1.0" encoding="utf-8"?>
+<inkml:ink xmlns:inkml="http://www.w3.org/2003/InkML">
+  <inkml:definitions>
+    <inkml:context xml:id="ctx0">
+      <inkml:inkSource xml:id="inkSrc0">
+        <inkml:traceFormat>
+          <inkml:channel name="X" type="integer" min="-2.14748E9" max="2.14748E9" units="cm"/>
+          <inkml:channel name="Y" type="integer" min="-2.14748E9" max="2.14748E9" units="cm"/>
+          <inkml:channel name="F" type="integer" max="32767" units="dev"/>
+          <inkml:channel name="OA" type="integer" max="360" units="deg"/>
+          <inkml:channel name="OE" type="integer" max="90" units="deg"/>
+        </inkml:traceFormat>
+        <inkml:channelProperties>
+          <inkml:channelProperty channel="X" name="resolution" value="1000" units="1/cm"/>
+          <inkml:channelProperty channel="Y" name="resolution" value="1000" units="1/cm"/>
+          <inkml:channelProperty channel="F" name="resolution" value="0" units="1/dev"/>
+          <inkml:channelProperty channel="OA" name="resolution" value="1000" units="1/deg"/>
+          <inkml:channelProperty channel="OE" name="resolution" value="1000" units="1/deg"/>
+        </inkml:channelProperties>
+      </inkml:inkSource>
+      <inkml:timestamp xml:id="ts0" timeString="2021-10-23T12:43:50.700"/>
+    </inkml:context>
+    <inkml:brush xml:id="br0">
+      <inkml:brushProperty name="width" value="0.05" units="cm"/>
+      <inkml:brushProperty name="height" value="0.05" units="cm"/>
+    </inkml:brush>
+  </inkml:definitions>
+  <inkml:trace contextRef="#ctx0" brushRef="#br0">31 333 1908 0 0,'-12'-10'3451'0'0,"-5"-6"3305"0"0,16 15-6603 0 0,1 0 1 0 0,0 0-1 0 0,0 1 1 0 0,-1-1-1 0 0,1 0 1 0 0,0 0 0 0 0,0 0-1 0 0,0 0 1 0 0,0 0-1 0 0,0 1 1 0 0,0-1-1 0 0,0 0 1 0 0,1 0-1 0 0,-1 0 1 0 0,0 0 0 0 0,0 1-1 0 0,1-1 1 0 0,-1 0-1 0 0,0 0 1 0 0,1 1-1 0 0,-1-1 1 0 0,1 0-1 0 0,-1 0 1 0 0,1 1 0 0 0,-1-1-1 0 0,1 0 1 0 0,0 0-1 0 0,11-10 49 0 0,0 1-1 0 0,0 0 1 0 0,1 0-1 0 0,1 1 1 0 0,16-8-1 0 0,-12 7-215 0 0,124-82-2439 0 0,-62 40-1982 0 0,1 2-3536 0 0,-59 37 5597 0 0</inkml:trace>
+</inkml:ink>
+</file>
+
+<file path=ppt/ink/ink25.xml><?xml version="1.0" encoding="utf-8"?>
+<inkml:ink xmlns:inkml="http://www.w3.org/2003/InkML">
+  <inkml:definitions>
+    <inkml:context xml:id="ctx0">
+      <inkml:inkSource xml:id="inkSrc0">
+        <inkml:traceFormat>
+          <inkml:channel name="X" type="integer" min="-2.14748E9" max="2.14748E9" units="cm"/>
+          <inkml:channel name="Y" type="integer" min="-2.14748E9" max="2.14748E9" units="cm"/>
+          <inkml:channel name="F" type="integer" max="32767" units="dev"/>
+          <inkml:channel name="OA" type="integer" max="360" units="deg"/>
+          <inkml:channel name="OE" type="integer" max="90" units="deg"/>
+        </inkml:traceFormat>
+        <inkml:channelProperties>
+          <inkml:channelProperty channel="X" name="resolution" value="1000" units="1/cm"/>
+          <inkml:channelProperty channel="Y" name="resolution" value="1000" units="1/cm"/>
+          <inkml:channelProperty channel="F" name="resolution" value="0" units="1/dev"/>
+          <inkml:channelProperty channel="OA" name="resolution" value="1000" units="1/deg"/>
+          <inkml:channelProperty channel="OE" name="resolution" value="1000" units="1/deg"/>
+        </inkml:channelProperties>
+      </inkml:inkSource>
+      <inkml:timestamp xml:id="ts0" timeString="2021-10-23T12:43:51.653"/>
+    </inkml:context>
+    <inkml:brush xml:id="br0">
+      <inkml:brushProperty name="width" value="0.05" units="cm"/>
+      <inkml:brushProperty name="height" value="0.05" units="cm"/>
+    </inkml:brush>
+  </inkml:definitions>
+  <inkml:trace contextRef="#ctx0" brushRef="#br0">217 136 1860 0 0,'-3'-29'12666'0'0,"3"29"-12418"0"0,22 2 219 0 0,-17 1-454 0 0,0 1 0 0 0,0-1 0 0 0,0 1 0 0 0,-1 0-1 0 0,1 0 1 0 0,-1 0 0 0 0,0 1 0 0 0,5 8 0 0 0,-7-11 6 0 0,-1 1 1 0 0,1-1 0 0 0,-1 1 0 0 0,0-1 0 0 0,0 1 0 0 0,0 0 0 0 0,-1-1 0 0 0,1 1 0 0 0,-1 0-1 0 0,1 0 1 0 0,-1 0 0 0 0,0-1 0 0 0,0 1 0 0 0,0 0 0 0 0,0 0 0 0 0,-1-1 0 0 0,1 1 0 0 0,-1 0-1 0 0,0 0 1 0 0,1-1 0 0 0,-3 5 0 0 0,-2 0 47 0 0,0 0-1 0 0,0 0 1 0 0,0-1-1 0 0,-1 0 1 0 0,1 0-1 0 0,-2 0 1 0 0,1-1 0 0 0,-1 0-1 0 0,1 0 1 0 0,-1 0-1 0 0,0-1 1 0 0,-1 0-1 0 0,1-1 1 0 0,-1 0 0 0 0,0 0-1 0 0,0 0 1 0 0,-11 1-1 0 0,15-3-53 0 0,0-1-1 0 0,1 1 0 0 0,-1-1 1 0 0,1 0-1 0 0,-1-1 1 0 0,1 1-1 0 0,-1 0 0 0 0,0-1 1 0 0,1 0-1 0 0,-1 0 0 0 0,1 0 1 0 0,0 0-1 0 0,-1-1 1 0 0,1 0-1 0 0,0 1 0 0 0,0-1 1 0 0,0 0-1 0 0,0 0 1 0 0,0 0-1 0 0,1-1 0 0 0,-1 1 1 0 0,0-1-1 0 0,1 0 0 0 0,0 1 1 0 0,-3-5-1 0 0,3 3-20 0 0,-1-1-1 0 0,0 0 1 0 0,1-1-1 0 0,0 1 0 0 0,0 0 1 0 0,1-1-1 0 0,-1 1 1 0 0,1-1-1 0 0,0 1 0 0 0,1-1 1 0 0,-1 1-1 0 0,1-1 1 0 0,0 0-1 0 0,0 1 1 0 0,2-8-1 0 0,1 1-39 0 0,0 0 1 0 0,0 1-1 0 0,2-1 1 0 0,-1 1 0 0 0,1 0-1 0 0,13-20 1 0 0,-13 24 14 0 0,-1 1 0 0 0,1 0 1 0 0,0 0-1 0 0,0 0 1 0 0,1 1-1 0 0,-1 0 0 0 0,1 0 1 0 0,1 0-1 0 0,-1 1 1 0 0,0-1-1 0 0,14-5 1 0 0,-17 9 22 0 0,-1 0 1 0 0,1 1 0 0 0,-1-1 0 0 0,1 0-1 0 0,0 1 1 0 0,-1 0 0 0 0,1-1 0 0 0,0 1-1 0 0,0 0 1 0 0,-1 0 0 0 0,1 1 0 0 0,0-1-1 0 0,-1 1 1 0 0,1-1 0 0 0,0 1 0 0 0,-1 0-1 0 0,1 0 1 0 0,2 1 0 0 0,-1 1 6 0 0,0-1 1 0 0,0 1-1 0 0,-1 0 0 0 0,1 0 1 0 0,-1 0-1 0 0,1 1 0 0 0,-1-1 1 0 0,0 1-1 0 0,4 6 0 0 0,0 3 20 0 0,0-1 0 0 0,-2 1 0 0 0,1 0 0 0 0,-1 1 0 0 0,-1-1 0 0 0,3 15-1 0 0,-1 11 40 0 0,-1 0 0 0 0,-2 0 0 0 0,-2 0 0 0 0,-7 77-1 0 0,0-65 7 0 0,-3-1-1 0 0,-2 0 0 0 0,-24 65 1 0 0,27-91-11 0 0,-1-1 1 0 0,-2 0-1 0 0,0 0 1 0 0,-2-1 0 0 0,0-1-1 0 0,-2 0 1 0 0,0-1 0 0 0,-1-1-1 0 0,-1 0 1 0 0,-24 21 0 0 0,39-38-33 0 0,0 0 1 0 0,-1-1 0 0 0,1 1 0 0 0,-1-1 0 0 0,0 1-1 0 0,1-1 1 0 0,-1 0 0 0 0,0 0 0 0 0,0 0 0 0 0,0 0-1 0 0,0 0 1 0 0,0-1 0 0 0,-5 1 0 0 0,6-1-15 0 0,1 0 0 0 0,-1 0-1 0 0,1-1 1 0 0,-1 1 0 0 0,1-1 0 0 0,-1 1 0 0 0,1-1 0 0 0,-1 0 0 0 0,1 0 0 0 0,-1 1 0 0 0,1-1-1 0 0,0 0 1 0 0,0 0 0 0 0,-1 0 0 0 0,1 0 0 0 0,0-1 0 0 0,0 1 0 0 0,0 0 0 0 0,0 0-1 0 0,0-1 1 0 0,1 1 0 0 0,-1 0 0 0 0,0-1 0 0 0,0 1 0 0 0,1-1 0 0 0,-1 1 0 0 0,0-3 0 0 0,-2-9-33 0 0,0 1 1 0 0,1-1-1 0 0,0 0 1 0 0,1 0 0 0 0,0 0-1 0 0,1 0 1 0 0,1-1-1 0 0,0 1 1 0 0,3-15 0 0 0,-1 12-31 0 0,1 0 0 0 0,1 0 1 0 0,0 0-1 0 0,1 1 1 0 0,0 0-1 0 0,17-28 0 0 0,-20 39 40 0 0,0 0 0 0 0,0-1 0 0 0,1 1-1 0 0,-1 0 1 0 0,1 1 0 0 0,0-1 0 0 0,0 1-1 0 0,0-1 1 0 0,1 1 0 0 0,-1 0 0 0 0,1 1-1 0 0,0-1 1 0 0,-1 1 0 0 0,1 0 0 0 0,0 0-1 0 0,0 0 1 0 0,0 1 0 0 0,1 0 0 0 0,6-1-1 0 0,-5 2 7 0 0,1 0-1 0 0,0 0 0 0 0,-1 1 0 0 0,1 0 0 0 0,-1 0 1 0 0,1 1-1 0 0,-1 0 0 0 0,1 0 0 0 0,-1 1 0 0 0,0 0 1 0 0,0 0-1 0 0,0 1 0 0 0,6 4 0 0 0,14 10-19 0 0,28 26-1 0 0,-35-26-58 0 0,0-2-1 0 0,38 23 0 0 0,-56-38 53 0 0,0-1 1 0 0,1 1-1 0 0,-1 0 0 0 0,0-1 0 0 0,0 1 1 0 0,0-1-1 0 0,0 0 0 0 0,1 0 0 0 0,-1 0 0 0 0,0 0 1 0 0,0 0-1 0 0,1 0 0 0 0,-1-1 0 0 0,0 1 1 0 0,0-1-1 0 0,0 1 0 0 0,0-1 0 0 0,0 0 0 0 0,0 0 1 0 0,0 0-1 0 0,0 0 0 0 0,0 0 0 0 0,0 0 1 0 0,3-4-1 0 0,4-2-171 0 0,0-1 0 0 0,-1-1 0 0 0,11-12 0 0 0,-14 15 106 0 0,17-24-266 0 0,-2-1-1 0 0,-1 0 1 0 0,28-63-1 0 0,23-69 1401 0 0,-66 155 35 0 0,-4 13-471 0 0,-5 23-227 0 0,1 1-102 0 0,3-21-205 0 0,-2 20 119 0 0,1 0 0 0 0,1 1 0 0 0,1-1 0 0 0,2 0 0 0 0,8 48 0 0 0,-10-74-173 0 0,0-1-1 0 0,1 1 0 0 0,-1 0 0 0 0,1 0 1 0 0,-1 0-1 0 0,1-1 0 0 0,0 1 1 0 0,0 0-1 0 0,-1-1 0 0 0,1 1 1 0 0,0-1-1 0 0,1 1 0 0 0,-1-1 0 0 0,0 1 1 0 0,0-1-1 0 0,1 0 0 0 0,-1 0 1 0 0,0 1-1 0 0,1-1 0 0 0,-1 0 1 0 0,4 1-1 0 0,-3-1-1 0 0,0-1 1 0 0,0 0-1 0 0,0 0 0 0 0,0 0 1 0 0,0 0-1 0 0,0 0 1 0 0,0 0-1 0 0,0-1 0 0 0,0 1 1 0 0,0-1-1 0 0,0 1 1 0 0,0-1-1 0 0,-1 0 0 0 0,1 0 1 0 0,0 1-1 0 0,3-3 0 0 0,5-5-9 0 0,1 0-1 0 0,-1-1 0 0 0,-1 0 0 0 0,14-16 0 0 0,-6 4-70 0 0,-2 0 1 0 0,-1 0-1 0 0,-1-2 1 0 0,0 1-1 0 0,16-46 1 0 0,32-126-324 0 0,-58 182 389 0 0,6-29-9 0 0,4-13 63 0 0,-8 91 373 0 0,28 456 3486 0 0,-15-291-3017 0 0,-15-170-801 0 0,24 473 255 0 0,-27-496-337 0 0,-4 96 117 0 0,3-94-81 0 0,-1 0 1 0 0,0-1 0 0 0,-1 1-1 0 0,0-1 1 0 0,0 0 0 0 0,-1 0-1 0 0,-9 16 1 0 0,11-23-21 0 0,0 1-1 0 0,-1-1 1 0 0,1 0-1 0 0,-1 0 1 0 0,0 0-1 0 0,0 0 0 0 0,0 0 1 0 0,0-1-1 0 0,0 1 1 0 0,-1-1-1 0 0,1 0 1 0 0,-1 0-1 0 0,1 0 1 0 0,-7 2-1 0 0,4-3-4 0 0,-1 1 0 0 0,1-1-1 0 0,-1 0 1 0 0,1-1 0 0 0,-1 1-1 0 0,1-1 1 0 0,-1 0-1 0 0,-8-2 1 0 0,-4-2-98 0 0,0 0 0 0 0,0-2 0 0 0,0 0 0 0 0,-34-18 0 0 0,41 19-139 0 0,1-2 0 0 0,0 1 0 0 0,1-1 0 0 0,0-1-1 0 0,0 0 1 0 0,0-1 0 0 0,1 1 0 0 0,0-2 0 0 0,1 1 0 0 0,0-1 0 0 0,-11-19 0 0 0,15 21-146 0 0,0 0 0 0 0,0 1 1 0 0,1-2-1 0 0,0 1 1 0 0,1 0-1 0 0,0 0 1 0 0,0-1-1 0 0,0 0 1 0 0,1 1-1 0 0,1-1 0 0 0,0 0 1 0 0,0 1-1 0 0,0-1 1 0 0,1 0-1 0 0,0 1 1 0 0,1-1-1 0 0,5-15 1 0 0,4-9-3024 0 0,2 1 0 0 0,28-51 1 0 0,-20 51 1007 0 0</inkml:trace>
+</inkml:ink>
+</file>
+
+<file path=ppt/ink/ink26.xml><?xml version="1.0" encoding="utf-8"?>
+<inkml:ink xmlns:inkml="http://www.w3.org/2003/InkML">
+  <inkml:definitions>
+    <inkml:context xml:id="ctx0">
+      <inkml:inkSource xml:id="inkSrc0">
+        <inkml:traceFormat>
+          <inkml:channel name="X" type="integer" min="-2.14748E9" max="2.14748E9" units="cm"/>
+          <inkml:channel name="Y" type="integer" min="-2.14748E9" max="2.14748E9" units="cm"/>
+          <inkml:channel name="F" type="integer" max="32767" units="dev"/>
+          <inkml:channel name="OA" type="integer" max="360" units="deg"/>
+          <inkml:channel name="OE" type="integer" max="90" units="deg"/>
+        </inkml:traceFormat>
+        <inkml:channelProperties>
+          <inkml:channelProperty channel="X" name="resolution" value="1000" units="1/cm"/>
+          <inkml:channelProperty channel="Y" name="resolution" value="1000" units="1/cm"/>
+          <inkml:channelProperty channel="F" name="resolution" value="0" units="1/dev"/>
+          <inkml:channelProperty channel="OA" name="resolution" value="1000" units="1/deg"/>
+          <inkml:channelProperty channel="OE" name="resolution" value="1000" units="1/deg"/>
+        </inkml:channelProperties>
+      </inkml:inkSource>
+      <inkml:timestamp xml:id="ts0" timeString="2021-10-23T12:43:52.007"/>
+    </inkml:context>
+    <inkml:brush xml:id="br0">
+      <inkml:brushProperty name="width" value="0.05" units="cm"/>
+      <inkml:brushProperty name="height" value="0.05" units="cm"/>
+    </inkml:brush>
+  </inkml:definitions>
+  <inkml:trace contextRef="#ctx0" brushRef="#br0">0 330 992 0 0,'19'-12'5931'0'0,"-14"8"-4513"0"0,-1 1 0 0 0,1 0 0 0 0,0 0 1 0 0,1 0-1 0 0,9-4 0 0 0,99-28 3447 0 0,-100 29-5405 0 0,1 0 1 0 0,-1-1 0 0 0,0-1 0 0 0,19-13 0 0 0,-28 18-165 0 0,0 0 1 0 0,-1-1-1 0 0,0 0 0 0 0,0 0 1 0 0,0 0-1 0 0,0 0 0 0 0,0-1 1 0 0,-1 1-1 0 0,0-1 0 0 0,0 0 1 0 0,0 0-1 0 0,0 0 1 0 0,-1 0-1 0 0,0-1 0 0 0,3-9 1 0 0,-5-2-3116 0 0,0 10 1839 0 0</inkml:trace>
+  <inkml:trace contextRef="#ctx0" brushRef="#br0" timeOffset="1">105 83 1268 0 0,'-73'9'11408'0'0,"98"-13"-9988"0"0,9-2-2040 0 0,58-19 0 0 0,30-22-8634 0 0,-101 37 7000 0 0</inkml:trace>
+</inkml:ink>
+</file>
+
+<file path=ppt/ink/ink27.xml><?xml version="1.0" encoding="utf-8"?>
+<inkml:ink xmlns:inkml="http://www.w3.org/2003/InkML">
+  <inkml:definitions>
+    <inkml:context xml:id="ctx0">
+      <inkml:inkSource xml:id="inkSrc0">
+        <inkml:traceFormat>
+          <inkml:channel name="X" type="integer" min="-2.14748E9" max="2.14748E9" units="cm"/>
+          <inkml:channel name="Y" type="integer" min="-2.14748E9" max="2.14748E9" units="cm"/>
+          <inkml:channel name="F" type="integer" max="32767" units="dev"/>
+          <inkml:channel name="OA" type="integer" max="360" units="deg"/>
+          <inkml:channel name="OE" type="integer" max="90" units="deg"/>
+        </inkml:traceFormat>
+        <inkml:channelProperties>
+          <inkml:channelProperty channel="X" name="resolution" value="1000" units="1/cm"/>
+          <inkml:channelProperty channel="Y" name="resolution" value="1000" units="1/cm"/>
+          <inkml:channelProperty channel="F" name="resolution" value="0" units="1/dev"/>
+          <inkml:channelProperty channel="OA" name="resolution" value="1000" units="1/deg"/>
+          <inkml:channelProperty channel="OE" name="resolution" value="1000" units="1/deg"/>
+        </inkml:channelProperties>
+      </inkml:inkSource>
+      <inkml:timestamp xml:id="ts0" timeString="2021-10-23T12:43:52.388"/>
+    </inkml:context>
+    <inkml:brush xml:id="br0">
+      <inkml:brushProperty name="width" value="0.05" units="cm"/>
+      <inkml:brushProperty name="height" value="0.05" units="cm"/>
+    </inkml:brush>
+  </inkml:definitions>
+  <inkml:trace contextRef="#ctx0" brushRef="#br0">165 39 1696 0 0,'0'-2'749'0'0,"-1"0"0"0"0,0 0 0 0 0,1 0 1 0 0,-1 0-1 0 0,0 0 0 0 0,0 0 0 0 0,0 0 0 0 0,-1 0 0 0 0,1 0 0 0 0,0 1 0 0 0,-1-1 0 0 0,1 0 0 0 0,-1 1 1 0 0,-2-3-1 0 0,3 4-622 0 0,0 0 1 0 0,0-1-1 0 0,1 1 1 0 0,-1 0-1 0 0,0-1 1 0 0,0 1 0 0 0,0 0-1 0 0,0 0 1 0 0,0 0-1 0 0,0 0 1 0 0,0 0-1 0 0,0 0 1 0 0,0 0-1 0 0,0 1 1 0 0,0-1-1 0 0,0 0 1 0 0,0 0 0 0 0,0 1-1 0 0,0-1 1 0 0,0 0-1 0 0,0 1 1 0 0,1-1-1 0 0,-1 1 1 0 0,0 0-1 0 0,0-1 1 0 0,0 1 0 0 0,1-1-1 0 0,-1 1 1 0 0,0 0-1 0 0,1 0 1 0 0,-1-1-1 0 0,1 1 1 0 0,-1 0-1 0 0,0 1 1 0 0,-12 16 194 0 0,1 1 0 0 0,0 0-1 0 0,2 0 1 0 0,0 1 0 0 0,1 1 0 0 0,1 0 0 0 0,1 0 0 0 0,-4 23 0 0 0,3-3-186 0 0,1 2 0 0 0,2-1 0 0 0,2 54 0 0 0,3-77-115 0 0,1 0 1 0 0,1 0 0 0 0,0 0-1 0 0,2 0 1 0 0,6 20-1 0 0,-8-32-22 0 0,1 1-1 0 0,0-1 0 0 0,0 1 1 0 0,1-1-1 0 0,0 0 0 0 0,0 0 1 0 0,0-1-1 0 0,1 1 0 0 0,0-1 1 0 0,0 0-1 0 0,1 0 1 0 0,0-1-1 0 0,0 1 0 0 0,12 7 1 0 0,-13-10-1 0 0,0-1 1 0 0,0 0 0 0 0,0 0 0 0 0,0 0-1 0 0,1-1 1 0 0,-1 1 0 0 0,0-1 0 0 0,1 0-1 0 0,-1-1 1 0 0,1 0 0 0 0,-1 1 0 0 0,1-2 0 0 0,6 0-1 0 0,-3 0-2 0 0,0-2 0 0 0,1 1 0 0 0,-1-1 1 0 0,0 0-1 0 0,0-1 0 0 0,-1 0 0 0 0,10-6 0 0 0,-1-1-3 0 0,0-1 1 0 0,-1 0 0 0 0,0-1 0 0 0,-1-1-1 0 0,-1-1 1 0 0,19-24 0 0 0,-21 22 11 0 0,0 0 0 0 0,-2-1 0 0 0,0 0 0 0 0,-1 0-1 0 0,-1-1 1 0 0,-1 0 0 0 0,-1 0 0 0 0,0-1 0 0 0,-1 0 0 0 0,-1 0 0 0 0,-1 0 0 0 0,-1 0 0 0 0,-1-1 0 0 0,-1 1 0 0 0,-2-21 0 0 0,0 22-9 0 0,-1 1 1 0 0,-1-1-1 0 0,0 1 1 0 0,-2 0-1 0 0,0 0 0 0 0,-16-31 1 0 0,20 44-75 0 0,-1 1-1 0 0,1-1 1 0 0,-1 1-1 0 0,0 0 1 0 0,-1 0-1 0 0,1 1 1 0 0,0-1-1 0 0,-1 0 1 0 0,0 1-1 0 0,0 0 1 0 0,0 0-1 0 0,0 0 1 0 0,0 1 0 0 0,-1-1-1 0 0,1 1 1 0 0,-1 0-1 0 0,0 0 1 0 0,0 1-1 0 0,1-1 1 0 0,-1 1-1 0 0,0 0 1 0 0,0 1-1 0 0,0-1 1 0 0,0 1-1 0 0,0 0 1 0 0,0 0 0 0 0,0 0-1 0 0,0 1 1 0 0,0 0-1 0 0,-7 1 1 0 0,0 2-531 0 0,-1 1 0 0 0,1 0 1 0 0,0 0-1 0 0,0 1 0 0 0,1 1 1 0 0,-1 0-1 0 0,2 0 0 0 0,-1 1 0 0 0,-11 12 1 0 0,-7 8-3550 0 0,-42 54 1 0 0,39-43 1527 0 0</inkml:trace>
+</inkml:ink>
+</file>
+
+<file path=ppt/ink/ink28.xml><?xml version="1.0" encoding="utf-8"?>
+<inkml:ink xmlns:inkml="http://www.w3.org/2003/InkML">
+  <inkml:definitions>
+    <inkml:context xml:id="ctx0">
+      <inkml:inkSource xml:id="inkSrc0">
+        <inkml:traceFormat>
+          <inkml:channel name="X" type="integer" min="-2.14748E9" max="2.14748E9" units="cm"/>
+          <inkml:channel name="Y" type="integer" min="-2.14748E9" max="2.14748E9" units="cm"/>
+          <inkml:channel name="F" type="integer" max="32767" units="dev"/>
+          <inkml:channel name="OA" type="integer" max="360" units="deg"/>
+          <inkml:channel name="OE" type="integer" max="90" units="deg"/>
+        </inkml:traceFormat>
+        <inkml:channelProperties>
+          <inkml:channelProperty channel="X" name="resolution" value="1000" units="1/cm"/>
+          <inkml:channelProperty channel="Y" name="resolution" value="1000" units="1/cm"/>
+          <inkml:channelProperty channel="F" name="resolution" value="0" units="1/dev"/>
+          <inkml:channelProperty channel="OA" name="resolution" value="1000" units="1/deg"/>
+          <inkml:channelProperty channel="OE" name="resolution" value="1000" units="1/deg"/>
+        </inkml:channelProperties>
+      </inkml:inkSource>
+      <inkml:timestamp xml:id="ts0" timeString="2021-10-23T12:44:19.482"/>
+    </inkml:context>
+    <inkml:brush xml:id="br0">
+      <inkml:brushProperty name="width" value="0.05" units="cm"/>
+      <inkml:brushProperty name="height" value="0.05" units="cm"/>
+    </inkml:brush>
+  </inkml:definitions>
+  <inkml:trace contextRef="#ctx0" brushRef="#br0">273 0 832 0 0,'-3'5'14903'0'0,"-10"19"-13228"0"0,-5 9-822 0 0,-25 35-1 0 0,12-21-673 0 0,-38 75-1037 0 0,17-28-3277 0 0,15-19-5018 0 0,31-60 6577 0 0</inkml:trace>
+</inkml:ink>
+</file>
+
+<file path=ppt/ink/ink29.xml><?xml version="1.0" encoding="utf-8"?>
+<inkml:ink xmlns:inkml="http://www.w3.org/2003/InkML">
+  <inkml:definitions>
+    <inkml:context xml:id="ctx0">
+      <inkml:inkSource xml:id="inkSrc0">
+        <inkml:traceFormat>
+          <inkml:channel name="X" type="integer" min="-2.14748E9" max="2.14748E9" units="cm"/>
+          <inkml:channel name="Y" type="integer" min="-2.14748E9" max="2.14748E9" units="cm"/>
+          <inkml:channel name="F" type="integer" max="32767" units="dev"/>
+          <inkml:channel name="OA" type="integer" max="360" units="deg"/>
+          <inkml:channel name="OE" type="integer" max="90" units="deg"/>
+        </inkml:traceFormat>
+        <inkml:channelProperties>
+          <inkml:channelProperty channel="X" name="resolution" value="1000" units="1/cm"/>
+          <inkml:channelProperty channel="Y" name="resolution" value="1000" units="1/cm"/>
+          <inkml:channelProperty channel="F" name="resolution" value="0" units="1/dev"/>
+          <inkml:channelProperty channel="OA" name="resolution" value="1000" units="1/deg"/>
+          <inkml:channelProperty channel="OE" name="resolution" value="1000" units="1/deg"/>
+        </inkml:channelProperties>
+      </inkml:inkSource>
+      <inkml:timestamp xml:id="ts0" timeString="2021-10-23T12:44:20.316"/>
+    </inkml:context>
+    <inkml:brush xml:id="br0">
+      <inkml:brushProperty name="width" value="0.05" units="cm"/>
+      <inkml:brushProperty name="height" value="0.05" units="cm"/>
+    </inkml:brush>
+  </inkml:definitions>
+  <inkml:trace contextRef="#ctx0" brushRef="#br0">259 119 1588 0 0,'6'-10'2368'0'0,"0"0"0"0"0,-1-1 0 0 0,3-11 0 0 0,-7 18-1763 0 0,0 0-1 0 0,0 0 0 0 0,0 0 1 0 0,-1 0-1 0 0,0 0 0 0 0,1 1 0 0 0,-2-1 1 0 0,1 0-1 0 0,0 0 0 0 0,-1 0 1 0 0,1 0-1 0 0,-1 0 0 0 0,-2-4 0 0 0,3 8-540 0 0,0-1-1 0 0,0 1 0 0 0,0 0 0 0 0,0-1 0 0 0,-1 1 1 0 0,1 0-1 0 0,0-1 0 0 0,0 1 0 0 0,-1 0 0 0 0,1-1 1 0 0,0 1-1 0 0,0 0 0 0 0,-1-1 0 0 0,1 1 0 0 0,0 0 0 0 0,-1 0 1 0 0,1-1-1 0 0,0 1 0 0 0,-1 0 0 0 0,1 0 0 0 0,-1 0 1 0 0,1 0-1 0 0,0-1 0 0 0,-1 1 0 0 0,1 0 0 0 0,-1 0 1 0 0,1 0-1 0 0,0 0 0 0 0,-1 0 0 0 0,1 0 0 0 0,-1 0 1 0 0,-15 7 593 0 0,-13 19-641 0 0,27-24 59 0 0,-24 27-111 0 0,0 2 0 0 0,2 0 0 0 0,2 2 0 0 0,1 1 0 0 0,1 0 0 0 0,-17 43 0 0 0,26-53-6 0 0,2 1 0 0 0,0 1 1 0 0,-5 30-1 0 0,12-45 23 0 0,0-1 0 0 0,1 1 0 0 0,0 0 0 0 0,1-1 0 0 0,0 1 0 0 0,0 0 0 0 0,1-1 0 0 0,1 1 0 0 0,0-1 0 0 0,6 20 0 0 0,-6-26 18 0 0,0 0 1 0 0,0-1-1 0 0,0 1 0 0 0,0-1 0 0 0,1 0 0 0 0,0 0 0 0 0,-1 0 0 0 0,1 0 1 0 0,0 0-1 0 0,1 0 0 0 0,-1-1 0 0 0,0 1 0 0 0,1-1 0 0 0,-1 0 0 0 0,1 0 1 0 0,0 0-1 0 0,0-1 0 0 0,-1 1 0 0 0,1-1 0 0 0,0 0 0 0 0,0 0 0 0 0,1 0 1 0 0,-1-1-1 0 0,0 0 0 0 0,0 1 0 0 0,6-2 0 0 0,11 0-190 0 0,-1 0 0 0 0,1-2 0 0 0,38-10 0 0 0,-58 13 184 0 0,53-15-1640 0 0,0-3 0 0 0,51-24 0 0 0,98-59-11001 0 0,-170 83 10080 0 0</inkml:trace>
 </inkml:ink>
 </file>
 
@@ -716,6 +1033,317 @@
 </inkml:ink>
 </file>
 
+<file path=ppt/ink/ink30.xml><?xml version="1.0" encoding="utf-8"?>
+<inkml:ink xmlns:inkml="http://www.w3.org/2003/InkML">
+  <inkml:definitions>
+    <inkml:context xml:id="ctx0">
+      <inkml:inkSource xml:id="inkSrc0">
+        <inkml:traceFormat>
+          <inkml:channel name="X" type="integer" min="-2.14748E9" max="2.14748E9" units="cm"/>
+          <inkml:channel name="Y" type="integer" min="-2.14748E9" max="2.14748E9" units="cm"/>
+          <inkml:channel name="F" type="integer" max="32767" units="dev"/>
+          <inkml:channel name="OA" type="integer" max="360" units="deg"/>
+          <inkml:channel name="OE" type="integer" max="90" units="deg"/>
+        </inkml:traceFormat>
+        <inkml:channelProperties>
+          <inkml:channelProperty channel="X" name="resolution" value="1000" units="1/cm"/>
+          <inkml:channelProperty channel="Y" name="resolution" value="1000" units="1/cm"/>
+          <inkml:channelProperty channel="F" name="resolution" value="0" units="1/dev"/>
+          <inkml:channelProperty channel="OA" name="resolution" value="1000" units="1/deg"/>
+          <inkml:channelProperty channel="OE" name="resolution" value="1000" units="1/deg"/>
+        </inkml:channelProperties>
+      </inkml:inkSource>
+      <inkml:timestamp xml:id="ts0" timeString="2021-10-23T12:44:20.705"/>
+    </inkml:context>
+    <inkml:brush xml:id="br0">
+      <inkml:brushProperty name="width" value="0.05" units="cm"/>
+      <inkml:brushProperty name="height" value="0.05" units="cm"/>
+    </inkml:brush>
+  </inkml:definitions>
+  <inkml:trace contextRef="#ctx0" brushRef="#br0">86 277 984 0 0,'0'0'9508'0'0,"22"-13"-5898"0"0,-17 10-4072 0 0,0-1 0 0 0,0 1-1 0 0,0 1 1 0 0,0-1 0 0 0,6-2 0 0 0,20-11-7229 0 0,-25 11 5465 0 0</inkml:trace>
+  <inkml:trace contextRef="#ctx0" brushRef="#br0" timeOffset="1">46 117 316 0 0,'-16'-3'4542'0'0,"13"3"-3686"0"0,1-1 0 0 0,-1 1 0 0 0,1-1-1 0 0,-1 1 1 0 0,1-1 0 0 0,-1 0 0 0 0,1 0-1 0 0,-1 0 1 0 0,-4-3 1232 0 0,29-10 38 0 0,104-29-5343 0 0,1 3-7498 0 0,-103 33 8321 0 0</inkml:trace>
+</inkml:ink>
+</file>
+
+<file path=ppt/ink/ink31.xml><?xml version="1.0" encoding="utf-8"?>
+<inkml:ink xmlns:inkml="http://www.w3.org/2003/InkML">
+  <inkml:definitions>
+    <inkml:context xml:id="ctx0">
+      <inkml:inkSource xml:id="inkSrc0">
+        <inkml:traceFormat>
+          <inkml:channel name="X" type="integer" min="-2.14748E9" max="2.14748E9" units="cm"/>
+          <inkml:channel name="Y" type="integer" min="-2.14748E9" max="2.14748E9" units="cm"/>
+          <inkml:channel name="F" type="integer" max="32767" units="dev"/>
+          <inkml:channel name="OA" type="integer" max="360" units="deg"/>
+          <inkml:channel name="OE" type="integer" max="90" units="deg"/>
+        </inkml:traceFormat>
+        <inkml:channelProperties>
+          <inkml:channelProperty channel="X" name="resolution" value="1000" units="1/cm"/>
+          <inkml:channelProperty channel="Y" name="resolution" value="1000" units="1/cm"/>
+          <inkml:channelProperty channel="F" name="resolution" value="0" units="1/dev"/>
+          <inkml:channelProperty channel="OA" name="resolution" value="1000" units="1/deg"/>
+          <inkml:channelProperty channel="OE" name="resolution" value="1000" units="1/deg"/>
+        </inkml:channelProperties>
+      </inkml:inkSource>
+      <inkml:timestamp xml:id="ts0" timeString="2021-10-23T12:44:22.692"/>
+    </inkml:context>
+    <inkml:brush xml:id="br0">
+      <inkml:brushProperty name="width" value="0.05" units="cm"/>
+      <inkml:brushProperty name="height" value="0.05" units="cm"/>
+    </inkml:brush>
+  </inkml:definitions>
+  <inkml:trace contextRef="#ctx0" brushRef="#br0">569 56 1192 0 0,'-2'-4'796'0'0,"1"1"0"0"0,-1-1 1 0 0,0 1-1 0 0,0 0 0 0 0,-1 0 0 0 0,1 0 0 0 0,-1 0 0 0 0,-5-5 1 0 0,6 6-493 0 0,0 1-1 0 0,0-1 1 0 0,0 1 0 0 0,-1 0 0 0 0,1 0 0 0 0,0 0 0 0 0,-1 0 0 0 0,1 0 0 0 0,0 1 0 0 0,-1-1 0 0 0,-4 0 0 0 0,4 1-177 0 0,-1 0 0 0 0,0 1 0 0 0,0-1 0 0 0,0 1 1 0 0,1 0-1 0 0,-1 0 0 0 0,0 0 0 0 0,1 0 0 0 0,-1 1 0 0 0,0-1 0 0 0,1 1 1 0 0,0 0-1 0 0,-1 0 0 0 0,1 0 0 0 0,0 1 0 0 0,0-1 0 0 0,-5 6 0 0 0,-5 6 50 0 0,0 1 0 0 0,1 0 0 0 0,1 1 0 0 0,-15 26 0 0 0,-27 74 306 0 0,46-95-410 0 0,0 0-1 0 0,2 0 0 0 0,0 1 1 0 0,1 0-1 0 0,2-1 0 0 0,0 1 1 0 0,1 0-1 0 0,1 0 0 0 0,1 0 1 0 0,7 38-1 0 0,-8-55-49 0 0,1 0 0 0 0,1-1 0 0 0,-1 1 0 0 0,1-1 0 0 0,-1 1 0 0 0,1-1 0 0 0,1 0 0 0 0,-1 1 0 0 0,0-1 0 0 0,1 0 0 0 0,0-1 0 0 0,0 1 0 0 0,0 0 0 0 0,1-1 0 0 0,-1 0 0 0 0,1 0 0 0 0,0 0 0 0 0,-1 0 0 0 0,1 0 0 0 0,1-1 0 0 0,-1 0 0 0 0,0 1 0 0 0,1-2 0 0 0,6 3 0 0 0,-2-2 39 0 0,1 0-1 0 0,0-1 1 0 0,-1 0 0 0 0,1-1-1 0 0,0 0 1 0 0,0-1-1 0 0,0 0 1 0 0,-1 0-1 0 0,1-1 1 0 0,0 0-1 0 0,9-4 1 0 0,18-7 176 0 0,-1-1 1 0 0,-1-1-1 0 0,0-3 1 0 0,58-38-1 0 0,-68 38-38 0 0,0-1 0 0 0,-1-2 0 0 0,-1 0-1 0 0,-1-2 1 0 0,-1 0 0 0 0,26-36 0 0 0,-42 50-123 0 0,1 0-1 0 0,-1 0 1 0 0,0 0 0 0 0,-1-1-1 0 0,0 0 1 0 0,-1 0 0 0 0,0 0-1 0 0,-1 0 1 0 0,1 0 0 0 0,-2-1-1 0 0,0 1 1 0 0,0-17 0 0 0,-1 20-56 0 0,-1 0 1 0 0,0 0-1 0 0,0 0 0 0 0,-1 0 1 0 0,0 0-1 0 0,0 0 1 0 0,-1 1-1 0 0,0-1 1 0 0,0 1-1 0 0,0 0 0 0 0,-1 0 1 0 0,0 0-1 0 0,0 0 1 0 0,0 1-1 0 0,-1-1 1 0 0,0 1-1 0 0,0 0 1 0 0,0 1-1 0 0,-9-7 0 0 0,5 5-52 0 0,0 1 0 0 0,0 0 0 0 0,0 0 0 0 0,-1 1 0 0 0,0 1 0 0 0,1-1 0 0 0,-1 2 0 0 0,-17-4-1 0 0,10 4-106 0 0,1 1-1 0 0,-1 1 0 0 0,1 0 0 0 0,-32 5 0 0 0,13 2-375 0 0,0 2-1 0 0,0 1 1 0 0,0 2-1 0 0,-39 20 1 0 0,19-5-2336 0 0,-98 66-1 0 0,-40 51-5643 0 0,132-98 5836 0 0</inkml:trace>
+</inkml:ink>
+</file>
+
+<file path=ppt/ink/ink32.xml><?xml version="1.0" encoding="utf-8"?>
+<inkml:ink xmlns:inkml="http://www.w3.org/2003/InkML">
+  <inkml:definitions>
+    <inkml:context xml:id="ctx0">
+      <inkml:inkSource xml:id="inkSrc0">
+        <inkml:traceFormat>
+          <inkml:channel name="X" type="integer" min="-2.14748E9" max="2.14748E9" units="cm"/>
+          <inkml:channel name="Y" type="integer" min="-2.14748E9" max="2.14748E9" units="cm"/>
+          <inkml:channel name="F" type="integer" max="32767" units="dev"/>
+          <inkml:channel name="OA" type="integer" max="360" units="deg"/>
+          <inkml:channel name="OE" type="integer" max="90" units="deg"/>
+        </inkml:traceFormat>
+        <inkml:channelProperties>
+          <inkml:channelProperty channel="X" name="resolution" value="1000" units="1/cm"/>
+          <inkml:channelProperty channel="Y" name="resolution" value="1000" units="1/cm"/>
+          <inkml:channelProperty channel="F" name="resolution" value="0" units="1/dev"/>
+          <inkml:channelProperty channel="OA" name="resolution" value="1000" units="1/deg"/>
+          <inkml:channelProperty channel="OE" name="resolution" value="1000" units="1/deg"/>
+        </inkml:channelProperties>
+      </inkml:inkSource>
+      <inkml:timestamp xml:id="ts0" timeString="2021-10-23T12:43:59.521"/>
+    </inkml:context>
+    <inkml:brush xml:id="br0">
+      <inkml:brushProperty name="width" value="0.05" units="cm"/>
+      <inkml:brushProperty name="height" value="0.05" units="cm"/>
+    </inkml:brush>
+  </inkml:definitions>
+  <inkml:trace contextRef="#ctx0" brushRef="#br0">256 188 1012 0 0,'0'-114'12547'0'0,"0"114"-12471"0"0,0 0 1 0 0,0 0 0 0 0,0 0 0 0 0,0 0 0 0 0,0 0 0 0 0,0 0 0 0 0,0-1 0 0 0,0 1-1 0 0,0 0 1 0 0,0 0 0 0 0,0 0 0 0 0,0 0 0 0 0,0 0 0 0 0,0 0 0 0 0,0-1 0 0 0,0 1-1 0 0,0 0 1 0 0,0 0 0 0 0,0 0 0 0 0,0 0 0 0 0,0 0 0 0 0,0 0 0 0 0,-1 0-1 0 0,1-1 463 0 0,0 1-463 0 0,0 0 1 0 0,0 0 0 0 0,0 0 0 0 0,-1 0 0 0 0,1 0 0 0 0,0 0 0 0 0,0 0 0 0 0,0-1-1 0 0,0 1 1 0 0,0 0 0 0 0,0 0 0 0 0,0 0 0 0 0,-1 0 0 0 0,1 0 0 0 0,0 0 0 0 0,0 0-1 0 0,0 0 1 0 0,0 0 0 0 0,0 0 0 0 0,0 0 0 0 0,-1 0 0 0 0,-6 6 1131 0 0,-4 12-1194 0 0,8 10-113 0 0,1-1 1 0 0,1 1-1 0 0,2-1 1 0 0,7 52-1 0 0,-8-79 99 0 0,2 22-41 0 0,2 0 1 0 0,0 0 0 0 0,2-1-1 0 0,0 1 1 0 0,1-1 0 0 0,2 0-1 0 0,0-1 1 0 0,1 0 0 0 0,24 36-1 0 0,-32-53 17 0 0,0-1-1 0 0,0 1 0 0 0,1-1 1 0 0,-1 1-1 0 0,1-1 0 0 0,-1 0 0 0 0,1 0 1 0 0,0 0-1 0 0,-1 0 0 0 0,1-1 1 0 0,0 1-1 0 0,0-1 0 0 0,0 1 1 0 0,0-1-1 0 0,1 0 0 0 0,-1-1 1 0 0,0 1-1 0 0,0 0 0 0 0,1-1 1 0 0,-1 0-1 0 0,0 1 0 0 0,1-2 0 0 0,-1 1 1 0 0,0 0-1 0 0,1 0 0 0 0,-1-1 1 0 0,0 0-1 0 0,0 0 0 0 0,0 0 1 0 0,1 0-1 0 0,-1 0 0 0 0,0-1 1 0 0,0 1-1 0 0,4-4 0 0 0,2 0-70 0 0,-1-1-1 0 0,0 0 0 0 0,0-1 1 0 0,0 0-1 0 0,-1 0 0 0 0,0 0 1 0 0,0-1-1 0 0,-1 0 0 0 0,0 0 1 0 0,6-12-1 0 0,2-8 67 0 0,-2-1-1 0 0,0-1 1 0 0,-2 1 0 0 0,-2-2-1 0 0,0 1 1 0 0,-2-1-1 0 0,-1 0 1 0 0,-2 0 0 0 0,-1-1-1 0 0,-4-54 1 0 0,2 81 62 0 0,-1-3 57 0 0,1 1-1 0 0,-1 0 1 0 0,0-1-1 0 0,-1 1 1 0 0,0 0-1 0 0,-4-12 1 0 0,6 19-88 0 0,0 0 0 0 0,0-1 0 0 0,-1 1 0 0 0,1 0 0 0 0,0 0 0 0 0,0 0 0 0 0,0 0 0 0 0,0-1 0 0 0,0 1 0 0 0,0 0 0 0 0,0 0 0 0 0,0 0 0 0 0,-1 0 0 0 0,1 0 0 0 0,0 0 0 0 0,0 0 0 0 0,0-1 0 0 0,0 1 0 0 0,0 0 1 0 0,-1 0-1 0 0,1 0 0 0 0,0 0 0 0 0,0 0 0 0 0,0 0 0 0 0,0 0 0 0 0,-1 0 0 0 0,1 0 0 0 0,0 0 0 0 0,0 0 0 0 0,0 0 0 0 0,-1 0 0 0 0,1 0 0 0 0,0 0 0 0 0,0 0 0 0 0,0 0 0 0 0,0 0 0 0 0,-1 0 0 0 0,1 0 0 0 0,0 0 0 0 0,0 0 0 0 0,0 0 0 0 0,0 1 0 0 0,-1-1 0 0 0,1 0 0 0 0,0 0 0 0 0,0 0 0 0 0,0 0 1 0 0,-8 12-15 0 0,-2 12-64 0 0,3 5 49 0 0,1 1-1 0 0,1-1 0 0 0,1 1 0 0 0,1 43 1 0 0,12 123 315 0 0,-6-146-193 0 0,19 151 367 0 0,0 8-112 0 0,-18-141-274 0 0,7 303 204 0 0,-11-359-251 0 0,-1 1-1 0 0,-1 0 1 0 0,0-1-1 0 0,0 0 1 0 0,-2 1 0 0 0,1-1-1 0 0,-2 0 1 0 0,1 0-1 0 0,-2-1 1 0 0,1 0-1 0 0,-2 0 1 0 0,1 0-1 0 0,-2 0 1 0 0,1-1-1 0 0,-1-1 1 0 0,-1 1-1 0 0,0-1 1 0 0,0 0-1 0 0,-17 11 1 0 0,13-12-6 0 0,0-1 0 0 0,0 0-1 0 0,0-1 1 0 0,-1-1 0 0 0,0 0-1 0 0,0-1 1 0 0,0 0 0 0 0,0-1 0 0 0,-1-1-1 0 0,0 0 1 0 0,1-1 0 0 0,-1-1 0 0 0,0 0-1 0 0,1-1 1 0 0,-1 0 0 0 0,1-1 0 0 0,-1-1-1 0 0,1 0 1 0 0,0-1 0 0 0,0-1 0 0 0,0 0-1 0 0,0-1 1 0 0,1-1 0 0 0,0 1 0 0 0,-22-18-1 0 0,26 17-28 0 0,1 0-1 0 0,1 0 1 0 0,0-1-1 0 0,0 0 0 0 0,0 0 1 0 0,1-1-1 0 0,0 0 1 0 0,1 0-1 0 0,0-1 0 0 0,0 1 1 0 0,1-1-1 0 0,1 0 0 0 0,-1 0 1 0 0,-3-20-1 0 0,3 6-31 0 0,1 0-1 0 0,1 1 0 0 0,1-1 1 0 0,1 0-1 0 0,5-38 1 0 0,1 24-104 0 0,2 0 0 0 0,2 0 1 0 0,1 1-1 0 0,2 1 1 0 0,1 0-1 0 0,27-48 0 0 0,-29 64-259 0 0,0 0-1 0 0,2 1 0 0 0,1 0 0 0 0,0 1 1 0 0,1 1-1 0 0,1 0 0 0 0,0 2 0 0 0,23-17 1 0 0,-16 16-2121 0 0,0 1 1 0 0,1 1 0 0 0,43-17 0 0 0,-44 21 263 0 0</inkml:trace>
+</inkml:ink>
+</file>
+
+<file path=ppt/ink/ink33.xml><?xml version="1.0" encoding="utf-8"?>
+<inkml:ink xmlns:inkml="http://www.w3.org/2003/InkML">
+  <inkml:definitions>
+    <inkml:context xml:id="ctx0">
+      <inkml:inkSource xml:id="inkSrc0">
+        <inkml:traceFormat>
+          <inkml:channel name="X" type="integer" min="-2.14748E9" max="2.14748E9" units="cm"/>
+          <inkml:channel name="Y" type="integer" min="-2.14748E9" max="2.14748E9" units="cm"/>
+          <inkml:channel name="F" type="integer" max="32767" units="dev"/>
+          <inkml:channel name="OA" type="integer" max="360" units="deg"/>
+          <inkml:channel name="OE" type="integer" max="90" units="deg"/>
+        </inkml:traceFormat>
+        <inkml:channelProperties>
+          <inkml:channelProperty channel="X" name="resolution" value="1000" units="1/cm"/>
+          <inkml:channelProperty channel="Y" name="resolution" value="1000" units="1/cm"/>
+          <inkml:channelProperty channel="F" name="resolution" value="0" units="1/dev"/>
+          <inkml:channelProperty channel="OA" name="resolution" value="1000" units="1/deg"/>
+          <inkml:channelProperty channel="OE" name="resolution" value="1000" units="1/deg"/>
+        </inkml:channelProperties>
+      </inkml:inkSource>
+      <inkml:timestamp xml:id="ts0" timeString="2021-10-23T12:43:59.927"/>
+    </inkml:context>
+    <inkml:brush xml:id="br0">
+      <inkml:brushProperty name="width" value="0.05" units="cm"/>
+      <inkml:brushProperty name="height" value="0.05" units="cm"/>
+    </inkml:brush>
+  </inkml:definitions>
+  <inkml:trace contextRef="#ctx0" brushRef="#br0">1 137 1208 0 0,'13'-13'8820'0'0,"-1"2"-6043"0"0,-8 7-2628 0 0,1 1-1 0 0,-1 0 1 0 0,1 0 0 0 0,-1 0 0 0 0,8-3 0 0 0,108-48-153 0 0,-78 35-4344 0 0,-26 6-2200 0 0,-13 9 4442 0 0</inkml:trace>
+</inkml:ink>
+</file>
+
+<file path=ppt/ink/ink34.xml><?xml version="1.0" encoding="utf-8"?>
+<inkml:ink xmlns:inkml="http://www.w3.org/2003/InkML">
+  <inkml:definitions>
+    <inkml:context xml:id="ctx0">
+      <inkml:inkSource xml:id="inkSrc0">
+        <inkml:traceFormat>
+          <inkml:channel name="X" type="integer" min="-2.14748E9" max="2.14748E9" units="cm"/>
+          <inkml:channel name="Y" type="integer" min="-2.14748E9" max="2.14748E9" units="cm"/>
+          <inkml:channel name="F" type="integer" max="32767" units="dev"/>
+          <inkml:channel name="OA" type="integer" max="360" units="deg"/>
+          <inkml:channel name="OE" type="integer" max="90" units="deg"/>
+        </inkml:traceFormat>
+        <inkml:channelProperties>
+          <inkml:channelProperty channel="X" name="resolution" value="1000" units="1/cm"/>
+          <inkml:channelProperty channel="Y" name="resolution" value="1000" units="1/cm"/>
+          <inkml:channelProperty channel="F" name="resolution" value="0" units="1/dev"/>
+          <inkml:channelProperty channel="OA" name="resolution" value="1000" units="1/deg"/>
+          <inkml:channelProperty channel="OE" name="resolution" value="1000" units="1/deg"/>
+        </inkml:channelProperties>
+      </inkml:inkSource>
+      <inkml:timestamp xml:id="ts0" timeString="2021-10-23T12:44:00.325"/>
+    </inkml:context>
+    <inkml:brush xml:id="br0">
+      <inkml:brushProperty name="width" value="0.05" units="cm"/>
+      <inkml:brushProperty name="height" value="0.05" units="cm"/>
+    </inkml:brush>
+  </inkml:definitions>
+  <inkml:trace contextRef="#ctx0" brushRef="#br0">43 142 380 0 0,'-15'-3'3253'0'0,"12"3"-2761"0"0,1-1 0 0 0,0 1 0 0 0,0 0 0 0 0,0-1 0 0 0,0 1-1 0 0,0-1 1 0 0,0 0 0 0 0,0 0 0 0 0,1 0 0 0 0,-1 0 0 0 0,-2-1 0 0 0,4 2-401 0 0,-1 0 1 0 0,1-1-1 0 0,0 1 1 0 0,0 0 0 0 0,0 0-1 0 0,0-1 1 0 0,0 1-1 0 0,0 0 1 0 0,-1 0 0 0 0,1-1-1 0 0,0 1 1 0 0,0 0-1 0 0,0 0 1 0 0,0-1 0 0 0,0 1-1 0 0,0 0 1 0 0,0-1-1 0 0,0 1 1 0 0,0 0 0 0 0,0 0-1 0 0,0-1 1 0 0,0 1-1 0 0,0 0 1 0 0,0 0 0 0 0,1-1-1 0 0,-1 1 1 0 0,0 0-1 0 0,0 0 1 0 0,0-1 0 0 0,0 1-1 0 0,0 0 1 0 0,0 0-1 0 0,1-1 1 0 0,-1 1 0 0 0,0 0-1 0 0,0 0 1 0 0,1-1-1 0 0,13-10 1367 0 0,17-5-623 0 0,20-8-483 0 0,60-24-1577 0 0,-96 43-1264 0 0,0 1 0 0 0,0 0-1 0 0,19-1 1 0 0,-21 3 122 0 0</inkml:trace>
+</inkml:ink>
+</file>
+
+<file path=ppt/ink/ink35.xml><?xml version="1.0" encoding="utf-8"?>
+<inkml:ink xmlns:inkml="http://www.w3.org/2003/InkML">
+  <inkml:definitions>
+    <inkml:context xml:id="ctx0">
+      <inkml:inkSource xml:id="inkSrc0">
+        <inkml:traceFormat>
+          <inkml:channel name="X" type="integer" min="-2.14748E9" max="2.14748E9" units="cm"/>
+          <inkml:channel name="Y" type="integer" min="-2.14748E9" max="2.14748E9" units="cm"/>
+          <inkml:channel name="F" type="integer" max="32767" units="dev"/>
+          <inkml:channel name="OA" type="integer" max="360" units="deg"/>
+          <inkml:channel name="OE" type="integer" max="90" units="deg"/>
+        </inkml:traceFormat>
+        <inkml:channelProperties>
+          <inkml:channelProperty channel="X" name="resolution" value="1000" units="1/cm"/>
+          <inkml:channelProperty channel="Y" name="resolution" value="1000" units="1/cm"/>
+          <inkml:channelProperty channel="F" name="resolution" value="0" units="1/dev"/>
+          <inkml:channelProperty channel="OA" name="resolution" value="1000" units="1/deg"/>
+          <inkml:channelProperty channel="OE" name="resolution" value="1000" units="1/deg"/>
+        </inkml:channelProperties>
+      </inkml:inkSource>
+      <inkml:timestamp xml:id="ts0" timeString="2021-10-23T12:44:01.478"/>
+    </inkml:context>
+    <inkml:brush xml:id="br0">
+      <inkml:brushProperty name="width" value="0.05" units="cm"/>
+      <inkml:brushProperty name="height" value="0.05" units="cm"/>
+    </inkml:brush>
+  </inkml:definitions>
+  <inkml:trace contextRef="#ctx0" brushRef="#br0">141 148 168 0 0,'0'0'299'0'0,"1"0"0"0"0,0-1-1 0 0,-1 1 1 0 0,1 0 0 0 0,0 0 0 0 0,0 0 0 0 0,-1 0-1 0 0,1 0 1 0 0,0 0 0 0 0,0 1 0 0 0,-1-1 0 0 0,1 0-1 0 0,0 0 1 0 0,-1 0 0 0 0,1 1 0 0 0,0-1 0 0 0,0 0-1 0 0,-1 1 1 0 0,1-1 0 0 0,-1 1 0 0 0,1-1 0 0 0,0 1-1 0 0,-1-1 1 0 0,1 1 0 0 0,-1-1 0 0 0,1 1 0 0 0,-1-1-1 0 0,0 1 1 0 0,1 0 0 0 0,-1-1 0 0 0,1 1 0 0 0,-1 0-1 0 0,0 0 1 0 0,0 1-193 0 0,0-1-1 0 0,0 1 1 0 0,0 0-1 0 0,-1-1 1 0 0,1 1-1 0 0,-1 0 1 0 0,1-1 0 0 0,-1 1-1 0 0,0-1 1 0 0,0 1-1 0 0,1-1 1 0 0,-1 1-1 0 0,0-1 1 0 0,-2 2-1 0 0,1 0-135 0 0,1-1 137 0 0,-1 0-1 0 0,1 1 1 0 0,-1-1-1 0 0,0 0 1 0 0,0 0-1 0 0,0 0 1 0 0,0 0-1 0 0,-1 0 1 0 0,-2 1-1 0 0,3-2-39 0 0,0-1 0 0 0,0 1-1 0 0,0-1 1 0 0,0 0-1 0 0,0 0 1 0 0,0 0-1 0 0,0 0 1 0 0,0 0 0 0 0,0 0-1 0 0,0 0 1 0 0,0-1-1 0 0,0 1 1 0 0,1-1-1 0 0,-1 0 1 0 0,-4-1 0 0 0,-59-23 448 0 0,64 24-461 0 0,0-1-1 0 0,0 0 1 0 0,1 0 0 0 0,-1 0-1 0 0,0-1 1 0 0,1 1 0 0 0,0 0-1 0 0,-1 0 1 0 0,1 0 0 0 0,0 0-1 0 0,0 0 1 0 0,0-1 0 0 0,1-3-1 0 0,-1 1 307 0 0,1 2-283 0 0,0 0 0 0 0,0 1 0 0 0,0 0 0 0 0,0-1 0 0 0,0 1 0 0 0,1-1 0 0 0,-1 1 0 0 0,1 0 0 0 0,0 0 0 0 0,-1 0 0 0 0,1 0 0 0 0,0 0 0 0 0,0 0 1 0 0,0 1-1 0 0,1-1 0 0 0,-1 1 0 0 0,0-1 0 0 0,0 1 0 0 0,5-2 0 0 0,2-2 25 0 0,0 1 0 0 0,0 0 1 0 0,0 1-1 0 0,17-4 0 0 0,-22 6-91 0 0,1 0 0 0 0,-1 1 0 0 0,0 0 0 0 0,1 0 0 0 0,-1 0 0 0 0,0 0 0 0 0,0 1 0 0 0,1-1 0 0 0,-1 1 1 0 0,0 0-1 0 0,0 0 0 0 0,0 1 0 0 0,0-1 0 0 0,0 1 0 0 0,6 4 0 0 0,-5-3-8 0 0,0 1 0 0 0,-1 0 0 0 0,1 0 1 0 0,-1 0-1 0 0,0 1 0 0 0,0 0 0 0 0,-1-1 0 0 0,1 1 1 0 0,-1 0-1 0 0,4 11 0 0 0,1 2 10 0 0,-2 0-1 0 0,0 0 1 0 0,-1 1-1 0 0,-1-1 1 0 0,0 1-1 0 0,1 36 1 0 0,-5-29-7 0 0,0 1 1 0 0,-2-1-1 0 0,-1 0 1 0 0,-9 38-1 0 0,8-50-2 0 0,-1-1 0 0 0,0 1 0 0 0,0-1 1 0 0,-2-1-1 0 0,1 1 0 0 0,-2-1 0 0 0,0 0 0 0 0,0-1 0 0 0,-1 0 0 0 0,-10 10 1 0 0,-3 1 30 0 0,-1-2 1 0 0,-1 0-1 0 0,-39 23 1 0 0,62-42-41 0 0,0 0 1 0 0,-1 0-1 0 0,1 0 0 0 0,-1 0 1 0 0,1-1-1 0 0,-1 1 0 0 0,0 0 1 0 0,1-1-1 0 0,-1 1 1 0 0,1-1-1 0 0,-1 0 0 0 0,0 1 1 0 0,0-1-1 0 0,1 0 0 0 0,-1 0 1 0 0,0 0-1 0 0,1 0 0 0 0,-1 0 1 0 0,0-1-1 0 0,-2 0 0 0 0,3 1-12 0 0,0-1 0 0 0,0 0 0 0 0,0 0 0 0 0,0 0 0 0 0,0 0 0 0 0,1 0 0 0 0,-1 0 0 0 0,0 0 0 0 0,1 0 0 0 0,-1 0 0 0 0,1 0 0 0 0,-1 0 0 0 0,1-1 0 0 0,-1 1 0 0 0,1 0 1 0 0,0 0-1 0 0,0 0 0 0 0,0-1 0 0 0,-1 1 0 0 0,1 0 0 0 0,0 0 0 0 0,0-1 0 0 0,1 1 0 0 0,-1 0 0 0 0,0 0 0 0 0,0 0 0 0 0,1-1 0 0 0,-1 1 0 0 0,1-1 0 0 0,8-32-382 0 0,1 2 1 0 0,24-55 0 0 0,40-58-241 0 0,-72 141 622 0 0,169-302-87 0 0,-118 218 651 0 0,-46 77-258 0 0,-9 14-76 0 0,-12 22-119 0 0,-114 312 225 0 0,96-212-234 0 0,29-106-92 0 0,1 1 0 0 0,0-1 0 0 0,1 1-1 0 0,3 30 1 0 0,-2-48 3 0 0,1 1 0 0 0,-1-1 0 0 0,0 1-1 0 0,1-1 1 0 0,-1 0 0 0 0,1 1 0 0 0,0-1 0 0 0,0 0 0 0 0,0 1-1 0 0,0-1 1 0 0,0 0 0 0 0,0 0 0 0 0,1 0 0 0 0,-1 0-1 0 0,1 0 1 0 0,-1 0 0 0 0,1 0 0 0 0,0 0 0 0 0,0-1-1 0 0,0 1 1 0 0,3 1 0 0 0,-2-1-27 0 0,1-1-1 0 0,-1 0 0 0 0,0 0 1 0 0,1-1-1 0 0,-1 1 1 0 0,0-1-1 0 0,1 0 0 0 0,-1 1 1 0 0,1-2-1 0 0,-1 1 1 0 0,1 0-1 0 0,-1-1 0 0 0,6-1 1 0 0,5-2-329 0 0,1-1 1 0 0,-2-1 0 0 0,1 0-1 0 0,-1-1 1 0 0,0 0-1 0 0,13-10 1 0 0,-10 6-1025 0 0,-1-2-1 0 0,14-14 1 0 0,-17 15-1152 0 0,-1-1-1 0 0,16-24 1 0 0,-16 20 246 0 0</inkml:trace>
+</inkml:ink>
+</file>
+
+<file path=ppt/ink/ink36.xml><?xml version="1.0" encoding="utf-8"?>
+<inkml:ink xmlns:inkml="http://www.w3.org/2003/InkML">
+  <inkml:definitions>
+    <inkml:context xml:id="ctx0">
+      <inkml:inkSource xml:id="inkSrc0">
+        <inkml:traceFormat>
+          <inkml:channel name="X" type="integer" min="-2.14748E9" max="2.14748E9" units="cm"/>
+          <inkml:channel name="Y" type="integer" min="-2.14748E9" max="2.14748E9" units="cm"/>
+          <inkml:channel name="F" type="integer" max="32767" units="dev"/>
+          <inkml:channel name="OA" type="integer" max="360" units="deg"/>
+          <inkml:channel name="OE" type="integer" max="90" units="deg"/>
+        </inkml:traceFormat>
+        <inkml:channelProperties>
+          <inkml:channelProperty channel="X" name="resolution" value="1000" units="1/cm"/>
+          <inkml:channelProperty channel="Y" name="resolution" value="1000" units="1/cm"/>
+          <inkml:channelProperty channel="F" name="resolution" value="0" units="1/dev"/>
+          <inkml:channelProperty channel="OA" name="resolution" value="1000" units="1/deg"/>
+          <inkml:channelProperty channel="OE" name="resolution" value="1000" units="1/deg"/>
+        </inkml:channelProperties>
+      </inkml:inkSource>
+      <inkml:timestamp xml:id="ts0" timeString="2021-10-23T12:44:03.670"/>
+    </inkml:context>
+    <inkml:brush xml:id="br0">
+      <inkml:brushProperty name="width" value="0.05" units="cm"/>
+      <inkml:brushProperty name="height" value="0.05" units="cm"/>
+    </inkml:brush>
+  </inkml:definitions>
+  <inkml:trace contextRef="#ctx0" brushRef="#br0">430 25 144 0 0,'4'-4'1465'0'0,"-2"2"-785"0"0,0 0 1 0 0,-1 0-1 0 0,1 0 0 0 0,0 1 0 0 0,0-1 1 0 0,0 1-1 0 0,0 0 0 0 0,1-1 1 0 0,-1 1-1 0 0,0 0 0 0 0,0 0 0 0 0,1 0 1 0 0,3 0-1 0 0,-5 1-651 0 0,-1 0 1 0 0,1 1-1 0 0,-1-1 0 0 0,0 0 1 0 0,1 1-1 0 0,-1-1 0 0 0,0 0 1 0 0,1 1-1 0 0,-1-1 0 0 0,0 1 1 0 0,0-1-1 0 0,1 0 0 0 0,-1 1 1 0 0,0-1-1 0 0,0 1 0 0 0,0-1 1 0 0,0 1-1 0 0,1-1 0 0 0,-1 1 1 0 0,0-1-1 0 0,0 1 0 0 0,0-1 1 0 0,0 1-1 0 0,0-1 1 0 0,0 2-1 0 0,0 15 108 0 0,0-14-69 0 0,0 32 201 0 0,1 0-146 0 0,-2 0-1 0 0,-6 41 1 0 0,6-67-117 0 0,-1 0 1 0 0,0 0-1 0 0,0-1 0 0 0,-1 1 0 0 0,0 0 0 0 0,-1-1 0 0 0,0 0 1 0 0,0 0-1 0 0,-1 0 0 0 0,0 0 0 0 0,0-1 0 0 0,-1 1 0 0 0,-9 8 0 0 0,13-14-11 0 0,0 0 0 0 0,-1 0 0 0 0,1 0 0 0 0,-1 0-1 0 0,1-1 1 0 0,-1 1 0 0 0,1-1 0 0 0,-1 0-1 0 0,0 1 1 0 0,0-2 0 0 0,1 1 0 0 0,-1 0-1 0 0,0 0 1 0 0,0-1 0 0 0,0 1 0 0 0,0-1 0 0 0,0 0-1 0 0,-6-1 1 0 0,5 1-15 0 0,1-1 0 0 0,-1-1 0 0 0,0 1 0 0 0,0-1 0 0 0,0 1 0 0 0,1-1 0 0 0,-1 0-1 0 0,1 0 1 0 0,0-1 0 0 0,-1 1 0 0 0,1-1 0 0 0,-4-4 0 0 0,1 1-20 0 0,-1-2 1 0 0,2 1-1 0 0,-1-1 1 0 0,1 0-1 0 0,0 0 0 0 0,1-1 1 0 0,0 1-1 0 0,0-1 0 0 0,1 0 1 0 0,0 0-1 0 0,-2-11 0 0 0,4 12 22 0 0,0 0-1 0 0,1 0 0 0 0,1 0 1 0 0,-1 0-1 0 0,1 0 0 0 0,0 0 0 0 0,1 0 1 0 0,0 0-1 0 0,0 0 0 0 0,1 1 0 0 0,0-1 1 0 0,0 1-1 0 0,0 0 0 0 0,6-8 1 0 0,-5 9 10 0 0,-1 1 0 0 0,1 0 0 0 0,0 0 0 0 0,0 0 0 0 0,1 0 0 0 0,-1 1 0 0 0,1-1 0 0 0,0 1 0 0 0,1 1 0 0 0,-1-1 0 0 0,1 1 0 0 0,-1 0 1 0 0,1 0-1 0 0,0 0 0 0 0,0 1 0 0 0,0 0 0 0 0,0 0 0 0 0,8-1 0 0 0,-12 3 15 0 0,1 0 0 0 0,0 0 0 0 0,0 0 0 0 0,0 0 0 0 0,0 0 0 0 0,0 1 0 0 0,-1-1 0 0 0,1 1 0 0 0,0 0 0 0 0,0 0 0 0 0,-1 0 0 0 0,1 0 1 0 0,0 0-1 0 0,4 4 0 0 0,-2-2 9 0 0,-1 1 1 0 0,0 0 0 0 0,0-1-1 0 0,0 2 1 0 0,0-1 0 0 0,-1 0-1 0 0,4 7 1 0 0,1 3 35 0 0,0 2-1 0 0,-1-1 1 0 0,-1 1 0 0 0,5 17-1 0 0,-4-7 23 0 0,-2 0-1 0 0,0 1 0 0 0,-2 0 0 0 0,-1-1 0 0 0,-1 1 1 0 0,-2 0-1 0 0,-4 36 0 0 0,-1-20 57 0 0,-3 0 0 0 0,-1 0 0 0 0,-28 73 0 0 0,19-70-31 0 0,-2-1-1 0 0,-39 62 1 0 0,46-85-106 0 0,-1-1 0 0 0,-1 0 0 0 0,-1-1 0 0 0,0-1 0 0 0,-2-1 0 0 0,-30 24 0 0 0,42-37-33 0 0,0 0 0 0 0,-1 0 1 0 0,1-1-1 0 0,-1 0 0 0 0,0 0 0 0 0,-16 4 0 0 0,21-7 16 0 0,0 0 0 0 0,0-1 0 0 0,0 0 0 0 0,0 0 0 0 0,0 0 0 0 0,0 0 0 0 0,0 0 0 0 0,0 0 0 0 0,0-1 0 0 0,0 1 0 0 0,0-1 0 0 0,0 0 0 0 0,0 0 0 0 0,0 0 0 0 0,0 0 0 0 0,0-1 0 0 0,1 1 0 0 0,-1-1 0 0 0,0 0 0 0 0,1 0 0 0 0,0 0 0 0 0,-5-4 0 0 0,1-2-36 0 0,-1 0 0 0 0,1-1 0 0 0,0 0 0 0 0,1 0 0 0 0,0 0 0 0 0,1-1 0 0 0,0 0 0 0 0,0 0 0 0 0,1 0 0 0 0,0 0 0 0 0,1-1 1 0 0,0 1-1 0 0,-1-19 0 0 0,2 10 3 0 0,1-1 1 0 0,0 1 0 0 0,1-1-1 0 0,2 1 1 0 0,0 0 0 0 0,9-31-1 0 0,-10 42 33 0 0,0 1 0 0 0,1-1 0 0 0,0 1-1 0 0,1 0 1 0 0,0 0 0 0 0,7-11-1 0 0,-9 16 23 0 0,0 0-1 0 0,-1 1 0 0 0,1-1 0 0 0,0 0 0 0 0,0 1 0 0 0,0-1 0 0 0,0 1 0 0 0,0 0 0 0 0,0 0 0 0 0,0 0 1 0 0,1 0-1 0 0,-1 0 0 0 0,0 0 0 0 0,1 0 0 0 0,-1 1 0 0 0,0-1 0 0 0,1 1 0 0 0,-1 0 0 0 0,1 0 0 0 0,-1 0 1 0 0,1 0-1 0 0,-1 0 0 0 0,0 0 0 0 0,1 1 0 0 0,2 0 0 0 0,11 4 49 0 0,-1 1-1 0 0,1 0 1 0 0,-1 1 0 0 0,0 1-1 0 0,-1 1 1 0 0,14 10 0 0 0,1-1 46 0 0,82 56 212 0 0,-54-34-126 0 0,63 32 0 0 0,-118-71-174 0 0,-1 0 0 0 0,1 0 0 0 0,0-1 0 0 0,-1 1 0 0 0,1-1 0 0 0,0 1 0 0 0,-1-1 0 0 0,1 0 0 0 0,0 0 0 0 0,0 0 0 0 0,-1 0 0 0 0,1 0 0 0 0,0 0 0 0 0,0 0 0 0 0,-1-1 0 0 0,1 1 0 0 0,0 0 0 0 0,2-2 0 0 0,-1 0-18 0 0,0 1 0 0 0,1-1 0 0 0,-1 0 0 0 0,0 0 0 0 0,0-1 0 0 0,-1 1 0 0 0,1-1 0 0 0,3-3 0 0 0,4-7-132 0 0,-1 1 1 0 0,-1-1-1 0 0,9-18 0 0 0,-15 26 93 0 0,12-26-777 0 0,-2-1 1 0 0,-2-1-1 0 0,0 0 0 0 0,5-38 0 0 0,-6 29-538 0 0,10-53-2350 0 0,-14 64 2130 0 0</inkml:trace>
+</inkml:ink>
+</file>
+
+<file path=ppt/ink/ink37.xml><?xml version="1.0" encoding="utf-8"?>
+<inkml:ink xmlns:inkml="http://www.w3.org/2003/InkML">
+  <inkml:definitions>
+    <inkml:context xml:id="ctx0">
+      <inkml:inkSource xml:id="inkSrc0">
+        <inkml:traceFormat>
+          <inkml:channel name="X" type="integer" min="-2.14748E9" max="2.14748E9" units="cm"/>
+          <inkml:channel name="Y" type="integer" min="-2.14748E9" max="2.14748E9" units="cm"/>
+          <inkml:channel name="F" type="integer" max="32767" units="dev"/>
+          <inkml:channel name="OA" type="integer" max="360" units="deg"/>
+          <inkml:channel name="OE" type="integer" max="90" units="deg"/>
+        </inkml:traceFormat>
+        <inkml:channelProperties>
+          <inkml:channelProperty channel="X" name="resolution" value="1000" units="1/cm"/>
+          <inkml:channelProperty channel="Y" name="resolution" value="1000" units="1/cm"/>
+          <inkml:channelProperty channel="F" name="resolution" value="0" units="1/dev"/>
+          <inkml:channelProperty channel="OA" name="resolution" value="1000" units="1/deg"/>
+          <inkml:channelProperty channel="OE" name="resolution" value="1000" units="1/deg"/>
+        </inkml:channelProperties>
+      </inkml:inkSource>
+      <inkml:timestamp xml:id="ts0" timeString="2021-10-23T12:44:05.063"/>
+    </inkml:context>
+    <inkml:brush xml:id="br0">
+      <inkml:brushProperty name="width" value="0.05" units="cm"/>
+      <inkml:brushProperty name="height" value="0.05" units="cm"/>
+    </inkml:brush>
+  </inkml:definitions>
+  <inkml:trace contextRef="#ctx0" brushRef="#br0">32 100 56 0 0,'-32'-3'8113'0'0,"35"0"-7913"0"0,-1 1 0 0 0,1-1 0 0 0,0 0 0 0 0,1 1 0 0 0,-1-1 0 0 0,0 1 0 0 0,1 0 0 0 0,-1 0 0 0 0,7-3 0 0 0,-5 3-66 0 0,-4 1-124 0 0,23-12 135 0 0,1 1 1 0 0,40-15-1 0 0,-50 22-588 0 0,14-3-1092 0 0,-7 6-4983 0 0,-17 2 4601 0 0</inkml:trace>
+</inkml:ink>
+</file>
+
+<file path=ppt/ink/ink38.xml><?xml version="1.0" encoding="utf-8"?>
+<inkml:ink xmlns:inkml="http://www.w3.org/2003/InkML">
+  <inkml:definitions>
+    <inkml:context xml:id="ctx0">
+      <inkml:inkSource xml:id="inkSrc0">
+        <inkml:traceFormat>
+          <inkml:channel name="X" type="integer" min="-2.14748E9" max="2.14748E9" units="cm"/>
+          <inkml:channel name="Y" type="integer" min="-2.14748E9" max="2.14748E9" units="cm"/>
+          <inkml:channel name="F" type="integer" max="32767" units="dev"/>
+          <inkml:channel name="OA" type="integer" max="360" units="deg"/>
+          <inkml:channel name="OE" type="integer" max="90" units="deg"/>
+        </inkml:traceFormat>
+        <inkml:channelProperties>
+          <inkml:channelProperty channel="X" name="resolution" value="1000" units="1/cm"/>
+          <inkml:channelProperty channel="Y" name="resolution" value="1000" units="1/cm"/>
+          <inkml:channelProperty channel="F" name="resolution" value="0" units="1/dev"/>
+          <inkml:channelProperty channel="OA" name="resolution" value="1000" units="1/deg"/>
+          <inkml:channelProperty channel="OE" name="resolution" value="1000" units="1/deg"/>
+        </inkml:channelProperties>
+      </inkml:inkSource>
+      <inkml:timestamp xml:id="ts0" timeString="2021-10-23T12:44:05.781"/>
+    </inkml:context>
+    <inkml:brush xml:id="br0">
+      <inkml:brushProperty name="width" value="0.05" units="cm"/>
+      <inkml:brushProperty name="height" value="0.05" units="cm"/>
+    </inkml:brush>
+  </inkml:definitions>
+  <inkml:trace contextRef="#ctx0" brushRef="#br0">240 226 476 0 0,'-2'2'8410'0'0,"-4"7"-6276"0"0,-9 18-3768 0 0,12-21 2466 0 0,0-3-804 0 0,1 1 0 0 0,0-1 0 0 0,-1 0 0 0 0,0 0-1 0 0,1 0 1 0 0,-1-1 0 0 0,0 1 0 0 0,-1-1 0 0 0,1 1 0 0 0,0-1-1 0 0,-1 0 1 0 0,1 0 0 0 0,-1-1 0 0 0,1 1 0 0 0,-1-1 0 0 0,0 0-1 0 0,0 0 1 0 0,0 0 0 0 0,0 0 0 0 0,-5 0 0 0 0,7-1-9 0 0,-1 0 1 0 0,1 0 0 0 0,0 0-1 0 0,-1 0 1 0 0,1 0-1 0 0,0-1 1 0 0,-1 1 0 0 0,1-1-1 0 0,0 0 1 0 0,0 0-1 0 0,-1 0 1 0 0,1 0 0 0 0,0 0-1 0 0,0 0 1 0 0,0 0-1 0 0,0-1 1 0 0,0 1 0 0 0,1-1-1 0 0,-1 1 1 0 0,0-1-1 0 0,1 0 1 0 0,-1 1 0 0 0,1-1-1 0 0,0 0 1 0 0,-1 0-1 0 0,1 0 1 0 0,0 0 0 0 0,0-1-1 0 0,0 1 1 0 0,1 0-1 0 0,-1 0 1 0 0,0-1 0 0 0,1 1-1 0 0,-1 0 1 0 0,1-4-1 0 0,-1-4 15 0 0,1 0 0 0 0,0-1-1 0 0,0 1 1 0 0,1 0 0 0 0,1 0-1 0 0,0 0 1 0 0,0 0 0 0 0,1 0-1 0 0,0 0 1 0 0,7-14-1 0 0,0 3 163 0 0,1 1 0 0 0,1 0 0 0 0,25-29 0 0 0,-16 23 199 0 0,-20 26-334 0 0,12 14 235 0 0,1 30-212 0 0,-2 1 0 0 0,-2 0 1 0 0,-2 1-1 0 0,-2 0 0 0 0,-2 0 1 0 0,-2 0-1 0 0,-2 1 0 0 0,-2-1 0 0 0,-11 64 1 0 0,7-75-43 0 0,-1-1 0 0 0,-1 0 0 0 0,-2 0 0 0 0,-2-1 0 0 0,-1 0 0 0 0,-1-1 0 0 0,-21 35 0 0 0,-15 5 174 0 0,44-65-175 0 0,1-1-1 0 0,-1 0 0 0 0,0 0 0 0 0,0 0 1 0 0,-1-1-1 0 0,1 0 0 0 0,-1 0 1 0 0,-10 5-1 0 0,17-10-42 0 0,-1 0 0 0 0,0 0-1 0 0,1 1 1 0 0,-1-1 0 0 0,0 0 0 0 0,0 0-1 0 0,1 0 1 0 0,-1 0 0 0 0,0 0-1 0 0,0 0 1 0 0,0 0 0 0 0,1 0 0 0 0,-1 0-1 0 0,0 0 1 0 0,0 0 0 0 0,1 0 0 0 0,-1-1-1 0 0,0 1 1 0 0,1 0 0 0 0,-1-1 0 0 0,0 1-1 0 0,1 0 1 0 0,-1-1 0 0 0,0 1 0 0 0,1-1-1 0 0,-1 1 1 0 0,1-1 0 0 0,-1 1 0 0 0,1-1-1 0 0,-1 1 1 0 0,1-1 0 0 0,-1 0 0 0 0,1 1-1 0 0,-1-1 1 0 0,1 0 0 0 0,0 1 0 0 0,-1-1-1 0 0,1 0 1 0 0,0 1 0 0 0,0-1 0 0 0,0 0-1 0 0,0 0 1 0 0,-1 1 0 0 0,1-1 0 0 0,0-1-1 0 0,-3-40-330 0 0,3 38 289 0 0,2-14-74 0 0,0 0 1 0 0,1 0-1 0 0,0 1 1 0 0,1-1-1 0 0,2 1 1 0 0,-1 0-1 0 0,2 0 0 0 0,0 1 1 0 0,1-1-1 0 0,18-26 1 0 0,-24 41 107 0 0,-1-1 0 0 0,1 0 0 0 0,0 1 0 0 0,0 0 0 0 0,0-1 0 0 0,0 1 1 0 0,1 0-1 0 0,-1 0 0 0 0,0 0 0 0 0,1 0 0 0 0,0 1 0 0 0,-1-1 0 0 0,1 1 0 0 0,0-1 0 0 0,0 1 0 0 0,0 0 1 0 0,0 0-1 0 0,4-1 0 0 0,-3 2 8 0 0,-1 1 0 0 0,1-1 1 0 0,-1 0-1 0 0,1 1 0 0 0,-1 0 0 0 0,1-1 1 0 0,-1 1-1 0 0,0 1 0 0 0,1-1 0 0 0,-1 0 1 0 0,0 1-1 0 0,0 0 0 0 0,0 0 0 0 0,0 0 1 0 0,5 4-1 0 0,6 6 23 0 0,-1 1 1 0 0,17 20-1 0 0,-22-22-13 0 0,0-1 0 0 0,1-1 0 0 0,0 0-1 0 0,1 0 1 0 0,0-1 0 0 0,16 11 0 0 0,-24-18-10 0 0,1 0 1 0 0,-1 1-1 0 0,0-1 0 0 0,1 0 0 0 0,-1-1 0 0 0,1 1 1 0 0,-1 0-1 0 0,1-1 0 0 0,-1 1 0 0 0,1-1 0 0 0,-1 0 1 0 0,1 0-1 0 0,0 0 0 0 0,-1 0 0 0 0,1 0 0 0 0,-1-1 0 0 0,1 1 1 0 0,-1-1-1 0 0,1 0 0 0 0,2 0 0 0 0,-1-1-15 0 0,-1-1 0 0 0,0 1 0 0 0,0 0-1 0 0,0-1 1 0 0,0 1 0 0 0,0-1 0 0 0,0 0 0 0 0,0 0-1 0 0,-1 0 1 0 0,0 0 0 0 0,4-7 0 0 0,0-3-520 0 0,0 1 1 0 0,-1-1-1 0 0,-1 0 1 0 0,0 0-1 0 0,-1 0 0 0 0,3-21 1 0 0,-6 24-911 0 0,1 1-1 0 0,-2 0 1 0 0,-1-12 0 0 0,2 11-505 0 0</inkml:trace>
+</inkml:ink>
+</file>
+
+<file path=ppt/ink/ink39.xml><?xml version="1.0" encoding="utf-8"?>
+<inkml:ink xmlns:inkml="http://www.w3.org/2003/InkML">
+  <inkml:definitions>
+    <inkml:context xml:id="ctx0">
+      <inkml:inkSource xml:id="inkSrc0">
+        <inkml:traceFormat>
+          <inkml:channel name="X" type="integer" min="-2.14748E9" max="2.14748E9" units="cm"/>
+          <inkml:channel name="Y" type="integer" min="-2.14748E9" max="2.14748E9" units="cm"/>
+          <inkml:channel name="F" type="integer" max="32767" units="dev"/>
+          <inkml:channel name="OA" type="integer" max="360" units="deg"/>
+          <inkml:channel name="OE" type="integer" max="90" units="deg"/>
+        </inkml:traceFormat>
+        <inkml:channelProperties>
+          <inkml:channelProperty channel="X" name="resolution" value="1000" units="1/cm"/>
+          <inkml:channelProperty channel="Y" name="resolution" value="1000" units="1/cm"/>
+          <inkml:channelProperty channel="F" name="resolution" value="0" units="1/dev"/>
+          <inkml:channelProperty channel="OA" name="resolution" value="1000" units="1/deg"/>
+          <inkml:channelProperty channel="OE" name="resolution" value="1000" units="1/deg"/>
+        </inkml:channelProperties>
+      </inkml:inkSource>
+      <inkml:timestamp xml:id="ts0" timeString="2021-10-23T12:44:07.120"/>
+    </inkml:context>
+    <inkml:brush xml:id="br0">
+      <inkml:brushProperty name="width" value="0.05" units="cm"/>
+      <inkml:brushProperty name="height" value="0.05" units="cm"/>
+    </inkml:brush>
+  </inkml:definitions>
+  <inkml:trace contextRef="#ctx0" brushRef="#br0">13 263 1100 0 0,'-5'0'13355'0'0,"7"10"-14208"0"0,1 7 881 0 0,2 9 17 0 0,11 38-1 0 0,-13-57-40 0 0,-1 0 0 0 0,1 1 0 0 0,1-1-1 0 0,-1 0 1 0 0,1-1 0 0 0,1 1-1 0 0,-1-1 1 0 0,1 0 0 0 0,10 10 0 0 0,-13-14 0 0 0,1 1 0 0 0,-1-1 0 0 0,1 0 0 0 0,0-1 0 0 0,0 1 1 0 0,0 0-1 0 0,0-1 0 0 0,0 0 0 0 0,0 1 0 0 0,0-1 0 0 0,0 0 1 0 0,1-1-1 0 0,-1 1 0 0 0,0-1 0 0 0,1 1 0 0 0,-1-1 0 0 0,0 0 1 0 0,6-1-1 0 0,-3 0-12 0 0,-1 0 1 0 0,1-1 0 0 0,-1 1 0 0 0,0-2-1 0 0,0 1 1 0 0,1 0 0 0 0,-2-1 0 0 0,1 0-1 0 0,0 0 1 0 0,6-6 0 0 0,-1 0-33 0 0,0-1-1 0 0,0 0 1 0 0,-1-1 0 0 0,0 0-1 0 0,-1 0 1 0 0,0-1 0 0 0,-1 0 0 0 0,8-17-1 0 0,-1-6 177 0 0,-2-1 0 0 0,-1-1 0 0 0,-2 0 0 0 0,-2 0-1 0 0,-1-1 1 0 0,2-74 0 0 0,-8 112-56 0 0,-1 2-53 0 0,0 0 0 0 0,0 0 0 0 0,0 0 0 0 0,1 0 0 0 0,-1 0 0 0 0,0 0 0 0 0,1 0 0 0 0,0 0 0 0 0,-1 0 0 0 0,1 4 0 0 0,-1 2 5 0 0,-7 34 144 0 0,2 0 0 0 0,2 1 0 0 0,1 57 0 0 0,21 129 756 0 0,-4-118-261 0 0,-1 205-1 0 0,-14-291-482 0 0,-1 0-1 0 0,-1 0 0 0 0,-1 0 0 0 0,-1 0 0 0 0,-13 38 1 0 0,15-56-133 0 0,0-1 0 0 0,0 1 0 0 0,0-1 0 0 0,0 0 0 0 0,-1 0 1 0 0,0 0-1 0 0,-1 0 0 0 0,1-1 0 0 0,-1 0 0 0 0,0 0 0 0 0,0 0 1 0 0,-1 0-1 0 0,1-1 0 0 0,-1 0 0 0 0,0 0 0 0 0,0-1 0 0 0,0 1 0 0 0,-1-1 1 0 0,1 0-1 0 0,-1-1 0 0 0,0 0 0 0 0,0 0 0 0 0,0 0 0 0 0,-12 0 1 0 0,13-2-62 0 0,-1 0 0 0 0,1 0 0 0 0,0 0 0 0 0,-1-1 1 0 0,1 0-1 0 0,0-1 0 0 0,0 1 0 0 0,-1-1 1 0 0,1-1-1 0 0,1 1 0 0 0,-1-1 0 0 0,0 0 0 0 0,1 0 1 0 0,-1 0-1 0 0,1-1 0 0 0,0 0 0 0 0,0 0 1 0 0,0 0-1 0 0,1-1 0 0 0,0 0 0 0 0,-1 1 0 0 0,-5-12 1 0 0,0 0-220 0 0,0 0 0 0 0,2 0 1 0 0,0-1-1 0 0,1 0 0 0 0,1 0 1 0 0,-8-34-1 0 0,13 42-201 0 0,-1 0-1 0 0,1 0 1 0 0,1 1-1 0 0,0-1 1 0 0,0 0 0 0 0,1 0-1 0 0,0 0 1 0 0,1 0-1 0 0,-1 1 1 0 0,2-1 0 0 0,-1 1-1 0 0,1-1 1 0 0,1 1-1 0 0,-1 0 1 0 0,10-15-1 0 0,2 1-1508 0 0,1 1-1 0 0,1 0 0 0 0,1 1 1 0 0,22-18-1 0 0,-18 14-34 0 0</inkml:trace>
+</inkml:ink>
+</file>
+
 <file path=ppt/ink/ink4.xml><?xml version="1.0" encoding="utf-8"?>
 <inkml:ink xmlns:inkml="http://www.w3.org/2003/InkML">
   <inkml:definitions>
@@ -744,6 +1372,317 @@
     </inkml:brush>
   </inkml:definitions>
   <inkml:trace contextRef="#ctx0" brushRef="#br0">46 10 2056 0 0,'-2'-1'634'0'0,"1"0"0"0"0,0 0 0 0 0,0 0 0 0 0,0 0 0 0 0,-1 0 0 0 0,1 1 0 0 0,-1-1 0 0 0,1 0 0 0 0,0 1 0 0 0,-1 0 0 0 0,1-1 0 0 0,-1 1 0 0 0,-1-1-1 0 0,2 1-446 0 0,-1 0-1 0 0,1 0 0 0 0,0 0 1 0 0,0 0-1 0 0,0 1 0 0 0,0-1 0 0 0,0 0 1 0 0,0 1-1 0 0,0-1 0 0 0,0 0 0 0 0,0 1 1 0 0,0-1-1 0 0,0 1 0 0 0,0-1 0 0 0,0 1 1 0 0,-1 1-1 0 0,1-1-180 0 0,0 0 1 0 0,1 0-1 0 0,-1 0 0 0 0,1 0 1 0 0,-1 0-1 0 0,1 0 0 0 0,-1 0 0 0 0,1 0 1 0 0,0 0-1 0 0,0 1 0 0 0,-1-1 1 0 0,1 0-1 0 0,0 0 0 0 0,0 0 1 0 0,0 0-1 0 0,1 3 0 0 0,3 24-85 0 0,-2-13 86 0 0,30 161 122 0 0,-3-25-8 0 0,-15-36 8 0 0,30 179 269 0 0,-9-109-162 0 0,-32-170-221 0 0,-3-12-11 0 0,1 0 0 0 0,-1-1 0 0 0,1 1 0 0 0,-1-1 0 0 0,1 1 1 0 0,0 0-1 0 0,0-1 0 0 0,0 1 0 0 0,0-1 0 0 0,0 0 0 0 0,0 1 1 0 0,3 2-1 0 0,-3-4 135 0 0,23-23 472 0 0,108-62 268 0 0,117-63-1014 0 0,-243 144 124 0 0,16-9-44 0 0,1 2 0 0 0,1 0 1 0 0,43-11-1 0 0,3 6-977 0 0,-63 14 296 0 0,10-4-40 0 0</inkml:trace>
+</inkml:ink>
+</file>
+
+<file path=ppt/ink/ink40.xml><?xml version="1.0" encoding="utf-8"?>
+<inkml:ink xmlns:inkml="http://www.w3.org/2003/InkML">
+  <inkml:definitions>
+    <inkml:context xml:id="ctx0">
+      <inkml:inkSource xml:id="inkSrc0">
+        <inkml:traceFormat>
+          <inkml:channel name="X" type="integer" min="-2.14748E9" max="2.14748E9" units="cm"/>
+          <inkml:channel name="Y" type="integer" min="-2.14748E9" max="2.14748E9" units="cm"/>
+          <inkml:channel name="F" type="integer" max="32767" units="dev"/>
+          <inkml:channel name="OA" type="integer" max="360" units="deg"/>
+          <inkml:channel name="OE" type="integer" max="90" units="deg"/>
+        </inkml:traceFormat>
+        <inkml:channelProperties>
+          <inkml:channelProperty channel="X" name="resolution" value="1000" units="1/cm"/>
+          <inkml:channelProperty channel="Y" name="resolution" value="1000" units="1/cm"/>
+          <inkml:channelProperty channel="F" name="resolution" value="0" units="1/dev"/>
+          <inkml:channelProperty channel="OA" name="resolution" value="1000" units="1/deg"/>
+          <inkml:channelProperty channel="OE" name="resolution" value="1000" units="1/deg"/>
+        </inkml:channelProperties>
+      </inkml:inkSource>
+      <inkml:timestamp xml:id="ts0" timeString="2021-10-23T12:44:07.494"/>
+    </inkml:context>
+    <inkml:brush xml:id="br0">
+      <inkml:brushProperty name="width" value="0.05" units="cm"/>
+      <inkml:brushProperty name="height" value="0.05" units="cm"/>
+    </inkml:brush>
+  </inkml:definitions>
+  <inkml:trace contextRef="#ctx0" brushRef="#br0">149 289 908 0 0,'57'-40'7852'0'0,"29"-19"-1213"0"0,-71 51-6089 0 0,-12 7-619 0 0,0 0 0 0 0,-1-1 0 0 0,0 1 0 0 0,1 0 0 0 0,-1-1 0 0 0,0 1 0 0 0,0-1 1 0 0,0 0-1 0 0,0 0 0 0 0,0 0 0 0 0,2-2 0 0 0,-1 1-539 0 0</inkml:trace>
+  <inkml:trace contextRef="#ctx0" brushRef="#br0" timeOffset="1">12 120 1372 0 0,'-1'-1'647'0'0,"0"0"-1"0"0,0 0 1 0 0,0 0-1 0 0,0 0 0 0 0,0 0 1 0 0,1 1-1 0 0,-1-1 1 0 0,0-1-1 0 0,1 1 1 0 0,-1 0-1 0 0,0 0 1 0 0,1 0-1 0 0,0 0 1 0 0,-1 0-1 0 0,1 0 0 0 0,-1-3 1 0 0,1 3-398 0 0,0 0 0 0 0,1 0-1 0 0,-1 0 1 0 0,0 1 0 0 0,0-1 0 0 0,1 0 0 0 0,-1 0 0 0 0,0 0-1 0 0,1 0 1 0 0,-1 0 0 0 0,1 0 0 0 0,-1 1 0 0 0,1-1 0 0 0,-1 0-1 0 0,1 0 1 0 0,1-1 0 0 0,3-2-282 0 0,0 0-1 0 0,1 1 1 0 0,0-1-1 0 0,-1 1 1 0 0,9-3-1 0 0,3-2 851 0 0,-5 2-1153 0 0,0 0 0 0 0,0 1 0 0 0,1 1 0 0 0,0 0 0 0 0,14-2 0 0 0,36-5-4412 0 0,-19 4-1494 0 0,-30 5 4028 0 0</inkml:trace>
+</inkml:ink>
+</file>
+
+<file path=ppt/ink/ink41.xml><?xml version="1.0" encoding="utf-8"?>
+<inkml:ink xmlns:inkml="http://www.w3.org/2003/InkML">
+  <inkml:definitions>
+    <inkml:context xml:id="ctx0">
+      <inkml:inkSource xml:id="inkSrc0">
+        <inkml:traceFormat>
+          <inkml:channel name="X" type="integer" min="-2.14748E9" max="2.14748E9" units="cm"/>
+          <inkml:channel name="Y" type="integer" min="-2.14748E9" max="2.14748E9" units="cm"/>
+          <inkml:channel name="F" type="integer" max="32767" units="dev"/>
+          <inkml:channel name="OA" type="integer" max="360" units="deg"/>
+          <inkml:channel name="OE" type="integer" max="90" units="deg"/>
+        </inkml:traceFormat>
+        <inkml:channelProperties>
+          <inkml:channelProperty channel="X" name="resolution" value="1000" units="1/cm"/>
+          <inkml:channelProperty channel="Y" name="resolution" value="1000" units="1/cm"/>
+          <inkml:channelProperty channel="F" name="resolution" value="0" units="1/dev"/>
+          <inkml:channelProperty channel="OA" name="resolution" value="1000" units="1/deg"/>
+          <inkml:channelProperty channel="OE" name="resolution" value="1000" units="1/deg"/>
+        </inkml:channelProperties>
+      </inkml:inkSource>
+      <inkml:timestamp xml:id="ts0" timeString="2021-10-23T12:44:08.194"/>
+    </inkml:context>
+    <inkml:brush xml:id="br0">
+      <inkml:brushProperty name="width" value="0.05" units="cm"/>
+      <inkml:brushProperty name="height" value="0.05" units="cm"/>
+    </inkml:brush>
+  </inkml:definitions>
+  <inkml:trace contextRef="#ctx0" brushRef="#br0">1 84 584 0 0,'0'-10'3025'0'0,"1"-22"3389"0"0,-1 31-6280 0 0,0 0-1 0 0,0 0 1 0 0,0 0 0 0 0,0 0-1 0 0,1 0 1 0 0,-1-1 0 0 0,1 1-1 0 0,-1 0 1 0 0,0 0 0 0 0,1 0-1 0 0,0 0 1 0 0,-1 0 0 0 0,1 0-1 0 0,0 0 1 0 0,-1 1 0 0 0,1-1-1 0 0,0 0 1 0 0,0 0 0 0 0,0 0-1 0 0,2-1 1 0 0,5-1 9 0 0,0-1 1 0 0,1 1-1 0 0,-1 1 0 0 0,1 0 1 0 0,0 0-1 0 0,0 0 0 0 0,0 1 1 0 0,0 1-1 0 0,13 0 1 0 0,-19 0-119 0 0,0 0 0 0 0,1 1 0 0 0,-1-1 0 0 0,0 1 0 0 0,1 0 0 0 0,-1 0 1 0 0,0 0-1 0 0,0 1 0 0 0,0-1 0 0 0,0 1 0 0 0,0 0 0 0 0,0 0 0 0 0,-1 0 1 0 0,1 0-1 0 0,0 0 0 0 0,-1 0 0 0 0,0 1 0 0 0,1-1 0 0 0,-1 1 0 0 0,0 0 1 0 0,0 0-1 0 0,-1 0 0 0 0,1-1 0 0 0,-1 2 0 0 0,1-1 0 0 0,-1 0 0 0 0,0 0 1 0 0,1 6-1 0 0,6 32 225 0 0,5 60 1 0 0,4 29-220 0 0,-17-129-33 0 0,0 0-1 0 0,0 0 0 0 0,0 0 0 0 0,0 0 1 0 0,1-1-1 0 0,-1 1 0 0 0,0 0 0 0 0,0 0 0 0 0,1 0 1 0 0,-1-1-1 0 0,0 1 0 0 0,1 0 0 0 0,-1 0 1 0 0,0-1-1 0 0,1 1 0 0 0,-1 0 0 0 0,1-1 0 0 0,0 1 1 0 0,-1 0-1 0 0,1-1 0 0 0,-1 1 0 0 0,1-1 1 0 0,0 1-1 0 0,-1-1 0 0 0,1 1 0 0 0,0-1 0 0 0,0 1 1 0 0,0-1-1 0 0,-1 0 0 0 0,1 0 0 0 0,0 1 1 0 0,0-1-1 0 0,0 0 0 0 0,-1 0 0 0 0,1 0 0 0 0,0 0 1 0 0,0 0-1 0 0,2 0 0 0 0,1-1-6 0 0,0-1 0 0 0,0 0-1 0 0,0 0 1 0 0,0 0 0 0 0,-1 0 0 0 0,7-5-1 0 0,5-3 11 0 0,64-41-278 0 0,35-19 78 0 0,-71 36 375 0 0</inkml:trace>
+</inkml:ink>
+</file>
+
+<file path=ppt/ink/ink42.xml><?xml version="1.0" encoding="utf-8"?>
+<inkml:ink xmlns:inkml="http://www.w3.org/2003/InkML">
+  <inkml:definitions>
+    <inkml:context xml:id="ctx0">
+      <inkml:inkSource xml:id="inkSrc0">
+        <inkml:traceFormat>
+          <inkml:channel name="X" type="integer" min="-2.14748E9" max="2.14748E9" units="cm"/>
+          <inkml:channel name="Y" type="integer" min="-2.14748E9" max="2.14748E9" units="cm"/>
+          <inkml:channel name="F" type="integer" max="32767" units="dev"/>
+          <inkml:channel name="OA" type="integer" max="360" units="deg"/>
+          <inkml:channel name="OE" type="integer" max="90" units="deg"/>
+        </inkml:traceFormat>
+        <inkml:channelProperties>
+          <inkml:channelProperty channel="X" name="resolution" value="1000" units="1/cm"/>
+          <inkml:channelProperty channel="Y" name="resolution" value="1000" units="1/cm"/>
+          <inkml:channelProperty channel="F" name="resolution" value="0" units="1/dev"/>
+          <inkml:channelProperty channel="OA" name="resolution" value="1000" units="1/deg"/>
+          <inkml:channelProperty channel="OE" name="resolution" value="1000" units="1/deg"/>
+        </inkml:channelProperties>
+      </inkml:inkSource>
+      <inkml:timestamp xml:id="ts0" timeString="2021-10-23T12:44:08.611"/>
+    </inkml:context>
+    <inkml:brush xml:id="br0">
+      <inkml:brushProperty name="width" value="0.05" units="cm"/>
+      <inkml:brushProperty name="height" value="0.05" units="cm"/>
+    </inkml:brush>
+  </inkml:definitions>
+  <inkml:trace contextRef="#ctx0" brushRef="#br0">8 64 880 0 0,'0'0'173'0'0,"0"0"-1"0"0,0 0 1 0 0,-1 0-1 0 0,1 0 1 0 0,0 0-1 0 0,0 0 1 0 0,-1 0 0 0 0,1 0-1 0 0,0 0 1 0 0,0 0-1 0 0,-1 0 1 0 0,1 0-1 0 0,0 0 1 0 0,0 0-1 0 0,-1 0 1 0 0,1 0 0 0 0,-2-2 1725 0 0,2 2-1726 0 0,0 0 1 0 0,-1-1-1 0 0,1 1 1 0 0,0 0 0 0 0,0 0-1 0 0,0 0 1 0 0,0-1-1 0 0,0 1 1 0 0,0 0-1 0 0,0 0 1 0 0,0-1 0 0 0,0 1-1 0 0,0-1 1 0 0,6-11 3957 0 0,14-9-1835 0 0,-18 19-2489 0 0,0 0 1 0 0,1 0 0 0 0,0 1-1 0 0,-1-1 1 0 0,1 1 0 0 0,0 0-1 0 0,-1 0 1 0 0,1 0 0 0 0,5-1-1 0 0,30-4-6376 0 0,-22 5 3295 0 0,-4-1 1113 0 0</inkml:trace>
+</inkml:ink>
+</file>
+
+<file path=ppt/ink/ink43.xml><?xml version="1.0" encoding="utf-8"?>
+<inkml:ink xmlns:inkml="http://www.w3.org/2003/InkML">
+  <inkml:definitions>
+    <inkml:context xml:id="ctx0">
+      <inkml:inkSource xml:id="inkSrc0">
+        <inkml:traceFormat>
+          <inkml:channel name="X" type="integer" min="-2.14748E9" max="2.14748E9" units="cm"/>
+          <inkml:channel name="Y" type="integer" min="-2.14748E9" max="2.14748E9" units="cm"/>
+          <inkml:channel name="F" type="integer" max="32767" units="dev"/>
+          <inkml:channel name="OA" type="integer" max="360" units="deg"/>
+          <inkml:channel name="OE" type="integer" max="90" units="deg"/>
+        </inkml:traceFormat>
+        <inkml:channelProperties>
+          <inkml:channelProperty channel="X" name="resolution" value="1000" units="1/cm"/>
+          <inkml:channelProperty channel="Y" name="resolution" value="1000" units="1/cm"/>
+          <inkml:channelProperty channel="F" name="resolution" value="0" units="1/dev"/>
+          <inkml:channelProperty channel="OA" name="resolution" value="1000" units="1/deg"/>
+          <inkml:channelProperty channel="OE" name="resolution" value="1000" units="1/deg"/>
+        </inkml:channelProperties>
+      </inkml:inkSource>
+      <inkml:timestamp xml:id="ts0" timeString="2021-10-23T12:44:09.439"/>
+    </inkml:context>
+    <inkml:brush xml:id="br0">
+      <inkml:brushProperty name="width" value="0.05" units="cm"/>
+      <inkml:brushProperty name="height" value="0.05" units="cm"/>
+    </inkml:brush>
+  </inkml:definitions>
+  <inkml:trace contextRef="#ctx0" brushRef="#br0">14 210 1836 0 0,'-1'-1'570'0'0,"0"0"-1"0"0,0-1 1 0 0,-1 1-1 0 0,1 0 1 0 0,0-1-1 0 0,0 0 1 0 0,0 1-1 0 0,1-1 1 0 0,-1 0-1 0 0,0 1 1 0 0,1-1-1 0 0,-1 0 1 0 0,1 0-1 0 0,-1-1 1 0 0,1-1-74 0 0,-1 0 0 0 0,1 0 0 0 0,1 0 0 0 0,-1 0 0 0 0,0 0 1 0 0,2-5-1 0 0,2-5 111 0 0,0 1 0 0 0,11-23 1 0 0,-13 32-269 0 0,0-2-329 0 0,1 1 1 0 0,0-1-1 0 0,1 1 1 0 0,-1 0-1 0 0,1 0 1 0 0,0 1-1 0 0,0-1 1 0 0,0 1-1 0 0,1-1 0 0 0,-1 2 1 0 0,1-1-1 0 0,0 0 1 0 0,0 1-1 0 0,1 0 1 0 0,-1 0-1 0 0,1 0 1 0 0,-1 1-1 0 0,1 0 1 0 0,0 0-1 0 0,0 0 1 0 0,0 1-1 0 0,0 0 1 0 0,0 0-1 0 0,0 1 0 0 0,0-1 1 0 0,0 1-1 0 0,1 1 1 0 0,-1-1-1 0 0,0 1 1 0 0,0 0-1 0 0,0 0 1 0 0,10 4-1 0 0,-12-3-4 0 0,0 1 0 0 0,0-1 0 0 0,0 1 0 0 0,0-1 0 0 0,0 1 0 0 0,-1 0-1 0 0,1 1 1 0 0,-1-1 0 0 0,0 1 0 0 0,0-1 0 0 0,0 1 0 0 0,-1 0 0 0 0,1 0 0 0 0,-1 0 0 0 0,0 0 0 0 0,3 9-1 0 0,1 5 46 0 0,0 0-1 0 0,4 32 0 0 0,-9-48-46 0 0,0 5 11 0 0,-1 0 0 0 0,0 0 0 0 0,0 1 0 0 0,0-1 0 0 0,-1 0 0 0 0,0 0 0 0 0,-3 12 0 0 0,-18 48 141 0 0,17-55-120 0 0,-5 13 116 0 0,-25 40 1 0 0,21-41-5 0 0,17-24-109 0 0,-1 1-1 0 0,0-1 1 0 0,0 0 0 0 0,0 0-1 0 0,0 0 1 0 0,0-1 0 0 0,0 1-1 0 0,0 0 1 0 0,0-1-1 0 0,4-1 1 0 0,53-29 484 0 0,461-231 2256 0 0,-503 255-2693 0 0,141-67 553 0 0,-147 71-1133 0 0,-11 2 221 0 0,1 1 1 0 0,-1 0-1 0 0,0 0 0 0 0,1 0 1 0 0,-1 0-1 0 0,1 0 1 0 0,-1 0-1 0 0,0 0 0 0 0,1 1 1 0 0,-1-1-1 0 0,1 0 0 0 0,-1 0 1 0 0,0 0-1 0 0,1 0 0 0 0,-1 0 1 0 0,1 1-1 0 0,-1-1 1 0 0,0 0-1 0 0,1 0 0 0 0,-1 0 1 0 0,0 1-1 0 0,1 0-272 0 0,0 1-339 0 0,0-1 0 0 0,0 1 0 0 0,-1 0 1 0 0,1 0-1 0 0,-1 0 0 0 0,1-1 0 0 0,-1 1 1 0 0,0 0-1 0 0,0 0 0 0 0,0 0 0 0 0,0 3 1 0 0,0 2-1517 0 0</inkml:trace>
+</inkml:ink>
+</file>
+
+<file path=ppt/ink/ink44.xml><?xml version="1.0" encoding="utf-8"?>
+<inkml:ink xmlns:inkml="http://www.w3.org/2003/InkML">
+  <inkml:definitions>
+    <inkml:context xml:id="ctx0">
+      <inkml:inkSource xml:id="inkSrc0">
+        <inkml:traceFormat>
+          <inkml:channel name="X" type="integer" min="-2.14748E9" max="2.14748E9" units="cm"/>
+          <inkml:channel name="Y" type="integer" min="-2.14748E9" max="2.14748E9" units="cm"/>
+          <inkml:channel name="F" type="integer" max="32767" units="dev"/>
+          <inkml:channel name="OA" type="integer" max="360" units="deg"/>
+          <inkml:channel name="OE" type="integer" max="90" units="deg"/>
+        </inkml:traceFormat>
+        <inkml:channelProperties>
+          <inkml:channelProperty channel="X" name="resolution" value="1000" units="1/cm"/>
+          <inkml:channelProperty channel="Y" name="resolution" value="1000" units="1/cm"/>
+          <inkml:channelProperty channel="F" name="resolution" value="0" units="1/dev"/>
+          <inkml:channelProperty channel="OA" name="resolution" value="1000" units="1/deg"/>
+          <inkml:channelProperty channel="OE" name="resolution" value="1000" units="1/deg"/>
+        </inkml:channelProperties>
+      </inkml:inkSource>
+      <inkml:timestamp xml:id="ts0" timeString="2021-10-23T12:44:10.293"/>
+    </inkml:context>
+    <inkml:brush xml:id="br0">
+      <inkml:brushProperty name="width" value="0.05" units="cm"/>
+      <inkml:brushProperty name="height" value="0.05" units="cm"/>
+    </inkml:brush>
+  </inkml:definitions>
+  <inkml:trace contextRef="#ctx0" brushRef="#br0">1 246 1900 0 0,'4'-10'1494'0'0,"0"1"0"0"0,0-1 0 0 0,1 1 0 0 0,7-10 0 0 0,-8 14-1270 0 0,0 0 0 0 0,0 0 0 0 0,1 0 0 0 0,-1 1 0 0 0,1 0 0 0 0,0 0 0 0 0,0 0 0 0 0,1 1 0 0 0,-1 0 0 0 0,1 0-1 0 0,-1 0 1 0 0,1 1 0 0 0,7-3 0 0 0,-1 2-30 0 0,0 0-1 0 0,0 1 0 0 0,0 0 1 0 0,1 1-1 0 0,-1 0 1 0 0,0 1-1 0 0,24 3 1 0 0,-28-2-138 0 0,0 0 1 0 0,0 1-1 0 0,0-1 1 0 0,0 2 0 0 0,-1-1-1 0 0,1 1 1 0 0,0 1 0 0 0,-1-1-1 0 0,0 1 1 0 0,0 0-1 0 0,0 1 1 0 0,12 10 0 0 0,-16-11-33 0 0,0-1 0 0 0,0 1 1 0 0,0 0-1 0 0,-1 0 1 0 0,1 0-1 0 0,-1 0 0 0 0,0 0 1 0 0,0 0-1 0 0,0 1 0 0 0,-1-1 1 0 0,1 1-1 0 0,-1 0 1 0 0,0-1-1 0 0,0 7 0 0 0,-1-3 8 0 0,0-1-1 0 0,0 1 0 0 0,-1-1 1 0 0,0 1-1 0 0,0 0 0 0 0,-1-1 1 0 0,0 0-1 0 0,-4 9 1 0 0,-3 5 43 0 0,-2 0 0 0 0,0-1 0 0 0,-2 0 0 0 0,-25 32 0 0 0,17-23-2 0 0,20-27-62 0 0,2-2-10 0 0,11-16-54 0 0,22-33-95 0 0,-2-1 0 0 0,-2-1 0 0 0,-3-2 0 0 0,-1-1-1 0 0,30-97 1 0 0,-54 143 242 0 0,1 0 0 0 0,-1-1 0 0 0,-1 1 0 0 0,2-17 0 0 0,-3 25-36 0 0,-3 1-26 0 0,1 1-1 0 0,0 0 0 0 0,-1 0 0 0 0,1 0 0 0 0,0 0 0 0 0,0 0 0 0 0,0 1 0 0 0,0-1 0 0 0,1 1 0 0 0,-1-1 1 0 0,-2 6-1 0 0,-14 36 104 0 0,12-27-39 0 0,-6 14 185 0 0,2 0 0 0 0,1 1 0 0 0,-8 53 0 0 0,16-81-252 0 0,1-1-1 0 0,-1 0 0 0 0,1 1 1 0 0,0-1-1 0 0,0 1 1 0 0,1-1-1 0 0,-1 1 1 0 0,1-1-1 0 0,-1 0 0 0 0,1 1 1 0 0,0-1-1 0 0,2 5 1 0 0,-2-7-9 0 0,0 0 0 0 0,0 0 1 0 0,0 0-1 0 0,0 0 0 0 0,0 0 0 0 0,1 0 1 0 0,-1 0-1 0 0,0 0 0 0 0,0 0 1 0 0,1 0-1 0 0,-1-1 0 0 0,1 1 0 0 0,-1 0 1 0 0,0-1-1 0 0,1 1 0 0 0,-1-1 1 0 0,1 0-1 0 0,-1 1 0 0 0,1-1 0 0 0,-1 0 1 0 0,1 0-1 0 0,0 0 0 0 0,-1 0 1 0 0,1 0-1 0 0,-1-1 0 0 0,1 1 0 0 0,-1 0 1 0 0,1-1-1 0 0,1 0 0 0 0,16-4 64 0 0,0-1 0 0 0,-1 0-1 0 0,1-2 1 0 0,18-10 0 0 0,66-44-904 0 0,-19 10-1898 0 0,-80 50 2329 0 0,-1 0 0 0 0,1 1 0 0 0,0-1 0 0 0,0 1 0 0 0,0 0 0 0 0,0 0 0 0 0,0 1 0 0 0,5-1 0 0 0,-8 1 185 0 0,-1 0-1 0 0,1-1 1 0 0,0 1 0 0 0,0 0-1 0 0,0 1 1 0 0,0-1-1 0 0,0 0 1 0 0,-1 0-1 0 0,1 0 1 0 0,0 0-1 0 0,0 1 1 0 0,0-1-1 0 0,-1 0 1 0 0,1 1 0 0 0,0-1-1 0 0,0 1 1 0 0,-1-1-1 0 0,1 0 1 0 0,0 1-1 0 0,-1 0 1 0 0,1-1-1 0 0,0 1 1 0 0,-1-1-1 0 0,1 1 1 0 0,-1 0 0 0 0,1-1-1 0 0,-1 1 1 0 0,0 0-1 0 0,1 0 1 0 0,-1-1-1 0 0,0 1 1 0 0,1 0-1 0 0,-1 0 1 0 0,0 0 0 0 0,0 0-1 0 0,1-1 1 0 0,-1 1-1 0 0,0 0 1 0 0,0 0-1 0 0,0 0 1 0 0,0 0-1 0 0,0-1 1 0 0,-1 1-1 0 0,1 0 1 0 0,0 1 0 0 0,-3 8-1870 0 0</inkml:trace>
+</inkml:ink>
+</file>
+
+<file path=ppt/ink/ink45.xml><?xml version="1.0" encoding="utf-8"?>
+<inkml:ink xmlns:inkml="http://www.w3.org/2003/InkML">
+  <inkml:definitions>
+    <inkml:context xml:id="ctx0">
+      <inkml:inkSource xml:id="inkSrc0">
+        <inkml:traceFormat>
+          <inkml:channel name="X" type="integer" min="-2.14748E9" max="2.14748E9" units="cm"/>
+          <inkml:channel name="Y" type="integer" min="-2.14748E9" max="2.14748E9" units="cm"/>
+          <inkml:channel name="F" type="integer" max="32767" units="dev"/>
+          <inkml:channel name="OA" type="integer" max="360" units="deg"/>
+          <inkml:channel name="OE" type="integer" max="90" units="deg"/>
+        </inkml:traceFormat>
+        <inkml:channelProperties>
+          <inkml:channelProperty channel="X" name="resolution" value="1000" units="1/cm"/>
+          <inkml:channelProperty channel="Y" name="resolution" value="1000" units="1/cm"/>
+          <inkml:channelProperty channel="F" name="resolution" value="0" units="1/dev"/>
+          <inkml:channelProperty channel="OA" name="resolution" value="1000" units="1/deg"/>
+          <inkml:channelProperty channel="OE" name="resolution" value="1000" units="1/deg"/>
+        </inkml:channelProperties>
+      </inkml:inkSource>
+      <inkml:timestamp xml:id="ts0" timeString="2021-10-23T12:44:10.685"/>
+    </inkml:context>
+    <inkml:brush xml:id="br0">
+      <inkml:brushProperty name="width" value="0.05" units="cm"/>
+      <inkml:brushProperty name="height" value="0.05" units="cm"/>
+    </inkml:brush>
+  </inkml:definitions>
+  <inkml:trace contextRef="#ctx0" brushRef="#br0">199 968 784 0 0,'-58'7'5445'0'0,"-67"10"770"0"0,109-17-4505 0 0,16 0-1669 0 0,0-1 0 0 0,0 1 1 0 0,0 0-1 0 0,0 0 0 0 0,0-1 0 0 0,0 1 1 0 0,0 0-1 0 0,0 0 0 0 0,0-1 0 0 0,0 1 1 0 0,0 0-1 0 0,1 0 0 0 0,-1-1 1 0 0,0 1-1 0 0,0 0 0 0 0,0 0 0 0 0,0-1 1 0 0,0 1-1 0 0,0 0 0 0 0,1 0 0 0 0,-1 0 1 0 0,0-1-1 0 0,0 1 0 0 0,0 0 0 0 0,1 0 1 0 0,-1 0-1 0 0,0 0 0 0 0,0-1 0 0 0,0 1 1 0 0,1 0-1 0 0,-1 0 0 0 0,0 0 0 0 0,0 0 1 0 0,1 0-1 0 0,-1 0 0 0 0,0 0 0 0 0,0 0 1 0 0,1 0-1 0 0,-1 0 0 0 0,0-1 1 0 0,1 2-1 0 0,278-134 2760 0 0,-74 38-1929 0 0,688-332 218 0 0,-859 412-1095 0 0,262-139-130 0 0,-153 78 32 0 0,-3-9-691 0 0,-178 115-5703 0 0,-50 51 0 0 0,44-39 2602 0 0,12-11 1479 0 0</inkml:trace>
+</inkml:ink>
+</file>
+
+<file path=ppt/ink/ink46.xml><?xml version="1.0" encoding="utf-8"?>
+<inkml:ink xmlns:inkml="http://www.w3.org/2003/InkML">
+  <inkml:definitions>
+    <inkml:context xml:id="ctx0">
+      <inkml:inkSource xml:id="inkSrc0">
+        <inkml:traceFormat>
+          <inkml:channel name="X" type="integer" min="-2.14748E9" max="2.14748E9" units="cm"/>
+          <inkml:channel name="Y" type="integer" min="-2.14748E9" max="2.14748E9" units="cm"/>
+          <inkml:channel name="F" type="integer" max="32767" units="dev"/>
+          <inkml:channel name="OA" type="integer" max="360" units="deg"/>
+          <inkml:channel name="OE" type="integer" max="90" units="deg"/>
+        </inkml:traceFormat>
+        <inkml:channelProperties>
+          <inkml:channelProperty channel="X" name="resolution" value="1000" units="1/cm"/>
+          <inkml:channelProperty channel="Y" name="resolution" value="1000" units="1/cm"/>
+          <inkml:channelProperty channel="F" name="resolution" value="0" units="1/dev"/>
+          <inkml:channelProperty channel="OA" name="resolution" value="1000" units="1/deg"/>
+          <inkml:channelProperty channel="OE" name="resolution" value="1000" units="1/deg"/>
+        </inkml:channelProperties>
+      </inkml:inkSource>
+      <inkml:timestamp xml:id="ts0" timeString="2021-10-23T12:44:11.306"/>
+    </inkml:context>
+    <inkml:brush xml:id="br0">
+      <inkml:brushProperty name="width" value="0.05" units="cm"/>
+      <inkml:brushProperty name="height" value="0.05" units="cm"/>
+    </inkml:brush>
+  </inkml:definitions>
+  <inkml:trace contextRef="#ctx0" brushRef="#br0">138 243 200 0 0,'0'13'6357'0'0,"-1"-10"-5949"0"0,1-1-1 0 0,0 0 1 0 0,-1 1 0 0 0,1-1 0 0 0,-1 0-1 0 0,0 1 1 0 0,1-1 0 0 0,-1 0 0 0 0,-2 2-1 0 0,3-3-335 0 0,-1-1 0 0 0,1 1-1 0 0,-1-1 1 0 0,1 0-1 0 0,-1 1 1 0 0,1-1 0 0 0,-1 0-1 0 0,0 1 1 0 0,1-1 0 0 0,-1 0-1 0 0,0 0 1 0 0,1 1-1 0 0,-1-1 1 0 0,0 0 0 0 0,1 0-1 0 0,-1 0 1 0 0,0 0 0 0 0,1 0-1 0 0,-1 0 1 0 0,0 0-1 0 0,1 0 1 0 0,-1 0 0 0 0,1 0-1 0 0,-1-1 1 0 0,0 1 0 0 0,1 0-1 0 0,-1 0 1 0 0,0-1-1 0 0,1 1 1 0 0,-2-1 0 0 0,1 1-22 0 0,-1-1 1 0 0,1 0 0 0 0,0 1 0 0 0,-1-1-1 0 0,1 0 1 0 0,0 0 0 0 0,-1 0-1 0 0,1 0 1 0 0,0 0 0 0 0,0 0-1 0 0,0-1 1 0 0,-2-1 0 0 0,0-5-5 0 0,1 1 1 0 0,0-1 0 0 0,0 0-1 0 0,1 0 1 0 0,0 0-1 0 0,1 0 1 0 0,-1 0-1 0 0,1 0 1 0 0,1 0-1 0 0,0 0 1 0 0,0 0 0 0 0,0 0-1 0 0,1 1 1 0 0,0-1-1 0 0,1 0 1 0 0,0 1-1 0 0,0 0 1 0 0,0-1 0 0 0,1 1-1 0 0,0 0 1 0 0,0 1-1 0 0,9-10 1 0 0,-8 9 13 0 0,0 0-1 0 0,1 0 1 0 0,0 1 0 0 0,0 0 0 0 0,1 0 0 0 0,0 1 0 0 0,0 0-1 0 0,0 0 1 0 0,1 0 0 0 0,0 1 0 0 0,-1 0 0 0 0,1 1 0 0 0,1 0 0 0 0,-1 0-1 0 0,0 1 1 0 0,1 0 0 0 0,-1 0 0 0 0,1 1 0 0 0,0 0 0 0 0,13 0-1 0 0,-18 2-27 0 0,0-1 0 0 0,0 1-1 0 0,0-1 1 0 0,0 1-1 0 0,0 0 1 0 0,0 1-1 0 0,-1-1 1 0 0,1 1 0 0 0,0 0-1 0 0,-1 0 1 0 0,1 0-1 0 0,-1 0 1 0 0,0 0 0 0 0,0 1-1 0 0,0 0 1 0 0,0-1-1 0 0,4 5 1 0 0,-4-1-4 0 0,0-1-1 0 0,1 0 1 0 0,-2 1 0 0 0,1 0 0 0 0,-1-1-1 0 0,0 1 1 0 0,0 0 0 0 0,0 0 0 0 0,-1 0-1 0 0,1 8 1 0 0,-1 7-2 0 0,0 0 1 0 0,-2-1-1 0 0,-1 1 0 0 0,0 0 1 0 0,-8 32-1 0 0,1-22-26 0 0,0 0 0 0 0,-2-1 0 0 0,-2 0 0 0 0,-1 0 0 0 0,-20 32 0 0 0,9-24 42 0 0,-1 0 0 0 0,-2-2 0 0 0,-35 36 1 0 0,11-24 78 0 0,46-43-115 0 0,0 0 0 0 0,0-1-1 0 0,-1 0 1 0 0,1 0-1 0 0,-1-1 1 0 0,0 0 0 0 0,-8 3-1 0 0,14-5-17 0 0,0-1 0 0 0,0 0-1 0 0,0 1 1 0 0,0-1 0 0 0,0 0-1 0 0,0 0 1 0 0,1 0 0 0 0,-1 0 0 0 0,0 0-1 0 0,0 0 1 0 0,0 0 0 0 0,0 0-1 0 0,0 0 1 0 0,0-1 0 0 0,1 1 0 0 0,-1 0-1 0 0,0-1 1 0 0,0 1 0 0 0,0 0-1 0 0,1-1 1 0 0,-1 1 0 0 0,0-1-1 0 0,0 1 1 0 0,1-1 0 0 0,-1 1 0 0 0,-1-2-1 0 0,1 0-19 0 0,0 1-1 0 0,1-1 1 0 0,-1 0-1 0 0,0 1 1 0 0,1-1-1 0 0,-1 0 1 0 0,1 0-1 0 0,-1 0 1 0 0,1 1-1 0 0,0-1 1 0 0,0 0-1 0 0,0-2 1 0 0,1-5-104 0 0,-1 0-1 0 0,2 1 1 0 0,-1 0 0 0 0,6-15 0 0 0,-1 5-5 0 0,1 0 1 0 0,1 1-1 0 0,0 0 1 0 0,1 0-1 0 0,1 1 1 0 0,1 0-1 0 0,23-26 0 0 0,-27 35 175 0 0,0 0 0 0 0,0 1 0 0 0,1 0-1 0 0,0 0 1 0 0,0 1 0 0 0,0 0 0 0 0,1 0-1 0 0,0 1 1 0 0,0 0 0 0 0,0 0 0 0 0,0 1-1 0 0,1 0 1 0 0,-1 1 0 0 0,1 0 0 0 0,0 1-1 0 0,18-1 1 0 0,1 4 251 0 0,46 7 0 0 0,-46-4-58 0 0,45 1 0 0 0,-70-6-196 0 0,0 0 1 0 0,1-1-1 0 0,-1 1 0 0 0,0-1 0 0 0,0 0 1 0 0,0 0-1 0 0,0-1 0 0 0,-1 1 0 0 0,1-1 1 0 0,0 0-1 0 0,0 0 0 0 0,-1 0 0 0 0,1 0 1 0 0,2-3-1 0 0,0-1-74 0 0,0 1 1 0 0,-1-1-1 0 0,0 0 0 0 0,0 0 0 0 0,-1 0 1 0 0,0 0-1 0 0,4-8 0 0 0,2-9-869 0 0,-1 0 1 0 0,0 0-1 0 0,8-40 0 0 0,-14 45-1295 0 0,-1-1 0 0 0,0 0 0 0 0,-1-26 0 0 0,-1 30 85 0 0</inkml:trace>
+</inkml:ink>
+</file>
+
+<file path=ppt/ink/ink47.xml><?xml version="1.0" encoding="utf-8"?>
+<inkml:ink xmlns:inkml="http://www.w3.org/2003/InkML">
+  <inkml:definitions>
+    <inkml:context xml:id="ctx0">
+      <inkml:inkSource xml:id="inkSrc0">
+        <inkml:traceFormat>
+          <inkml:channel name="X" type="integer" min="-2.14748E9" max="2.14748E9" units="cm"/>
+          <inkml:channel name="Y" type="integer" min="-2.14748E9" max="2.14748E9" units="cm"/>
+          <inkml:channel name="F" type="integer" max="32767" units="dev"/>
+          <inkml:channel name="OA" type="integer" max="360" units="deg"/>
+          <inkml:channel name="OE" type="integer" max="90" units="deg"/>
+        </inkml:traceFormat>
+        <inkml:channelProperties>
+          <inkml:channelProperty channel="X" name="resolution" value="1000" units="1/cm"/>
+          <inkml:channelProperty channel="Y" name="resolution" value="1000" units="1/cm"/>
+          <inkml:channelProperty channel="F" name="resolution" value="0" units="1/dev"/>
+          <inkml:channelProperty channel="OA" name="resolution" value="1000" units="1/deg"/>
+          <inkml:channelProperty channel="OE" name="resolution" value="1000" units="1/deg"/>
+        </inkml:channelProperties>
+      </inkml:inkSource>
+      <inkml:timestamp xml:id="ts0" timeString="2021-10-23T12:44:11.688"/>
+    </inkml:context>
+    <inkml:brush xml:id="br0">
+      <inkml:brushProperty name="width" value="0.05" units="cm"/>
+      <inkml:brushProperty name="height" value="0.05" units="cm"/>
+    </inkml:brush>
+  </inkml:definitions>
+  <inkml:trace contextRef="#ctx0" brushRef="#br0">869 5 92 0 0,'-4'-4'13229'0'0,"3"4"-12970"0"0,-9 7 3304 0 0,-8 13-3028 0 0,-203 317 3028 0 0,-59 77-2851 0 0,254-378-987 0 0,-93 124-717 0 0,92-128-1562 0 0,-1 0-1 0 0,-55 45 1 0 0,81-75 1955 0 0,0 0 1 0 0,0 0-1 0 0,-1 0 1 0 0,1-1 0 0 0,0 1-1 0 0,-1-1 1 0 0,1 0 0 0 0,-1 0-1 0 0,1 0 1 0 0,-1 0 0 0 0,0 0-1 0 0,1 0 1 0 0,-1-1 0 0 0,0 1-1 0 0,-5-1 1 0 0,2-4-1951 0 0</inkml:trace>
+</inkml:ink>
+</file>
+
+<file path=ppt/ink/ink48.xml><?xml version="1.0" encoding="utf-8"?>
+<inkml:ink xmlns:inkml="http://www.w3.org/2003/InkML">
+  <inkml:definitions>
+    <inkml:context xml:id="ctx0">
+      <inkml:inkSource xml:id="inkSrc0">
+        <inkml:traceFormat>
+          <inkml:channel name="X" type="integer" min="-2.14748E9" max="2.14748E9" units="cm"/>
+          <inkml:channel name="Y" type="integer" min="-2.14748E9" max="2.14748E9" units="cm"/>
+          <inkml:channel name="F" type="integer" max="32767" units="dev"/>
+          <inkml:channel name="OA" type="integer" max="360" units="deg"/>
+          <inkml:channel name="OE" type="integer" max="90" units="deg"/>
+        </inkml:traceFormat>
+        <inkml:channelProperties>
+          <inkml:channelProperty channel="X" name="resolution" value="1000" units="1/cm"/>
+          <inkml:channelProperty channel="Y" name="resolution" value="1000" units="1/cm"/>
+          <inkml:channelProperty channel="F" name="resolution" value="0" units="1/dev"/>
+          <inkml:channelProperty channel="OA" name="resolution" value="1000" units="1/deg"/>
+          <inkml:channelProperty channel="OE" name="resolution" value="1000" units="1/deg"/>
+        </inkml:channelProperties>
+      </inkml:inkSource>
+      <inkml:timestamp xml:id="ts0" timeString="2021-10-23T12:44:12.072"/>
+    </inkml:context>
+    <inkml:brush xml:id="br0">
+      <inkml:brushProperty name="width" value="0.05" units="cm"/>
+      <inkml:brushProperty name="height" value="0.05" units="cm"/>
+    </inkml:brush>
+  </inkml:definitions>
+  <inkml:trace contextRef="#ctx0" brushRef="#br0">415 72 252 0 0,'-1'-8'1548'0'0,"-1"0"0"0"0,0 0 0 0 0,-1 1 0 0 0,0-1 0 0 0,0 1 0 0 0,-7-12 0 0 0,10 18-1499 0 0,-1 1 0 0 0,1-1 0 0 0,0 1 0 0 0,0 0 0 0 0,-1-1-1 0 0,1 1 1 0 0,0 0 0 0 0,-1-1 0 0 0,1 1 0 0 0,0 0 0 0 0,-1-1 0 0 0,1 1 0 0 0,0 0 0 0 0,-1 0 0 0 0,1-1 0 0 0,-1 1 0 0 0,1 0 0 0 0,0 0 0 0 0,-1 0 0 0 0,1 0 0 0 0,-1 0 0 0 0,1-1 0 0 0,-1 1 0 0 0,1 0 0 0 0,0 0 0 0 0,-1 0 0 0 0,1 0 0 0 0,-1 0 0 0 0,1 0 0 0 0,-1 0 0 0 0,0 1 0 0 0,-11 10 847 0 0,-4 20-10 0 0,-94 282 1793 0 0,-39 252-877 0 0,96-277-4458 0 0,23 1-6744 0 0,27-244 6906 0 0,-2 0-38 0 0</inkml:trace>
+</inkml:ink>
+</file>
+
+<file path=ppt/ink/ink49.xml><?xml version="1.0" encoding="utf-8"?>
+<inkml:ink xmlns:inkml="http://www.w3.org/2003/InkML">
+  <inkml:definitions>
+    <inkml:context xml:id="ctx0">
+      <inkml:inkSource xml:id="inkSrc0">
+        <inkml:traceFormat>
+          <inkml:channel name="X" type="integer" min="-2.14748E9" max="2.14748E9" units="cm"/>
+          <inkml:channel name="Y" type="integer" min="-2.14748E9" max="2.14748E9" units="cm"/>
+          <inkml:channel name="F" type="integer" max="32767" units="dev"/>
+          <inkml:channel name="OA" type="integer" max="360" units="deg"/>
+          <inkml:channel name="OE" type="integer" max="90" units="deg"/>
+        </inkml:traceFormat>
+        <inkml:channelProperties>
+          <inkml:channelProperty channel="X" name="resolution" value="1000" units="1/cm"/>
+          <inkml:channelProperty channel="Y" name="resolution" value="1000" units="1/cm"/>
+          <inkml:channelProperty channel="F" name="resolution" value="0" units="1/dev"/>
+          <inkml:channelProperty channel="OA" name="resolution" value="1000" units="1/deg"/>
+          <inkml:channelProperty channel="OE" name="resolution" value="1000" units="1/deg"/>
+        </inkml:channelProperties>
+      </inkml:inkSource>
+      <inkml:timestamp xml:id="ts0" timeString="2021-10-23T12:44:12.505"/>
+    </inkml:context>
+    <inkml:brush xml:id="br0">
+      <inkml:brushProperty name="width" value="0.05" units="cm"/>
+      <inkml:brushProperty name="height" value="0.05" units="cm"/>
+    </inkml:brush>
+  </inkml:definitions>
+  <inkml:trace contextRef="#ctx0" brushRef="#br0">0 239 1716 0 0,'0'0'1573'0'0,"5"-7"3062"0"0,6-8-2637 0 0,-4 7-1218 0 0,1 2 1 0 0,0-1-1 0 0,0 1 1 0 0,17-10-1 0 0,6-5 273 0 0,76-50 194 0 0,-37 26-3091 0 0,-48 33 49 0 0,9-8-6329 0 0,-27 16 5879 0 0</inkml:trace>
 </inkml:ink>
 </file>
 
@@ -778,6 +1717,318 @@
 </inkml:ink>
 </file>
 
+<file path=ppt/ink/ink50.xml><?xml version="1.0" encoding="utf-8"?>
+<inkml:ink xmlns:inkml="http://www.w3.org/2003/InkML">
+  <inkml:definitions>
+    <inkml:context xml:id="ctx0">
+      <inkml:inkSource xml:id="inkSrc0">
+        <inkml:traceFormat>
+          <inkml:channel name="X" type="integer" min="-2.14748E9" max="2.14748E9" units="cm"/>
+          <inkml:channel name="Y" type="integer" min="-2.14748E9" max="2.14748E9" units="cm"/>
+          <inkml:channel name="F" type="integer" max="32767" units="dev"/>
+          <inkml:channel name="OA" type="integer" max="360" units="deg"/>
+          <inkml:channel name="OE" type="integer" max="90" units="deg"/>
+        </inkml:traceFormat>
+        <inkml:channelProperties>
+          <inkml:channelProperty channel="X" name="resolution" value="1000" units="1/cm"/>
+          <inkml:channelProperty channel="Y" name="resolution" value="1000" units="1/cm"/>
+          <inkml:channelProperty channel="F" name="resolution" value="0" units="1/dev"/>
+          <inkml:channelProperty channel="OA" name="resolution" value="1000" units="1/deg"/>
+          <inkml:channelProperty channel="OE" name="resolution" value="1000" units="1/deg"/>
+        </inkml:channelProperties>
+      </inkml:inkSource>
+      <inkml:timestamp xml:id="ts0" timeString="2021-10-23T12:44:12.891"/>
+    </inkml:context>
+    <inkml:brush xml:id="br0">
+      <inkml:brushProperty name="width" value="0.05" units="cm"/>
+      <inkml:brushProperty name="height" value="0.05" units="cm"/>
+    </inkml:brush>
+  </inkml:definitions>
+  <inkml:trace contextRef="#ctx0" brushRef="#br0">38 191 972 0 0,'-2'0'459'0'0,"0"0"0"0"0,0-1 0 0 0,0 1-1 0 0,0 0 1 0 0,0 0 0 0 0,1-1 0 0 0,-1 1 0 0 0,0-1 0 0 0,0 0 0 0 0,0 1-1 0 0,1-1 1 0 0,-1 0 0 0 0,0 0 0 0 0,1 0 0 0 0,-1 0 0 0 0,1-1 0 0 0,-3-1-1 0 0,3 2-354 0 0,1 0 0 0 0,0 1 0 0 0,-1-1-1 0 0,1 0 1 0 0,0 0 0 0 0,-1 0 0 0 0,1 0-1 0 0,0 0 1 0 0,0 1 0 0 0,0-1 0 0 0,0 0-1 0 0,0 0 1 0 0,0 0 0 0 0,0 0 0 0 0,0 0-1 0 0,0 0 1 0 0,0 0 0 0 0,0 0 0 0 0,1 1 0 0 0,-1-1-1 0 0,0 0 1 0 0,1 0 0 0 0,-1 0 0 0 0,0 0-1 0 0,1 1 1 0 0,-1-1 0 0 0,1 0 0 0 0,-1 1-1 0 0,1-1 1 0 0,0 0 0 0 0,-1 1 0 0 0,1-1-1 0 0,0 0 1 0 0,-1 1 0 0 0,1-1 0 0 0,0 1-1 0 0,0-1 1 0 0,1 0 0 0 0,38-26-27 0 0,2 2 0 0 0,0 1-1 0 0,84-32 1 0 0,-118 53-494 0 0,-1 0 0 0 0,1 1-1 0 0,0 0 1 0 0,9 0 0 0 0,-14 1-44 0 0,0 1-1 0 0,-1 0 1 0 0,1-1 0 0 0,0 1-1 0 0,-1 1 1 0 0,1-1 0 0 0,-1 0-1 0 0,1 1 1 0 0,-1-1 0 0 0,1 1-1 0 0,0 0 1 0 0,-1 0 0 0 0,0 0-1 0 0,1 0 1 0 0,-1 0 0 0 0,3 2-1 0 0,-1 2-1518 0 0</inkml:trace>
+</inkml:ink>
+</file>
+
+<file path=ppt/ink/ink51.xml><?xml version="1.0" encoding="utf-8"?>
+<inkml:ink xmlns:inkml="http://www.w3.org/2003/InkML">
+  <inkml:definitions>
+    <inkml:context xml:id="ctx0">
+      <inkml:inkSource xml:id="inkSrc0">
+        <inkml:traceFormat>
+          <inkml:channel name="X" type="integer" min="-2.14748E9" max="2.14748E9" units="cm"/>
+          <inkml:channel name="Y" type="integer" min="-2.14748E9" max="2.14748E9" units="cm"/>
+          <inkml:channel name="F" type="integer" max="32767" units="dev"/>
+          <inkml:channel name="OA" type="integer" max="360" units="deg"/>
+          <inkml:channel name="OE" type="integer" max="90" units="deg"/>
+        </inkml:traceFormat>
+        <inkml:channelProperties>
+          <inkml:channelProperty channel="X" name="resolution" value="1000" units="1/cm"/>
+          <inkml:channelProperty channel="Y" name="resolution" value="1000" units="1/cm"/>
+          <inkml:channelProperty channel="F" name="resolution" value="0" units="1/dev"/>
+          <inkml:channelProperty channel="OA" name="resolution" value="1000" units="1/deg"/>
+          <inkml:channelProperty channel="OE" name="resolution" value="1000" units="1/deg"/>
+        </inkml:channelProperties>
+      </inkml:inkSource>
+      <inkml:timestamp xml:id="ts0" timeString="2021-10-23T12:44:13.342"/>
+    </inkml:context>
+    <inkml:brush xml:id="br0">
+      <inkml:brushProperty name="width" value="0.05" units="cm"/>
+      <inkml:brushProperty name="height" value="0.05" units="cm"/>
+    </inkml:brush>
+  </inkml:definitions>
+  <inkml:trace contextRef="#ctx0" brushRef="#br0">215 240 792 0 0,'-194'-27'15670'0'0,"194"27"-15610"0"0,-1 0 0 0 0,0 0 0 0 0,1 0 0 0 0,-1-1 0 0 0,0 1-1 0 0,1 0 1 0 0,-1 0 0 0 0,0 0 0 0 0,0 0 0 0 0,1 0 0 0 0,-1 0 0 0 0,0 1 0 0 0,1-1 0 0 0,-1 0 0 0 0,0 0 0 0 0,1 0 0 0 0,-1 1 0 0 0,0-1 0 0 0,1 0 0 0 0,-1 1 0 0 0,0-1 0 0 0,1 0 0 0 0,-1 1 0 0 0,1-1 0 0 0,-1 1 0 0 0,1-1 0 0 0,-1 1 0 0 0,0 0 0 0 0,1 0 0 0 0,-1 1 0 0 0,1-1 0 0 0,0 0 0 0 0,-1 1-1 0 0,1-1 1 0 0,0 0 0 0 0,0 1 0 0 0,0-1 0 0 0,0 0-1 0 0,0 1 1 0 0,0-1 0 0 0,1 1 0 0 0,0 1-1 0 0,2 7 118 0 0,0 0 0 0 0,1 0 0 0 0,6 10 0 0 0,-8-17-43 0 0,5 12-18 0 0,1 0-1 0 0,0-1 1 0 0,1 0-1 0 0,1-1 0 0 0,0 0 1 0 0,1 0-1 0 0,18 16 0 0 0,-25-26-160 0 0,0 1-1 0 0,0-1 1 0 0,1 0-1 0 0,-1-1 1 0 0,1 1-1 0 0,-1-1 1 0 0,1 0-1 0 0,0 0 0 0 0,0 0 1 0 0,0-1-1 0 0,0 1 1 0 0,1-1-1 0 0,-1-1 1 0 0,0 1-1 0 0,0-1 1 0 0,0 0-1 0 0,1 0 0 0 0,-1 0 1 0 0,0-1-1 0 0,0 1 1 0 0,1-2-1 0 0,-1 1 1 0 0,0 0-1 0 0,0-1 0 0 0,0 0 1 0 0,-1 0-1 0 0,6-3 1 0 0,2-2-117 0 0,0-1 0 0 0,-1-1 1 0 0,0 1-1 0 0,-1-2 0 0 0,0 0 1 0 0,0 0-1 0 0,-1 0 0 0 0,0-1 0 0 0,-1-1 1 0 0,0 1-1 0 0,-1-1 0 0 0,0-1 1 0 0,5-13-1 0 0,-2 0 156 0 0,0-1 1 0 0,-2 1-1 0 0,-1-2 0 0 0,-1 1 1 0 0,3-43-1 0 0,-8 62 182 0 0,-1 0 0 0 0,0 0-1 0 0,0 0 1 0 0,-1 0 0 0 0,0 0 0 0 0,-3-10-1 0 0,2 11 228 0 0,1 11-10 0 0,-1 6-337 0 0,-3 11 32 0 0,1 0 0 0 0,1 1-1 0 0,1-1 1 0 0,0 24-1 0 0,1-12 60 0 0,22 564 2149 0 0,-9-435-2048 0 0,-6-90-170 0 0,2 67 20 0 0,-7-113-59 0 0,-2 1 1 0 0,-2-1-1 0 0,-6 33 1 0 0,8-53-32 0 0,-1 0 0 0 0,0 0 1 0 0,0 0-1 0 0,-1 0 0 0 0,0-1 0 0 0,0 1 1 0 0,0-1-1 0 0,0 1 0 0 0,-1-1 0 0 0,0 0 1 0 0,0-1-1 0 0,0 1 0 0 0,-1-1 0 0 0,1 0 1 0 0,-1 0-1 0 0,0 0 0 0 0,0 0 0 0 0,-1-1 1 0 0,1 0-1 0 0,-1 0 0 0 0,1-1 0 0 0,-1 1 1 0 0,0-1-1 0 0,0-1 0 0 0,0 1 0 0 0,0-1 1 0 0,0 0-1 0 0,-1 0 0 0 0,1-1 0 0 0,0 1 1 0 0,0-1-1 0 0,-1-1 0 0 0,1 1 1 0 0,0-1-1 0 0,0-1 0 0 0,0 1 0 0 0,0-1 1 0 0,-8-3-1 0 0,2 1-60 0 0,1-1 0 0 0,0 0-1 0 0,1-1 1 0 0,-1 0 0 0 0,1-1 0 0 0,0 0 0 0 0,1 0 0 0 0,0-1 0 0 0,0 0-1 0 0,1-1 1 0 0,-14-17 0 0 0,16 17-84 0 0,1 0 0 0 0,-1-1 0 0 0,2 0 0 0 0,-1 1 0 0 0,2-2-1 0 0,-1 1 1 0 0,1 0 0 0 0,1-1 0 0 0,0 1 0 0 0,0-1 0 0 0,1 0-1 0 0,0 1 1 0 0,2-18 0 0 0,0 10-287 0 0,1 0-1 0 0,1-1 0 0 0,1 1 0 0 0,0 1 1 0 0,1-1-1 0 0,1 0 0 0 0,11-21 1 0 0,-8 23-442 0 0,0 0 0 0 0,1 1 1 0 0,1 0-1 0 0,0 0 0 0 0,1 1 1 0 0,0 1-1 0 0,20-17 0 0 0,60-42-5483 0 0,-55 48 4022 0 0</inkml:trace>
+</inkml:ink>
+</file>
+
+<file path=ppt/ink/ink52.xml><?xml version="1.0" encoding="utf-8"?>
+<inkml:ink xmlns:inkml="http://www.w3.org/2003/InkML">
+  <inkml:definitions>
+    <inkml:context xml:id="ctx0">
+      <inkml:inkSource xml:id="inkSrc0">
+        <inkml:traceFormat>
+          <inkml:channel name="X" type="integer" min="-2.14748E9" max="2.14748E9" units="cm"/>
+          <inkml:channel name="Y" type="integer" min="-2.14748E9" max="2.14748E9" units="cm"/>
+          <inkml:channel name="F" type="integer" max="32767" units="dev"/>
+          <inkml:channel name="OA" type="integer" max="360" units="deg"/>
+          <inkml:channel name="OE" type="integer" max="90" units="deg"/>
+        </inkml:traceFormat>
+        <inkml:channelProperties>
+          <inkml:channelProperty channel="X" name="resolution" value="1000" units="1/cm"/>
+          <inkml:channelProperty channel="Y" name="resolution" value="1000" units="1/cm"/>
+          <inkml:channelProperty channel="F" name="resolution" value="0" units="1/dev"/>
+          <inkml:channelProperty channel="OA" name="resolution" value="1000" units="1/deg"/>
+          <inkml:channelProperty channel="OE" name="resolution" value="1000" units="1/deg"/>
+        </inkml:channelProperties>
+      </inkml:inkSource>
+      <inkml:timestamp xml:id="ts0" timeString="2021-10-23T12:44:13.669"/>
+    </inkml:context>
+    <inkml:brush xml:id="br0">
+      <inkml:brushProperty name="width" value="0.05" units="cm"/>
+      <inkml:brushProperty name="height" value="0.05" units="cm"/>
+    </inkml:brush>
+  </inkml:definitions>
+  <inkml:trace contextRef="#ctx0" brushRef="#br0">1 182 2404 0 0,'14'-21'8902'0'0,"3"2"-3441"0"0,-10 12-4201 0 0,1 0 0 0 0,17-11 0 0 0,-11 10-1089 0 0,1 0 0 0 0,0 1 0 0 0,0 1 0 0 0,19-6 1 0 0,122-21-2146 0 0,-53 14-6023 0 0,-54 7 1231 0 0,-30 7 4356 0 0</inkml:trace>
+</inkml:ink>
+</file>
+
+<file path=ppt/ink/ink53.xml><?xml version="1.0" encoding="utf-8"?>
+<inkml:ink xmlns:inkml="http://www.w3.org/2003/InkML">
+  <inkml:definitions>
+    <inkml:context xml:id="ctx0">
+      <inkml:inkSource xml:id="inkSrc0">
+        <inkml:traceFormat>
+          <inkml:channel name="X" type="integer" min="-2.14748E9" max="2.14748E9" units="cm"/>
+          <inkml:channel name="Y" type="integer" min="-2.14748E9" max="2.14748E9" units="cm"/>
+          <inkml:channel name="F" type="integer" max="32767" units="dev"/>
+          <inkml:channel name="OA" type="integer" max="360" units="deg"/>
+          <inkml:channel name="OE" type="integer" max="90" units="deg"/>
+        </inkml:traceFormat>
+        <inkml:channelProperties>
+          <inkml:channelProperty channel="X" name="resolution" value="1000" units="1/cm"/>
+          <inkml:channelProperty channel="Y" name="resolution" value="1000" units="1/cm"/>
+          <inkml:channelProperty channel="F" name="resolution" value="0" units="1/dev"/>
+          <inkml:channelProperty channel="OA" name="resolution" value="1000" units="1/deg"/>
+          <inkml:channelProperty channel="OE" name="resolution" value="1000" units="1/deg"/>
+        </inkml:channelProperties>
+      </inkml:inkSource>
+      <inkml:timestamp xml:id="ts0" timeString="2021-10-23T12:44:14.561"/>
+    </inkml:context>
+    <inkml:brush xml:id="br0">
+      <inkml:brushProperty name="width" value="0.05" units="cm"/>
+      <inkml:brushProperty name="height" value="0.05" units="cm"/>
+    </inkml:brush>
+  </inkml:definitions>
+  <inkml:trace contextRef="#ctx0" brushRef="#br0">1 480 1528 0 0,'6'-43'6919'0'0,"3"-10"-1286"0"0,-7 44-5045 0 0,0 0 0 0 0,1-1 0 0 0,7-13 0 0 0,-7 17-394 0 0,1 0 0 0 0,0 0 1 0 0,0 1-1 0 0,0-1 0 0 0,1 1 1 0 0,-1 0-1 0 0,1 1 0 0 0,0-1 1 0 0,1 1-1 0 0,-1 0 0 0 0,1 0 1 0 0,0 0-1 0 0,10-4 0 0 0,-13 7-178 0 0,0-1 0 0 0,1 1 0 0 0,-1 0-1 0 0,0 0 1 0 0,0 1 0 0 0,1-1 0 0 0,-1 1 0 0 0,0-1-1 0 0,1 1 1 0 0,-1 0 0 0 0,1 0 0 0 0,-1 1-1 0 0,0-1 1 0 0,1 1 0 0 0,-1 0 0 0 0,0-1-1 0 0,0 1 1 0 0,0 1 0 0 0,1-1 0 0 0,-1 0-1 0 0,0 1 1 0 0,0 0 0 0 0,-1-1 0 0 0,1 1-1 0 0,0 1 1 0 0,-1-1 0 0 0,1 0 0 0 0,-1 0-1 0 0,4 5 1 0 0,0 2 13 0 0,0 0 0 0 0,-1 1-1 0 0,0-1 1 0 0,0 1 0 0 0,-1 0 0 0 0,-1 0 0 0 0,0 0-1 0 0,0 1 1 0 0,2 13 0 0 0,-3-4-2 0 0,0 0-1 0 0,-1 0 1 0 0,-1 0 0 0 0,-2 23 0 0 0,-2-15 9 0 0,-1-1 1 0 0,-1 0 0 0 0,-1 0-1 0 0,-1-1 1 0 0,-1 0 0 0 0,-2 0 0 0 0,-1-1-1 0 0,-18 30 1 0 0,12-28-145 0 0,17-39-94 0 0,2 1 1 0 0,0-1-1 0 0,0 0 1 0 0,1 1 0 0 0,4-16-1 0 0,193-454-2210 0 0,-179 439 2265 0 0,7-15-1 0 0,-9 23 259 0 0,20-58-1 0 0,-34 71 287 0 0,-6 21-109 0 0,-5 11-205 0 0,-9 17 39 0 0,1-3 111 0 0,2 0 0 0 0,-14 35 0 0 0,18-34-23 0 0,0 0 35 0 0,0-1-1 0 0,2 1 0 0 0,0 1 1 0 0,-3 35-1 0 0,8-39-108 0 0,0-6-57 0 0,1-1 1 0 0,1 18 0 0 0,0-30-73 0 0,1 0 1 0 0,-1 0 0 0 0,1 0 0 0 0,0 0-1 0 0,0 0 1 0 0,0 0 0 0 0,1 0 0 0 0,-1 0 0 0 0,1-1-1 0 0,0 1 1 0 0,0 0 0 0 0,0-1 0 0 0,4 5 0 0 0,-3-5-17 0 0,0-1 1 0 0,0 0 0 0 0,-1 0 0 0 0,1 0 0 0 0,1 0 0 0 0,-1 0 0 0 0,0 0 0 0 0,0-1 0 0 0,1 0 0 0 0,-1 0 0 0 0,1 0 0 0 0,-1 0 0 0 0,1 0 0 0 0,-1-1 0 0 0,1 1 0 0 0,-1-1 0 0 0,1 0 0 0 0,0 0 0 0 0,-1 0 0 0 0,1-1 0 0 0,-1 1 0 0 0,1-1 0 0 0,4-1 0 0 0,9-3-294 0 0,-1-1 1 0 0,1-1-1 0 0,23-12 0 0 0,-21 9-263 0 0,1-1-1657 0 0,36-24 0 0 0,-34 18-2468 0 0,26-24 0 0 0,-32 24 2212 0 0</inkml:trace>
+</inkml:ink>
+</file>
+
+<file path=ppt/ink/ink54.xml><?xml version="1.0" encoding="utf-8"?>
+<inkml:ink xmlns:inkml="http://www.w3.org/2003/InkML">
+  <inkml:definitions>
+    <inkml:context xml:id="ctx0">
+      <inkml:inkSource xml:id="inkSrc0">
+        <inkml:traceFormat>
+          <inkml:channel name="X" type="integer" min="-2.14748E9" max="2.14748E9" units="cm"/>
+          <inkml:channel name="Y" type="integer" min="-2.14748E9" max="2.14748E9" units="cm"/>
+          <inkml:channel name="F" type="integer" max="32767" units="dev"/>
+          <inkml:channel name="OA" type="integer" max="360" units="deg"/>
+          <inkml:channel name="OE" type="integer" max="90" units="deg"/>
+        </inkml:traceFormat>
+        <inkml:channelProperties>
+          <inkml:channelProperty channel="X" name="resolution" value="1000" units="1/cm"/>
+          <inkml:channelProperty channel="Y" name="resolution" value="1000" units="1/cm"/>
+          <inkml:channelProperty channel="F" name="resolution" value="0" units="1/dev"/>
+          <inkml:channelProperty channel="OA" name="resolution" value="1000" units="1/deg"/>
+          <inkml:channelProperty channel="OE" name="resolution" value="1000" units="1/deg"/>
+        </inkml:channelProperties>
+      </inkml:inkSource>
+      <inkml:timestamp xml:id="ts0" timeString="2021-10-23T12:44:14.948"/>
+    </inkml:context>
+    <inkml:brush xml:id="br0">
+      <inkml:brushProperty name="width" value="0.05" units="cm"/>
+      <inkml:brushProperty name="height" value="0.05" units="cm"/>
+    </inkml:brush>
+  </inkml:definitions>
+  <inkml:trace contextRef="#ctx0" brushRef="#br0">0 18 1304 0 0,'0'-1'641'0'0,"1"0"0"0"0,-1-1 0 0 0,1 1 0 0 0,-1 0-1 0 0,1-1 1 0 0,0 1 0 0 0,0 0 0 0 0,-1 0 0 0 0,1 0 0 0 0,0 0 0 0 0,0 0-1 0 0,0 0 1 0 0,1-1 0 0 0,-2 2-468 0 0,1 0 0 0 0,-1-1 0 0 0,0 1 0 0 0,1 0 0 0 0,-1 0 0 0 0,0 0 1 0 0,1 0-1 0 0,-1 0 0 0 0,1 0 0 0 0,-1 0 0 0 0,0 0 0 0 0,1 0 0 0 0,-1 0 0 0 0,0 0 0 0 0,1 0 0 0 0,-1 1 0 0 0,0-1 0 0 0,1 0 0 0 0,-1 0 0 0 0,0 0 0 0 0,1 0 0 0 0,-1 0 0 0 0,0 1 0 0 0,1-1 0 0 0,-1 0 0 0 0,0 0 0 0 0,0 1 1 0 0,1-1-1 0 0,-1 0 0 0 0,0 1 0 0 0,3 3 435 0 0,0 1 1 0 0,0 0-1 0 0,-1 0 0 0 0,1 0 1 0 0,1 5-1 0 0,0 2-634 0 0,8 18 827 0 0,11 47-1 0 0,-7-22-621 0 0,-4-17-1023 0 0,7 49 1 0 0,-14-45-2795 0 0,-3-1-3859 0 0,-4-30 2695 0 0,2-6 2365 0 0</inkml:trace>
+</inkml:ink>
+</file>
+
+<file path=ppt/ink/ink55.xml><?xml version="1.0" encoding="utf-8"?>
+<inkml:ink xmlns:inkml="http://www.w3.org/2003/InkML">
+  <inkml:definitions>
+    <inkml:context xml:id="ctx0">
+      <inkml:inkSource xml:id="inkSrc0">
+        <inkml:traceFormat>
+          <inkml:channel name="X" type="integer" min="-2.14748E9" max="2.14748E9" units="cm"/>
+          <inkml:channel name="Y" type="integer" min="-2.14748E9" max="2.14748E9" units="cm"/>
+          <inkml:channel name="F" type="integer" max="32767" units="dev"/>
+          <inkml:channel name="OA" type="integer" max="360" units="deg"/>
+          <inkml:channel name="OE" type="integer" max="90" units="deg"/>
+        </inkml:traceFormat>
+        <inkml:channelProperties>
+          <inkml:channelProperty channel="X" name="resolution" value="1000" units="1/cm"/>
+          <inkml:channelProperty channel="Y" name="resolution" value="1000" units="1/cm"/>
+          <inkml:channelProperty channel="F" name="resolution" value="0" units="1/dev"/>
+          <inkml:channelProperty channel="OA" name="resolution" value="1000" units="1/deg"/>
+          <inkml:channelProperty channel="OE" name="resolution" value="1000" units="1/deg"/>
+        </inkml:channelProperties>
+      </inkml:inkSource>
+      <inkml:timestamp xml:id="ts0" timeString="2021-10-23T12:44:15.331"/>
+    </inkml:context>
+    <inkml:brush xml:id="br0">
+      <inkml:brushProperty name="width" value="0.05" units="cm"/>
+      <inkml:brushProperty name="height" value="0.05" units="cm"/>
+    </inkml:brush>
+  </inkml:definitions>
+  <inkml:trace contextRef="#ctx0" brushRef="#br0">21 809 1952 0 0,'0'0'326'0'0,"-1"0"0"0"0,0 0-1 0 0,0 0 1 0 0,0 0 0 0 0,1 0-1 0 0,-1 0 1 0 0,0 0 0 0 0,0 0-1 0 0,0-1 1 0 0,1 1 0 0 0,-1 0 0 0 0,0 0-1 0 0,1-1 1 0 0,-1 1 0 0 0,0 0-1 0 0,0-1 1 0 0,1 1 0 0 0,-1-1-1 0 0,1 1 1 0 0,-1-1 0 0 0,0 1 0 0 0,1-1-1 0 0,-1 1 1 0 0,1-1 0 0 0,-1 0-1 0 0,1 1 1 0 0,0-1 0 0 0,-1 0-1 0 0,1 1 1 0 0,0-1 0 0 0,-1 0 0 0 0,1-1-1 0 0,0 1-140 0 0,0-1-1 0 0,0 1 1 0 0,0 0-1 0 0,0 0 1 0 0,0-1-1 0 0,1 1 0 0 0,-1 0 1 0 0,0 0-1 0 0,1 0 1 0 0,-1-1-1 0 0,1 1 1 0 0,0 0-1 0 0,-1 0 1 0 0,1 0-1 0 0,0 0 0 0 0,0 0 1 0 0,-1 0-1 0 0,1 0 1 0 0,0 0-1 0 0,0 1 1 0 0,2-2-1 0 0,25-16 276 0 0,0 1 0 0 0,2 1-1 0 0,31-11 1 0 0,-9 3-569 0 0,108-49-1817 0 0,-41 20-2257 0 0,-2-3-4034 0 0,-87 39 5739 0 0</inkml:trace>
+  <inkml:trace contextRef="#ctx0" brushRef="#br0" timeOffset="1">1364 18 628 0 0,'14'-17'17827'0'0,"-23"22"-16214"0"0,-6 8-1164 0 0,1 0 0 0 0,0 2 1 0 0,1-1-1 0 0,0 2 0 0 0,-11 18 0 0 0,7-10-95 0 0,4-7-193 0 0,1 1 1 0 0,0 0 0 0 0,2 1-1 0 0,0 0 1 0 0,1 1-1 0 0,1 0 1 0 0,1 0 0 0 0,0 1-1 0 0,-4 31 1 0 0,10-49-153 0 0,1 0-1 0 0,0-1 1 0 0,0 1 0 0 0,0-1 0 0 0,0 1 0 0 0,0-1-1 0 0,0 1 1 0 0,1 0 0 0 0,-1-1 0 0 0,1 1-1 0 0,0-1 1 0 0,0 0 0 0 0,0 1 0 0 0,0-1 0 0 0,0 0-1 0 0,0 1 1 0 0,1-1 0 0 0,-1 0 0 0 0,3 3-1 0 0,-1-3 1 0 0,-1 0-1 0 0,1 0 0 0 0,0 0 0 0 0,0-1 0 0 0,-1 0 1 0 0,1 1-1 0 0,0-1 0 0 0,0 0 0 0 0,0 0 0 0 0,1-1 1 0 0,-1 1-1 0 0,0-1 0 0 0,6 1 0 0 0,6-1 1 0 0,0-1 1 0 0,1-1-1 0 0,-1 0 0 0 0,0-1 0 0 0,18-6 0 0 0,22-9-155 0 0,78-36-1 0 0,48-36-3693 0 0,-141 70 1764 0 0,-24 10 389 0 0,17-7-3494 0 0,-13 12-2649 0 0</inkml:trace>
+</inkml:ink>
+</file>
+
+<file path=ppt/ink/ink56.xml><?xml version="1.0" encoding="utf-8"?>
+<inkml:ink xmlns:inkml="http://www.w3.org/2003/InkML">
+  <inkml:definitions>
+    <inkml:context xml:id="ctx0">
+      <inkml:inkSource xml:id="inkSrc0">
+        <inkml:traceFormat>
+          <inkml:channel name="X" type="integer" min="-2.14748E9" max="2.14748E9" units="cm"/>
+          <inkml:channel name="Y" type="integer" min="-2.14748E9" max="2.14748E9" units="cm"/>
+          <inkml:channel name="F" type="integer" max="32767" units="dev"/>
+          <inkml:channel name="OA" type="integer" max="360" units="deg"/>
+          <inkml:channel name="OE" type="integer" max="90" units="deg"/>
+        </inkml:traceFormat>
+        <inkml:channelProperties>
+          <inkml:channelProperty channel="X" name="resolution" value="1000" units="1/cm"/>
+          <inkml:channelProperty channel="Y" name="resolution" value="1000" units="1/cm"/>
+          <inkml:channelProperty channel="F" name="resolution" value="0" units="1/dev"/>
+          <inkml:channelProperty channel="OA" name="resolution" value="1000" units="1/deg"/>
+          <inkml:channelProperty channel="OE" name="resolution" value="1000" units="1/deg"/>
+        </inkml:channelProperties>
+      </inkml:inkSource>
+      <inkml:timestamp xml:id="ts0" timeString="2021-10-23T12:44:16.114"/>
+    </inkml:context>
+    <inkml:brush xml:id="br0">
+      <inkml:brushProperty name="width" value="0.05" units="cm"/>
+      <inkml:brushProperty name="height" value="0.05" units="cm"/>
+    </inkml:brush>
+  </inkml:definitions>
+  <inkml:trace contextRef="#ctx0" brushRef="#br0">33 63 736 0 0,'-13'-25'8145'0'0,"-7"-12"-506"0"0,24 50-424 0 0,3 27-5564 0 0,1 10-1501 0 0,46 249 1650 0 0,-53-295-1801 0 0,7 36-137 0 0,2 1 0 0 0,2-2 0 0 0,23 53 0 0 0,-21-73-734 0 0,5-5-3351 0 0,-17-13 3411 0 0,0-1-1 0 0,0 1 1 0 0,0 0-1 0 0,0-1 1 0 0,0 0-1 0 0,0 1 1 0 0,0-1 0 0 0,0 0-1 0 0,0 0 1 0 0,0 0-1 0 0,0 0 1 0 0,0 0-1 0 0,0-1 1 0 0,0 1-1 0 0,0-1 1 0 0,0 1 0 0 0,-1-1-1 0 0,1 1 1 0 0,0-1-1 0 0,0 0 1 0 0,3-2-1 0 0,-2-2-2045 0 0</inkml:trace>
+</inkml:ink>
+</file>
+
+<file path=ppt/ink/ink57.xml><?xml version="1.0" encoding="utf-8"?>
+<inkml:ink xmlns:inkml="http://www.w3.org/2003/InkML">
+  <inkml:definitions>
+    <inkml:context xml:id="ctx0">
+      <inkml:inkSource xml:id="inkSrc0">
+        <inkml:traceFormat>
+          <inkml:channel name="X" type="integer" min="-2.14748E9" max="2.14748E9" units="cm"/>
+          <inkml:channel name="Y" type="integer" min="-2.14748E9" max="2.14748E9" units="cm"/>
+          <inkml:channel name="F" type="integer" max="32767" units="dev"/>
+          <inkml:channel name="OA" type="integer" max="360" units="deg"/>
+          <inkml:channel name="OE" type="integer" max="90" units="deg"/>
+        </inkml:traceFormat>
+        <inkml:channelProperties>
+          <inkml:channelProperty channel="X" name="resolution" value="1000" units="1/cm"/>
+          <inkml:channelProperty channel="Y" name="resolution" value="1000" units="1/cm"/>
+          <inkml:channelProperty channel="F" name="resolution" value="0" units="1/dev"/>
+          <inkml:channelProperty channel="OA" name="resolution" value="1000" units="1/deg"/>
+          <inkml:channelProperty channel="OE" name="resolution" value="1000" units="1/deg"/>
+        </inkml:channelProperties>
+      </inkml:inkSource>
+      <inkml:timestamp xml:id="ts0" timeString="2021-10-23T12:44:17.116"/>
+    </inkml:context>
+    <inkml:brush xml:id="br0">
+      <inkml:brushProperty name="width" value="0.05" units="cm"/>
+      <inkml:brushProperty name="height" value="0.05" units="cm"/>
+    </inkml:brush>
+  </inkml:definitions>
+  <inkml:trace contextRef="#ctx0" brushRef="#br0">6 159 1016 0 0,'-4'-4'4290'0'0,"4"3"-3814"0"0,-1 0 1 0 0,1 1-1 0 0,0-1 1 0 0,0 1 0 0 0,0-1-1 0 0,0 0 1 0 0,-1 1 0 0 0,1-1-1 0 0,0 0 1 0 0,5-11 3756 0 0,-4 11-4066 0 0,0-1-1 0 0,1 0 1 0 0,0 0 0 0 0,-1 1-1 0 0,1-1 1 0 0,0 1 0 0 0,0 0 0 0 0,0-1-1 0 0,2 0 1 0 0,66-25 174 0 0,57-30-84 0 0,-62 27-1032 0 0,-49 24-187 0 0,-6 7-2691 0 0</inkml:trace>
+</inkml:ink>
+</file>
+
+<file path=ppt/ink/ink58.xml><?xml version="1.0" encoding="utf-8"?>
+<inkml:ink xmlns:inkml="http://www.w3.org/2003/InkML">
+  <inkml:definitions>
+    <inkml:context xml:id="ctx0">
+      <inkml:inkSource xml:id="inkSrc0">
+        <inkml:traceFormat>
+          <inkml:channel name="X" type="integer" min="-2.14748E9" max="2.14748E9" units="cm"/>
+          <inkml:channel name="Y" type="integer" min="-2.14748E9" max="2.14748E9" units="cm"/>
+          <inkml:channel name="F" type="integer" max="32767" units="dev"/>
+          <inkml:channel name="OA" type="integer" max="360" units="deg"/>
+          <inkml:channel name="OE" type="integer" max="90" units="deg"/>
+        </inkml:traceFormat>
+        <inkml:channelProperties>
+          <inkml:channelProperty channel="X" name="resolution" value="1000" units="1/cm"/>
+          <inkml:channelProperty channel="Y" name="resolution" value="1000" units="1/cm"/>
+          <inkml:channelProperty channel="F" name="resolution" value="0" units="1/dev"/>
+          <inkml:channelProperty channel="OA" name="resolution" value="1000" units="1/deg"/>
+          <inkml:channelProperty channel="OE" name="resolution" value="1000" units="1/deg"/>
+        </inkml:channelProperties>
+      </inkml:inkSource>
+      <inkml:timestamp xml:id="ts0" timeString="2021-10-23T12:44:18.345"/>
+    </inkml:context>
+    <inkml:brush xml:id="br0">
+      <inkml:brushProperty name="width" value="0.05" units="cm"/>
+      <inkml:brushProperty name="height" value="0.05" units="cm"/>
+    </inkml:brush>
+  </inkml:definitions>
+  <inkml:trace contextRef="#ctx0" brushRef="#br0">3 217 1932 0 0,'-1'4'8693'0'0,"-1"16"-6689"0"0,5 325 2343 0 0,-2-366-3347 0 0,3 7-750 0 0,0-1 0 0 0,-2 0-1 0 0,2-15 1 0 0,3-14-34 0 0,-2 15-158 0 0,2 1 0 0 0,1 0 0 0 0,1 0 0 0 0,23-48-1 0 0,-14 42-85 0 0,22-36-138 0 0,-35 62 148 0 0,1 1 0 0 0,0 0-1 0 0,0 0 1 0 0,0 0 0 0 0,1 1 0 0 0,13-10 0 0 0,-18 14 15 0 0,0 1-1 0 0,1-1 1 0 0,-1 1-1 0 0,1 0 1 0 0,-1-1-1 0 0,1 1 1 0 0,0 0-1 0 0,-1 0 1 0 0,1 1-1 0 0,0-1 1 0 0,0 1 0 0 0,0-1-1 0 0,0 1 1 0 0,-1 0-1 0 0,1 0 1 0 0,0 0-1 0 0,0 0 1 0 0,0 1-1 0 0,0-1 1 0 0,-1 1-1 0 0,1 0 1 0 0,0-1 0 0 0,0 1-1 0 0,-1 1 1 0 0,1-1-1 0 0,-1 0 1 0 0,1 1-1 0 0,-1-1 1 0 0,1 1-1 0 0,-1 0 1 0 0,0-1-1 0 0,0 1 1 0 0,0 0-1 0 0,0 0 1 0 0,0 1 0 0 0,3 3-1 0 0,1 4 20 0 0,1 0 0 0 0,-2 0-1 0 0,1 1 1 0 0,-1-1 0 0 0,-1 1 0 0 0,0 0-1 0 0,4 19 1 0 0,-5-16 4 0 0,-1-1 1 0 0,-1 1-1 0 0,0-1 0 0 0,-1 1 1 0 0,0-1-1 0 0,-4 21 0 0 0,-22 77 292 0 0,19-89-189 0 0,5-16 311 0 0,5-22-425 0 0,8-25-230 0 0,12-26-160 0 0,35-68-1 0 0,-44 108 363 0 0,1 1-1 0 0,1 0 0 0 0,1 1 1 0 0,1 1-1 0 0,26-26 1 0 0,-41 46 41 0 0,0 1 1 0 0,0 1 0 0 0,0-1 0 0 0,1 0-1 0 0,-1 1 1 0 0,1-1 0 0 0,0 1 0 0 0,-1 0-1 0 0,1 0 1 0 0,0 1 0 0 0,0-1 0 0 0,1 1-1 0 0,4-1 1 0 0,-7 2 3 0 0,0 0 1 0 0,0 0-1 0 0,1 0 0 0 0,-1 0 0 0 0,0 1 0 0 0,0-1 1 0 0,0 1-1 0 0,1-1 0 0 0,-1 1 0 0 0,0 0 0 0 0,0 0 1 0 0,0 0-1 0 0,0 0 0 0 0,0 0 0 0 0,0 0 0 0 0,-1 1 1 0 0,1-1-1 0 0,0 0 0 0 0,-1 1 0 0 0,1 0 1 0 0,-1-1-1 0 0,1 1 0 0 0,-1 0 0 0 0,0 0 0 0 0,0 0 1 0 0,2 3-1 0 0,2 6 51 0 0,0-1 1 0 0,0 1 0 0 0,-1 0-1 0 0,0 0 1 0 0,-1 1-1 0 0,-1-1 1 0 0,0 1 0 0 0,1 13-1 0 0,-2 8-993 0 0,-6 52 0 0 0,4-69 288 0 0,0 26-2872 0 0,2-37 2460 0 0,-1 1-1 0 0,1 0 1 0 0,0-1 0 0 0,0 1-1 0 0,0-1 1 0 0,1 1 0 0 0,0-1-1 0 0,0 0 1 0 0,3 5-1 0 0,1 0-1587 0 0</inkml:trace>
+</inkml:ink>
+</file>
+
+<file path=ppt/ink/ink59.xml><?xml version="1.0" encoding="utf-8"?>
+<inkml:ink xmlns:inkml="http://www.w3.org/2003/InkML">
+  <inkml:definitions>
+    <inkml:context xml:id="ctx0">
+      <inkml:inkSource xml:id="inkSrc0">
+        <inkml:traceFormat>
+          <inkml:channel name="X" type="integer" min="-2.14748E9" max="2.14748E9" units="cm"/>
+          <inkml:channel name="Y" type="integer" min="-2.14748E9" max="2.14748E9" units="cm"/>
+          <inkml:channel name="F" type="integer" max="32767" units="dev"/>
+          <inkml:channel name="OA" type="integer" max="360" units="deg"/>
+          <inkml:channel name="OE" type="integer" max="90" units="deg"/>
+        </inkml:traceFormat>
+        <inkml:channelProperties>
+          <inkml:channelProperty channel="X" name="resolution" value="1000" units="1/cm"/>
+          <inkml:channelProperty channel="Y" name="resolution" value="1000" units="1/cm"/>
+          <inkml:channelProperty channel="F" name="resolution" value="0" units="1/dev"/>
+          <inkml:channelProperty channel="OA" name="resolution" value="1000" units="1/deg"/>
+          <inkml:channelProperty channel="OE" name="resolution" value="1000" units="1/deg"/>
+        </inkml:channelProperties>
+      </inkml:inkSource>
+      <inkml:timestamp xml:id="ts0" timeString="2021-10-23T12:44:18.732"/>
+    </inkml:context>
+    <inkml:brush xml:id="br0">
+      <inkml:brushProperty name="width" value="0.05" units="cm"/>
+      <inkml:brushProperty name="height" value="0.05" units="cm"/>
+    </inkml:brush>
+  </inkml:definitions>
+  <inkml:trace contextRef="#ctx0" brushRef="#br0">143 316 600 0 0,'6'-18'11109'0'0,"9"1"-7232"0"0,24-13-5700 0 0,-21 17 1883 0 0,-10 7-436 0 0,-2 3-734 0 0,-1-1 0 0 0,0-1 0 0 0,0 1 1 0 0,0-1-1 0 0,0 0 0 0 0,-1 0 0 0 0,1 0 1 0 0,4-8-1 0 0,-6 5-1125 0 0</inkml:trace>
+  <inkml:trace contextRef="#ctx0" brushRef="#br0" timeOffset="1">41 141 1664 0 0,'-5'1'2269'0'0,"0"0"-1"0"0,0 0 1 0 0,0-1-1 0 0,-1 1 1 0 0,-9-2-1 0 0,16 0-2124 0 0,-1 0 1 0 0,1 0-1 0 0,-1 0 0 0 0,0 1 0 0 0,1-1 0 0 0,0 0 0 0 0,-1 0 0 0 0,1 1 0 0 0,-1-1 0 0 0,1 0 0 0 0,0 1 0 0 0,0-1 0 0 0,-1 0 0 0 0,1 1 0 0 0,2-1 0 0 0,101-46-520 0 0,-70 30-2670 0 0,53-19 0 0 0,-21 14-3509 0 0,-42 13 4186 0 0</inkml:trace>
+</inkml:ink>
+</file>
+
 <file path=ppt/ink/ink6.xml><?xml version="1.0" encoding="utf-8"?>
 <inkml:ink xmlns:inkml="http://www.w3.org/2003/InkML">
   <inkml:definitions>
@@ -809,6 +2060,319 @@
 </inkml:ink>
 </file>
 
+<file path=ppt/ink/ink60.xml><?xml version="1.0" encoding="utf-8"?>
+<inkml:ink xmlns:inkml="http://www.w3.org/2003/InkML">
+  <inkml:definitions>
+    <inkml:context xml:id="ctx0">
+      <inkml:inkSource xml:id="inkSrc0">
+        <inkml:traceFormat>
+          <inkml:channel name="X" type="integer" min="-2.14748E9" max="2.14748E9" units="cm"/>
+          <inkml:channel name="Y" type="integer" min="-2.14748E9" max="2.14748E9" units="cm"/>
+          <inkml:channel name="F" type="integer" max="32767" units="dev"/>
+          <inkml:channel name="OA" type="integer" max="360" units="deg"/>
+          <inkml:channel name="OE" type="integer" max="90" units="deg"/>
+        </inkml:traceFormat>
+        <inkml:channelProperties>
+          <inkml:channelProperty channel="X" name="resolution" value="1000" units="1/cm"/>
+          <inkml:channelProperty channel="Y" name="resolution" value="1000" units="1/cm"/>
+          <inkml:channelProperty channel="F" name="resolution" value="0" units="1/dev"/>
+          <inkml:channelProperty channel="OA" name="resolution" value="1000" units="1/deg"/>
+          <inkml:channelProperty channel="OE" name="resolution" value="1000" units="1/deg"/>
+        </inkml:channelProperties>
+      </inkml:inkSource>
+      <inkml:timestamp xml:id="ts0" timeString="2021-10-23T12:44:19.092"/>
+    </inkml:context>
+    <inkml:brush xml:id="br0">
+      <inkml:brushProperty name="width" value="0.05" units="cm"/>
+      <inkml:brushProperty name="height" value="0.05" units="cm"/>
+    </inkml:brush>
+  </inkml:definitions>
+  <inkml:trace contextRef="#ctx0" brushRef="#br0">1 702 488 0 0,'0'0'10265'0'0,"19"-10"-5734"0"0,-3 4-3858 0 0,-1-2 0 0 0,18-10 0 0 0,8-5-997 0 0,65-33-4060 0 0,-5-7-5370 0 0,-82 48 7405 0 0</inkml:trace>
+  <inkml:trace contextRef="#ctx0" brushRef="#br0" timeOffset="1">648 54 188 0 0,'0'-53'17318'0'0,"14"63"-14928"0"0,-5 10-1612 0 0,1 2-37 0 0,-1-1 0 0 0,12 44 0 0 0,-14-26-427 0 0,0 2 1 0 0,0 57-1 0 0,-10 23-2509 0 0,2-101-548 0 0,2 32 0 0 0,0-42 642 0 0,0-1 0 0 0,1 1 0 0 0,0-1 0 0 0,1 0-1 0 0,5 15 1 0 0,-1-12-687 0 0</inkml:trace>
+</inkml:ink>
+</file>
+
+<file path=ppt/ink/ink61.xml><?xml version="1.0" encoding="utf-8"?>
+<inkml:ink xmlns:inkml="http://www.w3.org/2003/InkML">
+  <inkml:definitions>
+    <inkml:context xml:id="ctx0">
+      <inkml:inkSource xml:id="inkSrc0">
+        <inkml:traceFormat>
+          <inkml:channel name="X" type="integer" min="-2.14748E9" max="2.14748E9" units="cm"/>
+          <inkml:channel name="Y" type="integer" min="-2.14748E9" max="2.14748E9" units="cm"/>
+          <inkml:channel name="F" type="integer" max="32767" units="dev"/>
+          <inkml:channel name="OA" type="integer" max="360" units="deg"/>
+          <inkml:channel name="OE" type="integer" max="90" units="deg"/>
+        </inkml:traceFormat>
+        <inkml:channelProperties>
+          <inkml:channelProperty channel="X" name="resolution" value="1000" units="1/cm"/>
+          <inkml:channelProperty channel="Y" name="resolution" value="1000" units="1/cm"/>
+          <inkml:channelProperty channel="F" name="resolution" value="0" units="1/dev"/>
+          <inkml:channelProperty channel="OA" name="resolution" value="1000" units="1/deg"/>
+          <inkml:channelProperty channel="OE" name="resolution" value="1000" units="1/deg"/>
+        </inkml:channelProperties>
+      </inkml:inkSource>
+      <inkml:timestamp xml:id="ts0" timeString="2021-10-23T12:44:23.603"/>
+    </inkml:context>
+    <inkml:brush xml:id="br0">
+      <inkml:brushProperty name="width" value="0.05" units="cm"/>
+      <inkml:brushProperty name="height" value="0.05" units="cm"/>
+    </inkml:brush>
+  </inkml:definitions>
+  <inkml:trace contextRef="#ctx0" brushRef="#br0">257 219 732 0 0,'-3'0'11535'0'0,"-5"10"-9542"0"0,7-7-2084 0 0,-1-1-1 0 0,1 1 1 0 0,0-1 0 0 0,0 1 0 0 0,-1 0-1 0 0,2-1 1 0 0,-1 1 0 0 0,0 3 0 0 0,-3 46 419 0 0,3-33-182 0 0,0 0 0 0 0,2 24 0 0 0,1-24-102 0 0,1-1 1 0 0,0-1 0 0 0,8 21-1 0 0,-8-30-19 0 0,0 0-1 0 0,0-1 0 0 0,0 1 1 0 0,1-1-1 0 0,0 0 0 0 0,1 0 1 0 0,0 0-1 0 0,0 0 0 0 0,8 7 1 0 0,-10-12 20 0 0,0 1 1 0 0,0-1-1 0 0,0 0 0 0 0,1-1 1 0 0,-1 1-1 0 0,1 0 1 0 0,-1-1-1 0 0,1 0 0 0 0,0 0 1 0 0,-1 0-1 0 0,1 0 1 0 0,0-1-1 0 0,-1 1 0 0 0,1-1 1 0 0,0 0-1 0 0,0 0 1 0 0,0 0-1 0 0,-1-1 1 0 0,1 0-1 0 0,0 1 0 0 0,0-1 1 0 0,-1 0-1 0 0,4-2 1 0 0,9-3 152 0 0,-2 0 0 0 0,1-2 0 0 0,-1 1 0 0 0,13-11 1 0 0,-13 8-85 0 0,0 0 1 0 0,-1-2 0 0 0,-1 1 0 0 0,0-1-1 0 0,-1-1 1 0 0,0 0 0 0 0,-1-1 0 0 0,0 0-1 0 0,12-24 1 0 0,-13 19-12 0 0,0 0 0 0 0,-2-1 0 0 0,0 1 0 0 0,-1-2 0 0 0,-1 1 0 0 0,-1-1 0 0 0,3-29 0 0 0,-7 40-29 0 0,0 1 1 0 0,0 0-1 0 0,-1-1 0 0 0,0 1 1 0 0,0-1-1 0 0,-1 1 1 0 0,-1 0-1 0 0,1 0 0 0 0,-1 0 1 0 0,-1 0-1 0 0,0 1 0 0 0,0-1 1 0 0,-9-11-1 0 0,10 15-47 0 0,0 1-1 0 0,-1 0 1 0 0,1 0-1 0 0,-1 0 1 0 0,0 1 0 0 0,0 0-1 0 0,-1-1 1 0 0,1 1-1 0 0,-1 1 1 0 0,1-1-1 0 0,-1 1 1 0 0,0-1 0 0 0,0 1-1 0 0,0 1 1 0 0,0-1-1 0 0,-1 1 1 0 0,1 0-1 0 0,0 0 1 0 0,0 0 0 0 0,-1 1-1 0 0,1 0 1 0 0,-1 0-1 0 0,1 0 1 0 0,-11 3 0 0 0,-4 2-126 0 0,-1 0-1 0 0,1 2 1 0 0,0 1 0 0 0,1 0 0 0 0,0 2 0 0 0,0 0 0 0 0,1 1 0 0 0,0 0 0 0 0,1 2 0 0 0,1 0 0 0 0,-29 29 0 0 0,17-13-1483 0 0,-42 59 0 0 0,-8 35-4984 0 0,35-36 1328 0 0,24-46 2578 0 0</inkml:trace>
+</inkml:ink>
+</file>
+
+<file path=ppt/ink/ink62.xml><?xml version="1.0" encoding="utf-8"?>
+<inkml:ink xmlns:inkml="http://www.w3.org/2003/InkML">
+  <inkml:definitions>
+    <inkml:context xml:id="ctx0">
+      <inkml:inkSource xml:id="inkSrc0">
+        <inkml:traceFormat>
+          <inkml:channel name="X" type="integer" min="-2.14748E9" max="2.14748E9" units="cm"/>
+          <inkml:channel name="Y" type="integer" min="-2.14748E9" max="2.14748E9" units="cm"/>
+          <inkml:channel name="F" type="integer" max="32767" units="dev"/>
+          <inkml:channel name="OA" type="integer" max="360" units="deg"/>
+          <inkml:channel name="OE" type="integer" max="90" units="deg"/>
+        </inkml:traceFormat>
+        <inkml:channelProperties>
+          <inkml:channelProperty channel="X" name="resolution" value="1000" units="1/cm"/>
+          <inkml:channelProperty channel="Y" name="resolution" value="1000" units="1/cm"/>
+          <inkml:channelProperty channel="F" name="resolution" value="0" units="1/dev"/>
+          <inkml:channelProperty channel="OA" name="resolution" value="1000" units="1/deg"/>
+          <inkml:channelProperty channel="OE" name="resolution" value="1000" units="1/deg"/>
+        </inkml:channelProperties>
+      </inkml:inkSource>
+      <inkml:timestamp xml:id="ts0" timeString="2021-10-23T12:44:26.317"/>
+    </inkml:context>
+    <inkml:brush xml:id="br0">
+      <inkml:brushProperty name="width" value="0.05" units="cm"/>
+      <inkml:brushProperty name="height" value="0.05" units="cm"/>
+    </inkml:brush>
+  </inkml:definitions>
+  <inkml:trace contextRef="#ctx0" brushRef="#br0">220 74 784 0 0,'-21'-34'7666'0'0,"18"30"-7077"0"0,-1 0 1 0 0,0 0-1 0 0,0 0 1 0 0,-8-7-1 0 0,10 10-537 0 0,-1-1 0 0 0,1 1 0 0 0,0 0 0 0 0,-1-1 0 0 0,1 1-1 0 0,-1 0 1 0 0,0 0 0 0 0,1 1 0 0 0,-1-1 0 0 0,0 1 0 0 0,0-1 0 0 0,1 1 0 0 0,-1 0 0 0 0,0 0 0 0 0,0 0 0 0 0,1 0 0 0 0,-1 0 0 0 0,0 1 0 0 0,1-1 0 0 0,-1 1 0 0 0,0 0-1 0 0,1 0 1 0 0,-1 0 0 0 0,0 0 0 0 0,1 0 0 0 0,-3 2 0 0 0,-2 2-33 0 0,0 0 0 0 0,0 0-1 0 0,1 1 1 0 0,0 0 0 0 0,0 0-1 0 0,0 0 1 0 0,1 1 0 0 0,0 0 0 0 0,0 0-1 0 0,1 0 1 0 0,0 0 0 0 0,0 1-1 0 0,0 0 1 0 0,1-1 0 0 0,-2 11-1 0 0,1-6-11 0 0,1 1 0 0 0,0 0 0 0 0,1 0-1 0 0,1 0 1 0 0,0 0 0 0 0,1 0 0 0 0,0 0-1 0 0,1 0 1 0 0,3 16 0 0 0,0-8-16 0 0,2 0-1 0 0,1 0 1 0 0,0 0-1 0 0,2-1 1 0 0,0 0 0 0 0,1-1-1 0 0,23 33 1 0 0,-22-37-131 0 0,1-1 0 0 0,0-1 0 0 0,0 0-1 0 0,2 0 1 0 0,-1-1 0 0 0,2-1 0 0 0,-1-1 0 0 0,1 0 0 0 0,31 15 0 0 0,-35-21-27 0 0,0 0 1 0 0,1-1-1 0 0,-1 0 0 0 0,1-1 1 0 0,-1 0-1 0 0,1-1 1 0 0,-1 0-1 0 0,1-1 1 0 0,0 0-1 0 0,-1-1 1 0 0,1 0-1 0 0,0-1 0 0 0,-1 0 1 0 0,0-1-1 0 0,1 0 1 0 0,-1-1-1 0 0,0 0 1 0 0,11-7-1 0 0,-15 8 191 0 0,1-1-1 0 0,-1-1 1 0 0,0 1 0 0 0,-1-1-1 0 0,1 0 1 0 0,-1-1-1 0 0,0 1 1 0 0,0-1 0 0 0,-1 0-1 0 0,0-1 1 0 0,0 1-1 0 0,0-1 1 0 0,-1 0 0 0 0,0 0-1 0 0,0-1 1 0 0,-1 1 0 0 0,0-1-1 0 0,0 0 1 0 0,-1 0-1 0 0,0 0 1 0 0,0 0 0 0 0,-1 0-1 0 0,0 0 1 0 0,0 0 0 0 0,-1 0-1 0 0,-1-11 1 0 0,0 11 256 0 0,0 0 1 0 0,-1 0-1 0 0,0 0 0 0 0,0 0 1 0 0,0 0-1 0 0,-1 1 0 0 0,-5-9 1 0 0,15 27-337 0 0,0-1-1 0 0,0 0 1 0 0,1 0 0 0 0,0-1 0 0 0,1 0 0 0 0,0-1-1 0 0,1 1 1 0 0,-1-2 0 0 0,1 1 0 0 0,1-2 0 0 0,12 7-1 0 0,-18-10 81 0 0,0 0 0 0 0,1-1 0 0 0,-1 0 0 0 0,1 0 0 0 0,-1 0 0 0 0,1-1 0 0 0,0 1 0 0 0,0-1-1 0 0,-1-1 1 0 0,1 1 0 0 0,0-1 0 0 0,0 0 0 0 0,0-1 0 0 0,0 1 0 0 0,0-1 0 0 0,-1 0-1 0 0,1-1 1 0 0,0 1 0 0 0,-1-1 0 0 0,1 0 0 0 0,-1-1 0 0 0,0 1 0 0 0,1-1 0 0 0,-1 0 0 0 0,-1 0-1 0 0,9-7 1 0 0,-9 7 76 0 0,0 0 0 0 0,-1-1 0 0 0,0 1 0 0 0,1-1-1 0 0,-1 0 1 0 0,0 0 0 0 0,-1 0 0 0 0,1 0 0 0 0,-1-1-1 0 0,1 1 1 0 0,-1-1 0 0 0,-1 1 0 0 0,1-1-1 0 0,-1 0 1 0 0,0 1 0 0 0,0-1 0 0 0,0 0 0 0 0,0 0-1 0 0,-1 0 1 0 0,0 0 0 0 0,0 0 0 0 0,0 0 0 0 0,-1 0-1 0 0,0 0 1 0 0,0 1 0 0 0,0-1 0 0 0,0 0 0 0 0,-1 0-1 0 0,0 1 1 0 0,0-1 0 0 0,0 1 0 0 0,0-1 0 0 0,-5-5-1 0 0,2 2-16 0 0,-1 1 0 0 0,1 0 0 0 0,-1 1 0 0 0,0 0 0 0 0,0 0 0 0 0,-1 0 0 0 0,0 0 0 0 0,0 1-1 0 0,0 0 1 0 0,0 1 0 0 0,-1 0 0 0 0,0 0 0 0 0,0 0 0 0 0,-9-2 0 0 0,13 5-143 0 0,0 0 0 0 0,0 0 0 0 0,0 0 0 0 0,-1 0 0 0 0,1 1 0 0 0,0-1 0 0 0,0 1 0 0 0,-1 0 0 0 0,1 0 0 0 0,0 1 0 0 0,-1-1 0 0 0,1 1-1 0 0,0 0 1 0 0,0 0 0 0 0,0 1 0 0 0,0-1 0 0 0,0 1 0 0 0,0 0 0 0 0,0 0 0 0 0,0 0 0 0 0,1 0 0 0 0,-1 1 0 0 0,1-1 0 0 0,0 1 0 0 0,0 0 0 0 0,0 0 0 0 0,0 0 0 0 0,0 1 0 0 0,-4 6 0 0 0,4-3-342 0 0,0-1-1 0 0,0 0 1 0 0,0 1 0 0 0,1 0-1 0 0,0 0 1 0 0,1 0-1 0 0,0-1 1 0 0,0 2 0 0 0,0 7-1 0 0,0-2-1462 0 0,2 1 1 0 0,-1-1-1 0 0,6 26 0 0 0,-1-22-324 0 0</inkml:trace>
+</inkml:ink>
+</file>
+
+<file path=ppt/ink/ink63.xml><?xml version="1.0" encoding="utf-8"?>
+<inkml:ink xmlns:inkml="http://www.w3.org/2003/InkML">
+  <inkml:definitions>
+    <inkml:context xml:id="ctx0">
+      <inkml:inkSource xml:id="inkSrc0">
+        <inkml:traceFormat>
+          <inkml:channel name="X" type="integer" min="-2.14748E9" max="2.14748E9" units="cm"/>
+          <inkml:channel name="Y" type="integer" min="-2.14748E9" max="2.14748E9" units="cm"/>
+          <inkml:channel name="F" type="integer" max="32767" units="dev"/>
+          <inkml:channel name="OA" type="integer" max="360" units="deg"/>
+          <inkml:channel name="OE" type="integer" max="90" units="deg"/>
+        </inkml:traceFormat>
+        <inkml:channelProperties>
+          <inkml:channelProperty channel="X" name="resolution" value="1000" units="1/cm"/>
+          <inkml:channelProperty channel="Y" name="resolution" value="1000" units="1/cm"/>
+          <inkml:channelProperty channel="F" name="resolution" value="0" units="1/dev"/>
+          <inkml:channelProperty channel="OA" name="resolution" value="1000" units="1/deg"/>
+          <inkml:channelProperty channel="OE" name="resolution" value="1000" units="1/deg"/>
+        </inkml:channelProperties>
+      </inkml:inkSource>
+      <inkml:timestamp xml:id="ts0" timeString="2021-10-23T12:44:27.104"/>
+    </inkml:context>
+    <inkml:brush xml:id="br0">
+      <inkml:brushProperty name="width" value="0.05" units="cm"/>
+      <inkml:brushProperty name="height" value="0.05" units="cm"/>
+    </inkml:brush>
+  </inkml:definitions>
+  <inkml:trace contextRef="#ctx0" brushRef="#br0">1 731 296 0 0,'12'-25'6743'0'0,"3"-10"-4356"0"0,-11 25-2012 0 0,6-20 525 0 0,-10 29-812 0 0,0 0 1 0 0,0 0-1 0 0,0 1 1 0 0,0-1-1 0 0,0 0 1 0 0,0 0-1 0 0,0 0 0 0 0,-1 0 1 0 0,1 0-1 0 0,0 0 1 0 0,0 0-1 0 0,-1 0 1 0 0,1 0-1 0 0,-1 0 1 0 0,1 1-1 0 0,-1-1 1 0 0,1 0-1 0 0,-1 0 1 0 0,1 1-1 0 0,-1-1 0 0 0,0 0 1 0 0,1 1-1 0 0,-1-1 1 0 0,0 0-1 0 0,0 1 1 0 0,0-1-1 0 0,1 1 1 0 0,-1-1-1 0 0,-1 1 1 0 0,1-1-32 0 0,1 1 1 0 0,-1 0 0 0 0,1 0 0 0 0,-1-1 0 0 0,1 1 0 0 0,-1 0 0 0 0,1 0 0 0 0,-1 0 0 0 0,1 0 0 0 0,-1 0 0 0 0,1 0 0 0 0,-1 0 0 0 0,1 0 0 0 0,-1 0-1 0 0,1 0 1 0 0,-1 0 0 0 0,1 0 0 0 0,-1 0 0 0 0,1 0 0 0 0,-1 1 0 0 0,1-1 0 0 0,0 0 0 0 0,-1 0 0 0 0,1 1 0 0 0,-1-1 0 0 0,1 0 0 0 0,-1 0-1 0 0,1 1 1 0 0,-1-1 0 0 0,-6 17 200 0 0,7-12-313 0 0,-1 0-1 0 0,1 0 1 0 0,0 0-1 0 0,0 0 1 0 0,2 7-1 0 0,-2-9 53 0 0,0-1 1 0 0,1 0-1 0 0,0 0 0 0 0,-1 0 0 0 0,1 0 0 0 0,0 0 0 0 0,0 0 0 0 0,0 0 0 0 0,1 0 0 0 0,-1 0 0 0 0,0 0 1 0 0,1 0-1 0 0,-1-1 0 0 0,1 1 0 0 0,0-1 0 0 0,-1 1 0 0 0,1-1 0 0 0,4 3 0 0 0,-3-3 16 0 0,0 0 0 0 0,0 0 0 0 0,1 0 1 0 0,-1 0-1 0 0,1 0 0 0 0,-1-1 0 0 0,1 1 0 0 0,-1-1 0 0 0,1 0 0 0 0,-1 0 0 0 0,5-1 0 0 0,9-2 75 0 0,-1-1 0 0 0,1-1-1 0 0,-1 0 1 0 0,18-9 0 0 0,-20 9-53 0 0,13-7 49 0 0,0 0 0 0 0,-1-2 0 0 0,43-29 0 0 0,-54 32-68 0 0,-1-1 0 0 0,0 0 0 0 0,-1 0 0 0 0,-1-1 0 0 0,0-1-1 0 0,0 0 1 0 0,10-19 0 0 0,-16 24-4 0 0,-1 0 1 0 0,-1-1-1 0 0,1 1 0 0 0,-2-1 1 0 0,1 0-1 0 0,-2 0 0 0 0,1-1 1 0 0,-1 1-1 0 0,-1-1 0 0 0,0 1 0 0 0,0-1 1 0 0,-1 1-1 0 0,0-1 0 0 0,-1 1 1 0 0,0-1-1 0 0,-1 1 0 0 0,-5-20 0 0 0,6 29-4 0 0,1 0 0 0 0,0-1-1 0 0,-1 1 1 0 0,1 0-1 0 0,-1 0 1 0 0,0 0-1 0 0,1-1 1 0 0,-1 1-1 0 0,0 0 1 0 0,0 0-1 0 0,1 0 1 0 0,-1 0-1 0 0,0 0 1 0 0,0 0 0 0 0,0 0-1 0 0,0 1 1 0 0,0-1-1 0 0,-1 0 1 0 0,1 0-1 0 0,0 1 1 0 0,0-1-1 0 0,0 1 1 0 0,-1-1-1 0 0,1 1 1 0 0,-2-1-1 0 0,0 1-4 0 0,1 0-1 0 0,0 1 0 0 0,0-1 0 0 0,-1 1 0 0 0,1-1 0 0 0,0 1 0 0 0,0 0 1 0 0,0 0-1 0 0,0 0 0 0 0,0 0 0 0 0,0 0 0 0 0,0 0 0 0 0,-3 3 0 0 0,-4 3-30 0 0,1 1 0 0 0,0 0 0 0 0,1 0 0 0 0,0 1 0 0 0,-7 11 0 0 0,12-17 14 0 0,0 1 1 0 0,0-1-1 0 0,1 1 0 0 0,-1 0 1 0 0,1 0-1 0 0,0 0 0 0 0,0-1 1 0 0,0 1-1 0 0,0 0 0 0 0,1 1 1 0 0,0-1-1 0 0,0 0 0 0 0,0 6 1 0 0,1-9 7 0 0,-1 1 0 0 0,0-1 0 0 0,0 0 0 0 0,1 1 1 0 0,-1-1-1 0 0,1 0 0 0 0,-1 0 0 0 0,1 0 1 0 0,0 0-1 0 0,-1 0 0 0 0,1 0 0 0 0,0 0 0 0 0,0 0 1 0 0,0 0-1 0 0,0 0 0 0 0,0 0 0 0 0,0 0 1 0 0,1 1-1 0 0,-1-2 1 0 0,1 1 1 0 0,0 0 0 0 0,-1-1-1 0 0,1 0 1 0 0,0 1 0 0 0,0-1-1 0 0,0 0 1 0 0,-1 0 0 0 0,1 0-1 0 0,0 0 1 0 0,0 0 0 0 0,-1 0-1 0 0,1 0 1 0 0,0-1 0 0 0,0 1-1 0 0,2-2 1 0 0,9-1-71 0 0,0-1-1 0 0,-1 0 1 0 0,0-1-1 0 0,0-1 1 0 0,0 0 0 0 0,-1 0-1 0 0,20-16 1 0 0,-21 14-1 0 0,-1 0 0 0 0,-1-1-1 0 0,1 0 1 0 0,-1-1 0 0 0,-1 0 0 0 0,0 0 0 0 0,-1 0 0 0 0,1-1 0 0 0,-2 0 0 0 0,0 0 0 0 0,7-24 0 0 0,-7 18 166 0 0,-1-1 1 0 0,-1 0 0 0 0,-1 0 0 0 0,-1-1-1 0 0,0 1 1 0 0,-1 0 0 0 0,-4-26-1 0 0,-1 19 416 0 0,1 21-106 0 0,-1 14-184 0 0,-5 32-35 0 0,-9 82 0 0 0,9 46-22 0 0,15 148-3242 0 0,-5-214-7366 0 0,0-91 8109 0 0</inkml:trace>
+</inkml:ink>
+</file>
+
+<file path=ppt/ink/ink64.xml><?xml version="1.0" encoding="utf-8"?>
+<inkml:ink xmlns:inkml="http://www.w3.org/2003/InkML">
+  <inkml:definitions>
+    <inkml:context xml:id="ctx0">
+      <inkml:inkSource xml:id="inkSrc0">
+        <inkml:traceFormat>
+          <inkml:channel name="X" type="integer" min="-2.14748E9" max="2.14748E9" units="cm"/>
+          <inkml:channel name="Y" type="integer" min="-2.14748E9" max="2.14748E9" units="cm"/>
+          <inkml:channel name="F" type="integer" max="32767" units="dev"/>
+          <inkml:channel name="OA" type="integer" max="360" units="deg"/>
+          <inkml:channel name="OE" type="integer" max="90" units="deg"/>
+        </inkml:traceFormat>
+        <inkml:channelProperties>
+          <inkml:channelProperty channel="X" name="resolution" value="1000" units="1/cm"/>
+          <inkml:channelProperty channel="Y" name="resolution" value="1000" units="1/cm"/>
+          <inkml:channelProperty channel="F" name="resolution" value="0" units="1/dev"/>
+          <inkml:channelProperty channel="OA" name="resolution" value="1000" units="1/deg"/>
+          <inkml:channelProperty channel="OE" name="resolution" value="1000" units="1/deg"/>
+        </inkml:channelProperties>
+      </inkml:inkSource>
+      <inkml:timestamp xml:id="ts0" timeString="2021-10-23T12:44:27.463"/>
+    </inkml:context>
+    <inkml:brush xml:id="br0">
+      <inkml:brushProperty name="width" value="0.05" units="cm"/>
+      <inkml:brushProperty name="height" value="0.05" units="cm"/>
+    </inkml:brush>
+  </inkml:definitions>
+  <inkml:trace contextRef="#ctx0" brushRef="#br0">0 301 124 0 0,'0'-3'587'0'0,"1"0"0"0"0,-1-1 0 0 0,1 1 0 0 0,-1 0 0 0 0,1 0 0 0 0,0-1 0 0 0,0 1 0 0 0,1 0 0 0 0,-1 0-1 0 0,4-6 1 0 0,-1 4-252 0 0,0-1 0 0 0,0 1-1 0 0,1 0 1 0 0,10-9 0 0 0,3 1-646 0 0,0 0 1 0 0,27-14 0 0 0,-33 21 602 0 0,186-94-3328 0 0,-115 60 1061 0 0,-33 15 507 0 0</inkml:trace>
+</inkml:ink>
+</file>
+
+<file path=ppt/ink/ink65.xml><?xml version="1.0" encoding="utf-8"?>
+<inkml:ink xmlns:inkml="http://www.w3.org/2003/InkML">
+  <inkml:definitions>
+    <inkml:context xml:id="ctx0">
+      <inkml:inkSource xml:id="inkSrc0">
+        <inkml:traceFormat>
+          <inkml:channel name="X" type="integer" min="-2.14748E9" max="2.14748E9" units="cm"/>
+          <inkml:channel name="Y" type="integer" min="-2.14748E9" max="2.14748E9" units="cm"/>
+          <inkml:channel name="F" type="integer" max="32767" units="dev"/>
+          <inkml:channel name="OA" type="integer" max="360" units="deg"/>
+          <inkml:channel name="OE" type="integer" max="90" units="deg"/>
+        </inkml:traceFormat>
+        <inkml:channelProperties>
+          <inkml:channelProperty channel="X" name="resolution" value="1000" units="1/cm"/>
+          <inkml:channelProperty channel="Y" name="resolution" value="1000" units="1/cm"/>
+          <inkml:channelProperty channel="F" name="resolution" value="0" units="1/dev"/>
+          <inkml:channelProperty channel="OA" name="resolution" value="1000" units="1/deg"/>
+          <inkml:channelProperty channel="OE" name="resolution" value="1000" units="1/deg"/>
+        </inkml:channelProperties>
+      </inkml:inkSource>
+      <inkml:timestamp xml:id="ts0" timeString="2021-10-23T12:44:27.837"/>
+    </inkml:context>
+    <inkml:brush xml:id="br0">
+      <inkml:brushProperty name="width" value="0.05" units="cm"/>
+      <inkml:brushProperty name="height" value="0.05" units="cm"/>
+    </inkml:brush>
+  </inkml:definitions>
+  <inkml:trace contextRef="#ctx0" brushRef="#br0">480 248 1384 0 0,'0'-1'258'0'0,"-22"-45"5704"0"0,20 42-5528 0 0,0 0 0 0 0,0 1 0 0 0,0-1 0 0 0,-1 1-1 0 0,1 0 1 0 0,-1 0 0 0 0,0 0 0 0 0,0 0 0 0 0,-6-5-1 0 0,8 8-399 0 0,0 0 0 0 0,0 0 0 0 0,0-1-1 0 0,0 1 1 0 0,0 0 0 0 0,0 0-1 0 0,1 0 1 0 0,-1 0 0 0 0,0 0-1 0 0,0 0 1 0 0,0 0 0 0 0,0 0 0 0 0,0 0-1 0 0,0 0 1 0 0,0 0 0 0 0,0 1-1 0 0,1-1 1 0 0,-1 0 0 0 0,0 1-1 0 0,0-1 1 0 0,0 0 0 0 0,1 1 0 0 0,-1-1-1 0 0,0 1 1 0 0,0-1 0 0 0,1 1-1 0 0,-1 0 1 0 0,0-1 0 0 0,1 1-1 0 0,-1 0 1 0 0,1-1 0 0 0,-1 1 0 0 0,1 0-1 0 0,-1 0 1 0 0,1 0 0 0 0,0-1-1 0 0,-1 1 1 0 0,1 0 0 0 0,0 0 0 0 0,-1 1-1 0 0,-10 41 334 0 0,10-40-333 0 0,-33 339-30 0 0,19-142-3867 0 0,5-106-2703 0 0,8-76 4474 0 0</inkml:trace>
+  <inkml:trace contextRef="#ctx0" brushRef="#br0" timeOffset="1">57 209 256 0 0,'-8'-22'1816'0'0,"2"3"4"0"0,1 0-372 0 0,-3-1-547 0 0,2 3-385 0 0,1 0-304 0 0,-1 3-244 0 0,4-1-216 0 0,-4 3-200 0 0,4 0-208 0 0,2 0-269 0 0,-3 2-291 0 0,3 0-220 0 0,0 0-184 0 0</inkml:trace>
+</inkml:ink>
+</file>
+
+<file path=ppt/ink/ink66.xml><?xml version="1.0" encoding="utf-8"?>
+<inkml:ink xmlns:inkml="http://www.w3.org/2003/InkML">
+  <inkml:definitions>
+    <inkml:context xml:id="ctx0">
+      <inkml:inkSource xml:id="inkSrc0">
+        <inkml:traceFormat>
+          <inkml:channel name="X" type="integer" min="-2.14748E9" max="2.14748E9" units="cm"/>
+          <inkml:channel name="Y" type="integer" min="-2.14748E9" max="2.14748E9" units="cm"/>
+          <inkml:channel name="F" type="integer" max="32767" units="dev"/>
+          <inkml:channel name="OA" type="integer" max="360" units="deg"/>
+          <inkml:channel name="OE" type="integer" max="90" units="deg"/>
+        </inkml:traceFormat>
+        <inkml:channelProperties>
+          <inkml:channelProperty channel="X" name="resolution" value="1000" units="1/cm"/>
+          <inkml:channelProperty channel="Y" name="resolution" value="1000" units="1/cm"/>
+          <inkml:channelProperty channel="F" name="resolution" value="0" units="1/dev"/>
+          <inkml:channelProperty channel="OA" name="resolution" value="1000" units="1/deg"/>
+          <inkml:channelProperty channel="OE" name="resolution" value="1000" units="1/deg"/>
+        </inkml:channelProperties>
+      </inkml:inkSource>
+      <inkml:timestamp xml:id="ts0" timeString="2021-10-23T12:44:28.320"/>
+    </inkml:context>
+    <inkml:brush xml:id="br0">
+      <inkml:brushProperty name="width" value="0.05" units="cm"/>
+      <inkml:brushProperty name="height" value="0.05" units="cm"/>
+    </inkml:brush>
+  </inkml:definitions>
+  <inkml:trace contextRef="#ctx0" brushRef="#br0">2 1 240 0 0,'-1'37'6981'0'0,"0"-4"-6566"0"0,5 40-1 0 0,0-42-350 0 0,2 24-426 0 0,17 63 0 0 0,-22-115 330 0 0,33 154-2129 0 0,-29-130 1743 0 0,-2-17 1465 0 0,-3-10-1006 0 0,1-12 167 0 0,1 0 0 0 0,0 1 0 0 0,5-17 0 0 0,-5 23-166 0 0,19-73 1195 0 0,33-75 1 0 0,-50 143-976 0 0,14-29 503 0 0,-17 36-657 0 0,0 1-1 0 0,1-1 1 0 0,-1 1 0 0 0,1 0 0 0 0,-1 0 0 0 0,1-1 0 0 0,0 1 0 0 0,0 0 0 0 0,0 1 0 0 0,0-1 0 0 0,4-2 0 0 0,-6 4-83 0 0,1 0 1 0 0,0 0 0 0 0,0 0 0 0 0,0 0 0 0 0,0 0-1 0 0,0 0 1 0 0,0 0 0 0 0,0 0 0 0 0,0 1-1 0 0,0-1 1 0 0,0 0 0 0 0,-1 1 0 0 0,1-1-1 0 0,0 0 1 0 0,0 1 0 0 0,0-1 0 0 0,-1 1 0 0 0,1-1-1 0 0,0 1 1 0 0,0 0 0 0 0,-1-1 0 0 0,1 1-1 0 0,-1 0 1 0 0,1 0 0 0 0,0 1 0 0 0,16 22 187 0 0,-15-21-161 0 0,4 7 16 0 0,-1 1-1 0 0,0 0 1 0 0,-1 0 0 0 0,4 16-1 0 0,-4-14-111 0 0,0-1-1 0 0,1 0 0 0 0,6 12 0 0 0,-11-23 17 0 0,1-1 0 0 0,-1 0 0 0 0,1 1 0 0 0,-1-1 0 0 0,1 0 0 0 0,-1 1 0 0 0,1-1 0 0 0,0 0 0 0 0,-1 0 0 0 0,1 0 0 0 0,-1 1 0 0 0,1-1 0 0 0,0 0 0 0 0,-1 0 0 0 0,1 0 0 0 0,0 0-1 0 0,-1 0 1 0 0,1 0 0 0 0,0 0 0 0 0,-1 0 0 0 0,1-1 0 0 0,-1 1 0 0 0,1 0 0 0 0,0 0 0 0 0,-1 0 0 0 0,1-1 0 0 0,-1 1 0 0 0,1 0 0 0 0,-1-1 0 0 0,1 1 0 0 0,0 0 0 0 0,-1-1-1 0 0,1 0 1 0 0,19-15-1008 0 0,4-14-294 0 0,-2-2 1 0 0,-1 0 0 0 0,-2-1 0 0 0,-1-1-1 0 0,-1 0 1 0 0,13-43 0 0 0,-20 43 556 0 0</inkml:trace>
+</inkml:ink>
+</file>
+
+<file path=ppt/ink/ink67.xml><?xml version="1.0" encoding="utf-8"?>
+<inkml:ink xmlns:inkml="http://www.w3.org/2003/InkML">
+  <inkml:definitions>
+    <inkml:context xml:id="ctx0">
+      <inkml:inkSource xml:id="inkSrc0">
+        <inkml:traceFormat>
+          <inkml:channel name="X" type="integer" min="-2.14748E9" max="2.14748E9" units="cm"/>
+          <inkml:channel name="Y" type="integer" min="-2.14748E9" max="2.14748E9" units="cm"/>
+          <inkml:channel name="F" type="integer" max="32767" units="dev"/>
+          <inkml:channel name="OA" type="integer" max="360" units="deg"/>
+          <inkml:channel name="OE" type="integer" max="90" units="deg"/>
+        </inkml:traceFormat>
+        <inkml:channelProperties>
+          <inkml:channelProperty channel="X" name="resolution" value="1000" units="1/cm"/>
+          <inkml:channelProperty channel="Y" name="resolution" value="1000" units="1/cm"/>
+          <inkml:channelProperty channel="F" name="resolution" value="0" units="1/dev"/>
+          <inkml:channelProperty channel="OA" name="resolution" value="1000" units="1/deg"/>
+          <inkml:channelProperty channel="OE" name="resolution" value="1000" units="1/deg"/>
+        </inkml:channelProperties>
+      </inkml:inkSource>
+      <inkml:timestamp xml:id="ts0" timeString="2021-10-23T12:44:28.711"/>
+    </inkml:context>
+    <inkml:brush xml:id="br0">
+      <inkml:brushProperty name="width" value="0.05" units="cm"/>
+      <inkml:brushProperty name="height" value="0.05" units="cm"/>
+    </inkml:brush>
+  </inkml:definitions>
+  <inkml:trace contextRef="#ctx0" brushRef="#br0">27 119 652 0 0,'0'0'37'0'0,"8"-118"6560"0"0,-8 117-5902 0 0,-3 14 1004 0 0,-2 13-996 0 0,0 0 0 0 0,0 26 0 0 0,4-35-498 0 0,-11 129 592 0 0,8 171 0 0 0,6-269-890 0 0,-2-23-404 0 0,1 1-1 0 0,1-1 1 0 0,8 37 0 0 0,-10-61 430 0 0,0 0 0 0 0,1-1 0 0 0,-1 1 0 0 0,0-1 0 0 0,0 1 0 0 0,0 0 1 0 0,0-1-1 0 0,1 1 0 0 0,-1-1 0 0 0,0 1 0 0 0,0-1 0 0 0,1 1 0 0 0,-1-1 0 0 0,0 1 1 0 0,1-1-1 0 0,-1 1 0 0 0,1-1 0 0 0,-1 0 0 0 0,1 1 0 0 0,-1-1 0 0 0,1 1 0 0 0,-1-1 0 0 0,1 0 1 0 0,0 1-1 0 0,0-1-9 0 0,-1 0 0 0 0,1-1 0 0 0,-1 1 0 0 0,1 0 0 0 0,-1 0-1 0 0,1 0 1 0 0,0-1 0 0 0,-1 1 0 0 0,1 0 0 0 0,-1-1 0 0 0,0 1 0 0 0,1 0 0 0 0,-1-1 0 0 0,1 1 0 0 0,-1 0 0 0 0,1-1 0 0 0,-1 1 0 0 0,0-1 0 0 0,1 0 0 0 0,2-3-213 0 0,-1 0 1 0 0,0 1 0 0 0,0-1-1 0 0,0 0 1 0 0,1-6 0 0 0,33-137-1328 0 0,-30 128 2524 0 0,-1 19 175 0 0,2 11-500 0 0,-5-8-459 0 0,0 0 0 0 0,0 0-1 0 0,0 1 1 0 0,1-1 0 0 0,-1-1 0 0 0,1 1-1 0 0,0 0 1 0 0,-1-1 0 0 0,1 1-1 0 0,1-1 1 0 0,-1 0 0 0 0,0 0 0 0 0,0 0-1 0 0,1 0 1 0 0,-1-1 0 0 0,1 1-1 0 0,-1-1 1 0 0,1 0 0 0 0,0 0-1 0 0,0 0 1 0 0,-1-1 0 0 0,1 1 0 0 0,0-1-1 0 0,7 0 1 0 0,-5-1-66 0 0,-1 0-1 0 0,1 0 1 0 0,0 0 0 0 0,0-1 0 0 0,-1 1-1 0 0,1-1 1 0 0,-1-1 0 0 0,0 1 0 0 0,0-1-1 0 0,0 0 1 0 0,0 0 0 0 0,0-1 0 0 0,0 1-1 0 0,-1-1 1 0 0,7-7 0 0 0,-8 8-97 0 0,-1 0 1 0 0,-1-1 0 0 0,1 1 0 0 0,0 0-1 0 0,-1-1 1 0 0,1 1 0 0 0,-1-1-1 0 0,0 1 1 0 0,1-8 0 0 0,-2 9-5 0 0,1 0 1 0 0,-1 0-1 0 0,0 0 0 0 0,0 0 1 0 0,0 0-1 0 0,0 0 1 0 0,0 0-1 0 0,0 0 1 0 0,0 0-1 0 0,-1 0 1 0 0,1 0-1 0 0,-1 0 0 0 0,1 0 1 0 0,-1 0-1 0 0,0 0 1 0 0,0 1-1 0 0,0-1 1 0 0,0 0-1 0 0,-2-2 1 0 0,2 4 37 0 0,1 0 1 0 0,-1-1 0 0 0,1 1 0 0 0,-1 0 0 0 0,1 0 0 0 0,-1 0 0 0 0,1 0 0 0 0,-1 0-1 0 0,1 0 1 0 0,-1 0 0 0 0,1 0 0 0 0,-1 0 0 0 0,1 1 0 0 0,-1-1 0 0 0,1 0 0 0 0,-1 0 0 0 0,1 0-1 0 0,-1 1 1 0 0,1-1 0 0 0,-1 0 0 0 0,1 0 0 0 0,-1 1 0 0 0,1-1 0 0 0,-1 0 0 0 0,1 1-1 0 0,0-1 1 0 0,-1 1 0 0 0,1-1 0 0 0,0 0 0 0 0,-1 1 0 0 0,1-1 0 0 0,0 1 0 0 0,0-1-1 0 0,-1 1 1 0 0,1-1 0 0 0,0 1 0 0 0,0-1 0 0 0,0 2 0 0 0,-11 19 142 0 0,7-9-58 0 0,0 0 0 0 0,0 0-1 0 0,1 0 1 0 0,1 1 0 0 0,0-1 0 0 0,0 22 0 0 0,2-34-99 0 0,0 1 1 0 0,0 0-1 0 0,0-1 1 0 0,0 1-1 0 0,0 0 1 0 0,0-1 0 0 0,0 1-1 0 0,0 0 1 0 0,0-1-1 0 0,0 1 1 0 0,0-1-1 0 0,0 1 1 0 0,1 0 0 0 0,-1-1-1 0 0,0 1 1 0 0,1-1-1 0 0,-1 1 1 0 0,0-1-1 0 0,1 1 1 0 0,-1-1 0 0 0,0 1-1 0 0,1-1 1 0 0,-1 1-1 0 0,1-1 1 0 0,-1 0-1 0 0,1 1 1 0 0,-1-1-1 0 0,1 0 1 0 0,-1 1 0 0 0,1-1-1 0 0,0 0 1 0 0,-1 1-1 0 0,1-1 1 0 0,-1 0-1 0 0,1 0 1 0 0,0 0 0 0 0,-1 0-1 0 0,1 0 1 0 0,0 0-1 0 0,-1 0 1 0 0,1 0-1 0 0,-1 0 1 0 0,1 0-1 0 0,0 0 1 0 0,0 0 0 0 0,0 0-135 0 0,0-1 0 0 0,1 1 0 0 0,-1-1 0 0 0,0 1 0 0 0,0-1 0 0 0,0 0 0 0 0,0 1 0 0 0,1-1-1 0 0,-1 0 1 0 0,0 0 0 0 0,0 0 0 0 0,-1 0 0 0 0,1 0 0 0 0,0 0 0 0 0,0 0 0 0 0,0 0 0 0 0,-1 0 0 0 0,1 0 0 0 0,0 0 0 0 0,-1 0 0 0 0,1-1 0 0 0,-1 1 0 0 0,1-1 0 0 0,0-3-250 0 0,0 0 0 0 0,0 0 0 0 0,-1-1 0 0 0,1 1 0 0 0,-1 0 0 0 0,0 0 0 0 0,-1 0 0 0 0,1 0-1 0 0,-1 0 1 0 0,0 0 0 0 0,0 0 0 0 0,-1 0 0 0 0,-1-5 0 0 0,-2-1-97 0 0</inkml:trace>
+</inkml:ink>
+</file>
+
+<file path=ppt/ink/ink68.xml><?xml version="1.0" encoding="utf-8"?>
+<inkml:ink xmlns:inkml="http://www.w3.org/2003/InkML">
+  <inkml:definitions>
+    <inkml:context xml:id="ctx0">
+      <inkml:inkSource xml:id="inkSrc0">
+        <inkml:traceFormat>
+          <inkml:channel name="X" type="integer" min="-2.14748E9" max="2.14748E9" units="cm"/>
+          <inkml:channel name="Y" type="integer" min="-2.14748E9" max="2.14748E9" units="cm"/>
+          <inkml:channel name="F" type="integer" max="32767" units="dev"/>
+          <inkml:channel name="OA" type="integer" max="360" units="deg"/>
+          <inkml:channel name="OE" type="integer" max="90" units="deg"/>
+        </inkml:traceFormat>
+        <inkml:channelProperties>
+          <inkml:channelProperty channel="X" name="resolution" value="1000" units="1/cm"/>
+          <inkml:channelProperty channel="Y" name="resolution" value="1000" units="1/cm"/>
+          <inkml:channelProperty channel="F" name="resolution" value="0" units="1/dev"/>
+          <inkml:channelProperty channel="OA" name="resolution" value="1000" units="1/deg"/>
+          <inkml:channelProperty channel="OE" name="resolution" value="1000" units="1/deg"/>
+        </inkml:channelProperties>
+      </inkml:inkSource>
+      <inkml:timestamp xml:id="ts0" timeString="2021-10-23T12:44:29.208"/>
+    </inkml:context>
+    <inkml:brush xml:id="br0">
+      <inkml:brushProperty name="width" value="0.05" units="cm"/>
+      <inkml:brushProperty name="height" value="0.05" units="cm"/>
+    </inkml:brush>
+  </inkml:definitions>
+  <inkml:trace contextRef="#ctx0" brushRef="#br0">73 486 220 0 0,'-9'-11'902'0'0,"-1"0"-1"0"0,-1 0 1 0 0,1 1-1 0 0,-22-15 1 0 0,32 25-890 0 0,102 56-1576 0 0,-65-37 1120 0 0,-26-12 1104 0 0,1-1-1 0 0,22 8 0 0 0,-19-13 5580 0 0,-14-2-6013 0 0,1 0 0 0 0,-1 0 0 0 0,1 0 1 0 0,-1 0-1 0 0,1 0 0 0 0,-1 0 0 0 0,1-1 0 0 0,-1 1 0 0 0,0-1 0 0 0,1-1 0 0 0,-1 2-160 0 0,42-44 2526 0 0,-42 44-2516 0 0,-1 1-62 0 0,29 1-25 0 0,1-2-1 0 0,-1-1 1 0 0,30-7-1 0 0,-50 7-84 0 0,-1 0-1 0 0,1-1 0 0 0,0 0 1 0 0,-1 0-1 0 0,0-1 1 0 0,1 0-1 0 0,-2-1 0 0 0,1 1 1 0 0,0-2-1 0 0,-1 1 1 0 0,0-1-1 0 0,0 0 1 0 0,10-13-1 0 0,-8 7 40 0 0,0 0-1 0 0,-1-1 1 0 0,0 0 0 0 0,-2 0 0 0 0,1-1-1 0 0,-2 0 1 0 0,1 0 0 0 0,-2-1 0 0 0,0 1-1 0 0,-1-1 1 0 0,0 0 0 0 0,-1 0-1 0 0,-1 0 1 0 0,-1 0 0 0 0,0 0 0 0 0,0 0-1 0 0,-2 0 1 0 0,0 0 0 0 0,-1 0 0 0 0,-7-23-1 0 0,5 15 364 0 0,5 19-190 0 0,-1 0 0 0 0,0 0-1 0 0,0 0 1 0 0,0 0-1 0 0,-3-6 1 0 0,2 15-16 0 0,0 1 1 0 0,0-1 0 0 0,1 1 0 0 0,-1 10-1 0 0,1-15-84 0 0,-30 264 612 0 0,9-57-771 0 0,17-178-501 0 0,-1 0 0 0 0,-1-1-1 0 0,-17 43 1 0 0,16-52-1200 0 0,-1-1 0 0 0,-1 0-1 0 0,-15 21 1 0 0,12-23-1335 0 0,4-12 1437 0 0</inkml:trace>
+</inkml:ink>
+</file>
+
+<file path=ppt/ink/ink69.xml><?xml version="1.0" encoding="utf-8"?>
+<inkml:ink xmlns:inkml="http://www.w3.org/2003/InkML">
+  <inkml:definitions>
+    <inkml:context xml:id="ctx0">
+      <inkml:inkSource xml:id="inkSrc0">
+        <inkml:traceFormat>
+          <inkml:channel name="X" type="integer" min="-2.14748E9" max="2.14748E9" units="cm"/>
+          <inkml:channel name="Y" type="integer" min="-2.14748E9" max="2.14748E9" units="cm"/>
+          <inkml:channel name="F" type="integer" max="32767" units="dev"/>
+          <inkml:channel name="OA" type="integer" max="360" units="deg"/>
+          <inkml:channel name="OE" type="integer" max="90" units="deg"/>
+        </inkml:traceFormat>
+        <inkml:channelProperties>
+          <inkml:channelProperty channel="X" name="resolution" value="1000" units="1/cm"/>
+          <inkml:channelProperty channel="Y" name="resolution" value="1000" units="1/cm"/>
+          <inkml:channelProperty channel="F" name="resolution" value="0" units="1/dev"/>
+          <inkml:channelProperty channel="OA" name="resolution" value="1000" units="1/deg"/>
+          <inkml:channelProperty channel="OE" name="resolution" value="1000" units="1/deg"/>
+        </inkml:channelProperties>
+      </inkml:inkSource>
+      <inkml:timestamp xml:id="ts0" timeString="2021-10-23T12:44:29.589"/>
+    </inkml:context>
+    <inkml:brush xml:id="br0">
+      <inkml:brushProperty name="width" value="0.05" units="cm"/>
+      <inkml:brushProperty name="height" value="0.05" units="cm"/>
+    </inkml:brush>
+  </inkml:definitions>
+  <inkml:trace contextRef="#ctx0" brushRef="#br0">14 478 1416 0 0,'-2'-2'434'0'0,"1"1"0"0"0,0-1 0 0 0,-1 0 0 0 0,1 0-1 0 0,0 0 1 0 0,0-1 0 0 0,0 1 0 0 0,1 0 0 0 0,-1 0 0 0 0,0 0 0 0 0,1-1-1 0 0,-1 1 1 0 0,1 0 0 0 0,0-1 0 0 0,0 1 0 0 0,0-4 0 0 0,1 3-209 0 0,-1 1 0 0 0,1-1 0 0 0,0 1 0 0 0,0 0 0 0 0,0-1 1 0 0,0 1-1 0 0,1 0 0 0 0,-1 0 0 0 0,0 0 0 0 0,1 0 0 0 0,0 0 0 0 0,-1 0 1 0 0,4-2-1 0 0,5-4-193 0 0,1 1 0 0 0,0 0 1 0 0,0 1-1 0 0,1 0 0 0 0,12-5 0 0 0,-4 3-55 0 0,108-52-3224 0 0,-20 11-2446 0 0,-78 34 3671 0 0</inkml:trace>
+  <inkml:trace contextRef="#ctx0" brushRef="#br0" timeOffset="1">615 51 412 0 0,'-15'-5'5830'0'0,"-4"-4"1844"0"0,22 4-6658 0 0,13-3-3302 0 0,26-11-6060 0 0,-31 14 5962 0 0</inkml:trace>
+</inkml:ink>
+</file>
+
 <file path=ppt/ink/ink7.xml><?xml version="1.0" encoding="utf-8"?>
 <inkml:ink xmlns:inkml="http://www.w3.org/2003/InkML">
   <inkml:definitions>
@@ -837,6 +2401,179 @@
     </inkml:brush>
   </inkml:definitions>
   <inkml:trace contextRef="#ctx0" brushRef="#br0">1 211 1024 0 0,'27'-29'11680'0'0,"-1"-2"-8075"0"0,-14 14-3169 0 0,2 1 0 0 0,15-14 0 0 0,15-10-327 0 0,0 1-3501 0 0,-43 38 2254 0 0,6-6 249 0 0</inkml:trace>
+</inkml:ink>
+</file>
+
+<file path=ppt/ink/ink70.xml><?xml version="1.0" encoding="utf-8"?>
+<inkml:ink xmlns:inkml="http://www.w3.org/2003/InkML">
+  <inkml:definitions>
+    <inkml:context xml:id="ctx0">
+      <inkml:inkSource xml:id="inkSrc0">
+        <inkml:traceFormat>
+          <inkml:channel name="X" type="integer" min="-2.14748E9" max="2.14748E9" units="cm"/>
+          <inkml:channel name="Y" type="integer" min="-2.14748E9" max="2.14748E9" units="cm"/>
+          <inkml:channel name="F" type="integer" max="32767" units="dev"/>
+          <inkml:channel name="OA" type="integer" max="360" units="deg"/>
+          <inkml:channel name="OE" type="integer" max="90" units="deg"/>
+        </inkml:traceFormat>
+        <inkml:channelProperties>
+          <inkml:channelProperty channel="X" name="resolution" value="1000" units="1/cm"/>
+          <inkml:channelProperty channel="Y" name="resolution" value="1000" units="1/cm"/>
+          <inkml:channelProperty channel="F" name="resolution" value="0" units="1/dev"/>
+          <inkml:channelProperty channel="OA" name="resolution" value="1000" units="1/deg"/>
+          <inkml:channelProperty channel="OE" name="resolution" value="1000" units="1/deg"/>
+        </inkml:channelProperties>
+      </inkml:inkSource>
+      <inkml:timestamp xml:id="ts0" timeString="2021-10-23T12:44:34.224"/>
+    </inkml:context>
+    <inkml:brush xml:id="br0">
+      <inkml:brushProperty name="width" value="0.05" units="cm"/>
+      <inkml:brushProperty name="height" value="0.05" units="cm"/>
+    </inkml:brush>
+  </inkml:definitions>
+  <inkml:trace contextRef="#ctx0" brushRef="#br0">1994 197 444 0 0,'-4'-6'752'0'0,"1"1"-1"0"0,-1 0 1 0 0,1 0 0 0 0,-2 0-1 0 0,1 0 1 0 0,0 0-1 0 0,-1 1 1 0 0,-10-8 0 0 0,9 8-438 0 0,0 1 0 0 0,0 0 1 0 0,0 0-1 0 0,0 1 0 0 0,0-1 0 0 0,-1 1 1 0 0,-10-2-1 0 0,3 3-161 0 0,1 0 0 0 0,0 1 0 0 0,0 0 0 0 0,0 1 1 0 0,0 0-1 0 0,-1 1 0 0 0,1 1 0 0 0,-17 5 0 0 0,-13 6 143 0 0,0 2 1 0 0,2 2-1 0 0,0 2 0 0 0,1 1 0 0 0,1 2 1 0 0,2 2-1 0 0,0 1 0 0 0,-51 48 0 0 0,43-29-122 0 0,2 1-1 0 0,2 3 1 0 0,2 1-1 0 0,3 2 1 0 0,-47 86-1 0 0,50-76-170 0 0,3 1 0 0 0,3 2 1 0 0,3 0-1 0 0,2 2 0 0 0,-15 85 0 0 0,30-112-2 0 0,2 1-1 0 0,2-1 1 0 0,2 1 0 0 0,5 48-1 0 0,-1-59 0 0 0,2 1 0 0 0,1-1 0 0 0,2 0 0 0 0,1 0 1 0 0,1 0-1 0 0,16 31 0 0 0,-19-45-14 0 0,2-1 0 0 0,0-1 0 0 0,0 1 0 0 0,2-2 0 0 0,0 1 0 0 0,0-1 0 0 0,1-1 0 0 0,1 0 0 0 0,0-1 0 0 0,21 14 0 0 0,-14-12-34 0 0,0-2-1 0 0,2 0 1 0 0,-1-2-1 0 0,1 0 1 0 0,1-2-1 0 0,42 10 1 0 0,-21-10-67 0 0,1-1 1 0 0,82-1 0 0 0,82-19-50 0 0,-125 4 154 0 0,139-37 0 0 0,-169 32-5 0 0,-1-3-1 0 0,-1-3 1 0 0,78-41 0 0 0,-99 43-20 0 0,-1-1 1 0 0,-1-2-1 0 0,-1 0 1 0 0,-1-2-1 0 0,-1-1 0 0 0,-1-1 1 0 0,-2-2-1 0 0,0 0 1 0 0,27-46-1 0 0,-21 24 96 0 0,-3 0 0 0 0,-2-2 0 0 0,-2 0 0 0 0,-3-2-1 0 0,17-72 1 0 0,-26 84 108 0 0,-1 0-1 0 0,-2-1 1 0 0,-2 0-1 0 0,-2 0 1 0 0,-2 0-1 0 0,-2-1 1 0 0,-2 1 0 0 0,-10-56-1 0 0,4 63-53 0 0,-1 0 1 0 0,-2 1-1 0 0,-2 0 1 0 0,-1 0-1 0 0,-2 2 0 0 0,0 0 1 0 0,-3 1-1 0 0,-1 1 1 0 0,-1 1-1 0 0,-1 1 0 0 0,-2 0 1 0 0,-1 2-1 0 0,-1 1 1 0 0,-1 2-1 0 0,-1 0 0 0 0,-1 2 1 0 0,-1 1-1 0 0,-1 2 1 0 0,-1 1-1 0 0,0 1 0 0 0,-2 2 1 0 0,0 2-1 0 0,0 1 0 0 0,-1 1 1 0 0,0 2-1 0 0,-62-7 1 0 0,44 13-115 0 0,1 2 0 0 0,0 3 0 0 0,0 2 0 0 0,-1 2 0 0 0,2 2 1 0 0,0 3-1 0 0,0 2 0 0 0,-89 35 0 0 0,41-5-60 0 0,3 4 1 0 0,2 5-1 0 0,-119 84 1 0 0,117-66-468 0 0,3 4 0 0 0,4 3 0 0 0,2 5 0 0 0,-84 104 1 0 0,111-110-1518 0 0,-90 145 0 0 0,110-148-624 0 0,3 2 1 0 0,-39 106 0 0 0,50-103 338 0 0</inkml:trace>
+</inkml:ink>
+</file>
+
+<file path=ppt/ink/ink71.xml><?xml version="1.0" encoding="utf-8"?>
+<inkml:ink xmlns:inkml="http://www.w3.org/2003/InkML">
+  <inkml:definitions>
+    <inkml:context xml:id="ctx0">
+      <inkml:inkSource xml:id="inkSrc0">
+        <inkml:traceFormat>
+          <inkml:channel name="X" type="integer" max="32767" units="cm"/>
+          <inkml:channel name="Y" type="integer" max="32767" units="cm"/>
+          <inkml:channel name="F" type="integer" max="8191" units="in"/>
+          <inkml:channel name="T" type="integer" max="2.14748E9" units="dev"/>
+        </inkml:traceFormat>
+        <inkml:channelProperties>
+          <inkml:channelProperty channel="X" name="resolution" value="6301.34619" units="1/cm"/>
+          <inkml:channelProperty channel="Y" name="resolution" value="6301.34619" units="1/cm"/>
+          <inkml:channelProperty channel="F" name="resolution" value="3999.51147" units="1/in"/>
+          <inkml:channelProperty channel="T" name="resolution" value="1" units="1/dev"/>
+        </inkml:channelProperties>
+      </inkml:inkSource>
+      <inkml:timestamp xml:id="ts0" timeString="2021-10-24T11:16:32.251"/>
+    </inkml:context>
+    <inkml:brush xml:id="br0">
+      <inkml:brushProperty name="width" value="0.05292" units="cm"/>
+      <inkml:brushProperty name="height" value="0.05292" units="cm"/>
+      <inkml:brushProperty name="color" value="#FF0000"/>
+    </inkml:brush>
+    <inkml:brush xml:id="br1">
+      <inkml:brushProperty name="width" value="0.05292" units="cm"/>
+      <inkml:brushProperty name="height" value="0.05292" units="cm"/>
+      <inkml:brushProperty name="color" value="#00B050"/>
+    </inkml:brush>
+  </inkml:definitions>
+  <inkml:trace contextRef="#ctx0" brushRef="#br0">5112 2553 194 0,'0'0'445'0,"0"0"-51"0,0 0-73 0,0 0-81 0,0 0-83 0,0 0-48 0,0 0-31 0,0 0-18 16,0 0-14-16,0 0-2 0,0 0 3 0,0 0 2 0,0 0 5 0,0 0-1 15,0 0-2-15,0 4-6 0,0-4-5 0,-6 0-5 0,6 0-7 0,-7 0-3 16,7 0-4-16,0 0 1 0,0 3-2 0,-7-3-1 0,7 0-2 0,0 0-2 16,0 0-2-16,0 0 1 0,0 4-2 0,0-4 4 0,0 0 4 0,0 4 6 15,0-4 5-15,0 3 5 0,0-3 7 0,0 4 4 0,0-4 5 16,0 4 3-16,0-1 4 0,0 1 0 0,0 0 3 0,0 0 2 0,-6-1 3 15,6 1-2-15,0 3-2 0,0-3-2 0,0 0-3 0,-6 3-3 16,6 0-4-16,0-3-3 0,0 3-3 0,0 0-1 0,-7 1-1 0,7-1-1 16,0 0-2-16,-6 1-2 0,6-1-2 0,0 0-2 0,0 1-2 0,0-1-3 15,-7 0-2-15,7 0-1 0,0 1-1 0,0 0-2 0,0-1 1 0,0 0-2 16,0 0-1-16,0 4-2 0,0-3-1 0,-7-1-1 0,7 0-1 0,0 1 1 16,0-1 0-16,0 0 0 0,0 1 0 0,0-1 0 0,0 4 0 15,0-4-2-15,-6 0 1 0,6 4 0 0,0-3 0 0,0-1 1 0,0 1-2 16,0 3 0-16,0-4-2 0,0 0 0 0,0 1-2 0,0-1-1 0,0 0 0 15,0 0-1-15,0 1-1 0,0-1 0 0,0 0-1 0,0 4-2 0,0-3-1 16,0-1-2-16,0 0-1 0,0-3 0 0,0 3 0 0,0 1 1 0,0-1 0 16,0 1-1-16,0-1-2 0,0-3 0 0,0 3 0 0,0 0-1 15,0 0 1-15,0 1 0 0,0-1 1 0,6-3-1 0,-6 3 0 0,7 0 0 16,-7 1 1-16,7 3 1 0,-7-4 1 0,0 0 2 0,0 0 0 0,6 1 2 16,-6-1 0-16,7 5 1 0,-7-5 2 0,0 0 1 0,6 4 2 0,-6-4 0 15,6 4 1-15,-6-3 2 0,0-1-1 0,7 4 0 0,-7-4 1 16,7 0-1-16,-7 4 0 0,6-3 1 0,-6-1 1 0,6 4 0 0,-6-4 0 15,0 4-1-15,7-3-1 0,-7-1 1 0,7 4-1 0,-7-3 2 0,6 3 1 16,-6-4 0-16,7 0 0 0,-1 4 0 0,-6-4-2 0,6 4 1 16,1-3-1-16,-7 3-2 0,7-4 2 0,-1 4 0 0,0 0-1 0,-6-4 2 15,8 5-1-15,-2-5-1 0,0 4 1 0,1 0-1 0,-7-4 2 0,6 4 0 16,1 0 0-16,-7 0-1 0,6 0 1 0,1-4 0 0,-7 4 0 0,6 0 1 16,0 4 1-16,2-4 0 0,-2 0 1 0,-6 0 0 0,6 4-1 0,1-4-1 15,-1 0-2-15,1 3 1 0,-7 1 0 0,6-4-1 0,1 3-1 16,-1 1 1-16,1 0-2 0,0 0-1 0,-7-1-2 0,6 1-2 0,0-1-2 15,1 1 1-15,0 0-1 0,-1-1-1 0,-6 1 1 0,7-1 0 0,-1 2-2 16,0-2-1-16,1-3 1 0,0 4-2 0,-1-1 0 0,-6 1 1 0,6 0-2 16,-6-1 0-16,8 1-1 0,-8 3 0 0,0-3 0 0,6 0-1 0,-6-1-2 15,6 5 1-15,-6-5-1 0,7 4-1 0,-1-3 2 0,-6 3 0 16,7-3-1-16,-1 4-1 0,-6-1 0 0,7 0 0 0,-1 0 3 0,-6 1 1 16,6 3 1-16,2-4 0 0,-8 1 3 0,6 2 1 0,-6 1 1 0,0-3 2 15,6 3 0-15,-6-1 1 0,7 1 1 0,-7 1 2 0,6-1 3 0,-6 0-2 16,7-1 0-16,-1 5-1 0,-6-4 1 0,7 3-2 0,-1-2 0 15,1 2-1-15,-7 1-1 0,7 0 0 0,-1-5-1 0,-6 5 0 0,6 0-1 16,1 3-1-16,0-3 0 0,-7-1-1 0,6 1-2 0,0 4 0 16,-6-5-2-16,7 1 1 0,-1 3-4 0,-6-4 1 0,7 2-1 0,-7 2 0 15,0-4 0-15,7 4-2 0,-7-3 1 0,6 0-3 0,-6 3 1 16,6-3-2-16,-6-1 0 0,0 5 1 0,0-5 2 0,0 5 1 0,0-1 0 16,0-3 3-16,0 3 1 0,0 1 2 0,0-5 0 0,0 4 2 0,0 1 0 15,0-1 3-15,0 0 2 0,0 1 1 0,0-5 2 0,0 8 0 16,8-4 1-16,-8 0-2 0,6 1-1 0,-6-1 0 0,0 1-1 0,6 2-1 15,-6-2-1-15,6-1-2 0,-6 4 0 0,7-4-2 0,0 4 0 0,-1 1-2 16,-6-5-2-16,7 4-1 0,-1-4-2 0,0 4-1 0,2-4 1 16,-8 4-2-16,6-3-1 0,-6 2-2 0,6-2-1 0,-6-1-1 0,0 4-2 15,6 0 2-15,-6-4 2 0,7 5 2 0,-7-2 1 0,0-2 3 16,7 2 3-16,-7 2 0 0,6-5 2 0,-6 4 2 0,0 0 2 16,0 0 3-16,0 0 1 0,0 0 3 0,0 0 2 0,0 0 1 0,0 4 0 15,0-5-2-15,0 5-2 0,0-4 0 0,0 4-1 0,0-1-1 0,0 1-1 16,0-1-2-16,0 1-2 0,0 0-3 0,0-1 0 0,0 1-3 15,0 0-3-15,0-4 0 0,0 3-4 0,0 1-1 0,0-4-1 0,0 4 1 16,0-1 1-16,0 1 0 0,0 0 2 0,0-1 3 0,0 1 2 16,0-1 2-16,0 1 3 0,0 0 0 0,0 3 3 0,0-4 2 0,0 1 4 0,0 3 1 15,0-3 0-15,0 4 2 0,0-1-1 0,0 0-3 0,-6-4 0 16,6 5-2-16,0-1-2 0,0 0-1 0,0 1-4 0,0-1 0 0,0 0-4 16,0 1-2-16,0-1-3 0,0 0-1 0,0-3 0 0,0 3-3 0,6 1-3 15,-6-1 1-15,7 0 3 0,-7-4 2 0,0 5 1 0,6-1 2 16,-6 0 2-16,0 1 2 0,0-1 1 0,6 0 2 0,-6 5 2 15,0-5 2-15,0 4 2 0,0-4 2 0,0 4 3 0,0 0 0 0,0 0-3 16,0 0-2-16,0 4-2 0,0-5-1 0,0 5-3 0,-6-4 0 16,6 0-3-16,-6 3-2 0,6-2-2 0,0-2-1 0,-7 1-4 0,1 1 0 15,-1-2 1-15,0 1 2 0,1 1 1 0,6-2 2 0,-6 1 2 0,0 0 2 16,-2 0 2-16,2 0 1 0,0 0 2 0,-1 0 1 0,7 0 2 16,-6 0 1-16,6 0 3 0,-7 4-2 0,7-5 0 0,0 2-3 0,-7 2-3 15,7-3-1-15,-6 0-3 0,6 0-2 0,-6 0-2 0,6 0-3 0,0 0-1 16,-6 0-2-16,6 4-2 0,-8-8 1 0,8 4 2 0,-6 0 2 15,0 0 2-15,-1 0 2 0,0-1 2 0,1 2 1 0,-1-5 3 0,1 4 0 16,0 0 3-16,-8 0 1 0,8 0 2 0,0-1 2 0,-1 5 1 16,-6-4 1-16,0 0-3 0,0 0-1 0,6 0-4 0,-5 0-1 0,-2 0-1 15,8 0-4-15,-7-4-2 0,0 5-3 0,6-5 0 0,1 4-2 0,-8-4-1 16,8 0-2-16,0 0-3 0,-8 1 2 0,8-1 1 0,-7 0 3 0,7-3 3 16,-1 3 1-16,0 1 0 0,-5-1 5 0,5-4 1 0,0 5 2 15,1-4 1-15,-7 3 2 0,6-4 2 0,-6 4 2 0,7 1 3 0,0-1-1 16,-2 0-3-16,-4 1-2 0,5-1-1 0,-6 0-2 0,7 1-1 15,-1-1-3-15,1 0-1 0,-8 0-1 0,8-3-2 0,0 4-1 0,-1-5-3 16,0 4 0-16,1-3-3 0,0 0-1 0,-1-1-2 0,1 1 1 0,6 0 2 16,-7-1 2-16,0 1 3 0,1-1 2 0,0 1-1 0,-1-4 5 15,7 4 0-15,-7-1 3 0,7 1 0 0,-6 0 3 0,0-1 2 0,6 1 1 16,-7 0 4-16,1-1-2 0,6 4 0 0,-7-3-3 0,0 4-2 16,1-5-1-16,6 4-1 0,-6-3-3 0,-2 3-2 0,2-3-2 0,6 3-2 15,-6-3-1-15,0 0-1 0,-1-1-1 0,7-3-2 0,-7 0-1 16,7 0-1-16,-6 4-2 0,6-4-1 0,-7 0 0 0,1 0 2 0,0 0 2 15,-2-4 4-15,2 4 0 0,6-4 2 0,-6 4 2 0,0-4 1 0,-2 1 2 16,8-1 1-16,0 1 2 0,-6-5-1 0,6 1 3 0,-6-1 1 16,6 1 1-16,-7 0-2 0,7-4 0 0,0 3-2 0,-6-3-1 0,6 0 1 15,0 0-3-15,0 4 1 0,-7-8-4 0,7 4-3 0,0 0 0 0,-7-4-1 16,7 1-1-16,-6 3-2 0,6-7-1 0,0 7 1 0,-6-8-4 0,0 4-1 16,-2 1-4-16,8-5-3 0,-6 1-4 0,0-1-6 0,-1-3-2 0,1 5-4 15,-1-2-5-15,0-3-5 0,7 0-6 0,-6-4-5 0,0 4-8 0,6-3-8 16,-8-1-6-16,8-3-6 0,-6 3-8 0,6-4-4 0,0 1-10 15,-6 0-9-15,6-1-14 0,-6-3-19 0,6 0-23 0,0 0-27 0,0 0-34 16,-7-3-37-16,7-1-59 0,-7 4-68 0,1-7-85 0,-1 0-95 0,1-1-43 16,0-3-17-16,-2 0-1 0,2-3 142 0</inkml:trace>
+  <inkml:trace contextRef="#ctx0" brushRef="#br0" timeOffset="1146.79">2032 14522 42 0,'19'0'60'0,"0"3"-6"0,1-3-3 0,6 0-3 0,-7 4-2 15,8-4 0-15,-1 4-1 0,6-4 0 0,-6 0-1 0,1 3-2 0,5-3-3 16,1 0-3-16,-1 0-3 0,1 4-3 0,6-4-2 0,-7 0-2 16,8 0-3-16,-1 4-2 0,-1-4-2 0,9 0 2 0,-2 0 5 0,1 0 4 15,-1 0 2-15,1 0 3 0,5 0 1 0,8 0 2 0,0 0 3 0,0 0 2 16,-1 0 3-16,1 0 2 0,6 0 4 0,6 0 2 0,2 0 2 15,-2 0 0-15,7 0-3 0,0 0-2 0,0 0-2 0,7 0 0 0,0 0-1 16,0 0-1-16,-2 0 2 0,9 0-3 0,-1 0-2 0,0 3-5 16,0-3-2-16,1 0-4 0,-1 4-4 0,0-4-2 0,0 0-3 0,0 0-4 15,-6 0-2-15,0 0-1 0,-1 4-3 0,7-4 0 0,-6 0-2 0,0 0-2 16,0 0-1-16,-1 0-1 0,1 0-1 0,0 0 2 0,0 0 2 0,6 0 3 16,-7 0 2-16,13 0 2 0,-5 0 2 0,6 0 1 15,0 0 2-15,-1 0 0 0,7 0 2 0,7 0 2 0,-1 0 1 0,1 0 3 0,7 0 1 16,6 0 1-16,-1 0-3 0,1 0-2 0,0 0-3 0,6 3-2 15,0-3-4-15,7 0-1 0,-7 0-3 0,7 4-2 0,0-4-4 0,-1 0-1 16,8 0 0-16,-1 4-1 0,0-4 1 0,7 3 2 0,0-3 2 0,0 4 1 16,12-4 4-16,-5 4 3 0,12-4 4 0,0 3 2 0,1-3 1 15,13 4 2-15,-8-4 3 0,7 3-3 0,1-3-2 0,5 4-4 16,-5 0-2-16,5-4-2 0,2 3 0 0,-1 1 0 0,0 0-1 0,6-1 0 16,1 2 0-16,5-2-1 0,1 0 0 0,0 1-1 0,6 0-1 15,7 0 1-15,-6 3 1 0,12-3 0 0,-6-1 1 0,0 5-2 0,0-5-3 16,0 1-2-16,6 3 1 0,-6-3-2 0,0 3-1 0,6-3 1 15,1 3 0-15,0 1 1 0,-1-5 0 0,7 4 1 0,-7-3-1 0,7 3-1 16,0 1 0-16,1-5-1 0,-8 5-3 0,6-5-1 0,2 5 3 0,-8-5 1 16,0 5 0-16,1-1 1 0,-1-3-1 0,1 0 0 0,6 3-1 15,-7-3 0-15,6-1 0 0,-4 5 0 0,-2-5 0 0,0 1 1 0,0 0 0 16,-6 3-2-16,7-4-4 0,-7 1-1 0,0 0 0 0,0 3 1 16,-7-3-1-16,1-1 1 0,-1 1 1 0,0 0 0 0,-6 3 2 0,7-3 2 15,-8-1 1-15,2 5 1 0,-2-5 2 0,-5 1 1 0,-1 0-3 0,-6-1-4 16,0 4-3-16,0-3-2 0,-7 0 0 0,0-1 1 0,-6 2 0 15,1 1 2-15,-9-1 0 0,9-2 2 0,-9 1 0 0,2-1 0 0,-1 1 1 16,1 0 2-16,-1-1 1 0,-6 1 1 0,6-4 3 0,-5 4-2 0,-2-1-3 16,1 1-2-16,-7-4-2 0,0 4-3 0,-6-4-3 0,0 3-2 15,-14-3-2-15,8 0 0 0,-7 0 1 0,-7 4 0 0,-6-4 2 0,6 0 1 16,-6 0 2-16,-7 0 1 0,1 0 3 0,-8 0-1 0,1 0 3 16,-1 0 1-16,-11 0 1 0,4 0 2 0,-5-4 3 0,-1 4-1 0,-12 0 0 15,7 0-2-15,-8-3-1 0,-6 3-1 0,7-4-1 0,-14 4 0 16,2-4-3-16,-8 1 1 0,0 3 0 0,-7-4-1 0,1 4 1 0,-8-4 0 15,-4 1 0-15,-9 3 3 0,1-4 1 0,-5 4 4 0,-9-4 3 0,-5 4-3 16,0-3-2-16,-1 3-9 0,-13-4-12 0,7 4-16 0,-13-3-17 0,0 3-25 16,0-5-25-16,-6 2-31 0,-1 0-33 0,-6 3-51 0,7-5-60 15,-14 2-83-15,7-1-93 0,0 0-66 0,-6 1-52 0,-1-1-18 16,0 1 27-16</inkml:trace>
+  <inkml:trace contextRef="#ctx0" brushRef="#br0" timeOffset="2266.41">8101 11803 0 0,'-6'-3'277'0,"0"-1"289"0,-2 1-1 0,8 3 0 15,-6-4 0-15,6 4-127 0,0 0-187 0,6 0-102 0,2 0-59 0,-2 0-31 16,7 0-14-16,0 4-2 0,0-4 4 0,13 7 6 0,-6-4 6 0,12 1 1 16,1 3 1-16,6-3-1 0,-7 3-2 0,14 1-1 0,-7-1-5 0,6 0-3 15,1 4-9-15,0-3-8 0,6-1-10 0,-7 4-14 0,1-4-16 16,-1 5-16-16,1-5-18 0,0 0-19 0,-7 4-21 0,0-4-24 0,0 1-24 15,0-1-30-15,-7 0-29 0,8 1-40 0,-7-1-47 0,-1-3-56 16,-6-1-62-16,7 5-69 0,-7-8-75 0,-1 3-30 0,1-3-7 0</inkml:trace>
+  <inkml:trace contextRef="#ctx0" brushRef="#br0" timeOffset="2421.44">9215 11785 115 0,'-26'-3'583'0,"0"-1"16"0,0 0 14 0,6 1-86 0,-6 3-135 0,0 0-94 15,1 0-71-15,-1 3-43 0,-1 1-30 0,-5 0-15 0,6 3-7 16,-1 0-9-16,-5 0-11 0,-1 1-14 0,7 3-18 0,-6 0-16 0,6 0-16 16,-1 0-12-16,-5 3-10 0,6-3-11 0,0 4-13 0,0 0-15 15,0-1-14-15,-7-3-20 0,14 4-19 0,-8 0-24 0,2-4-27 0,5 3-31 16,-6 1-34-16,6-4-52 0,8 0-61 0,-1 0-91 0,-1 0-101 16,2 0-62-16,-2-4-44 0,8 1-15 0,0-1 1 0</inkml:trace>
+  <inkml:trace contextRef="#ctx0" brushRef="#br0" timeOffset="2757.52">9782 10305 291 0,'-7'-4'570'0,"1"1"-2"0,-1-1 1 0,7 4-79 0,0 0-116 0,0 0-117 16,0 0-115-16,0 0-61 0,7 4-33 0,-1-1-11 0,7 4 1 0,0-3 4 15,7 8 10-15,0-6 7 0,5 2 5 0,1 3 2 0,0 0 0 0,7 0-3 16,-1 0-4-16,1 4-6 0,-1-4-7 0,8 0-7 0,-7-1-7 15,6 1-11-15,-7 0-11 0,7 0-15 0,-7-3-17 0,1 3-18 0,-7-4-20 16,7 1-22-16,-7-1-24 0,0 0-28 0,0-3-29 0,0 3-39 16,-7-3-47-16,8-4-46 0,-8 4-47 0,-6-4-77 0,7 0-93 0,-1 0-40 15,-6-4-13-15</inkml:trace>
+  <inkml:trace contextRef="#ctx0" brushRef="#br0" timeOffset="2912.55">10336 10338 0 0,'-33'0'360'0,"7"0"157"15,0 4 6-15,-7 0-98 0,1-1-147 0,-1 1-82 0,1 3-50 0,-1 0-29 16,-7 4-18-16,8 0-9 0,-7 0-3 0,0 0-7 0,0 4-8 16,0 3-9-16,0-3-11 0,6 0-15 0,1 3-18 0,-8 0-23 0,8 1-21 15,-1-1-29-15,1 0-32 0,-1 0-49 0,7 1-57 0,1-1-90 0,-2-3-102 16,1 3-73-16,6-3-56 0,1-1-28 0,6-3 53 0</inkml:trace>
+  <inkml:trace contextRef="#ctx0" brushRef="#br0" timeOffset="3250.63">9938 9192 76 0,'-26'0'582'0,"6"-4"-12"0,8 4-9 0,-2 0-39 0,1 0-56 16,7 0-137-16,0 0-180 0,6 4-90 0,0-1-49 0,0-3-19 0,6 4-5 15,0 3 8-15,7-3 15 0,-6 3 11 0,12 0 10 0,-5 1 7 16,5-1 6-16,1 0 1 0,6 4 0 0,0-3-7 0,-1-1-8 0,1 0-11 15,7 0-12-15,-7 1-18 0,7-1-19 0,-7 0-23 0,6 1-25 0,1-1-27 16,-1-3-32-16,1 0-41 0,-1-1-48 0,1 1-47 0,-1-4-49 16,2 4-78-16,-2-4-89 0,1-4-43 0,-1 4-18 0</inkml:trace>
+  <inkml:trace contextRef="#ctx0" brushRef="#br0" timeOffset="3407.66">10589 9045 414 0,'-38'4'500'0,"-2"-1"-62"0,1 5-100 16,0-1-97-16,-7 0-98 0,7 4-50 0,-6 0-23 0,-1 4-11 16,1-1-3-16,5 1-2 0,-5 3 0 0,-1-3-8 0,7 4-13 0,-6-1-22 15,5 0-28-15,1 0-35 0,1 4-37 0,5-4-50 0,7 1-56 0,0-1-89 16,0 1-108-16,7-1-61 0,-1-3-40 0</inkml:trace>
+  <inkml:trace contextRef="#ctx0" brushRef="#br0" timeOffset="4007.14">11299 7433 0 0,'-46'0'183'0,"7"0"180"0,7 0-106 15,-1 0-66-15,7 0-45 0,0 0-23 0,7 0-15 0,-1 0-3 0,0 0-1 16,14 3-3-16,-7-3-5 0,7 0-6 0,-1 0-6 0,7 4-6 0,0-4-6 16,0 0-7-16,0 0-6 0,0 4-5 0,7-1-5 0,-1-3 1 15,7 8-2-15,-7-5 2 0,14 1 0 0,-7 0 2 0,7 0 0 0,0-1-3 16,6 5-1-16,-7-5-5 0,13 1-1 0,-6 3-3 0,7-3-1 0,6 0-4 15,-6-1-2-15,6 1-3 0,0 0-4 0,0-4-7 0,0 3-9 16,0 1-16-16,0-4-16 0,-6 0-25 0,5 3-26 0,-4-3-41 0,-2-3-47 16,7 3-55-16,-6 0-57 0,6-4-85 0,-7 1-97 0,8-5-49 15,-8 1-25-15</inkml:trace>
+  <inkml:trace contextRef="#ctx0" brushRef="#br0" timeOffset="4164.17">11853 7297 156 0,'-20'7'458'0,"1"1"-45"0,-1 3-69 0,0 0-101 16,-6 0-118-16,7 4-61 0,-1-4-31 0,-6 0-15 0,7 3-7 15,-7 1-6-15,6-4-6 0,1 3-11 0,-1 1-15 0,0-4-24 0,1 4-27 16,6-4-41-16,-6 0-41 0,5 4-74 0,2-8-88 0,-2 4-60 0,2-4-44 16</inkml:trace>
+  <inkml:trace contextRef="#ctx0" brushRef="#br0" timeOffset="4434.22">12843 6634 255 0,'0'-3'530'0,"6"3"-6"16,-6 0-5-16,0 0-130 0,6 0-191 0,2 0-104 0,-2 3-61 0,7 1-33 16,0 0-19-16,6-1-2 0,1 5 5 0,0-1 7 0,12 4 10 15,-5-4 7-15,5 4 9 0,7 0 5 0,6 0 5 0,-5 0-3 0,5 0-10 16,7 0-15-16,7 0-19 0,0 4-31 0,-8-4-35 0,14 0-45 16,-6 0-46-16,6-4-44 0,7 4-41 0,-7-4-76 0,7 1-92 15,-1-1-50-15,1 0 87 0</inkml:trace>
+  <inkml:trace contextRef="#ctx0" brushRef="#br0" timeOffset="4627.27">14719 6524 0 0,'-27'-3'155'0,"-5"-1"350"15,-1 4 5-15,-5 0-82 0,-2 0-122 0,7 4-93 0,-12 3-82 16,6-3-45-16,-7 3-30 0,1 4-14 0,-1 0-7 0,1 0-3 15,-1 0 2-15,-6 3-6 0,13 1-9 0,-7 0-14 0,0 3-19 0,7 1-18 16,-6-5-20-16,6 4-28 0,6 1-32 0,-6-5-44 0,7 5-45 16,-1-1-68-16,1 1-80 0,6-5-64 0,-1 4-57 0</inkml:trace>
+  <inkml:trace contextRef="#ctx0" brushRef="#br0" timeOffset="4894.33">15402 6418 254 0,'26'4'490'0,"1"-4"-77"0,-1 3-123 0,0 5-76 0,7-5-55 15,-8 5-26-15,7-1-11 0,2 1 0 0,5-1 3 0,-1 0-4 0,1 1-7 16,7-1-10-16,-7 0-10 0,13 0-10 0,-6 4-11 0,0-3-9 15,5-1-9-15,2 0-6 0,5-3-8 0,-5 3-7 0,5 1-6 0,1-5-11 16,-1 1-12-16,0 0-18 0,1-1-17 0,6 1-24 0,-6-1-28 16,0-3-37-16,-1 4-41 0,1-4-47 0,0 4-50 0,-7-4-67 15,6 0-73-15,-6 3-64 0,1-3-57 0,-1 0-23 0,-7 4 499 0</inkml:trace>
+  <inkml:trace contextRef="#ctx0" brushRef="#br0" timeOffset="5086.38">17199 6517 91 0,'-19'0'491'16,"6"-4"-62"-16,0 4-98 0,1 4-82 0,-2-4-69 0,-5 0-40 15,6 4-24-15,-7 3-14 0,7-3-6 0,-7 3-8 0,1 0-7 0,-1 4-11 16,0 0-8-16,-5 0-8 0,5 4-8 0,0-4-4 0,-5 7-4 16,-1-3-6-16,0 0-6 0,0 3-12 0,-1 0-10 0,1 0-19 15,0 1-20-15,-7-1-18 0,8 1-20 0,-1 3-28 0,0-4-33 0,0 4-41 16,-7 0-48-16,13-4-72 0,-6 4-86 0,7 0-63 0,-7 0-47 15</inkml:trace>
+  <inkml:trace contextRef="#ctx0" brushRef="#br0" timeOffset="5348.74">16627 6909 263 0,'0'0'470'0,"0"0"-53"0,0 0-79 0,0 0-96 0,6 4-104 0,0-4-56 15,8 3-30-15,-1 1-13 0,7 0 0 0,-2-1 3 0,2 1 8 16,7 3 5-16,-1 1 7 0,6-1 3 0,1 0 2 0,-1 4-3 16,7-3-6-16,-6-1-6 0,5 4-8 0,9-4-8 0,-9 4-9 15,2-4-10-15,5 5-9 0,0-5-14 0,-5 4-14 0,5-4-17 0,1 1-20 16,-1 3-20-16,-6-4-23 0,7 0-33 0,0 1-37 0,0-1-42 15,-8 0-41-15,9 4-79 0,-2-7-97 0,1 3-46 0,-7 0 49 0</inkml:trace>
+  <inkml:trace contextRef="#ctx0" brushRef="#br0" timeOffset="5553.8">17760 7268 231 0,'-46'7'454'0,"7"1"-95"0,-7-1-146 15,7 4-80-15,-6 0-49 0,-1 4-25 0,1-4-15 0,-1 3-12 16,-5 1-10-16,-2 3-20 0,1 1-24 0,-1-1-34 0,2 4-37 0,-8 0-41 16,1-4-41-16,-1 4-62 0,0 4-67 0,0-4-63 0,1 0 122 0</inkml:trace>
+  <inkml:trace contextRef="#ctx0" brushRef="#br0" timeOffset="5799.85">15735 7946 0 0,'12'0'433'0,"2"3"85"15,5 1 8-15,1 0-112 0,-1-1-172 0,8 1-91 0,5 0-49 0,1-1-20 16,-1 5-5-16,7-5 3 0,0 1 6 0,7 3 4 0,5-3 2 16,8 0-2-16,-7 3-7 0,13 0-7 0,-6-3-9 0,6 3-8 0,7-3-11 15,-6 4-15-15,5-5-16 0,-6 1-23 0,6 3-22 0,-6-3-28 16,1-1-31-16,-1 5-38 0,-6-5-44 0,-8 1-51 0,2 0-57 16,-1-1-89-16,-7 1-105 0,1 0-53 0,-7-1-29 0</inkml:trace>
+  <inkml:trace contextRef="#ctx0" brushRef="#br0" timeOffset="5968.88">15350 8070 20 0,'-33'11'442'0,"-6"0"-90"0,7 4-140 15,-7 0-74-15,7-1-42 0,-8 1-23 0,1 4-13 0,0-1-9 0,0 4-13 16,-7-4-20-16,1 4-28 0,5 0-43 0,-5 0-54 0,-7 4-58 15,0-4-61-15,6 3-71 0,-6-3-75 0</inkml:trace>
+  <inkml:trace contextRef="#ctx0" brushRef="#br0" timeOffset="6229.94">13031 8601 96 0,'7'0'491'0,"0"4"4"15,-1-4 5-15,1 4-114 0,5-4-176 0,2 4-95 0,5-1-52 0,1 1-22 16,6 0-7-16,0-1 8 0,7 1 16 0,5 0 10 0,9-1 11 16,-2 1 3-16,13 0 2 0,1-1-7 0,6 1-7 0,14 0-7 0,-2-4-9 15,8 0-7-15,6 0-6 0,1 0-10 0,5 0-6 0,1 0-14 16,-1-4-14-16,8 0-23 0,-7 4-26 0,-7-3-31 0,6-1-33 0,-5 0-41 15,-8 1-45-15,-6-1-51 0,1 0-56 0,-8 1-81 16,-6-1-91-16,-6 0-44 0,-7 1-20 0</inkml:trace>
+  <inkml:trace contextRef="#ctx0" brushRef="#br0" timeOffset="7134.26">14953 8576 214 0,'-7'-4'537'16,"1"-3"-43"-16,-1 3-72 0,1 0-77 0,6 1-78 0,-7-1-49 15,1 4-35-15,-1-3-16 0,7 3-11 0,-6-4-8 0,6 4-9 0,-6-4-15 16,6 4-18-16,0 0-19 0,-8-3-17 0,8 3-16 0,0 0-14 16,0 0-15-16,0 0-13 0,-6 3-11 0,0-3-7 0,-1 4-4 15,1-4-3-15,-1 4-4 0,1-1-4 0,-7 4 0 0,-1 1-1 0,2-1-2 16,-2 0 1-16,2 4 3 0,-8-3 2 0,1 7 5 0,-1-4 4 15,0 0-3-15,1 3-4 0,-1-3-8 0,1 4-8 0,-1-4-10 0,0 3-11 16,2 1-17-16,-2-4-17 0,0 4-24 0,1 0-28 0,5-4-38 16,-5 3-44-16,-1-3-46 0,8 4-52 0,4-4-76 0,-4 0-89 15,6 0-43-15,-1 0-15 0</inkml:trace>
+  <inkml:trace contextRef="#ctx0" brushRef="#br0" timeOffset="7597.71">16757 8525 240 0,'-6'0'521'0,"6"0"2"0,0 0 4 0,6 0-111 0,-6 3-168 16,6-3-97-16,1 0-58 0,6 4-31 0,0-4-15 0,7 4-2 16,-1-1 2-16,0 1 4 0,8-4 4 0,-1 4 1 0,0-1 3 0,0 1-4 15,7-4-7-15,-7 3-12 0,-1 1-15 0,1 0-22 0,1-1-23 16,5-3-32-16,-6 4-32 0,-6-4-44 0,5 4-47 0,-5-4-50 15,6 3-54-15,-6-3-84 0,-1 0-99 0,1 4-54 0,0-4-27 0</inkml:trace>
+  <inkml:trace contextRef="#ctx0" brushRef="#br0" timeOffset="7758.74">17024 8525 112 0,'-20'0'532'0,"8"0"4"16,-8 3-2-16,7 1-109 0,-7 0-163 0,0-1-89 0,1 1-53 0,0 3-28 15,0-3-13-15,-1 7-7 0,6-4-3 0,-5 0-12 0,-1 4-15 0,1-3-27 16,0 3-29-16,-1 0-36 0,1 0-36 0,-1 0-55 0,0 4-60 16,7-5-90-16,-7 1-101 0,8 0-73 0,-2 0-55 0,2 0-30 15,-1 0 140-15</inkml:trace>
+  <inkml:trace contextRef="#ctx0" brushRef="#br0" timeOffset="8610.98">12374 9840 65 0,'0'3'508'0,"0"-3"-9"16,6 0-21-16,1 4-93 0,-1-4-131 0,1 4-78 0,6-4-48 0,-7 3-26 16,8 1-13-16,-2 0-3 0,2-1 1 0,5 1 0 0,-6 0-1 0,6-1-7 15,-5 1-11-15,5 0-13 0,1-1-14 0,0 1-11 0,-1-4-15 16,1 3-16-16,-2 2-19 0,2-2-23 0,0 1-21 0,-1-4-29 0,-5 4-30 15,5-1-42-15,1-3-48 0,-1 4-51 0,0-4-54 0,1 0-79 16,-7 4-93-16,7-4-45 0,-8-4-18 0</inkml:trace>
+  <inkml:trace contextRef="#ctx0" brushRef="#br0" timeOffset="8761.02">12719 9821 472 0,'-20'4'530'0,"8"-4"-68"0,-8 4-105 0,7-1-94 0,-7 1-88 15,8 0-53-15,-8-1-33 0,7 5-17 0,-1-5-8 0,2 5-10 0,-8-1-11 16,7 0-18-16,0 4-24 0,-6-4-28 0,5 5-31 0,2-5-37 16,-8 4-42-16,7 0-54 0,-7 4-55 0,8-4-89 0,-8 3-105 0,7-3-54 15,-7 4-27-15</inkml:trace>
+  <inkml:trace contextRef="#ctx0" brushRef="#br0" timeOffset="9162.51">11188 10543 0 0,'8'-4'265'0,"-2"4"264"0,0 0 12 0,0 0-49 16,1 0-81-16,6 0-96 0,-6 0-104 0,13 0-62 0,-8 4-35 15,8-4-17-15,-1 4-7 0,1-1-1 0,6 1 4 0,-7-4-3 0,1 4-6 16,6-1-11-16,0 1-13 0,0 0-14 0,0-1-12 0,-6 1-14 16,6 0-14-16,0-1-19 0,0-3-18 0,-1 4-23 0,-5 0-24 0,7-1-26 15,-1-3-28-15,0 4-36 0,-7 0-37 0,7-1-47 0,0-3-49 0,-6 4-67 16,-1-4-75-16,7 0-54 0,-6 0-43 0,-7 0-14 0,7-4 485 16</inkml:trace>
+  <inkml:trace contextRef="#ctx0" brushRef="#br0" timeOffset="9302.54">11820 10503 315 0,'-13'0'514'0,"0"0"-43"0,-7 4-70 16,1-1-92-16,0 1-102 0,6 0-59 0,-7-1-38 0,0 5-20 0,1-1-12 15,-1 0-6-15,8 4-4 0,-8-4-12 0,0 4-15 0,1 0-23 16,5 4-27-16,-5-4-30 0,0 4-30 0,6 0-43 0,-7-4-45 0,7 3-62 16,0 1-64-16,7-4-83 0,-7 3-87 0,-1-3-45 0,8 4-23 0</inkml:trace>
+  <inkml:trace contextRef="#ctx0" brushRef="#br0" timeOffset="9679.62">14510 10726 0 0,'0'0'500'0,"0"0"50"0,0 0 5 0,0 4-42 15,6-4-64-15,-6 3-112 0,0-3-133 0,8 4-75 0,-2-4-43 16,6 4-21-16,-5-1-6 0,13 2 0 0,-8-2 4 0,8 0 5 16,-6 2 3-16,11-2-2 0,-5 1-5 0,6-1-6 0,0-3-10 0,0 4-13 15,-7 0-16-15,8-4-18 0,-1 3-20 0,0 1-22 0,0-4-25 16,-1 0-25-16,-5 0-29 0,6 0-37 0,-6 0-36 0,6 0-48 0,-6 0-51 16,-1 0-53-16,8 0-51 0,-8-4-66 0,-6 1-71 0,6 3-30 15,-5-4 80-15</inkml:trace>
+  <inkml:trace contextRef="#ctx0" brushRef="#br0" timeOffset="9821.65">14836 10708 364 0,'-33'4'543'15,"1"-1"-23"-15,-1 1-42 0,0 0-101 0,0 3-130 0,1-4-76 0,-1 5-49 16,1 0-26-16,-1-2-16 0,1 6-16 0,-1-1-16 0,7-4-23 16,0 4-28-16,-7 0-37 0,15-4-39 0,-9 4-49 0,7 0-53 0,8 0-61 15,-2-4-63-15,2 4-81 0,5-3-91 0,1-1-43 0,6 0-24 16</inkml:trace>
+  <inkml:trace contextRef="#ctx0" brushRef="#br0" timeOffset="10112.71">16386 10268 509 0,'6'0'566'16,"-6"0"1"-16,14 0 2 0,-8 4-131 0,6-4-202 0,2 4-108 16,-1-1-63-16,0 1-28 0,6 0-9 0,7 3 2 0,-6-3 8 0,7 3 6 15,-2-4 4-15,1 5-6 0,6-5-7 0,1 5-13 0,-7-5-17 16,7 5-18-16,-7-4-19 0,6 0-23 0,-5-1-25 0,-1 1-31 0,0 3-35 15,0-7-40-15,-1 4-42 0,-5-1-45 0,0-3-42 0,5 0-73 16,-5 0-85-16,0 0-45 0,-7 0-22 0</inkml:trace>
+  <inkml:trace contextRef="#ctx0" brushRef="#br0" timeOffset="10260.75">16874 10261 513 0,'-26'4'554'0,"6"-4"-50"0,-12 3-84 0,6 1-92 0,0 3-91 16,0 1-56-16,-6-1-37 0,5 0-19 0,1 4-13 0,0-4-10 15,0 4-7-15,-7 1-13 0,7 2-13 0,1-3-22 0,-8 4-25 16,7 0-32-16,-6-1-36 0,5 1-43 0,-5-1-48 0,6 1-73 0,-1 0-87 16,1 0-98-16,0-4-104 0,7 3-52 0,-7-3-28 0,6 4-15 0,1-8 466 15</inkml:trace>
+  <inkml:trace contextRef="#ctx0" brushRef="#br1" timeOffset="16325.64">5659 12921 0 0,'0'0'15'0,"0"0"296"0,0 0-102 0,0 0-64 0,0 0-44 15,0 0-22-15,7 0-14 0,-7 0-2 0,6 0 3 0,-6 0 5 16,6 0 5-16,-6 0 3 0,8 0 1 0,-8 0-2 0,6 0-2 0,0 0-4 16,0 0-2-16,1 0-1 0,-7 0 0 0,7 0 0 0,-1 0-2 0,1 0 1 15,-1 0-1-15,0 0 1 0,2-4 0 0,4 4 0 0,-6 0-2 16,2-3-1-16,-2 3-2 0,0 0-3 0,1 0-4 0,6-5-4 0,-6 5-5 15,-1 0-3-15,7-3-3 0,-6 3-4 0,5-3-5 0,-5-1-2 16,6 4-3-16,-6-4-4 0,5 0-1 0,2 4-3 0,-2-3-2 0,-5-1-2 16,6 0 0-16,0 1-2 0,-7 3 1 0,8-4-2 0,-2 0-2 15,-4 1 1-15,4-1-1 0,1 0-1 0,-6 1 0 0,6-1-1 0,-1 0-2 16,-4-3 0-16,4 3 0 0,2 1-1 0,-1-1 0 0,-7 1-2 0,7-1 0 16,-6 0 0-16,5 1-1 0,2-1-2 0,-1 0-1 0,-1 1 1 15,2-1 1-15,-2 0 0 0,2 1 0 0,-1-1 1 0,6 0 2 0,-6 1-1 16,1-5 1-16,-2 5 0 0,1-1 1 0,7 0-1 0,-7-3 3 0,6 3 0 15,-5 0 0-15,5-3 1 0,1 3-1 0,0 1 0 0,-1-5 0 16,0 5 0-16,0-1 0 0,1-3 0 0,0 0 0 0,6 3-1 0,0-3 2 16,-7-1 0-16,8 1-1 0,-1 3 0 0,0-3-1 0,-1 0 1 15,8-1 1-15,-7 1-1 0,0 0-2 0,7-4 1 0,-1 4-1 0,-6-1-1 16,1 0 1-16,5 1-2 0,-6 0 0 0,1 0 0 0,-1-1-1 16,-1 1 0-16,7 3-1 0,-5-3 1 0,-1 0 0 0,-6 3-1 0,6-3 0 15,-1-1-1-15,1 5 0 0,-6-4 1 0,7 3-1 0,-1-3 1 16,-7-1 0-16,1 5 0 0,6-5 0 0,0 5 2 0,-7-5-2 0,7 1 0 15,-6 3 1-15,-1-3 0 0,7-1 2 0,-6 5 0 0,6-5 1 0,-1 1-1 16,-5 0 1-16,6-1 0 0,1 1 2 0,-1 3 0 0,0-3 0 16,-1 0-1-16,1 0 2 0,1-4 0 0,-1 3 0 0,0 1 0 0,7 0 0 15,-1-1 0-15,-6 1 0 0,7-4-1 0,-7 3 2 0,7 1-1 0,-7-4 1 16,-1 4 0-16,1-4 0 0,7 4 0 0,-7-1 0 0,0-3 0 16,0 4-1-16,0 0 1 0,7-4 0 0,-7 3 0 0,-1 1 0 0,2-4-1 15,-1 4 0-15,6 0-1 0,-5-4-1 0,-1 3 0 0,0-3-1 16,6 4-2-16,-5-1 0 0,5-3 1 0,1 0-2 0,-7 4-1 0,6-4-1 15,1 0 0-15,-1 4 0 0,1-4-1 0,6 0-1 0,-7 0-1 16,1 0-1-16,6 0-1 0,-7 0 1 0,8 0-1 0,-1 0 0 0,-1 0 0 16,-5-4 1-16,-1 4-2 0,8 0 1 0,-7 0-1 0,6 0 0 0,-7-3 1 15,7 3-1-15,-7-4 2 0,8 4 1 0,-7 0 2 0,6-4 2 16,-7 1 2-16,1 3 2 0,-1-4 2 0,1 4 1 0,-7-3 1 0,6 3 2 16,1-4 1-16,-7 4 4 0,0-4 3 0,0 0 3 0,1 1 0 15,-2 3 2-15,1-4-2 0,-6 1 0 0,6 3-3 0,0-4-3 0,7 0-2 16,-8 4 1-16,1-4-2 0,0 1 0 0,7-1-3 0,-7 1-2 0,7-1-3 15,-1 0-2-15,1 1-5 0,7-1 0 0,-8 1-1 0,7-2-2 16,6 2 1-16,-5-1-1 0,5-3 1 0,1 3-2 0,-7 1 2 0,6-1-1 16,1 1 2-16,-1-1 1 0,1-3 0 0,-1 3 2 0,8 0 2 15,-1 0 0-15,-7 1 1 0,1-1 1 0,-1 1 0 0,2-1 1 0,-2 0 0 16,0 4 1-16,7-3-3 0,-13 2-2 0,7-2-2 0,-1 3 0 16,1-4-1-16,-7 4-3 0,7-3 1 0,-1 3-2 0,-6 0-1 0,7-4 0 15,-1 1-1-15,1 3 0 0,-7-5 0 0,7 2-1 0,0-1 0 16,-8 1 1-16,8-1-1 0,0-3 1 0,0 3 0 0,5-3 0 0,-5 0 1 15,-1-1-1-15,1 4 1 0,0-3 2 0,0 0 1 0,-1 0-1 0,7-1 1 16,-6 1 1-16,-7 0 0 0,6 0 2 0,1-1 2 0,-1 1 0 16,-6-1-1-16,1 1 0 0,-1 3 2 0,0-3-1 0,0 0 1 0,0-1 0 15,0 5-2-15,0-5-1 0,-7 1-1 0,8 0 1 0,-1 0 0 16,0-1-1-16,1 1 0 0,-2-1-1 0,1 1-2 0,0 0 0 0,-6-4-2 16,6 4-1-16,6-4-1 0,-6 4-1 0,1-4-1 0,5-1-1 15,-6 1 1-15,7 0-1 0,-1 0 2 0,-5 1 1 0,5-1 2 16,1 3 1-16,-1-3 4 0,-6 4 2 0,7-4 1 0,-1 4 0 0,-5-1 0 15,5 1 3-15,1-1 1 0,-1 1 2 0,2 0 0 0,-2 0 0 16,0 3-3-16,1-3 0 0,6 3-1 0,-7 1-1 0,8-5 0 16,-8 4-3-16,7-3 1 0,1 3 3 0,-2-3-1 0,2 3-1 0,-1-3 1 15,-1 4 2-15,2-5-1 0,-1 1 3 0,1-1-2 0,4 1 1 16,-4 0 0-16,-1 0 1 0,7-4 2 0,-8 3 1 0,8-2-1 0,-7-2-2 16,1 1 1-16,6 0-1 0,-8 0-3 0,8-3-1 0,-7 3-2 15,7 0-1-15,-8 0-1 0,2 0-1 0,-1 0-3 0,0 0-1 0,0 0-1 16,0 4-1-16,1-5 0 0,-8 5 1 0,7-4 2 0,-7 4 0 15,8 0 4-15,-8-4 1 0,1 4 3 0,-1-1 2 0,1 1 4 0,-7-1 2 16,7 1 2-16,-1 0 2 0,-6 0 3 0,7-1 1 0,-7 1 2 16,0-1 2-16,1 1 0 0,-2-4 1 0,1 4-1 0,0 0 1 15,1-1-1-15,-1 1 0 0,-1-1-2 0,2 1 0 0,-7 0-1 16,12 3-2-16,-6-7 0 0,0 8-1 0,7-5-2 0,-8 1 0 0,2-1-2 16,5 1 0-16,-6 4-1 0,7-5 0 0,-1 1 1 0,-5 0 0 0,5 3 0 15,1-3 2-15,-1 0-1 0,-6 3 2 0,1-4-2 0,5 5 1 16,-6-4-1-16,1 3 2 0,-1-3 1 0,-1 3 0 0,1 0 0 15,1-3 0-15,-7-1-1 0,5 5-2 0,-5-4-2 0,6 3-1 0,-13-3 1 16,13 3-1-16,-6 1-1 0,0-5-1 0,5 5-1 0,-5-5-1 16,6 4-1-16,-7 1-2 0,7-5-1 0,-5 5-2 0,4-1-1 0,1 1-1 15,-6-1 0-15,6 0-1 0,0-3 1 0,0 3-1 0,0 0 0 16,7 1 0-16,-7-1 1 0,0 1 1 0,-7-1 1 0,8 4 1 16,-1-3 1-16,0-2 0 0,-7 5 3 0,7 1 0 0,-7-5 2 0,2 4 2 15,-2 0 1-15,1 0 0 0,-7 0 1 0,7-3-1 0,-1 3-1 16,-7 0 0-16,9 0 1 0,-9 0 1 0,8-1 0 0,-1 1 2 15,-6 0 1-15,7 0 2 0,-1 0 0 0,2-3 0 0,-2 3 0 0,1 0 1 16,-1 0 1-16,7 0 1 0,-6 0 2 0,-1 0 0 0,7-3 0 16,-7 6 0-16,8-3-1 0,-15 0 0 0,15 0-1 0,-7 0 0 0,-1 4-1 15,-5-4-1-15,5 3 0 0,-6-3 0 0,-1 4 0 0,2 0 1 16,-1 0 0-16,0-1 0 0,-6-3 0 0,5 3 0 0,-5 2 0 16,0-2 1-16,-1 4 0 0,-6-3-1 0,6 0 0 0,1-1 0 0,-6 5-1 15,5-5 0-15,-6 5-1 0,6-5-3 0,-5 1 0 0,5 0-1 0,1 3-2 16,0-3-1-16,-1 0-1 0,0 3-1 0,0-3-2 0,1 3 1 15,-6-3-2-15,5-1 1 0,1 5-1 0,-8-5 1 0,8 5-1 16,-1-5 1-16,-5 4-1 0,6 1 0 0,-8-5 0 0,8 5 1 0,-7-1-2 16,7-3 1-16,-8 3 0 0,8 0 1 0,-7-3-2 0,0 3 0 15,0 1 1-15,-1-1-1 0,-4 1 0 0,4 3 1 0,-5-4-1 0,-1 4-2 16,1-4-5-16,-7 4-7 0,7 0-11 0,-7 0-10 0,0 0-17 16,0 0-16-16,0 0-22 0,0 0-24 0,0 0-34 0,0 0-39 15,-7 0-56-15,0-3-69 0,7 3-110 0,0 0-134 0,-6 0-66 16,-13 3-36-16,5-3-11 0,-5 0 0 0</inkml:trace>
+  <inkml:trace contextRef="#ctx0" brushRef="#br0" timeOffset="34421.66">26051 15892 0 0,'0'-4'279'0,"0"4"162"0,0-4-77 0,0 4-68 0,0 0-65 16,0 0-40-16,0 0-27 0,0 0-12 0,0 0-6 0,0 0-3 15,0 0-1-15,0 0-7 0,0 0-8 0,0 0-12 0,0 0-14 0,0 0-12 16,0 0-13-16,0 0-8 0,0 0-7 0,0 0-5 0,0 0-6 0,0 0-2 16,0 0-6-16,0 0-2 0,0 0-5 0,0 0-6 0,0 0-4 15,0 0-5-15,0 0-4 0,0 0-4 0,0 0-3 0,0 0-1 0,0 0-1 16,0 0-1-16,0 0 2 0,12 0 0 0,-4 0 0 0,4 0 1 16,-5 0 1-16,6 0 1 0,6 0 2 0,1 0 0 0,-1 0 1 0,1 0 2 15,6 0 0-15,-6 0 0 0,5 0 0 0,1 0-1 0,1-3-2 16,5 3-1-16,-6 0 0 0,1 0-2 0,5 0-1 0,1 0-1 0,-7 0 0 15,6 0-1-15,1-4-1 0,-7 4 0 0,6 0-1 0,-5 0 1 16,5 0 0-16,1 0-1 0,-7 0 0 0,6-4-1 0,1 4 1 0,6 0 0 16,-7 0 0-16,1 0 0 0,-1-3 0 0,1 3-1 0,-1 0 1 0,1 0 1 15,-1-4-1-15,2 4 1 0,-2 0-1 0,1-4 1 0,-1 4 1 16,1 0 0-16,-1 0-1 0,1-3 1 0,-1 3 0 0,-5 0 0 0,5 0-1 16,-6-4 1-16,-1 4-1 0,2 0-1 0,-1 0 1 0,-6 0-2 15,6 0 1-15,-7 0-2 0,1 0 1 0,0 0-2 0,-8 0 0 0,8 0 0 16,-1 0 0-16,-5 0-1 0,-2 0 0 0,2 0-1 0,-1 0 1 15,-1 0 0-15,-5 0-2 0,6 0 0 0,0 0 0 0,-6 0 0 0,-1 0-1 16,1 0 0-16,5 0-2 0,-12 0-3 0,7 0-3 0,0 0-5 16,-1 0-4-16,0 0-7 0,-6 0-6 0,0 0-9 0,8 0-8 0,-8 0-13 15,0 0-15-15,0 0-16 0,0 0-20 0,0 0-21 0,0 0-22 0,0 0-28 16,0 0-34-16,0 0-36 0,0 0-41 0,0 0-44 0,0 0-49 16,0 0-56-16,0 0-60 0,0 0-22 0,0 0 344 0</inkml:trace>
+  <inkml:trace contextRef="#ctx0" brushRef="#br0" timeOffset="34924.76">27406 15749 0 0,'-20'-4'343'0,"7"0"92"0,-1 1-77 0,2 3-65 15,-1-4-59-15,6 0-39 0,1 4-31 0,-7-3-16 0,6 3-13 0,0 0-8 16,1 0-7-16,0 0-11 0,6 0-13 0,0 0-15 0,0 0-14 0,0 0-9 15,0 0-10-15,0 0-5 0,0 0-3 0,0 0 0 0,0 0-1 0,0 0 2 16,0 0 1-16,0 0 0 0,0 0 0 0,0 0-4 0,0 0-3 16,0 0-4-16,0 0-3 0,0 0-4 0,0 0-4 0,0 0-1 0,6 0-2 15,-6 0 0-15,6 3-1 0,1-3 0 0,-7 4-1 0,7-4 1 16,6 4-2-16,-7-1-1 0,1 1 1 0,12 0 0 0,-5-1 2 0,-2 1 1 16,8 0 1-16,-1-1 1 0,1 5-1 0,0-4 0 0,5-1-2 15,1 5-2-15,1-5-1 0,-1 1-2 0,6 0-1 0,1-1 0 0,-7 1-1 16,7 0 0-16,-1-1-1 0,-6 1-1 0,7 0-1 0,-7-4-1 0,0 3 0 15,-1 1-1-15,2-4 1 0,-8 4-2 0,1-4 0 0,-1 3 1 16,1-3-2-16,-7 0 1 0,0 0 1 0,0 4 0 0,-7-4 1 0,8 0 0 16,-8 0 2-16,-6 0 0 0,6 0 0 0,-6 0 1 0,0 0-1 15,0 0 1-15,0 0 1 0,0 0 0 0,0 0 0 0,0 0 0 0,0 0-2 16,0 0-1-16,0 0-2 0,0 0-2 0,-6 0-2 0,6 4-2 16,0-4-3-16,-6 0-3 0,0 0-2 0,-2 3-3 0,2 1 0 0,6-4-3 15,-6 0 0-15,-1 3 0 0,-6 1 1 0,6-4-1 0,-5 4 1 16,5-1 2-16,-6-3 2 0,0 8-1 0,0-5 2 0,0 1 2 0,0 0 0 15,-6-1 2-15,5 1 1 0,-5 3 2 0,6-3 4 0,0 3 1 0,-7-3 2 16,0 4 0-16,8-5-1 0,-8 5 1 0,7-1-3 0,-7 0 0 16,8 1-2-16,-1-1-2 0,-1 0-4 0,2 0-4 0,-2-3-6 0,2 3-8 15,-2 1-11-15,8-5-12 0,-1 5-14 0,-5-5-16 0,4 5-18 0,8-5-18 16,0 1-22-16,0 0-35 0,0-1-40 0,0 1-40 0,8-4-42 16,-2 3-73-16,7 1-90 0,0 0-46 0,6-4-26 0</inkml:trace>
+  <inkml:trace contextRef="#ctx0" brushRef="#br0" timeOffset="35725.94">29730 15672 0 0,'-6'-4'295'0,"0"4"232"15,-7 0 11-15,6 0-85 0,7-3-131 0,-7 3-90 0,7 0-69 0,0 0-41 16,0 0-25-16,0 0-15 0,-6 0-9 0,6 3-9 0,-6-3-8 16,6 0-14-16,0 0-14 0,-8 4-11 0,8 0-12 0,-6-4-7 0,6 3-3 15,0 1-1-15,0 0 3 0,0-1 1 0,0 5 4 0,0-1 3 0,0-3 2 16,6 3 4-16,-6 0 2 0,8 0 1 0,-8 1-1 0,0-1-2 15,6 0-1-15,-6 4-1 0,6-3-3 0,-6 3-1 0,7-4-2 0,-7 1 0 16,0 3 0-16,7-4-2 0,-7 0 0 0,6 1 0 0,-6-1-1 0,7 4 0 16,-7-8 1-16,0 5-1 0,0-1 1 0,6-3 0 0,-6-1 2 15,0 5-1-15,6-5 1 0,-6 1 1 0,0 0 0 0,0-4 1 0,0 3 0 16,7-3 2-16,-7 0 0 0,0 0-1 0,0 0 0 0,0 0 0 0,0 0-2 16,0 0 1-16,7 0-1 0,-1 0 0 0,0 0-3 0,1-3-2 15,-7 3-3-15,13-4 0 0,-6 0-2 0,-1 1-1 0,7-1 1 0,-6 0-1 16,5 1 0-16,2-5 0 0,-8 1 1 0,7 3-2 0,0-3-1 15,-6 4 0-15,-1-5 2 0,0 5 2 0,8-5 2 0,-8 5 0 16,1-1-1-16,0 0 1 0,5 1-3 0,-5-1 1 0,-1 0-2 0,1 1-1 16,0 3-1-16,-7-4 0 0,0 0 0 0,6 4-2 0,-6 0-2 0,0 0-1 15,0 0-1-15,0 0 1 0,0 0-1 0,0 0 1 0,0 0 2 0,0 0 1 16,6 0 2-16,-6 0 1 0,7 4 2 0,0-4 3 0,-1 0 2 16,1 4 2-16,-1-4 2 0,-6 0 2 0,6 0 2 0,1 3 0 0,0-3 1 15,-1 0 0-15,0 0 1 0,2 4 1 0,-8-4 0 0,6 0 3 16,0 0 0-16,1 0 3 0,-1 0 2 0,-6 0 3 0,7 0 4 0,-7 0 4 15,6 0 5-15,-6 0 3 0,7-4 4 0,-7 4-1 0,6 0 1 16,-6-3-2-16,6 3-1 0,-6-4-2 0,8 0-1 0,-8 1-3 0,6-1-3 16,-6 0-4-16,0 1-5 0,6-1-5 0,-6-4-6 0,7 5-5 0,-7-5-4 15,0 1-1-15,6 0 0 0,-6-1 0 0,7 5 0 0,-7-4-2 16,0-1 1-16,0 1 0 0,0 0-3 0,0-1 0 0,0 5-1 0,0-5-2 16,0 5-2-16,0-5-1 0,0 5-3 0,0-1-4 0,0-3-6 0,0 7-10 15,0-7-10-15,0 3-10 0,0 0-11 0,0 4-13 0,0-3-12 16,-7-1-14-16,7 4-15 0,-6-4-16 0,6 4-20 0,0 0-27 0,0 0-33 15,0 0-34-15,0 0-36 0,0 0-56 0,0 0-65 0,0 0-40 16,0 0-27-16</inkml:trace>
+  <inkml:trace contextRef="#ctx0" brushRef="#br0" timeOffset="36170.05">30721 15610 461 0,'0'0'503'0,"0"-4"-59"16,0 0-94-16,0 4-88 0,0 0-86 0,0 0-49 0,-7 0-32 0,7 0-15 16,0 0-10-16,-7 0-8 0,7 0-9 0,-6 0-9 0,0 0-11 0,-2 0-9 15,-4 4-8-15,6 0-5 0,-8-4-1 0,8 3 0 0,-7 1 1 16,-1-1 3-16,2 2 3 0,-2-2 2 0,2 5 2 0,-1-5 3 0,-1 5 3 15,2-1 2-15,-2-4 3 0,2 5-2 0,-1-5-2 0,-7 5-1 16,14-1-1-16,-8 0-2 0,2 1-2 0,5-5 0 0,0 5-1 0,-6-5 0 16,7 5 1-16,0-5-1 0,-2 4-1 0,2-3-2 0,6 3-1 0,0-3-1 15,-6 0-3-15,6-1 1 0,0 1-2 0,0 0 0 0,0-1-1 16,0 1 0-16,0 0 1 0,6 0 1 0,-6-4 0 0,0 3 2 0,6-3 1 16,2 4 2-16,-2-4 1 0,0 0 3 0,7 0 3 0,-6 4 2 15,0-4 2-15,5 0 4 0,2 0 2 0,-2 0 2 0,2 0 1 0,5 0 2 16,-5 0 0-16,4 0-1 0,2-4 1 0,-1 4-2 0,1 0-1 15,0-4-2-15,-1 4-2 0,1-3-4 0,0 3-3 0,-8-4-3 0,2 0-2 16,5 4-4-16,-6-4-3 0,0 4-4 0,0-3-2 0,0 3-6 0,0-4-6 16,-7 4-6-16,8-4-7 0,-2 4-8 0,2-3-7 0,-8 3-11 0,1-4-12 15,-1 4-14-15,1-4-16 0,-1 4-21 0,-6-3-25 0,7 3-28 16,-7 0-34-16,0 0-39 0,0 0-43 0,0 0-59 0,0 0-63 0,0 0-65 16,0 0-61-16,0 0-27 0,0 0 15 0</inkml:trace>
+  <inkml:trace contextRef="#ctx0" brushRef="#br0" timeOffset="36381.1">31241 15738 343 0,'-6'-4'568'0,"6"0"-1"15,-7 4-2-15,7-3-96 0,-6 3-143 0,6-4-126 0,0 4-118 16,0 0-77-16,0 0-59 0,0 0-44 0,0 0-38 0,0 0-50 0,0 0-52 16,0 0-81-16,0 0-90 0,6 4-61 0,1-4-46 0,-1 0-19 0,8 3 371 15</inkml:trace>
+  <inkml:trace contextRef="#ctx0" brushRef="#br0" timeOffset="37142.26">31450 15533 54 0,'0'0'537'0,"-7"0"13"0,7 0 10 15,0-4-96-15,0 4-145 0,0 0-89 0,0 0-59 0,0 0-36 16,0 0-23-16,0 0-16 0,0 0-11 0,-6 4-17 0,6-4-15 0,0 0-17 15,-6 0-16-15,6 0-11 0,-8 4-10 0,8-4-4 0,0 3-2 16,0 1 0-16,0-1 3 0,0 1 1 0,0 0 2 0,0-1 4 0,0 1 1 16,0 0 3-16,0-1 4 0,0 5 1 0,0-5 1 0,0 5-1 15,0-5-2-15,0 5-1 0,0-5-2 0,0 5-1 0,0-1-1 0,0-4 0 16,8 5-2-16,-8-4 1 0,0 3-1 0,0 1-1 0,6-5 0 0,-6 1 1 16,0-1-2-16,6 1 0 0,-6 0 1 0,0-1-1 0,0 1-1 15,7 0 1-15,-7-4 2 0,6 3-1 0,-6-3 1 0,7 0 1 0,-7 0-2 16,0 0 1-16,0 0 0 0,0 0-1 0,7 0-1 0,-1 0 1 0,0 0-1 15,-6 0 0-15,14-3-1 0,-8 3-1 0,0 0-2 0,8-4-2 16,-8 0 0-16,7 1 0 0,1-1 0 0,-2 0 0 0,1 1 0 0,0-1-1 16,0 1 1-16,1-5 1 0,-2 5-2 0,-6-1 1 0,8 0-1 15,-1 1 2-15,-7-2 0 0,8 2 1 0,-8 3-2 0,0-4 0 0,0 1-1 16,2 3 0-16,-2-4-1 0,0 4-1 0,-6-4-1 0,0 4-1 0,0 0-1 16,0 0 0-16,0 0 0 0,7 0 0 0,-7 0 1 0,7 4-1 15,-7-4 2-15,6 0 0 0,1 4 0 0,-1-4 2 0,0 3 0 0,1-3 1 16,-7 4 3-16,7-4 1 0,-1 0-1 0,0 0 3 0,1 3 1 15,0-3 1-15,-7 0 0 0,6 5 1 0,-6-5 2 0,7 0 1 0,-7 0 3 16,6 0 4-16,-6 0 4 0,0 0 5 0,0 0 4 0,0 0 6 16,0 0 5-16,0 0 5 0,0 0 6 0,6 0 1 0,-6 0 3 0,7-5 0 15,-7 5-2-15,0-3 0 0,7 3-3 0,-7-4-4 0,0 1-4 0,0-1-4 16,0 0-3-16,0 1-7 0,0-1-4 0,0-3-7 0,0 3-5 16,0 0-3-16,0-3-3 0,0 0 0 0,0-1-2 0,0 5 0 0,0-5 1 15,0 1-1-15,0 0 0 0,0 3-1 0,0-3-1 0,0 0 0 16,0 3-1-16,0-3-2 0,0 3-1 0,-7 0-4 0,7 1-2 0,0-1-5 15,-7-3-4-15,7 7-7 0,0-4-9 0,-6 0-11 0,6 4-9 16,0 0-14-16,0-4-14 0,0 4-18 0,0 0-19 0,0 0-20 0,0 0-24 16,0 0-20-16,-6 0-21 0,6 0-29 0,0 0-35 0,0 0-33 15,-7 4-32-15,7 0-62 0,0-4-78 0,0 4-31 0,0-1 163 0</inkml:trace>
+  <inkml:trace contextRef="#ctx0" brushRef="#br0" timeOffset="37570.37">32329 15474 306 0,'0'0'361'0,"-6"-4"-62"0,6 1-63 0,-7 3-39 0,0 0-28 16,1 0-14-16,6 0-6 0,-13 0-9 0,6 0-7 0,1 0-15 0,-7 0-17 15,0 0-16-15,6 0-18 0,-5 0-13 0,-2 3-11 0,2 1-6 16,-2-4-5-16,1 4-3 0,-6 0-2 0,6-1-2 0,-1 1-2 0,2 3 0 15,-1-3-3-15,0 0-2 0,0 3-3 0,-1-3-2 0,2-1-2 0,5 5-1 16,-6-5 1-16,0 1-1 0,7 0-1 0,-8 3 0 0,14-4-1 16,-6 1-2-16,0 0 1 0,6-4 0 0,0 3 0 0,0 1-1 0,0-4 1 15,0 4 1-15,0-4 1 0,0 0 0 0,0 0 0 0,0 0 1 16,0 3 1-16,6-3 2 0,-6 0 0 0,6 0 1 0,-6 0 0 0,7 0 2 16,0-3 1-16,-1 3 0 0,1 0 1 0,5-4 0 0,-5 4 0 0,0-4-1 15,5 4 0-15,-4-3-2 0,4-1 0 0,1 0-3 0,0 4 0 16,-6-3-3-16,5-1 0 0,2 1-3 0,-8-1-1 0,7 0-2 0,-6 1-1 15,-1 3 0-15,7-4-2 0,-6 0-2 0,0 1 0 0,-1 3 0 16,0-4-1-16,-6 4-1 0,7-4 0 0,-7 4-2 0,0 0-1 0,0 0-1 16,0 0-1-16,0 0-1 0,0 0-1 0,0 0-2 0,0 0-2 15,0 0 0-15,-7 4 2 0,7-4 0 0,0 0 2 0,-6 4 1 0,6-4 1 16,-6 3 0-16,6-3 1 0,-7 4-1 0,7 0-2 0,0-4-6 16,0 3-5-16,-7-3-12 0,7 4-13 0,0-4-25 0,0 4-30 0,0-4-39 15,0 0-46-15,0 0-45 0,0 0-46 0,0 0-76 0,0 0-91 0,7 3-45 16,-7-3-24-16</inkml:trace>
+  <inkml:trace contextRef="#ctx0" brushRef="#br0" timeOffset="37760.69">32518 15423 0 0,'0'0'309'0,"0"3"116"0,0-3-64 0,0 4-78 0,0 0-86 16,0-1-52-16,0-3-37 0,0 8-16 0,0-8-4 0,0 7-4 0,0-7-2 15,0 4-6-15,0-1-12 0,0 1-14 0,0 0-15 0,-6-4-15 0,6 3-16 16,0 1-22-16,0-4-22 0,0 4-29 0,0-4-35 0,0 0-36 16,0 0-42-16,0 0-44 0,0 0-46 0,0 0-70 0,0 0-83 0,0 0-39 15,0 0 323-15</inkml:trace>
+  <inkml:trace contextRef="#ctx0" brushRef="#br0" timeOffset="37900.73">32479 15298 0 0,'0'-3'273'0,"-7"-1"165"0,7 0-66 0,-6 4-81 0,6-3-87 16,-7 3-61-16,7-4-48 0,-6 4-39 0,6 0-36 0,0 0-38 0,0 0-36 15,0 0-47-15,0 0-52 0,0 0-63 0,0 0-68 0,0 0-68 0,6 4-71 16</inkml:trace>
+  <inkml:trace contextRef="#ctx0" brushRef="#br0" timeOffset="38191.8">32772 15320 173 0,'0'0'516'0,"-6"0"-58"0,6 0-95 0,-7 0-75 16,0 0-66-16,1 0-44 0,6 4-33 0,0-4-24 0,-7 0-19 0,7 0-17 16,-6 3-13-16,6-3-13 0,-6 0-11 0,6 5-9 0,0-2-6 0,-8-3-5 15,8 3-2-15,0 2 1 0,0-5 1 0,0 3 4 0,0 1 3 16,0-1 4-16,0 1 5 0,0 0 1 0,0-1 0 0,8 5-1 0,-8-5-4 15,0 1-2-15,6 0-2 0,0-1-2 0,1 5-1 0,-7-5-3 0,6 1 1 16,1 3-4-16,0-3-2 0,-1 0-2 0,0-1-3 0,-6 4-3 16,7-3-1-16,0 0-3 0,-1-1-1 0,-6 1-2 0,6 0-2 0,-6-1-2 15,7 1 0-15,-7 0-3 0,0-4-2 0,7 3-5 0,-7-3-7 16,0 4-8-16,0 0-11 0,0-4-12 0,0 0-18 0,0 0-18 0,0 0-18 16,0 0-25-16,0 0-25 0,0 0-36 0,0 0-42 0,0 0-43 15,0 0-41-15,0 0-72 0,0 0-86 0,0 0-43 0,0 0-22 16</inkml:trace>
+  <inkml:trace contextRef="#ctx0" brushRef="#br0" timeOffset="38428.85">33234 15144 0 0,'7'-3'556'0,"-7"-1"31"0,0 0 8 0,0 1-85 0,0 3-129 15,-7-4-94-15,7 4-73 0,0 0-39 0,0 0-26 0,0 4-15 16,0-4-11-16,0 3-12 0,0 1-14 0,0 0-14 0,7-1-14 0,-7 5-9 15,7-5-8-15,-1 5-1 0,0-1 0 0,1 0-1 0,-1 1 3 0,1-1-2 16,6 1-5-16,-7-1-6 0,1 0-4 0,0 4-5 0,5-4-4 16,-5 1-5-16,0-1-3 0,-1 0-4 0,7 1-6 0,-7-1-9 0,2-3-10 15,-2 3-10-15,0 0-12 0,1-3-15 0,-1 3-19 0,-6-3-22 16,0 0-22-16,7-1-30 0,-7 4-31 0,0-3-39 0,0 0-43 0,0-1-51 16,0 2-54-16,0-2-76 0,-7 0-88 0,7 2-43 0,-6-2-22 0,-1-3 0 15,7 0 407-15</inkml:trace>
+  <inkml:trace contextRef="#ctx0" brushRef="#br0" timeOffset="38601.57">33084 15276 0 0,'-6'0'1'0,"0"-3"541"0,-1 3 15 0,0-4-43 16,1 4-71-16,6 0-81 0,-6-4-87 0,6 4-56 0,0 0-39 0,0 0-27 16,0 0-19-16,0 0-16 0,6 0-13 0,0-3-16 0,8 3-15 15,-8-4-20-15,14 4-19 0,-1-4-23 0,1 4-21 0,6-3-26 0,0 3-26 16,7-4-37-16,-1 0-40 0,7 4-62 0,-7-3-75 0,1 3-99 15,6-4-109-15,-7 4-55 0,2-4-31 0,-2 1-11 0,-6-1 73 0</inkml:trace>
+  <inkml:trace contextRef="#ctx0" brushRef="#br0" timeOffset="41575.41">3575 3821 14 0,'6'-4'109'15,"-6"-3"5"-15,8 3 2 0,-8 0 3 0,0 1 1 0,0-1 0 0,0 4-7 16,0-4 1-16,0 1 3 0,0-1-1 0,0 4-1 0,0-4-4 0,6 4-5 15,-6-3-8-15,0 3-8 0,0-4-6 0,0 4-3 0,0 0-3 0,0-3-4 16,6 3 0-16,-6 0 1 0,0-4 1 0,0 4-1 0,0 0 1 0,0 0 1 16,6 0 1-16,-6-4 1 0,0 4-1 0,0 0 3 0,0-3 1 15,0 3 2-15,7 0-1 0,-7 0 0 0,0 0 0 0,0-4 1 0,0 4-1 16,0-4 1-16,7 4 0 0,-7-3-2 0,0 3 0 0,0 0-1 0,0-5-2 16,0 5-2-16,0 0-1 0,0 0-4 0,0 0-4 0,0 0-3 0,0 0 0 15,0 0-5-15,0 0-1 0,0 0-3 0,0 0-2 0,0 0-2 0,0 0-3 16,0 0-4-16,0 0-3 0,0 0-5 0,0 0-4 0,0 0-5 15,0 0-6-15,0 0-4 0,0 0-6 0,0 0-8 0,-7 0-6 0,7 0-5 16,0 0-4-16,0 5-5 0,0-5-2 0,0 3-1 0,0 1 1 0,0 0 0 16,0-4 1-16,0 7 2 0,0-3 4 0,0 3 2 0,0 0 4 15,0 0 2-15,0 1 4 0,0-1 2 0,0 4 0 0,7 0 2 0,-7 0-1 16,6 0 1-16,-6 0-2 0,0 0 0 0,7 0 1 0,-7 0-2 0,6 4-1 16,-6-4 0-16,0 0-2 0,6 3 0 0,2-3 0 0,-8 4 1 0,6-4-1 15,0 3 1-15,-6-3 0 0,6 0 0 0,1 4-1 0,-7-4-1 0,7 0 1 16,-1 0 0-16,1 0 0 0,-7 4 0 0,6-4 1 0,1-4-1 15,-7 4 0-15,7 0 0 0,-1-4-1 0,-6 4 1 0,6 1 0 0,0-6 0 16,2 2 0-16,-8 0 1 0,6-1 1 0,-6 0-1 0,6 0 1 0,1 1-1 16,-7-5-1-16,6 5-1 0,-6-5-2 0,7 5-1 0,-7-5-3 0,7 1-4 15,-7 0-4-15,0-1-7 0,6-3-5 0,-6 4-8 0,6 0-8 16,-6-4-7-16,0 3-10 0,6-3-8 0,-6 4-8 0,0-4-9 0,0 0-8 16,0 0-11-16,0 0-9 0,0 0-11 0,0 0-11 0,0 0-11 0,0 0-17 15,0 0-19-15,0 0-28 0,0 0-37 0,0 0-35 0,0 0-39 0,0 0-69 16,-6-4-85-16,6 1-37 0,0-1-16 0</inkml:trace>
+  <inkml:trace contextRef="#ctx0" brushRef="#br0" timeOffset="42183.55">3308 3582 0 0,'0'-7'446'0,"-7"0"-49"15,7 3-79-15,0-3-52 0,-6 3-37 0,6 1-26 0,-6-1-17 0,6 0-12 16,0 4-7-16,-7-3-10 0,7 3-11 0,-7-4-12 0,7 4-17 15,0 0-17-15,0 0-17 0,0 0-18 0,-6 4-15 0,-1-4-11 0,7 0-12 16,-6 3-7-16,0 1-5 0,-1 3-4 0,-6-3-3 0,7 3-2 0,-8 0 0 16,1 1-1-16,0 3 0 0,0 0 2 0,1 0 2 0,-2 0 0 0,1 0-1 15,-6 4 0-15,6-4 0 0,-1-1-1 0,2 5 0 0,-2-4-2 0,2 0-2 16,-8 0-2-16,13 0 0 0,-5 0-1 0,-2-3-2 0,8 3-2 0,0-4-5 16,-1 0-4-16,0 4-3 0,1-7-5 0,-1 3-6 0,7 0-7 0,-6-3-6 15,6 0-6-15,0-1-7 0,0 1-6 0,0 0-5 0,6-4-3 0,-6 3-5 16,7-3-3-16,-7 0-1 0,6 0-2 0,1 0 1 0,0-3 0 15,-1 3 2-15,6-4 2 0,2 0 2 0,-1 1 6 0,0-5 4 0,0 5 5 16,0-5 5-16,6 1 5 0,-5 0 4 0,5 0 6 0,-6-4 7 0,0 3 5 16,7-3 5-16,-7 4 6 0,0-4 6 0,0 0 9 0,-1 3 9 0,2-3 9 15,-1 0 7-15,0 4 5 0,0-4 8 0,0 4 3 0,-6 0 7 0,5-4 4 16,2 3 6-16,-8 5 4 0,7-5 4 0,0 1 4 0,-6 3 4 16,5-3 0-16,2 3 1 0,-8-3-2 0,7 4-2 0,0-2-1 0,-6 2 0 15,5 3-2-15,-4-4-3 0,4 4-2 0,-5-4-6 0,6 4-3 0,-7 0-4 16,1 0-3-16,6 0-6 0,0 4-4 0,0-4-7 0,-6 4-2 0,5-4-6 15,1 3-2-15,-6 2-3 0,6-2-2 0,1 4-2 0,-8-3 0 16,6 3-3-16,8-3 2 0,-7 3-2 0,1-3 1 0,-2 3-2 0,1 1 0 16,0-1 0-16,0 0 1 0,1-3-1 0,-2 3-1 0,2-3-1 0,-2 3-2 15,1 0-4-15,1-3-7 0,-2 3-8 0,-6-3-10 0,8 3-13 0,-1 1-14 16,-6-5-19-16,6 5-21 0,-1-1-23 0,-5 1-33 0,6-2-38 16,0 2-39-16,-6 0-43 0,6-5-69 0,-1 8-83 0,-4-4-60 0,-2 1-48 15,6-1-18-15,-12 0 296 0</inkml:trace>
+  <inkml:trace contextRef="#ctx0" brushRef="#br0" timeOffset="42654.65">3360 4835 0 0,'-6'-3'452'15,"6"-1"125"-15,0 0 7 0,-7 1-76 0,7 3-115 0,0 0-98 0,0 0-88 0,0 0-58 16,0 0-38-16,0 0-21 0,-7 3-12 0,7 1-3 16,-6 0-2-16,6 3-4 0,0-3-2 0,-7 7-8 0,7-4-5 0,-6 4-4 15,0-3-4-15,-1 3-1 0,0 0-1 0,7 0-1 0,-6 3-1 0,0-3-3 16,-1 4-7-16,0-1-5 0,1-3-6 0,-1 4-5 0,7-1-2 0,-6-3-2 15,0 5-2-15,-1-6-1 0,0 5-2 0,1-4-3 0,6 0-6 16,-6 0-4-16,-2 0-9 0,2-4-9 0,0 4-12 0,-1-4-12 0,1 1-15 16,-1-1-16-16,1 0-17 0,6 1-21 0,-7-5-22 0,1 5-23 15,0-4-26-15,-2-1-27 0,8 1-29 0,-6 0-39 0,6-1-46 0,0-3-52 16,0 0-58-16,0 0-46 0,0 0-41 0</inkml:trace>
+  <inkml:trace contextRef="#ctx0" brushRef="#br0" timeOffset="42926.71">3262 4788 453 0,'0'-7'552'0,"-6"3"-58"0,6 4-96 0,-6-4-81 0,6 1-77 16,0 3-48-16,0 0-39 0,0 0-24 0,0 0-17 0,0 0-10 0,0 0-11 16,0 0-12-16,6 3-15 0,0-3-10 0,-6 4-9 0,13 0-6 0,-6-1-3 15,0 5-1-15,5-5 2 0,2 5 5 0,-8-1 3 0,7 0 3 16,0 4 3-16,0-4-2 0,1 4-2 0,-2-3-3 0,1 3-3 15,7 0-4-15,-8-1-3 0,2 2-4 0,-1-1-3 0,0 0-3 0,0 0-4 16,-7 0-3-16,8 0-3 0,-2-4-1 0,-5 4-3 0,6 0 0 16,0 0-2-16,-7 0-2 0,8-4-3 0,-8 5-4 0,8-6-6 0,-8 6-8 15,0-5-9-15,0 0-15 0,1 1-16 0,0-5-17 0,-7 5-18 0,6-5-23 16,-6 5-27-16,0-5-26 0,0 1-28 0,-6 0-36 0,6-1-44 16,-7 1-43-16,7 0-45 0,-7-4-69 0,7 3-79 0,0-3-32 0,-6 0-9 15</inkml:trace>
+  <inkml:trace contextRef="#ctx0" brushRef="#br0" timeOffset="43117.75">3171 5063 174 0,'-6'0'433'0,"6"0"-54"0,0 0-67 0,0 0-52 0,0 0-43 16,0 0-30-16,0 0-23 0,0 0-17 0,0 0-14 0,0 0-15 0,6-4-13 15,1 4-15-15,-1-4-16 0,7 4-12 0,-6-3-13 0,5 3-9 16,2-4-10-16,-1 0-7 0,0 1-9 0,0 3-10 0,0-4-15 15,0 1-16-15,7-2-21 0,-8 2-23 0,1 0-24 0,7-2-33 0,-6 2-36 16,5-1-41-16,-6 0-42 0,6 1-59 0,-5-1-66 0,5 1-60 16,-6-1-56-16</inkml:trace>
+  <inkml:trace contextRef="#ctx0" brushRef="#br0" timeOffset="43386.81">3940 4799 443 0,'0'0'540'0,"-6"-4"-55"0,6 4-86 0,0 0-85 0,0 0-85 0,0 0-54 15,0 0-42-15,0 0-22 0,0 0-14 0,0 4-8 0,0 0-5 16,6-1-6-16,-6 1-6 0,6-1-7 0,-6 1-6 0,6 3-1 0,-6 1-2 16,8-1 1-16,-2 0 3 0,0 1 0 0,1-1 2 0,-1 4-4 0,-6-3-5 15,7-2-7-15,0 6-8 0,-1-5-5 0,0 1-5 0,-6 3-3 16,6-4-3-16,-6 0-3 0,8 0-3 0,-2 1-2 0,0-1-4 0,-6-3-2 15,0 3-4-15,7 0-5 0,-7-3-6 0,7 3-10 0,-7-3-10 16,0 0-15-16,0-1-18 0,0 1-22 0,0-1-23 0,0 1-29 16,0 0-29-16,0-1-40 0,0-3-46 0,0 0-52 0,0 0-57 0,0 0-74 15,0 0-83-15,0 0-39 0,0 0-15 0</inkml:trace>
+  <inkml:trace contextRef="#ctx0" brushRef="#br0" timeOffset="43594.37">3523 4843 0 0,'-7'0'438'0,"1"-4"114"15,0 4-14-15,6-4-80 0,-7 4-118 0,7-3-71 0,0 3-47 16,7-4-33-16,-7 4-25 0,6-4-19 0,0 1-13 0,8 3-18 0,-2-4-16 16,8 0-20-16,-1 1-20 0,7-4-19 0,1 3-23 0,5-3-18 15,1 3-17-15,-7-3-19 0,13-1-20 0,-7 1-26 0,1 0-31 0,-1-1-39 16,1 1-46-16,-1-1-62 0,-6 2-72 0,7-2-85 0,-13 0-90 15,6 1-45-15,-6 3-19 0</inkml:trace>
+  <inkml:trace contextRef="#ctx0" brushRef="#br0" timeOffset="51189.51">19277 2616 177 0,'7'-4'455'16,"-7"0"-78"-16,6 1-112 0,-6-1-65 0,0 0-41 0,7 1-24 0,0-5-17 16,-7 4-8-16,6 1-4 0,-6-1-7 0,0 0-5 0,6 1-9 0,-6-1-7 15,7 0-5-15,-7 1-3 0,0-1-4 0,7 0-2 0,-7 1-1 16,0-1 0-16,0 0 1 0,0 1-1 0,0-1-1 0,0 0-1 0,-7 1-2 15,7-1 1-15,0 1-1 0,-7-1-2 0,1 0-2 0,0 1-2 16,-1-1-4-16,0 0-2 0,1 1-6 0,-7 3-4 0,7-4-2 0,-1 0-4 16,-6 1-4-16,-1 3-5 0,8-4-3 0,-7 4-5 0,0-4-4 0,0 4-6 15,-7-3-3-15,8 3-3 0,-1 0-2 0,-7 0-2 0,7 3-1 16,-6-3-1-16,-1 4-1 0,1 0 0 0,-1-1 0 0,0 1 2 0,1 0-1 16,-7 3 2-16,6-3 2 0,1 3 0 0,-7 0 2 0,6 0 1 0,0 1 0 15,1-1 1-15,-1 0 0 0,0 1 0 0,2-1 0 0,4 4 1 16,-5-4-1-16,5 5 0 0,2-5 0 0,-1 0 1 0,6 1-1 0,-6-1 0 15,7 4-1-15,0-4 0 0,-2 0 0 0,2 1-1 0,0-1 1 16,6 0 0-16,0-3 0 0,0 3 0 0,0 1 0 0,0-5 0 0,0 5 0 16,6-5-1-16,0 4 2 0,2-3 2 0,-8 0 0 0,12-1 2 15,-5 1 2-15,-1 0 2 0,8-1 2 0,-8-3 1 0,6 5 2 0,2-5-1 16,-1 3 1-16,0 1 2 0,0-4 0 0,7 0-2 0,-1 0 0 16,-6 4-1-16,6-4-1 0,-5 0-2 0,5 0-1 0,1 3-2 0,-7-3-3 15,6 0-1-15,1 0-1 0,-7 4-2 0,7-4-1 0,-8 0-1 0,8 0-2 16,-7 3 0-16,7-3-1 0,-8 0-1 0,2 4 0 0,-2 0 0 15,2-4-2-15,-1 3-2 0,0-3 1 0,0 4 0 0,-7 0 1 0,0-1 0 16,8-3 0-16,-8 8 0 0,-6-5 0 0,7 1 1 0,-1 0 2 16,1-1 0-16,-7 1 3 0,0 0 0 0,0-1 4 0,0 1 2 0,0 0 1 15,0-1 2-15,0 1 1 0,0-1 2 0,-7 1 1 0,1 0 2 16,-1-1 2-16,1 1 1 0,-8 0 2 0,8-1 2 0,-7 5 0 0,0-5 1 16,0 1 0-16,-7 0-1 0,8-1 1 0,-8 1 2 0,1 0-2 15,-1 0 0-15,-6-1 0 0,6-3 1 0,-5 4-1 0,-1 0 1 0,-7-1 1 16,7-3 0-16,0 4 1 0,-7-4 1 0,7 0 2 0,0 0 1 0,-7 0 1 15,7 0 2-15,1 0-1 0,-1 0 1 0,-1-4-1 0,1 4 1 16,0-3-2-16,6 3 0 0,1-4-2 0,-7 0-3 0,6 1-2 0,7-1-3 16,-6 4-4-16,6-4-1 0,-1 0-5 0,2 1-5 0,-1 3-6 15,0-4-9-15,6 4-10 0,1-4-12 0,0 4-13 0,-2-3-17 0,8 3-18 16,-6 0-21-16,6 0-22 0,0 0-24 0,0 0-23 0,6 0-24 16,-6-4-22-16,8 4-21 0,-8 0-23 0,12 0-24 0,1 0-24 0,0 0-28 15,0 0-33-15,7 0-39 0,0 0-40 0,-1-4-42 0</inkml:trace>
+  <inkml:trace contextRef="#ctx0" brushRef="#br0" timeOffset="51542.5">19669 2773 192 0,'0'0'371'0,"0"0"-52"0,0 0-52 0,0 0-32 15,0-4-22-15,0 4-14 0,-8 0-9 0,8 0-7 0,0-3-10 0,-6 3-9 16,0 0-11-16,-1 0-10 0,1 0-10 0,6 0-10 0,-7 0-7 0,0 0-10 16,1 0-10-16,0 0-12 0,0 0-11 0,-2 0-11 0,8 0-10 15,-12 3-9-15,5-3-9 0,0 0-7 0,1 4-6 0,-7-4-8 0,7 4-6 16,-8-1-5-16,2 1-3 0,5 0-2 0,-6-1-2 0,0 1 0 16,7 0 0-16,-8-1 1 0,2 5 0 0,4-5 2 0,2 1 0 0,-7 3-1 15,13-3 0-15,-6-1 1 0,-1 5 0 0,1-5-2 0,6 1 2 0,0 0 0 16,0-1-1-16,0 1 2 0,0 0 0 0,0-1 0 0,0 1 0 15,6 0-1-15,1-4-2 0,-1 3-1 0,7 1-3 0,-7-4-2 0,8 4-3 16,-1-4-1-16,0 4-4 0,6-4-5 0,1 0-6 0,0 0-10 16,-1 0-12-16,1 0-14 0,6 0-16 0,0-4-17 0,-1 4-17 0,8 0-19 15,0-4-21-15,0 0-22 0,-1 1-22 0,1 3-24 0,6-4-22 0,-7 0-15 16,7-3-11-16,-7 3-2 0,8 1 1 0,-7-5 8 0,-1 5 15 16,1-5 17-16,-7 1 23 0</inkml:trace>
+  <inkml:trace contextRef="#ctx0" brushRef="#br0" timeOffset="51851.58">20281 2769 0 0,'0'-3'25'0,"0"-1"153"0,-7 0 6 0,0 4 1 15,1 0-1-15,0-3-4 0,-2 3-6 0,-4 0-6 0,-1 3-9 0,6-3-9 16,-12 0-11-16,5 4-11 0,2-4-14 0,-2 4-15 0,-5-1-14 16,6 1-11-16,-6 0-8 0,5-1-4 0,2 1-4 0,-1 0-6 0,-1-1-3 15,2 1-6-15,-2 3-4 0,8-3-6 0,-7 0-6 0,6-1-5 16,1 1-4-16,-1 0-2 0,7-1-2 0,-6-3 0 0,6 4-2 0,-6-1 0 16,6-3-1-16,0 4-1 0,0-4-1 0,0 0 0 0,0 0-2 0,0 0-2 15,0 0 1-15,0 0 0 0,0 0-2 0,0 0 1 0,6 0 0 0,0-4 1 16,-6 4 1-16,7 0-2 0,-1 0 1 0,1-3-2 0,0 3 1 15,5-4-2-15,-6 1 2 0,2-1-2 0,-2 4 2 0,7-4-1 16,-6 1-1-16,-1-1 1 0,1 0-2 0,-1 1-1 0,0-1-2 0,1 0-1 16,0 1-2-16,-1 3-1 0,-6-4-3 0,6 4-4 0,-6 0-4 0,7-4-3 15,-7 4-3-15,0 0 0 0,0 0 0 0,0 4 2 0,7-4 1 16,-7 0 1-16,0 4 1 0,6-4 1 0,-6 3 3 0,7-3 2 16,-1 4 3-16,0 0 3 0,1-1 5 0,-7 1 1 0,7-4 3 0,-1 4-5 15,0-4-5-15,2 3-7 0,-2 1-11 0,0-4-11 0,1 0-13 0,-1 4-19 16,1-1-17-16,-1-3-24 0,1 4-25 0,-1-4-30 0,0 0-34 0,8 0-31 15,-14 0-31-15,6 0-65 0,8 0-82 0,-8 0-41 0,7 0 342 16</inkml:trace>
+  <inkml:trace contextRef="#ctx0" brushRef="#br0" timeOffset="52095.81">20593 2531 121 0,'0'-4'521'0,"-7"1"-53"15,1-1-87-15,-1 1-62 0,1-1-53 0,0 4-36 0,6-4-30 0,-7 4-22 16,7 0-18-16,0 0-20 0,0 0-19 0,0 0-21 0,-7 0-18 0,7 4-17 16,0 0-13-16,0-4-13 0,0 3-8 0,0 1-8 0,0 3-3 0,7-3 0 15,-7 3 0-15,0 0 0 0,7 1 1 0,-7 3 3 0,6-4 1 16,0 0 1-16,1 5-2 0,-1-1-1 0,1-4-4 0,-7 4-2 0,7 0-1 16,-1-4-5-16,0 4-4 0,8-4-6 0,-14 4-9 0,12-3-10 15,-5-1-12-15,0 4-15 0,-1-4-16 0,1 0-19 0,-7 1-20 0,6-1-26 16,0 0-27-16,2-2-40 0,-2 2-45 0,-6-3-40 0,6 3-36 0,0-4-62 15,1 1-71-15,0 0-46 0,-1-4-29 0</inkml:trace>
+  <inkml:trace contextRef="#ctx0" brushRef="#br0" timeOffset="52308.85">20847 2502 192 0,'0'-4'508'0,"-6"1"-60"0,0 3-96 0,-2-4-72 0,2 4-61 15,6 0-43-15,0 0-28 0,-6 0-21 0,6 4-12 0,0-4-12 16,0 3-10-16,0 5-10 0,0-5-13 0,0 5-8 0,0-1-8 0,0 4-4 16,0-4-3-16,0 4 0 0,0 0 2 0,6-4-2 0,-6 8-2 0,6-4-5 15,-6 0-5-15,8 0-4 0,-8 0-8 0,0 0-7 0,0 0-9 16,0 0-14-16,0 0-13 0,0-4-20 0,0 4-19 0,0-3-28 16,0 2-30-16,0-2-41 0,0-1-49 0,0 0-52 0,0-2-54 0,0 2-80 15,0 0-93-15,0-3-42 0,-8-1-20 0</inkml:trace>
+  <inkml:trace contextRef="#ctx0" brushRef="#br0" timeOffset="52855.91">20470 2710 318 0,'0'-3'396'0,"6"-1"-71"15,7 1-86-15,-6-1-54 0,5 0-35 0,-5 1-22 0,6-1-11 16,0 0-10-16,0 1-9 0,6-1-12 0,-6 0-11 0,7 1-11 0,0-1-9 15,-1 0-6-15,1 1-5 0,0-1-2 0,-2 0-4 0,2 1-2 16,0-1-2-16,-7 0-1 0,7 1-1 0,-8-1 0 0,1 1-1 0,1 3 0 16,-2-4-2-16,2 4-3 0,-8-4-3 0,7 4-1 0,-6 0-1 15,-1 0 0-15,1 0 3 0,-7 0 0 0,6 0 0 0,0 4 0 0,2-4-1 16,-8 4-2-16,6-1-2 0,0 1 0 0,0-1 0 0,1 1 0 16,0 0 1-16,-7-1-2 0,6 5-2 0,1-5-2 0,-1 1-4 0,1 0-2 0,0-1-4 15,-7 1 0-15,6 0-2 0,0-1-1 0,0 1 0 0,2 0 0 16,-8-1-1-16,6-3 2 0,-6 4-1 0,6-4-1 0,-6 4 0 15,0-4-1-15,7 0 1 0,-7 0 1 0,0 0 1 0,0 0 2 0,6 0 2 16,1 0 3-16,-7 0 1 0,7 0 0 0,-7-4-1 0,6 4 0 0,-6-4 1 16,6 4-1-16,0-3-1 0,2-1 0 0,-8 0 0 0,6 1 0 15,0-1-2-15,1 0-2 0,0 1-1 0,-7-1-1 0,6 0-4 0,1 1 0 16,-7-1 1-16,6 0-1 0,-6 1-3 0,0-1 1 0,6 4-2 16,-6-4-1-16,7 4-2 0,-7 0-2 0,0 0-2 0,0 0-3 0,0 0-3 15,0 0 1-15,0 0 0 0,0 0 2 0,0 4 3 0,0-4 0 0,0 4 3 16,0-1 1-16,0 1 1 0,0-4 3 0,0 4 1 0,0-1 4 15,0 1 2-15,0 0 3 0,0-4 3 0,0 3 0 0,0-3-2 0,0 4 1 16,0-4 0-16,0 4 2 0,0-4 1 0,0 0 5 0,0 0 4 16,0 0 6-16,0 0 5 0,0 0 6 0,0 0 6 0,0 0 5 0,0 0 7 15,0 0 5-15,7 0 7 0,-7-4 1 0,6 4 3 0,0-4-1 0,1 4-4 16,-7-3-3-16,7-1-6 0,-1 0-7 0,1 1-5 0,-1-1-7 16,0-3-5-16,1 3-7 0,0-3-7 0,5 3-7 0,-4-3-7 0,-8 3-4 15,6-3-4-15,0 3-5 0,1-3-3 0,-1 3-6 0,1 1-7 16,-1-5-11-16,-6 4-13 0,7 1-15 0,-1-1-18 0,-6 0-27 0,6 1-30 15,-6-1-41-15,8 4-47 0,-8-4-57 0,0 4-64 0,6 0-83 16,-6 0-90-16,6 0-42 0,8 0-18 0</inkml:trace>
+  <inkml:trace contextRef="#ctx0" brushRef="#br0" timeOffset="53216.96">22234 2399 371 0,'-12'-3'545'0,"4"3"-68"0,2-4-106 0,0 4-76 16,6-4-55-16,-7 4-36 0,0 0-25 0,1 0-17 0,0 0-14 0,-1 0-15 15,1 0-18-15,6 0-19 0,-14 0-16 0,8 4-12 0,0-4-10 0,-8 4-7 16,8-1-8-16,-7 4-5 0,0-3-3 0,0 3-3 0,-7 1 1 15,8 3 1-15,-8-4 2 0,1 4 2 0,-1 0 1 0,0 0 1 0,1 0-2 16,-1 0-1-16,0 4-2 0,8-4-2 0,-8 3-4 0,7 1-2 16,0-4-4-16,0 4 0 0,0 0-4 0,6-4-2 0,-6 0-2 0,7 3-3 15,0-3-2-15,6 0-1 0,0 0-1 0,0 0-2 0,0-4-1 16,0 4 0-16,0-3-1 0,6 2 0 0,0-2-1 0,1-5-2 0,6 5-3 16,0 0-5-16,-7-5-5 0,14 1-5 0,-7 0-5 0,0-1-5 0,6 1-6 15,1-4-11-15,0 0-10 0,-1 3-19 0,1-3-22 0,6 0-29 16,-7-3-30-16,1 3-43 0,0-4-48 0,6 4-56 0,-7-3-60 0,1-1-80 15,6 0-92-15,-7 1-40 0,1-5-19 0</inkml:trace>
+  <inkml:trace contextRef="#ctx0" brushRef="#br0" timeOffset="53535.66">22429 2473 328 0,'-6'0'556'0,"6"-4"-45"0,-6 4-75 0,6 0-93 0,0 0-105 16,6 0-63-16,-6 0-42 0,6 0-21 0,2 0-9 0,-2 0-9 0,7 4-8 15,0-4-12-15,0 3-13 0,-1 1-13 0,8 0-11 0,-7-1-5 0,7 5-5 16,0-5 0-16,-1 5 0 0,0-5-1 0,1 5-2 0,-1-1-3 16,1-4-8-16,0 5-7 0,-7-1-12 0,-1-3-12 0,8 3-16 0,-7-3-17 15,0 3-21-15,0 0-24 0,-7-3-23 0,8 3-38 0,-8-3-40 16,1 0-47-16,6 3-50 0,-7-3-71 0,-6 0-79 0,13-1-51 0,-6 1-37 16</inkml:trace>
+  <inkml:trace contextRef="#ctx0" brushRef="#br0" timeOffset="53723.7">22801 2469 68 0,'-13'-4'536'0,"7"4"-54"0,-8-3-83 15,1 3-75-15,7 0-70 0,-8 0-43 0,2 0-31 0,-2 3-21 0,8 1-21 16,-7 0-17-16,0-1-20 0,0 5-16 0,1-5-16 0,-2 8-13 16,-6-3-10-16,7 3-4 0,-6-4-3 0,6 4-4 0,0 0-3 0,-7 0-9 15,7 0-10-15,0 0-17 0,1 0-16 0,-2 0-20 0,1 0-22 16,0 0-27-16,7 0-30 0,-7 0-42 0,7-4-48 0,-8 0-57 0,14 4-60 15,-6-3-80-15,6-5-93 0,0 5-42 0,0-1-18 0</inkml:trace>
+  <inkml:trace contextRef="#ctx0" brushRef="#br0" timeOffset="53936.75">23504 2560 324 0,'0'0'595'0,"0"0"3"0,0 0 5 0,0 0-85 0,0 0-129 0,6 4-106 16,-6-4-91-16,8 4-57 0,-8-1-39 0,0 1-18 0,6 0-8 16,-6-1-6-16,6 1-3 0,-6 4-5 0,7-1-4 0,-7-3-5 0,0 3-5 15,6 0-6-15,-6-3-7 0,7 3-10 0,-7 0-12 0,6-3-15 0,-6 3-15 16,0-3-15-16,7 3-18 0,-7-3-23 0,0 0-24 0,0-1-28 16,0 1-29-16,0 0-41 0,0-1-48 0,0 1-51 0,0 0-54 0,0-4-77 15,6 3-89-15,-6-3-41 0,0 0-18 0</inkml:trace>
+  <inkml:trace contextRef="#ctx0" brushRef="#br0" timeOffset="54488.23">23733 2432 0 0,'-8'-4'283'16,"2"1"262"-16,0 3 5 0,-1-4-76 0,1 4-116 0,6 0-86 0,0 0-71 15,-7 0-45-15,7 4-30 0,0-4-20 0,0 3-15 0,0 1-13 0,0 0-12 16,0-1-11-16,7 1-9 0,-1 0-6 0,1 0-7 0,-7 3 0 15,6-3-3-15,0-1 0 0,8 5-2 0,-8-5-2 0,7 1-3 0,-6 0 0 16,6-1-2-16,-1 1 0 0,-4 0-1 0,4-4-1 0,2 3 1 0,-2-3 0 16,1 0 0-16,1 0 1 0,-2 0-2 0,2 0-1 0,-2 0-4 15,2 0-1-15,-1-3-4 0,-1 3-1 0,2-4-2 0,-2 0 1 0,-5 1-1 16,6-1-2-16,-6 0 0 0,5 1-2 0,-4-1-2 0,-2 0 0 16,0 1 1-16,0-5 1 0,2 5 2 0,-2-5 1 0,-6 1 3 0,6 3 2 15,-6-3 3-15,0 3 4 0,0-3 3 0,0 3 6 0,0-3 4 16,0 3 5-16,0-3 4 0,0 3 4 0,0 1 1 0,0-1 1 0,0 0-1 15,0 4-3-15,0-3-2 0,0 3-7 0,0 0-5 0,0 0-6 0,0 0-7 16,0 0-5-16,0 0-3 0,0 3-5 0,0-3-3 0,0 4-2 16,0 3 0-16,7-3-1 0,-7 3 2 0,6 0 2 0,-6 1 3 0,7 3 3 15,0-4 4-15,-1 4 3 0,0 0 3 0,0 0 0 0,2 0 2 16,4 4-1-16,-5-4 0 0,-1 4-2 0,8-5-1 0,-8 5-2 0,7 0-1 16,0-1 0-16,0-3-1 0,-6 4-1 0,6-4-1 0,-7 4 0 15,0-1-3-15,2-3 1 0,-2 0-2 0,6 0 0 0,-4 0 0 0,-8 0-1 16,6 0 0-16,-6-4 0 0,6 1 1 0,-6-1-1 0,0 0 0 0,0 1 0 15,0-4 3-15,0 0 0 0,-6-1 4 0,6 1 4 0,-6-1 3 16,6 1 4-16,-8-4 3 0,2 4 4 0,0-4 4 0,0 0 1 0,-2 0 3 16,2 0 1-16,0 0 1 0,-7 0 1 0,-1 0-1 0,2-4-2 15,-2 4-2-15,2-4-1 0,-2 4-4 0,1-3-4 0,1-1-4 0,-2 1-3 16,2-1-3-16,-2 0-1 0,1 1-3 0,1-2-1 0,4 2-4 0,-4-1 0 16,6 0-4-16,-8 1-4 0,8-1-5 0,-1 0-6 0,7 1-6 15,-6-1-8-15,6-3-7 0,0 3-8 0,6 1-7 0,-6-5-10 0,7 5-11 16,-1-5-9-16,0 5-10 0,8-5-14 0,-8 1-17 0,8 0-17 15,-2-1-20-15,1 1-22 0,1 0-25 0,-2 0-35 0,2-4-37 0,-2 3-49 16,8-3-54-16,-7 4-78 0,7-4-89 0,-1 3-40 0,-6-3-15 0</inkml:trace>
+  <inkml:trace contextRef="#ctx0" brushRef="#br0" timeOffset="54737.28">24592 2267 363 0,'-7'-3'623'0,"7"3"-2"0,0-4-14 0,0 4-99 0,0-4-142 16,0 4-88-16,0 0-60 0,0 0-33 0,0 0-18 0,7 0-15 16,0 4-13-16,-1 0-12 0,0-1-13 0,8 1-10 0,-8 3-11 0,7 1-5 15,7-1-3-15,-8 1 2 0,8 3 1 0,0-4 3 0,-1 4 2 0,1 3-3 16,-1-3-7-16,1 0-7 0,6 0-9 0,-6 4-7 0,-1-1-8 16,1 1-7-16,-1-4-8 0,0 4-7 0,1 0-7 0,-7-1-12 0,1 1-10 15,-2 0-15-15,1-1-15 0,-6-3-16 0,-1 4-14 0,1-1-19 0,-7 1-17 16,-7-4-19-16,1 4-22 0,-1 0-26 0,-6-1-30 0,1 1-37 15,-8-4-45-15,0 3-56 0,1-3-63 0,-7 4-88 0,-7-1-100 0,1-3-48 16,-1 5-21-16,-7-5-4 0,-5-1 27 0</inkml:trace>
+  <inkml:trace contextRef="#ctx0" brushRef="#br0" timeOffset="80697.3">21693 5334 0 0,'0'-7'443'0,"0"3"43"0,0 0-62 0,0 1-73 0,0-2-80 16,0 2-49-16,0-1-34 0,0 1-19 0,0-1-7 0,0 4-7 0,0-4-10 15,0 4-14-15,0 0-15 0,0 0-17 0,0 0-19 0,0 0-17 16,0 0-16-16,0 0-13 0,0 0-11 0,0 0-10 0,8 0-5 0,-8 0-5 16,6 4-4-16,-6-4-2 0,6 4-2 0,0-1 0 0,-6 1-1 15,14-1 0-15,-8 2 2 0,1 2 1 0,6-3 1 0,0 3 5 16,-7-3 0-16,8 3-1 0,-2-4 1 0,-5 5-1 0,6-1 0 0,0-3 0 16,-7 3 1-16,8-3-1 0,-2 3 0 0,2-3 1 0,-1-1 1 15,-1 5-1-15,8-5 2 0,-7 1-2 0,0 0 0 0,0-4 0 0,1 3-1 16,-2-3-2-16,2 4-1 0,-2-4-3 0,1 0 1 0,1 0-3 15,4 0 0-15,-4 0-2 0,-1 0-2 0,7-4-2 0,-8 1-1 16,8 3-1-16,-7-4 0 0,7-3-1 0,-8 3 1 0,2 0 0 0,-2-3 1 16,8 0 1-16,-7-1 2 0,1 1 1 0,-2 0 1 0,2-1 3 15,-8 1-1-15,7-4 3 0,-7 0 0 0,1 3 2 0,6-2 2 0,-7-1 2 16,-6 0 1-16,7 0 2 0,-7 3 2 0,7-3 3 0,-7 0 4 16,0 4 1-16,0-4 4 0,0 4 1 0,-7 0 3 0,7-1 1 15,-7 1 4-15,7 0 1 0,0 3 1 0,-6 0 2 0,6-3 1 0,-6 7-2 16,6-4-1-16,-7 0-2 0,7 1-3 0,0 3-2 0,0-4-4 15,-7 4-3-15,7 0-3 0,0 0-2 0,0 0-6 0,0 0-2 0,0 0-5 16,0 0-5-16,0 0-3 0,0 0-2 0,0 0-2 0,-6 4-1 16,6-4-1-16,-7 3 0 0,7 1 2 0,0 0-1 0,-6-4 2 15,6 7 1-15,-6-3 1 0,6 3 2 0,0 1 1 0,0-1 3 0,0 4 1 16,0-4 2-16,0 4 0 0,0 0 2 0,0 4-1 0,0-4-1 16,0 0 0-16,0 3-1 0,0-3-1 0,6 4 0 0,-6 0 0 0,6-1-2 15,-6 1 0-15,0 0 0 0,7-1 1 0,-1 1 0 0,-6 3 2 0,7-3 1 16,-7-1 0-16,7 1 2 0,-7 0 1 0,6 0 0 0,-6-1 2 15,6 1 0-15,-6-1 2 0,0 1-1 0,7 0 3 0,-7-1 0 16,7-2 0-16,-7 2-1 0,0-3 0 0,0 4-1 0,0-4 1 0,0 0-1 16,0 0-1-16,0 0 1 0,-7 0-2 0,0 0 2 15,7-4 0-15,-6 0-1 0,0 4 2 0,-1-4 0 0,0 1 0 0,-6-5-1 16,7 5 1-16,0-4 1 0,-8 3 0 0,2-3 0 0,5-1 1 0,-6 1 0 16,0 0 1-16,-1-1 0 0,2 1-1 0,-2-4 1 0,-5 4 0 15,-1-4-1-15,8 3 1 0,-8-3-1 0,7 0 0 0,-7 0 0 0,0 0 0 16,2-3 0-16,-2 3 0 0,1-4 0 0,-1 0-1 0,6 1 0 15,-5-1 0-15,6 0 0 0,0 1 0 0,-7-1 0 0,8-3 1 16,5 3-2-16,-6-4 1 0,0 5-1 0,7-5-1 0,-1 1-2 0,0 0-2 16,1 0 0-16,6-1-2 0,-6 1-2 0,6 0 1 0,0-4-2 15,0 3-4-15,0 1-3 0,6 0-6 0,-6-4-5 0,13 4-6 0,-6-1-7 16,-1-3-7-16,7 4-11 0,0 0-11 0,-6-1-15 0,5 1-16 16,2-1-22-16,-8 1-24 0,7 0-30 0,0-1-31 0,0 1-41 0,1 0-46 15,4-1-43-15,-4 1-43 0,5 0-68 0,1 0-81 0,6-1-34 16,-6 1 214-16</inkml:trace>
+  <inkml:trace contextRef="#ctx0" brushRef="#br0" timeOffset="80885.34">22697 5403 0 0,'6'0'312'0,"0"0"126"0,8-3-95 0,-8 3-83 15,7-4-74-15,0 4-46 0,6-4-28 0,-5 1-19 0,6-1-12 0,-1 4-16 16,1-4-19-16,-1 1-25 0,0-1-32 0,1 0-34 0,-7 4-37 0,7-7-45 16,-1 7-49-16,1-7-52 0,0 3-50 0,-8 0-71 0,2 1-81 15</inkml:trace>
+  <inkml:trace contextRef="#ctx0" brushRef="#br0" timeOffset="81047.38">22664 5311 0 0,'0'0'297'0,"0"0"-24"0,6-3-57 0,1-1-39 0,0 4-31 0,-1 0-22 15,7-3-19-15,-7-1-16 0,14 4-16 0,-7-4-21 0,7 1-24 0,-8 3-29 16,8-4-30-16,0 0-38 0,-1 1-39 0,1-1-39 0,0 4-40 0,6-4-63 16,-7 1-74-16,1-1-54 0,6 0 293 0</inkml:trace>
+  <inkml:trace contextRef="#ctx0" brushRef="#br0" timeOffset="81724.74">23361 5176 11 0,'0'-3'477'0,"0"3"-65"0,0 0-95 0,0 0-69 0,0 0-53 15,0 0-35-15,0 0-27 0,0 0-19 0,0 3-15 0,7-3-13 16,-1 0-15-16,0 4-15 0,1 0-13 0,-7-1-10 0,13 1-6 0,-6 0-3 15,-1 3 0-15,0-3 0 0,8 3 1 0,-8 0 0 0,0 1-3 0,2-1-1 16,-2 0-4-16,0 0-4 0,1 1-2 0,-7 3-2 16,6-4-1-16,1 0-2 0,-1 1-1 0,-6-1 0 0,7 0-1 0,-7-3 1 15,0 4-2-15,6-1 1 0,-6-3 0 0,0-1 1 0,0 5 0 0,0-5 3 16,0 1 1-16,0-1 2 0,0-3 4 0,0 4 3 0,0-4 3 16,0 0 8-16,0 0 7 0,0 0 9 0,0 0 10 0,0 0 7 15,0 0 6-15,0 0 4 0,0 0 1 0,0 0 2 0,-6 0 1 0,6-4 2 16,0 1-1-16,-7-1 1 0,7 4-2 0,-6-7-4 0,6 3-5 15,0 1-8-15,-7-5-8 0,7 0-5 0,-6 1-3 0,6 0-3 0,0 0 0 16,0-1-1-16,0 1-1 0,0 0 0 0,0-1-4 0,0-3 0 16,0 4-1-16,0 0-2 0,0 0 0 0,6-1-3 0,-6 1 0 0,7 0-3 15,-1-1-3-15,1 1-3 0,-7 0-2 0,6 3-2 0,0 0-4 16,2-3-3-16,-2 3-4 0,0 0-2 0,1 1-6 0,6-1-1 16,-7 4-3-16,1 0-4 0,-1-4 0 0,8 4-3 0,-8 0 0 0,0 0-3 15,1 4-1-15,6-4-2 0,0 0-1 0,0 4-1 0,-6-1 0 16,5 1-2-16,-5 0 0 0,6 3 0 0,-7-3 1 0,8 0-2 15,-8 3 0-15,1-3-1 0,5 3 0 0,-12-3 0 0,8 3 0 0,-2 0 0 16,0-3 0-16,-6 0 1 0,7 3 1 0,-7-4 2 0,0 1 0 16,0 0 3-16,0-1 3 0,0 1 2 0,0 0 3 0,0-4 3 0,0 3 2 15,0-3 4-15,0 0 4 0,0 0 5 0,0 0 3 0,0 0 3 16,0 0 4-16,0 0 2 0,0 0 1 0,0 0 1 0,0 0 0 16,0 0 1-16,0-3 0 0,0-1 0 0,0 0 1 0,6 1-2 0,-6-1 0 15,0-3 1-15,7 3-2 0,-7-3 0 0,6 0 0 0,-6-1 1 16,7 1 3-16,-7 0 0 0,6-4 3 0,0 3 0 0,2 1 2 15,-2-4 0-15,0 3 2 0,-6 1-1 0,7 0 1 0,0-1-1 0,-1 1 1 16,0 3-3-16,1-3-1 0,-7 4-4 0,6-1-3 0,1-3-3 16,0 7-5-16,-7-4-5 0,0 4-5 0,6-4-6 0,-6 4-1 0,6 0-4 15,1 0-4-15,0 0-1 0,-1 0-1 0,-6 4-4 0,13-4 1 16,-6 4 0-16,-1-4-1 0,1 3 1 0,5 1 2 0,-4 0 0 0,4-1 1 16,-6 1 1-16,1-1-3 0,0 1-4 0,6 0-4 0,-7 3-6 15,0-7-8-15,8 7-10 0,-14-3-13 0,6 0-17 0,0-1-18 16,2 1-20-16,-8 0-22 0,6-1-27 0,-6 1-31 0,6 0-34 0,-6 0-36 15,7-1-37-15,-1 1-38 0,-6 0-67 0,7-4-81 0,0 3-40 16,-1 1-22-16</inkml:trace>
+  <inkml:trace contextRef="#ctx0" brushRef="#br0" timeOffset="81932.78">24286 5070 67 0,'0'-4'507'16,"0"4"-58"-16,0-3-91 0,0 3-63 0,0 0-51 0,7-4-36 0,-7 4-29 15,6 0-22-15,0 0-18 0,0 0-18 0,8 0-14 0,-1 0-12 16,0 4-12-16,6-4-9 0,-5 0-5 0,5 0-5 0,1 3-3 16,-1-3-6-16,0 0-7 0,1 4-6 0,0-4-7 0,-1 0-7 0,1 0-7 15,-1 4-10-15,1-4-12 0,-7 0-14 0,6 0-17 0,-5 3-19 16,-2-3-21-16,1 0-21 0,1 4-24 0,-8-4-28 0,7 0-31 0,-6 0-34 16,-7 0-37-16,0 0-35 0,0 0-32 0,0 0-41 0,0 0-49 15,0 0-45-15,0 0-42 0</inkml:trace>
+  <inkml:trace contextRef="#ctx0" brushRef="#br0" timeOffset="82127.83">24540 4997 0 0,'-14'-4'402'0,"8"0"-20"0,0 4-47 0,-1-3-36 0,1 3-30 0,-1 0-32 16,1-4-28-16,-1 4-29 0,7 0-30 0,-6 4-23 0,6-4-21 16,0 0-19-16,-6 3-19 0,-2 1-16 0,2 0-15 0,0-1-10 0,-1 4-6 15,7-3-3-15,-13 3 0 0,7 1 2 0,-1 0 2 0,1-1 4 16,-8 0 2-16,8 4-1 0,0-4-3 0,-1 1-7 0,-6-1-8 15,7 0-11-15,-1 1-11 0,0-1-16 0,7 0-19 0,-6 0-26 0,-1-3-26 16,1 3-32-16,0 1-37 0,6-5-39 0,0 5-42 0,-8-5-47 16,8 1-51-16,0 3-63 0,8-3-74 0,-8 0-31 0,6-4 401 0</inkml:trace>
+  <inkml:trace contextRef="#ctx0" brushRef="#br0" timeOffset="82521.92">25120 4781 311 0,'0'-8'560'0,"-8"5"-42"0,8-1-75 15,0 0-76-15,0 1-78 0,0-5-45 0,0 8-28 0,0-3-17 0,0-1-10 16,0 0-13-16,0 4-14 0,0-4-17 0,0 4-18 0,0-3-19 0,0 3-20 16,0 0-17-16,0 0-17 0,0 0-15 0,0 0-14 0,0 0-13 15,0 3-8-15,0-3-8 0,0 4-5 0,0 0-2 0,0 0-3 16,8 3 1-16,-8 0-2 0,6 1 2 0,0-1 2 0,1 4 2 0,-1 0 3 15,1 0 4-15,0 0 3 0,-1 0 0 0,0 0-2 0,2 0-3 16,-2 0-3-16,0 0-9 0,-6 4-9 0,6-4-15 0,1 0-19 0,-7 0-21 16,7-1-22-16,-7 1-33 0,0 0-36 0,0 0-43 0,0-3-45 15,0 3-47-15,-7-4-48 0,7 4-77 0,-7-4-89 0,7 0-42 16,-6 1-21-16</inkml:trace>
+  <inkml:trace contextRef="#ctx0" brushRef="#br0" timeOffset="82711.71">25047 4989 32 0,'0'-3'524'0,"-6"-1"-50"0,6-3-84 16,0 3-66-16,0 0-59 0,0 1-39 0,0-1-29 0,0 0-23 15,6 1-19-15,-6-1-17 0,8 0-21 0,-2-3-17 0,0 3-16 0,7 1-14 16,-6-4-13-16,0 3-11 0,5 0-10 0,2 1-10 0,-8-5-10 16,13 5-11-16,-5-1-13 0,-2-3-14 0,2 2-14 0,5-1-18 0,-6 2-20 15,6 0-22-15,-5-3-24 0,6 3-31 0,-8-3-33 0,8 3-39 16,-1-3-42-16,-5 3-34 0,-2 0-29 0,8-3-57 0,-1 3-69 0,-5-3-40 15,5 3 231-15</inkml:trace>
+  <inkml:trace contextRef="#ctx0" brushRef="#br0" timeOffset="83004.78">25641 4696 154 0,'0'-3'398'16,"0"-1"-39"-16,-7 0-33 0,7 4-29 0,-7-3-26 0,7 3-22 15,0-4-21-15,-6 4-20 0,6 0-20 0,-6-4-21 0,6 4-22 0,0 0-21 16,0 0-21-16,-8 0-19 0,8 0-16 0,0 4-13 0,-6-4-10 15,0 4-7-15,-1-4-5 0,1 3-3 0,-1 1-2 0,7 3-1 0,-13-3 0 16,7 3 2-16,0 0 1 0,-2 1 5 0,-4 0 3 0,5 2 3 16,1-2 2-16,-1-1 0 0,1 4-3 0,-1 0-4 0,1-4-4 0,6 4-1 15,-7-3-4-15,7-1-4 0,-7 4-1 0,7-4-3 0,0 0-1 16,0 1 0-16,7-1-3 0,-7 0 1 0,7-3 0 0,-7 3 0 16,6-3 1-16,1 0 2 0,-7 0 2 0,6-1 2 0,1 0 2 0,6-3 2 15,-1 0 2-15,-4 5 0 0,4-5-1 0,8 0-2 0,-7-5-3 16,7 5-3-16,-1 0-9 0,7-3-8 0,-6 0-10 0,-1 3-13 15,7-4-14-15,-6 0-18 0,-8 0-20 0,8 1-24 0,0 3-24 0,-7-4-30 16,-1 0-30-16,-4 4-39 0,4-3-47 0,-5 3-56 0,6-4-61 0,-7 4-83 16,-6 0-91-16,0 0-39 0,0 0-15 0</inkml:trace>
+  <inkml:trace contextRef="#ctx0" brushRef="#br0" timeOffset="88584.44">21707 5601 0 0,'6'-3'180'0,"-6"3"72"0,6 0-12 16,-6 0-7-16,0 0-4 0,0 0-6 0,0 0-5 0,0 0-9 15,0 0-9-15,0 0-11 0,0 0-13 0,0 0-12 0,0 0-10 0,0 0-7 16,0 0-6-16,0 0-6 0,0 0-6 0,0 0-6 0,0 0-8 15,0 0-7-15,0 0-9 0,-6 0-8 0,0 0-9 0,6 3-9 16,-6-3-10-16,-2 0-8 0,2 0-10 0,6 4-8 0,-6-4-9 0,-1 0-7 16,1 4-8-16,-1-4-5 0,0 3-5 0,1-3-1 0,-6 4-5 15,4-4-1-15,2 4-2 0,-7-4 1 0,0 3-1 0,6 1 1 0,-5-4 2 16,5 4 1-16,-6-1 4 0,0-3 1 0,0 4 1 0,0-4 0 16,0 4 1-16,0-1-1 0,-1-3 2 0,2 4-2 0,-1-4 1 0,0 3-1 15,-6 1 1-15,5 0-1 0,-6-4 0 0,8 3-1 0,-8 1-2 16,7 0 0-16,-7-4 1 0,8 3-1 0,-8 1 0 0,1-4 0 15,5 4 0-15,1-4-1 0,-6 3 1 0,0 1 0 0,5 0 0 0,-6-4 1 16,8 3 0-16,-8-3 0 0,7 4 0 0,0-4 1 0,0 4-1 16,0-4 0-16,0 3 1 0,0-3 0 0,7 0-1 0,-8 4 1 15,2-4 1-15,-2 0 0 0,8 4 1 0,-1-4 0 0,-5 0 2 0,4 0 1 16,2 3 1-16,-6-3 2 0,12 0 4 0,-7 0 2 0,0 0 4 0,1 0 4 16,-1 0 3-16,1 0 2 0,6 0 4 0,-7 0 2 0,7 0 3 15,0 0 2-15,0 0 2 0,0 0 2 0,0 0 2 0,0 0 1 16,0 0 2-16,0 0 0 0,0 0 1 0,0 0 1 0,0 0-2 0,0 0 2 15,0 0 0-15,0 0 1 0,0 0 1 0,0 0 1 0,0 0 1 16,0 0 0-16,0 0 0 0,0 0-2 0,0 0 0 0,0 0-3 0,0 0 0 16,0 0-3-16,-7 0-2 0,7-3-4 0,0 3-5 0,0 0-3 15,0 0-4-15,-6 0-4 0,6-4-4 0,-6 0-4 0,6 4-4 16,0 0-4-16,-6-3-3 0,6-1-2 0,0 0-4 0,-8 4-2 0,8-3-3 16,-6-5 1-16,6 5-2 0,-6-1 1 0,6-3-3 0,0-1 0 15,-7 1-1-15,1 0 1 0,-1 0-1 0,0-4 0 0,1 0 0 16,0 0 0-16,0 0 1 0,-8-1 2 0,8 1 0 0,-1-3 2 0,-6 3 1 15,0-4 2-15,7 4 2 0,-8 0 1 0,8-3 2 0,0 3 0 16,-1 0 3-16,-6 0 1 0,6-1 1 0,1 6 0 0,-1-6 1 0,-6 5-2 16,7-1 0-16,6 1 0 0,-6 4-3 0,-2-5 0 0,8 5 0 15,-6-5-3-15,6 5-1 0,-6-1-3 0,6 4-3 0,0-4-7 0,0 1-4 16,0 3-10-16,0-4-8 0,0 4-12 0,0 0-13 0,0 0-16 16,0 0-16-16,0 0-20 0,0 0-18 0,0 0-24 0,0 0-24 0,0 0-28 15,0 0-29-15,-7 0-31 0,7 4-34 0,0-4-52 0,0 3-61 16,0 1-86-16,0 0-102 0,0-1-43 0,0 1-16 0,0 0 2 15,0-1 373-15</inkml:trace>
+  <inkml:trace contextRef="#ctx0" brushRef="#br0" timeOffset="89940.46">18835 5136 0 0,'-14'-4'387'0,"8"-3"199"0,-8-1 14 0,8 5-79 0,0-1-126 16,-7 1-91-16,6-1-76 0,1 0-45 0,6 1-34 0,-7 3-17 15,1 0-12-15,0-4-13 0,6 4-15 0,0 0-19 0,0 0-20 0,0 0-16 16,0 0-14-16,-8 4-11 0,8-4-8 0,0 3-7 0,0 1-1 16,0 0-2-16,0 3 1 0,0 0 0 0,0 0 3 0,0 1 1 0,8 3 2 15,-8 0 2-15,0 0 2 0,6 0 0 0,-6 0 0 0,6 0-2 16,1 0 0-16,-7 0-2 0,6 3-2 0,1-3-1 0,-7 0 0 0,7-3 0 16,-1 3-1-16,-6 0-1 0,0 0 1 0,6-1 1 0,-6-2-2 15,6 0 2-15,-6-1 0 0,8 0-1 0,-8 0 1 0,6 1 1 16,-6-1 1-16,0-3 1 0,6-1 1 0,-6 1 3 0,0 0 2 0,0-1 2 15,0 1 2-15,0-4 5 0,0 0 3 0,0 0 3 0,0 0 5 16,0 0 6-16,0 0 5 0,0 0 4 0,0 0 3 0,0 0 2 0,0 0-1 16,0 0 0-16,0-4-1 0,-6 1-2 0,6-1-1 0,0-3-4 15,-6 3-3-15,-2-3-4 0,2-1-3 0,0-2-4 0,6-1-5 16,-13 3-4-16,13-7-3 0,-13 4-1 0,13 0 0 0,-13-3 0 0,7-1 2 16,6 4 2-16,-8-3 2 0,2-1 3 0,0 0 4 0,0 1 2 15,-1 3 2-15,0-4 3 0,7 4 2 0,-6 0 2 0,-1 0 2 0,7 0 2 16,0 0 3-16,-6 4 1 0,6-4-1 0,-6 3-1 0,6 1-3 15,0 3-3-15,0 1-5 0,0-1-4 0,0-3-4 0,0 7-8 16,0-4-5-16,0 0-7 0,0 4-7 0,0 0-9 0,0 0-6 0,0 0-5 16,0 0-4-16,0 0-2 0,6 4-2 0,0-4-1 0,-6 4-1 15,13-1 2-15,-6 1-1 0,6 0 2 0,-7 3 2 0,8-3 3 0,-2 3 4 16,-5 0 3-16,6 1 2 0,0-1 1 0,-1 0 0 0,2 0 1 16,-8 1-1-16,8-1-1 0,-1 4-1 0,-7-4-2 0,0 1 1 15,8-1 0-15,-8 1-2 0,0-1 2 0,1 0-1 0,0 1 1 0,-7-5-1 16,6 5 2-16,-6-5 1 0,7 5 2 0,-7-5 3 0,0 1 2 15,6-4 3-15,-6 4 4 0,0-1 4 0,0-3 5 0,0 4 3 0,0-4 4 16,0 0 6-16,0 0 5 0,0 0 3 0,0 0 2 0,0 0 1 0,0-4 1 16,0 4 1-16,0-3-2 0,0-1-1 0,0 0-2 0,0 1-1 15,0-1-4-15,-6-3-2 0,6-1-4 0,0 1-3 0,0 0-3 16,0-4-3-16,0 3-2 0,0-3-1 0,0 0-1 0,0 0-1 16,0-4 1-16,0 5 0 0,0-1 3 0,0 0-1 0,0 0 2 15,6 0 1-15,-6 3 1 0,7-3 0 0,-7 4-1 0,7-4 2 0,-1 3 0 16,0 1 0-16,-6 3 0 0,6-3 0 0,2 4-2 0,-8-1-2 15,6 0-6-15,-6 1-5 0,0-1-3 0,6 4-3 0,1 0-2 0,-1 0-2 16,-6 0-2-16,7 0-1 0,0 4-1 0,-1-1-1 0,6 5-2 16,-4-1 2-16,-2 0-1 0,7 0 3 0,0 1 3 0,0 3 4 0,-7 0 2 15,8 0 2-15,-2 0 1 0,-5 0 2 0,6 0-1 0,0 0 0 16,-6 3 0-16,-1-6-3 0,1 3-3 0,5 0-3 0,-4 0-6 0,-2 0-4 16,0-4-9-16,1 1-8 0,-1 3-7 0,1-4-9 0,-1-3-8 15,1 3-12-15,-1 0-12 0,0-3-13 0,2 3-12 0,-2-3-12 16,7-1-9-16,-6 1-9 0,-1-4-6 0,7 4-5 0,-7-4-3 15,14 0 0-15,-7 0 2 0,0-4 3 0,6 0 7 0,-5 1 11 0,6-1 14 16,-1-3 13-16,0 0 14 0,0-4 16 0,1 3 15 0,-6-3 14 0,5 0 16 16,-6 0 17-16,0 0 16 0,0 0 15 0,0 0 17 0,-7 4 13 15,1-4 13-15,-7 0 12 0,6 4 9 0,-6-4 11 0,0 3 8 16,0 1 8-16,0 3 5 0,0-3 5 0,-6 3-1 0,6 1-1 0,0-1-6 16,-7 0-8-16,7 4-10 0,-6 0-12 0,6-3-11 0,0 3-15 15,0 0-10-15,0 3-10 0,-6-3-7 0,6 0-7 0,-7 4-7 0,7 0-4 16,0-1-4-16,0 1-2 0,0 0 0 0,0-1 1 0,0 5 2 15,0-5 3-15,7 5 3 0,-7-5 3 0,6 5 3 0,-6-5-2 16,6 1 1-16,1 3-2 0,-7-3 2 0,6-1-1 0,1 1 2 0,6 0 1 16,-7-1 1-16,2 1 1 0,4-4 1 0,1 4 1 0,-6-4 2 15,6 0 3-15,-1 0 1 0,-4 0 2 0,4 0 1 0,8 0 1 0,-7-4 0 16,0 4 2-16,0-4-1 0,-1 1 1 0,2-1-1 0,-8 0-1 16,7-3 1-16,1 4-2 0,-8-5 0 0,0 1-1 0,0 0 1 15,2-1-1-15,-8 1-1 0,0 0-1 0,0-1-1 0,0 1 0 0,0 0-1 16,-8 0-1-16,8-1-1 0,-6 0-2 0,0 5-1 0,-7-5-2 15,6 5-3-15,-6-1-7 0,7 1-2 0,-8-1-5 0,2 4-5 16,6-4-2-16,-8 4-5 0,-5 0-1 0,5 0-3 0,2 4-2 0,-2-4 0 16,2 4-2-16,-1-1 0 0,-1 1-3 0,8-1-2 0,-6 1 1 15,-2 0-5-15,1-1-2 0,6 5-5 0,-6-5-8 0,7 2-10 16,0 2-12-16,-1-4-18 0,0 1-18 0,7 0-24 0,-6 3-26 0,6-3-30 16,0-1-34-16,6 1-42 0,-6 0-48 0,7-1-46 0,6 1-43 0,-7 0-63 15,7-4-71-15,1 0-29 0,6 3 171 0</inkml:trace>
+  <inkml:trace contextRef="#ctx0" brushRef="#br0" timeOffset="90710.63">20117 4924 0 0,'-6'-4'59'0,"6"0"464"0,-6 1-24 0,-1 3-65 16,0-4-83-16,1 4-59 0,6 0-46 0,-6 0-37 0,-1 0-31 15,7 0-26-15,0 0-24 0,0 0-24 0,-6 0-21 0,6 4-19 0,-7-4-17 16,7 3-12-16,0-3-12 0,-7 4-6 0,7 0-4 0,-6 3-4 15,6-4-1-15,0 1-1 0,-6 3 1 0,-2 1 1 0,8-1 3 0,-6 0 1 16,6 1 1-16,0 3 0 0,-6-4 0 0,6 0-3 0,0 0-2 0,0 1-1 16,0 3 0-16,0-3-2 0,0-1 1 0,0-4-1 15,0 5 1-15,6-1-2 0,-6-3 1 0,0-1-1 0,6 1 2 0,-6 0 0 16,8-1 0-16,-8 1-1 0,6-4 3 0,-6 4 2 0,0-4 2 16,0 0 3-16,0 0 3 0,0 0 2 0,0 0 2 0,6 0 0 0,-6-4 2 15,7 4 0-15,0-4 0 0,-1 1-2 0,-6-5 1 0,7 5-2 16,-1-1-1-16,0-3-3 0,1-1-3 0,0-2-2 0,-1 2-4 0,-6-3-2 15,6 0-3-15,1 0-1 0,0-4 0 0,-7 4-2 0,6-3 0 16,-6-1 0-16,7 1 0 0,-7-1-1 0,0-3 1 0,0 3-1 16,0-4 0-16,0 5 1 0,0-5 3 0,0 5 1 0,-7-4 3 0,7 3 2 15,-6-3 3-15,-1 3 3 0,0 1 2 0,1 2 3 0,6 1 3 16,-6-3 1-16,-1 6 4 0,0 1-1 0,1-4 1 0,0 7 0 16,6-3-3-16,-7 3-2 0,7-3-5 0,0 3-5 0,-6 4-3 0,6-3-7 15,-7 3-6-15,7-4-5 0,0 4-5 0,0 0-4 0,-7 4-2 16,7-4-1-16,-6 3 0 0,6-3 0 0,0 4 1 0,-6 3 1 0,6-3 1 15,0 3 4-15,0 1 1 0,0 3 5 0,0-4 2 0,6 4 5 16,-6-4 4-16,0 4 2 0,6 1-1 0,1-2 2 0,0 1 1 16,-1 0 0-16,1 0-1 0,5 0 0 0,-5 0 0 0,6 0 0 0,0 0 0 15,-6-4 0-15,6 4 1 0,6 0-2 0,-6 0 0 0,1-3 0 16,-2 3 0-16,1-4-2 0,0 1 1 0,0-1 0 0,1 0-1 0,5 1 2 16,-6-5-1-16,0 5 0 0,0-5 1 0,6 1 0 0,-5-4 1 15,-1 3 0-15,6-3-1 0,-6 0 1 0,7 0 0 0,-7 0 0 0,6-3-1 16,-6 3 0-16,7-4-2 0,-7 1 0 0,6-5-1 0,-6 5 0 15,7-5-2-15,-7 1-1 0,0 0 0 0,0-4-2 0,0 3 0 16,0-3-1-16,-7 4-1 0,8-4 2 0,-14 3 0 0,6-3 0 16,0 0 0-16,-6 4 0 0,0-4 0 0,0 4-2 0,0-4 2 0,-6 4-1 15,0-1 0-15,6 1-1 0,-6 0 1 0,-2 3 1 0,2-4-1 0,0 5-2 16,-1 0 0-16,7 3-3 0,-7-5-1 0,1 5-2 0,-1-3-2 16,1 3-3-16,0 0 1 0,-1 0-2 0,7 3 0 0,-7-3 0 15,1 5 1-15,0-5 0 0,-1 6 1 0,0-2 2 0,7 0 1 0,-6 3 1 16,-1-3 2-16,7 3 3 0,-6-3 3 0,6 3 1 0,-6 1 2 15,6-1 2-15,0 0 2 0,0-3-1 0,0 3 1 0,6-3-1 0,-6 3 1 16,6-3-1-16,-6-1 1 0,7 1 1 0,-1 0-1 16,-6-1 2-16,7-3 0 0,0 4-1 0,-1-4 1 0,0 0-2 0,1 4-2 15,-7-4-3-15,7 0-4 0,-1 0-7 0,0-4-7 0,7 4-10 0,-6 0-10 16,6-4-14-16,-7 1-12 0,8 3-16 0,-2-8-15 0,-5 5-19 16,6-1-19-16,0 0-19 0,-7-3-17 0,8 0-20 0,-2 0-18 0,-5-1-17 15,6 1-17-15,0-4-17 0,-6 0-15 0,0 0-9 0,5 3-8 16,-12-6 0-16,6 3 2 0,2 0 9 0,-8-4 13 0,6 4 15 15,-6-3 232-15</inkml:trace>
+  <inkml:trace contextRef="#ctx0" brushRef="#br0" timeOffset="91006.7">20736 4484 0 0,'-6'-7'187'0,"6"3"37"0,-7 0 9 16,1 1 7-16,-1-1 5 0,7 0 4 0,-7 4 0 0,1-3-2 16,0 3-4-16,6-4-7 0,-6 4-9 0,6-4-8 0,-8 4-10 0,8 0-10 15,0 0-10-15,-6-4-11 0,6 4-13 0,-6 0-12 16,6 0-11-16,0 0-14 0,0 0-14 0,0 0-14 0,0 0-14 0,0 0-14 15,0 0-14-15,0 0-13 0,0 0-13 0,0 0-7 0,0 0-5 16,0 4-4-16,6 0-2 0,-6 0-2 0,6-1-1 0,-6 1-1 0,8 3-1 16,-2 1 2-16,6-1 0 0,-5 0 2 0,6 4 3 0,-6-4 3 15,6 4 3-15,0 0 0 0,-7 0 1 0,8 0-2 0,5 0-1 0,-6 0-1 16,0 0-2-16,1 4-2 0,-2-4-1 0,1 0 0 0,0 0-3 16,0 0 0-16,1 0 0 0,4 0-2 0,-4 0 0 0,-8-4-2 15,7 4 1-15,1-4-1 0,-8 1-1 0,6-1-2 0,2 0-2 0,-8 1-3 16,7-1-3-16,-6-3-7 0,0 3-11 0,-1-7-10 0,6 8-15 0,-4-8-14 15,-2 3-16-15,0 1-21 0,1-4-23 0,-7 4-31 0,7-1-34 16,-7-3-47-16,6 0-52 0,-6 0-63 0,0 0-65 0,0 0-81 16,0 0-89-16,0 0-36 0,0 0-14 0,0 0 1 0,0 0 556 0</inkml:trace>
+  <inkml:trace contextRef="#ctx0" brushRef="#br0" timeOffset="95422.88">5881 12771 19 0,'-7'0'235'0,"1"0"-66"0,6 0-51 0,-7 0-26 16,0 0-13-16,7 0-6 0,-6 0 1 0,0 0-1 0,-1 3-1 0,0-3-4 16,1 0-5-16,0 0-6 0,-8 4-5 0,1-4-2 0,7 4 1 0,-8-4 2 15,-4 3 3-15,4-3 4 0,1 4 3 0,-7 0 3 0,2-4 5 16,-2 3 1-16,0-3 1 0,1 4-1 0,-7-4-2 0,-1 4-4 16,1-4-2-16,0 3-3 0,-6-3-2 0,-1 4-5 0,7-4-4 0,-7 4-2 15,1-4-2-15,-1 0-4 0,1 3 0 0,-7-3-4 0,6 0-2 0,-5 0-2 16,4 0-1-16,-5 0-3 0,7 0-1 0,-7 0-2 0,0 0 0 0,7-3-2 15,-8 3-1-15,1 0-3 0,0-4-1 0,-7 4-2 0,7-4-1 16,1 1-1-16,-9-1 0 0,15 4-3 0,-7-4 1 0,0 1-4 16,0-1-2-16,6 0-2 0,1 4-2 0,-1-3-3 0,1-1-6 0,-1 0-4 15,7 4-4-15,0-3-11 0,0 3-11 0,6-4-15 0,1 0-18 0,6 4-26 16,-7 0-32-16,14 0-37 0,-7-4-42 0,13 4-36 0,0 0-31 0,0 0-63 16,0 0-82-16,0 0-44 0,13 0-21 0</inkml:trace>
+  <inkml:trace contextRef="#ctx0" brushRef="#br0" timeOffset="95846.97">7463 12580 335 0,'-26'0'356'0,"7"0"-75"15,-7 0-89-15,6 0-53 0,-6 0-33 0,0 0-16 0,0 0-7 16,0 0-3-16,0 0-1 0,-1 0-5 0,-5 0-5 0,6 0-8 0,-7 0-8 16,1 0-7-16,-1 0-7 0,-6 0-3 0,1 0-1 0,-2 0-1 15,1 0 1-15,-6 0-2 0,5 0-1 0,-5 0-3 0,-1 0-2 16,-6 0-2-16,0 0-3 0,7 0-1 0,-8 0-5 0,1 0-1 0,1 0-1 0,-2 0-3 16,1 0-2-16,-1 4-1 0,2-4-3 0,5 0-1 0,-6 3-5 15,6-3-4-15,1 4-6 0,5-4-8 0,-5 4-8 0,7-1-13 0,5 1-11 16,-7-1-19-16,8 1-19 0,5 0-28 0,-5-1-32 0,6 2-34 15,7-2-36-15,-1 1-45 0,7 0-47 0,0-4-58 0,0 3-63 0</inkml:trace>
+  <inkml:trace contextRef="#ctx0" brushRef="#br0" timeOffset="96399.1">8349 12243 24 0,'-33'0'88'0,"1"4"-1"0,-13-4-3 0,5 3-2 15,-12-3 0-15,0 4-4 0,0-4-5 0,-7 4-5 0,0-1-8 0,-6 1-6 16,0-4-6-16,-6 4-9 0,-1-1-8 0,-6 1-8 0,7 0-11 16,-8-1-11-16,-6 1-12 0,1 3-17 0,6-3-18 0,-7-1-22 0,7 5-23 15,-7-8-19-15,0 7-19 0,8-3-13 0,-2-1-7 0,8 5-8 16,6-4 154-16</inkml:trace>
+  <inkml:trace contextRef="#ctx0" brushRef="#br0" timeOffset="99568.39">8779 12170 64 0,'0'0'85'0,"0"0"1"0,0 0 1 0,0 0 1 0,0 0 2 0,0 0 0 16,0 0 0-16,0 0 1 0,0 0-1 0,-7 0-1 0,7 0-2 15,0 0-5-15,0 0-6 0,0 0-6 0,-6 0-7 0,6 0-7 0,0 0-7 16,0 0-6-16,0 0-7 0,-7 0-6 0,7 0-4 0,0 0-4 0,0 0-1 16,-6 0-3-16,6 0-2 0,-7 0 0 0,7 0 1 0,0 0 2 15,-6 0 3-15,6 0 1 0,-6 0 4 0,6 0 4 0,0 0 1 0,-8 0 3 16,8 0 2-16,-6 0 1 0,6 0 1 0,0 0 0 0,-6-4 2 16,6 4 0-16,0 0 0 0,0 0-1 0,0 0 1 0,-7 0-1 0,7 0 2 15,0 0 1-15,0 0-1 0,0 0 1 0,0 0 1 0,0 0 0 0,0 0 1 16,0 0 1-16,0 0-1 0,0 0 0 0,0 0 0 0,0 0-1 15,0 0-3-15,0 0-2 0,0 0-4 0,0 0-4 0,0 0-3 0,0 0-2 16,0 0-2-16,0 0-4 0,0 0-2 0,0 0-1 0,0 0 0 16,0 0 0-16,0 0-1 0,-6 0 2 0,6 0 2 0,0 0 0 0,0 0 2 15,-7 0 1-15,7 0 0 0,0 0 2 0,0 0 0 0,0 0 0 0,0 0-1 16,0 0 0-16,0 0-1 0,0 0-2 0,0 0-1 0,0 0-1 16,0 0-1-16,0 0-1 0,0 0-1 0,0 0-3 0,0 0 0 0,0 0-2 15,0 0-1-15,0 0-1 0,-7 0-1 0,7 4 0 0,0-4 0 16,-6 0 0-16,6 0 0 0,-6 3-1 0,6-3 1 0,0 0 0 0,0 4 0 15,0-4 0-15,-7 3 1 0,7-3 0 0,0 5 1 0,0-5 1 0,-7 3 2 16,7-3-1-16,0 3 2 0,0 2-2 0,0-5-1 0,0 3 0 16,0-3 0-16,0 4-1 0,0-4 0 0,0 4 0 0,0-4-1 0,0 3 0 15,0-3 0-15,0 4-1 0,0-4 0 0,0 3-2 0,0-3 1 16,0 0 0-16,0 4-1 0,0-4-1 0,0 0 0 0,0 4-1 0,0-4 1 16,0 3-1-16,0-3 1 0,0 4-1 0,0-4 1 0,0 4-1 15,0-4 1-15,0 3-1 0,0-3 2 0,0 4-2 0,0-4 1 0,0 4-1 16,0-1 0-16,0 1-1 0,0 0 0 0,0-4 1 0,0 3-1 15,0 1 1-15,0 0-2 0,0-1 0 0,0 1 0 0,0 0-1 0,0-1 1 16,0 1-2-16,0-4 1 0,0 7 0 0,0-3-1 0,0-4 0 0,0 3 1 16,0 1-1-16,0 0 0 0,0-1-1 0,0 1 1 0,0-4-1 15,0 4 0-15,0-1 1 0,0 2-2 0,0-2 2 0,0-3 0 0,0 4 0 16,0-1-1-16,0-3 0 0,0 4 1 0,0 0-1 0,0-4 0 16,0 3 0-16,0 1 0 0,0 0 0 0,0-4-1 0,0 3 1 0,0 1 0 15,0 0 0-15,0-1-1 0,0 1 1 0,0 0 0 0,0-1-1 0,0 1 2 16,0 0-1-16,7-1 2 0,-7 1-1 0,7 0 2 0,-7 3 0 15,0-4 0-15,6 1 0 0,-6 0 1 0,6-1-1 0,-6 1 0 0,7 0 0 16,-7-1 2-16,0 1-1 0,7 0 0 0,-7-1 1 0,6 1-1 16,-6 0 1-16,0-1-1 0,7 1 0 0,-7 3 1 0,6-3-2 0,-6 0 1 15,0 0 0-15,0-1 0 0,6 1 0 0,-6 0 0 0,0-1-1 16,0-3 0-16,0 4-1 0,0 0 1 0,8-1 0 0,-8-3-1 0,0 4 0 16,0 0 0-16,0-1 1 0,0 1-1 0,0-4 0 0,0 4-1 0,0-1 2 15,0 1-1-15,0-1 1 0,0 1 0 0,0 0 0 0,0-1 1 16,0 1-1-16,0 0 0 0,0-1 2 0,0 1-2 0,0 0 0 15,0-1 1-15,0 1 0 0,0 0 0 0,0-1 0 0,0 1 0 0,0 0-1 16,0-1 0-16,0 1 0 0,0 0 2 0,0-1-2 0,0 1 0 0,0-1 1 16,0 1-1-16,0 0 1 0,0 4-1 0,0-5 1 0,0 1-1 15,0 0 0-15,0-1 0 0,0 1 1 0,0 3-1 0,0-3 0 0,0-1 0 16,0 5 1-16,0-5-1 0,0 1 0 0,0 3 0 0,0-3 1 16,0 0 0-16,-8 3-1 0,8-3 2 0,-6-1-1 0,6 1 0 0,-6 3 1 15,6-3-1-15,0-1 1 0,-7 5-2 0,7-5 1 0,0 1 1 0,0 3-1 16,-6-3 0-16,6 3 1 0,0 1-1 0,-7-5 0 0,7 5 1 15,0-4-2-15,-7 3 0 0,7 0 2 0,-6 1-2 0,6-5 1 0,-6 5 0 16,6-1 0-16,0 0-1 0,-7 1 2 0,7-1-2 0,-7 0 1 0,7 4-1 16,0-4 2-16,-6 1-1 0,6-1 1 0,0 0 0 0,-6 1-1 15,6 3 2-15,0-4-2 0,-7 1 1 0,7-1 0 0,0 0 0 0,0 1 0 16,0 2 1-16,0-2-1 0,0-1-1 0,0 0 1 0,0 1-1 16,0-1 1-16,0 0-2 0,7 1 0 0,-7 3 0 0,6-4-1 0,-6 0 1 15,0 0-1-15,6 1 0 0,-6 0 0 0,0 2 0 0,0-2-1 0,7-1 1 16,-7 0 0-16,0 1-1 0,0-1 0 0,7 0 0 0,-7 1 1 15,0-1-1-15,0 0 0 0,0 1 2 0,6-5-2 0,-6 4 0 0,0-3 0 16,6 3 1-16,-6 1 0 0,0-5 0 0,7 5 0 0,-7-5 1 16,0 5 2-16,0-5-1 0,7 5 2 0,-7-1 0 0,0-3 2 0,6 3 0 15,-6-3-1-15,0 3 2 0,0 1 0 0,7-5 0 0,-7 5 0 16,0-5 0-16,6 1-1 0,-6 3-1 0,0-3 1 0,0-1-1 0,0 1-1 16,6 3 1-16,-6-3 1 0,0 0-1 0,0 3 1 0,0-7 0 0,0 7 0 15,0-3-1-15,0 0 1 0,0-1 1 0,0 5 0 0,0-5 2 16,0 1 0-16,8-1-1 0,-8 5 1 0,0-5 0 0,0 2 1 0,0 2-1 15,0-3 0-15,0-1 0 0,6 5-1 0,-6-5 0 0,0 4-1 16,6-3 1-16,-6 3-1 0,0-3-2 0,0 0 0 0,0 3 0 0,0-3-1 16,7 3-1-16,-7-3-1 0,0-1 0 0,0 5 0 0,6-5-1 15,-6 1 0-15,0 0-1 0,0-1 2 0,0 1-2 0,0-1 0 0,0 1 0 16,0 0 0-16,0 3 1 0,0-7 1 0,0 7-1 0,0-2 0 16,0-2 1-16,0 0 1 0,0 1 0 0,0-4 1 0,0 4 0 0,0 0 1 0,0-1 0 15,0 1-1-15,0 0 2 0,0-1 0 0,0 5-2 0,0-8 2 16,0 7 0-16,0-3 0 0,0-1 1 0,0 1-2 0,0 0 0 15,0 3 0-15,0-3-2 0,0-1 2 0,0 4-1 0,0-3 2 0,0 0 0 16,0 3 0-16,0 0 0 0,0-3 1 0,0 0 0 0,-6 3 0 16,6-3-1-16,-7 3 1 0,7-3 1 0,0 3 1 0,-6-3-1 0,6 0 0 15,0-1 0-15,-6 5 0 0,6-5-1 0,0 1 0 0,0 3-1 0,-8-3 2 16,8 0-1-16,0 3 0 0,-6-3 1 0,6-1 0 0,-6 4-1 16,6-3 1-16,0 0 1 0,-7 3 0 0,7-3 0 0,0 3-1 0,0-3 2 15,-6 3-2-15,6-3 0 0,-7-1 0 0,7 5 0 0,0-5-2 16,0 1 1-16,0 3 0 0,-7-3 1 0,7-1-1 0,0 5-1 0,0-5 0 15,-6 2-1-15,6 2 1 0,0-3-1 0,-6-1 0 0,6 4 0 16,0-3 1-16,0 0-2 0,-7-1 1 0,7 5 0 0,0-5-2 0,0 1 0 16,0 3-1-16,-7-3 0 0,7 0 1 0,0 3-1 0,0-3 0 15,0-1 1-15,0 5-1 0,0-5 1 0,0 1-1 0,0 3 1 0,0-3 1 16,0 3-1-16,0-3 1 0,0 3-1 0,0 0 2 0,0-2 0 0,0 1-1 16,7-2 1-16,-7 4 1 0,0-1-1 0,7-3 2 0,-7 3 0 0,0-3 0 15,0 3 1-15,0-3 0 0,0 3 1 0,0 0 0 0,0-3 2 16,0 3 0-16,0 0 0 0,0-3 2 0,0 3 2 0,0 1-1 0,0-1 3 15,0-3 0-15,0 3 0 0,0 0 1 0,0-3 1 0,0 3 0 16,0 1 1-16,-7-1 2 0,7 1-1 0,-7-1 2 0,7 0-2 0,0-3 1 16,-6 3-1-16,6 0 0 0,-6 1-3 0,6-1 0 0,-7-3 0 15,7 3-1-15,0 0 0 0,-7 1-1 0,7-1 0 0,-6 0-3 0,6 1 0 16,-7-5-1-16,7 5 1 0,0-1-2 0,-6 0 1 0,6 0-1 16,-6 1 0-16,6-5 1 0,-7 5-1 0,7-1-1 0,0 1 1 0,-7-1-1 15,7 0 0-15,-6-3 0 0,6 3 2 0,0 1-2 0,-6-1 0 16,6 0-1-16,-8-3-1 0,8 3 0 0,0-3 0 0,-6 3-1 0,6-3 0 0,-6-1 0 15,6 5-1-15,-7-5 0 0,7 1-2 0,0 0 0 0,0-1-1 16,0 1 1-16,-6 0 0 0,6-1 1 0,0 1 0 0,0-4 0 0,0 4 1 16,0 0 1-16,0-1 0 0,0 1 0 0,0-4 0 0,0 4 1 15,0-1-2-15,0-3 2 0,0 4 0 0,-7-4 0 0,7 4-1 0,0-4 0 16,0 3 0-16,0-3 0 0,0 4-1 0,0-4-1 0,0 4 1 16,0-4 0-16,0 3-1 0,0-3-1 0,0 4 2 0,0-4 0 0,-6 0-1 15,6 4 1-15,0-4 1 0,0 3-1 0,0-3-2 0,0 4 1 16,0-4 0-16,0 3-1 0,0-3 1 0,0 4-2 0,0-4 2 0,-7 4-1 15,7-4-2-15,0 3 0 0,0-3 0 0,0 4-1 0,0-4 0 0,0 4 0 16,0-1 2-16,0-3-1 0,0 4-1 0,0-4 1 0,0 4-2 16,0-4 0-16,0 0 1 0,0 3-1 0,0-3 0 0,0 0-1 15,0 0-2-15,0 0-7 0,0 0-7 0,0 0-11 0,0 0-14 0,0 0-19 16,0 0-20-16,0 0-22 0,0 0-24 0,0 0-25 0,0 0-26 0,7 0-27 16,-1 0-29-16,1 0-39 0,-1 0-43 0,1 0-71 0,5-3-82 15,-4-1-87-15,4 4-90 0,2-4-33 0,-2-3-8 0,8 0 6 0,-1-1 152 16</inkml:trace>
+  <inkml:trace contextRef="#ctx0" brushRef="#br0" timeOffset="100852.73">8805 12196 0 0,'0'0'155'0,"0"0"117"0,0 0-50 0,0-5-32 0,-6 5-24 16,6 0-13-16,0 0-10 0,0 0-8 0,0-3-4 0,-8 3-10 16,8 0-9-16,0 0-9 0,0 0-6 0,-6 0-8 0,0 0-8 0,-1 0-5 15,1 0-4-15,6 0-2 0,-7 0-1 0,7 0-3 0,-6 0 0 0,-1 0-4 16,1 0-7-16,0 0-4 0,-8 0-4 0,8 0-5 0,-1 0-5 15,-6 0-2-15,0 0-1 0,7 0-2 0,-8 0 1 0,2 0-3 0,-2 0-1 16,1 3-2-16,1-3-3 0,-2 0-1 0,-6 0-1 0,8 5 1 16,-8-5-1-16,7 0 1 0,-7 0-2 0,1 3-1 0,0-3-1 0,-1 0 0 15,-6 0 2-15,7 4-1 0,-8-4 1 0,8 4 1 0,-7-4 0 0,0 0 1 16,0 3 0-16,0-3 2 0,-1 4-1 0,-5-4 0 0,-1 0 1 16,7 3 0-16,-6-3 0 0,-1 0-2 0,1 0 0 0,-1 4-1 0,1-4 0 15,-1 0-2-15,1 0-1 0,-1 4-1 0,-6-4-1 0,7 0-1 16,-8 3-3-16,7-3 0 0,1 4-2 0,-7 0-1 0,7-4-1 0,-7 3-1 15,5-3-1-15,-4 4-1 0,-1-4 0 0,0 4-2 0,-1-4 0 0,8 3-1 16,-7-3-2-16,0 4 0 0,0-4 1 0,-1 4-4 0,2-4 1 16,-1 3 0-16,6-3-1 0,-7 4 0 0,8-4-1 0,-1 4 0 0,-5-1 0 15,5-3-1-15,1 4 0 0,-1-4 0 0,1 4 1 0,-1-4-1 16,1 3-1-16,-1-3 1 0,7 4-1 0,-7-4 1 0,1 4-1 0,6-4 1 16,-7 3-1-16,1-3 2 0,5 0-1 0,1 4 1 0,-6-4 1 0,6 0-1 15,-1 3 3-15,1-3 2 0,1 0 0 0,-8 0 0 0,7 4 1 16,0-4 1-16,0 4 0 0,0-4 2 0,-1 0 0 0,1 0 0 0,1 0 2 15,-1 3 0-15,0-3 0 0,-7 0 1 0,7 4-1 0,0-4 0 16,-1 0 1-16,-5 0 0 0,6 4 0 0,1-4 0 0,-8 0-1 0,0 0-1 16,7 0 2-16,-6 0-1 0,-2 0 0 0,2 0 0 0,-7 0 0 15,6 0 0-15,-5 0 0 0,5 0-2 0,-6 0 2 0,0 0-1 0,0 0 0 16,0 0 1-16,-1 0 0 0,1 0-1 0,7 0 0 0,-7 0 1 16,0 0 0-16,-1 0 0 0,2 0 0 0,-1 0 1 0,6 0 0 0,-7 0 0 15,8 0-1-15,-1 0-1 0,1 0 1 0,-1 0 0 0,7 0-1 0,-6 0-1 16,5 0-1-16,2 0 0 0,-1 0-2 0,0 0-2 0,6 0 0 15,1 0-2-15,-7 0-1 0,6 3-1 0,1-3-1 0,-1 0 1 0,0 0-2 16,1 5 1-16,-1-5 0 0,8 0 0 0,-8 3 1 0,7-3-1 16,0 0 2-16,0 0 0 0,6 4 1 0,-6-4-1 0,7 0 2 0,-8 0 0 15,8 0 0-15,0 0 0 0,-1 0 2 0,7 0-2 0,-6 0 0 0,-1 0 0 16,7 0 0-16,-6 0-2 0,6 0 1 0,-7 0-1 0,7 0-2 16,0 0-3-16,-6 0-3 0,6 0-4 0,0 3-3 0,-6-3-4 0,6 0-5 15,-8 0-5-15,2 0-8 0,6 4-9 0,0-4-11 0,-6 0-11 16,6 4-15-16,-7-4-15 0,7 0-17 0,0 0-19 0,0 0-20 0,0 0-30 15,0 3-31-15,7 1-44 0,-1-4-47 0,14 4-82 0,-7-4-95 0,6 3-44 16,0-3-22-16</inkml:trace>
+  <inkml:trace contextRef="#ctx0" brushRef="#br0" timeOffset="103348.48">10237 11489 82 0,'0'0'183'0,"0"0"-1"0,0 0-2 16,0 0-2-16,0 0-2 0,0 0-8 0,0 0-8 0,0 0-9 16,0 0-9-16,-6 0-12 0,0 0-12 0,-1 0-9 0,7 3-9 15,-6-3-6-15,6 0-10 0,0 0-5 0,-7 4-7 0,7-4-7 0,-7 0-5 16,7 0-5-16,0 3-4 0,-6-3-4 0,6 4-2 0,-6-4 0 0,6 4 1 15,0-1 0-15,-6 1 1 0,6 0 3 0,-8-1 0 0,8 5 2 16,-6-5 1-16,6 5 1 0,0-1 2 0,-6 4 1 0,6-4-1 0,-7 4-1 16,7 0-3-16,0 0-3 0,0 0-2 0,0 0-2 0,0 4-2 0,0 0-2 15,0-1-3-15,0 1-2 0,0 3-1 0,0-3-1 0,0 3-2 16,0 0-1-16,0 1-3 0,0-1-1 0,0 4-1 0,0-4-1 0,0 1 1 16,0 3 0-16,0-4 0 0,0 1 0 0,0-1 0 0,7 4-1 15,-7-4-2-15,6 0 2 0,-6 0 1 0,0 4 0 0,6-3 0 0,-6-1-1 16,8 1 0-16,-8-1-1 0,6 0-2 0,-6 0 0 0,0 1-2 15,6-1-1-15,-6 1 0 0,6-1-1 0,-6 0-1 0,0 0-1 0,0 1-2 16,0-1 0-16,0-3-2 0,0 3 1 0,0 1 0 0,0-1 1 0,0-4 0 16,0 5 2-16,0-5 0 0,-6 4 0 0,6-3-1 0,0 0 0 15,-6-1 1-15,6 5-1 0,0-4 1 0,0-1 1 0,0-3 0 0,-6 4 0 16,6-4-3-16,0 3 1 0,-8-3-1 0,8 4-2 0,-6-4-1 0,6 0-1 16,0 0 0-16,0 0 1 0,0 4-1 0,-6-4 0 0,6 0-1 15,0 0-1-15,0 0 0 0,0 0-1 0,0 0 1 0,0-4 0 0,0 7 0 16,0-3 0-16,0 0-1 0,0-3-1 0,0 3 1 0,0 0 0 15,0 0-1-15,0 0-1 0,0 0 1 0,6 0-2 0,-6 0 2 0,0-4-2 16,6 4 1-16,-6 0-2 0,8 0 1 0,-8 0-2 0,6 0 0 0,-6 0 0 16,0 0 1-16,6 0-1 0,-6-3 0 0,6 2 0 0,-6 1 1 15,0 0-1-15,7 0 0 0,-7 0 0 0,7 0 2 0,-7 0-1 16,0 0 1-16,6 0 0 0,-6 4 1 0,7-4-1 0,-7 0 2 0,0 4-1 16,0-4 1-16,0 3 0 0,0-3-1 0,0 4 2 0,0-4 0 0,0 0-1 15,0 3 1-15,0-3-1 0,-7 4 1 0,7-4-1 0,-6 0 2 16,6 4 1-16,0-4 0 0,-7 3 0 0,7-3 1 0,-7 0 2 0,7 0 0 15,-6 0 3-15,0 0 0 0,6 4 2 0,-6-4 1 0,-2 0 0 16,2 0 1-16,0 0 0 0,-1 0 1 0,0-4-1 0,7 4-1 0,-6 0 0 16,-7 0-1-16,7 0-2 0,-2 0 0 0,2 0-4 0,0 1-1 15,0-2-2-15,-1 1-1 0,0 0-1 0,7-3 0 0,-6 3 1 0,-1 0 0 16,1 0 0-16,0-1-1 0,-2 1 2 0,2 0 1 0,6 0 0 16,-6 0-1-16,0 0 1 0,-2 1 1 0,2-1 0 0,6-4 2 0,0 4-2 15,-6 0-1-15,6 0 0 0,-7 0 0 0,7-4 0 0,-6 4-1 0,6 0-1 16,0-4 1-16,-7 4-1 0,7-3-1 0,-7-1 0 0,7 4 0 15,-6-3 1-15,6-1 0 0,0 0-1 0,-6 0 1 0,6 1 0 0,-6-1-2 16,6 0 0-16,-8 4-3 0,8-3-4 0,0-1-3 0,-6 0-2 16,0 4-4-16,6-4-4 0,-7 1-8 0,0-1-5 0,1 0-8 0,6 1-7 15,-7 3-7-15,7-4-9 0,-6 1-6 0,6-5-6 0,-6 5-5 0,6-1-4 16,0-3-2-16,-7 3-3 0,7-3 0 0,0 3-2 0,0-3 0 16,0-1-1-16,7 5-4 0,-7-5 0 0,0 1-2 0,6-1-4 0,0 1-3 15,1 0-4-15,-7-1-3 0,6 1-8 0,8 0-8 0,-8-1-12 0,0 1-15 16,2-4-15-16,4 4-17 0,1-4-24 0,-6 0-24 0,6 3-35 15,-1-3-37-15,2 0-62 0,6-3-74 0,-8 3-44 0,8-4-30 0</inkml:trace>
+  <inkml:trace contextRef="#ctx0" brushRef="#br0" timeOffset="104307.69">11312 11287 106 0,'-6'-4'315'0,"6"4"-64"0,0 0-55 0,0 0-35 0,0 0-23 0,0 0-12 16,-7 0-6-16,7 4-7 0,0-4-4 0,0 3-6 0,0 1-10 15,0 0-7-15,0-1-10 0,0 5-4 0,0-1-1 0,0 4 1 0,0-3 2 16,0 3 5-16,7 0 5 0,-7 3 5 0,6-3 2 0,-6 4 2 0,7-1 0 16,0 1-1-16,-1 3-1 0,0 0-2 0,0 1-2 0,-6 3-4 15,14 0-3-15,-8 0-2 0,-6 0-3 0,13 3-2 0,-6 1-4 0,-7 0-3 16,7 0-4-16,-1-1-4 0,0 4-2 0,0 1-4 0,-6-1-2 0,8 0-2 16,-2 1-2-16,0 2-1 0,1-2-1 0,0 3-2 0,-1 0-2 15,-6-4-1-15,7 4-3 0,-7 0-4 0,0 0 0 0,6 4-2 16,-6-4-1-16,6 4 1 0,-6-1-1 0,0-3 0 0,0 3-1 0,0 1 2 15,0 4-1-15,0-5-1 0,0 1 0 0,-6 0 0 0,6 3 0 0,-6-4 2 16,6-3 0-16,0 4-1 0,-7 0-2 0,1-1-1 0,-1 1-2 16,0 0-3-16,1-1-2 0,0-3-1 0,-2 4-2 0,8 0-1 0,-6-5-1 15,0 1 1-15,-7 0-1 0,6 0 0 0,1 0-2 0,-7 0 1 16,-1-4-2-16,8 5 0 0,-6-5-1 0,-2 4-1 0,1-4-2 0,0 0-1 16,-6 1-2-16,5-1 1 0,-5 0 0 0,6 1 3 0,-6-1 1 0,-1-3 0 15,0 3 1-15,1 0 2 0,-1-3-1 0,1-1 1 16,-1 1 2-16,7 0-1 0,-6-1 2 0,5-3 2 0,-5 0 1 0,6 0-1 0,0 1-3 15,7-5 0-15,-8 0-2 0,2 0-1 0,5-3-1 0,0 0-1 16,-6-1-1-16,13 1-1 0,-6-4-1 0,0 3-3 0,6-2-3 0,-7-5-4 16,7 0-5-16,-7 4-7 0,7-7-7 0,0 3-9 0,0 1-11 15,0-5-11-15,0 1-12 0,0 0-15 0,0-1-15 0,0 1-18 0,0-4-18 16,0 3-27-16,0-3-27 0,0 0-26 0,0 0-30 0,0 0-51 16,14 0-62-16,-8-3-86 0,0-1-99 0,14 1-51 0,-7-1-24 0,7-3-7 15,6-4 162-15</inkml:trace>
+  <inkml:trace contextRef="#ctx0" brushRef="#br0" timeOffset="105175.15">12510 10682 2 0,'0'-3'317'0,"0"3"-56"0,-6 0-45 0,6-4-28 0,0 4-20 0,0 0-14 16,0 0-10-16,0 0-12 0,-6 4-8 0,6-4-11 0,0 3-10 15,-7 1-8-15,7 0-9 0,0 3-2 0,0 0-5 0,0 4 1 0,0 0 0 16,0 4 5-16,0-1 6 0,-7 5 4 0,7-1 5 0,0 4 1 16,0 0-1-16,0 4-6 0,0-1-6 0,0 5-8 0,-6-1-8 0,6 0-6 15,0 4-4-15,0 1-1 0,-6-2 1 0,6 5 2 0,-7-1 0 0,7 5 1 16,-6-1 2-16,-1 0 0 0,0 4 1 0,1 1 0 0,0 2 2 0,-2 1 3 16,-4-1 2-16,6 5 2 0,-1-5 1 0,-6 8-5 0,6-4-7 15,1 5-6-15,0-2-7 0,-2 1-7 0,2-3-6 0,0 3-2 0,0-1-2 16,-8 2 2-16,8 2 0 0,-1-3 0 0,-6 0-1 0,6 0 1 15,1 4 1-15,-6-5 0 0,-2 5 2 0,8-4 0 0,-7 0 3 0,-1 0 1 16,2 4 2-16,6-5-2 0,-8-2-2 0,1 3-5 0,6-4-5 16,-6 0-5-16,1-3-4 0,5 0-4 0,-6-4-4 0,7-1-5 0,-1 2-3 15,-6-5-3-15,6 0-2 0,1-3-1 0,-8 0 0 0,8-1 2 0,0 1-1 16,0-5 1-16,-8 2 2 0,8-1 1 0,-1-4 1 0,-6 0 2 16,6 0 1-16,1 1 3 0,-6-4 0 0,4-1 2 0,2 1 1 0,0-1 0 15,-8 1-3-15,8-4-1 0,-1 0-2 0,1-4-1 0,0 4-2 0,-1-4-4 16,0 1-1-16,1-5-6 0,6 1-3 0,-6 0-4 0,6 0-6 15,0-4-4-15,0 0-6 0,0-1-5 0,0 1-6 0,0-3-4 0,0-1-8 16,0 4-6-16,0-7-7 0,0 3-6 0,0-3-9 0,0-1-6 16,6 1-8-16,-6 0-9 0,6-4-8 0,-6 0-8 0,7 4-8 0,-7-4-7 15,0 0-5-15,0 0-8 0,7 0-6 0,-1 0-10 0,-6 0-11 16,6 0-15-16,1-4-19 0,-1 4-26 0,1 0-33 0,-7 0-42 0,7-4-46 16,-7 4-70-16,6-4-79 0,0 1-37 0,2-1-12 0</inkml:trace>
+  <inkml:trace contextRef="#ctx0" brushRef="#br0" timeOffset="107282.41">20977 9169 0 0,'-12'-4'474'0,"5"1"36"0,-6-1-45 16,0 4-86-16,6-3-108 0,0 3-63 0,1-4-38 0,-6 4-23 0,12 0-13 15,-8 0-12-15,2 0-13 0,6 0-14 0,-6 0-15 0,6 0-12 16,0 0-14-16,-7 0-9 0,7 4-9 0,0-4-5 0,0 0-3 15,-6 0-2-15,6 0-1 0,-7 3 0 0,7-3 1 0,0 0 1 16,-7 4 2-16,7-4 1 0,-6 3 2 0,6 1 1 0,0 0 2 0,-6-1 1 16,6 2 1-16,0 2 1 0,0-3-2 0,0 3 0 0,0 0 0 15,0 0-3-15,0 4 0 0,0-3 0 0,0 3-2 0,0 0-1 0,0 0-1 16,0 0-2-16,0 3-3 0,0-3-1 0,0 4-3 0,0 0-1 16,0-1 0-16,0 1-2 0,6 0-1 0,-6-1-1 0,0 1-2 0,6-1-2 15,-6-3-1-15,7 4-2 0,-7 0-1 0,7 0-1 0,-1-1-2 16,1 1 1-16,-7-4-2 0,6 3 0 0,0-3 1 0,2 4-1 15,-8-4 1-15,6 0-1 0,-6 0-1 0,6 0-2 0,-6-3-1 0,6-2-5 16,-6 6-3-16,0-5-6 0,7 0-9 0,-7 1-10 0,7-5-11 16,-7 5-17-16,0-5-16 0,6 1-24 0,-6 0-22 0,0-1-32 15,0 1-33-15,0 0-46 0,7-1-52 0,-7-3-55 0,0 0-56 0,0 0-68 16,0 0-74-16,0 0-30 0,0 0-11 0</inkml:trace>
+  <inkml:trace contextRef="#ctx0" brushRef="#br0" timeOffset="107724.5">20620 9213 28 0,'-14'-7'508'0,"8"0"-67"0,-1 0-109 0,7-1-68 0,-7 5-43 0,1-5-26 16,-1 4-15-16,7-3-8 0,0 3-7 0,-6 1-10 0,6-1-12 0,0 0-16 15,0 1-15-15,0-1-14 0,0 0-13 0,0-3-10 0,0 7-7 16,6-4-6-16,-6 1-6 0,0-1-3 0,7 0-2 0,-1 1-4 0,1 3-4 16,-7-4-4-16,7 0-3 0,-1 1-2 0,8 3-5 0,-8-4-2 15,0 0-2-15,0 1-4 0,8-1-2 0,-1 4-2 0,-1-3-3 0,-4-1-3 16,4 4-2-16,-6-4-4 0,1 4-1 0,6 0-2 0,-6-3-1 16,-1 3-1-16,8 0-1 0,-8 0-1 0,0 0 0 0,0 3 0 15,2-3 1-15,4 0 0 0,1 4 1 0,1 0 1 0,-8-1 2 16,8 1 0-16,-2 3 3 0,-6-3 0 0,8 3 2 0,-1 0 1 0,-7 1 0 15,8 3 1-15,-2-4-1 0,1 0 1 0,-6 4 1 0,6 0-2 0,0-4 1 16,-6 5-1-16,-1-1-1 0,6-4-1 0,-4 4 1 0,-8-4-1 16,6 4 0-16,-6 0 1 0,6-3 0 0,-6 3-1 0,0-4 2 15,0 4 2-15,-6 0-1 0,6-4-1 0,-6 5 0 0,-2-6 1 0,2 6 0 16,-6-1-1-16,5-4 1 0,-6 4-1 0,0 0 0 0,-1-4-2 16,2 1-4-16,-2 2-6 0,2-2-7 0,-1-1-9 0,-1 0-11 15,2 1-10-15,-2-1-14 0,2 0-17 0,-8 1-16 0,7-1-21 16,-1 1-23-16,2-5-31 0,-1 5-35 0,0-5-43 0,6 5-46 0,-6-5-36 15,6 1-33-15,-5-4-68 0,12 4-85 0,-6-1-38 0,6-3-13 0</inkml:trace>
+  <inkml:trace contextRef="#ctx0" brushRef="#br0" timeOffset="108118.29">21062 9294 74 0,'6'-4'428'0,"1"4"-68"16,0-4-91-16,-1 4-59 0,7 0-46 0,-7-3-25 0,8 3-14 16,-8 0-10-16,7 0-8 0,0 0-7 0,0 3-7 0,0 1-7 0,-6-4-10 15,5 4-6-15,2-1-6 0,-1 5-4 0,-7-5-4 0,7 5-3 16,0-5-2-16,-7 5-3 0,8-1-2 0,-8 4-3 0,8-3-5 16,-8-1-3-16,1 0-6 0,-1 4-3 0,0-3-5 0,1 2 0 0,-7 1-3 15,0-3 1-15,7 3 0 0,-7-4 2 0,0 4 2 0,0-4 2 16,0 1 4-16,0-1 2 0,-7 4 5 0,7-7 3 0,0 3 1 15,-7 1 3-15,7-5 1 0,-6 4 1 0,6-3 2 0,-6 0 2 0,6-1 3 16,0-3 2-16,-7 4 2 0,7-4 3 0,-6 4 2 0,6-4 2 16,0 0 1-16,0 0 0 0,0 0-2 0,0 0-3 0,-7-4 0 0,7 4-2 15,-7-4-2-15,7 1-2 0,-6-1-1 0,6 0-5 0,-6-3-4 16,6 0-7-16,0 0-7 0,0-4-6 0,0 0-7 0,0-1-5 16,0 1-2-16,0-3-4 0,0-1-2 0,6 0-3 0,0 1-3 0,1-4-2 15,0 3-4-15,-1-3-1 0,1 3-3 0,-1 0-4 0,7 0-3 0,-6 1-7 16,-1 3-8-16,0 0-11 0,8 0-12 0,-8 4-15 0,1-1-19 15,-1 1-20-15,-6 0-24 0,6 7-27 0,1-4-29 0,6 0-38 16,-7 4-45-16,2 0-41 0,-2 0-40 0,7 4-70 0,-7 0-81 0,7 3-44 16,0-3-25-16</inkml:trace>
+  <inkml:trace contextRef="#ctx0" brushRef="#br0" timeOffset="108422.87">21739 9440 57 0,'13'-7'310'0,"-6"3"-53"0,0 1-44 16,-1-5-24-16,7 5-15 0,-6-5-3 0,-1 1 3 0,0 0 0 0,7 0-3 15,-6 3-4-15,0-3-6 0,-1-1-6 0,-6 1-5 0,6 0-3 16,-6-1 0-16,0 5-5 0,0-5-1 0,0 5-3 0,0-5-4 0,-6 4-5 16,6 1-8-16,-6 0-6 0,-1 3-8 0,0-5-11 0,1 5-9 15,-1 0-13-15,1 0-12 0,0 0-10 0,-1 0-12 0,-6 0-8 16,7 5-8-16,-1-5-9 0,0 3-6 0,-6 0-4 0,7 1-5 0,-8 0-4 15,8 0-1-15,-6 3-3 0,-2 0 0 0,8-3 2 0,-1 3 3 0,1 1 0 16,-8-1-3-16,14 0-3 0,-6 1-4 0,0-1-9 16,0 0-8-16,6 0-13 0,0 1-12 0,-8-5-16 0,8 5-18 0,0-1-20 15,0 0-23-15,8 1-23 0,-8-5-26 0,0 1-29 0,6 4-31 0,6-5-31 16,-5 0-32-16,0 2-22 0,6-2-20 0,-1-3-23 0,2 4-29 16,5-4-31-16,-6-4-33 0</inkml:trace>
+  <inkml:trace contextRef="#ctx0" brushRef="#br0" timeOffset="108866.02">21993 9301 160 0,'0'-7'288'0,"-6"3"-25"16,0 0-20-16,-2 1-13 0,2-1-10 0,0 4-13 0,6 0-14 0,-7-3-15 15,1 3-18-15,6 0-21 0,0 0-20 0,-7 3-15 0,0-3-15 16,7 0-13-16,-6 4-12 0,0-1-11 0,6 1-10 0,-6 0-9 16,-2-1-6-16,8 1-5 0,-6 0-3 0,6 4-2 0,-6-5-2 0,6 4 1 15,-7 1 0-15,7-5-1 0,0 1-4 0,-6 3-3 0,6-3-1 16,0 0-2-16,0-1-2 0,0 1 0 0,0 3-2 0,0-3-1 0,6-4 0 15,-6 4-2-15,0-1 0 0,7-3 0 0,-1 4 1 0,0-4 1 16,-6 0 0-16,8 0 1 0,-2 0 3 0,0 0 2 0,0-4 2 0,1 4 2 16,0 0 2-16,-7-3 2 0,6 3 2 0,1-4 1 0,-7 0 0 15,6 1 0-15,0-1 1 0,-6 0 0 0,8 1-1 0,-2-5 0 16,-6 1 0-16,6 3 0 0,-6-3-2 0,0-4-3 0,6 3 0 0,-6 1-2 16,0-4-1-16,0 0 0 0,0 4 1 0,0-4 1 0,0 0-1 0,0 0 1 15,0 0 2-15,0 0 0 0,-6-4 3 0,6 8 4 16,0-4 1-16,-6 0 4 0,6 0 3 0,-6 0 5 0,6 4 4 0,-8-1 5 15,8 1 5-15,0 0 4 0,-6 3 1 0,6-3 2 0,-6 3 1 16,6 0-1-16,0 1-2 0,-7-1-2 0,7 4-6 0,-6-4-6 0,6 4-6 16,0 0-8-16,0 0-8 0,0 0-6 0,0 0-6 0,-7 4-3 15,7-4-6-15,0 4-1 0,0-1-3 0,0 1-1 0,0 3 0 0,0 1 0 16,0-1 1-16,7 0 2 0,-7 1 4 0,0 3 4 0,6-4 3 16,-6 4 1-16,7 0 1 0,-1-3 0 0,0 2 1 0,-6 1-1 15,8 0-3-15,-2-3-3 0,0 3-4 0,0 0-8 0,2-4-10 0,-2 4-12 16,7-4-15-16,-7 4-17 0,1-4-22 0,0 4-22 0,-1-3-25 15,0-1-32-15,0 1-37 0,-6-1-50 0,8 0-59 0,-2 1-75 0,0-5-83 16,8 5-56-16,-8-5-47 0,7 5-14 0,0-5 304 0</inkml:trace>
+  <inkml:trace contextRef="#ctx0" brushRef="#br0" timeOffset="109085.07">22488 9279 0 0,'0'0'394'0,"0"0"43"16,0 0-95-16,0 0-83 0,0 0-77 0,6-3-40 0,-6 3-23 15,0 0-10-15,8 0-3 0,-2-4-9 0,0 4-10 0,1 0-11 0,-1 0-14 16,1-4-8-16,-1 4-8 0,7 0-5 0,1 0-2 0,-2-3-5 0,-5-1-1 16,6 4-10-16,0-4-13 0,-7 4-20 0,1-3-23 0,6 3-24 15,-7-4-27-15,2 0-27 0,4 4-32 0,-12-3-32 0,6-1-35 16,1 0-26-16,0 1-26 0,-7 3-17 0,6-4-15 0,-6 0-9 0,0 4-9 15</inkml:trace>
+  <inkml:trace contextRef="#ctx0" brushRef="#br0" timeOffset="109274.11">22364 9192 295 0,'-6'0'290'0,"-7"0"-29"16,6 0-25-16,-5 0-12 0,5 0-7 0,7 3-9 0,0-3-8 0,0 0-11 15,0 0-11-15,0 0-10 0,0 0-11 0,0 0-10 0,0 0-10 16,0 0-10-16,7-3-8 0,-1 3-9 0,0 0-10 0,1-4-11 0,0 4-10 15,-1 0-9-15,-6-4-10 0,6 4-6 0,1-3-6 0,0 3-8 16,-1 0-6-16,7-5-8 0,-7 5-9 0,1 0-15 0,0-3-18 16,-1 3-24-16,0 0-29 0,2-4-40 0,-2 4-44 0,-6 0-69 0,0 0-79 15,0 0-103-15,6 0-114 0,1 4-58 0,-7-4-31 0,6 3-14 16,1-3 375-16</inkml:trace>
+  <inkml:trace contextRef="#ctx0" brushRef="#br0" timeOffset="111511.63">22755 8880 0 0,'-6'0'410'0,"6"-4"143"0,0 4-30 0,-7-4-98 0,7 4-134 15,0 0-78-15,0 0-52 0,0 4-30 0,-7-4-17 0,7 0-14 16,-6 4-12-16,6-1-15 0,0 2-19 0,0-2-16 0,0 0-16 0,0 5-11 16,0-1-5-16,0 1-3 0,0-1 0 0,0 4 4 0,6 0 4 15,-6 0 4-15,7 0 4 0,-7 0 1 0,7 3 3 0,-7-3 0 16,0 4 2-16,6-4-1 0,1 4-1 0,-7-4 1 0,6 0-1 0,-6 4-2 16,6-5-2-16,-6 5-1 0,8-4-2 0,-8 0 0 0,0 0-3 0,6 0-1 15,-6 0 0-15,6 0-2 0,-6-3-1 0,0-1 0 0,7 0-1 16,-7 0-2-16,7 1 2 0,-7-5 1 0,0 1 1 0,0 0 3 15,0-1 1-15,0 1 6 0,0-4 3 0,0 4 5 0,0-4 6 0,0 0 7 16,0 0 5-16,0 0 5 0,0 0 5 0,0 0 1 0,6-4-1 16,-6 0-3-16,0 1-2 0,0-1-4 0,0 0-3 0,0 1-5 0,0-5-5 15,0 1-7-15,-6 0-7 0,6-5-5 0,-7 5-5 0,0-4-4 16,1 0-4-16,0 0-1 0,-2-3 1 0,2 3 3 0,0-4 0 0,-7 1 4 16,6 3 3-16,0-4 1 0,1 0 2 0,-6 0 3 0,4 4 2 15,2-3 2-15,0-1 2 0,-1 4 1 0,1 0 0 0,6 0 0 0,0 4 0 16,-7-4 0-16,7 4-1 0,-7-1-3 0,7 5-2 0,0-5-3 15,0 5-5-15,0-1-4 0,0 0-5 0,0 0-6 0,0 4-7 0,7-3-2 16,-7 3-4-16,0 0-1 0,7 3-1 0,-1-3 0 0,1 0-1 16,5 4 0-16,-4 0 2 0,4 0 2 0,1 3 1 0,0-3 3 0,6 3 4 15,-5 0 4-15,6 1 4 0,-8-1 4 0,8 0 0 0,-7 4 2 16,0-4 1-16,6 1 0 0,-5 3 1 0,-1 0 1 0,-1-4 0 0,2 4 0 16,-2-4 1-16,2 5 2 0,-8-5-2 0,7 0-1 0,1 4 0 15,-8-3-1-15,0-1-2 0,8 0 1 0,-14 0-1 0,6 1-2 16,0-5 1-16,-6 1-1 0,7 0 1 0,-7 3 0 0,6-7 1 0,-6 4 1 15,7-1 2-15,-7-3 2 0,0 0 3 0,0 0 2 0,0 0 4 0,0 0 2 16,0 0 4-16,0 0 1 0,7 0 1 0,-7-3-1 16,6 3-2-16,-6-4-2 0,6 0-2 0,-6 1-4 0,0-5-4 0,6 5-3 15,-6-5-3-15,8 1-4 0,-8-4-4 0,0 4-3 0,6-4-3 0,-6 0-1 16,6 0-1-16,-6 0 1 0,7-4 1 0,-7 4 3 0,0 0 1 16,7 0 0-16,-7 0 2 0,6 0 2 0,-6 0 0 0,0 4 1 15,7 0 0-15,-7-4-2 0,6 7-1 0,-6-3-3 0,6 3-1 0,-6 0-4 16,0 0-4-16,0 1-2 0,0 3-6 0,0 0-1 0,0 0-5 15,0 0-1-15,0 0-2 0,0 0 2 0,7 3 0 0,-7 1 1 0,0 0 2 16,7 3 2-16,-1-3 3 0,0 3 3 0,1 1 3 0,0-1 5 16,-1 4 5-16,1-4 4 0,5 4 4 0,2-4 2 0,-2 1 1 15,-4 3-1-15,4-4 1 0,1 4 0 0,-6-4 0 0,0 1-2 0,5-1-1 16,-6-3-3-16,2 3-2 0,4-3-3 0,-5 0-1 0,-1-1-4 16,1 1-2-16,6 0-2 0,-7-4-2 0,1 3 0 0,0-3-1 0,5 0 0 15,-5 0 1-15,0 0 2 0,-1-3 1 0,7 3 0 0,-7-4 1 16,1 0 2-16,0 1 1 0,5-1 1 0,-4-3 1 0,4 3 1 15,1-4 3-15,-6 1 1 0,6 0 1 0,-7-4 0 0,0 3-1 0,2-3-2 16,4 4 1-16,-5-4 0 0,-1 4 1 0,1-4 0 0,-1 4 2 16,-6-1 0-16,7 1 0 0,-7 0-2 0,6 3-1 0,-6 0-4 0,0 1-2 15,0-1-3-15,0 4-5 0,0 0-2 0,0 0-3 0,0 0-2 16,-6 0 1-16,6 0-1 0,0 4 1 0,0-1-1 0,0 5 1 0,0-5 2 16,0 5 0-16,6-5 5 0,-6 5 1 0,7-1 5 0,0 0 5 15,-7 1 1-15,6-1 5 0,0 0 0 0,1-3 1 0,6 3 1 16,-7 0-1-16,1-3 0 0,6 0 1 0,-6-1 0 0,-1 1 1 0,7 0-1 15,-6-1 1-15,5-3 0 0,-5 0 2 0,6 0 2 0,-6 0 2 16,5 0 2-16,2 0-1 0,-8-3 2 0,7-1 0 0,0 4 2 16,-6-7 2-16,5 7 1 0,2-8 1 0,-8 5 1 0,8-5 0 0,-2 5 1 15,-5-5 1-15,6 1-1 0,-6 0 1 0,-1 0-1 0,0-1 3 0,-6 1 2 16,0 0 1-16,0-4 2 0,0 3-1 0,0 1 1 0,-6-1 1 16,0 2 0-16,6-2 2 0,-14 4-2 0,8-3 0 0,-1 3-4 15,-5 0-5-15,5 1-5 0,-6-1-7 0,7 4-7 0,-8 0-6 0,1 0-5 16,0 0-4-16,0 0-8 0,1 4-9 0,-2-1-10 0,1 1-12 15,-7 0-14-15,8 3-15 0,-2-3-14 0,2 4-18 0,-2-2-18 0,1 2-20 16,1-1-22-16,-2 1-22 0,2-1-33 0,5 0-37 0,0-3-42 16,7 3-45-16,-6 1-52 0,6-5-52 0,6 5-54 0,-6-5-51 0,14 1-17 15,-8-1 422-15</inkml:trace>
+  <inkml:trace contextRef="#ctx0" brushRef="#br0" timeOffset="112214.79">24045 8818 379 0,'-6'-4'454'0,"-2"4"-66"0,2 0-82 0,0 4-54 16,6-4-41-16,-6 0-30 0,-2 3-24 0,2 1-18 0,0 0-18 15,-1-1-15-15,1 1-16 0,6 3-11 0,-7 1-12 0,7-5-4 0,-7 4-3 16,7 1-3-16,0-1 2 0,-6 0-3 0,6 1-2 0,0-1-2 16,0-3-4-16,0 3-5 0,0 1-4 0,0-1-5 0,0-3-5 0,6 3-4 15,-6-3-5-15,0-1-4 0,7 1-5 0,0 0-2 0,-7-1-2 16,6 1-1-16,1-4-2 0,-1 4-1 0,0-4 2 0,2 3 1 0,-2-3-1 15,-6 0 2-15,6 0 3 0,0-3 2 0,2 3 3 0,-2-4 3 16,0 4 1-16,1-4 1 0,-1 1 3 0,8-1 1 0,-8 0 0 0,0 1 2 16,8-5-1-16,-8 5 0 0,0-5-1 0,1 1 0 0,-1 0 0 15,1-5-3-15,-7 6-1 0,7-6-1 0,-1 1 1 0,-6 4-1 0,6-4 1 16,-6 0-1-16,0-4 1 0,0 4 1 0,0 0 0 0,-6-3 1 16,6-1 1-16,0 4 3 0,-6-3 3 0,-1 2 3 0,7-2 4 0,-7 3 1 15,1 0 2-15,-1 0 3 0,1 3 2 0,0-3 2 0,6 4 2 16,-8 0 3-16,2 0 3 0,0-1 2 0,0 5 2 0,-1-5 0 15,0 5-3-15,7-1-6 0,-6 0-4 0,-1 1-6 0,7 3-7 0,-6-4-7 16,6 4-7-16,0 0-7 0,-6 0-6 0,-2 4-7 0,8-4-5 16,0 3-4-16,-6 1-4 0,6 0-3 0,0-1-2 0,0 5-1 15,0-1 2-15,0 0 2 0,6 1 2 0,-6 2 2 0,8-2 3 0,-2 3 3 16,0 0 3-16,1-4 1 0,-1 4-1 0,1-4 1 0,6 4-1 16,-7 1 1-16,8-6 0 0,-2 6-1 0,-5-5 1 0,6 4-2 15,0-4 2-15,0 1 0 0,0 3-1 0,0-4 1 0,0-3 0 0,-6 3-1 16,5 0 1-16,2-3-1 0,-8 3 0 0,8-7-1 0,-2 4 0 15,-5 0-1-15,6-1-1 0,0-3 3 0,-7 0-1 0,8 0 3 0,-2 0 1 16,1 0 1-16,1-3 1 0,5 3 1 0,-6-4 1 0,0 0 0 16,0 1 0-16,0-1 2 0,0-3-1 0,0 3 1 0,1-3 1 15,-2-1-2-15,1 5 1 0,0-8-2 0,-6 3-1 0,5 1-1 0,-4 0 2 16,-2 0-1-16,0-1 0 0,-6 0 1 0,7 2 1 0,-7 2-1 16,0 0 2-16,0-3-1 0,0 3 3 0,0 0 0 0,0 1 1 0,-7 3-2 15,7-4 0-15,0 4-3 0,-6 0-4 0,0 0-2 0,-2 0-4 16,8 0-3-16,-6 4-1 0,6-4-2 0,-6 3 1 0,6-3 0 0,0 4-3 15,-7 0-1-15,7-1-1 0,-6 5 0 0,6-4 2 0,-7-1 1 16,7 5 3-16,0-5 3 0,0 1 2 0,0 3 2 0,0-3 2 16,0 0-1-16,7-1 0 0,-7 1 0 0,6-1-1 0,-6 1 1 0,7 0 1 15,-7-4-3-15,6 3-2 0,0-3-3 0,2 4-7 0,-2-4-6 16,0 0-8-16,-6 0-8 0,7 0-8 0,-1 0-8 0,1 0-9 0,-1 0-11 16,1-4-12-16,-7 4-21 0,6 0-23 0,1-3-24 0,0-1-24 15,5 0-22-15,-5 1-23 0,0-4-23 0,5 3-22 0,-5-3-20 16,6-1-19-16,0-3-17 0,0 4-15 0,-6-1-19 0,-1-3-22 0,7 0-24 15,-6 0 24-15</inkml:trace>
+  <inkml:trace contextRef="#ctx0" brushRef="#br0" timeOffset="112430.84">24676 8455 137 0,'-6'-8'419'0,"6"-2"-32"16,-6 6-39-16,-1-3-34 0,0 3-32 0,1 0-23 0,-1 1-20 16,1-1-19-16,6 4-16 0,-6 0-20 0,-1 0-18 0,0 0-20 0,7 0-18 15,-6 4-17-15,6-4-14 0,-6 3-15 0,6 5-13 16,0-5-11-16,0 5-7 0,6-1-5 0,-6 4-2 0,6-3 0 0,-6 3 1 15,7-1 1-15,0 1 2 0,-1 0 1 0,0 0-1 0,1 0-3 0,-1 4-4 16,8-4-4-16,-8 0-3 0,0 0-5 0,1 0-2 0,6 0-4 16,-6 4-1-16,-1-4-5 0,1 0-4 0,6 0-4 0,-7 0-7 0,0-1-9 15,8 1-10-15,-8-3-14 0,1 3-15 0,-1-4-20 0,7 0-23 16,-13 1-27-16,7-1-29 0,-1 0-38 0,0 1-45 0,2-4-54 16,-2 2-59-16,-6-1-77 0,13-2-90 0,-6 1-54 0,-1 0-37 0,7-1-9 15,0-3 284-15</inkml:trace>
+  <inkml:trace contextRef="#ctx0" brushRef="#br0" timeOffset="112624.88">25191 8697 403 0,'0'0'608'0,"0"0"-16"0,0 0-31 0,6 0-90 0,-6 0-117 0,0 0-76 15,0 0-52-15,0 0-33 0,0-4-22 0,0 4-19 0,7 0-19 16,-7 0-20-16,0 0-20 0,0-4-19 0,0 4-19 0,0 0-18 0,0 0-18 15,7-3-21-15,-7 3-23 0,0 0-26 0,0 0-30 0,0-4-38 16,0 4-39-16,0 0-57 0,0 0-63 0,0 0-103 0,0 0-122 16,0 0-71-16,0 0-46 0,0 0-20 0,0 0-6 0</inkml:trace>
+  <inkml:trace contextRef="#ctx0" brushRef="#br0" timeOffset="113037.97">25327 8338 523 0,'-6'-4'611'0,"0"1"-20"0,-7-2-34 0,13 5-105 16,-7 0-137-16,1-3-81 0,-1 3-54 0,7 0-30 0,-6 0-19 0,6 3-17 16,0-3-14-16,0 5-15 0,0 2-17 0,0-3-11 0,0 3-12 15,0 0-6-15,0 4-3 0,6 0-1 0,-6 4 1 0,7-4 2 16,-7 3 3-16,6 1 0 0,1-1 0 0,-7 2-3 0,7 2-3 0,-1-4-5 15,0 5-3-15,0-5-3 0,2 5-5 0,-8-5-4 0,12 1-5 16,-5 3-5-16,-1-3-6 0,1 0-7 0,6-1-8 0,-7 1-11 16,1-1-13-16,6 1-14 0,-7-4-18 0,1 0-20 0,0 0-24 0,-1 0-27 15,1 0-28-15,-1-3-35 0,0 3-39 0,-6-4-47 0,14 0-52 16,-8-3-53-16,0 3-56 0,1-3-60 0,0-1-60 0,-7 1-18 0,6 0 222 16</inkml:trace>
+  <inkml:trace contextRef="#ctx0" brushRef="#br0" timeOffset="113667.12">25302 8481 192 0,'-7'-15'546'0,"-6"0"-54"0,7 4-87 0,-8-3-75 0,8 6-69 16,0-3-42-16,0 0-27 0,-2 4-19 0,2 0-12 0,6-1-16 16,0 1-15-16,-6 3-17 0,6 1-20 0,0-1-19 0,0 1-15 0,0-1-15 15,0 4-13-15,0 0-8 0,0 0-6 0,0 0-4 0,0 0-2 16,0 0 1-16,6 0 0 0,0 4-1 0,2-1 1 0,-2 1-1 0,0-1-1 15,0 1 2-15,2 3 2 0,-2 1 0 0,7 3 3 0,-7-4 2 16,1 4 2-16,6-4-2 0,-7 4-2 0,0 0-3 0,2 0-2 0,-8 1-5 16,6-1 0-16,0-1-2 0,1 1-1 0,-7 0 0 0,6 0-2 15,-6-3 0-15,7 3-1 0,-7-4-1 0,0 4-1 0,7-4-1 16,-7 0-2-16,6-3 1 0,-6 3-1 0,0-3-2 0,6 3 1 0,-6-3 1 16,0 0-1-16,0-4 0 0,0 3-2 0,7-3 0 0,-7 0 2 15,0 0 0-15,0 0 2 0,0 0-1 0,7 0 1 0,-1-3 1 16,-6 3-2-16,6-4 1 0,1 0-1 0,0-3-2 0,-1 3 0 0,-6-3 2 15,7 0-1-15,-1-1 1 0,0 1-2 0,1-4 1 0,0 0-2 0,-1 4-1 16,-6-4 1-16,6 0 2 0,8 0-1 0,-14 0 1 0,6 0 1 16,1 3 1-16,-1-3-1 0,1 4 2 0,-7 0-1 0,6 3-1 15,-6 1 0-15,7-5-4 0,-7 8-2 0,6-3-3 0,-6 3-1 0,0 0-1 16,0 0 2-16,0 0 1 0,0 0 2 0,6 3 2 0,-6-3 0 16,0 4 3-16,8 0 0 0,-8-1 2 0,6 1 2 0,-6 3 2 15,6-3 2-15,1-1 4 0,-1 1 1 0,1 0 0 0,-7 4 0 0,6-8-3 16,-6 7 0-16,7-3-2 0,-7-4-1 0,6 3 0 0,-6 1 0 15,6-1 0-15,-6-3 0 0,0 4 3 0,8-4 0 0,-8 0 2 16,0 0 1-16,0 0 2 0,6 0 1 0,-6 0 3 0,6 0-1 0,-6-4 2 16,7 4 0-16,-7-3-2 0,7-1 0 0,-7 4-3 0,6-3-1 0,-6-1-3 15,7-3 0-15,-7 2-3 0,6-2 0 0,-6 0-2 0,0 0-2 16,0-1-2-16,0 1 1 0,0 0-1 0,0-1-1 0,0 1 2 16,0 0 3-16,0-1 2 0,-6 5 1 0,6-5 3 0,-7 5 2 0,7-1 0 15,-6 4 1-15,6-4-2 0,0 4-3 0,0 0-2 0,0 0-3 16,0 0-1-16,0 4-2 0,-7-4 1 0,7 4 0 0,0-1-2 15,0 1 0-15,0 0-2 0,7-1 0 0,-7 5-1 0,0-5-1 0,6 5 2 16,1-5 3-16,-1 5 2 0,0-5 3 0,1 5-1 0,-7-5-1 16,7 1-5-16,-1 0-9 0,0-1-11 0,1 4-12 0,0-7-17 0,-1 4-18 15,-6 0-21-15,13-4-22 0,-13 3-28 0,13-3-31 0,-6 5-46 16,-1-5-47-16,0 0-79 0,8-5-91 0,-1 5-65 0,0-3-50 0,-7 3-20 16,7-4 307-16</inkml:trace>
+  <inkml:trace contextRef="#ctx0" brushRef="#br0" timeOffset="113977.18">25784 8022 0 0,'-7'-7'40'0,"-5"4"561"0,4 3 14 0,-4-4-61 0,5 0-102 15,1 4-86-15,-1-3-81 0,1 3-45 0,-1 0-31 0,1 0-19 0,-1 0-14 16,0 3-18-16,7-3-15 0,-6 4-17 0,0 0-14 0,-1-1-12 15,0 4-10-15,1 1-6 0,0 0-2 0,-1 3 0 0,1-1 1 16,-8 1 0-16,8 4 2 0,0-4 3 0,-2 4 1 0,8-1-2 0,-6 1-4 16,0 3-6-16,-1-3-5 0,7 3-5 0,-6 1-5 0,6-1-7 15,0 0-6-15,0 4-6 0,6-4-7 0,-6 1-4 0,0 2-7 0,7-2-3 16,-1 3-6-16,0-4-4 0,2 1-3 0,4-1-5 0,-5-3-6 16,0 3-7-16,6-3-8 0,-1-1-11 0,-5 1-15 0,6-4-15 15,0 4-16-15,0-4-20 0,0 0-19 0,0-4-23 0,-6 4-25 0,5-4-26 16,8 0-29-16,-7 1-30 0,0-5-33 0,0 5-43 0,1-8-48 0,5 3-65 15,0 1-72-15,-6 0-62 0,7-4-54 0,-7 0-18 0,6 0 2 16</inkml:trace>
+  <inkml:trace contextRef="#ctx0" brushRef="#br0" timeOffset="122765.35">24351 9873 0 0,'0'-4'166'0,"-7"4"257"16,7-4-85-16,0 4-67 0,-6-3-56 0,6 3-31 0,-7-4-19 0,7 4-8 16,0 0-5-16,0 0-6 0,0-4-9 0,0 4-9 0,-6 0-7 15,6-3-6-15,0 3-5 0,-6 0-2 0,6-4-4 0,0 4 0 16,-8 0-3-16,8-4-4 0,-6 4-5 0,6 0-3 0,0 0-3 0,0-3-2 16,-6 3-2-16,6 0-2 0,0 0-2 0,-6-4-5 0,6 4-6 15,0 0-5-15,0 0-7 0,0 0-5 0,0 0-5 0,0 0-7 0,-7 4-7 16,0-4-7-16,1 3-7 0,6-3-6 0,-7 4-4 0,7 0-4 15,-6-1-5-15,6 1-2 0,-6 3-5 0,6 1-2 0,0 3-1 0,-8-4-1 16,8 4-1-16,-6 0 3 0,6 4 2 0,0-1 2 0,0-3 3 16,0 4 0-16,0 0 0 0,0-1-2 0,6 1 0 0,-6-1 1 15,8 1 0-15,-8 0 2 0,0-4 2 0,6 4 2 0,-6-4 0 0,6 0 0 16,-6 3 1-16,7-3 2 0,-7-4 0 0,0 4 2 0,0-3 0 0,0-1 0 16,0 0 2-16,6 1 1 0,-6-4 0 0,0-1 0 0,0 1 2 15,7 0 3-15,-7-1 1 0,7-3 3 0,-7 0 2 0,0 0 2 16,0 0 3-16,0 0 1 0,0 0 3 0,6 0 2 0,0-3-1 15,-6 3-2-15,6-4-1 0,2-3-3 0,-8 3-5 0,6 0-1 0,0-3-2 16,1-1-3-16,-7 1-3 0,6-4-1 0,-6 4-1 0,0-4-2 16,7 0-3-16,-7 4-1 0,7-4-1 0,-7 0-1 0,0 3 0 0,6 1 2 15,-6 0-2-15,6-1-3 0,-6 1-1 0,7 3-5 0,-7 0-4 0,0 1-3 16,7 0-6-16,-7 3-1 0,6 0-3 0,-6-5-1 0,0 5 0 16,6 0 1-16,1 5 0 0,0-5 1 0,-1 0 3 0,7 3 0 15,0-3 3-15,-6 3 3 0,5-3 4 0,2 4 3 0,5-4 3 0,-6 4 3 16,0-4 1-16,-7 4 1 0,8-1 1 0,-1-3 0 0,-7 0 1 15,7 0 1-15,0 4 0 0,-6-4 3 0,0 0 2 0,5 0 0 16,-5 0 5-16,0 0 2 0,-1 0 4 0,-6-4 5 0,6 4 3 0,1 0 3 16,-7 0 5-16,0-3 4 0,6 3 4 0,-6-4 3 0,7 0 2 15,-7 4 3-15,7-4 3 0,-7-2 4 0,6 1 2 0,-6 2 2 16,0-5 1-16,6 1 0 0,-6 3-2 0,0-6-1 0,0 2-3 0,0 1-3 16,0-4-3-16,-6 4-4 0,6-4-4 0,-6 0-3 0,-1 0-4 15,0 0-6-15,1 0-6 0,-1-4-3 0,1 4-6 0,-7 0-3 0,6 0-2 16,7 0-4-16,-6 4-3 0,0-4-6 0,-1 3-8 0,0 1-9 15,1 4-12-15,6-1-15 0,-7-3-17 0,1 7-21 0,-1-4-21 0,7 4-23 16,0-4-26-16,0 4-24 0,0 0-23 0,0 4-29 0,0 0-31 16,0-1-49-16,7 1-57 0,-1 3-64 0,7 0-66 0,1-3-59 15,-2 3-54-15,2 1-18 0,-2-1 3 0</inkml:trace>
+  <inkml:trace contextRef="#ctx0" brushRef="#br0" timeOffset="123089.42">25087 9847 366 0,'-7'0'543'0,"1"-4"-68"16,-1 1-102-16,1-1-66 0,0 4-47 0,-2-4-27 0,2 4-17 0,0 0-14 16,0-3-13-16,-2 3-17 0,2 0-21 0,0 0-19 0,6 3-21 15,-13-3-18-15,13 0-15 0,-14 4-16 0,8 0-13 0,0-1-11 0,-8 1-11 16,8 0-9-16,0-1-8 0,-1 1-5 0,-6 3-4 15,6 1-1-15,1-1-1 0,0 0 0 0,-1 0 0 0,0 1 2 0,1 0 0 16,0-1 2-16,6 0-1 0,-7 0 0 0,7 4-1 0,0-3 0 16,0-1 2-16,0-3-1 0,0 3 0 0,0 0 0 0,0-3 1 0,0 3 0 15,7-3 0-15,-1 0 2 0,-6-1-1 0,6 1 2 0,1-1-2 16,6 1 2-16,-7-4 0 0,1 0-1 0,6 4-1 0,-6-4-1 16,5 0-2-16,2-4-3 0,-2 4-6 0,2-4-8 0,-1 4-11 0,7-3-15 15,-8-1-20-15,8 1-24 0,-1-1-26 0,-5 0-35 0,4 1-35 0,-4-1-45 16,5-3-51-16,1 3-53 0,0-3-53 0,-1 3-77 0,-6-3-83 15,6 3-39-15,-5-3-12 0</inkml:trace>
+  <inkml:trace contextRef="#ctx0" brushRef="#br0" timeOffset="123814.58">25439 9811 0 0,'0'0'19'0,"-7"-4"449"16,7 4-58-16,0 0-67 0,-6 0-73 0,6-4-41 0,-7 4-29 15,7-3-12-15,0 3-6 0,-7 0-5 0,7 0-7 0,-6 0-9 0,6-4-11 16,0 4-9-16,-6 0-11 0,-1 0-6 0,0 0-7 0,7 0-5 15,0 0-6-15,-6 0-5 0,0 0-10 0,-1 0-10 0,7 0-12 0,-7 4-10 16,7-4-14-16,-6 0-11 0,6 0-12 0,-7 0-7 0,7 3-8 16,-6-3-6-16,6 4-6 0,-6-4-2 0,6 4-3 0,0-4-2 0,-8 3-3 15,8 1 1-15,-6-1-1 0,6-3 2 0,0 4 1 0,0 0 2 16,0-1 2-16,0 1 3 0,0-4 0 0,0 4 1 0,0-1 0 16,0 1 1-16,0 0 0 0,0-4 0 0,6 3 0 0,-6-3 1 0,8 4-1 15,-8-4 1-15,0 4 1 0,6-4 0 0,-6 3 2 0,6-3 0 16,-6 4-1-16,0-4 0 0,7 4 0 0,-7-4-1 0,6 3 0 0,-6 1 1 15,7-4 0-15,-7 0 0 0,0 4 1 0,7-4 0 0,-7 0-1 16,6 0 1-16,-6 3 2 0,6-3-1 0,-6 0 0 0,0 0 1 0,0 0 2 16,0 0 1-16,0 0 0 0,7 0 3 0,-7 0 3 0,7-3 0 15,-7 3 3-15,6 0 1 0,-6 0 4 0,0-4-1 0,6 4 1 0,-6-4 1 16,7 1 1-16,-7 3-1 0,0-4-1 0,7 4 1 0,-1-4-1 16,-6 1-2-16,7-1-1 0,-1-3-2 0,-6 3 0 0,6 0 0 15,-6-3 0-15,0 3 1 0,7-3 2 0,-7 3 2 0,7-3 4 0,-7 4 1 16,6-1 2-16,-6 0 1 0,0 1 0 0,0-1 0 0,0 4-1 15,0-4-2-15,0 4-4 0,0 0-4 0,0 0-6 0,0 0-5 16,0 0-7-16,0 0-5 0,0 0-5 0,0 4-2 0,0 0-4 0,0-4-1 16,0 0-1-16,0 3-1 0,0 1 1 0,0-4 2 0,0 4 2 15,6-4 2-15,-6 3 3 0,7-3 3 0,-7 0 4 0,7 4 2 0,-7-4 2 16,0 0 0-16,6 0 0 0,-6 0 0 0,0 0 1 0,7 0 0 16,-7 0 0-16,6 0 0 0,1-4 3 0,-7 4 2 0,6 0-1 0,-6 0 3 15,7-3 1-15,-7 3 3 0,6-4 1 0,-6 4 3 0,6-4 2 16,-6 4 1-16,0-3 1 0,8 3 0 0,-8-4 1 0,6 0-1 15,-6 4 0-15,0-3 1 0,0-1-2 0,0 0-1 0,0 4 0 0,0-3-2 16,0 3-2-16,0-4-4 0,0 4-3 0,0-4-6 0,0 4-7 16,0 0-10-16,0 0-10 0,0 0-12 0,0 0-12 0,0 0-14 15,0 0-16-15,0 0-16 0,0 0-17 0,0 0-20 0,0 0-20 0,0 0-21 16,0 0-23-16,0 0-20 0,0 0-19 0,0 0-19 0,6-3-18 16,-6 3-17-16,7 0-17 0,-1-4-13 0,7 4-10 0,-6 0-2 15,5-4 3-15,2 1 11 0,-8 3 15 0,8-4 20 0,-1 0 258 0</inkml:trace>
+  <inkml:trace contextRef="#ctx0" brushRef="#br0" timeOffset="124056.63">25738 9715 0 0,'0'0'45'0,"0"0"194"0,0 0 8 0,0 0 0 0,0 0-1 16,-6 0-10-16,-1 0-17 0,7 0-18 0,-6 0-21 0,6 4-20 15,-7-4-20-15,7 3-20 0,0-3-18 0,-6 4-14 0,6-4-13 0,-7 4-8 16,7-1-9-16,0-3-4 0,0 4-4 0,0 0-3 0,0-1 0 16,0 1 2-16,0-4 0 0,0 4 2 0,0 0-1 0,0-4 0 15,0 3-1-15,0 1-2 0,7-4-5 0,-7 0-2 0,0 0-4 0,0 0-3 16,0 0-1-16,0 0-1 0,0 0 0 0,0 0-1 0,0 0 1 15,6 0 1-15,-6 0 3 0,0 0 1 0,7 0 2 0,-7 0 3 0,6-4 0 16,-6 4 1-16,0-3-1 0,7 3-2 0,-7-4-3 0,6 0-5 16,-6 0-4-16,7 1-7 0,-7-1-8 0,0 0-11 0,0 1-12 0,0-5-14 15,0 5-15-15,0-5-20 0,0 1-20 0,0 0-22 0,0 0-24 16,0-4-25-16,0 3-26 0,0-3-29 0,0 0-31 0,-7 0-33 16,7 0-33-16,-6-4-21 0,6 4-15 0,-7 0-13 0,7-3-12 15,0-1-6-15,-6 1-6 0</inkml:trace>
+  <inkml:trace contextRef="#ctx0" brushRef="#br0" timeOffset="124242.18">25673 9418 0 0,'0'0'4'0,"0"0"298"0,0 0-28 0,-7 0-19 16,7 4-17-16,-6 0-15 0,6-1-14 0,0 1-15 0,0 0-15 15,0 3-14-15,0 0-17 0,0 1-12 0,0-1-11 0,6 4-7 16,1 0-3-16,0 0-3 0,-1 0-1 0,0 0-7 0,1 0-8 16,6 0-11-16,-6 0-8 0,-1-4-10 0,1 4-8 0,6 0-8 0,-7-4-8 15,0 4-8-15,2-3-8 0,4 0-11 0,-5 2-14 0,-1-2-16 16,1-1-16-16,6 0-17 0,-7-3-19 0,0 3-22 0,2 1-21 0,-8-5-27 15,6 5-30-15,0-5-32 0,1 1-32 0,0 3-31 0,-7-3-29 16,6-4-14-16,-6 3-7 0,6 1 1 0,-6-4 5 0,0 0 9 0,0 0 13 16</inkml:trace>
+  <inkml:trace contextRef="#ctx0" brushRef="#br0" timeOffset="124374.2">25856 9682 0 0,'0'-3'68'16,"0"-1"144"-16,0 0 3 0,0 4-5 0,0-3-10 0,0-1-11 15,0 0-12-15,0 1-13 0,0 3-10 0,6-4-14 0,-6 0-17 0,6 1-15 16,-6-1-18-16,0 0-14 0,7 1-14 0,-1-1-13 0,1 0-9 0,0 1-12 15,-1-1-14-15,-6-4-16 0,6 8-18 0,1-6-25 0,0 1-27 16,-1 2-36-16,0-1-41 0,-6 0-41 0,7 1-44 0,-7-4-57 0,6 3-66 16,1-3-57-16,0-1-23 0</inkml:trace>
+  <inkml:trace contextRef="#ctx0" brushRef="#br0" timeOffset="124640.57">25784 9272 0 0,'-7'-4'218'0,"7"1"305"0,-6-1-52 16,0 4-59-16,-2-4-64 0,2 4-43 0,0 0-34 0,6-3-27 16,0 3-23-16,0 0-20 0,0 0-22 0,0 0-23 0,0 0-21 0,0 0-20 15,0 0-16-15,0 3-13 0,0-3-7 0,0 4-5 0,6 0-3 0,0-1-1 16,2 1 1-16,4 0 2 0,1 3 3 0,0 0 4 0,6-3 5 16,1 3 4-16,0 5 4 0,-1-6 1 0,1 6-1 0,6-5-6 15,0 4-4-15,-7 0-9 0,7 0-7 0,-6 0-6 0,7 0-8 0,-9 0-6 16,2 0-5-16,7 0-6 0,-8 0-7 0,-6 3-9 0,6-2-10 15,-5 2-14-15,-2-3-16 0,-4 0-20 0,-2 4-18 0,0-4-21 0,-6 3-19 16,0 1-21-16,0-4-24 0,-6 4-31 0,0-1-37 0,-8 1-50 16,8 3-59-16,-14-3-66 0,7 0-68 0,0-1-82 0,-6 1-92 15,5-1-36-15,-5 1-8 0,-1 0 2 0,0-1 566 0</inkml:trace>
+  <inkml:trace contextRef="#ctx0" brushRef="#br0" timeOffset="125117.87">23277 9928 0 0,'-7'0'151'0,"0"-4"449"0,7 1 12 0,-6 3-55 16,-1 0-89-16,1 0-104 0,0 0-109 0,-2 0-64 0,8 3-39 0,-6-3-23 15,0 4-13-15,-1 3-14 0,0-3-14 0,1 3-15 0,0 4-13 16,6 0-14-16,-7 0-11 0,1 4-6 0,6-1-1 0,0 1 0 16,-7 3 3-16,7-3-1 0,0 3 1 0,0 1-1 0,7-5-2 0,-7 8 0 15,6-7-1-15,1 3-2 0,-1 1-1 0,7-5-5 0,0 5-5 0,1-5-8 16,-2 1-12-16,8-1-14 0,-1 1-17 0,1-4-19 0,6 0-23 15,0 0-22-15,0 0-23 0,0-3-27 0,14-2-29 0,-8 2-39 0,7-4-46 16,6 0-48-16,-5-1-52 0,11-3-78 0,2-3-92 0,-1 3-37 16,7-8-14-16</inkml:trace>
+  <inkml:trace contextRef="#ctx0" brushRef="#br0" timeOffset="127060.39">21048 9972 175 0,'-12'0'583'0,"-1"3"-11"0,6-3-21 0,-6 0-92 15,1 0-124-15,4 0-74 0,2 0-50 0,-6 0-27 0,5 0-17 16,0 0-15-16,7 0-13 0,-6 0-17 0,6 0-16 0,0 0-15 0,0 0-14 16,0 0-12-16,0 0-11 0,0 0-8 0,0 0-9 0,0 0-3 15,0 0-4-15,0 0-1 0,6 0 0 0,-6-3-1 0,7 3-2 0,0 0-1 16,5 0 2-16,2-4 2 0,-8 4 0 0,7-4 1 0,7 4 2 16,6-3 0-16,-7-1 2 0,7 4 1 0,6-7 0 0,1 3 1 15,-1 0 0-15,8-3 1 0,5 3 2 0,1-3 0 0,6-4-2 0,-6 4-1 16,13-5-5-16,-8 2-2 0,8-1-3 0,-1 0-3 0,7-4-3 0,1 0-2 15,-1 1-4-15,1-1-4 0,-9 1-4 0,9-1-1 0,-7 0-4 16,-1 0-2-16,-6 4-1 0,-6 0-1 0,-1 0 1 0,-6 0 1 16,-6 4-1-16,-7 0-2 0,0 0 0 0,-6 3-6 0,-7 0-8 0,-7 1-8 15,1 3-10-15,-1-4-12 0,1 4-14 0,-7 0-15 0,0 0-15 16,0 4-18-16,-7-1-21 0,1 1-22 0,-1 0-25 0,-6-1-30 16,1 5-31-16,-8-1-44 0,0 0-45 0,1 4-38 0,-7 0-33 0,0 0-67 15,-7 4-83-15,7-4-36 0,-7 4-15 0</inkml:trace>
+  <inkml:trace contextRef="#ctx0" brushRef="#br0" timeOffset="127436.48">20815 10250 0 0,'0'0'336'0,"0"0"140"0,0 0-68 0,0 0-67 0,6-4-68 15,0 4-41-15,2-3-30 0,4-1-18 0,1 0-7 0,0 1-10 16,6-4-7-16,1 3-9 0,0-3-11 0,6-1-7 0,7 5-9 0,-8-8-8 16,7 3-7-16,2 1-4 0,5-1-4 0,0-3-2 0,-1 4-1 15,2-4-2-15,5 0 0 0,1 0-1 0,0 0-3 0,0 0-1 0,5 0-2 16,-5 0-1-16,6 0-3 0,0-3-3 0,0 2-1 0,0-2-3 16,0 3-5-16,1 0-3 0,-8-4-5 0,7 4-3 0,-7-3-6 15,8 3-3-15,-7 0-4 0,-1 0-4 0,1-4-4 0,-7 4-4 0,6 0-3 16,1 4-4-16,-7-4-2 0,0 0-3 0,7 0-2 0,-7 3-3 15,-1-3-1-15,-5 4-2 0,0 0-3 0,0 0-1 0,-8-1-3 0,1 1-1 16,-6 3-1-16,0-3-1 0,-7 7-1 0,-1-4 1 0,2 1-2 16,-8-1-7-16,0 4-2 0,1 0-11 0,0-4-9 0,-7 4-16 15,0 0-14-15,0 0-18 0,0 0-18 0,-7 4-18 0,7-4-18 0,-7 4-18 16,1-4-19-16,0 7-19 0,-8-7-21 0,8 7-26 0,-7 1-30 16,-7-5-47-16,8 5-56 0,-8-1-72 0,-6 4-82 0,7-4-55 15,-7 4-45-15,-1-4-15 0,1 4 1 0</inkml:trace>
+  <inkml:trace contextRef="#ctx0" brushRef="#br0" timeOffset="129700.31">11032 15316 316 0,'6'0'477'0,"-6"0"-46"15,0 4-74-15,0-4-89 0,0 0-99 0,0 0-59 0,0 0-38 16,0 0-19-16,0 0-9 0,0 0-4 0,0 0 0 0,0 0-4 0,0 0-4 16,0 0-13-16,0 0-17 0,0 0-26 0,0 0-28 0,0 0-40 0,0 0-48 15,0 0-60-15,0 0-69 0,0 0-76 0,0 0-84 0,0-4-40 0,0 1 23 16</inkml:trace>
 </inkml:ink>
 </file>
 
@@ -1051,7 +2788,7 @@
           <a:p>
             <a:fld id="{70CC5D0C-AA5A-4D6D-9BB2-7F02754A2FC6}" type="datetimeFigureOut">
               <a:rPr lang="en-IN" smtClean="0"/>
-              <a:t>23-10-2021</a:t>
+              <a:t>24-10-2021</a:t>
             </a:fld>
             <a:endParaRPr lang="en-IN"/>
           </a:p>
@@ -1251,7 +2988,7 @@
           <a:p>
             <a:fld id="{70CC5D0C-AA5A-4D6D-9BB2-7F02754A2FC6}" type="datetimeFigureOut">
               <a:rPr lang="en-IN" smtClean="0"/>
-              <a:t>23-10-2021</a:t>
+              <a:t>24-10-2021</a:t>
             </a:fld>
             <a:endParaRPr lang="en-IN"/>
           </a:p>
@@ -1461,7 +3198,7 @@
           <a:p>
             <a:fld id="{70CC5D0C-AA5A-4D6D-9BB2-7F02754A2FC6}" type="datetimeFigureOut">
               <a:rPr lang="en-IN" smtClean="0"/>
-              <a:t>23-10-2021</a:t>
+              <a:t>24-10-2021</a:t>
             </a:fld>
             <a:endParaRPr lang="en-IN"/>
           </a:p>
@@ -1661,7 +3398,7 @@
           <a:p>
             <a:fld id="{70CC5D0C-AA5A-4D6D-9BB2-7F02754A2FC6}" type="datetimeFigureOut">
               <a:rPr lang="en-IN" smtClean="0"/>
-              <a:t>23-10-2021</a:t>
+              <a:t>24-10-2021</a:t>
             </a:fld>
             <a:endParaRPr lang="en-IN"/>
           </a:p>
@@ -1937,7 +3674,7 @@
           <a:p>
             <a:fld id="{70CC5D0C-AA5A-4D6D-9BB2-7F02754A2FC6}" type="datetimeFigureOut">
               <a:rPr lang="en-IN" smtClean="0"/>
-              <a:t>23-10-2021</a:t>
+              <a:t>24-10-2021</a:t>
             </a:fld>
             <a:endParaRPr lang="en-IN"/>
           </a:p>
@@ -2205,7 +3942,7 @@
           <a:p>
             <a:fld id="{70CC5D0C-AA5A-4D6D-9BB2-7F02754A2FC6}" type="datetimeFigureOut">
               <a:rPr lang="en-IN" smtClean="0"/>
-              <a:t>23-10-2021</a:t>
+              <a:t>24-10-2021</a:t>
             </a:fld>
             <a:endParaRPr lang="en-IN"/>
           </a:p>
@@ -2620,7 +4357,7 @@
           <a:p>
             <a:fld id="{70CC5D0C-AA5A-4D6D-9BB2-7F02754A2FC6}" type="datetimeFigureOut">
               <a:rPr lang="en-IN" smtClean="0"/>
-              <a:t>23-10-2021</a:t>
+              <a:t>24-10-2021</a:t>
             </a:fld>
             <a:endParaRPr lang="en-IN"/>
           </a:p>
@@ -2762,7 +4499,7 @@
           <a:p>
             <a:fld id="{70CC5D0C-AA5A-4D6D-9BB2-7F02754A2FC6}" type="datetimeFigureOut">
               <a:rPr lang="en-IN" smtClean="0"/>
-              <a:t>23-10-2021</a:t>
+              <a:t>24-10-2021</a:t>
             </a:fld>
             <a:endParaRPr lang="en-IN"/>
           </a:p>
@@ -2875,7 +4612,7 @@
           <a:p>
             <a:fld id="{70CC5D0C-AA5A-4D6D-9BB2-7F02754A2FC6}" type="datetimeFigureOut">
               <a:rPr lang="en-IN" smtClean="0"/>
-              <a:t>23-10-2021</a:t>
+              <a:t>24-10-2021</a:t>
             </a:fld>
             <a:endParaRPr lang="en-IN"/>
           </a:p>
@@ -3188,7 +4925,7 @@
           <a:p>
             <a:fld id="{70CC5D0C-AA5A-4D6D-9BB2-7F02754A2FC6}" type="datetimeFigureOut">
               <a:rPr lang="en-IN" smtClean="0"/>
-              <a:t>23-10-2021</a:t>
+              <a:t>24-10-2021</a:t>
             </a:fld>
             <a:endParaRPr lang="en-IN"/>
           </a:p>
@@ -3477,7 +5214,7 @@
           <a:p>
             <a:fld id="{70CC5D0C-AA5A-4D6D-9BB2-7F02754A2FC6}" type="datetimeFigureOut">
               <a:rPr lang="en-IN" smtClean="0"/>
-              <a:t>23-10-2021</a:t>
+              <a:t>24-10-2021</a:t>
             </a:fld>
             <a:endParaRPr lang="en-IN"/>
           </a:p>
@@ -3720,7 +5457,7 @@
           <a:p>
             <a:fld id="{70CC5D0C-AA5A-4D6D-9BB2-7F02754A2FC6}" type="datetimeFigureOut">
               <a:rPr lang="en-IN" smtClean="0"/>
-              <a:t>23-10-2021</a:t>
+              <a:t>24-10-2021</a:t>
             </a:fld>
             <a:endParaRPr lang="en-IN"/>
           </a:p>
@@ -4460,8 +6197,8 @@
           </a:p>
         </p:txBody>
       </p:sp>
-      <mc:AlternateContent xmlns:mc="http://schemas.openxmlformats.org/markup-compatibility/2006">
-        <mc:Choice xmlns:p14="http://schemas.microsoft.com/office/powerpoint/2010/main" Requires="p14">
+      <mc:AlternateContent xmlns:mc="http://schemas.openxmlformats.org/markup-compatibility/2006" xmlns:p14="http://schemas.microsoft.com/office/powerpoint/2010/main">
+        <mc:Choice Requires="p14">
           <p:contentPart p14:bwMode="auto" r:id="rId2">
             <p14:nvContentPartPr>
               <p14:cNvPr id="4" name="Ink 3">
@@ -4480,7 +6217,7 @@
             </p14:xfrm>
           </p:contentPart>
         </mc:Choice>
-        <mc:Fallback>
+        <mc:Fallback xmlns="">
           <p:pic>
             <p:nvPicPr>
               <p:cNvPr id="4" name="Ink 3">
@@ -4511,8 +6248,8 @@
           </p:pic>
         </mc:Fallback>
       </mc:AlternateContent>
-      <mc:AlternateContent xmlns:mc="http://schemas.openxmlformats.org/markup-compatibility/2006">
-        <mc:Choice xmlns:p14="http://schemas.microsoft.com/office/powerpoint/2010/main" Requires="p14">
+      <mc:AlternateContent xmlns:mc="http://schemas.openxmlformats.org/markup-compatibility/2006" xmlns:p14="http://schemas.microsoft.com/office/powerpoint/2010/main">
+        <mc:Choice Requires="p14">
           <p:contentPart p14:bwMode="auto" r:id="rId4">
             <p14:nvContentPartPr>
               <p14:cNvPr id="5" name="Ink 4">
@@ -4531,7 +6268,7 @@
             </p14:xfrm>
           </p:contentPart>
         </mc:Choice>
-        <mc:Fallback>
+        <mc:Fallback xmlns="">
           <p:pic>
             <p:nvPicPr>
               <p:cNvPr id="5" name="Ink 4">
@@ -4798,8 +6535,8 @@
             <a:chExt cx="4852800" cy="4145760"/>
           </a:xfrm>
         </p:grpSpPr>
-        <mc:AlternateContent xmlns:mc="http://schemas.openxmlformats.org/markup-compatibility/2006">
-          <mc:Choice xmlns:p14="http://schemas.microsoft.com/office/powerpoint/2010/main" Requires="p14">
+        <mc:AlternateContent xmlns:mc="http://schemas.openxmlformats.org/markup-compatibility/2006" xmlns:p14="http://schemas.microsoft.com/office/powerpoint/2010/main">
+          <mc:Choice Requires="p14">
             <p:contentPart p14:bwMode="auto" r:id="rId3">
               <p14:nvContentPartPr>
                 <p14:cNvPr id="17" name="Ink 16">
@@ -4818,7 +6555,7 @@
               </p14:xfrm>
             </p:contentPart>
           </mc:Choice>
-          <mc:Fallback>
+          <mc:Fallback xmlns="">
             <p:pic>
               <p:nvPicPr>
                 <p:cNvPr id="17" name="Ink 16">
@@ -4849,8 +6586,8 @@
             </p:pic>
           </mc:Fallback>
         </mc:AlternateContent>
-        <mc:AlternateContent xmlns:mc="http://schemas.openxmlformats.org/markup-compatibility/2006">
-          <mc:Choice xmlns:p14="http://schemas.microsoft.com/office/powerpoint/2010/main" Requires="p14">
+        <mc:AlternateContent xmlns:mc="http://schemas.openxmlformats.org/markup-compatibility/2006" xmlns:p14="http://schemas.microsoft.com/office/powerpoint/2010/main">
+          <mc:Choice Requires="p14">
             <p:contentPart p14:bwMode="auto" r:id="rId5">
               <p14:nvContentPartPr>
                 <p14:cNvPr id="18" name="Ink 17">
@@ -4869,7 +6606,7 @@
               </p14:xfrm>
             </p:contentPart>
           </mc:Choice>
-          <mc:Fallback>
+          <mc:Fallback xmlns="">
             <p:pic>
               <p:nvPicPr>
                 <p:cNvPr id="18" name="Ink 17">
@@ -4900,8 +6637,8 @@
             </p:pic>
           </mc:Fallback>
         </mc:AlternateContent>
-        <mc:AlternateContent xmlns:mc="http://schemas.openxmlformats.org/markup-compatibility/2006">
-          <mc:Choice xmlns:p14="http://schemas.microsoft.com/office/powerpoint/2010/main" Requires="p14">
+        <mc:AlternateContent xmlns:mc="http://schemas.openxmlformats.org/markup-compatibility/2006" xmlns:p14="http://schemas.microsoft.com/office/powerpoint/2010/main">
+          <mc:Choice Requires="p14">
             <p:contentPart p14:bwMode="auto" r:id="rId7">
               <p14:nvContentPartPr>
                 <p14:cNvPr id="19" name="Ink 18">
@@ -4920,7 +6657,7 @@
               </p14:xfrm>
             </p:contentPart>
           </mc:Choice>
-          <mc:Fallback>
+          <mc:Fallback xmlns="">
             <p:pic>
               <p:nvPicPr>
                 <p:cNvPr id="19" name="Ink 18">
@@ -4951,8 +6688,8 @@
             </p:pic>
           </mc:Fallback>
         </mc:AlternateContent>
-        <mc:AlternateContent xmlns:mc="http://schemas.openxmlformats.org/markup-compatibility/2006">
-          <mc:Choice xmlns:p14="http://schemas.microsoft.com/office/powerpoint/2010/main" Requires="p14">
+        <mc:AlternateContent xmlns:mc="http://schemas.openxmlformats.org/markup-compatibility/2006" xmlns:p14="http://schemas.microsoft.com/office/powerpoint/2010/main">
+          <mc:Choice Requires="p14">
             <p:contentPart p14:bwMode="auto" r:id="rId9">
               <p14:nvContentPartPr>
                 <p14:cNvPr id="20" name="Ink 19">
@@ -4971,7 +6708,7 @@
               </p14:xfrm>
             </p:contentPart>
           </mc:Choice>
-          <mc:Fallback>
+          <mc:Fallback xmlns="">
             <p:pic>
               <p:nvPicPr>
                 <p:cNvPr id="20" name="Ink 19">
@@ -5002,8 +6739,8 @@
             </p:pic>
           </mc:Fallback>
         </mc:AlternateContent>
-        <mc:AlternateContent xmlns:mc="http://schemas.openxmlformats.org/markup-compatibility/2006">
-          <mc:Choice xmlns:p14="http://schemas.microsoft.com/office/powerpoint/2010/main" Requires="p14">
+        <mc:AlternateContent xmlns:mc="http://schemas.openxmlformats.org/markup-compatibility/2006" xmlns:p14="http://schemas.microsoft.com/office/powerpoint/2010/main">
+          <mc:Choice Requires="p14">
             <p:contentPart p14:bwMode="auto" r:id="rId11">
               <p14:nvContentPartPr>
                 <p14:cNvPr id="21" name="Ink 20">
@@ -5022,7 +6759,7 @@
               </p14:xfrm>
             </p:contentPart>
           </mc:Choice>
-          <mc:Fallback>
+          <mc:Fallback xmlns="">
             <p:pic>
               <p:nvPicPr>
                 <p:cNvPr id="21" name="Ink 20">
@@ -5053,8 +6790,8 @@
             </p:pic>
           </mc:Fallback>
         </mc:AlternateContent>
-        <mc:AlternateContent xmlns:mc="http://schemas.openxmlformats.org/markup-compatibility/2006">
-          <mc:Choice xmlns:p14="http://schemas.microsoft.com/office/powerpoint/2010/main" Requires="p14">
+        <mc:AlternateContent xmlns:mc="http://schemas.openxmlformats.org/markup-compatibility/2006" xmlns:p14="http://schemas.microsoft.com/office/powerpoint/2010/main">
+          <mc:Choice Requires="p14">
             <p:contentPart p14:bwMode="auto" r:id="rId13">
               <p14:nvContentPartPr>
                 <p14:cNvPr id="22" name="Ink 21">
@@ -5073,7 +6810,7 @@
               </p14:xfrm>
             </p:contentPart>
           </mc:Choice>
-          <mc:Fallback>
+          <mc:Fallback xmlns="">
             <p:pic>
               <p:nvPicPr>
                 <p:cNvPr id="22" name="Ink 21">
@@ -5104,8 +6841,8 @@
             </p:pic>
           </mc:Fallback>
         </mc:AlternateContent>
-        <mc:AlternateContent xmlns:mc="http://schemas.openxmlformats.org/markup-compatibility/2006">
-          <mc:Choice xmlns:p14="http://schemas.microsoft.com/office/powerpoint/2010/main" Requires="p14">
+        <mc:AlternateContent xmlns:mc="http://schemas.openxmlformats.org/markup-compatibility/2006" xmlns:p14="http://schemas.microsoft.com/office/powerpoint/2010/main">
+          <mc:Choice Requires="p14">
             <p:contentPart p14:bwMode="auto" r:id="rId15">
               <p14:nvContentPartPr>
                 <p14:cNvPr id="23" name="Ink 22">
@@ -5124,7 +6861,7 @@
               </p14:xfrm>
             </p:contentPart>
           </mc:Choice>
-          <mc:Fallback>
+          <mc:Fallback xmlns="">
             <p:pic>
               <p:nvPicPr>
                 <p:cNvPr id="23" name="Ink 22">
@@ -5155,8 +6892,8 @@
             </p:pic>
           </mc:Fallback>
         </mc:AlternateContent>
-        <mc:AlternateContent xmlns:mc="http://schemas.openxmlformats.org/markup-compatibility/2006">
-          <mc:Choice xmlns:p14="http://schemas.microsoft.com/office/powerpoint/2010/main" Requires="p14">
+        <mc:AlternateContent xmlns:mc="http://schemas.openxmlformats.org/markup-compatibility/2006" xmlns:p14="http://schemas.microsoft.com/office/powerpoint/2010/main">
+          <mc:Choice Requires="p14">
             <p:contentPart p14:bwMode="auto" r:id="rId17">
               <p14:nvContentPartPr>
                 <p14:cNvPr id="24" name="Ink 23">
@@ -5175,7 +6912,7 @@
               </p14:xfrm>
             </p:contentPart>
           </mc:Choice>
-          <mc:Fallback>
+          <mc:Fallback xmlns="">
             <p:pic>
               <p:nvPicPr>
                 <p:cNvPr id="24" name="Ink 23">
@@ -5206,8 +6943,8 @@
             </p:pic>
           </mc:Fallback>
         </mc:AlternateContent>
-        <mc:AlternateContent xmlns:mc="http://schemas.openxmlformats.org/markup-compatibility/2006">
-          <mc:Choice xmlns:p14="http://schemas.microsoft.com/office/powerpoint/2010/main" Requires="p14">
+        <mc:AlternateContent xmlns:mc="http://schemas.openxmlformats.org/markup-compatibility/2006" xmlns:p14="http://schemas.microsoft.com/office/powerpoint/2010/main">
+          <mc:Choice Requires="p14">
             <p:contentPart p14:bwMode="auto" r:id="rId19">
               <p14:nvContentPartPr>
                 <p14:cNvPr id="25" name="Ink 24">
@@ -5226,7 +6963,7 @@
               </p14:xfrm>
             </p:contentPart>
           </mc:Choice>
-          <mc:Fallback>
+          <mc:Fallback xmlns="">
             <p:pic>
               <p:nvPicPr>
                 <p:cNvPr id="25" name="Ink 24">
@@ -5257,8 +6994,8 @@
             </p:pic>
           </mc:Fallback>
         </mc:AlternateContent>
-        <mc:AlternateContent xmlns:mc="http://schemas.openxmlformats.org/markup-compatibility/2006">
-          <mc:Choice xmlns:p14="http://schemas.microsoft.com/office/powerpoint/2010/main" Requires="p14">
+        <mc:AlternateContent xmlns:mc="http://schemas.openxmlformats.org/markup-compatibility/2006" xmlns:p14="http://schemas.microsoft.com/office/powerpoint/2010/main">
+          <mc:Choice Requires="p14">
             <p:contentPart p14:bwMode="auto" r:id="rId21">
               <p14:nvContentPartPr>
                 <p14:cNvPr id="26" name="Ink 25">
@@ -5277,7 +7014,7 @@
               </p14:xfrm>
             </p:contentPart>
           </mc:Choice>
-          <mc:Fallback>
+          <mc:Fallback xmlns="">
             <p:pic>
               <p:nvPicPr>
                 <p:cNvPr id="26" name="Ink 25">
@@ -5308,8 +7045,8 @@
             </p:pic>
           </mc:Fallback>
         </mc:AlternateContent>
-        <mc:AlternateContent xmlns:mc="http://schemas.openxmlformats.org/markup-compatibility/2006">
-          <mc:Choice xmlns:p14="http://schemas.microsoft.com/office/powerpoint/2010/main" Requires="p14">
+        <mc:AlternateContent xmlns:mc="http://schemas.openxmlformats.org/markup-compatibility/2006" xmlns:p14="http://schemas.microsoft.com/office/powerpoint/2010/main">
+          <mc:Choice Requires="p14">
             <p:contentPart p14:bwMode="auto" r:id="rId23">
               <p14:nvContentPartPr>
                 <p14:cNvPr id="27" name="Ink 26">
@@ -5328,7 +7065,7 @@
               </p14:xfrm>
             </p:contentPart>
           </mc:Choice>
-          <mc:Fallback>
+          <mc:Fallback xmlns="">
             <p:pic>
               <p:nvPicPr>
                 <p:cNvPr id="27" name="Ink 26">
@@ -5359,8 +7096,8 @@
             </p:pic>
           </mc:Fallback>
         </mc:AlternateContent>
-        <mc:AlternateContent xmlns:mc="http://schemas.openxmlformats.org/markup-compatibility/2006">
-          <mc:Choice xmlns:p14="http://schemas.microsoft.com/office/powerpoint/2010/main" Requires="p14">
+        <mc:AlternateContent xmlns:mc="http://schemas.openxmlformats.org/markup-compatibility/2006" xmlns:p14="http://schemas.microsoft.com/office/powerpoint/2010/main">
+          <mc:Choice Requires="p14">
             <p:contentPart p14:bwMode="auto" r:id="rId25">
               <p14:nvContentPartPr>
                 <p14:cNvPr id="28" name="Ink 27">
@@ -5379,7 +7116,7 @@
               </p14:xfrm>
             </p:contentPart>
           </mc:Choice>
-          <mc:Fallback>
+          <mc:Fallback xmlns="">
             <p:pic>
               <p:nvPicPr>
                 <p:cNvPr id="28" name="Ink 27">
@@ -5431,8 +7168,8 @@
             <a:chExt cx="460440" cy="491040"/>
           </a:xfrm>
         </p:grpSpPr>
-        <mc:AlternateContent xmlns:mc="http://schemas.openxmlformats.org/markup-compatibility/2006">
-          <mc:Choice xmlns:p14="http://schemas.microsoft.com/office/powerpoint/2010/main" Requires="p14">
+        <mc:AlternateContent xmlns:mc="http://schemas.openxmlformats.org/markup-compatibility/2006" xmlns:p14="http://schemas.microsoft.com/office/powerpoint/2010/main">
+          <mc:Choice Requires="p14">
             <p:contentPart p14:bwMode="auto" r:id="rId27">
               <p14:nvContentPartPr>
                 <p14:cNvPr id="30" name="Ink 29">
@@ -5451,7 +7188,7 @@
               </p14:xfrm>
             </p:contentPart>
           </mc:Choice>
-          <mc:Fallback>
+          <mc:Fallback xmlns="">
             <p:pic>
               <p:nvPicPr>
                 <p:cNvPr id="30" name="Ink 29">
@@ -5482,8 +7219,8 @@
             </p:pic>
           </mc:Fallback>
         </mc:AlternateContent>
-        <mc:AlternateContent xmlns:mc="http://schemas.openxmlformats.org/markup-compatibility/2006">
-          <mc:Choice xmlns:p14="http://schemas.microsoft.com/office/powerpoint/2010/main" Requires="p14">
+        <mc:AlternateContent xmlns:mc="http://schemas.openxmlformats.org/markup-compatibility/2006" xmlns:p14="http://schemas.microsoft.com/office/powerpoint/2010/main">
+          <mc:Choice Requires="p14">
             <p:contentPart p14:bwMode="auto" r:id="rId29">
               <p14:nvContentPartPr>
                 <p14:cNvPr id="31" name="Ink 30">
@@ -5502,7 +7239,7 @@
               </p14:xfrm>
             </p:contentPart>
           </mc:Choice>
-          <mc:Fallback>
+          <mc:Fallback xmlns="">
             <p:pic>
               <p:nvPicPr>
                 <p:cNvPr id="31" name="Ink 30">
@@ -5533,8 +7270,8 @@
             </p:pic>
           </mc:Fallback>
         </mc:AlternateContent>
-        <mc:AlternateContent xmlns:mc="http://schemas.openxmlformats.org/markup-compatibility/2006">
-          <mc:Choice xmlns:p14="http://schemas.microsoft.com/office/powerpoint/2010/main" Requires="p14">
+        <mc:AlternateContent xmlns:mc="http://schemas.openxmlformats.org/markup-compatibility/2006" xmlns:p14="http://schemas.microsoft.com/office/powerpoint/2010/main">
+          <mc:Choice Requires="p14">
             <p:contentPart p14:bwMode="auto" r:id="rId31">
               <p14:nvContentPartPr>
                 <p14:cNvPr id="32" name="Ink 31">
@@ -5553,7 +7290,7 @@
               </p14:xfrm>
             </p:contentPart>
           </mc:Choice>
-          <mc:Fallback>
+          <mc:Fallback xmlns="">
             <p:pic>
               <p:nvPicPr>
                 <p:cNvPr id="32" name="Ink 31">
@@ -5661,12 +7398,12 @@
           <a:bodyPr/>
           <a:lstStyle/>
           <a:p>
-            <a:endParaRPr lang="en-IN"/>
+            <a:endParaRPr lang="en-IN" dirty="0"/>
           </a:p>
         </p:txBody>
       </p:sp>
-      <mc:AlternateContent xmlns:mc="http://schemas.openxmlformats.org/markup-compatibility/2006">
-        <mc:Choice xmlns:p14="http://schemas.microsoft.com/office/powerpoint/2010/main" Requires="p14">
+      <mc:AlternateContent xmlns:mc="http://schemas.openxmlformats.org/markup-compatibility/2006" xmlns:p14="http://schemas.microsoft.com/office/powerpoint/2010/main">
+        <mc:Choice Requires="p14">
           <p:contentPart p14:bwMode="auto" r:id="rId2">
             <p14:nvContentPartPr>
               <p14:cNvPr id="4" name="Ink 3">
@@ -5685,7 +7422,7 @@
             </p14:xfrm>
           </p:contentPart>
         </mc:Choice>
-        <mc:Fallback>
+        <mc:Fallback xmlns="">
           <p:pic>
             <p:nvPicPr>
               <p:cNvPr id="4" name="Ink 3">
@@ -5716,8 +7453,8 @@
           </p:pic>
         </mc:Fallback>
       </mc:AlternateContent>
-      <mc:AlternateContent xmlns:mc="http://schemas.openxmlformats.org/markup-compatibility/2006">
-        <mc:Choice xmlns:p14="http://schemas.microsoft.com/office/powerpoint/2010/main" Requires="p14">
+      <mc:AlternateContent xmlns:mc="http://schemas.openxmlformats.org/markup-compatibility/2006" xmlns:p14="http://schemas.microsoft.com/office/powerpoint/2010/main">
+        <mc:Choice Requires="p14">
           <p:contentPart p14:bwMode="auto" r:id="rId4">
             <p14:nvContentPartPr>
               <p14:cNvPr id="5" name="Ink 4">
@@ -5736,7 +7473,7 @@
             </p14:xfrm>
           </p:contentPart>
         </mc:Choice>
-        <mc:Fallback>
+        <mc:Fallback xmlns="">
           <p:pic>
             <p:nvPicPr>
               <p:cNvPr id="5" name="Ink 4">
@@ -5767,10 +7504,2847 @@
           </p:pic>
         </mc:Fallback>
       </mc:AlternateContent>
+      <mc:AlternateContent xmlns:mc="http://schemas.openxmlformats.org/markup-compatibility/2006" xmlns:p14="http://schemas.microsoft.com/office/powerpoint/2010/main">
+        <mc:Choice Requires="p14">
+          <p:contentPart p14:bwMode="auto" r:id="rId6">
+            <p14:nvContentPartPr>
+              <p14:cNvPr id="6" name="Ink 5">
+                <a:extLst>
+                  <a:ext uri="{FF2B5EF4-FFF2-40B4-BE49-F238E27FC236}">
+                    <a16:creationId xmlns:a16="http://schemas.microsoft.com/office/drawing/2014/main" id="{859E843C-7DEF-4D06-9FF5-DD18539E1D1F}"/>
+                  </a:ext>
+                </a:extLst>
+              </p14:cNvPr>
+              <p14:cNvContentPartPr/>
+              <p14:nvPr/>
+            </p14:nvContentPartPr>
+            <p14:xfrm>
+              <a:off x="-3041511" y="2478264"/>
+              <a:ext cx="6120" cy="29160"/>
+            </p14:xfrm>
+          </p:contentPart>
+        </mc:Choice>
+        <mc:Fallback xmlns="">
+          <p:pic>
+            <p:nvPicPr>
+              <p:cNvPr id="6" name="Ink 5">
+                <a:extLst>
+                  <a:ext uri="{FF2B5EF4-FFF2-40B4-BE49-F238E27FC236}">
+                    <a16:creationId xmlns:a16="http://schemas.microsoft.com/office/drawing/2014/main" id="{859E843C-7DEF-4D06-9FF5-DD18539E1D1F}"/>
+                  </a:ext>
+                </a:extLst>
+              </p:cNvPr>
+              <p:cNvPicPr/>
+              <p:nvPr/>
+            </p:nvPicPr>
+            <p:blipFill>
+              <a:blip r:embed="rId7"/>
+              <a:stretch>
+                <a:fillRect/>
+              </a:stretch>
+            </p:blipFill>
+            <p:spPr>
+              <a:xfrm>
+                <a:off x="-3050151" y="2469264"/>
+                <a:ext cx="23760" cy="46800"/>
+              </a:xfrm>
+              <a:prstGeom prst="rect">
+                <a:avLst/>
+              </a:prstGeom>
+            </p:spPr>
+          </p:pic>
+        </mc:Fallback>
+      </mc:AlternateContent>
+      <p:grpSp>
+        <p:nvGrpSpPr>
+          <p:cNvPr id="14" name="Group 13">
+            <a:extLst>
+              <a:ext uri="{FF2B5EF4-FFF2-40B4-BE49-F238E27FC236}">
+                <a16:creationId xmlns:a16="http://schemas.microsoft.com/office/drawing/2014/main" id="{5C5FF5BB-6FAD-4B12-9931-8B2D919EB622}"/>
+              </a:ext>
+            </a:extLst>
+          </p:cNvPr>
+          <p:cNvGrpSpPr/>
+          <p:nvPr/>
+        </p:nvGrpSpPr>
+        <p:grpSpPr>
+          <a:xfrm>
+            <a:off x="336034" y="3528384"/>
+            <a:ext cx="1708200" cy="739440"/>
+            <a:chOff x="336034" y="3528384"/>
+            <a:chExt cx="1708200" cy="739440"/>
+          </a:xfrm>
+        </p:grpSpPr>
+        <mc:AlternateContent xmlns:mc="http://schemas.openxmlformats.org/markup-compatibility/2006" xmlns:p14="http://schemas.microsoft.com/office/powerpoint/2010/main">
+          <mc:Choice Requires="p14">
+            <p:contentPart p14:bwMode="auto" r:id="rId8">
+              <p14:nvContentPartPr>
+                <p14:cNvPr id="7" name="Ink 6">
+                  <a:extLst>
+                    <a:ext uri="{FF2B5EF4-FFF2-40B4-BE49-F238E27FC236}">
+                      <a16:creationId xmlns:a16="http://schemas.microsoft.com/office/drawing/2014/main" id="{45288A8E-037D-4187-8978-E1B39DBCC900}"/>
+                    </a:ext>
+                  </a:extLst>
+                </p14:cNvPr>
+                <p14:cNvContentPartPr/>
+                <p14:nvPr/>
+              </p14:nvContentPartPr>
+              <p14:xfrm>
+                <a:off x="336034" y="3933744"/>
+                <a:ext cx="272520" cy="334080"/>
+              </p14:xfrm>
+            </p:contentPart>
+          </mc:Choice>
+          <mc:Fallback xmlns="">
+            <p:pic>
+              <p:nvPicPr>
+                <p:cNvPr id="7" name="Ink 6">
+                  <a:extLst>
+                    <a:ext uri="{FF2B5EF4-FFF2-40B4-BE49-F238E27FC236}">
+                      <a16:creationId xmlns:a16="http://schemas.microsoft.com/office/drawing/2014/main" id="{45288A8E-037D-4187-8978-E1B39DBCC900}"/>
+                    </a:ext>
+                  </a:extLst>
+                </p:cNvPr>
+                <p:cNvPicPr/>
+                <p:nvPr/>
+              </p:nvPicPr>
+              <p:blipFill>
+                <a:blip r:embed="rId9"/>
+                <a:stretch>
+                  <a:fillRect/>
+                </a:stretch>
+              </p:blipFill>
+              <p:spPr>
+                <a:xfrm>
+                  <a:off x="327034" y="3924744"/>
+                  <a:ext cx="290160" cy="351720"/>
+                </a:xfrm>
+                <a:prstGeom prst="rect">
+                  <a:avLst/>
+                </a:prstGeom>
+              </p:spPr>
+            </p:pic>
+          </mc:Fallback>
+        </mc:AlternateContent>
+        <mc:AlternateContent xmlns:mc="http://schemas.openxmlformats.org/markup-compatibility/2006" xmlns:p14="http://schemas.microsoft.com/office/powerpoint/2010/main">
+          <mc:Choice Requires="p14">
+            <p:contentPart p14:bwMode="auto" r:id="rId10">
+              <p14:nvContentPartPr>
+                <p14:cNvPr id="8" name="Ink 7">
+                  <a:extLst>
+                    <a:ext uri="{FF2B5EF4-FFF2-40B4-BE49-F238E27FC236}">
+                      <a16:creationId xmlns:a16="http://schemas.microsoft.com/office/drawing/2014/main" id="{BB7AB87D-5C56-45F5-9A4A-7F636F8FC16C}"/>
+                    </a:ext>
+                  </a:extLst>
+                </p14:cNvPr>
+                <p14:cNvContentPartPr/>
+                <p14:nvPr/>
+              </p14:nvContentPartPr>
+              <p14:xfrm>
+                <a:off x="768394" y="3823944"/>
+                <a:ext cx="210960" cy="243720"/>
+              </p14:xfrm>
+            </p:contentPart>
+          </mc:Choice>
+          <mc:Fallback xmlns="">
+            <p:pic>
+              <p:nvPicPr>
+                <p:cNvPr id="8" name="Ink 7">
+                  <a:extLst>
+                    <a:ext uri="{FF2B5EF4-FFF2-40B4-BE49-F238E27FC236}">
+                      <a16:creationId xmlns:a16="http://schemas.microsoft.com/office/drawing/2014/main" id="{BB7AB87D-5C56-45F5-9A4A-7F636F8FC16C}"/>
+                    </a:ext>
+                  </a:extLst>
+                </p:cNvPr>
+                <p:cNvPicPr/>
+                <p:nvPr/>
+              </p:nvPicPr>
+              <p:blipFill>
+                <a:blip r:embed="rId11"/>
+                <a:stretch>
+                  <a:fillRect/>
+                </a:stretch>
+              </p:blipFill>
+              <p:spPr>
+                <a:xfrm>
+                  <a:off x="759394" y="3814944"/>
+                  <a:ext cx="228600" cy="261360"/>
+                </a:xfrm>
+                <a:prstGeom prst="rect">
+                  <a:avLst/>
+                </a:prstGeom>
+              </p:spPr>
+            </p:pic>
+          </mc:Fallback>
+        </mc:AlternateContent>
+        <mc:AlternateContent xmlns:mc="http://schemas.openxmlformats.org/markup-compatibility/2006" xmlns:p14="http://schemas.microsoft.com/office/powerpoint/2010/main">
+          <mc:Choice Requires="p14">
+            <p:contentPart p14:bwMode="auto" r:id="rId12">
+              <p14:nvContentPartPr>
+                <p14:cNvPr id="9" name="Ink 8">
+                  <a:extLst>
+                    <a:ext uri="{FF2B5EF4-FFF2-40B4-BE49-F238E27FC236}">
+                      <a16:creationId xmlns:a16="http://schemas.microsoft.com/office/drawing/2014/main" id="{4E07A768-F77C-431B-AC0F-3B1ACC693D49}"/>
+                    </a:ext>
+                  </a:extLst>
+                </p14:cNvPr>
+                <p14:cNvContentPartPr/>
+                <p14:nvPr/>
+              </p14:nvContentPartPr>
+              <p14:xfrm>
+                <a:off x="1138114" y="3729624"/>
+                <a:ext cx="5400" cy="217440"/>
+              </p14:xfrm>
+            </p:contentPart>
+          </mc:Choice>
+          <mc:Fallback xmlns="">
+            <p:pic>
+              <p:nvPicPr>
+                <p:cNvPr id="9" name="Ink 8">
+                  <a:extLst>
+                    <a:ext uri="{FF2B5EF4-FFF2-40B4-BE49-F238E27FC236}">
+                      <a16:creationId xmlns:a16="http://schemas.microsoft.com/office/drawing/2014/main" id="{4E07A768-F77C-431B-AC0F-3B1ACC693D49}"/>
+                    </a:ext>
+                  </a:extLst>
+                </p:cNvPr>
+                <p:cNvPicPr/>
+                <p:nvPr/>
+              </p:nvPicPr>
+              <p:blipFill>
+                <a:blip r:embed="rId13"/>
+                <a:stretch>
+                  <a:fillRect/>
+                </a:stretch>
+              </p:blipFill>
+              <p:spPr>
+                <a:xfrm>
+                  <a:off x="1129474" y="3720984"/>
+                  <a:ext cx="23040" cy="235080"/>
+                </a:xfrm>
+                <a:prstGeom prst="rect">
+                  <a:avLst/>
+                </a:prstGeom>
+              </p:spPr>
+            </p:pic>
+          </mc:Fallback>
+        </mc:AlternateContent>
+        <mc:AlternateContent xmlns:mc="http://schemas.openxmlformats.org/markup-compatibility/2006" xmlns:p14="http://schemas.microsoft.com/office/powerpoint/2010/main">
+          <mc:Choice Requires="p14">
+            <p:contentPart p14:bwMode="auto" r:id="rId14">
+              <p14:nvContentPartPr>
+                <p14:cNvPr id="10" name="Ink 9">
+                  <a:extLst>
+                    <a:ext uri="{FF2B5EF4-FFF2-40B4-BE49-F238E27FC236}">
+                      <a16:creationId xmlns:a16="http://schemas.microsoft.com/office/drawing/2014/main" id="{7388BBCF-626F-41E9-A75F-7B6CA592C7FA}"/>
+                    </a:ext>
+                  </a:extLst>
+                </p14:cNvPr>
+                <p14:cNvContentPartPr/>
+                <p14:nvPr/>
+              </p14:nvContentPartPr>
+              <p14:xfrm>
+                <a:off x="1074754" y="3782544"/>
+                <a:ext cx="159840" cy="119880"/>
+              </p14:xfrm>
+            </p:contentPart>
+          </mc:Choice>
+          <mc:Fallback xmlns="">
+            <p:pic>
+              <p:nvPicPr>
+                <p:cNvPr id="10" name="Ink 9">
+                  <a:extLst>
+                    <a:ext uri="{FF2B5EF4-FFF2-40B4-BE49-F238E27FC236}">
+                      <a16:creationId xmlns:a16="http://schemas.microsoft.com/office/drawing/2014/main" id="{7388BBCF-626F-41E9-A75F-7B6CA592C7FA}"/>
+                    </a:ext>
+                  </a:extLst>
+                </p:cNvPr>
+                <p:cNvPicPr/>
+                <p:nvPr/>
+              </p:nvPicPr>
+              <p:blipFill>
+                <a:blip r:embed="rId15"/>
+                <a:stretch>
+                  <a:fillRect/>
+                </a:stretch>
+              </p:blipFill>
+              <p:spPr>
+                <a:xfrm>
+                  <a:off x="1065754" y="3773544"/>
+                  <a:ext cx="177480" cy="137520"/>
+                </a:xfrm>
+                <a:prstGeom prst="rect">
+                  <a:avLst/>
+                </a:prstGeom>
+              </p:spPr>
+            </p:pic>
+          </mc:Fallback>
+        </mc:AlternateContent>
+        <mc:AlternateContent xmlns:mc="http://schemas.openxmlformats.org/markup-compatibility/2006" xmlns:p14="http://schemas.microsoft.com/office/powerpoint/2010/main">
+          <mc:Choice Requires="p14">
+            <p:contentPart p14:bwMode="auto" r:id="rId16">
+              <p14:nvContentPartPr>
+                <p14:cNvPr id="11" name="Ink 10">
+                  <a:extLst>
+                    <a:ext uri="{FF2B5EF4-FFF2-40B4-BE49-F238E27FC236}">
+                      <a16:creationId xmlns:a16="http://schemas.microsoft.com/office/drawing/2014/main" id="{E7824755-A5F3-4029-977B-BAE67DBF8BBD}"/>
+                    </a:ext>
+                  </a:extLst>
+                </p14:cNvPr>
+                <p14:cNvContentPartPr/>
+                <p14:nvPr/>
+              </p14:nvContentPartPr>
+              <p14:xfrm>
+                <a:off x="1333954" y="3528384"/>
+                <a:ext cx="403560" cy="593280"/>
+              </p14:xfrm>
+            </p:contentPart>
+          </mc:Choice>
+          <mc:Fallback xmlns="">
+            <p:pic>
+              <p:nvPicPr>
+                <p:cNvPr id="11" name="Ink 10">
+                  <a:extLst>
+                    <a:ext uri="{FF2B5EF4-FFF2-40B4-BE49-F238E27FC236}">
+                      <a16:creationId xmlns:a16="http://schemas.microsoft.com/office/drawing/2014/main" id="{E7824755-A5F3-4029-977B-BAE67DBF8BBD}"/>
+                    </a:ext>
+                  </a:extLst>
+                </p:cNvPr>
+                <p:cNvPicPr/>
+                <p:nvPr/>
+              </p:nvPicPr>
+              <p:blipFill>
+                <a:blip r:embed="rId17"/>
+                <a:stretch>
+                  <a:fillRect/>
+                </a:stretch>
+              </p:blipFill>
+              <p:spPr>
+                <a:xfrm>
+                  <a:off x="1324954" y="3519384"/>
+                  <a:ext cx="421200" cy="610920"/>
+                </a:xfrm>
+                <a:prstGeom prst="rect">
+                  <a:avLst/>
+                </a:prstGeom>
+              </p:spPr>
+            </p:pic>
+          </mc:Fallback>
+        </mc:AlternateContent>
+        <mc:AlternateContent xmlns:mc="http://schemas.openxmlformats.org/markup-compatibility/2006" xmlns:p14="http://schemas.microsoft.com/office/powerpoint/2010/main">
+          <mc:Choice Requires="p14">
+            <p:contentPart p14:bwMode="auto" r:id="rId18">
+              <p14:nvContentPartPr>
+                <p14:cNvPr id="12" name="Ink 11">
+                  <a:extLst>
+                    <a:ext uri="{FF2B5EF4-FFF2-40B4-BE49-F238E27FC236}">
+                      <a16:creationId xmlns:a16="http://schemas.microsoft.com/office/drawing/2014/main" id="{7EE002D1-D3A7-4162-AC2F-E71534E5CAE0}"/>
+                    </a:ext>
+                  </a:extLst>
+                </p14:cNvPr>
+                <p14:cNvContentPartPr/>
+                <p14:nvPr/>
+              </p14:nvContentPartPr>
+              <p14:xfrm>
+                <a:off x="1926514" y="3551064"/>
+                <a:ext cx="117720" cy="119160"/>
+              </p14:xfrm>
+            </p:contentPart>
+          </mc:Choice>
+          <mc:Fallback xmlns="">
+            <p:pic>
+              <p:nvPicPr>
+                <p:cNvPr id="12" name="Ink 11">
+                  <a:extLst>
+                    <a:ext uri="{FF2B5EF4-FFF2-40B4-BE49-F238E27FC236}">
+                      <a16:creationId xmlns:a16="http://schemas.microsoft.com/office/drawing/2014/main" id="{7EE002D1-D3A7-4162-AC2F-E71534E5CAE0}"/>
+                    </a:ext>
+                  </a:extLst>
+                </p:cNvPr>
+                <p:cNvPicPr/>
+                <p:nvPr/>
+              </p:nvPicPr>
+              <p:blipFill>
+                <a:blip r:embed="rId19"/>
+                <a:stretch>
+                  <a:fillRect/>
+                </a:stretch>
+              </p:blipFill>
+              <p:spPr>
+                <a:xfrm>
+                  <a:off x="1917514" y="3542064"/>
+                  <a:ext cx="135360" cy="136800"/>
+                </a:xfrm>
+                <a:prstGeom prst="rect">
+                  <a:avLst/>
+                </a:prstGeom>
+              </p:spPr>
+            </p:pic>
+          </mc:Fallback>
+        </mc:AlternateContent>
+      </p:grpSp>
+      <mc:AlternateContent xmlns:mc="http://schemas.openxmlformats.org/markup-compatibility/2006" xmlns:p14="http://schemas.microsoft.com/office/powerpoint/2010/main">
+        <mc:Choice Requires="p14">
+          <p:contentPart p14:bwMode="auto" r:id="rId20">
+            <p14:nvContentPartPr>
+              <p14:cNvPr id="13" name="Ink 12">
+                <a:extLst>
+                  <a:ext uri="{FF2B5EF4-FFF2-40B4-BE49-F238E27FC236}">
+                    <a16:creationId xmlns:a16="http://schemas.microsoft.com/office/drawing/2014/main" id="{CF2059A1-4278-4DA2-80FF-C72745BD4849}"/>
+                  </a:ext>
+                </a:extLst>
+              </p14:cNvPr>
+              <p14:cNvContentPartPr/>
+              <p14:nvPr/>
+            </p14:nvContentPartPr>
+            <p14:xfrm>
+              <a:off x="2289394" y="3337944"/>
+              <a:ext cx="174240" cy="252360"/>
+            </p14:xfrm>
+          </p:contentPart>
+        </mc:Choice>
+        <mc:Fallback xmlns="">
+          <p:pic>
+            <p:nvPicPr>
+              <p:cNvPr id="13" name="Ink 12">
+                <a:extLst>
+                  <a:ext uri="{FF2B5EF4-FFF2-40B4-BE49-F238E27FC236}">
+                    <a16:creationId xmlns:a16="http://schemas.microsoft.com/office/drawing/2014/main" id="{CF2059A1-4278-4DA2-80FF-C72745BD4849}"/>
+                  </a:ext>
+                </a:extLst>
+              </p:cNvPr>
+              <p:cNvPicPr/>
+              <p:nvPr/>
+            </p:nvPicPr>
+            <p:blipFill>
+              <a:blip r:embed="rId21"/>
+              <a:stretch>
+                <a:fillRect/>
+              </a:stretch>
+            </p:blipFill>
+            <p:spPr>
+              <a:xfrm>
+                <a:off x="2280754" y="3329304"/>
+                <a:ext cx="191880" cy="270000"/>
+              </a:xfrm>
+              <a:prstGeom prst="rect">
+                <a:avLst/>
+              </a:prstGeom>
+            </p:spPr>
+          </p:pic>
+        </mc:Fallback>
+      </mc:AlternateContent>
+      <mc:AlternateContent xmlns:mc="http://schemas.openxmlformats.org/markup-compatibility/2006" xmlns:p14="http://schemas.microsoft.com/office/powerpoint/2010/main">
+        <mc:Choice Requires="p14">
+          <p:contentPart p14:bwMode="auto" r:id="rId22">
+            <p14:nvContentPartPr>
+              <p14:cNvPr id="48" name="Ink 47">
+                <a:extLst>
+                  <a:ext uri="{FF2B5EF4-FFF2-40B4-BE49-F238E27FC236}">
+                    <a16:creationId xmlns:a16="http://schemas.microsoft.com/office/drawing/2014/main" id="{B6EBBBBF-9E86-479D-B529-63E0FDF1977E}"/>
+                  </a:ext>
+                </a:extLst>
+              </p14:cNvPr>
+              <p14:cNvContentPartPr/>
+              <p14:nvPr/>
+            </p14:nvContentPartPr>
+            <p14:xfrm>
+              <a:off x="4891834" y="6253224"/>
+              <a:ext cx="98280" cy="174240"/>
+            </p14:xfrm>
+          </p:contentPart>
+        </mc:Choice>
+        <mc:Fallback xmlns="">
+          <p:pic>
+            <p:nvPicPr>
+              <p:cNvPr id="48" name="Ink 47">
+                <a:extLst>
+                  <a:ext uri="{FF2B5EF4-FFF2-40B4-BE49-F238E27FC236}">
+                    <a16:creationId xmlns:a16="http://schemas.microsoft.com/office/drawing/2014/main" id="{B6EBBBBF-9E86-479D-B529-63E0FDF1977E}"/>
+                  </a:ext>
+                </a:extLst>
+              </p:cNvPr>
+              <p:cNvPicPr/>
+              <p:nvPr/>
+            </p:nvPicPr>
+            <p:blipFill>
+              <a:blip r:embed="rId23"/>
+              <a:stretch>
+                <a:fillRect/>
+              </a:stretch>
+            </p:blipFill>
+            <p:spPr>
+              <a:xfrm>
+                <a:off x="4883194" y="6244224"/>
+                <a:ext cx="115920" cy="191880"/>
+              </a:xfrm>
+              <a:prstGeom prst="rect">
+                <a:avLst/>
+              </a:prstGeom>
+            </p:spPr>
+          </p:pic>
+        </mc:Fallback>
+      </mc:AlternateContent>
+      <p:grpSp>
+        <p:nvGrpSpPr>
+          <p:cNvPr id="54" name="Group 53">
+            <a:extLst>
+              <a:ext uri="{FF2B5EF4-FFF2-40B4-BE49-F238E27FC236}">
+                <a16:creationId xmlns:a16="http://schemas.microsoft.com/office/drawing/2014/main" id="{AE83194D-6C7C-481D-B79F-2EA22DCEE689}"/>
+              </a:ext>
+            </a:extLst>
+          </p:cNvPr>
+          <p:cNvGrpSpPr/>
+          <p:nvPr/>
+        </p:nvGrpSpPr>
+        <p:grpSpPr>
+          <a:xfrm>
+            <a:off x="5401594" y="5503704"/>
+            <a:ext cx="937440" cy="525600"/>
+            <a:chOff x="5401594" y="5503704"/>
+            <a:chExt cx="937440" cy="525600"/>
+          </a:xfrm>
+        </p:grpSpPr>
+        <mc:AlternateContent xmlns:mc="http://schemas.openxmlformats.org/markup-compatibility/2006" xmlns:p14="http://schemas.microsoft.com/office/powerpoint/2010/main">
+          <mc:Choice Requires="p14">
+            <p:contentPart p14:bwMode="auto" r:id="rId24">
+              <p14:nvContentPartPr>
+                <p14:cNvPr id="49" name="Ink 48">
+                  <a:extLst>
+                    <a:ext uri="{FF2B5EF4-FFF2-40B4-BE49-F238E27FC236}">
+                      <a16:creationId xmlns:a16="http://schemas.microsoft.com/office/drawing/2014/main" id="{69036897-06BF-405D-94E6-803AC8E9EA03}"/>
+                    </a:ext>
+                  </a:extLst>
+                </p14:cNvPr>
+                <p14:cNvContentPartPr/>
+                <p14:nvPr/>
+              </p14:nvContentPartPr>
+              <p14:xfrm>
+                <a:off x="5401594" y="5803224"/>
+                <a:ext cx="244800" cy="226080"/>
+              </p14:xfrm>
+            </p:contentPart>
+          </mc:Choice>
+          <mc:Fallback xmlns="">
+            <p:pic>
+              <p:nvPicPr>
+                <p:cNvPr id="49" name="Ink 48">
+                  <a:extLst>
+                    <a:ext uri="{FF2B5EF4-FFF2-40B4-BE49-F238E27FC236}">
+                      <a16:creationId xmlns:a16="http://schemas.microsoft.com/office/drawing/2014/main" id="{69036897-06BF-405D-94E6-803AC8E9EA03}"/>
+                    </a:ext>
+                  </a:extLst>
+                </p:cNvPr>
+                <p:cNvPicPr/>
+                <p:nvPr/>
+              </p:nvPicPr>
+              <p:blipFill>
+                <a:blip r:embed="rId25"/>
+                <a:stretch>
+                  <a:fillRect/>
+                </a:stretch>
+              </p:blipFill>
+              <p:spPr>
+                <a:xfrm>
+                  <a:off x="5392954" y="5794224"/>
+                  <a:ext cx="262440" cy="243720"/>
+                </a:xfrm>
+                <a:prstGeom prst="rect">
+                  <a:avLst/>
+                </a:prstGeom>
+              </p:spPr>
+            </p:pic>
+          </mc:Fallback>
+        </mc:AlternateContent>
+        <mc:AlternateContent xmlns:mc="http://schemas.openxmlformats.org/markup-compatibility/2006" xmlns:p14="http://schemas.microsoft.com/office/powerpoint/2010/main">
+          <mc:Choice Requires="p14">
+            <p:contentPart p14:bwMode="auto" r:id="rId26">
+              <p14:nvContentPartPr>
+                <p14:cNvPr id="50" name="Ink 49">
+                  <a:extLst>
+                    <a:ext uri="{FF2B5EF4-FFF2-40B4-BE49-F238E27FC236}">
+                      <a16:creationId xmlns:a16="http://schemas.microsoft.com/office/drawing/2014/main" id="{35EB8E99-10E3-4602-9BA2-7D43A13FC626}"/>
+                    </a:ext>
+                  </a:extLst>
+                </p14:cNvPr>
+                <p14:cNvContentPartPr/>
+                <p14:nvPr/>
+              </p14:nvContentPartPr>
+              <p14:xfrm>
+                <a:off x="5700754" y="5800704"/>
+                <a:ext cx="108000" cy="100080"/>
+              </p14:xfrm>
+            </p:contentPart>
+          </mc:Choice>
+          <mc:Fallback xmlns="">
+            <p:pic>
+              <p:nvPicPr>
+                <p:cNvPr id="50" name="Ink 49">
+                  <a:extLst>
+                    <a:ext uri="{FF2B5EF4-FFF2-40B4-BE49-F238E27FC236}">
+                      <a16:creationId xmlns:a16="http://schemas.microsoft.com/office/drawing/2014/main" id="{35EB8E99-10E3-4602-9BA2-7D43A13FC626}"/>
+                    </a:ext>
+                  </a:extLst>
+                </p:cNvPr>
+                <p:cNvPicPr/>
+                <p:nvPr/>
+              </p:nvPicPr>
+              <p:blipFill>
+                <a:blip r:embed="rId27"/>
+                <a:stretch>
+                  <a:fillRect/>
+                </a:stretch>
+              </p:blipFill>
+              <p:spPr>
+                <a:xfrm>
+                  <a:off x="5691754" y="5791704"/>
+                  <a:ext cx="125640" cy="117720"/>
+                </a:xfrm>
+                <a:prstGeom prst="rect">
+                  <a:avLst/>
+                </a:prstGeom>
+              </p:spPr>
+            </p:pic>
+          </mc:Fallback>
+        </mc:AlternateContent>
+        <mc:AlternateContent xmlns:mc="http://schemas.openxmlformats.org/markup-compatibility/2006" xmlns:p14="http://schemas.microsoft.com/office/powerpoint/2010/main">
+          <mc:Choice Requires="p14">
+            <p:contentPart p14:bwMode="auto" r:id="rId28">
+              <p14:nvContentPartPr>
+                <p14:cNvPr id="53" name="Ink 52">
+                  <a:extLst>
+                    <a:ext uri="{FF2B5EF4-FFF2-40B4-BE49-F238E27FC236}">
+                      <a16:creationId xmlns:a16="http://schemas.microsoft.com/office/drawing/2014/main" id="{02B1B7E0-F32C-4D5A-BB43-8489B4F0EDD5}"/>
+                    </a:ext>
+                  </a:extLst>
+                </p14:cNvPr>
+                <p14:cNvContentPartPr/>
+                <p14:nvPr/>
+              </p14:nvContentPartPr>
+              <p14:xfrm>
+                <a:off x="5991994" y="5503704"/>
+                <a:ext cx="347040" cy="226440"/>
+              </p14:xfrm>
+            </p:contentPart>
+          </mc:Choice>
+          <mc:Fallback xmlns="">
+            <p:pic>
+              <p:nvPicPr>
+                <p:cNvPr id="53" name="Ink 52">
+                  <a:extLst>
+                    <a:ext uri="{FF2B5EF4-FFF2-40B4-BE49-F238E27FC236}">
+                      <a16:creationId xmlns:a16="http://schemas.microsoft.com/office/drawing/2014/main" id="{02B1B7E0-F32C-4D5A-BB43-8489B4F0EDD5}"/>
+                    </a:ext>
+                  </a:extLst>
+                </p:cNvPr>
+                <p:cNvPicPr/>
+                <p:nvPr/>
+              </p:nvPicPr>
+              <p:blipFill>
+                <a:blip r:embed="rId29"/>
+                <a:stretch>
+                  <a:fillRect/>
+                </a:stretch>
+              </p:blipFill>
+              <p:spPr>
+                <a:xfrm>
+                  <a:off x="5982994" y="5495064"/>
+                  <a:ext cx="364680" cy="244080"/>
+                </a:xfrm>
+                <a:prstGeom prst="rect">
+                  <a:avLst/>
+                </a:prstGeom>
+              </p:spPr>
+            </p:pic>
+          </mc:Fallback>
+        </mc:AlternateContent>
+      </p:grpSp>
+      <p:grpSp>
+        <p:nvGrpSpPr>
+          <p:cNvPr id="56" name="Group 55">
+            <a:extLst>
+              <a:ext uri="{FF2B5EF4-FFF2-40B4-BE49-F238E27FC236}">
+                <a16:creationId xmlns:a16="http://schemas.microsoft.com/office/drawing/2014/main" id="{F2F58DA2-F25C-4C3B-8B28-D0E0CB27361F}"/>
+              </a:ext>
+            </a:extLst>
+          </p:cNvPr>
+          <p:cNvGrpSpPr/>
+          <p:nvPr/>
+        </p:nvGrpSpPr>
+        <p:grpSpPr>
+          <a:xfrm>
+            <a:off x="1485514" y="4271064"/>
+            <a:ext cx="3066840" cy="2300400"/>
+            <a:chOff x="1485514" y="4271064"/>
+            <a:chExt cx="3066840" cy="2300400"/>
+          </a:xfrm>
+        </p:grpSpPr>
+        <mc:AlternateContent xmlns:mc="http://schemas.openxmlformats.org/markup-compatibility/2006" xmlns:p14="http://schemas.microsoft.com/office/powerpoint/2010/main">
+          <mc:Choice Requires="p14">
+            <p:contentPart p14:bwMode="auto" r:id="rId30">
+              <p14:nvContentPartPr>
+                <p14:cNvPr id="15" name="Ink 14">
+                  <a:extLst>
+                    <a:ext uri="{FF2B5EF4-FFF2-40B4-BE49-F238E27FC236}">
+                      <a16:creationId xmlns:a16="http://schemas.microsoft.com/office/drawing/2014/main" id="{4223EC95-53AB-441A-B044-4CCDBDBC9991}"/>
+                    </a:ext>
+                  </a:extLst>
+                </p14:cNvPr>
+                <p14:cNvContentPartPr/>
+                <p14:nvPr/>
+              </p14:nvContentPartPr>
+              <p14:xfrm>
+                <a:off x="1772434" y="4591104"/>
+                <a:ext cx="219240" cy="580320"/>
+              </p14:xfrm>
+            </p:contentPart>
+          </mc:Choice>
+          <mc:Fallback xmlns="">
+            <p:pic>
+              <p:nvPicPr>
+                <p:cNvPr id="15" name="Ink 14">
+                  <a:extLst>
+                    <a:ext uri="{FF2B5EF4-FFF2-40B4-BE49-F238E27FC236}">
+                      <a16:creationId xmlns:a16="http://schemas.microsoft.com/office/drawing/2014/main" id="{4223EC95-53AB-441A-B044-4CCDBDBC9991}"/>
+                    </a:ext>
+                  </a:extLst>
+                </p:cNvPr>
+                <p:cNvPicPr/>
+                <p:nvPr/>
+              </p:nvPicPr>
+              <p:blipFill>
+                <a:blip r:embed="rId31"/>
+                <a:stretch>
+                  <a:fillRect/>
+                </a:stretch>
+              </p:blipFill>
+              <p:spPr>
+                <a:xfrm>
+                  <a:off x="1763434" y="4582464"/>
+                  <a:ext cx="236880" cy="597960"/>
+                </a:xfrm>
+                <a:prstGeom prst="rect">
+                  <a:avLst/>
+                </a:prstGeom>
+              </p:spPr>
+            </p:pic>
+          </mc:Fallback>
+        </mc:AlternateContent>
+        <mc:AlternateContent xmlns:mc="http://schemas.openxmlformats.org/markup-compatibility/2006" xmlns:p14="http://schemas.microsoft.com/office/powerpoint/2010/main">
+          <mc:Choice Requires="p14">
+            <p:contentPart p14:bwMode="auto" r:id="rId32">
+              <p14:nvContentPartPr>
+                <p14:cNvPr id="16" name="Ink 15">
+                  <a:extLst>
+                    <a:ext uri="{FF2B5EF4-FFF2-40B4-BE49-F238E27FC236}">
+                      <a16:creationId xmlns:a16="http://schemas.microsoft.com/office/drawing/2014/main" id="{B8DD844F-B687-4CD3-B6D1-A044FEAA1136}"/>
+                    </a:ext>
+                  </a:extLst>
+                </p14:cNvPr>
+                <p14:cNvContentPartPr/>
+                <p14:nvPr/>
+              </p14:nvContentPartPr>
+              <p14:xfrm>
+                <a:off x="2214514" y="4710984"/>
+                <a:ext cx="86760" cy="49320"/>
+              </p14:xfrm>
+            </p:contentPart>
+          </mc:Choice>
+          <mc:Fallback xmlns="">
+            <p:pic>
+              <p:nvPicPr>
+                <p:cNvPr id="16" name="Ink 15">
+                  <a:extLst>
+                    <a:ext uri="{FF2B5EF4-FFF2-40B4-BE49-F238E27FC236}">
+                      <a16:creationId xmlns:a16="http://schemas.microsoft.com/office/drawing/2014/main" id="{B8DD844F-B687-4CD3-B6D1-A044FEAA1136}"/>
+                    </a:ext>
+                  </a:extLst>
+                </p:cNvPr>
+                <p:cNvPicPr/>
+                <p:nvPr/>
+              </p:nvPicPr>
+              <p:blipFill>
+                <a:blip r:embed="rId33"/>
+                <a:stretch>
+                  <a:fillRect/>
+                </a:stretch>
+              </p:blipFill>
+              <p:spPr>
+                <a:xfrm>
+                  <a:off x="2205874" y="4702344"/>
+                  <a:ext cx="104400" cy="66960"/>
+                </a:xfrm>
+                <a:prstGeom prst="rect">
+                  <a:avLst/>
+                </a:prstGeom>
+              </p:spPr>
+            </p:pic>
+          </mc:Fallback>
+        </mc:AlternateContent>
+        <mc:AlternateContent xmlns:mc="http://schemas.openxmlformats.org/markup-compatibility/2006" xmlns:p14="http://schemas.microsoft.com/office/powerpoint/2010/main">
+          <mc:Choice Requires="p14">
+            <p:contentPart p14:bwMode="auto" r:id="rId34">
+              <p14:nvContentPartPr>
+                <p14:cNvPr id="17" name="Ink 16">
+                  <a:extLst>
+                    <a:ext uri="{FF2B5EF4-FFF2-40B4-BE49-F238E27FC236}">
+                      <a16:creationId xmlns:a16="http://schemas.microsoft.com/office/drawing/2014/main" id="{6427FEDD-FC2C-4384-8BF6-D03D74B4CD01}"/>
+                    </a:ext>
+                  </a:extLst>
+                </p14:cNvPr>
+                <p14:cNvContentPartPr/>
+                <p14:nvPr/>
+              </p14:nvContentPartPr>
+              <p14:xfrm>
+                <a:off x="2171314" y="4639344"/>
+                <a:ext cx="109080" cy="51120"/>
+              </p14:xfrm>
+            </p:contentPart>
+          </mc:Choice>
+          <mc:Fallback xmlns="">
+            <p:pic>
+              <p:nvPicPr>
+                <p:cNvPr id="17" name="Ink 16">
+                  <a:extLst>
+                    <a:ext uri="{FF2B5EF4-FFF2-40B4-BE49-F238E27FC236}">
+                      <a16:creationId xmlns:a16="http://schemas.microsoft.com/office/drawing/2014/main" id="{6427FEDD-FC2C-4384-8BF6-D03D74B4CD01}"/>
+                    </a:ext>
+                  </a:extLst>
+                </p:cNvPr>
+                <p:cNvPicPr/>
+                <p:nvPr/>
+              </p:nvPicPr>
+              <p:blipFill>
+                <a:blip r:embed="rId35"/>
+                <a:stretch>
+                  <a:fillRect/>
+                </a:stretch>
+              </p:blipFill>
+              <p:spPr>
+                <a:xfrm>
+                  <a:off x="2162314" y="4630704"/>
+                  <a:ext cx="126720" cy="68760"/>
+                </a:xfrm>
+                <a:prstGeom prst="rect">
+                  <a:avLst/>
+                </a:prstGeom>
+              </p:spPr>
+            </p:pic>
+          </mc:Fallback>
+        </mc:AlternateContent>
+        <mc:AlternateContent xmlns:mc="http://schemas.openxmlformats.org/markup-compatibility/2006" xmlns:p14="http://schemas.microsoft.com/office/powerpoint/2010/main">
+          <mc:Choice Requires="p14">
+            <p:contentPart p14:bwMode="auto" r:id="rId36">
+              <p14:nvContentPartPr>
+                <p14:cNvPr id="18" name="Ink 17">
+                  <a:extLst>
+                    <a:ext uri="{FF2B5EF4-FFF2-40B4-BE49-F238E27FC236}">
+                      <a16:creationId xmlns:a16="http://schemas.microsoft.com/office/drawing/2014/main" id="{60E0FB66-1FD7-4783-BCC3-B702E500A63A}"/>
+                    </a:ext>
+                  </a:extLst>
+                </p14:cNvPr>
+                <p14:cNvContentPartPr/>
+                <p14:nvPr/>
+              </p14:nvContentPartPr>
+              <p14:xfrm>
+                <a:off x="2606914" y="4271064"/>
+                <a:ext cx="177120" cy="267840"/>
+              </p14:xfrm>
+            </p:contentPart>
+          </mc:Choice>
+          <mc:Fallback xmlns="">
+            <p:pic>
+              <p:nvPicPr>
+                <p:cNvPr id="18" name="Ink 17">
+                  <a:extLst>
+                    <a:ext uri="{FF2B5EF4-FFF2-40B4-BE49-F238E27FC236}">
+                      <a16:creationId xmlns:a16="http://schemas.microsoft.com/office/drawing/2014/main" id="{60E0FB66-1FD7-4783-BCC3-B702E500A63A}"/>
+                    </a:ext>
+                  </a:extLst>
+                </p:cNvPr>
+                <p:cNvPicPr/>
+                <p:nvPr/>
+              </p:nvPicPr>
+              <p:blipFill>
+                <a:blip r:embed="rId37"/>
+                <a:stretch>
+                  <a:fillRect/>
+                </a:stretch>
+              </p:blipFill>
+              <p:spPr>
+                <a:xfrm>
+                  <a:off x="2597914" y="4262424"/>
+                  <a:ext cx="194760" cy="285480"/>
+                </a:xfrm>
+                <a:prstGeom prst="rect">
+                  <a:avLst/>
+                </a:prstGeom>
+              </p:spPr>
+            </p:pic>
+          </mc:Fallback>
+        </mc:AlternateContent>
+        <mc:AlternateContent xmlns:mc="http://schemas.openxmlformats.org/markup-compatibility/2006" xmlns:p14="http://schemas.microsoft.com/office/powerpoint/2010/main">
+          <mc:Choice Requires="p14">
+            <p:contentPart p14:bwMode="auto" r:id="rId38">
+              <p14:nvContentPartPr>
+                <p14:cNvPr id="20" name="Ink 19">
+                  <a:extLst>
+                    <a:ext uri="{FF2B5EF4-FFF2-40B4-BE49-F238E27FC236}">
+                      <a16:creationId xmlns:a16="http://schemas.microsoft.com/office/drawing/2014/main" id="{65B09AD4-7859-4D3A-817A-131215061637}"/>
+                    </a:ext>
+                  </a:extLst>
+                </p14:cNvPr>
+                <p14:cNvContentPartPr/>
+                <p14:nvPr/>
+              </p14:nvContentPartPr>
+              <p14:xfrm>
+                <a:off x="1485514" y="4577424"/>
+                <a:ext cx="270360" cy="382320"/>
+              </p14:xfrm>
+            </p:contentPart>
+          </mc:Choice>
+          <mc:Fallback xmlns="">
+            <p:pic>
+              <p:nvPicPr>
+                <p:cNvPr id="20" name="Ink 19">
+                  <a:extLst>
+                    <a:ext uri="{FF2B5EF4-FFF2-40B4-BE49-F238E27FC236}">
+                      <a16:creationId xmlns:a16="http://schemas.microsoft.com/office/drawing/2014/main" id="{65B09AD4-7859-4D3A-817A-131215061637}"/>
+                    </a:ext>
+                  </a:extLst>
+                </p:cNvPr>
+                <p:cNvPicPr/>
+                <p:nvPr/>
+              </p:nvPicPr>
+              <p:blipFill>
+                <a:blip r:embed="rId39"/>
+                <a:stretch>
+                  <a:fillRect/>
+                </a:stretch>
+              </p:blipFill>
+              <p:spPr>
+                <a:xfrm>
+                  <a:off x="1476874" y="4568784"/>
+                  <a:ext cx="288000" cy="399960"/>
+                </a:xfrm>
+                <a:prstGeom prst="rect">
+                  <a:avLst/>
+                </a:prstGeom>
+              </p:spPr>
+            </p:pic>
+          </mc:Fallback>
+        </mc:AlternateContent>
+        <mc:AlternateContent xmlns:mc="http://schemas.openxmlformats.org/markup-compatibility/2006" xmlns:p14="http://schemas.microsoft.com/office/powerpoint/2010/main">
+          <mc:Choice Requires="p14">
+            <p:contentPart p14:bwMode="auto" r:id="rId40">
+              <p14:nvContentPartPr>
+                <p14:cNvPr id="21" name="Ink 20">
+                  <a:extLst>
+                    <a:ext uri="{FF2B5EF4-FFF2-40B4-BE49-F238E27FC236}">
+                      <a16:creationId xmlns:a16="http://schemas.microsoft.com/office/drawing/2014/main" id="{51126AF4-4CC3-4B0C-A749-7D2CBEFFC37C}"/>
+                    </a:ext>
+                  </a:extLst>
+                </p14:cNvPr>
+                <p14:cNvContentPartPr/>
+                <p14:nvPr/>
+              </p14:nvContentPartPr>
+              <p14:xfrm>
+                <a:off x="2304154" y="4478784"/>
+                <a:ext cx="82800" cy="36000"/>
+              </p14:xfrm>
+            </p:contentPart>
+          </mc:Choice>
+          <mc:Fallback xmlns="">
+            <p:pic>
+              <p:nvPicPr>
+                <p:cNvPr id="21" name="Ink 20">
+                  <a:extLst>
+                    <a:ext uri="{FF2B5EF4-FFF2-40B4-BE49-F238E27FC236}">
+                      <a16:creationId xmlns:a16="http://schemas.microsoft.com/office/drawing/2014/main" id="{51126AF4-4CC3-4B0C-A749-7D2CBEFFC37C}"/>
+                    </a:ext>
+                  </a:extLst>
+                </p:cNvPr>
+                <p:cNvPicPr/>
+                <p:nvPr/>
+              </p:nvPicPr>
+              <p:blipFill>
+                <a:blip r:embed="rId41"/>
+                <a:stretch>
+                  <a:fillRect/>
+                </a:stretch>
+              </p:blipFill>
+              <p:spPr>
+                <a:xfrm>
+                  <a:off x="2295154" y="4469784"/>
+                  <a:ext cx="100440" cy="53640"/>
+                </a:xfrm>
+                <a:prstGeom prst="rect">
+                  <a:avLst/>
+                </a:prstGeom>
+              </p:spPr>
+            </p:pic>
+          </mc:Fallback>
+        </mc:AlternateContent>
+        <mc:AlternateContent xmlns:mc="http://schemas.openxmlformats.org/markup-compatibility/2006" xmlns:p14="http://schemas.microsoft.com/office/powerpoint/2010/main">
+          <mc:Choice Requires="p14">
+            <p:contentPart p14:bwMode="auto" r:id="rId42">
+              <p14:nvContentPartPr>
+                <p14:cNvPr id="22" name="Ink 21">
+                  <a:extLst>
+                    <a:ext uri="{FF2B5EF4-FFF2-40B4-BE49-F238E27FC236}">
+                      <a16:creationId xmlns:a16="http://schemas.microsoft.com/office/drawing/2014/main" id="{FA082AB0-D62F-44BA-8F81-7C902A73BE7B}"/>
+                    </a:ext>
+                  </a:extLst>
+                </p14:cNvPr>
+                <p14:cNvContentPartPr/>
+                <p14:nvPr/>
+              </p14:nvContentPartPr>
+              <p14:xfrm>
+                <a:off x="2395234" y="4292664"/>
+                <a:ext cx="160560" cy="348480"/>
+              </p14:xfrm>
+            </p:contentPart>
+          </mc:Choice>
+          <mc:Fallback xmlns="">
+            <p:pic>
+              <p:nvPicPr>
+                <p:cNvPr id="22" name="Ink 21">
+                  <a:extLst>
+                    <a:ext uri="{FF2B5EF4-FFF2-40B4-BE49-F238E27FC236}">
+                      <a16:creationId xmlns:a16="http://schemas.microsoft.com/office/drawing/2014/main" id="{FA082AB0-D62F-44BA-8F81-7C902A73BE7B}"/>
+                    </a:ext>
+                  </a:extLst>
+                </p:cNvPr>
+                <p:cNvPicPr/>
+                <p:nvPr/>
+              </p:nvPicPr>
+              <p:blipFill>
+                <a:blip r:embed="rId43"/>
+                <a:stretch>
+                  <a:fillRect/>
+                </a:stretch>
+              </p:blipFill>
+              <p:spPr>
+                <a:xfrm>
+                  <a:off x="2386234" y="4284024"/>
+                  <a:ext cx="178200" cy="366120"/>
+                </a:xfrm>
+                <a:prstGeom prst="rect">
+                  <a:avLst/>
+                </a:prstGeom>
+              </p:spPr>
+            </p:pic>
+          </mc:Fallback>
+        </mc:AlternateContent>
+        <mc:AlternateContent xmlns:mc="http://schemas.openxmlformats.org/markup-compatibility/2006" xmlns:p14="http://schemas.microsoft.com/office/powerpoint/2010/main">
+          <mc:Choice Requires="p14">
+            <p:contentPart p14:bwMode="auto" r:id="rId44">
+              <p14:nvContentPartPr>
+                <p14:cNvPr id="24" name="Ink 23">
+                  <a:extLst>
+                    <a:ext uri="{FF2B5EF4-FFF2-40B4-BE49-F238E27FC236}">
+                      <a16:creationId xmlns:a16="http://schemas.microsoft.com/office/drawing/2014/main" id="{EA1440C0-F228-4050-81A1-009BD75B1636}"/>
+                    </a:ext>
+                  </a:extLst>
+                </p14:cNvPr>
+                <p14:cNvContentPartPr/>
+                <p14:nvPr/>
+              </p14:nvContentPartPr>
+              <p14:xfrm>
+                <a:off x="2263474" y="5130384"/>
+                <a:ext cx="135720" cy="438120"/>
+              </p14:xfrm>
+            </p:contentPart>
+          </mc:Choice>
+          <mc:Fallback xmlns="">
+            <p:pic>
+              <p:nvPicPr>
+                <p:cNvPr id="24" name="Ink 23">
+                  <a:extLst>
+                    <a:ext uri="{FF2B5EF4-FFF2-40B4-BE49-F238E27FC236}">
+                      <a16:creationId xmlns:a16="http://schemas.microsoft.com/office/drawing/2014/main" id="{EA1440C0-F228-4050-81A1-009BD75B1636}"/>
+                    </a:ext>
+                  </a:extLst>
+                </p:cNvPr>
+                <p:cNvPicPr/>
+                <p:nvPr/>
+              </p:nvPicPr>
+              <p:blipFill>
+                <a:blip r:embed="rId45"/>
+                <a:stretch>
+                  <a:fillRect/>
+                </a:stretch>
+              </p:blipFill>
+              <p:spPr>
+                <a:xfrm>
+                  <a:off x="2254834" y="5121744"/>
+                  <a:ext cx="153360" cy="455760"/>
+                </a:xfrm>
+                <a:prstGeom prst="rect">
+                  <a:avLst/>
+                </a:prstGeom>
+              </p:spPr>
+            </p:pic>
+          </mc:Fallback>
+        </mc:AlternateContent>
+        <mc:AlternateContent xmlns:mc="http://schemas.openxmlformats.org/markup-compatibility/2006" xmlns:p14="http://schemas.microsoft.com/office/powerpoint/2010/main">
+          <mc:Choice Requires="p14">
+            <p:contentPart p14:bwMode="auto" r:id="rId46">
+              <p14:nvContentPartPr>
+                <p14:cNvPr id="25" name="Ink 24">
+                  <a:extLst>
+                    <a:ext uri="{FF2B5EF4-FFF2-40B4-BE49-F238E27FC236}">
+                      <a16:creationId xmlns:a16="http://schemas.microsoft.com/office/drawing/2014/main" id="{68DA739E-837A-439F-BFFF-6B2AAECF2D02}"/>
+                    </a:ext>
+                  </a:extLst>
+                </p14:cNvPr>
+                <p14:cNvContentPartPr/>
+                <p14:nvPr/>
+              </p14:nvContentPartPr>
+              <p14:xfrm>
+                <a:off x="2525194" y="5107704"/>
+                <a:ext cx="122400" cy="104400"/>
+              </p14:xfrm>
+            </p:contentPart>
+          </mc:Choice>
+          <mc:Fallback xmlns="">
+            <p:pic>
+              <p:nvPicPr>
+                <p:cNvPr id="25" name="Ink 24">
+                  <a:extLst>
+                    <a:ext uri="{FF2B5EF4-FFF2-40B4-BE49-F238E27FC236}">
+                      <a16:creationId xmlns:a16="http://schemas.microsoft.com/office/drawing/2014/main" id="{68DA739E-837A-439F-BFFF-6B2AAECF2D02}"/>
+                    </a:ext>
+                  </a:extLst>
+                </p:cNvPr>
+                <p:cNvPicPr/>
+                <p:nvPr/>
+              </p:nvPicPr>
+              <p:blipFill>
+                <a:blip r:embed="rId47"/>
+                <a:stretch>
+                  <a:fillRect/>
+                </a:stretch>
+              </p:blipFill>
+              <p:spPr>
+                <a:xfrm>
+                  <a:off x="2516194" y="5099064"/>
+                  <a:ext cx="140040" cy="122040"/>
+                </a:xfrm>
+                <a:prstGeom prst="rect">
+                  <a:avLst/>
+                </a:prstGeom>
+              </p:spPr>
+            </p:pic>
+          </mc:Fallback>
+        </mc:AlternateContent>
+        <mc:AlternateContent xmlns:mc="http://schemas.openxmlformats.org/markup-compatibility/2006" xmlns:p14="http://schemas.microsoft.com/office/powerpoint/2010/main">
+          <mc:Choice Requires="p14">
+            <p:contentPart p14:bwMode="auto" r:id="rId48">
+              <p14:nvContentPartPr>
+                <p14:cNvPr id="26" name="Ink 25">
+                  <a:extLst>
+                    <a:ext uri="{FF2B5EF4-FFF2-40B4-BE49-F238E27FC236}">
+                      <a16:creationId xmlns:a16="http://schemas.microsoft.com/office/drawing/2014/main" id="{3E5C8D44-E009-406E-8707-82D3FAE3F730}"/>
+                    </a:ext>
+                  </a:extLst>
+                </p14:cNvPr>
+                <p14:cNvContentPartPr/>
+                <p14:nvPr/>
+              </p14:nvContentPartPr>
+              <p14:xfrm>
+                <a:off x="2837674" y="4917984"/>
+                <a:ext cx="191520" cy="128880"/>
+              </p14:xfrm>
+            </p:contentPart>
+          </mc:Choice>
+          <mc:Fallback xmlns="">
+            <p:pic>
+              <p:nvPicPr>
+                <p:cNvPr id="26" name="Ink 25">
+                  <a:extLst>
+                    <a:ext uri="{FF2B5EF4-FFF2-40B4-BE49-F238E27FC236}">
+                      <a16:creationId xmlns:a16="http://schemas.microsoft.com/office/drawing/2014/main" id="{3E5C8D44-E009-406E-8707-82D3FAE3F730}"/>
+                    </a:ext>
+                  </a:extLst>
+                </p:cNvPr>
+                <p:cNvPicPr/>
+                <p:nvPr/>
+              </p:nvPicPr>
+              <p:blipFill>
+                <a:blip r:embed="rId49"/>
+                <a:stretch>
+                  <a:fillRect/>
+                </a:stretch>
+              </p:blipFill>
+              <p:spPr>
+                <a:xfrm>
+                  <a:off x="2829034" y="4909344"/>
+                  <a:ext cx="209160" cy="146520"/>
+                </a:xfrm>
+                <a:prstGeom prst="rect">
+                  <a:avLst/>
+                </a:prstGeom>
+              </p:spPr>
+            </p:pic>
+          </mc:Fallback>
+        </mc:AlternateContent>
+        <mc:AlternateContent xmlns:mc="http://schemas.openxmlformats.org/markup-compatibility/2006" xmlns:p14="http://schemas.microsoft.com/office/powerpoint/2010/main">
+          <mc:Choice Requires="p14">
+            <p:contentPart p14:bwMode="auto" r:id="rId50">
+              <p14:nvContentPartPr>
+                <p14:cNvPr id="27" name="Ink 26">
+                  <a:extLst>
+                    <a:ext uri="{FF2B5EF4-FFF2-40B4-BE49-F238E27FC236}">
+                      <a16:creationId xmlns:a16="http://schemas.microsoft.com/office/drawing/2014/main" id="{0DCB9713-2A14-492B-BD07-36B07C773E1B}"/>
+                    </a:ext>
+                  </a:extLst>
+                </p14:cNvPr>
+                <p14:cNvContentPartPr/>
+                <p14:nvPr/>
+              </p14:nvContentPartPr>
+              <p14:xfrm>
+                <a:off x="2690434" y="5046504"/>
+                <a:ext cx="45000" cy="23040"/>
+              </p14:xfrm>
+            </p:contentPart>
+          </mc:Choice>
+          <mc:Fallback xmlns="">
+            <p:pic>
+              <p:nvPicPr>
+                <p:cNvPr id="27" name="Ink 26">
+                  <a:extLst>
+                    <a:ext uri="{FF2B5EF4-FFF2-40B4-BE49-F238E27FC236}">
+                      <a16:creationId xmlns:a16="http://schemas.microsoft.com/office/drawing/2014/main" id="{0DCB9713-2A14-492B-BD07-36B07C773E1B}"/>
+                    </a:ext>
+                  </a:extLst>
+                </p:cNvPr>
+                <p:cNvPicPr/>
+                <p:nvPr/>
+              </p:nvPicPr>
+              <p:blipFill>
+                <a:blip r:embed="rId51"/>
+                <a:stretch>
+                  <a:fillRect/>
+                </a:stretch>
+              </p:blipFill>
+              <p:spPr>
+                <a:xfrm>
+                  <a:off x="2681794" y="5037864"/>
+                  <a:ext cx="62640" cy="40680"/>
+                </a:xfrm>
+                <a:prstGeom prst="rect">
+                  <a:avLst/>
+                </a:prstGeom>
+              </p:spPr>
+            </p:pic>
+          </mc:Fallback>
+        </mc:AlternateContent>
+        <mc:AlternateContent xmlns:mc="http://schemas.openxmlformats.org/markup-compatibility/2006" xmlns:p14="http://schemas.microsoft.com/office/powerpoint/2010/main">
+          <mc:Choice Requires="p14">
+            <p:contentPart p14:bwMode="auto" r:id="rId52">
+              <p14:nvContentPartPr>
+                <p14:cNvPr id="28" name="Ink 27">
+                  <a:extLst>
+                    <a:ext uri="{FF2B5EF4-FFF2-40B4-BE49-F238E27FC236}">
+                      <a16:creationId xmlns:a16="http://schemas.microsoft.com/office/drawing/2014/main" id="{978264F9-94E3-4C21-BB23-1AA4DE2A9098}"/>
+                    </a:ext>
+                  </a:extLst>
+                </p14:cNvPr>
+                <p14:cNvContentPartPr/>
+                <p14:nvPr/>
+              </p14:nvContentPartPr>
+              <p14:xfrm>
+                <a:off x="2774674" y="4874064"/>
+                <a:ext cx="360720" cy="153000"/>
+              </p14:xfrm>
+            </p:contentPart>
+          </mc:Choice>
+          <mc:Fallback xmlns="">
+            <p:pic>
+              <p:nvPicPr>
+                <p:cNvPr id="28" name="Ink 27">
+                  <a:extLst>
+                    <a:ext uri="{FF2B5EF4-FFF2-40B4-BE49-F238E27FC236}">
+                      <a16:creationId xmlns:a16="http://schemas.microsoft.com/office/drawing/2014/main" id="{978264F9-94E3-4C21-BB23-1AA4DE2A9098}"/>
+                    </a:ext>
+                  </a:extLst>
+                </p:cNvPr>
+                <p:cNvPicPr/>
+                <p:nvPr/>
+              </p:nvPicPr>
+              <p:blipFill>
+                <a:blip r:embed="rId53"/>
+                <a:stretch>
+                  <a:fillRect/>
+                </a:stretch>
+              </p:blipFill>
+              <p:spPr>
+                <a:xfrm>
+                  <a:off x="2765674" y="4865064"/>
+                  <a:ext cx="378360" cy="170640"/>
+                </a:xfrm>
+                <a:prstGeom prst="rect">
+                  <a:avLst/>
+                </a:prstGeom>
+              </p:spPr>
+            </p:pic>
+          </mc:Fallback>
+        </mc:AlternateContent>
+        <mc:AlternateContent xmlns:mc="http://schemas.openxmlformats.org/markup-compatibility/2006" xmlns:p14="http://schemas.microsoft.com/office/powerpoint/2010/main">
+          <mc:Choice Requires="p14">
+            <p:contentPart p14:bwMode="auto" r:id="rId54">
+              <p14:nvContentPartPr>
+                <p14:cNvPr id="29" name="Ink 28">
+                  <a:extLst>
+                    <a:ext uri="{FF2B5EF4-FFF2-40B4-BE49-F238E27FC236}">
+                      <a16:creationId xmlns:a16="http://schemas.microsoft.com/office/drawing/2014/main" id="{A9615C34-4E6F-4F63-9B36-954A0F87FF1E}"/>
+                    </a:ext>
+                  </a:extLst>
+                </p14:cNvPr>
+                <p14:cNvContentPartPr/>
+                <p14:nvPr/>
+              </p14:nvContentPartPr>
+              <p14:xfrm>
+                <a:off x="3126034" y="4706664"/>
+                <a:ext cx="285120" cy="174240"/>
+              </p14:xfrm>
+            </p:contentPart>
+          </mc:Choice>
+          <mc:Fallback xmlns="">
+            <p:pic>
+              <p:nvPicPr>
+                <p:cNvPr id="29" name="Ink 28">
+                  <a:extLst>
+                    <a:ext uri="{FF2B5EF4-FFF2-40B4-BE49-F238E27FC236}">
+                      <a16:creationId xmlns:a16="http://schemas.microsoft.com/office/drawing/2014/main" id="{A9615C34-4E6F-4F63-9B36-954A0F87FF1E}"/>
+                    </a:ext>
+                  </a:extLst>
+                </p:cNvPr>
+                <p:cNvPicPr/>
+                <p:nvPr/>
+              </p:nvPicPr>
+              <p:blipFill>
+                <a:blip r:embed="rId55"/>
+                <a:stretch>
+                  <a:fillRect/>
+                </a:stretch>
+              </p:blipFill>
+              <p:spPr>
+                <a:xfrm>
+                  <a:off x="3117394" y="4698024"/>
+                  <a:ext cx="302760" cy="191880"/>
+                </a:xfrm>
+                <a:prstGeom prst="rect">
+                  <a:avLst/>
+                </a:prstGeom>
+              </p:spPr>
+            </p:pic>
+          </mc:Fallback>
+        </mc:AlternateContent>
+        <mc:AlternateContent xmlns:mc="http://schemas.openxmlformats.org/markup-compatibility/2006" xmlns:p14="http://schemas.microsoft.com/office/powerpoint/2010/main">
+          <mc:Choice Requires="p14">
+            <p:contentPart p14:bwMode="auto" r:id="rId56">
+              <p14:nvContentPartPr>
+                <p14:cNvPr id="30" name="Ink 29">
+                  <a:extLst>
+                    <a:ext uri="{FF2B5EF4-FFF2-40B4-BE49-F238E27FC236}">
+                      <a16:creationId xmlns:a16="http://schemas.microsoft.com/office/drawing/2014/main" id="{3747D301-184B-4D4B-8CF8-F471B4939FBA}"/>
+                    </a:ext>
+                  </a:extLst>
+                </p14:cNvPr>
+                <p14:cNvContentPartPr/>
+                <p14:nvPr/>
+              </p14:nvContentPartPr>
+              <p14:xfrm>
+                <a:off x="2901394" y="4845984"/>
+                <a:ext cx="718920" cy="357480"/>
+              </p14:xfrm>
+            </p:contentPart>
+          </mc:Choice>
+          <mc:Fallback xmlns="">
+            <p:pic>
+              <p:nvPicPr>
+                <p:cNvPr id="30" name="Ink 29">
+                  <a:extLst>
+                    <a:ext uri="{FF2B5EF4-FFF2-40B4-BE49-F238E27FC236}">
+                      <a16:creationId xmlns:a16="http://schemas.microsoft.com/office/drawing/2014/main" id="{3747D301-184B-4D4B-8CF8-F471B4939FBA}"/>
+                    </a:ext>
+                  </a:extLst>
+                </p:cNvPr>
+                <p:cNvPicPr/>
+                <p:nvPr/>
+              </p:nvPicPr>
+              <p:blipFill>
+                <a:blip r:embed="rId57"/>
+                <a:stretch>
+                  <a:fillRect/>
+                </a:stretch>
+              </p:blipFill>
+              <p:spPr>
+                <a:xfrm>
+                  <a:off x="2892394" y="4836984"/>
+                  <a:ext cx="736560" cy="375120"/>
+                </a:xfrm>
+                <a:prstGeom prst="rect">
+                  <a:avLst/>
+                </a:prstGeom>
+              </p:spPr>
+            </p:pic>
+          </mc:Fallback>
+        </mc:AlternateContent>
+        <mc:AlternateContent xmlns:mc="http://schemas.openxmlformats.org/markup-compatibility/2006" xmlns:p14="http://schemas.microsoft.com/office/powerpoint/2010/main">
+          <mc:Choice Requires="p14">
+            <p:contentPart p14:bwMode="auto" r:id="rId58">
+              <p14:nvContentPartPr>
+                <p14:cNvPr id="31" name="Ink 30">
+                  <a:extLst>
+                    <a:ext uri="{FF2B5EF4-FFF2-40B4-BE49-F238E27FC236}">
+                      <a16:creationId xmlns:a16="http://schemas.microsoft.com/office/drawing/2014/main" id="{7AE089B3-C815-493C-8A2F-550FB8DB1C68}"/>
+                    </a:ext>
+                  </a:extLst>
+                </p14:cNvPr>
+                <p14:cNvContentPartPr/>
+                <p14:nvPr/>
+              </p14:nvContentPartPr>
+              <p14:xfrm>
+                <a:off x="3086434" y="5177904"/>
+                <a:ext cx="228240" cy="268200"/>
+              </p14:xfrm>
+            </p:contentPart>
+          </mc:Choice>
+          <mc:Fallback xmlns="">
+            <p:pic>
+              <p:nvPicPr>
+                <p:cNvPr id="31" name="Ink 30">
+                  <a:extLst>
+                    <a:ext uri="{FF2B5EF4-FFF2-40B4-BE49-F238E27FC236}">
+                      <a16:creationId xmlns:a16="http://schemas.microsoft.com/office/drawing/2014/main" id="{7AE089B3-C815-493C-8A2F-550FB8DB1C68}"/>
+                    </a:ext>
+                  </a:extLst>
+                </p:cNvPr>
+                <p:cNvPicPr/>
+                <p:nvPr/>
+              </p:nvPicPr>
+              <p:blipFill>
+                <a:blip r:embed="rId59"/>
+                <a:stretch>
+                  <a:fillRect/>
+                </a:stretch>
+              </p:blipFill>
+              <p:spPr>
+                <a:xfrm>
+                  <a:off x="3077794" y="5168904"/>
+                  <a:ext cx="245880" cy="285840"/>
+                </a:xfrm>
+                <a:prstGeom prst="rect">
+                  <a:avLst/>
+                </a:prstGeom>
+              </p:spPr>
+            </p:pic>
+          </mc:Fallback>
+        </mc:AlternateContent>
+        <mc:AlternateContent xmlns:mc="http://schemas.openxmlformats.org/markup-compatibility/2006" xmlns:p14="http://schemas.microsoft.com/office/powerpoint/2010/main">
+          <mc:Choice Requires="p14">
+            <p:contentPart p14:bwMode="auto" r:id="rId60">
+              <p14:nvContentPartPr>
+                <p14:cNvPr id="32" name="Ink 31">
+                  <a:extLst>
+                    <a:ext uri="{FF2B5EF4-FFF2-40B4-BE49-F238E27FC236}">
+                      <a16:creationId xmlns:a16="http://schemas.microsoft.com/office/drawing/2014/main" id="{E38338CE-CED4-4E28-B366-2D3F30D5E8FD}"/>
+                    </a:ext>
+                  </a:extLst>
+                </p14:cNvPr>
+                <p14:cNvContentPartPr/>
+                <p14:nvPr/>
+              </p14:nvContentPartPr>
+              <p14:xfrm>
+                <a:off x="2976634" y="5105184"/>
+                <a:ext cx="312840" cy="408960"/>
+              </p14:xfrm>
+            </p:contentPart>
+          </mc:Choice>
+          <mc:Fallback xmlns="">
+            <p:pic>
+              <p:nvPicPr>
+                <p:cNvPr id="32" name="Ink 31">
+                  <a:extLst>
+                    <a:ext uri="{FF2B5EF4-FFF2-40B4-BE49-F238E27FC236}">
+                      <a16:creationId xmlns:a16="http://schemas.microsoft.com/office/drawing/2014/main" id="{E38338CE-CED4-4E28-B366-2D3F30D5E8FD}"/>
+                    </a:ext>
+                  </a:extLst>
+                </p:cNvPr>
+                <p:cNvPicPr/>
+                <p:nvPr/>
+              </p:nvPicPr>
+              <p:blipFill>
+                <a:blip r:embed="rId61"/>
+                <a:stretch>
+                  <a:fillRect/>
+                </a:stretch>
+              </p:blipFill>
+              <p:spPr>
+                <a:xfrm>
+                  <a:off x="2967994" y="5096544"/>
+                  <a:ext cx="330480" cy="426600"/>
+                </a:xfrm>
+                <a:prstGeom prst="rect">
+                  <a:avLst/>
+                </a:prstGeom>
+              </p:spPr>
+            </p:pic>
+          </mc:Fallback>
+        </mc:AlternateContent>
+        <mc:AlternateContent xmlns:mc="http://schemas.openxmlformats.org/markup-compatibility/2006" xmlns:p14="http://schemas.microsoft.com/office/powerpoint/2010/main">
+          <mc:Choice Requires="p14">
+            <p:contentPart p14:bwMode="auto" r:id="rId62">
+              <p14:nvContentPartPr>
+                <p14:cNvPr id="33" name="Ink 32">
+                  <a:extLst>
+                    <a:ext uri="{FF2B5EF4-FFF2-40B4-BE49-F238E27FC236}">
+                      <a16:creationId xmlns:a16="http://schemas.microsoft.com/office/drawing/2014/main" id="{C6FA9B8D-B4A6-48A2-BBA9-A97C35C18EE2}"/>
+                    </a:ext>
+                  </a:extLst>
+                </p14:cNvPr>
+                <p14:cNvContentPartPr/>
+                <p14:nvPr/>
+              </p14:nvContentPartPr>
+              <p14:xfrm>
+                <a:off x="2927314" y="4723944"/>
+                <a:ext cx="149760" cy="572040"/>
+              </p14:xfrm>
+            </p:contentPart>
+          </mc:Choice>
+          <mc:Fallback xmlns="">
+            <p:pic>
+              <p:nvPicPr>
+                <p:cNvPr id="33" name="Ink 32">
+                  <a:extLst>
+                    <a:ext uri="{FF2B5EF4-FFF2-40B4-BE49-F238E27FC236}">
+                      <a16:creationId xmlns:a16="http://schemas.microsoft.com/office/drawing/2014/main" id="{C6FA9B8D-B4A6-48A2-BBA9-A97C35C18EE2}"/>
+                    </a:ext>
+                  </a:extLst>
+                </p:cNvPr>
+                <p:cNvPicPr/>
+                <p:nvPr/>
+              </p:nvPicPr>
+              <p:blipFill>
+                <a:blip r:embed="rId63"/>
+                <a:stretch>
+                  <a:fillRect/>
+                </a:stretch>
+              </p:blipFill>
+              <p:spPr>
+                <a:xfrm>
+                  <a:off x="2918314" y="4714944"/>
+                  <a:ext cx="167400" cy="589680"/>
+                </a:xfrm>
+                <a:prstGeom prst="rect">
+                  <a:avLst/>
+                </a:prstGeom>
+              </p:spPr>
+            </p:pic>
+          </mc:Fallback>
+        </mc:AlternateContent>
+        <mc:AlternateContent xmlns:mc="http://schemas.openxmlformats.org/markup-compatibility/2006" xmlns:p14="http://schemas.microsoft.com/office/powerpoint/2010/main">
+          <mc:Choice Requires="p14">
+            <p:contentPart p14:bwMode="auto" r:id="rId64">
+              <p14:nvContentPartPr>
+                <p14:cNvPr id="34" name="Ink 33">
+                  <a:extLst>
+                    <a:ext uri="{FF2B5EF4-FFF2-40B4-BE49-F238E27FC236}">
+                      <a16:creationId xmlns:a16="http://schemas.microsoft.com/office/drawing/2014/main" id="{DD65F56C-B8CF-4012-B8CA-A7C86DACB83A}"/>
+                    </a:ext>
+                  </a:extLst>
+                </p14:cNvPr>
+                <p14:cNvContentPartPr/>
+                <p14:nvPr/>
+              </p14:nvContentPartPr>
+              <p14:xfrm>
+                <a:off x="2859274" y="5942904"/>
+                <a:ext cx="121680" cy="86040"/>
+              </p14:xfrm>
+            </p:contentPart>
+          </mc:Choice>
+          <mc:Fallback xmlns="">
+            <p:pic>
+              <p:nvPicPr>
+                <p:cNvPr id="34" name="Ink 33">
+                  <a:extLst>
+                    <a:ext uri="{FF2B5EF4-FFF2-40B4-BE49-F238E27FC236}">
+                      <a16:creationId xmlns:a16="http://schemas.microsoft.com/office/drawing/2014/main" id="{DD65F56C-B8CF-4012-B8CA-A7C86DACB83A}"/>
+                    </a:ext>
+                  </a:extLst>
+                </p:cNvPr>
+                <p:cNvPicPr/>
+                <p:nvPr/>
+              </p:nvPicPr>
+              <p:blipFill>
+                <a:blip r:embed="rId65"/>
+                <a:stretch>
+                  <a:fillRect/>
+                </a:stretch>
+              </p:blipFill>
+              <p:spPr>
+                <a:xfrm>
+                  <a:off x="2850274" y="5934264"/>
+                  <a:ext cx="139320" cy="103680"/>
+                </a:xfrm>
+                <a:prstGeom prst="rect">
+                  <a:avLst/>
+                </a:prstGeom>
+              </p:spPr>
+            </p:pic>
+          </mc:Fallback>
+        </mc:AlternateContent>
+        <mc:AlternateContent xmlns:mc="http://schemas.openxmlformats.org/markup-compatibility/2006" xmlns:p14="http://schemas.microsoft.com/office/powerpoint/2010/main">
+          <mc:Choice Requires="p14">
+            <p:contentPart p14:bwMode="auto" r:id="rId66">
+              <p14:nvContentPartPr>
+                <p14:cNvPr id="35" name="Ink 34">
+                  <a:extLst>
+                    <a:ext uri="{FF2B5EF4-FFF2-40B4-BE49-F238E27FC236}">
+                      <a16:creationId xmlns:a16="http://schemas.microsoft.com/office/drawing/2014/main" id="{14C4DF94-9334-4293-AEAC-D6F6B0C79CD2}"/>
+                    </a:ext>
+                  </a:extLst>
+                </p14:cNvPr>
+                <p14:cNvContentPartPr/>
+                <p14:nvPr/>
+              </p14:nvContentPartPr>
+              <p14:xfrm>
+                <a:off x="2853514" y="5857944"/>
+                <a:ext cx="130320" cy="68760"/>
+              </p14:xfrm>
+            </p:contentPart>
+          </mc:Choice>
+          <mc:Fallback xmlns="">
+            <p:pic>
+              <p:nvPicPr>
+                <p:cNvPr id="35" name="Ink 34">
+                  <a:extLst>
+                    <a:ext uri="{FF2B5EF4-FFF2-40B4-BE49-F238E27FC236}">
+                      <a16:creationId xmlns:a16="http://schemas.microsoft.com/office/drawing/2014/main" id="{14C4DF94-9334-4293-AEAC-D6F6B0C79CD2}"/>
+                    </a:ext>
+                  </a:extLst>
+                </p:cNvPr>
+                <p:cNvPicPr/>
+                <p:nvPr/>
+              </p:nvPicPr>
+              <p:blipFill>
+                <a:blip r:embed="rId67"/>
+                <a:stretch>
+                  <a:fillRect/>
+                </a:stretch>
+              </p:blipFill>
+              <p:spPr>
+                <a:xfrm>
+                  <a:off x="2844874" y="5848944"/>
+                  <a:ext cx="147960" cy="86400"/>
+                </a:xfrm>
+                <a:prstGeom prst="rect">
+                  <a:avLst/>
+                </a:prstGeom>
+              </p:spPr>
+            </p:pic>
+          </mc:Fallback>
+        </mc:AlternateContent>
+        <mc:AlternateContent xmlns:mc="http://schemas.openxmlformats.org/markup-compatibility/2006" xmlns:p14="http://schemas.microsoft.com/office/powerpoint/2010/main">
+          <mc:Choice Requires="p14">
+            <p:contentPart p14:bwMode="auto" r:id="rId68">
+              <p14:nvContentPartPr>
+                <p14:cNvPr id="36" name="Ink 35">
+                  <a:extLst>
+                    <a:ext uri="{FF2B5EF4-FFF2-40B4-BE49-F238E27FC236}">
+                      <a16:creationId xmlns:a16="http://schemas.microsoft.com/office/drawing/2014/main" id="{D611E48D-89BE-4B16-9043-55EB6336D725}"/>
+                    </a:ext>
+                  </a:extLst>
+                </p14:cNvPr>
+                <p14:cNvContentPartPr/>
+                <p14:nvPr/>
+              </p14:nvContentPartPr>
+              <p14:xfrm>
+                <a:off x="2437354" y="5922384"/>
+                <a:ext cx="167400" cy="504000"/>
+              </p14:xfrm>
+            </p:contentPart>
+          </mc:Choice>
+          <mc:Fallback xmlns="">
+            <p:pic>
+              <p:nvPicPr>
+                <p:cNvPr id="36" name="Ink 35">
+                  <a:extLst>
+                    <a:ext uri="{FF2B5EF4-FFF2-40B4-BE49-F238E27FC236}">
+                      <a16:creationId xmlns:a16="http://schemas.microsoft.com/office/drawing/2014/main" id="{D611E48D-89BE-4B16-9043-55EB6336D725}"/>
+                    </a:ext>
+                  </a:extLst>
+                </p:cNvPr>
+                <p:cNvPicPr/>
+                <p:nvPr/>
+              </p:nvPicPr>
+              <p:blipFill>
+                <a:blip r:embed="rId69"/>
+                <a:stretch>
+                  <a:fillRect/>
+                </a:stretch>
+              </p:blipFill>
+              <p:spPr>
+                <a:xfrm>
+                  <a:off x="2428354" y="5913384"/>
+                  <a:ext cx="185040" cy="521640"/>
+                </a:xfrm>
+                <a:prstGeom prst="rect">
+                  <a:avLst/>
+                </a:prstGeom>
+              </p:spPr>
+            </p:pic>
+          </mc:Fallback>
+        </mc:AlternateContent>
+        <mc:AlternateContent xmlns:mc="http://schemas.openxmlformats.org/markup-compatibility/2006" xmlns:p14="http://schemas.microsoft.com/office/powerpoint/2010/main">
+          <mc:Choice Requires="p14">
+            <p:contentPart p14:bwMode="auto" r:id="rId70">
+              <p14:nvContentPartPr>
+                <p14:cNvPr id="37" name="Ink 36">
+                  <a:extLst>
+                    <a:ext uri="{FF2B5EF4-FFF2-40B4-BE49-F238E27FC236}">
+                      <a16:creationId xmlns:a16="http://schemas.microsoft.com/office/drawing/2014/main" id="{EE637403-FF78-473C-AFB1-03DF4F271FC4}"/>
+                    </a:ext>
+                  </a:extLst>
+                </p14:cNvPr>
+                <p14:cNvContentPartPr/>
+                <p14:nvPr/>
+              </p14:nvContentPartPr>
+              <p14:xfrm>
+                <a:off x="3222154" y="5880984"/>
+                <a:ext cx="177120" cy="65880"/>
+              </p14:xfrm>
+            </p:contentPart>
+          </mc:Choice>
+          <mc:Fallback xmlns="">
+            <p:pic>
+              <p:nvPicPr>
+                <p:cNvPr id="37" name="Ink 36">
+                  <a:extLst>
+                    <a:ext uri="{FF2B5EF4-FFF2-40B4-BE49-F238E27FC236}">
+                      <a16:creationId xmlns:a16="http://schemas.microsoft.com/office/drawing/2014/main" id="{EE637403-FF78-473C-AFB1-03DF4F271FC4}"/>
+                    </a:ext>
+                  </a:extLst>
+                </p:cNvPr>
+                <p:cNvPicPr/>
+                <p:nvPr/>
+              </p:nvPicPr>
+              <p:blipFill>
+                <a:blip r:embed="rId71"/>
+                <a:stretch>
+                  <a:fillRect/>
+                </a:stretch>
+              </p:blipFill>
+              <p:spPr>
+                <a:xfrm>
+                  <a:off x="3213514" y="5871984"/>
+                  <a:ext cx="194760" cy="83520"/>
+                </a:xfrm>
+                <a:prstGeom prst="rect">
+                  <a:avLst/>
+                </a:prstGeom>
+              </p:spPr>
+            </p:pic>
+          </mc:Fallback>
+        </mc:AlternateContent>
+        <mc:AlternateContent xmlns:mc="http://schemas.openxmlformats.org/markup-compatibility/2006" xmlns:p14="http://schemas.microsoft.com/office/powerpoint/2010/main">
+          <mc:Choice Requires="p14">
+            <p:contentPart p14:bwMode="auto" r:id="rId72">
+              <p14:nvContentPartPr>
+                <p14:cNvPr id="38" name="Ink 37">
+                  <a:extLst>
+                    <a:ext uri="{FF2B5EF4-FFF2-40B4-BE49-F238E27FC236}">
+                      <a16:creationId xmlns:a16="http://schemas.microsoft.com/office/drawing/2014/main" id="{579DE39E-829D-45D9-ABB3-163F49200D70}"/>
+                    </a:ext>
+                  </a:extLst>
+                </p14:cNvPr>
+                <p14:cNvContentPartPr/>
+                <p14:nvPr/>
+              </p14:nvContentPartPr>
+              <p14:xfrm>
+                <a:off x="3497914" y="5515944"/>
+                <a:ext cx="252720" cy="292680"/>
+              </p14:xfrm>
+            </p:contentPart>
+          </mc:Choice>
+          <mc:Fallback xmlns="">
+            <p:pic>
+              <p:nvPicPr>
+                <p:cNvPr id="38" name="Ink 37">
+                  <a:extLst>
+                    <a:ext uri="{FF2B5EF4-FFF2-40B4-BE49-F238E27FC236}">
+                      <a16:creationId xmlns:a16="http://schemas.microsoft.com/office/drawing/2014/main" id="{579DE39E-829D-45D9-ABB3-163F49200D70}"/>
+                    </a:ext>
+                  </a:extLst>
+                </p:cNvPr>
+                <p:cNvPicPr/>
+                <p:nvPr/>
+              </p:nvPicPr>
+              <p:blipFill>
+                <a:blip r:embed="rId73"/>
+                <a:stretch>
+                  <a:fillRect/>
+                </a:stretch>
+              </p:blipFill>
+              <p:spPr>
+                <a:xfrm>
+                  <a:off x="3489274" y="5507304"/>
+                  <a:ext cx="270360" cy="310320"/>
+                </a:xfrm>
+                <a:prstGeom prst="rect">
+                  <a:avLst/>
+                </a:prstGeom>
+              </p:spPr>
+            </p:pic>
+          </mc:Fallback>
+        </mc:AlternateContent>
+        <mc:AlternateContent xmlns:mc="http://schemas.openxmlformats.org/markup-compatibility/2006" xmlns:p14="http://schemas.microsoft.com/office/powerpoint/2010/main">
+          <mc:Choice Requires="p14">
+            <p:contentPart p14:bwMode="auto" r:id="rId74">
+              <p14:nvContentPartPr>
+                <p14:cNvPr id="39" name="Ink 38">
+                  <a:extLst>
+                    <a:ext uri="{FF2B5EF4-FFF2-40B4-BE49-F238E27FC236}">
+                      <a16:creationId xmlns:a16="http://schemas.microsoft.com/office/drawing/2014/main" id="{DBA0BDB8-6CD5-499E-A427-D47164C3EA5A}"/>
+                    </a:ext>
+                  </a:extLst>
+                </p14:cNvPr>
+                <p14:cNvContentPartPr/>
+                <p14:nvPr/>
+              </p14:nvContentPartPr>
+              <p14:xfrm>
+                <a:off x="3976714" y="5417664"/>
+                <a:ext cx="47880" cy="156960"/>
+              </p14:xfrm>
+            </p:contentPart>
+          </mc:Choice>
+          <mc:Fallback xmlns="">
+            <p:pic>
+              <p:nvPicPr>
+                <p:cNvPr id="39" name="Ink 38">
+                  <a:extLst>
+                    <a:ext uri="{FF2B5EF4-FFF2-40B4-BE49-F238E27FC236}">
+                      <a16:creationId xmlns:a16="http://schemas.microsoft.com/office/drawing/2014/main" id="{DBA0BDB8-6CD5-499E-A427-D47164C3EA5A}"/>
+                    </a:ext>
+                  </a:extLst>
+                </p:cNvPr>
+                <p:cNvPicPr/>
+                <p:nvPr/>
+              </p:nvPicPr>
+              <p:blipFill>
+                <a:blip r:embed="rId75"/>
+                <a:stretch>
+                  <a:fillRect/>
+                </a:stretch>
+              </p:blipFill>
+              <p:spPr>
+                <a:xfrm>
+                  <a:off x="3967714" y="5408664"/>
+                  <a:ext cx="65520" cy="174600"/>
+                </a:xfrm>
+                <a:prstGeom prst="rect">
+                  <a:avLst/>
+                </a:prstGeom>
+              </p:spPr>
+            </p:pic>
+          </mc:Fallback>
+        </mc:AlternateContent>
+        <mc:AlternateContent xmlns:mc="http://schemas.openxmlformats.org/markup-compatibility/2006" xmlns:p14="http://schemas.microsoft.com/office/powerpoint/2010/main">
+          <mc:Choice Requires="p14">
+            <p:contentPart p14:bwMode="auto" r:id="rId76">
+              <p14:nvContentPartPr>
+                <p14:cNvPr id="40" name="Ink 39">
+                  <a:extLst>
+                    <a:ext uri="{FF2B5EF4-FFF2-40B4-BE49-F238E27FC236}">
+                      <a16:creationId xmlns:a16="http://schemas.microsoft.com/office/drawing/2014/main" id="{F6C0C6D7-ED8A-4002-9F54-5F8D02025A9B}"/>
+                    </a:ext>
+                  </a:extLst>
+                </p14:cNvPr>
+                <p14:cNvContentPartPr/>
+                <p14:nvPr/>
+              </p14:nvContentPartPr>
+              <p14:xfrm>
+                <a:off x="3901114" y="5257104"/>
+                <a:ext cx="651240" cy="291600"/>
+              </p14:xfrm>
+            </p:contentPart>
+          </mc:Choice>
+          <mc:Fallback xmlns="">
+            <p:pic>
+              <p:nvPicPr>
+                <p:cNvPr id="40" name="Ink 39">
+                  <a:extLst>
+                    <a:ext uri="{FF2B5EF4-FFF2-40B4-BE49-F238E27FC236}">
+                      <a16:creationId xmlns:a16="http://schemas.microsoft.com/office/drawing/2014/main" id="{F6C0C6D7-ED8A-4002-9F54-5F8D02025A9B}"/>
+                    </a:ext>
+                  </a:extLst>
+                </p:cNvPr>
+                <p:cNvPicPr/>
+                <p:nvPr/>
+              </p:nvPicPr>
+              <p:blipFill>
+                <a:blip r:embed="rId77"/>
+                <a:stretch>
+                  <a:fillRect/>
+                </a:stretch>
+              </p:blipFill>
+              <p:spPr>
+                <a:xfrm>
+                  <a:off x="3892474" y="5248464"/>
+                  <a:ext cx="668880" cy="309240"/>
+                </a:xfrm>
+                <a:prstGeom prst="rect">
+                  <a:avLst/>
+                </a:prstGeom>
+              </p:spPr>
+            </p:pic>
+          </mc:Fallback>
+        </mc:AlternateContent>
+        <mc:AlternateContent xmlns:mc="http://schemas.openxmlformats.org/markup-compatibility/2006" xmlns:p14="http://schemas.microsoft.com/office/powerpoint/2010/main">
+          <mc:Choice Requires="p14">
+            <p:contentPart p14:bwMode="auto" r:id="rId78">
+              <p14:nvContentPartPr>
+                <p14:cNvPr id="41" name="Ink 40">
+                  <a:extLst>
+                    <a:ext uri="{FF2B5EF4-FFF2-40B4-BE49-F238E27FC236}">
+                      <a16:creationId xmlns:a16="http://schemas.microsoft.com/office/drawing/2014/main" id="{52D06CB1-A13E-426F-AE3C-686B6329BF2B}"/>
+                    </a:ext>
+                  </a:extLst>
+                </p14:cNvPr>
+                <p14:cNvContentPartPr/>
+                <p14:nvPr/>
+              </p14:nvContentPartPr>
+              <p14:xfrm>
+                <a:off x="3317554" y="5612784"/>
+                <a:ext cx="79920" cy="236160"/>
+              </p14:xfrm>
+            </p:contentPart>
+          </mc:Choice>
+          <mc:Fallback xmlns="">
+            <p:pic>
+              <p:nvPicPr>
+                <p:cNvPr id="41" name="Ink 40">
+                  <a:extLst>
+                    <a:ext uri="{FF2B5EF4-FFF2-40B4-BE49-F238E27FC236}">
+                      <a16:creationId xmlns:a16="http://schemas.microsoft.com/office/drawing/2014/main" id="{52D06CB1-A13E-426F-AE3C-686B6329BF2B}"/>
+                    </a:ext>
+                  </a:extLst>
+                </p:cNvPr>
+                <p:cNvPicPr/>
+                <p:nvPr/>
+              </p:nvPicPr>
+              <p:blipFill>
+                <a:blip r:embed="rId79"/>
+                <a:stretch>
+                  <a:fillRect/>
+                </a:stretch>
+              </p:blipFill>
+              <p:spPr>
+                <a:xfrm>
+                  <a:off x="3308554" y="5604144"/>
+                  <a:ext cx="97560" cy="253800"/>
+                </a:xfrm>
+                <a:prstGeom prst="rect">
+                  <a:avLst/>
+                </a:prstGeom>
+              </p:spPr>
+            </p:pic>
+          </mc:Fallback>
+        </mc:AlternateContent>
+        <mc:AlternateContent xmlns:mc="http://schemas.openxmlformats.org/markup-compatibility/2006" xmlns:p14="http://schemas.microsoft.com/office/powerpoint/2010/main">
+          <mc:Choice Requires="p14">
+            <p:contentPart p14:bwMode="auto" r:id="rId80">
+              <p14:nvContentPartPr>
+                <p14:cNvPr id="43" name="Ink 42">
+                  <a:extLst>
+                    <a:ext uri="{FF2B5EF4-FFF2-40B4-BE49-F238E27FC236}">
+                      <a16:creationId xmlns:a16="http://schemas.microsoft.com/office/drawing/2014/main" id="{4981016B-D749-4C70-AD47-CB479A667F6A}"/>
+                    </a:ext>
+                  </a:extLst>
+                </p14:cNvPr>
+                <p14:cNvContentPartPr/>
+                <p14:nvPr/>
+              </p14:nvContentPartPr>
+              <p14:xfrm>
+                <a:off x="3132154" y="5843184"/>
+                <a:ext cx="112680" cy="57240"/>
+              </p14:xfrm>
+            </p:contentPart>
+          </mc:Choice>
+          <mc:Fallback xmlns="">
+            <p:pic>
+              <p:nvPicPr>
+                <p:cNvPr id="43" name="Ink 42">
+                  <a:extLst>
+                    <a:ext uri="{FF2B5EF4-FFF2-40B4-BE49-F238E27FC236}">
+                      <a16:creationId xmlns:a16="http://schemas.microsoft.com/office/drawing/2014/main" id="{4981016B-D749-4C70-AD47-CB479A667F6A}"/>
+                    </a:ext>
+                  </a:extLst>
+                </p:cNvPr>
+                <p:cNvPicPr/>
+                <p:nvPr/>
+              </p:nvPicPr>
+              <p:blipFill>
+                <a:blip r:embed="rId81"/>
+                <a:stretch>
+                  <a:fillRect/>
+                </a:stretch>
+              </p:blipFill>
+              <p:spPr>
+                <a:xfrm>
+                  <a:off x="3123154" y="5834184"/>
+                  <a:ext cx="130320" cy="74880"/>
+                </a:xfrm>
+                <a:prstGeom prst="rect">
+                  <a:avLst/>
+                </a:prstGeom>
+              </p:spPr>
+            </p:pic>
+          </mc:Fallback>
+        </mc:AlternateContent>
+        <mc:AlternateContent xmlns:mc="http://schemas.openxmlformats.org/markup-compatibility/2006" xmlns:p14="http://schemas.microsoft.com/office/powerpoint/2010/main">
+          <mc:Choice Requires="p14">
+            <p:contentPart p14:bwMode="auto" r:id="rId82">
+              <p14:nvContentPartPr>
+                <p14:cNvPr id="45" name="Ink 44">
+                  <a:extLst>
+                    <a:ext uri="{FF2B5EF4-FFF2-40B4-BE49-F238E27FC236}">
+                      <a16:creationId xmlns:a16="http://schemas.microsoft.com/office/drawing/2014/main" id="{2A2744FA-9538-4037-B4B6-DD0F35C34AB5}"/>
+                    </a:ext>
+                  </a:extLst>
+                </p14:cNvPr>
+                <p14:cNvContentPartPr/>
+                <p14:nvPr/>
+              </p14:nvContentPartPr>
+              <p14:xfrm>
+                <a:off x="3599074" y="6360504"/>
+                <a:ext cx="246960" cy="210960"/>
+              </p14:xfrm>
+            </p:contentPart>
+          </mc:Choice>
+          <mc:Fallback xmlns="">
+            <p:pic>
+              <p:nvPicPr>
+                <p:cNvPr id="45" name="Ink 44">
+                  <a:extLst>
+                    <a:ext uri="{FF2B5EF4-FFF2-40B4-BE49-F238E27FC236}">
+                      <a16:creationId xmlns:a16="http://schemas.microsoft.com/office/drawing/2014/main" id="{2A2744FA-9538-4037-B4B6-DD0F35C34AB5}"/>
+                    </a:ext>
+                  </a:extLst>
+                </p:cNvPr>
+                <p:cNvPicPr/>
+                <p:nvPr/>
+              </p:nvPicPr>
+              <p:blipFill>
+                <a:blip r:embed="rId83"/>
+                <a:stretch>
+                  <a:fillRect/>
+                </a:stretch>
+              </p:blipFill>
+              <p:spPr>
+                <a:xfrm>
+                  <a:off x="3590074" y="6351864"/>
+                  <a:ext cx="264600" cy="228600"/>
+                </a:xfrm>
+                <a:prstGeom prst="rect">
+                  <a:avLst/>
+                </a:prstGeom>
+              </p:spPr>
+            </p:pic>
+          </mc:Fallback>
+        </mc:AlternateContent>
+        <mc:AlternateContent xmlns:mc="http://schemas.openxmlformats.org/markup-compatibility/2006" xmlns:p14="http://schemas.microsoft.com/office/powerpoint/2010/main">
+          <mc:Choice Requires="p14">
+            <p:contentPart p14:bwMode="auto" r:id="rId84">
+              <p14:nvContentPartPr>
+                <p14:cNvPr id="46" name="Ink 45">
+                  <a:extLst>
+                    <a:ext uri="{FF2B5EF4-FFF2-40B4-BE49-F238E27FC236}">
+                      <a16:creationId xmlns:a16="http://schemas.microsoft.com/office/drawing/2014/main" id="{17057025-9C02-4769-98EE-54B8C5B84C10}"/>
+                    </a:ext>
+                  </a:extLst>
+                </p14:cNvPr>
+                <p14:cNvContentPartPr/>
+                <p14:nvPr/>
+              </p14:nvContentPartPr>
+              <p14:xfrm>
+                <a:off x="3930994" y="6403344"/>
+                <a:ext cx="117720" cy="113760"/>
+              </p14:xfrm>
+            </p:contentPart>
+          </mc:Choice>
+          <mc:Fallback xmlns="">
+            <p:pic>
+              <p:nvPicPr>
+                <p:cNvPr id="46" name="Ink 45">
+                  <a:extLst>
+                    <a:ext uri="{FF2B5EF4-FFF2-40B4-BE49-F238E27FC236}">
+                      <a16:creationId xmlns:a16="http://schemas.microsoft.com/office/drawing/2014/main" id="{17057025-9C02-4769-98EE-54B8C5B84C10}"/>
+                    </a:ext>
+                  </a:extLst>
+                </p:cNvPr>
+                <p:cNvPicPr/>
+                <p:nvPr/>
+              </p:nvPicPr>
+              <p:blipFill>
+                <a:blip r:embed="rId85"/>
+                <a:stretch>
+                  <a:fillRect/>
+                </a:stretch>
+              </p:blipFill>
+              <p:spPr>
+                <a:xfrm>
+                  <a:off x="3921994" y="6394704"/>
+                  <a:ext cx="135360" cy="131400"/>
+                </a:xfrm>
+                <a:prstGeom prst="rect">
+                  <a:avLst/>
+                </a:prstGeom>
+              </p:spPr>
+            </p:pic>
+          </mc:Fallback>
+        </mc:AlternateContent>
+        <mc:AlternateContent xmlns:mc="http://schemas.openxmlformats.org/markup-compatibility/2006" xmlns:p14="http://schemas.microsoft.com/office/powerpoint/2010/main">
+          <mc:Choice Requires="p14">
+            <p:contentPart p14:bwMode="auto" r:id="rId86">
+              <p14:nvContentPartPr>
+                <p14:cNvPr id="47" name="Ink 46">
+                  <a:extLst>
+                    <a:ext uri="{FF2B5EF4-FFF2-40B4-BE49-F238E27FC236}">
+                      <a16:creationId xmlns:a16="http://schemas.microsoft.com/office/drawing/2014/main" id="{477376E1-5322-4C72-B786-0279DB0C3CF7}"/>
+                    </a:ext>
+                  </a:extLst>
+                </p14:cNvPr>
+                <p14:cNvContentPartPr/>
+                <p14:nvPr/>
+              </p14:nvContentPartPr>
+              <p14:xfrm>
+                <a:off x="4155994" y="6139464"/>
+                <a:ext cx="271080" cy="252720"/>
+              </p14:xfrm>
+            </p:contentPart>
+          </mc:Choice>
+          <mc:Fallback xmlns="">
+            <p:pic>
+              <p:nvPicPr>
+                <p:cNvPr id="47" name="Ink 46">
+                  <a:extLst>
+                    <a:ext uri="{FF2B5EF4-FFF2-40B4-BE49-F238E27FC236}">
+                      <a16:creationId xmlns:a16="http://schemas.microsoft.com/office/drawing/2014/main" id="{477376E1-5322-4C72-B786-0279DB0C3CF7}"/>
+                    </a:ext>
+                  </a:extLst>
+                </p:cNvPr>
+                <p:cNvPicPr/>
+                <p:nvPr/>
+              </p:nvPicPr>
+              <p:blipFill>
+                <a:blip r:embed="rId87"/>
+                <a:stretch>
+                  <a:fillRect/>
+                </a:stretch>
+              </p:blipFill>
+              <p:spPr>
+                <a:xfrm>
+                  <a:off x="4147354" y="6130824"/>
+                  <a:ext cx="288720" cy="270360"/>
+                </a:xfrm>
+                <a:prstGeom prst="rect">
+                  <a:avLst/>
+                </a:prstGeom>
+              </p:spPr>
+            </p:pic>
+          </mc:Fallback>
+        </mc:AlternateContent>
+        <mc:AlternateContent xmlns:mc="http://schemas.openxmlformats.org/markup-compatibility/2006" xmlns:p14="http://schemas.microsoft.com/office/powerpoint/2010/main">
+          <mc:Choice Requires="p14">
+            <p:contentPart p14:bwMode="auto" r:id="rId88">
+              <p14:nvContentPartPr>
+                <p14:cNvPr id="55" name="Ink 54">
+                  <a:extLst>
+                    <a:ext uri="{FF2B5EF4-FFF2-40B4-BE49-F238E27FC236}">
+                      <a16:creationId xmlns:a16="http://schemas.microsoft.com/office/drawing/2014/main" id="{839BFBF0-C46D-488E-AAF6-EBE4D17B4DDC}"/>
+                    </a:ext>
+                  </a:extLst>
+                </p14:cNvPr>
+                <p14:cNvContentPartPr/>
+                <p14:nvPr/>
+              </p14:nvContentPartPr>
+              <p14:xfrm>
+                <a:off x="4264714" y="5142624"/>
+                <a:ext cx="236160" cy="209160"/>
+              </p14:xfrm>
+            </p:contentPart>
+          </mc:Choice>
+          <mc:Fallback xmlns="">
+            <p:pic>
+              <p:nvPicPr>
+                <p:cNvPr id="55" name="Ink 54">
+                  <a:extLst>
+                    <a:ext uri="{FF2B5EF4-FFF2-40B4-BE49-F238E27FC236}">
+                      <a16:creationId xmlns:a16="http://schemas.microsoft.com/office/drawing/2014/main" id="{839BFBF0-C46D-488E-AAF6-EBE4D17B4DDC}"/>
+                    </a:ext>
+                  </a:extLst>
+                </p:cNvPr>
+                <p:cNvPicPr/>
+                <p:nvPr/>
+              </p:nvPicPr>
+              <p:blipFill>
+                <a:blip r:embed="rId89"/>
+                <a:stretch>
+                  <a:fillRect/>
+                </a:stretch>
+              </p:blipFill>
+              <p:spPr>
+                <a:xfrm>
+                  <a:off x="4256074" y="5133984"/>
+                  <a:ext cx="253800" cy="226800"/>
+                </a:xfrm>
+                <a:prstGeom prst="rect">
+                  <a:avLst/>
+                </a:prstGeom>
+              </p:spPr>
+            </p:pic>
+          </mc:Fallback>
+        </mc:AlternateContent>
+      </p:grpSp>
+      <p:grpSp>
+        <p:nvGrpSpPr>
+          <p:cNvPr id="66" name="Group 65">
+            <a:extLst>
+              <a:ext uri="{FF2B5EF4-FFF2-40B4-BE49-F238E27FC236}">
+                <a16:creationId xmlns:a16="http://schemas.microsoft.com/office/drawing/2014/main" id="{C2AB3A0E-DDA5-43B0-A608-F10A5AFA2988}"/>
+              </a:ext>
+            </a:extLst>
+          </p:cNvPr>
+          <p:cNvGrpSpPr/>
+          <p:nvPr/>
+        </p:nvGrpSpPr>
+        <p:grpSpPr>
+          <a:xfrm>
+            <a:off x="4113874" y="5719344"/>
+            <a:ext cx="776520" cy="340200"/>
+            <a:chOff x="4113874" y="5719344"/>
+            <a:chExt cx="776520" cy="340200"/>
+          </a:xfrm>
+        </p:grpSpPr>
+        <mc:AlternateContent xmlns:mc="http://schemas.openxmlformats.org/markup-compatibility/2006" xmlns:p14="http://schemas.microsoft.com/office/powerpoint/2010/main">
+          <mc:Choice Requires="p14">
+            <p:contentPart p14:bwMode="auto" r:id="rId90">
+              <p14:nvContentPartPr>
+                <p14:cNvPr id="57" name="Ink 56">
+                  <a:extLst>
+                    <a:ext uri="{FF2B5EF4-FFF2-40B4-BE49-F238E27FC236}">
+                      <a16:creationId xmlns:a16="http://schemas.microsoft.com/office/drawing/2014/main" id="{E3466BD9-0C02-4CAF-91E8-80550377CC9B}"/>
+                    </a:ext>
+                  </a:extLst>
+                </p14:cNvPr>
+                <p14:cNvContentPartPr/>
+                <p14:nvPr/>
+              </p14:nvContentPartPr>
+              <p14:xfrm>
+                <a:off x="4113874" y="5835264"/>
+                <a:ext cx="320400" cy="224280"/>
+              </p14:xfrm>
+            </p:contentPart>
+          </mc:Choice>
+          <mc:Fallback xmlns="">
+            <p:pic>
+              <p:nvPicPr>
+                <p:cNvPr id="57" name="Ink 56">
+                  <a:extLst>
+                    <a:ext uri="{FF2B5EF4-FFF2-40B4-BE49-F238E27FC236}">
+                      <a16:creationId xmlns:a16="http://schemas.microsoft.com/office/drawing/2014/main" id="{E3466BD9-0C02-4CAF-91E8-80550377CC9B}"/>
+                    </a:ext>
+                  </a:extLst>
+                </p:cNvPr>
+                <p:cNvPicPr/>
+                <p:nvPr/>
+              </p:nvPicPr>
+              <p:blipFill>
+                <a:blip r:embed="rId91"/>
+                <a:stretch>
+                  <a:fillRect/>
+                </a:stretch>
+              </p:blipFill>
+              <p:spPr>
+                <a:xfrm>
+                  <a:off x="4105234" y="5826624"/>
+                  <a:ext cx="338040" cy="241920"/>
+                </a:xfrm>
+                <a:prstGeom prst="rect">
+                  <a:avLst/>
+                </a:prstGeom>
+              </p:spPr>
+            </p:pic>
+          </mc:Fallback>
+        </mc:AlternateContent>
+        <mc:AlternateContent xmlns:mc="http://schemas.openxmlformats.org/markup-compatibility/2006" xmlns:p14="http://schemas.microsoft.com/office/powerpoint/2010/main">
+          <mc:Choice Requires="p14">
+            <p:contentPart p14:bwMode="auto" r:id="rId92">
+              <p14:nvContentPartPr>
+                <p14:cNvPr id="58" name="Ink 57">
+                  <a:extLst>
+                    <a:ext uri="{FF2B5EF4-FFF2-40B4-BE49-F238E27FC236}">
+                      <a16:creationId xmlns:a16="http://schemas.microsoft.com/office/drawing/2014/main" id="{8AFC1CDC-CCBE-491D-93CC-F654494196B8}"/>
+                    </a:ext>
+                  </a:extLst>
+                </p14:cNvPr>
+                <p14:cNvContentPartPr/>
+                <p14:nvPr/>
+              </p14:nvContentPartPr>
+              <p14:xfrm>
+                <a:off x="4559914" y="5719344"/>
+                <a:ext cx="225720" cy="281520"/>
+              </p14:xfrm>
+            </p:contentPart>
+          </mc:Choice>
+          <mc:Fallback xmlns="">
+            <p:pic>
+              <p:nvPicPr>
+                <p:cNvPr id="58" name="Ink 57">
+                  <a:extLst>
+                    <a:ext uri="{FF2B5EF4-FFF2-40B4-BE49-F238E27FC236}">
+                      <a16:creationId xmlns:a16="http://schemas.microsoft.com/office/drawing/2014/main" id="{8AFC1CDC-CCBE-491D-93CC-F654494196B8}"/>
+                    </a:ext>
+                  </a:extLst>
+                </p:cNvPr>
+                <p:cNvPicPr/>
+                <p:nvPr/>
+              </p:nvPicPr>
+              <p:blipFill>
+                <a:blip r:embed="rId93"/>
+                <a:stretch>
+                  <a:fillRect/>
+                </a:stretch>
+              </p:blipFill>
+              <p:spPr>
+                <a:xfrm>
+                  <a:off x="4551274" y="5710704"/>
+                  <a:ext cx="243360" cy="299160"/>
+                </a:xfrm>
+                <a:prstGeom prst="rect">
+                  <a:avLst/>
+                </a:prstGeom>
+              </p:spPr>
+            </p:pic>
+          </mc:Fallback>
+        </mc:AlternateContent>
+        <mc:AlternateContent xmlns:mc="http://schemas.openxmlformats.org/markup-compatibility/2006" xmlns:p14="http://schemas.microsoft.com/office/powerpoint/2010/main">
+          <mc:Choice Requires="p14">
+            <p:contentPart p14:bwMode="auto" r:id="rId94">
+              <p14:nvContentPartPr>
+                <p14:cNvPr id="59" name="Ink 58">
+                  <a:extLst>
+                    <a:ext uri="{FF2B5EF4-FFF2-40B4-BE49-F238E27FC236}">
+                      <a16:creationId xmlns:a16="http://schemas.microsoft.com/office/drawing/2014/main" id="{D6A1B855-0EAB-4F8D-82E3-DF324E18408E}"/>
+                    </a:ext>
+                  </a:extLst>
+                </p14:cNvPr>
+                <p14:cNvContentPartPr/>
+                <p14:nvPr/>
+              </p14:nvContentPartPr>
+              <p14:xfrm>
+                <a:off x="4721194" y="5891424"/>
+                <a:ext cx="169200" cy="108720"/>
+              </p14:xfrm>
+            </p:contentPart>
+          </mc:Choice>
+          <mc:Fallback xmlns="">
+            <p:pic>
+              <p:nvPicPr>
+                <p:cNvPr id="59" name="Ink 58">
+                  <a:extLst>
+                    <a:ext uri="{FF2B5EF4-FFF2-40B4-BE49-F238E27FC236}">
+                      <a16:creationId xmlns:a16="http://schemas.microsoft.com/office/drawing/2014/main" id="{D6A1B855-0EAB-4F8D-82E3-DF324E18408E}"/>
+                    </a:ext>
+                  </a:extLst>
+                </p:cNvPr>
+                <p:cNvPicPr/>
+                <p:nvPr/>
+              </p:nvPicPr>
+              <p:blipFill>
+                <a:blip r:embed="rId95"/>
+                <a:stretch>
+                  <a:fillRect/>
+                </a:stretch>
+              </p:blipFill>
+              <p:spPr>
+                <a:xfrm>
+                  <a:off x="4712194" y="5882784"/>
+                  <a:ext cx="186840" cy="126360"/>
+                </a:xfrm>
+                <a:prstGeom prst="rect">
+                  <a:avLst/>
+                </a:prstGeom>
+              </p:spPr>
+            </p:pic>
+          </mc:Fallback>
+        </mc:AlternateContent>
+      </p:grpSp>
+      <p:grpSp>
+        <p:nvGrpSpPr>
+          <p:cNvPr id="65" name="Group 64">
+            <a:extLst>
+              <a:ext uri="{FF2B5EF4-FFF2-40B4-BE49-F238E27FC236}">
+                <a16:creationId xmlns:a16="http://schemas.microsoft.com/office/drawing/2014/main" id="{A3374268-79D9-4CC8-84EB-BF402C089AE6}"/>
+              </a:ext>
+            </a:extLst>
+          </p:cNvPr>
+          <p:cNvGrpSpPr/>
+          <p:nvPr/>
+        </p:nvGrpSpPr>
+        <p:grpSpPr>
+          <a:xfrm>
+            <a:off x="5742514" y="5066664"/>
+            <a:ext cx="662040" cy="592560"/>
+            <a:chOff x="5742514" y="5066664"/>
+            <a:chExt cx="662040" cy="592560"/>
+          </a:xfrm>
+        </p:grpSpPr>
+        <mc:AlternateContent xmlns:mc="http://schemas.openxmlformats.org/markup-compatibility/2006" xmlns:p14="http://schemas.microsoft.com/office/powerpoint/2010/main">
+          <mc:Choice Requires="p14">
+            <p:contentPart p14:bwMode="auto" r:id="rId96">
+              <p14:nvContentPartPr>
+                <p14:cNvPr id="60" name="Ink 59">
+                  <a:extLst>
+                    <a:ext uri="{FF2B5EF4-FFF2-40B4-BE49-F238E27FC236}">
+                      <a16:creationId xmlns:a16="http://schemas.microsoft.com/office/drawing/2014/main" id="{92E78C82-343E-4117-920A-E43C95F591B4}"/>
+                    </a:ext>
+                  </a:extLst>
+                </p14:cNvPr>
+                <p14:cNvContentPartPr/>
+                <p14:nvPr/>
+              </p14:nvContentPartPr>
+              <p14:xfrm>
+                <a:off x="5742514" y="5342784"/>
+                <a:ext cx="173160" cy="316440"/>
+              </p14:xfrm>
+            </p:contentPart>
+          </mc:Choice>
+          <mc:Fallback xmlns="">
+            <p:pic>
+              <p:nvPicPr>
+                <p:cNvPr id="60" name="Ink 59">
+                  <a:extLst>
+                    <a:ext uri="{FF2B5EF4-FFF2-40B4-BE49-F238E27FC236}">
+                      <a16:creationId xmlns:a16="http://schemas.microsoft.com/office/drawing/2014/main" id="{92E78C82-343E-4117-920A-E43C95F591B4}"/>
+                    </a:ext>
+                  </a:extLst>
+                </p:cNvPr>
+                <p:cNvPicPr/>
+                <p:nvPr/>
+              </p:nvPicPr>
+              <p:blipFill>
+                <a:blip r:embed="rId97"/>
+                <a:stretch>
+                  <a:fillRect/>
+                </a:stretch>
+              </p:blipFill>
+              <p:spPr>
+                <a:xfrm>
+                  <a:off x="5733514" y="5333784"/>
+                  <a:ext cx="190800" cy="334080"/>
+                </a:xfrm>
+                <a:prstGeom prst="rect">
+                  <a:avLst/>
+                </a:prstGeom>
+              </p:spPr>
+            </p:pic>
+          </mc:Fallback>
+        </mc:AlternateContent>
+        <mc:AlternateContent xmlns:mc="http://schemas.openxmlformats.org/markup-compatibility/2006" xmlns:p14="http://schemas.microsoft.com/office/powerpoint/2010/main">
+          <mc:Choice Requires="p14">
+            <p:contentPart p14:bwMode="auto" r:id="rId98">
+              <p14:nvContentPartPr>
+                <p14:cNvPr id="61" name="Ink 60">
+                  <a:extLst>
+                    <a:ext uri="{FF2B5EF4-FFF2-40B4-BE49-F238E27FC236}">
+                      <a16:creationId xmlns:a16="http://schemas.microsoft.com/office/drawing/2014/main" id="{64888DC3-3782-47D7-902A-962B4727CF86}"/>
+                    </a:ext>
+                  </a:extLst>
+                </p14:cNvPr>
+                <p14:cNvContentPartPr/>
+                <p14:nvPr/>
+              </p14:nvContentPartPr>
+              <p14:xfrm>
+                <a:off x="5813794" y="5277984"/>
+                <a:ext cx="183240" cy="196200"/>
+              </p14:xfrm>
+            </p:contentPart>
+          </mc:Choice>
+          <mc:Fallback xmlns="">
+            <p:pic>
+              <p:nvPicPr>
+                <p:cNvPr id="61" name="Ink 60">
+                  <a:extLst>
+                    <a:ext uri="{FF2B5EF4-FFF2-40B4-BE49-F238E27FC236}">
+                      <a16:creationId xmlns:a16="http://schemas.microsoft.com/office/drawing/2014/main" id="{64888DC3-3782-47D7-902A-962B4727CF86}"/>
+                    </a:ext>
+                  </a:extLst>
+                </p:cNvPr>
+                <p:cNvPicPr/>
+                <p:nvPr/>
+              </p:nvPicPr>
+              <p:blipFill>
+                <a:blip r:embed="rId99"/>
+                <a:stretch>
+                  <a:fillRect/>
+                </a:stretch>
+              </p:blipFill>
+              <p:spPr>
+                <a:xfrm>
+                  <a:off x="5804794" y="5269344"/>
+                  <a:ext cx="200880" cy="213840"/>
+                </a:xfrm>
+                <a:prstGeom prst="rect">
+                  <a:avLst/>
+                </a:prstGeom>
+              </p:spPr>
+            </p:pic>
+          </mc:Fallback>
+        </mc:AlternateContent>
+        <mc:AlternateContent xmlns:mc="http://schemas.openxmlformats.org/markup-compatibility/2006" xmlns:p14="http://schemas.microsoft.com/office/powerpoint/2010/main">
+          <mc:Choice Requires="p14">
+            <p:contentPart p14:bwMode="auto" r:id="rId100">
+              <p14:nvContentPartPr>
+                <p14:cNvPr id="62" name="Ink 61">
+                  <a:extLst>
+                    <a:ext uri="{FF2B5EF4-FFF2-40B4-BE49-F238E27FC236}">
+                      <a16:creationId xmlns:a16="http://schemas.microsoft.com/office/drawing/2014/main" id="{C789DFB3-7800-4114-81FF-EBCDD5CFC33B}"/>
+                    </a:ext>
+                  </a:extLst>
+                </p14:cNvPr>
+                <p14:cNvContentPartPr/>
+                <p14:nvPr/>
+              </p14:nvContentPartPr>
+              <p14:xfrm>
+                <a:off x="6022234" y="5070264"/>
+                <a:ext cx="106560" cy="286560"/>
+              </p14:xfrm>
+            </p:contentPart>
+          </mc:Choice>
+          <mc:Fallback xmlns="">
+            <p:pic>
+              <p:nvPicPr>
+                <p:cNvPr id="62" name="Ink 61">
+                  <a:extLst>
+                    <a:ext uri="{FF2B5EF4-FFF2-40B4-BE49-F238E27FC236}">
+                      <a16:creationId xmlns:a16="http://schemas.microsoft.com/office/drawing/2014/main" id="{C789DFB3-7800-4114-81FF-EBCDD5CFC33B}"/>
+                    </a:ext>
+                  </a:extLst>
+                </p:cNvPr>
+                <p:cNvPicPr/>
+                <p:nvPr/>
+              </p:nvPicPr>
+              <p:blipFill>
+                <a:blip r:embed="rId101"/>
+                <a:stretch>
+                  <a:fillRect/>
+                </a:stretch>
+              </p:blipFill>
+              <p:spPr>
+                <a:xfrm>
+                  <a:off x="6013234" y="5061264"/>
+                  <a:ext cx="124200" cy="304200"/>
+                </a:xfrm>
+                <a:prstGeom prst="rect">
+                  <a:avLst/>
+                </a:prstGeom>
+              </p:spPr>
+            </p:pic>
+          </mc:Fallback>
+        </mc:AlternateContent>
+        <mc:AlternateContent xmlns:mc="http://schemas.openxmlformats.org/markup-compatibility/2006" xmlns:p14="http://schemas.microsoft.com/office/powerpoint/2010/main">
+          <mc:Choice Requires="p14">
+            <p:contentPart p14:bwMode="auto" r:id="rId102">
+              <p14:nvContentPartPr>
+                <p14:cNvPr id="63" name="Ink 62">
+                  <a:extLst>
+                    <a:ext uri="{FF2B5EF4-FFF2-40B4-BE49-F238E27FC236}">
+                      <a16:creationId xmlns:a16="http://schemas.microsoft.com/office/drawing/2014/main" id="{E97BE062-4119-4A83-93FD-86BDA661FCED}"/>
+                    </a:ext>
+                  </a:extLst>
+                </p14:cNvPr>
+                <p14:cNvContentPartPr/>
+                <p14:nvPr/>
+              </p14:nvContentPartPr>
+              <p14:xfrm>
+                <a:off x="6064714" y="5066664"/>
+                <a:ext cx="222120" cy="286200"/>
+              </p14:xfrm>
+            </p:contentPart>
+          </mc:Choice>
+          <mc:Fallback xmlns="">
+            <p:pic>
+              <p:nvPicPr>
+                <p:cNvPr id="63" name="Ink 62">
+                  <a:extLst>
+                    <a:ext uri="{FF2B5EF4-FFF2-40B4-BE49-F238E27FC236}">
+                      <a16:creationId xmlns:a16="http://schemas.microsoft.com/office/drawing/2014/main" id="{E97BE062-4119-4A83-93FD-86BDA661FCED}"/>
+                    </a:ext>
+                  </a:extLst>
+                </p:cNvPr>
+                <p:cNvPicPr/>
+                <p:nvPr/>
+              </p:nvPicPr>
+              <p:blipFill>
+                <a:blip r:embed="rId103"/>
+                <a:stretch>
+                  <a:fillRect/>
+                </a:stretch>
+              </p:blipFill>
+              <p:spPr>
+                <a:xfrm>
+                  <a:off x="6056074" y="5058024"/>
+                  <a:ext cx="239760" cy="303840"/>
+                </a:xfrm>
+                <a:prstGeom prst="rect">
+                  <a:avLst/>
+                </a:prstGeom>
+              </p:spPr>
+            </p:pic>
+          </mc:Fallback>
+        </mc:AlternateContent>
+        <mc:AlternateContent xmlns:mc="http://schemas.openxmlformats.org/markup-compatibility/2006" xmlns:p14="http://schemas.microsoft.com/office/powerpoint/2010/main">
+          <mc:Choice Requires="p14">
+            <p:contentPart p14:bwMode="auto" r:id="rId104">
+              <p14:nvContentPartPr>
+                <p14:cNvPr id="64" name="Ink 63">
+                  <a:extLst>
+                    <a:ext uri="{FF2B5EF4-FFF2-40B4-BE49-F238E27FC236}">
+                      <a16:creationId xmlns:a16="http://schemas.microsoft.com/office/drawing/2014/main" id="{504310CD-9467-410F-93D1-002100FC3035}"/>
+                    </a:ext>
+                  </a:extLst>
+                </p14:cNvPr>
+                <p14:cNvContentPartPr/>
+                <p14:nvPr/>
+              </p14:nvContentPartPr>
+              <p14:xfrm>
+                <a:off x="6169474" y="5143704"/>
+                <a:ext cx="235080" cy="172440"/>
+              </p14:xfrm>
+            </p:contentPart>
+          </mc:Choice>
+          <mc:Fallback xmlns="">
+            <p:pic>
+              <p:nvPicPr>
+                <p:cNvPr id="64" name="Ink 63">
+                  <a:extLst>
+                    <a:ext uri="{FF2B5EF4-FFF2-40B4-BE49-F238E27FC236}">
+                      <a16:creationId xmlns:a16="http://schemas.microsoft.com/office/drawing/2014/main" id="{504310CD-9467-410F-93D1-002100FC3035}"/>
+                    </a:ext>
+                  </a:extLst>
+                </p:cNvPr>
+                <p:cNvPicPr/>
+                <p:nvPr/>
+              </p:nvPicPr>
+              <p:blipFill>
+                <a:blip r:embed="rId105"/>
+                <a:stretch>
+                  <a:fillRect/>
+                </a:stretch>
+              </p:blipFill>
+              <p:spPr>
+                <a:xfrm>
+                  <a:off x="6160834" y="5134704"/>
+                  <a:ext cx="252720" cy="190080"/>
+                </a:xfrm>
+                <a:prstGeom prst="rect">
+                  <a:avLst/>
+                </a:prstGeom>
+              </p:spPr>
+            </p:pic>
+          </mc:Fallback>
+        </mc:AlternateContent>
+      </p:grpSp>
+      <mc:AlternateContent xmlns:mc="http://schemas.openxmlformats.org/markup-compatibility/2006" xmlns:p14="http://schemas.microsoft.com/office/powerpoint/2010/main">
+        <mc:Choice Requires="p14">
+          <p:contentPart p14:bwMode="auto" r:id="rId106">
+            <p14:nvContentPartPr>
+              <p14:cNvPr id="67" name="Ink 66">
+                <a:extLst>
+                  <a:ext uri="{FF2B5EF4-FFF2-40B4-BE49-F238E27FC236}">
+                    <a16:creationId xmlns:a16="http://schemas.microsoft.com/office/drawing/2014/main" id="{676F4F7C-B641-406F-B573-7286D9C1FEDA}"/>
+                  </a:ext>
+                </a:extLst>
+              </p14:cNvPr>
+              <p14:cNvContentPartPr/>
+              <p14:nvPr/>
+            </p14:nvContentPartPr>
+            <p14:xfrm>
+              <a:off x="903034" y="4227144"/>
+              <a:ext cx="998280" cy="710640"/>
+            </p14:xfrm>
+          </p:contentPart>
+        </mc:Choice>
+        <mc:Fallback xmlns="">
+          <p:pic>
+            <p:nvPicPr>
+              <p:cNvPr id="67" name="Ink 66">
+                <a:extLst>
+                  <a:ext uri="{FF2B5EF4-FFF2-40B4-BE49-F238E27FC236}">
+                    <a16:creationId xmlns:a16="http://schemas.microsoft.com/office/drawing/2014/main" id="{676F4F7C-B641-406F-B573-7286D9C1FEDA}"/>
+                  </a:ext>
+                </a:extLst>
+              </p:cNvPr>
+              <p:cNvPicPr/>
+              <p:nvPr/>
+            </p:nvPicPr>
+            <p:blipFill>
+              <a:blip r:embed="rId107"/>
+              <a:stretch>
+                <a:fillRect/>
+              </a:stretch>
+            </p:blipFill>
+            <p:spPr>
+              <a:xfrm>
+                <a:off x="894394" y="4218144"/>
+                <a:ext cx="1015920" cy="728280"/>
+              </a:xfrm>
+              <a:prstGeom prst="rect">
+                <a:avLst/>
+              </a:prstGeom>
+            </p:spPr>
+          </p:pic>
+        </mc:Fallback>
+      </mc:AlternateContent>
     </p:spTree>
     <p:extLst>
       <p:ext uri="{BB962C8B-B14F-4D97-AF65-F5344CB8AC3E}">
         <p14:creationId xmlns:p14="http://schemas.microsoft.com/office/powerpoint/2010/main" val="737004842"/>
+      </p:ext>
+    </p:extLst>
+  </p:cSld>
+  <p:clrMapOvr>
+    <a:masterClrMapping/>
+  </p:clrMapOvr>
+</p:sld>
+</file>
+
+<file path=ppt/slides/slide8.xml><?xml version="1.0" encoding="utf-8"?>
+<p:sld xmlns:a="http://schemas.openxmlformats.org/drawingml/2006/main" xmlns:r="http://schemas.openxmlformats.org/officeDocument/2006/relationships" xmlns:p="http://schemas.openxmlformats.org/presentationml/2006/main">
+  <p:cSld>
+    <p:spTree>
+      <p:nvGrpSpPr>
+        <p:cNvPr id="1" name=""/>
+        <p:cNvGrpSpPr/>
+        <p:nvPr/>
+      </p:nvGrpSpPr>
+      <p:grpSpPr>
+        <a:xfrm>
+          <a:off x="0" y="0"/>
+          <a:ext cx="0" cy="0"/>
+          <a:chOff x="0" y="0"/>
+          <a:chExt cx="0" cy="0"/>
+        </a:xfrm>
+      </p:grpSpPr>
+      <p:sp>
+        <p:nvSpPr>
+          <p:cNvPr id="2" name="Title 1">
+            <a:extLst>
+              <a:ext uri="{FF2B5EF4-FFF2-40B4-BE49-F238E27FC236}">
+                <a16:creationId xmlns:a16="http://schemas.microsoft.com/office/drawing/2014/main" id="{8F6C566D-EAD4-4203-95E8-CBA9A8AA3A30}"/>
+              </a:ext>
+            </a:extLst>
+          </p:cNvPr>
+          <p:cNvSpPr>
+            <a:spLocks noGrp="1"/>
+          </p:cNvSpPr>
+          <p:nvPr>
+            <p:ph type="title"/>
+          </p:nvPr>
+        </p:nvSpPr>
+        <p:spPr/>
+        <p:txBody>
+          <a:bodyPr/>
+          <a:lstStyle/>
+          <a:p>
+            <a:endParaRPr lang="en-IN"/>
+          </a:p>
+        </p:txBody>
+      </p:sp>
+      <p:sp>
+        <p:nvSpPr>
+          <p:cNvPr id="3" name="Content Placeholder 2">
+            <a:extLst>
+              <a:ext uri="{FF2B5EF4-FFF2-40B4-BE49-F238E27FC236}">
+                <a16:creationId xmlns:a16="http://schemas.microsoft.com/office/drawing/2014/main" id="{6010EF52-9BB6-4FC5-845C-AC25CE3CDF85}"/>
+              </a:ext>
+            </a:extLst>
+          </p:cNvPr>
+          <p:cNvSpPr>
+            <a:spLocks noGrp="1"/>
+          </p:cNvSpPr>
+          <p:nvPr>
+            <p:ph idx="1"/>
+          </p:nvPr>
+        </p:nvSpPr>
+        <p:spPr/>
+        <p:txBody>
+          <a:bodyPr/>
+          <a:lstStyle/>
+          <a:p>
+            <a:endParaRPr lang="en-IN"/>
+          </a:p>
+        </p:txBody>
+      </p:sp>
+      <mc:AlternateContent xmlns:mc="http://schemas.openxmlformats.org/markup-compatibility/2006">
+        <mc:Choice xmlns:p14="http://schemas.microsoft.com/office/powerpoint/2010/main" Requires="p14">
+          <p:contentPart p14:bwMode="auto" r:id="rId2">
+            <p14:nvContentPartPr>
+              <p14:cNvPr id="4" name="Ink 3">
+                <a:extLst>
+                  <a:ext uri="{FF2B5EF4-FFF2-40B4-BE49-F238E27FC236}">
+                    <a16:creationId xmlns:a16="http://schemas.microsoft.com/office/drawing/2014/main" id="{C36367E1-B7A8-4C57-864B-7A82C25B893F}"/>
+                  </a:ext>
+                </a:extLst>
+              </p14:cNvPr>
+              <p14:cNvContentPartPr/>
+              <p14:nvPr/>
+            </p14:nvContentPartPr>
+            <p14:xfrm>
+              <a:off x="731520" y="812160"/>
+              <a:ext cx="11336400" cy="4963320"/>
+            </p14:xfrm>
+          </p:contentPart>
+        </mc:Choice>
+        <mc:Fallback>
+          <p:pic>
+            <p:nvPicPr>
+              <p:cNvPr id="4" name="Ink 3">
+                <a:extLst>
+                  <a:ext uri="{FF2B5EF4-FFF2-40B4-BE49-F238E27FC236}">
+                    <a16:creationId xmlns:a16="http://schemas.microsoft.com/office/drawing/2014/main" id="{C36367E1-B7A8-4C57-864B-7A82C25B893F}"/>
+                  </a:ext>
+                </a:extLst>
+              </p:cNvPr>
+              <p:cNvPicPr/>
+              <p:nvPr/>
+            </p:nvPicPr>
+            <p:blipFill>
+              <a:blip r:embed="rId3"/>
+              <a:stretch>
+                <a:fillRect/>
+              </a:stretch>
+            </p:blipFill>
+            <p:spPr>
+              <a:xfrm>
+                <a:off x="722160" y="802800"/>
+                <a:ext cx="11355120" cy="4982040"/>
+              </a:xfrm>
+              <a:prstGeom prst="rect">
+                <a:avLst/>
+              </a:prstGeom>
+            </p:spPr>
+          </p:pic>
+        </mc:Fallback>
+      </mc:AlternateContent>
+    </p:spTree>
+    <p:extLst>
+      <p:ext uri="{BB962C8B-B14F-4D97-AF65-F5344CB8AC3E}">
+        <p14:creationId xmlns:p14="http://schemas.microsoft.com/office/powerpoint/2010/main" val="2077210129"/>
       </p:ext>
     </p:extLst>
   </p:cSld>

--- a/machine Learning.pptx
+++ b/machine Learning.pptx
@@ -13,6 +13,10 @@
     <p:sldId id="261" r:id="rId7"/>
     <p:sldId id="262" r:id="rId8"/>
     <p:sldId id="263" r:id="rId9"/>
+    <p:sldId id="264" r:id="rId10"/>
+    <p:sldId id="265" r:id="rId11"/>
+    <p:sldId id="266" r:id="rId12"/>
+    <p:sldId id="267" r:id="rId13"/>
   </p:sldIdLst>
   <p:sldSz cx="12192000" cy="6858000"/>
   <p:notesSz cx="6858000" cy="9144000"/>
@@ -428,7 +432,7 @@
   <inkml:trace contextRef="#ctx0" brushRef="#br0">6221 3342 414 0,'-3'-5'574'0,"0"0"18"0,-2 1 18 0,3-2-113 16,-2 3-175-16,2-2-93 0,-1 3-50 0,2-1-25 0,-1 0-11 0,0 0-4 16,2 1-3-16,-1 1-5 0,-1-1-6 0,2 1-16 0,0 1-19 0,0 0-19 15,0 0-19-15,0 0-15 0,0 0-11 0,0 0-9 0,0 0-7 0,0 0-4 16,0 0-4-16,0 3-2 0,0 0-1 0,0 0 0 0,0 3 2 16,0 1 0-16,0 2 2 0,0 3 2 0,-1 2 2 0,-1 1 2 0,2 3 3 15,-2 1 3-15,2 2 3 0,-1 2 2 0,-1 1 0 0,0 1 0 16,1 4-1-16,-1-1-2 0,-2 2-1 0,2 0-2 0,1 0-2 0,-2 2-1 15,-1-1-1-15,1-1-2 0,1 2-1 0,1-1-1 0,-2-2-3 16,1 1-1-16,-1-3-1 0,1 0-3 0,1-2-2 0,-1-1-5 0,-1-1-5 16,3-1-6-16,-1-1-8 0,-1-1-7 0,2 1-8 0,-3-3-10 15,3-2-10-15,-2 1-12 0,-1-2-14 0,1-2-17 0,1 1-15 0,-1-3-23 16,-1 0-27-16,1-2-31 0,-1 0-32 0,0 0-51 0,0-1-63 0,0-1-86 16,1-1-97-16,1-3-44 0,-1 2-17 0,-1-4-1 0</inkml:trace>
   <inkml:trace contextRef="#ctx0" brushRef="#br0" timeOffset="407.74">6158 3376 72 0,'0'-13'528'0,"0"-1"16"0,0 2-49 0,1 0-81 0,1-1-96 16,1 1-104-16,-1 1-54 0,3-1-29 0,-2 2-10 0,1-1-6 16,-1 2-2-16,2 0-3 0,-1 0-9 0,0 2-12 0,0-1-14 0,0 2-17 15,1 0-11-15,-2 0-10 0,3 2-6 0,-1 1-6 0,0-2-4 0,0 2-1 16,2 0 0-16,0 0 0 0,-1 0-4 0,2 2 0 0,-1-1 0 16,0 1-3-16,1 1 1 0,0 0-1 0,0 0 1 0,1 0-1 0,1 0 1 15,-2 1-1-15,3 1 1 0,-3 1-1 0,3 0 1 0,-2 1-2 16,1 1 1-16,-2 1 0 0,4-2 0 0,-4 4-1 0,0-1 0 0,0 2 0 15,1-1-1-15,-2 2 0 0,1 1 0 0,-3 1-1 0,2-2 1 0,-3 4-2 16,-1-2 1-16,-2 1 0 0,1 2 0 0,-2-1 1 0,-2 1 0 16,1 0 2-16,-2 0-1 0,-1 1 1 0,-3 1-1 0,2-2-1 0,-3 1 2 15,1 0-1-15,-2 1-1 0,1 0 0 0,-3-1 0 0,-1-1-1 0,-1 2-4 16,2-2-3-16,-3-1-7 0,-1 2-5 0,0-1-8 0,0 0-10 16,-2 0-11-16,3-2-10 0,-4 1-15 0,4-2-16 0,-2 0-19 0,0 0-20 15,2 0-26-15,0-2-26 0,-2 1-35 0,5-2-38 0,-1 0-56 16,2-2-64-16,0 0-75 0,1 0-78 0,1-1-34 0,2-1-14 15</inkml:trace>
   <inkml:trace contextRef="#ctx0" brushRef="#br0" timeOffset="815.83">6476 3766 366 0,'5'-2'608'0,"-1"0"8"16,-1 0 6-16,0 1 4 0,-1-2-124 0,1 1-187 0,0 1-111 0,1-2-70 16,-1 3-35-16,3-2-15 0,0 1-9 0,1 1-2 0,-1 0-4 15,2 1-6-15,3 1-10 0,-2-1-10 0,3 1-7 0,0 1-6 0,-1 1-4 16,-1 0-3-16,4 3-1 0,-3-3-4 0,0 3-3 0,-1 1-2 0,-1 0-4 16,2 1-4-16,-3-2-1 0,0 2-3 0,-2 2-2 0,2-2 0 15,-2 1-1-15,-1-1 1 0,0 2-1 0,-2-2-1 0,1 1-1 0,-3-1 2 16,1 2 0-16,-2-2 0 0,0 0 0 0,-2 0 5 0,2-2 1 15,-3 1 5-15,1-2 6 0,-1 1 5 0,0-1 6 0,-2-1 5 0,2 1 8 16,-2-2 6-16,-1 1 6 0,1-2 8 0,-1 1 6 0,1-1 7 16,2 0 8-16,-2-2 8 0,1 1 4 0,-1-2 1 0,2 0 1 0,-2 0-3 15,2 0-3-15,-1-2-5 0,1 1-4 0,0-2-6 0,1-1-7 0,0 1-7 16,0-3-9-16,0 0-7 0,1 0-10 0,1-2-12 0,0-1-9 16,1 0-7-16,1-1-8 0,2-1-6 0,0 1-6 0,0-1-8 0,1 1-5 15,0-1-7-15,1 1-10 0,2-1-11 0,-2 0-14 0,1 1-14 16,-1 1-18-16,2-1-19 0,1 2-23 0,-1-1-23 0,1 0-35 0,0 2-38 15,-1-1-50-15,1 2-53 0,1-1-70 0,-1 1-79 0,2 0-72 16,-1 0-66-16,1 3-26 0,-2 0-5 0,1 0 6 0</inkml:trace>
-  <inkml:trace contextRef="#ctx0" brushRef="#br0" timeOffset="1119.87">7091 4035 164 0,'3'-3'552'0,"0"-2"14"16,0-1 12-16,2-1-93 0,-2-1-146 0,2 1-87 0,-2-2-60 0,2-2-30 16,-2 2-18-16,2-1-11 0,-1-1-9 0,-1 1-12 0,1-1-12 15,-1 1-13-15,0-2-15 0,0 1-12 0,-1 2-12 0,0 0-8 0,-1-1-6 16,-1 2-3-16,2-1-6 0,-2 2 0 0,0-1 0 0,0 1 1 16,-2 1 0-16,2 1-2 0,-3 2 1 0,1 0-1 0,1 0-3 0,-3 2-3 15,3-1-4-15,-2 2-4 0,-1 0-3 0,1 2-2 0,-1-1 1 0,-1 2-3 16,0 0-2-16,0 3-2 0,1 2-3 0,-3-1-2 0,0 2-2 15,0 0 0-15,1 2 0 0,-1-1 3 0,1 2 0 0,0-1 3 0,1 1 2 16,-1 0 0-16,1-1-1 0,2 2-2 0,0-3-2 0,1 1-5 16,0-1-7-16,0 1-8 0,2-1-10 0,2-1-13 0,-2 0-15 0,2-1-18 15,1-1-20-15,2 1-23 0,0-4-24 0,1 2-32 0,2-3-35 0,3 0-44 16,-1-1-48-16,2-2-42 0,1-2-40 0,1 1-29 0,2-4-20 16,0 0-9-16,4 0 0 0</inkml:trace>
+  <inkml:trace contextRef="#ctx0" brushRef="#br0" timeOffset="1119.86">7091 4035 164 0,'3'-3'552'0,"0"-2"14"16,0-1 12-16,2-1-93 0,-2-1-146 0,2 1-87 0,-2-2-60 0,2-2-30 16,-2 2-18-16,2-1-11 0,-1-1-9 0,-1 1-12 0,1-1-12 15,-1 1-13-15,0-2-15 0,0 1-12 0,-1 2-12 0,0 0-8 0,-1-1-6 16,-1 2-3-16,2-1-6 0,-2 2 0 0,0-1 0 0,0 1 1 16,-2 1 0-16,2 1-2 0,-3 2 1 0,1 0-1 0,1 0-3 0,-3 2-3 15,3-1-4-15,-2 2-4 0,-1 0-3 0,1 2-2 0,-1-1 1 0,-1 2-3 16,0 0-2-16,0 3-2 0,1 2-3 0,-3-1-2 0,0 2-2 15,0 0 0-15,1 2 0 0,-1-1 3 0,1 2 0 0,0-1 3 0,1 1 2 16,-1 0 0-16,1-1-1 0,2 2-2 0,0-3-2 0,1 1-5 16,0-1-7-16,0 1-8 0,2-1-10 0,2-1-13 0,-2 0-15 0,2-1-18 15,1-1-20-15,2 1-23 0,0-4-24 0,1 2-32 0,2-3-35 0,3 0-44 16,-1-1-48-16,2-2-42 0,1-2-40 0,1 1-29 0,2-4-20 16,0 0-9-16,4 0 0 0</inkml:trace>
   <inkml:trace contextRef="#ctx0" brushRef="#br0" timeOffset="1542.05">7451 3834 202 0,'0'-8'347'0,"-3"2"-10"16,-2 0-14-16,2 2-17 0,-3 1-17 0,0 0-20 0,-1 1-22 16,-1 0-18-16,-1 2-19 0,1 2-19 0,0 0-21 0,0 1-17 0,0 0-15 15,-1 0-16-15,1 1-14 0,0 2-11 0,-1 2-9 0,0-1-11 16,1 1-8-16,-1 1-8 0,1 0-7 0,2 1-6 0,-1 1-4 0,1-1-5 16,-3 1-5-16,4-1-4 0,0 1-4 0,2-1-3 0,0-1-3 0,0 2-3 15,1-4-4-15,-1 2-1 0,3-1-3 0,0-1-1 0,0 1-2 16,3-4 1-16,-1 2-1 0,-1-1 0 0,2-1 0 0,1-1 0 0,-1 0-2 15,2-1-2-15,1-1-3 0,0-1-2 0,0 0-2 0,-1-1-2 16,3-1-6-16,-1-1-1 0,0-1-2 0,3-1-3 0,-2 1-4 0,0-2-3 16,1-2-2-16,-1 1-1 0,0-2 0 0,1-2 1 0,-1 1-1 0,0-2 4 15,0-2 0-15,3 1 1 0,-3-4 4 0,0 1 1 0,0-2 2 16,1-3 2-16,-1 0 3 0,0-2 2 0,2-1 3 0,-4 0 4 0,2 0 3 16,-3-1 3-16,1-1 4 0,2 2 4 0,-3 0 6 0,-2 0 4 15,2 2 6-15,-2 1 5 0,0 1 3 0,-1 1 6 0,-1 4 5 16,1 0 6-16,1 1 3 0,-2 2 4 0,-1 2 0 0,0 1 1 0,0 3-3 0,0 0-3 15,0 1-4-15,0 2-6 0,0 0-5 0,0 0-6 16,0 2-8-16,0 1-7 0,0 0-7 0,0 0-6 0,0 1-3 0,0 3-5 0,0 1-1 16,0 3-1-16,0-1 2 0,0 2 1 0,0 3 2 0,0 2 2 15,0 1 2-15,0 3 3 0,0 0 3 0,0 1 3 0,0 1 0 0,0 1 2 16,0 1-2-16,0 1 0 0,-1 1-2 0,-2-2-1 0,3 2-1 16,-2-1-2-16,2-2-3 0,-3 1-5 0,2 1-7 0,-1-2-9 0,0 0-12 15,-1-2-16-15,0 0-18 0,0 1-21 0,-1-2-25 0,1 0-35 0,0-1-41 16,-1-1-53-16,1-1-64 0,1 2-86 0,0-4-99 0,1 1-73 0,1-2-59 15,1 0-23-15,1-2-6 0</inkml:trace>
   <inkml:trace contextRef="#ctx0" brushRef="#br0" timeOffset="3413.52">4950 3672 416 0,'-3'-5'575'0,"-2"-1"21"0,2 2-82 16,0-1-131-16,1 1-83 0,-1 1-55 0,0-2-31 0,-2 2-19 0,3 0-11 15,1 0-5-15,-1 2-13 0,1-1-14 0,-1 1-23 0,2-1-30 16,-2 2-26-16,2 0-25 0,0 0-16 0,0 0-13 0,-2 3-11 0,0 0-10 16,2 0-5-16,0 2-6 0,0 1-3 0,0 1-2 0,2 1 2 0,0 0-1 15,-2 3 3-15,2 1 3 0,1 0 2 0,-1 2 4 0,1-2 2 0,0 2 1 16,2 2 0-16,-2-3 0 0,2 1 1 0,1-1-1 0,-1 1 0 15,1-1 1-15,-1 1 0 0,3-2-2 0,1 0 1 0,-1-2 0 0,0-1 0 16,0 0-2-16,3-1 0 0,-1 1 0 0,-2-3 0 0,2 0-2 0,0-2 1 16,0 1-1-16,0-3 0 0,0 0 1 0,-2 0-1 0,3-2 2 15,-1-2-2-15,-1 2 0 0,-1-3 2 0,1 0-1 0,-2 0 1 0,3-1 0 16,-3-2 2-16,1-2 1 0,-2 1 2 0,1-1 0 0,-1 1 0 16,0-3 2-16,-1 2-1 0,0-3 0 0,-2-1 0 0,0 0 2 0,1 0 1 15,-3 0 3-15,2 0 2 0,-3 0 1 0,2-1 1 0,-2 1 0 0,0 0 4 16,0 1 2-16,0 0 2 0,0 1 4 0,0 1 3 0,-2 0 4 15,2 1 4-15,-1 1 1 0,-1 0 1 0,2 2-1 0,-1 1-2 0,-1 1-2 16,0 0-5-16,1 0-6 0,-1 1-6 0,2 1-9 0,0 1-7 16,-3 1-4-16,3 1-5 0,-2 1-5 0,2 1-3 0,-1 2-2 0,-1 2-3 15,2 2 0-15,-2 2 0 0,2 2 2 0,0-1 3 0,0 3 4 16,0 3 6-16,0 0 6 0,0 0 3 0,2 1 3 0,-2 3-1 0,2-2 1 16,-1 1 1-16,1 1-2 0,-1 0 1 0,1 2-1 0,1-1-1 0,-1 0-1 15,0 0 1-15,-1 0-4 0,2-2 0 0,-1 2-1 0,1-1-2 16,-2-1-1-16,1 1-1 0,-1-2-1 0,1-2 1 0,-2 1 3 0,0-1 0 15,0-2 3-15,0 1 3 0,0-3 2 0,0 0 3 0,-2-2 3 16,1-1 4-16,-1 0 4 0,-2-1 6 0,2-2 3 0,-1 0 6 0,0-2 4 16,1 1 2-16,-3-4 4 0,2 2 1 0,-2-1 0 0,-1-2-1 15,0 0 1-15,-2 0-2 0,2-2-4 0,-2 0-3 0,-3 1-3 16,1-2-5-16,-1 0-5 0,0-2-8 0,0 1-11 0,-3 0-13 0,3-1-15 16,-2-1-14-16,1 0-15 0,0-1-16 0,0 0-19 0,2 0-20 0,-1 0-20 15,0-2-28-15,3 0-30 0,0 0-32 0,0-2-35 0,2 1-48 0,3-2-54 16,0 0-67-16,3 0-73 0,2 1-56 0,2-2-46 0,1 1-14 15</inkml:trace>
   <inkml:trace contextRef="#ctx0" brushRef="#br0" timeOffset="3674.08">5464 4198 374 0,'0'0'577'0,"0"0"11"15,0 0 7-15,0 0-97 0,0 0-148 0,3 0-99 0,-2 0-72 0,2 0-36 16,2 0-17-16,0 0-4 0,0 2 4 0,3-2 1 0,3 0-1 16,-2 1-6-16,3 1-9 0,0-2-9 0,3 0-6 0,-2 0-9 0,2 0-9 15,2 0-7-15,-2 1-8 0,0-1-7 0,1 2-8 0,1-2-8 16,-2 0-8-16,2 0-6 0,-3 0-7 0,2 1-5 0,-1-1-4 0,-2 0-4 16,0 0-1-16,1 0-7 0,-4 0-5 0,1 0-9 0,-2 0-11 15,1 0-13-15,-2 0-12 0,0 0-16 0,-2 0-16 0,0 0-22 0,-2 2-23 16,-1-2-32-16,-2 1-37 0,-1-1-68 0,0 0-85 0,0 0-101 15,0 0-108-15,-1 1-52 0,-2 3-24 0,-1-3-5 0,1 1 3 0</inkml:trace>
@@ -2477,7 +2481,7 @@
   <inkml:trace contextRef="#ctx0" brushRef="#br0" timeOffset="4007.14">11299 7433 0 0,'-46'0'183'0,"7"0"180"0,7 0-106 15,-1 0-66-15,7 0-45 0,0 0-23 0,7 0-15 0,-1 0-3 0,0 0-1 16,14 3-3-16,-7-3-5 0,7 0-6 0,-1 0-6 0,7 4-6 0,0-4-6 16,0 0-7-16,0 0-6 0,0 4-5 0,7-1-5 0,-1-3 1 15,7 8-2-15,-7-5 2 0,14 1 0 0,-7 0 2 0,7 0 0 0,0-1-3 16,6 5-1-16,-7-5-5 0,13 1-1 0,-6 3-3 0,7-3-1 0,6 0-4 15,-6-1-2-15,6 1-3 0,0 0-4 0,0-4-7 0,0 3-9 16,0 1-16-16,0-4-16 0,-6 0-25 0,5 3-26 0,-4-3-41 0,-2-3-47 16,7 3-55-16,-6 0-57 0,6-4-85 0,-7 1-97 0,8-5-49 15,-8 1-25-15</inkml:trace>
   <inkml:trace contextRef="#ctx0" brushRef="#br0" timeOffset="4164.17">11853 7297 156 0,'-20'7'458'0,"1"1"-45"0,-1 3-69 0,0 0-101 16,-6 0-118-16,7 4-61 0,-1-4-31 0,-6 0-15 0,7 3-7 15,-7 1-6-15,6-4-6 0,1 3-11 0,-1 1-15 0,0-4-24 0,1 4-27 16,6-4-41-16,-6 0-41 0,5 4-74 0,2-8-88 0,-2 4-60 0,2-4-44 16</inkml:trace>
   <inkml:trace contextRef="#ctx0" brushRef="#br0" timeOffset="4434.22">12843 6634 255 0,'0'-3'530'0,"6"3"-6"16,-6 0-5-16,0 0-130 0,6 0-191 0,2 0-104 0,-2 3-61 0,7 1-33 16,0 0-19-16,6-1-2 0,1 5 5 0,0-1 7 0,12 4 10 15,-5-4 7-15,5 4 9 0,7 0 5 0,6 0 5 0,-5 0-3 0,5 0-10 16,7 0-15-16,7 0-19 0,0 4-31 0,-8-4-35 0,14 0-45 16,-6 0-46-16,6-4-44 0,7 4-41 0,-7-4-76 0,7 1-92 15,-1-1-50-15,1 0 87 0</inkml:trace>
-  <inkml:trace contextRef="#ctx0" brushRef="#br0" timeOffset="4627.27">14719 6524 0 0,'-27'-3'155'0,"-5"-1"350"15,-1 4 5-15,-5 0-82 0,-2 0-122 0,7 4-93 0,-12 3-82 16,6-3-45-16,-7 3-30 0,1 4-14 0,-1 0-7 0,1 0-3 15,-1 0 2-15,-6 3-6 0,13 1-9 0,-7 0-14 0,0 3-19 0,7 1-18 16,-6-5-20-16,6 4-28 0,6 1-32 0,-6-5-44 0,7 5-45 16,-1-1-68-16,1 1-80 0,6-5-64 0,-1 4-57 0</inkml:trace>
+  <inkml:trace contextRef="#ctx0" brushRef="#br0" timeOffset="4627.26">14719 6524 0 0,'-27'-3'155'0,"-5"-1"350"15,-1 4 5-15,-5 0-82 0,-2 0-122 0,7 4-93 0,-12 3-82 16,6-3-45-16,-7 3-30 0,1 4-14 0,-1 0-7 0,1 0-3 15,-1 0 2-15,-6 3-6 0,13 1-9 0,-7 0-14 0,0 3-19 0,7 1-18 16,-6-5-20-16,6 4-28 0,6 1-32 0,-6-5-44 0,7 5-45 16,-1-1-68-16,1 1-80 0,6-5-64 0,-1 4-57 0</inkml:trace>
   <inkml:trace contextRef="#ctx0" brushRef="#br0" timeOffset="4894.33">15402 6418 254 0,'26'4'490'0,"1"-4"-77"0,-1 3-123 0,0 5-76 0,7-5-55 15,-8 5-26-15,7-1-11 0,2 1 0 0,5-1 3 0,-1 0-4 0,1 1-7 16,7-1-10-16,-7 0-10 0,13 0-10 0,-6 4-11 0,0-3-9 15,5-1-9-15,2 0-6 0,5-3-8 0,-5 3-7 0,5 1-6 0,1-5-11 16,-1 1-12-16,0 0-18 0,1-1-17 0,6 1-24 0,-6-1-28 16,0-3-37-16,-1 4-41 0,1-4-47 0,0 4-50 0,-7-4-67 15,6 0-73-15,-6 3-64 0,1-3-57 0,-1 0-23 0,-7 4 499 0</inkml:trace>
   <inkml:trace contextRef="#ctx0" brushRef="#br0" timeOffset="5086.38">17199 6517 91 0,'-19'0'491'16,"6"-4"-62"-16,0 4-98 0,1 4-82 0,-2-4-69 0,-5 0-40 15,6 4-24-15,-7 3-14 0,7-3-6 0,-7 3-8 0,1 0-7 0,-1 4-11 16,0 0-8-16,-5 0-8 0,5 4-8 0,0-4-4 0,-5 7-4 16,-1-3-6-16,0 0-6 0,0 3-12 0,-1 0-10 0,1 0-19 15,0 1-20-15,-7-1-18 0,8 1-20 0,-1 3-28 0,0-4-33 0,0 4-41 16,-7 0-48-16,13-4-72 0,-6 4-86 0,7 0-63 0,-7 0-47 15</inkml:trace>
   <inkml:trace contextRef="#ctx0" brushRef="#br0" timeOffset="5348.74">16627 6909 263 0,'0'0'470'0,"0"0"-53"0,0 0-79 0,0 0-96 0,6 4-104 0,0-4-56 15,8 3-30-15,-1 1-13 0,7 0 0 0,-2-1 3 0,2 1 8 16,7 3 5-16,-1 1 7 0,6-1 3 0,1 0 2 0,-1 4-3 16,7-3-6-16,-6-1-6 0,5 4-8 0,9-4-8 0,-9 4-9 15,2-4-10-15,5 5-9 0,0-5-14 0,-5 4-14 0,5-4-17 0,1 1-20 16,-1 3-20-16,-6-4-23 0,7 0-33 0,0 1-37 0,0-1-42 15,-8 0-41-15,9 4-79 0,-2-7-97 0,1 3-46 0,-7 0 49 0</inkml:trace>
@@ -2497,15 +2501,15 @@
   <inkml:trace contextRef="#ctx0" brushRef="#br0" timeOffset="10112.71">16386 10268 509 0,'6'0'566'16,"-6"0"1"-16,14 0 2 0,-8 4-131 0,6-4-202 0,2 4-108 16,-1-1-63-16,0 1-28 0,6 0-9 0,7 3 2 0,-6-3 8 0,7 3 6 15,-2-4 4-15,1 5-6 0,6-5-7 0,1 5-13 0,-7-5-17 16,7 5-18-16,-7-4-19 0,6 0-23 0,-5-1-25 0,-1 1-31 0,0 3-35 15,0-7-40-15,-1 4-42 0,-5-1-45 0,0-3-42 0,5 0-73 16,-5 0-85-16,0 0-45 0,-7 0-22 0</inkml:trace>
   <inkml:trace contextRef="#ctx0" brushRef="#br0" timeOffset="10260.75">16874 10261 513 0,'-26'4'554'0,"6"-4"-50"0,-12 3-84 0,6 1-92 0,0 3-91 16,0 1-56-16,-6-1-37 0,5 0-19 0,1 4-13 0,0-4-10 15,0 4-7-15,-7 1-13 0,7 2-13 0,1-3-22 0,-8 4-25 16,7 0-32-16,-6-1-36 0,5 1-43 0,-5-1-48 0,6 1-73 0,-1 0-87 16,1 0-98-16,0-4-104 0,7 3-52 0,-7-3-28 0,6 4-15 0,1-8 466 15</inkml:trace>
   <inkml:trace contextRef="#ctx0" brushRef="#br1" timeOffset="16325.64">5659 12921 0 0,'0'0'15'0,"0"0"296"0,0 0-102 0,0 0-64 0,0 0-44 15,0 0-22-15,7 0-14 0,-7 0-2 0,6 0 3 0,-6 0 5 16,6 0 5-16,-6 0 3 0,8 0 1 0,-8 0-2 0,6 0-2 0,0 0-4 16,0 0-2-16,1 0-1 0,-7 0 0 0,7 0 0 0,-1 0-2 0,1 0 1 15,-1 0-1-15,0 0 1 0,2-4 0 0,4 4 0 0,-6 0-2 16,2-3-1-16,-2 3-2 0,0 0-3 0,1 0-4 0,6-5-4 0,-6 5-5 15,-1 0-3-15,7-3-3 0,-6 3-4 0,5-3-5 0,-5-1-2 16,6 4-3-16,-6-4-4 0,5 0-1 0,2 4-3 0,-2-3-2 0,-5-1-2 16,6 0 0-16,0 1-2 0,-7 3 1 0,8-4-2 0,-2 0-2 15,-4 1 1-15,4-1-1 0,1 0-1 0,-6 1 0 0,6-1-1 0,-1 0-2 16,-4-3 0-16,4 3 0 0,2 1-1 0,-1-1 0 0,-7 1-2 0,7-1 0 16,-6 0 0-16,5 1-1 0,2-1-2 0,-1 0-1 0,-1 1 1 15,2-1 1-15,-2 0 0 0,2 1 0 0,-1-1 1 0,6 0 2 0,-6 1-1 16,1-5 1-16,-2 5 0 0,1-1 1 0,7 0-1 0,-7-3 3 0,6 3 0 15,-5 0 0-15,5-3 1 0,1 3-1 0,0 1 0 0,-1-5 0 16,0 5 0-16,0-1 0 0,1-3 0 0,0 0 0 0,6 3-1 0,0-3 2 16,-7-1 0-16,8 1-1 0,-1 3 0 0,0-3-1 0,-1 0 1 15,8-1 1-15,-7 1-1 0,0 0-2 0,7-4 1 0,-1 4-1 0,-6-1-1 16,1 0 1-16,5 1-2 0,-6 0 0 0,1 0 0 0,-1-1-1 16,-1 1 0-16,7 3-1 0,-5-3 1 0,-1 0 0 0,-6 3-1 0,6-3 0 15,-1-1-1-15,1 5 0 0,-6-4 1 0,7 3-1 0,-1-3 1 16,-7-1 0-16,1 5 0 0,6-5 0 0,0 5 2 0,-7-5-2 0,7 1 0 15,-6 3 1-15,-1-3 0 0,7-1 2 0,-6 5 0 0,6-5 1 0,-1 1-1 16,-5 0 1-16,6-1 0 0,1 1 2 0,-1 3 0 0,0-3 0 16,-1 0-1-16,1 0 2 0,1-4 0 0,-1 3 0 0,0 1 0 0,7 0 0 15,-1-1 0-15,-6 1 0 0,7-4-1 0,-7 3 2 0,7 1-1 0,-7-4 1 16,-1 4 0-16,1-4 0 0,7 4 0 0,-7-1 0 0,0-3 0 16,0 4-1-16,0 0 1 0,7-4 0 0,-7 3 0 0,-1 1 0 0,2-4-1 15,-1 4 0-15,6 0-1 0,-5-4-1 0,-1 3 0 0,0-3-1 16,6 4-2-16,-5-1 0 0,5-3 1 0,1 0-2 0,-7 4-1 0,6-4-1 15,1 0 0-15,-1 4 0 0,1-4-1 0,6 0-1 0,-7 0-1 16,1 0-1-16,6 0-1 0,-7 0 1 0,8 0-1 0,-1 0 0 0,-1 0 0 16,-5-4 1-16,-1 4-2 0,8 0 1 0,-7 0-1 0,6 0 0 0,-7-3 1 15,7 3-1-15,-7-4 2 0,8 4 1 0,-7 0 2 0,6-4 2 16,-7 1 2-16,1 3 2 0,-1-4 2 0,1 4 1 0,-7-3 1 0,6 3 2 16,1-4 1-16,-7 4 4 0,0-4 3 0,0 0 3 0,1 1 0 15,-2 3 2-15,1-4-2 0,-6 1 0 0,6 3-3 0,0-4-3 0,7 0-2 16,-8 4 1-16,1-4-2 0,0 1 0 0,7-1-3 0,-7 1-2 0,7-1-3 15,-1 0-2-15,1 1-5 0,7-1 0 0,-8 1-1 0,7-2-2 16,6 2 1-16,-5-1-1 0,5-3 1 0,1 3-2 0,-7 1 2 0,6-1-1 16,1 1 2-16,-1-1 1 0,1-3 0 0,-1 3 2 0,8 0 2 15,-1 0 0-15,-7 1 1 0,1-1 1 0,-1 1 0 0,2-1 1 0,-2 0 0 16,0 4 1-16,7-3-3 0,-13 2-2 0,7-2-2 0,-1 3 0 16,1-4-1-16,-7 4-3 0,7-3 1 0,-1 3-2 0,-6 0-1 0,7-4 0 15,-1 1-1-15,1 3 0 0,-7-5 0 0,7 2-1 0,0-1 0 16,-8 1 1-16,8-1-1 0,0-3 1 0,0 3 0 0,5-3 0 0,-5 0 1 15,-1-1-1-15,1 4 1 0,0-3 2 0,0 0 1 0,-1 0-1 0,7-1 1 16,-6 1 1-16,-7 0 0 0,6 0 2 0,1-1 2 0,-1 1 0 16,-6-1-1-16,1 1 0 0,-1 3 2 0,0-3-1 0,0 0 1 0,0-1 0 15,0 5-2-15,0-5-1 0,-7 1-1 0,8 0 1 0,-1 0 0 16,0-1-1-16,1 1 0 0,-2-1-1 0,1 1-2 0,0 0 0 0,-6-4-2 16,6 4-1-16,6-4-1 0,-6 4-1 0,1-4-1 0,5-1-1 15,-6 1 1-15,7 0-1 0,-1 0 2 0,-5 1 1 0,5-1 2 16,1 3 1-16,-1-3 4 0,-6 4 2 0,7-4 1 0,-1 4 0 0,-5-1 0 15,5 1 3-15,1-1 1 0,-1 1 2 0,2 0 0 0,-2 0 0 16,0 3-3-16,1-3 0 0,6 3-1 0,-7 1-1 0,8-5 0 16,-8 4-3-16,7-3 1 0,1 3 3 0,-2-3-1 0,2 3-1 0,-1-3 1 15,-1 4 2-15,2-5-1 0,-1 1 3 0,1-1-2 0,4 1 1 16,-4 0 0-16,-1 0 1 0,7-4 2 0,-8 3 1 0,8-2-1 0,-7-2-2 16,1 1 1-16,6 0-1 0,-8 0-3 0,8-3-1 0,-7 3-2 15,7 0-1-15,-8 0-1 0,2 0-1 0,-1 0-3 0,0 0-1 0,0 0-1 16,0 4-1-16,1-5 0 0,-8 5 1 0,7-4 2 0,-7 4 0 15,8 0 4-15,-8-4 1 0,1 4 3 0,-1-1 2 0,1 1 4 0,-7-1 2 16,7 1 2-16,-1 0 2 0,-6 0 3 0,7-1 1 0,-7 1 2 16,0-1 2-16,1 1 0 0,-2-4 1 0,1 4-1 0,0 0 1 15,1-1-1-15,-1 1 0 0,-1-1-2 0,2 1 0 0,-7 0-1 16,12 3-2-16,-6-7 0 0,0 8-1 0,7-5-2 0,-8 1 0 0,2-1-2 16,5 1 0-16,-6 4-1 0,7-5 0 0,-1 1 1 0,-5 0 0 0,5 3 0 15,1-3 2-15,-1 0-1 0,-6 3 2 0,1-4-2 0,5 5 1 16,-6-4-1-16,1 3 2 0,-1-3 1 0,-1 3 0 0,1 0 0 15,1-3 0-15,-7-1-1 0,5 5-2 0,-5-4-2 0,6 3-1 0,-13-3 1 16,13 3-1-16,-6 1-1 0,0-5-1 0,5 5-1 0,-5-5-1 16,6 4-1-16,-7 1-2 0,7-5-1 0,-5 5-2 0,4-1-1 0,1 1-1 15,-6-1 0-15,6 0-1 0,0-3 1 0,0 3-1 0,0 0 0 16,7 1 0-16,-7-1 1 0,0 1 1 0,-7-1 1 0,8 4 1 16,-1-3 1-16,0-2 0 0,-7 5 3 0,7 1 0 0,-7-5 2 0,2 4 2 15,-2 0 1-15,1 0 0 0,-7 0 1 0,7-3-1 0,-1 3-1 16,-7 0 0-16,9 0 1 0,-9 0 1 0,8-1 0 0,-1 1 2 15,-6 0 1-15,7 0 2 0,-1 0 0 0,2-3 0 0,-2 3 0 0,1 0 1 16,-1 0 1-16,7 0 1 0,-6 0 2 0,-1 0 0 0,7-3 0 16,-7 6 0-16,8-3-1 0,-15 0 0 0,15 0-1 0,-7 0 0 0,-1 4-1 15,-5-4-1-15,5 3 0 0,-6-3 0 0,-1 4 0 0,2 0 1 16,-1 0 0-16,0-1 0 0,-6-3 0 0,5 3 0 0,-5 2 0 16,0-2 1-16,-1 4 0 0,-6-3-1 0,6 0 0 0,1-1 0 0,-6 5-1 15,5-5 0-15,-6 5-1 0,6-5-3 0,-5 1 0 0,5 0-1 0,1 3-2 16,0-3-1-16,-1 0-1 0,0 3-1 0,0-3-2 0,1 3 1 15,-6-3-2-15,5-1 1 0,1 5-1 0,-8-5 1 0,8 5-1 16,-1-5 1-16,-5 4-1 0,6 1 0 0,-8-5 0 0,8 5 1 0,-7-1-2 16,7-3 1-16,-8 3 0 0,8 0 1 0,-7-3-2 0,0 3 0 15,0 1 1-15,-1-1-1 0,-4 1 0 0,4 3 1 0,-5-4-1 0,-1 4-2 16,1-4-5-16,-7 4-7 0,7 0-11 0,-7 0-10 0,0 0-17 16,0 0-16-16,0 0-22 0,0 0-24 0,0 0-34 0,0 0-39 15,-7 0-56-15,0-3-69 0,7 3-110 0,0 0-134 0,-6 0-66 16,-13 3-36-16,5-3-11 0,-5 0 0 0</inkml:trace>
-  <inkml:trace contextRef="#ctx0" brushRef="#br0" timeOffset="34421.66">26051 15892 0 0,'0'-4'279'0,"0"4"162"0,0-4-77 0,0 4-68 0,0 0-65 16,0 0-40-16,0 0-27 0,0 0-12 0,0 0-6 0,0 0-3 15,0 0-1-15,0 0-7 0,0 0-8 0,0 0-12 0,0 0-14 0,0 0-12 16,0 0-13-16,0 0-8 0,0 0-7 0,0 0-5 0,0 0-6 0,0 0-2 16,0 0-6-16,0 0-2 0,0 0-5 0,0 0-6 0,0 0-4 15,0 0-5-15,0 0-4 0,0 0-4 0,0 0-3 0,0 0-1 0,0 0-1 16,0 0-1-16,0 0 2 0,12 0 0 0,-4 0 0 0,4 0 1 16,-5 0 1-16,6 0 1 0,6 0 2 0,1 0 0 0,-1 0 1 0,1 0 2 15,6 0 0-15,-6 0 0 0,5 0 0 0,1 0-1 0,1-3-2 16,5 3-1-16,-6 0 0 0,1 0-2 0,5 0-1 0,1 0-1 0,-7 0 0 15,6 0-1-15,1-4-1 0,-7 4 0 0,6 0-1 0,-5 0 1 16,5 0 0-16,1 0-1 0,-7 0 0 0,6-4-1 0,1 4 1 0,6 0 0 16,-7 0 0-16,1 0 0 0,-1-3 0 0,1 3-1 0,-1 0 1 0,1 0 1 15,-1-4-1-15,2 4 1 0,-2 0-1 0,1-4 1 0,-1 4 1 16,1 0 0-16,-1 0-1 0,1-3 1 0,-1 3 0 0,-5 0 0 0,5 0-1 16,-6-4 1-16,-1 4-1 0,2 0-1 0,-1 0 1 0,-6 0-2 15,6 0 1-15,-7 0-2 0,1 0 1 0,0 0-2 0,-8 0 0 0,8 0 0 16,-1 0 0-16,-5 0-1 0,-2 0 0 0,2 0-1 0,-1 0 1 15,-1 0 0-15,-5 0-2 0,6 0 0 0,0 0 0 0,-6 0 0 0,-1 0-1 16,1 0 0-16,5 0-2 0,-12 0-3 0,7 0-3 0,0 0-5 16,-1 0-4-16,0 0-7 0,-6 0-6 0,0 0-9 0,8 0-8 0,-8 0-13 15,0 0-15-15,0 0-16 0,0 0-20 0,0 0-21 0,0 0-22 0,0 0-28 16,0 0-34-16,0 0-36 0,0 0-41 0,0 0-44 0,0 0-49 16,0 0-56-16,0 0-60 0,0 0-22 0,0 0 344 0</inkml:trace>
-  <inkml:trace contextRef="#ctx0" brushRef="#br0" timeOffset="34924.76">27406 15749 0 0,'-20'-4'343'0,"7"0"92"0,-1 1-77 0,2 3-65 15,-1-4-59-15,6 0-39 0,1 4-31 0,-7-3-16 0,6 3-13 0,0 0-8 16,1 0-7-16,0 0-11 0,6 0-13 0,0 0-15 0,0 0-14 0,0 0-9 15,0 0-10-15,0 0-5 0,0 0-3 0,0 0 0 0,0 0-1 0,0 0 2 16,0 0 1-16,0 0 0 0,0 0 0 0,0 0-4 0,0 0-3 16,0 0-4-16,0 0-3 0,0 0-4 0,0 0-4 0,0 0-1 0,6 0-2 15,-6 0 0-15,6 3-1 0,1-3 0 0,-7 4-1 0,7-4 1 16,6 4-2-16,-7-1-1 0,1 1 1 0,12 0 0 0,-5-1 2 0,-2 1 1 16,8 0 1-16,-1-1 1 0,1 5-1 0,0-4 0 0,5-1-2 15,1 5-2-15,1-5-1 0,-1 1-2 0,6 0-1 0,1-1 0 0,-7 1-1 16,7 0 0-16,-1-1-1 0,-6 1-1 0,7 0-1 0,-7-4-1 0,0 3 0 15,-1 1-1-15,2-4 1 0,-8 4-2 0,1-4 0 0,-1 3 1 16,1-3-2-16,-7 0 1 0,0 0 1 0,0 4 0 0,-7-4 1 0,8 0 0 16,-8 0 2-16,-6 0 0 0,6 0 0 0,-6 0 1 0,0 0-1 15,0 0 1-15,0 0 1 0,0 0 0 0,0 0 0 0,0 0 0 0,0 0-2 16,0 0-1-16,0 0-2 0,0 0-2 0,-6 0-2 0,6 4-2 16,0-4-3-16,-6 0-3 0,0 0-2 0,-2 3-3 0,2 1 0 0,6-4-3 15,-6 0 0-15,-1 3 0 0,-6 1 1 0,6-4-1 0,-5 4 1 16,5-1 2-16,-6-3 2 0,0 8-1 0,0-5 2 0,0 1 2 0,0 0 0 15,-6-1 2-15,5 1 1 0,-5 3 2 0,6-3 4 0,0 3 1 0,-7-3 2 16,0 4 0-16,8-5-1 0,-8 5 1 0,7-1-3 0,-7 0 0 16,8 1-2-16,-1-1-2 0,-1 0-4 0,2 0-4 0,-2-3-6 0,2 3-8 15,-2 1-11-15,8-5-12 0,-1 5-14 0,-5-5-16 0,4 5-18 0,8-5-18 16,0 1-22-16,0 0-35 0,0-1-40 0,0 1-40 0,8-4-42 16,-2 3-73-16,7 1-90 0,0 0-46 0,6-4-26 0</inkml:trace>
+  <inkml:trace contextRef="#ctx0" brushRef="#br0" timeOffset="34421.65">26051 15892 0 0,'0'-4'279'0,"0"4"162"0,0-4-77 0,0 4-68 0,0 0-65 16,0 0-40-16,0 0-27 0,0 0-12 0,0 0-6 0,0 0-3 15,0 0-1-15,0 0-7 0,0 0-8 0,0 0-12 0,0 0-14 0,0 0-12 16,0 0-13-16,0 0-8 0,0 0-7 0,0 0-5 0,0 0-6 0,0 0-2 16,0 0-6-16,0 0-2 0,0 0-5 0,0 0-6 0,0 0-4 15,0 0-5-15,0 0-4 0,0 0-4 0,0 0-3 0,0 0-1 0,0 0-1 16,0 0-1-16,0 0 2 0,12 0 0 0,-4 0 0 0,4 0 1 16,-5 0 1-16,6 0 1 0,6 0 2 0,1 0 0 0,-1 0 1 0,1 0 2 15,6 0 0-15,-6 0 0 0,5 0 0 0,1 0-1 0,1-3-2 16,5 3-1-16,-6 0 0 0,1 0-2 0,5 0-1 0,1 0-1 0,-7 0 0 15,6 0-1-15,1-4-1 0,-7 4 0 0,6 0-1 0,-5 0 1 16,5 0 0-16,1 0-1 0,-7 0 0 0,6-4-1 0,1 4 1 0,6 0 0 16,-7 0 0-16,1 0 0 0,-1-3 0 0,1 3-1 0,-1 0 1 0,1 0 1 15,-1-4-1-15,2 4 1 0,-2 0-1 0,1-4 1 0,-1 4 1 16,1 0 0-16,-1 0-1 0,1-3 1 0,-1 3 0 0,-5 0 0 0,5 0-1 16,-6-4 1-16,-1 4-1 0,2 0-1 0,-1 0 1 0,-6 0-2 15,6 0 1-15,-7 0-2 0,1 0 1 0,0 0-2 0,-8 0 0 0,8 0 0 16,-1 0 0-16,-5 0-1 0,-2 0 0 0,2 0-1 0,-1 0 1 15,-1 0 0-15,-5 0-2 0,6 0 0 0,0 0 0 0,-6 0 0 0,-1 0-1 16,1 0 0-16,5 0-2 0,-12 0-3 0,7 0-3 0,0 0-5 16,-1 0-4-16,0 0-7 0,-6 0-6 0,0 0-9 0,8 0-8 0,-8 0-13 15,0 0-15-15,0 0-16 0,0 0-20 0,0 0-21 0,0 0-22 0,0 0-28 16,0 0-34-16,0 0-36 0,0 0-41 0,0 0-44 0,0 0-49 16,0 0-56-16,0 0-60 0,0 0-22 0,0 0 344 0</inkml:trace>
+  <inkml:trace contextRef="#ctx0" brushRef="#br0" timeOffset="34924.75">27406 15749 0 0,'-20'-4'343'0,"7"0"92"0,-1 1-77 0,2 3-65 15,-1-4-59-15,6 0-39 0,1 4-31 0,-7-3-16 0,6 3-13 0,0 0-8 16,1 0-7-16,0 0-11 0,6 0-13 0,0 0-15 0,0 0-14 0,0 0-9 15,0 0-10-15,0 0-5 0,0 0-3 0,0 0 0 0,0 0-1 0,0 0 2 16,0 0 1-16,0 0 0 0,0 0 0 0,0 0-4 0,0 0-3 16,0 0-4-16,0 0-3 0,0 0-4 0,0 0-4 0,0 0-1 0,6 0-2 15,-6 0 0-15,6 3-1 0,1-3 0 0,-7 4-1 0,7-4 1 16,6 4-2-16,-7-1-1 0,1 1 1 0,12 0 0 0,-5-1 2 0,-2 1 1 16,8 0 1-16,-1-1 1 0,1 5-1 0,0-4 0 0,5-1-2 15,1 5-2-15,1-5-1 0,-1 1-2 0,6 0-1 0,1-1 0 0,-7 1-1 16,7 0 0-16,-1-1-1 0,-6 1-1 0,7 0-1 0,-7-4-1 0,0 3 0 15,-1 1-1-15,2-4 1 0,-8 4-2 0,1-4 0 0,-1 3 1 16,1-3-2-16,-7 0 1 0,0 0 1 0,0 4 0 0,-7-4 1 0,8 0 0 16,-8 0 2-16,-6 0 0 0,6 0 0 0,-6 0 1 0,0 0-1 15,0 0 1-15,0 0 1 0,0 0 0 0,0 0 0 0,0 0 0 0,0 0-2 16,0 0-1-16,0 0-2 0,0 0-2 0,-6 0-2 0,6 4-2 16,0-4-3-16,-6 0-3 0,0 0-2 0,-2 3-3 0,2 1 0 0,6-4-3 15,-6 0 0-15,-1 3 0 0,-6 1 1 0,6-4-1 0,-5 4 1 16,5-1 2-16,-6-3 2 0,0 8-1 0,0-5 2 0,0 1 2 0,0 0 0 15,-6-1 2-15,5 1 1 0,-5 3 2 0,6-3 4 0,0 3 1 0,-7-3 2 16,0 4 0-16,8-5-1 0,-8 5 1 0,7-1-3 0,-7 0 0 16,8 1-2-16,-1-1-2 0,-1 0-4 0,2 0-4 0,-2-3-6 0,2 3-8 15,-2 1-11-15,8-5-12 0,-1 5-14 0,-5-5-16 0,4 5-18 0,8-5-18 16,0 1-22-16,0 0-35 0,0-1-40 0,0 1-40 0,8-4-42 16,-2 3-73-16,7 1-90 0,0 0-46 0,6-4-26 0</inkml:trace>
   <inkml:trace contextRef="#ctx0" brushRef="#br0" timeOffset="35725.94">29730 15672 0 0,'-6'-4'295'0,"0"4"232"15,-7 0 11-15,6 0-85 0,7-3-131 0,-7 3-90 0,7 0-69 0,0 0-41 16,0 0-25-16,0 0-15 0,-6 0-9 0,6 3-9 0,-6-3-8 16,6 0-14-16,0 0-14 0,-8 4-11 0,8 0-12 0,-6-4-7 0,6 3-3 15,0 1-1-15,0 0 3 0,0-1 1 0,0 5 4 0,0-1 3 0,0-3 2 16,6 3 4-16,-6 0 2 0,8 0 1 0,-8 1-1 0,0-1-2 15,6 0-1-15,-6 4-1 0,6-3-3 0,-6 3-1 0,7-4-2 0,-7 1 0 16,0 3 0-16,7-4-2 0,-7 0 0 0,6 1 0 0,-6-1-1 0,7 4 0 16,-7-8 1-16,0 5-1 0,0-1 1 0,6-3 0 0,-6-1 2 15,0 5-1-15,6-5 1 0,-6 1 1 0,0 0 0 0,0-4 1 0,0 3 0 16,7-3 2-16,-7 0 0 0,0 0-1 0,0 0 0 0,0 0 0 0,0 0-2 16,0 0 1-16,7 0-1 0,-1 0 0 0,0 0-3 0,1-3-2 15,-7 3-3-15,13-4 0 0,-6 0-2 0,-1 1-1 0,7-1 1 0,-6 0-1 16,5 1 0-16,2-5 0 0,-8 1 1 0,7 3-2 0,0-3-1 15,-6 4 0-15,-1-5 2 0,0 5 2 0,8-5 2 0,-8 5 0 16,1-1-1-16,0 0 1 0,5 1-3 0,-5-1 1 0,-1 0-2 0,1 1-1 16,0 3-1-16,-7-4 0 0,0 0 0 0,6 4-2 0,-6 0-2 0,0 0-1 15,0 0-1-15,0 0 1 0,0 0-1 0,0 0 1 0,0 0 2 0,0 0 1 16,6 0 2-16,-6 0 1 0,7 4 2 0,0-4 3 0,-1 0 2 16,1 4 2-16,-1-4 2 0,-6 0 2 0,6 0 2 0,1 3 0 0,0-3 1 15,-1 0 0-15,0 0 1 0,2 4 1 0,-8-4 0 0,6 0 3 16,0 0 0-16,1 0 3 0,-1 0 2 0,-6 0 3 0,7 0 4 0,-7 0 4 15,6 0 5-15,-6 0 3 0,7-4 4 0,-7 4-1 0,6 0 1 16,-6-3-2-16,6 3-1 0,-6-4-2 0,8 0-1 0,-8 1-3 0,6-1-3 16,-6 0-4-16,0 1-5 0,6-1-5 0,-6-4-6 0,7 5-5 0,-7-5-4 15,0 1-1-15,6 0 0 0,-6-1 0 0,7 5 0 0,-7-4-2 16,0-1 1-16,0 1 0 0,0 0-3 0,0-1 0 0,0 5-1 0,0-5-2 16,0 5-2-16,0-5-1 0,0 5-3 0,0-1-4 0,0-3-6 0,0 7-10 15,0-7-10-15,0 3-10 0,0 0-11 0,0 4-13 0,0-3-12 16,-7-1-14-16,7 4-15 0,-6-4-16 0,6 4-20 0,0 0-27 0,0 0-33 15,0 0-34-15,0 0-36 0,0 0-56 0,0 0-65 0,0 0-40 16,0 0-27-16</inkml:trace>
   <inkml:trace contextRef="#ctx0" brushRef="#br0" timeOffset="36170.05">30721 15610 461 0,'0'0'503'0,"0"-4"-59"16,0 0-94-16,0 4-88 0,0 0-86 0,0 0-49 0,-7 0-32 0,7 0-15 16,0 0-10-16,-7 0-8 0,7 0-9 0,-6 0-9 0,0 0-11 0,-2 0-9 15,-4 4-8-15,6 0-5 0,-8-4-1 0,8 3 0 0,-7 1 1 16,-1-1 3-16,2 2 3 0,-2-2 2 0,2 5 2 0,-1-5 3 0,-1 5 3 15,2-1 2-15,-2-4 3 0,2 5-2 0,-1-5-2 0,-7 5-1 16,14-1-1-16,-8 0-2 0,2 1-2 0,5-5 0 0,0 5-1 0,-6-5 0 16,7 5 1-16,0-5-1 0,-2 4-1 0,2-3-2 0,6 3-1 0,0-3-1 15,-6 0-3-15,6-1 1 0,0 1-2 0,0 0 0 0,0-1-1 16,0 1 0-16,0 0 1 0,6 0 1 0,-6-4 0 0,0 3 2 0,6-3 1 16,2 4 2-16,-2-4 1 0,0 0 3 0,7 0 3 0,-6 4 2 15,0-4 2-15,5 0 4 0,2 0 2 0,-2 0 2 0,2 0 1 0,5 0 2 16,-5 0 0-16,4 0-1 0,2-4 1 0,-1 4-2 0,1 0-1 15,0-4-2-15,-1 4-2 0,1-3-4 0,0 3-3 0,-8-4-3 0,2 0-2 16,5 4-4-16,-6-4-3 0,0 4-4 0,0-3-2 0,0 3-6 0,0-4-6 16,-7 4-6-16,8-4-7 0,-2 4-8 0,2-3-7 0,-8 3-11 0,1-4-12 15,-1 4-14-15,1-4-16 0,-1 4-21 0,-6-3-25 0,7 3-28 16,-7 0-34-16,0 0-39 0,0 0-43 0,0 0-59 0,0 0-63 0,0 0-65 16,0 0-61-16,0 0-27 0,0 0 15 0</inkml:trace>
   <inkml:trace contextRef="#ctx0" brushRef="#br0" timeOffset="36381.1">31241 15738 343 0,'-6'-4'568'0,"6"0"-1"15,-7 4-2-15,7-3-96 0,-6 3-143 0,6-4-126 0,0 4-118 16,0 0-77-16,0 0-59 0,0 0-44 0,0 0-38 0,0 0-50 0,0 0-52 16,0 0-81-16,0 0-90 0,6 4-61 0,1-4-46 0,-1 0-19 0,8 3 371 15</inkml:trace>
-  <inkml:trace contextRef="#ctx0" brushRef="#br0" timeOffset="37142.26">31450 15533 54 0,'0'0'537'0,"-7"0"13"0,7 0 10 15,0-4-96-15,0 4-145 0,0 0-89 0,0 0-59 0,0 0-36 16,0 0-23-16,0 0-16 0,0 0-11 0,-6 4-17 0,6-4-15 0,0 0-17 15,-6 0-16-15,6 0-11 0,-8 4-10 0,8-4-4 0,0 3-2 16,0 1 0-16,0-1 3 0,0 1 1 0,0 0 2 0,0-1 4 0,0 1 1 16,0 0 3-16,0-1 4 0,0 5 1 0,0-5 1 0,0 5-1 15,0-5-2-15,0 5-1 0,0-5-2 0,0 5-1 0,0-1-1 0,0-4 0 16,8 5-2-16,-8-4 1 0,0 3-1 0,0 1-1 0,6-5 0 0,-6 1 1 16,0-1-2-16,6 1 0 0,-6 0 1 0,0-1-1 0,0 1-1 15,7 0 1-15,-7-4 2 0,6 3-1 0,-6-3 1 0,7 0 1 0,-7 0-2 16,0 0 1-16,0 0 0 0,0 0-1 0,7 0-1 0,-1 0 1 0,0 0-1 15,-6 0 0-15,14-3-1 0,-8 3-1 0,0 0-2 0,8-4-2 16,-8 0 0-16,7 1 0 0,1-1 0 0,-2 0 0 0,1 1 0 0,0-1-1 16,0 1 1-16,1-5 1 0,-2 5-2 0,-6-1 1 0,8 0-1 15,-1 1 2-15,-7-2 0 0,8 2 1 0,-8 3-2 0,0-4 0 0,0 1-1 16,2 3 0-16,-2-4-1 0,0 4-1 0,-6-4-1 0,0 4-1 0,0 0-1 16,0 0 0-16,0 0 0 0,7 0 0 0,-7 0 1 0,7 4-1 15,-7-4 2-15,6 0 0 0,1 4 0 0,-1-4 2 0,0 3 0 0,1-3 1 16,-7 4 3-16,7-4 1 0,-1 0-1 0,0 0 3 0,1 3 1 15,0-3 1-15,-7 0 0 0,6 5 1 0,-6-5 2 0,7 0 1 0,-7 0 3 16,6 0 4-16,-6 0 4 0,0 0 5 0,0 0 4 0,0 0 6 16,0 0 5-16,0 0 5 0,0 0 6 0,6 0 1 0,-6 0 3 0,7-5 0 15,-7 5-2-15,0-3 0 0,7 3-3 0,-7-4-4 0,0 1-4 0,0-1-4 16,0 0-3-16,0 1-7 0,0-1-4 0,0-3-7 0,0 3-5 16,0 0-3-16,0-3-3 0,0 0 0 0,0-1-2 0,0 5 0 0,0-5 1 15,0 1-1-15,0 0 0 0,0 3-1 0,0-3-1 0,0 0 0 16,0 3-1-16,0-3-2 0,0 3-1 0,-7 0-4 0,7 1-2 0,0-1-5 15,-7-3-4-15,7 7-7 0,0-4-9 0,-6 0-11 0,6 4-9 16,0 0-14-16,0-4-14 0,0 4-18 0,0 0-19 0,0 0-20 0,0 0-24 16,0 0-20-16,-6 0-21 0,6 0-29 0,0 0-35 0,0 0-33 15,-7 4-32-15,7 0-62 0,0-4-78 0,0 4-31 0,0-1 163 0</inkml:trace>
+  <inkml:trace contextRef="#ctx0" brushRef="#br0" timeOffset="37142.25">31450 15533 54 0,'0'0'537'0,"-7"0"13"0,7 0 10 15,0-4-96-15,0 4-145 0,0 0-89 0,0 0-59 0,0 0-36 16,0 0-23-16,0 0-16 0,0 0-11 0,-6 4-17 0,6-4-15 0,0 0-17 15,-6 0-16-15,6 0-11 0,-8 4-10 0,8-4-4 0,0 3-2 16,0 1 0-16,0-1 3 0,0 1 1 0,0 0 2 0,0-1 4 0,0 1 1 16,0 0 3-16,0-1 4 0,0 5 1 0,0-5 1 0,0 5-1 15,0-5-2-15,0 5-1 0,0-5-2 0,0 5-1 0,0-1-1 0,0-4 0 16,8 5-2-16,-8-4 1 0,0 3-1 0,0 1-1 0,6-5 0 0,-6 1 1 16,0-1-2-16,6 1 0 0,-6 0 1 0,0-1-1 0,0 1-1 15,7 0 1-15,-7-4 2 0,6 3-1 0,-6-3 1 0,7 0 1 0,-7 0-2 16,0 0 1-16,0 0 0 0,0 0-1 0,7 0-1 0,-1 0 1 0,0 0-1 15,-6 0 0-15,14-3-1 0,-8 3-1 0,0 0-2 0,8-4-2 16,-8 0 0-16,7 1 0 0,1-1 0 0,-2 0 0 0,1 1 0 0,0-1-1 16,0 1 1-16,1-5 1 0,-2 5-2 0,-6-1 1 0,8 0-1 15,-1 1 2-15,-7-2 0 0,8 2 1 0,-8 3-2 0,0-4 0 0,0 1-1 16,2 3 0-16,-2-4-1 0,0 4-1 0,-6-4-1 0,0 4-1 0,0 0-1 16,0 0 0-16,0 0 0 0,7 0 0 0,-7 0 1 0,7 4-1 15,-7-4 2-15,6 0 0 0,1 4 0 0,-1-4 2 0,0 3 0 0,1-3 1 16,-7 4 3-16,7-4 1 0,-1 0-1 0,0 0 3 0,1 3 1 15,0-3 1-15,-7 0 0 0,6 5 1 0,-6-5 2 0,7 0 1 0,-7 0 3 16,6 0 4-16,-6 0 4 0,0 0 5 0,0 0 4 0,0 0 6 16,0 0 5-16,0 0 5 0,0 0 6 0,6 0 1 0,-6 0 3 0,7-5 0 15,-7 5-2-15,0-3 0 0,7 3-3 0,-7-4-4 0,0 1-4 0,0-1-4 16,0 0-3-16,0 1-7 0,0-1-4 0,0-3-7 0,0 3-5 16,0 0-3-16,0-3-3 0,0 0 0 0,0-1-2 0,0 5 0 0,0-5 1 15,0 1-1-15,0 0 0 0,0 3-1 0,0-3-1 0,0 0 0 16,0 3-1-16,0-3-2 0,0 3-1 0,-7 0-4 0,7 1-2 0,0-1-5 15,-7-3-4-15,7 7-7 0,0-4-9 0,-6 0-11 0,6 4-9 16,0 0-14-16,0-4-14 0,0 4-18 0,0 0-19 0,0 0-20 0,0 0-24 16,0 0-20-16,-6 0-21 0,6 0-29 0,0 0-35 0,0 0-33 15,-7 4-32-15,7 0-62 0,0-4-78 0,0 4-31 0,0-1 163 0</inkml:trace>
   <inkml:trace contextRef="#ctx0" brushRef="#br0" timeOffset="37570.37">32329 15474 306 0,'0'0'361'0,"-6"-4"-62"0,6 1-63 0,-7 3-39 0,0 0-28 16,1 0-14-16,6 0-6 0,-13 0-9 0,6 0-7 0,1 0-15 0,-7 0-17 15,0 0-16-15,6 0-18 0,-5 0-13 0,-2 3-11 0,2 1-6 16,-2-4-5-16,1 4-3 0,-6 0-2 0,6-1-2 0,-1 1-2 0,2 3 0 15,-1-3-3-15,0 0-2 0,0 3-3 0,-1-3-2 0,2-1-2 0,5 5-1 16,-6-5 1-16,0 1-1 0,7 0-1 0,-8 3 0 0,14-4-1 16,-6 1-2-16,0 0 1 0,6-4 0 0,0 3 0 0,0 1-1 0,0-4 1 15,0 4 1-15,0-4 1 0,0 0 0 0,0 0 0 0,0 0 1 16,0 3 1-16,6-3 2 0,-6 0 0 0,6 0 1 0,-6 0 0 0,7 0 2 16,0-3 1-16,-1 3 0 0,1 0 1 0,5-4 0 0,-5 4 0 0,0-4-1 15,5 4 0-15,-4-3-2 0,4-1 0 0,1 0-3 0,0 4 0 16,-6-3-3-16,5-1 0 0,2 1-3 0,-8-1-1 0,7 0-2 0,-6 1-1 15,-1 3 0-15,7-4-2 0,-6 0-2 0,0 1 0 0,-1 3 0 16,0-4-1-16,-6 4-1 0,7-4 0 0,-7 4-2 0,0 0-1 0,0 0-1 16,0 0-1-16,0 0-1 0,0 0-1 0,0 0-2 0,0 0-2 15,0 0 0-15,-7 4 2 0,7-4 0 0,0 0 2 0,-6 4 1 0,6-4 1 16,-6 3 0-16,6-3 1 0,-7 4-1 0,7 0-2 0,0-4-6 16,0 3-5-16,-7-3-12 0,7 4-13 0,0-4-25 0,0 4-30 0,0-4-39 15,0 0-46-15,0 0-45 0,0 0-46 0,0 0-76 0,0 0-91 0,7 3-45 16,-7-3-24-16</inkml:trace>
-  <inkml:trace contextRef="#ctx0" brushRef="#br0" timeOffset="37760.69">32518 15423 0 0,'0'0'309'0,"0"3"116"0,0-3-64 0,0 4-78 0,0 0-86 16,0-1-52-16,0-3-37 0,0 8-16 0,0-8-4 0,0 7-4 0,0-7-2 15,0 4-6-15,0-1-12 0,0 1-14 0,0 0-15 0,-6-4-15 0,6 3-16 16,0 1-22-16,0-4-22 0,0 4-29 0,0-4-35 0,0 0-36 16,0 0-42-16,0 0-44 0,0 0-46 0,0 0-70 0,0 0-83 0,0 0-39 15,0 0 323-15</inkml:trace>
-  <inkml:trace contextRef="#ctx0" brushRef="#br0" timeOffset="37900.73">32479 15298 0 0,'0'-3'273'0,"-7"-1"165"0,7 0-66 0,-6 4-81 0,6-3-87 16,-7 3-61-16,7-4-48 0,-6 4-39 0,6 0-36 0,0 0-38 0,0 0-36 15,0 0-47-15,0 0-52 0,0 0-63 0,0 0-68 0,0 0-68 0,6 4-71 16</inkml:trace>
+  <inkml:trace contextRef="#ctx0" brushRef="#br0" timeOffset="37760.68">32518 15423 0 0,'0'0'309'0,"0"3"116"0,0-3-64 0,0 4-78 0,0 0-86 16,0-1-52-16,0-3-37 0,0 8-16 0,0-8-4 0,0 7-4 0,0-7-2 15,0 4-6-15,0-1-12 0,0 1-14 0,0 0-15 0,-6-4-15 0,6 3-16 16,0 1-22-16,0-4-22 0,0 4-29 0,0-4-35 0,0 0-36 16,0 0-42-16,0 0-44 0,0 0-46 0,0 0-70 0,0 0-83 0,0 0-39 15,0 0 323-15</inkml:trace>
+  <inkml:trace contextRef="#ctx0" brushRef="#br0" timeOffset="37900.72">32479 15298 0 0,'0'-3'273'0,"-7"-1"165"0,7 0-66 0,-6 4-81 0,6-3-87 16,-7 3-61-16,7-4-48 0,-6 4-39 0,6 0-36 0,0 0-38 0,0 0-36 15,0 0-47-15,0 0-52 0,0 0-63 0,0 0-68 0,0 0-68 0,6 4-71 16</inkml:trace>
   <inkml:trace contextRef="#ctx0" brushRef="#br0" timeOffset="38191.8">32772 15320 173 0,'0'0'516'0,"-6"0"-58"0,6 0-95 0,-7 0-75 16,0 0-66-16,1 0-44 0,6 4-33 0,0-4-24 0,-7 0-19 0,7 0-17 16,-6 3-13-16,6-3-13 0,-6 0-11 0,6 5-9 0,0-2-6 0,-8-3-5 15,8 3-2-15,0 2 1 0,0-5 1 0,0 3 4 0,0 1 3 16,0-1 4-16,0 1 5 0,0 0 1 0,0-1 0 0,8 5-1 0,-8-5-4 15,0 1-2-15,6 0-2 0,0-1-2 0,1 5-1 0,-7-5-3 0,6 1 1 16,1 3-4-16,0-3-2 0,-1 0-2 0,0-1-3 0,-6 4-3 16,7-3-1-16,0 0-3 0,-1-1-1 0,-6 1-2 0,6 0-2 0,-6-1-2 15,7 1 0-15,-7 0-3 0,0-4-2 0,7 3-5 0,-7-3-7 16,0 4-8-16,0 0-11 0,0-4-12 0,0 0-18 0,0 0-18 0,0 0-18 16,0 0-25-16,0 0-25 0,0 0-36 0,0 0-42 0,0 0-43 15,0 0-41-15,0 0-72 0,0 0-86 0,0 0-43 0,0 0-22 16</inkml:trace>
   <inkml:trace contextRef="#ctx0" brushRef="#br0" timeOffset="38428.85">33234 15144 0 0,'7'-3'556'0,"-7"-1"31"0,0 0 8 0,0 1-85 0,0 3-129 15,-7-4-94-15,7 4-73 0,0 0-39 0,0 0-26 0,0 4-15 16,0-4-11-16,0 3-12 0,0 1-14 0,0 0-14 0,7-1-14 0,-7 5-9 15,7-5-8-15,-1 5-1 0,0-1 0 0,1 0-1 0,-1 1 3 0,1-1-2 16,6 1-5-16,-7-1-6 0,1 0-4 0,0 4-5 0,5-4-4 16,-5 1-5-16,0-1-3 0,-1 0-4 0,7 1-6 0,-7-1-9 0,2-3-10 15,-2 3-10-15,0 0-12 0,1-3-15 0,-1 3-19 0,-6-3-22 16,0 0-22-16,7-1-30 0,-7 4-31 0,0-3-39 0,0 0-43 0,0-1-51 16,0 2-54-16,0-2-76 0,-7 0-88 0,7 2-43 0,-6-2-22 0,-1-3 0 15,7 0 407-15</inkml:trace>
   <inkml:trace contextRef="#ctx0" brushRef="#br0" timeOffset="38601.57">33084 15276 0 0,'-6'0'1'0,"0"-3"541"0,-1 3 15 0,0-4-43 16,1 4-71-16,6 0-81 0,-6-4-87 0,6 4-56 0,0 0-39 0,0 0-27 16,0 0-19-16,0 0-16 0,6 0-13 0,0-3-16 0,8 3-15 15,-8-4-20-15,14 4-19 0,-1-4-23 0,1 4-21 0,6-3-26 0,0 3-26 16,7-4-37-16,-1 0-40 0,7 4-62 0,-7-3-75 0,1 3-99 15,6-4-109-15,-7 4-55 0,2-4-31 0,-2 1-11 0,-6-1 73 0</inkml:trace>
@@ -2531,13 +2535,13 @@
   <inkml:trace contextRef="#ctx0" brushRef="#br0" timeOffset="80697.3">21693 5334 0 0,'0'-7'443'0,"0"3"43"0,0 0-62 0,0 1-73 0,0-2-80 16,0 2-49-16,0-1-34 0,0 1-19 0,0-1-7 0,0 4-7 0,0-4-10 15,0 4-14-15,0 0-15 0,0 0-17 0,0 0-19 0,0 0-17 16,0 0-16-16,0 0-13 0,0 0-11 0,0 0-10 0,8 0-5 0,-8 0-5 16,6 4-4-16,-6-4-2 0,6 4-2 0,0-1 0 0,-6 1-1 15,14-1 0-15,-8 2 2 0,1 2 1 0,6-3 1 0,0 3 5 16,-7-3 0-16,8 3-1 0,-2-4 1 0,-5 5-1 0,6-1 0 0,0-3 0 16,-7 3 1-16,8-3-1 0,-2 3 0 0,2-3 1 0,-1-1 1 15,-1 5-1-15,8-5 2 0,-7 1-2 0,0 0 0 0,0-4 0 0,1 3-1 16,-2-3-2-16,2 4-1 0,-2-4-3 0,1 0 1 0,1 0-3 15,4 0 0-15,-4 0-2 0,-1 0-2 0,7-4-2 0,-8 1-1 16,8 3-1-16,-7-4 0 0,7-3-1 0,-8 3 1 0,2 0 0 0,-2-3 1 16,8 0 1-16,-7-1 2 0,1 1 1 0,-2 0 1 0,2-1 3 15,-8 1-1-15,7-4 3 0,-7 0 0 0,1 3 2 0,6-2 2 0,-7-1 2 16,-6 0 1-16,7 0 2 0,-7 3 2 0,7-3 3 0,-7 0 4 16,0 4 1-16,0-4 4 0,0 4 1 0,-7 0 3 0,7-1 1 15,-7 1 4-15,7 0 1 0,0 3 1 0,-6 0 2 0,6-3 1 0,-6 7-2 16,6-4-1-16,-7 0-2 0,7 1-3 0,0 3-2 0,0-4-4 15,-7 4-3-15,7 0-3 0,0 0-2 0,0 0-6 0,0 0-2 0,0 0-5 16,0 0-5-16,0 0-3 0,0 0-2 0,0 0-2 0,-6 4-1 16,6-4-1-16,-7 3 0 0,7 1 2 0,0 0-1 0,-6-4 2 15,6 7 1-15,-6-3 1 0,6 3 2 0,0 1 1 0,0-1 3 0,0 4 1 16,0-4 2-16,0 4 0 0,0 0 2 0,0 4-1 0,0-4-1 16,0 0 0-16,0 3-1 0,0-3-1 0,6 4 0 0,-6 0 0 0,6-1-2 15,-6 1 0-15,0 0 0 0,7-1 1 0,-1 1 0 0,-6 3 2 0,7-3 1 16,-7-1 0-16,7 1 2 0,-7 0 1 0,6 0 0 0,-6-1 2 15,6 1 0-15,-6-1 2 0,0 1-1 0,7 0 3 0,-7-1 0 16,7-2 0-16,-7 2-1 0,0-3 0 0,0 4-1 0,0-4 1 0,0 0-1 16,0 0-1-16,0 0 1 0,-7 0-2 0,0 0 2 15,7-4 0-15,-6 0-1 0,0 4 2 0,-1-4 0 0,0 1 0 0,-6-5-1 16,7 5 1-16,0-4 1 0,-8 3 0 0,2-3 0 0,5-1 1 0,-6 1 0 16,0 0 1-16,-1-1 0 0,2 1-1 0,-2-4 1 0,-5 4 0 15,-1-4-1-15,8 3 1 0,-8-3-1 0,7 0 0 0,-7 0 0 0,0 0 0 16,2-3 0-16,-2 3 0 0,1-4 0 0,-1 0-1 0,6 1 0 15,-5-1 0-15,6 0 0 0,0 1 0 0,-7-1 0 0,8-3 1 16,5 3-2-16,-6-4 1 0,0 5-1 0,7-5-1 0,-1 1-2 0,0 0-2 16,1 0 0-16,6-1-2 0,-6 1-2 0,6 0 1 0,0-4-2 15,0 3-4-15,0 1-3 0,6 0-6 0,-6-4-5 0,13 4-6 0,-6-1-7 16,-1-3-7-16,7 4-11 0,0 0-11 0,-6-1-15 0,5 1-16 16,2-1-22-16,-8 1-24 0,7 0-30 0,0-1-31 0,0 1-41 0,1 0-46 15,4-1-43-15,-4 1-43 0,5 0-68 0,1 0-81 0,6-1-34 16,-6 1 214-16</inkml:trace>
   <inkml:trace contextRef="#ctx0" brushRef="#br0" timeOffset="80885.34">22697 5403 0 0,'6'0'312'0,"0"0"126"0,8-3-95 0,-8 3-83 15,7-4-74-15,0 4-46 0,6-4-28 0,-5 1-19 0,6-1-12 0,-1 4-16 16,1-4-19-16,-1 1-25 0,0-1-32 0,1 0-34 0,-7 4-37 0,7-7-45 16,-1 7-49-16,1-7-52 0,0 3-50 0,-8 0-71 0,2 1-81 15</inkml:trace>
   <inkml:trace contextRef="#ctx0" brushRef="#br0" timeOffset="81047.38">22664 5311 0 0,'0'0'297'0,"0"0"-24"0,6-3-57 0,1-1-39 0,0 4-31 0,-1 0-22 15,7-3-19-15,-7-1-16 0,14 4-16 0,-7-4-21 0,7 1-24 0,-8 3-29 16,8-4-30-16,0 0-38 0,-1 1-39 0,1-1-39 0,0 4-40 0,6-4-63 16,-7 1-74-16,1-1-54 0,6 0 293 0</inkml:trace>
-  <inkml:trace contextRef="#ctx0" brushRef="#br0" timeOffset="81724.74">23361 5176 11 0,'0'-3'477'0,"0"3"-65"0,0 0-95 0,0 0-69 0,0 0-53 15,0 0-35-15,0 0-27 0,0 0-19 0,0 3-15 0,7-3-13 16,-1 0-15-16,0 4-15 0,1 0-13 0,-7-1-10 0,13 1-6 0,-6 0-3 15,-1 3 0-15,0-3 0 0,8 3 1 0,-8 0 0 0,0 1-3 0,2-1-1 16,-2 0-4-16,0 0-4 0,1 1-2 0,-7 3-2 16,6-4-1-16,1 0-2 0,-1 1-1 0,-6-1 0 0,7 0-1 0,-7-3 1 15,0 4-2-15,6-1 1 0,-6-3 0 0,0-1 1 0,0 5 0 0,0-5 3 16,0 1 1-16,0-1 2 0,0-3 4 0,0 4 3 0,0-4 3 16,0 0 8-16,0 0 7 0,0 0 9 0,0 0 10 0,0 0 7 15,0 0 6-15,0 0 4 0,0 0 1 0,0 0 2 0,-6 0 1 0,6-4 2 16,0 1-1-16,-7-1 1 0,7 4-2 0,-6-7-4 0,6 3-5 15,0 1-8-15,-7-5-8 0,7 0-5 0,-6 1-3 0,6 0-3 0,0 0 0 16,0-1-1-16,0 1-1 0,0 0 0 0,0-1-4 0,0-3 0 16,0 4-1-16,0 0-2 0,0 0 0 0,6-1-3 0,-6 1 0 0,7 0-3 15,-1-1-3-15,1 1-3 0,-7 0-2 0,6 3-2 0,0 0-4 16,2-3-3-16,-2 3-4 0,0 0-2 0,1 1-6 0,6-1-1 16,-7 4-3-16,1 0-4 0,-1-4 0 0,8 4-3 0,-8 0 0 0,0 0-3 15,1 4-1-15,6-4-2 0,0 0-1 0,0 4-1 0,-6-1 0 16,5 1-2-16,-5 0 0 0,6 3 0 0,-7-3 1 0,8 0-2 15,-8 3 0-15,1-3-1 0,5 3 0 0,-12-3 0 0,8 3 0 0,-2 0 0 16,0-3 0-16,-6 0 1 0,7 3 1 0,-7-4 2 0,0 1 0 16,0 0 3-16,0-1 3 0,0 1 2 0,0 0 3 0,0-4 3 0,0 3 2 15,0-3 4-15,0 0 4 0,0 0 5 0,0 0 3 0,0 0 3 16,0 0 4-16,0 0 2 0,0 0 1 0,0 0 1 0,0 0 0 16,0 0 1-16,0-3 0 0,0-1 0 0,0 0 1 0,6 1-2 0,-6-1 0 15,0-3 1-15,7 3-2 0,-7-3 0 0,6 0 0 0,-6-1 1 16,7 1 3-16,-7 0 0 0,6-4 3 0,0 3 0 0,2 1 2 15,-2-4 0-15,0 3 2 0,-6 1-1 0,7 0 1 0,0-1-1 0,-1 1 1 16,0 3-3-16,1-3-1 0,-7 4-4 0,6-1-3 0,1-3-3 16,0 7-5-16,-7-4-5 0,0 4-5 0,6-4-6 0,-6 4-1 0,6 0-4 15,1 0-4-15,0 0-1 0,-1 0-1 0,-6 4-4 0,13-4 1 16,-6 4 0-16,-1-4-1 0,1 3 1 0,5 1 2 0,-4 0 0 0,4-1 1 16,-6 1 1-16,1-1-3 0,0 1-4 0,6 0-4 0,-7 3-6 15,0-7-8-15,8 7-10 0,-14-3-13 0,6 0-17 0,0-1-18 16,2 1-20-16,-8 0-22 0,6-1-27 0,-6 1-31 0,6 0-34 0,-6 0-36 15,7-1-37-15,-1 1-38 0,-6 0-67 0,7-4-81 0,0 3-40 16,-1 1-22-16</inkml:trace>
+  <inkml:trace contextRef="#ctx0" brushRef="#br0" timeOffset="81724.73">23361 5176 11 0,'0'-3'477'0,"0"3"-65"0,0 0-95 0,0 0-69 0,0 0-53 15,0 0-35-15,0 0-27 0,0 0-19 0,0 3-15 0,7-3-13 16,-1 0-15-16,0 4-15 0,1 0-13 0,-7-1-10 0,13 1-6 0,-6 0-3 15,-1 3 0-15,0-3 0 0,8 3 1 0,-8 0 0 0,0 1-3 0,2-1-1 16,-2 0-4-16,0 0-4 0,1 1-2 0,-7 3-2 16,6-4-1-16,1 0-2 0,-1 1-1 0,-6-1 0 0,7 0-1 0,-7-3 1 15,0 4-2-15,6-1 1 0,-6-3 0 0,0-1 1 0,0 5 0 0,0-5 3 16,0 1 1-16,0-1 2 0,0-3 4 0,0 4 3 0,0-4 3 16,0 0 8-16,0 0 7 0,0 0 9 0,0 0 10 0,0 0 7 15,0 0 6-15,0 0 4 0,0 0 1 0,0 0 2 0,-6 0 1 0,6-4 2 16,0 1-1-16,-7-1 1 0,7 4-2 0,-6-7-4 0,6 3-5 15,0 1-8-15,-7-5-8 0,7 0-5 0,-6 1-3 0,6 0-3 0,0 0 0 16,0-1-1-16,0 1-1 0,0 0 0 0,0-1-4 0,0-3 0 16,0 4-1-16,0 0-2 0,0 0 0 0,6-1-3 0,-6 1 0 0,7 0-3 15,-1-1-3-15,1 1-3 0,-7 0-2 0,6 3-2 0,0 0-4 16,2-3-3-16,-2 3-4 0,0 0-2 0,1 1-6 0,6-1-1 16,-7 4-3-16,1 0-4 0,-1-4 0 0,8 4-3 0,-8 0 0 0,0 0-3 15,1 4-1-15,6-4-2 0,0 0-1 0,0 4-1 0,-6-1 0 16,5 1-2-16,-5 0 0 0,6 3 0 0,-7-3 1 0,8 0-2 15,-8 3 0-15,1-3-1 0,5 3 0 0,-12-3 0 0,8 3 0 0,-2 0 0 16,0-3 0-16,-6 0 1 0,7 3 1 0,-7-4 2 0,0 1 0 16,0 0 3-16,0-1 3 0,0 1 2 0,0 0 3 0,0-4 3 0,0 3 2 15,0-3 4-15,0 0 4 0,0 0 5 0,0 0 3 0,0 0 3 16,0 0 4-16,0 0 2 0,0 0 1 0,0 0 1 0,0 0 0 16,0 0 1-16,0-3 0 0,0-1 0 0,0 0 1 0,6 1-2 0,-6-1 0 15,0-3 1-15,7 3-2 0,-7-3 0 0,6 0 0 0,-6-1 1 16,7 1 3-16,-7 0 0 0,6-4 3 0,0 3 0 0,2 1 2 15,-2-4 0-15,0 3 2 0,-6 1-1 0,7 0 1 0,0-1-1 0,-1 1 1 16,0 3-3-16,1-3-1 0,-7 4-4 0,6-1-3 0,1-3-3 16,0 7-5-16,-7-4-5 0,0 4-5 0,6-4-6 0,-6 4-1 0,6 0-4 15,1 0-4-15,0 0-1 0,-1 0-1 0,-6 4-4 0,13-4 1 16,-6 4 0-16,-1-4-1 0,1 3 1 0,5 1 2 0,-4 0 0 0,4-1 1 16,-6 1 1-16,1-1-3 0,0 1-4 0,6 0-4 0,-7 3-6 15,0-7-8-15,8 7-10 0,-14-3-13 0,6 0-17 0,0-1-18 16,2 1-20-16,-8 0-22 0,6-1-27 0,-6 1-31 0,6 0-34 0,-6 0-36 15,7-1-37-15,-1 1-38 0,-6 0-67 0,7-4-81 0,0 3-40 16,-1 1-22-16</inkml:trace>
   <inkml:trace contextRef="#ctx0" brushRef="#br0" timeOffset="81932.78">24286 5070 67 0,'0'-4'507'16,"0"4"-58"-16,0-3-91 0,0 3-63 0,0 0-51 0,7-4-36 0,-7 4-29 15,6 0-22-15,0 0-18 0,0 0-18 0,8 0-14 0,-1 0-12 16,0 4-12-16,6-4-9 0,-5 0-5 0,5 0-5 0,1 3-3 16,-1-3-6-16,0 0-7 0,1 4-6 0,0-4-7 0,-1 0-7 0,1 0-7 15,-1 4-10-15,1-4-12 0,-7 0-14 0,6 0-17 0,-5 3-19 16,-2-3-21-16,1 0-21 0,1 4-24 0,-8-4-28 0,7 0-31 0,-6 0-34 16,-7 0-37-16,0 0-35 0,0 0-32 0,0 0-41 0,0 0-49 15,0 0-45-15,0 0-42 0</inkml:trace>
   <inkml:trace contextRef="#ctx0" brushRef="#br0" timeOffset="82127.83">24540 4997 0 0,'-14'-4'402'0,"8"0"-20"0,0 4-47 0,-1-3-36 0,1 3-30 0,-1 0-32 16,1-4-28-16,-1 4-29 0,7 0-30 0,-6 4-23 0,6-4-21 16,0 0-19-16,-6 3-19 0,-2 1-16 0,2 0-15 0,0-1-10 0,-1 4-6 15,7-3-3-15,-13 3 0 0,7 1 2 0,-1 0 2 0,1-1 4 16,-8 0 2-16,8 4-1 0,0-4-3 0,-1 1-7 0,-6-1-8 15,7 0-11-15,-1 1-11 0,0-1-16 0,7 0-19 0,-6 0-26 0,-1-3-26 16,1 3-32-16,0 1-37 0,6-5-39 0,0 5-42 0,-8-5-47 16,8 1-51-16,0 3-63 0,8-3-74 0,-8 0-31 0,6-4 401 0</inkml:trace>
   <inkml:trace contextRef="#ctx0" brushRef="#br0" timeOffset="82521.92">25120 4781 311 0,'0'-8'560'0,"-8"5"-42"0,8-1-75 15,0 0-76-15,0 1-78 0,0-5-45 0,0 8-28 0,0-3-17 0,0-1-10 16,0 0-13-16,0 4-14 0,0-4-17 0,0 4-18 0,0-3-19 0,0 3-20 16,0 0-17-16,0 0-17 0,0 0-15 0,0 0-14 0,0 0-13 15,0 3-8-15,0-3-8 0,0 4-5 0,0 0-2 0,0 0-3 16,8 3 1-16,-8 0-2 0,6 1 2 0,0-1 2 0,1 4 2 0,-1 0 3 15,1 0 4-15,0 0 3 0,-1 0 0 0,0 0-2 0,2 0-3 16,-2 0-3-16,0 0-9 0,-6 4-9 0,6-4-15 0,1 0-19 0,-7 0-21 16,7-1-22-16,-7 1-33 0,0 0-36 0,0 0-43 0,0-3-45 15,0 3-47-15,-7-4-48 0,7 4-77 0,-7-4-89 0,7 0-42 16,-6 1-21-16</inkml:trace>
-  <inkml:trace contextRef="#ctx0" brushRef="#br0" timeOffset="82711.71">25047 4989 32 0,'0'-3'524'0,"-6"-1"-50"0,6-3-84 16,0 3-66-16,0 0-59 0,0 1-39 0,0-1-29 0,0 0-23 15,6 1-19-15,-6-1-17 0,8 0-21 0,-2-3-17 0,0 3-16 0,7 1-14 16,-6-4-13-16,0 3-11 0,5 0-10 0,2 1-10 0,-8-5-10 16,13 5-11-16,-5-1-13 0,-2-3-14 0,2 2-14 0,5-1-18 0,-6 2-20 15,6 0-22-15,-5-3-24 0,6 3-31 0,-8-3-33 0,8 3-39 16,-1-3-42-16,-5 3-34 0,-2 0-29 0,8-3-57 0,-1 3-69 0,-5-3-40 15,5 3 231-15</inkml:trace>
+  <inkml:trace contextRef="#ctx0" brushRef="#br0" timeOffset="82711.7">25047 4989 32 0,'0'-3'524'0,"-6"-1"-50"0,6-3-84 16,0 3-66-16,0 0-59 0,0 1-39 0,0-1-29 0,0 0-23 15,6 1-19-15,-6-1-17 0,8 0-21 0,-2-3-17 0,0 3-16 0,7 1-14 16,-6-4-13-16,0 3-11 0,5 0-10 0,2 1-10 0,-8-5-10 16,13 5-11-16,-5-1-13 0,-2-3-14 0,2 2-14 0,5-1-18 0,-6 2-20 15,6 0-22-15,-5-3-24 0,6 3-31 0,-8-3-33 0,8 3-39 16,-1-3-42-16,-5 3-34 0,-2 0-29 0,8-3-57 0,-1 3-69 0,-5-3-40 15,5 3 231-15</inkml:trace>
   <inkml:trace contextRef="#ctx0" brushRef="#br0" timeOffset="83004.78">25641 4696 154 0,'0'-3'398'16,"0"-1"-39"-16,-7 0-33 0,7 4-29 0,-7-3-26 0,7 3-22 15,0-4-21-15,-6 4-20 0,6 0-20 0,-6-4-21 0,6 4-22 0,0 0-21 16,0 0-21-16,-8 0-19 0,8 0-16 0,0 4-13 0,-6-4-10 15,0 4-7-15,-1-4-5 0,1 3-3 0,-1 1-2 0,7 3-1 0,-13-3 0 16,7 3 2-16,0 0 1 0,-2 1 5 0,-4 0 3 0,5 2 3 16,1-2 2-16,-1-1 0 0,1 4-3 0,-1 0-4 0,1-4-4 0,6 4-1 15,-7-3-4-15,7-1-4 0,-7 4-1 0,7-4-3 0,0 0-1 16,0 1 0-16,7-1-3 0,-7 0 1 0,7-3 0 0,-7 3 0 16,6-3 1-16,1 0 2 0,-7 0 2 0,6-1 2 0,1 0 2 0,6-3 2 15,-1 0 2-15,-4 5 0 0,4-5-1 0,8 0-2 0,-7-5-3 16,7 5-3-16,-1 0-9 0,7-3-8 0,-6 0-10 0,-1 3-13 15,7-4-14-15,-6 0-18 0,-8 0-20 0,8 1-24 0,0 3-24 0,-7-4-30 16,-1 0-30-16,-4 4-39 0,4-3-47 0,-5 3-56 0,6-4-61 0,-7 4-83 16,-6 0-91-16,0 0-39 0,0 0-15 0</inkml:trace>
-  <inkml:trace contextRef="#ctx0" brushRef="#br0" timeOffset="88584.44">21707 5601 0 0,'6'-3'180'0,"-6"3"72"0,6 0-12 16,-6 0-7-16,0 0-4 0,0 0-6 0,0 0-5 0,0 0-9 15,0 0-9-15,0 0-11 0,0 0-13 0,0 0-12 0,0 0-10 0,0 0-7 16,0 0-6-16,0 0-6 0,0 0-6 0,0 0-6 0,0 0-8 15,0 0-7-15,0 0-9 0,-6 0-8 0,0 0-9 0,6 3-9 16,-6-3-10-16,-2 0-8 0,2 0-10 0,6 4-8 0,-6-4-9 0,-1 0-7 16,1 4-8-16,-1-4-5 0,0 3-5 0,1-3-1 0,-6 4-5 15,4-4-1-15,2 4-2 0,-7-4 1 0,0 3-1 0,6 1 1 0,-5-4 2 16,5 4 1-16,-6-1 4 0,0-3 1 0,0 4 1 0,0-4 0 16,0 4 1-16,0-1-1 0,-1-3 2 0,2 4-2 0,-1-4 1 0,0 3-1 15,-6 1 1-15,5 0-1 0,-6-4 0 0,8 3-1 0,-8 1-2 16,7 0 0-16,-7-4 1 0,8 3-1 0,-8 1 0 0,1-4 0 15,5 4 0-15,1-4-1 0,-6 3 1 0,0 1 0 0,5 0 0 0,-6-4 1 16,8 3 0-16,-8-3 0 0,7 4 0 0,0-4 1 0,0 4-1 16,0-4 0-16,0 3 1 0,0-3 0 0,7 0-1 0,-8 4 1 15,2-4 1-15,-2 0 0 0,8 4 1 0,-1-4 0 0,-5 0 2 0,4 0 1 16,2 3 1-16,-6-3 2 0,12 0 4 0,-7 0 2 0,0 0 4 0,1 0 4 16,-1 0 3-16,1 0 2 0,6 0 4 0,-7 0 2 0,7 0 3 15,0 0 2-15,0 0 2 0,0 0 2 0,0 0 2 0,0 0 1 16,0 0 2-16,0 0 0 0,0 0 1 0,0 0 1 0,0 0-2 0,0 0 2 15,0 0 0-15,0 0 1 0,0 0 1 0,0 0 1 0,0 0 1 16,0 0 0-16,0 0 0 0,0 0-2 0,0 0 0 0,0 0-3 0,0 0 0 16,0 0-3-16,-7 0-2 0,7-3-4 0,0 3-5 0,0 0-3 15,0 0-4-15,-6 0-4 0,6-4-4 0,-6 0-4 0,6 4-4 16,0 0-4-16,-6-3-3 0,6-1-2 0,0 0-4 0,-8 4-2 0,8-3-3 16,-6-5 1-16,6 5-2 0,-6-1 1 0,6-3-3 0,0-1 0 15,-7 1-1-15,1 0 1 0,-1 0-1 0,0-4 0 0,1 0 0 16,0 0 0-16,0 0 1 0,-8-1 2 0,8 1 0 0,-1-3 2 0,-6 3 1 15,0-4 2-15,7 4 2 0,-8 0 1 0,8-3 2 0,0 3 0 16,-1 0 3-16,-6 0 1 0,6-1 1 0,1 6 0 0,-1-6 1 0,-6 5-2 16,7-1 0-16,6 1 0 0,-6 4-3 0,-2-5 0 0,8 5 0 15,-6-5-3-15,6 5-1 0,-6-1-3 0,6 4-3 0,0-4-7 0,0 1-4 16,0 3-10-16,0-4-8 0,0 4-12 0,0 0-13 0,0 0-16 16,0 0-16-16,0 0-20 0,0 0-18 0,0 0-24 0,0 0-24 0,0 0-28 15,0 0-29-15,-7 0-31 0,7 4-34 0,0-4-52 0,0 3-61 16,0 1-86-16,0 0-102 0,0-1-43 0,0 1-16 0,0 0 2 15,0-1 373-15</inkml:trace>
+  <inkml:trace contextRef="#ctx0" brushRef="#br0" timeOffset="88584.43">21707 5601 0 0,'6'-3'180'0,"-6"3"72"0,6 0-12 16,-6 0-7-16,0 0-4 0,0 0-6 0,0 0-5 0,0 0-9 15,0 0-9-15,0 0-11 0,0 0-13 0,0 0-12 0,0 0-10 0,0 0-7 16,0 0-6-16,0 0-6 0,0 0-6 0,0 0-6 0,0 0-8 15,0 0-7-15,0 0-9 0,-6 0-8 0,0 0-9 0,6 3-9 16,-6-3-10-16,-2 0-8 0,2 0-10 0,6 4-8 0,-6-4-9 0,-1 0-7 16,1 4-8-16,-1-4-5 0,0 3-5 0,1-3-1 0,-6 4-5 15,4-4-1-15,2 4-2 0,-7-4 1 0,0 3-1 0,6 1 1 0,-5-4 2 16,5 4 1-16,-6-1 4 0,0-3 1 0,0 4 1 0,0-4 0 16,0 4 1-16,0-1-1 0,-1-3 2 0,2 4-2 0,-1-4 1 0,0 3-1 15,-6 1 1-15,5 0-1 0,-6-4 0 0,8 3-1 0,-8 1-2 16,7 0 0-16,-7-4 1 0,8 3-1 0,-8 1 0 0,1-4 0 15,5 4 0-15,1-4-1 0,-6 3 1 0,0 1 0 0,5 0 0 0,-6-4 1 16,8 3 0-16,-8-3 0 0,7 4 0 0,0-4 1 0,0 4-1 16,0-4 0-16,0 3 1 0,0-3 0 0,7 0-1 0,-8 4 1 15,2-4 1-15,-2 0 0 0,8 4 1 0,-1-4 0 0,-5 0 2 0,4 0 1 16,2 3 1-16,-6-3 2 0,12 0 4 0,-7 0 2 0,0 0 4 0,1 0 4 16,-1 0 3-16,1 0 2 0,6 0 4 0,-7 0 2 0,7 0 3 15,0 0 2-15,0 0 2 0,0 0 2 0,0 0 2 0,0 0 1 16,0 0 2-16,0 0 0 0,0 0 1 0,0 0 1 0,0 0-2 0,0 0 2 15,0 0 0-15,0 0 1 0,0 0 1 0,0 0 1 0,0 0 1 16,0 0 0-16,0 0 0 0,0 0-2 0,0 0 0 0,0 0-3 0,0 0 0 16,0 0-3-16,-7 0-2 0,7-3-4 0,0 3-5 0,0 0-3 15,0 0-4-15,-6 0-4 0,6-4-4 0,-6 0-4 0,6 4-4 16,0 0-4-16,-6-3-3 0,6-1-2 0,0 0-4 0,-8 4-2 0,8-3-3 16,-6-5 1-16,6 5-2 0,-6-1 1 0,6-3-3 0,0-1 0 15,-7 1-1-15,1 0 1 0,-1 0-1 0,0-4 0 0,1 0 0 16,0 0 0-16,0 0 1 0,-8-1 2 0,8 1 0 0,-1-3 2 0,-6 3 1 15,0-4 2-15,7 4 2 0,-8 0 1 0,8-3 2 0,0 3 0 16,-1 0 3-16,-6 0 1 0,6-1 1 0,1 6 0 0,-1-6 1 0,-6 5-2 16,7-1 0-16,6 1 0 0,-6 4-3 0,-2-5 0 0,8 5 0 15,-6-5-3-15,6 5-1 0,-6-1-3 0,6 4-3 0,0-4-7 0,0 1-4 16,0 3-10-16,0-4-8 0,0 4-12 0,0 0-13 0,0 0-16 16,0 0-16-16,0 0-20 0,0 0-18 0,0 0-24 0,0 0-24 0,0 0-28 15,0 0-29-15,-7 0-31 0,7 4-34 0,0-4-52 0,0 3-61 16,0 1-86-16,0 0-102 0,0-1-43 0,0 1-16 0,0 0 2 15,0-1 373-15</inkml:trace>
   <inkml:trace contextRef="#ctx0" brushRef="#br0" timeOffset="89940.46">18835 5136 0 0,'-14'-4'387'0,"8"-3"199"0,-8-1 14 0,8 5-79 0,0-1-126 16,-7 1-91-16,6-1-76 0,1 0-45 0,6 1-34 0,-7 3-17 15,1 0-12-15,0-4-13 0,6 4-15 0,0 0-19 0,0 0-20 0,0 0-16 16,0 0-14-16,-8 4-11 0,8-4-8 0,0 3-7 0,0 1-1 16,0 0-2-16,0 3 1 0,0 0 0 0,0 0 3 0,0 1 1 0,8 3 2 15,-8 0 2-15,0 0 2 0,6 0 0 0,-6 0 0 0,6 0-2 16,1 0 0-16,-7 0-2 0,6 3-2 0,1-3-1 0,-7 0 0 0,7-3 0 16,-1 3-1-16,-6 0-1 0,0 0 1 0,6-1 1 0,-6-2-2 15,6 0 2-15,-6-1 0 0,8 0-1 0,-8 0 1 0,6 1 1 16,-6-1 1-16,0-3 1 0,6-1 1 0,-6 1 3 0,0 0 2 0,0-1 2 15,0 1 2-15,0-4 5 0,0 0 3 0,0 0 3 0,0 0 5 16,0 0 6-16,0 0 5 0,0 0 4 0,0 0 3 0,0 0 2 0,0 0-1 16,0 0 0-16,0-4-1 0,-6 1-2 0,6-1-1 0,0-3-4 15,-6 3-3-15,-2-3-4 0,2-1-3 0,0-2-4 0,6-1-5 16,-13 3-4-16,13-7-3 0,-13 4-1 0,13 0 0 0,-13-3 0 0,7-1 2 16,6 4 2-16,-8-3 2 0,2-1 3 0,0 0 4 0,0 1 2 15,-1 3 2-15,0-4 3 0,7 4 2 0,-6 0 2 0,-1 0 2 0,7 0 2 16,0 0 3-16,-6 4 1 0,6-4-1 0,-6 3-1 0,6 1-3 15,0 3-3-15,0 1-5 0,0-1-4 0,0-3-4 0,0 7-8 16,0-4-5-16,0 0-7 0,0 4-7 0,0 0-9 0,0 0-6 0,0 0-5 16,0 0-4-16,0 0-2 0,6 4-2 0,0-4-1 0,-6 4-1 15,13-1 2-15,-6 1-1 0,6 0 2 0,-7 3 2 0,8-3 3 0,-2 3 4 16,-5 0 3-16,6 1 2 0,0-1 1 0,-1 0 0 0,2 0 1 16,-8 1-1-16,8-1-1 0,-1 4-1 0,-7-4-2 0,0 1 1 15,8-1 0-15,-8 1-2 0,0-1 2 0,1 0-1 0,0 1 1 0,-7-5-1 16,6 5 2-16,-6-5 1 0,7 5 2 0,-7-5 3 0,0 1 2 15,6-4 3-15,-6 4 4 0,0-1 4 0,0-3 5 0,0 4 3 0,0-4 4 16,0 0 6-16,0 0 5 0,0 0 3 0,0 0 2 0,0 0 1 0,0-4 1 16,0 4 1-16,0-3-2 0,0-1-1 0,0 0-2 0,0 1-1 15,0-1-4-15,-6-3-2 0,6-1-4 0,0 1-3 0,0 0-3 16,0-4-3-16,0 3-2 0,0-3-1 0,0 0-1 0,0 0-1 16,0-4 1-16,0 5 0 0,0-1 3 0,0 0-1 0,0 0 2 15,6 0 1-15,-6 3 1 0,7-3 0 0,-7 4-1 0,7-4 2 0,-1 3 0 16,0 1 0-16,-6 3 0 0,6-3 0 0,2 4-2 0,-8-1-2 15,6 0-6-15,-6 1-5 0,0-1-3 0,6 4-3 0,1 0-2 0,-1 0-2 16,-6 0-2-16,7 0-1 0,0 4-1 0,-1-1-1 0,6 5-2 16,-4-1 2-16,-2 0-1 0,7 0 3 0,0 1 3 0,0 3 4 0,-7 0 2 15,8 0 2-15,-2 0 1 0,-5 0 2 0,6 0-1 0,0 0 0 16,-6 3 0-16,-1-6-3 0,1 3-3 0,5 0-3 0,-4 0-6 0,-2 0-4 16,0-4-9-16,1 1-8 0,-1 3-7 0,1-4-9 0,-1-3-8 15,1 3-12-15,-1 0-12 0,0-3-13 0,2 3-12 0,-2-3-12 16,7-1-9-16,-6 1-9 0,-1-4-6 0,7 4-5 0,-7-4-3 15,14 0 0-15,-7 0 2 0,0-4 3 0,6 0 7 0,-5 1 11 0,6-1 14 16,-1-3 13-16,0 0 14 0,0-4 16 0,1 3 15 0,-6-3 14 0,5 0 16 16,-6 0 17-16,0 0 16 0,0 0 15 0,0 0 17 0,-7 4 13 15,1-4 13-15,-7 0 12 0,6 4 9 0,-6-4 11 0,0 3 8 16,0 1 8-16,0 3 5 0,0-3 5 0,-6 3-1 0,6 1-1 0,0-1-6 16,-7 0-8-16,7 4-10 0,-6 0-12 0,6-3-11 0,0 3-15 15,0 0-10-15,0 3-10 0,-6-3-7 0,6 0-7 0,-7 4-7 0,7 0-4 16,0-1-4-16,0 1-2 0,0 0 0 0,0-1 1 0,0 5 2 15,0-5 3-15,7 5 3 0,-7-5 3 0,6 5 3 0,-6-5-2 16,6 1 1-16,1 3-2 0,-7-3 2 0,6-1-1 0,1 1 2 0,6 0 1 16,-7-1 1-16,2 1 1 0,4-4 1 0,1 4 1 0,-6-4 2 15,6 0 3-15,-1 0 1 0,-4 0 2 0,4 0 1 0,8 0 1 0,-7-4 0 16,0 4 2-16,0-4-1 0,-1 1 1 0,2-1-1 0,-8 0-1 16,7-3 1-16,1 4-2 0,-8-5 0 0,0 1-1 0,0 0 1 15,2-1-1-15,-8 1-1 0,0 0-1 0,0-1-1 0,0 1 0 0,0 0-1 16,-8 0-1-16,8-1-1 0,-6 0-2 0,0 5-1 0,-7-5-2 15,6 5-3-15,-6-1-7 0,7 1-2 0,-8-1-5 0,2 4-5 16,6-4-2-16,-8 4-5 0,-5 0-1 0,5 0-3 0,2 4-2 0,-2-4 0 16,2 4-2-16,-1-1 0 0,-1 1-3 0,8-1-2 0,-6 1 1 15,-2 0-5-15,1-1-2 0,6 5-5 0,-6-5-8 0,7 2-10 16,0 2-12-16,-1-4-18 0,0 1-18 0,7 0-24 0,-6 3-26 0,6-3-30 16,0-1-34-16,6 1-42 0,-6 0-48 0,7-1-46 0,6 1-43 0,-7 0-63 15,7-4-71-15,1 0-29 0,6 3 171 0</inkml:trace>
   <inkml:trace contextRef="#ctx0" brushRef="#br0" timeOffset="90710.63">20117 4924 0 0,'-6'-4'59'0,"6"0"464"0,-6 1-24 0,-1 3-65 16,0-4-83-16,1 4-59 0,6 0-46 0,-6 0-37 0,-1 0-31 15,7 0-26-15,0 0-24 0,0 0-24 0,-6 0-21 0,6 4-19 0,-7-4-17 16,7 3-12-16,0-3-12 0,-7 4-6 0,7 0-4 0,-6 3-4 15,6-4-1-15,0 1-1 0,-6 3 1 0,-2 1 1 0,8-1 3 0,-6 0 1 16,6 1 1-16,0 3 0 0,-6-4 0 0,6 0-3 0,0 0-2 0,0 1-1 16,0 3 0-16,0-3-2 0,0-1 1 0,0-4-1 15,0 5 1-15,6-1-2 0,-6-3 1 0,0-1-1 0,6 1 2 0,-6 0 0 16,8-1 0-16,-8 1-1 0,6-4 3 0,-6 4 2 0,0-4 2 16,0 0 3-16,0 0 3 0,0 0 2 0,0 0 2 0,6 0 0 0,-6-4 2 15,7 4 0-15,0-4 0 0,-1 1-2 0,-6-5 1 0,7 5-2 16,-1-1-1-16,0-3-3 0,1-1-3 0,0-2-2 0,-1 2-4 0,-6-3-2 15,6 0-3-15,1 0-1 0,0-4 0 0,-7 4-2 0,6-3 0 16,-6-1 0-16,7 1 0 0,-7-1-1 0,0-3 1 0,0 3-1 16,0-4 0-16,0 5 1 0,0-5 3 0,0 5 1 0,-7-4 3 0,7 3 2 15,-6-3 3-15,-1 3 3 0,0 1 2 0,1 2 3 0,6 1 3 16,-6-3 1-16,-1 6 4 0,0 1-1 0,1-4 1 0,0 7 0 16,6-3-3-16,-7 3-2 0,7-3-5 0,0 3-5 0,-6 4-3 0,6-3-7 15,-7 3-6-15,7-4-5 0,0 4-5 0,0 0-4 0,-7 4-2 16,7-4-1-16,-6 3 0 0,6-3 0 0,0 4 1 0,-6 3 1 0,6-3 1 15,0 3 4-15,0 1 1 0,0 3 5 0,0-4 2 0,6 4 5 16,-6-4 4-16,0 4 2 0,6 1-1 0,1-2 2 0,0 1 1 16,-1 0 0-16,1 0-1 0,5 0 0 0,-5 0 0 0,6 0 0 0,0 0 0 15,-6-4 0-15,6 4 1 0,6 0-2 0,-6 0 0 0,1-3 0 16,-2 3 0-16,1-4-2 0,0 1 1 0,0-1 0 0,1 0-1 0,5 1 2 16,-6-5-1-16,0 5 0 0,0-5 1 0,6 1 0 0,-5-4 1 15,-1 3 0-15,6-3-1 0,-6 0 1 0,7 0 0 0,-7 0 0 0,6-3-1 16,-6 3 0-16,7-4-2 0,-7 1 0 0,6-5-1 0,-6 5 0 15,7-5-2-15,-7 1-1 0,0 0 0 0,0-4-2 0,0 3 0 16,0-3-1-16,-7 4-1 0,8-4 2 0,-14 3 0 0,6-3 0 16,0 0 0-16,-6 4 0 0,0-4 0 0,0 4-2 0,0-4 2 0,-6 4-1 15,0-1 0-15,6 1-1 0,-6 0 1 0,-2 3 1 0,2-4-1 0,0 5-2 16,-1 0 0-16,7 3-3 0,-7-5-1 0,1 5-2 0,-1-3-2 16,1 3-3-16,0 0 1 0,-1 0-2 0,7 3 0 0,-7-3 0 15,1 5 1-15,0-5 0 0,-1 6 1 0,0-2 2 0,7 0 1 0,-6 3 1 16,-1-3 2-16,7 3 3 0,-6-3 3 0,6 3 1 0,-6 1 2 15,6-1 2-15,0 0 2 0,0-3-1 0,0 3 1 0,6-3-1 0,-6 3 1 16,6-3-1-16,-6-1 1 0,7 1 1 0,-1 0-1 16,-6-1 2-16,7-3 0 0,0 4-1 0,-1-4 1 0,0 0-2 0,1 4-2 15,-7-4-3-15,7 0-4 0,-1 0-7 0,0-4-7 0,7 4-10 0,-6 0-10 16,6-4-14-16,-7 1-12 0,8 3-16 0,-2-8-15 0,-5 5-19 16,6-1-19-16,0 0-19 0,-7-3-17 0,8 0-20 0,-2 0-18 0,-5-1-17 15,6 1-17-15,0-4-17 0,-6 0-15 0,0 0-9 0,5 3-8 16,-12-6 0-16,6 3 2 0,2 0 9 0,-8-4 13 0,6 4 15 15,-6-3 232-15</inkml:trace>
   <inkml:trace contextRef="#ctx0" brushRef="#br0" timeOffset="91006.7">20736 4484 0 0,'-6'-7'187'0,"6"3"37"0,-7 0 9 16,1 1 7-16,-1-1 5 0,7 0 4 0,-7 4 0 0,1-3-2 16,0 3-4-16,6-4-7 0,-6 4-9 0,6-4-8 0,-8 4-10 0,8 0-10 15,0 0-10-15,-6-4-11 0,6 4-13 0,-6 0-12 16,6 0-11-16,0 0-14 0,0 0-14 0,0 0-14 0,0 0-14 0,0 0-14 15,0 0-14-15,0 0-13 0,0 0-13 0,0 0-7 0,0 0-5 16,0 4-4-16,6 0-2 0,-6 0-2 0,6-1-1 0,-6 1-1 0,8 3-1 16,-2 1 2-16,6-1 0 0,-5 0 2 0,6 4 3 0,-6-4 3 15,6 4 3-15,0 0 0 0,-7 0 1 0,8 0-2 0,5 0-1 0,-6 0-1 16,0 0-2-16,1 4-2 0,-2-4-1 0,1 0 0 0,0 0-3 16,0 0 0-16,1 0 0 0,4 0-2 0,-4 0 0 0,-8-4-2 15,7 4 1-15,1-4-1 0,-8 1-1 0,6-1-2 0,2 0-2 0,-8 1-3 16,7-1-3-16,-6-3-7 0,0 3-11 0,-1-7-10 0,6 8-15 0,-4-8-14 15,-2 3-16-15,0 1-21 0,1-4-23 0,-7 4-31 0,7-1-34 16,-7-3-47-16,6 0-52 0,-6 0-63 0,0 0-65 0,0 0-81 16,0 0-89-16,0 0-36 0,0 0-14 0,0 0 1 0,0 0 556 0</inkml:trace>
@@ -2549,7 +2553,7 @@
   <inkml:trace contextRef="#ctx0" brushRef="#br0" timeOffset="103348.48">10237 11489 82 0,'0'0'183'0,"0"0"-1"0,0 0-2 16,0 0-2-16,0 0-2 0,0 0-8 0,0 0-8 0,0 0-9 16,0 0-9-16,-6 0-12 0,0 0-12 0,-1 0-9 0,7 3-9 15,-6-3-6-15,6 0-10 0,0 0-5 0,-7 4-7 0,7-4-7 0,-7 0-5 16,7 0-5-16,0 3-4 0,-6-3-4 0,6 4-2 0,-6-4 0 0,6 4 1 15,0-1 0-15,-6 1 1 0,6 0 3 0,-8-1 0 0,8 5 2 16,-6-5 1-16,6 5 1 0,0-1 2 0,-6 4 1 0,6-4-1 0,-7 4-1 16,7 0-3-16,0 0-3 0,0 0-2 0,0 0-2 0,0 4-2 0,0 0-2 15,0-1-3-15,0 1-2 0,0 3-1 0,0-3-1 0,0 3-2 16,0 0-1-16,0 1-3 0,0-1-1 0,0 4-1 0,0-4-1 0,0 1 1 16,0 3 0-16,0-4 0 0,0 1 0 0,0-1 0 0,7 4-1 15,-7-4-2-15,6 0 2 0,-6 0 1 0,0 4 0 0,6-3 0 0,-6-1-1 16,8 1 0-16,-8-1-1 0,6 0-2 0,-6 0 0 0,0 1-2 15,6-1-1-15,-6 1 0 0,6-1-1 0,-6 0-1 0,0 0-1 0,0 1-2 16,0-1 0-16,0-3-2 0,0 3 1 0,0 1 0 0,0-1 1 0,0-4 0 16,0 5 2-16,0-5 0 0,-6 4 0 0,6-3-1 0,0 0 0 15,-6-1 1-15,6 5-1 0,0-4 1 0,0-1 1 0,0-3 0 0,-6 4 0 16,6-4-3-16,0 3 1 0,-8-3-1 0,8 4-2 0,-6-4-1 0,6 0-1 16,0 0 0-16,0 0 1 0,0 4-1 0,-6-4 0 0,6 0-1 15,0 0-1-15,0 0 0 0,0 0-1 0,0 0 1 0,0-4 0 0,0 7 0 16,0-3 0-16,0 0-1 0,0-3-1 0,0 3 1 0,0 0 0 15,0 0-1-15,0 0-1 0,0 0 1 0,6 0-2 0,-6 0 2 0,0-4-2 16,6 4 1-16,-6 0-2 0,8 0 1 0,-8 0-2 0,6 0 0 0,-6 0 0 16,0 0 1-16,6 0-1 0,-6-3 0 0,6 2 0 0,-6 1 1 15,0 0-1-15,7 0 0 0,-7 0 0 0,7 0 2 0,-7 0-1 16,0 0 1-16,6 0 0 0,-6 4 1 0,7-4-1 0,-7 0 2 0,0 4-1 16,0-4 1-16,0 3 0 0,0-3-1 0,0 4 2 0,0-4 0 0,0 0-1 15,0 3 1-15,0-3-1 0,-7 4 1 0,7-4-1 0,-6 0 2 16,6 4 1-16,0-4 0 0,-7 3 0 0,7-3 1 0,-7 0 2 0,7 0 0 15,-6 0 3-15,0 0 0 0,6 4 2 0,-6-4 1 0,-2 0 0 16,2 0 1-16,0 0 0 0,-1 0 1 0,0-4-1 0,7 4-1 0,-6 0 0 16,-7 0-1-16,7 0-2 0,-2 0 0 0,2 0-4 0,0 1-1 15,0-2-2-15,-1 1-1 0,0 0-1 0,7-3 0 0,-6 3 1 0,-1 0 0 16,1 0 0-16,0-1-1 0,-2 1 2 0,2 0 1 0,6 0 0 16,-6 0-1-16,0 0 1 0,-2 1 1 0,2-1 0 0,6-4 2 0,0 4-2 15,-6 0-1-15,6 0 0 0,-7 0 0 0,7-4 0 0,-6 4-1 0,6 0-1 16,0-4 1-16,-7 4-1 0,7-3-1 0,-7-1 0 0,7 4 0 15,-6-3 1-15,6-1 0 0,0 0-1 0,-6 0 1 0,6 1 0 0,-6-1-2 16,6 0 0-16,-8 4-3 0,8-3-4 0,0-1-3 0,-6 0-2 16,0 4-4-16,6-4-4 0,-7 1-8 0,0-1-5 0,1 0-8 0,6 1-7 15,-7 3-7-15,7-4-9 0,-6 1-6 0,6-5-6 0,-6 5-5 0,6-1-4 16,0-3-2-16,-7 3-3 0,7-3 0 0,0 3-2 0,0-3 0 16,0-1-1-16,7 5-4 0,-7-5 0 0,0 1-2 0,6-1-4 0,0 1-3 15,1 0-4-15,-7-1-3 0,6 1-8 0,8 0-8 0,-8-1-12 0,0 1-15 16,2-4-15-16,4 4-17 0,1-4-24 0,-6 0-24 0,6 3-35 15,-1-3-37-15,2 0-62 0,6-3-74 0,-8 3-44 0,8-4-30 0</inkml:trace>
   <inkml:trace contextRef="#ctx0" brushRef="#br0" timeOffset="104307.69">11312 11287 106 0,'-6'-4'315'0,"6"4"-64"0,0 0-55 0,0 0-35 0,0 0-23 0,0 0-12 16,-7 0-6-16,7 4-7 0,0-4-4 0,0 3-6 0,0 1-10 15,0 0-7-15,0-1-10 0,0 5-4 0,0-1-1 0,0 4 1 0,0-3 2 16,0 3 5-16,7 0 5 0,-7 3 5 0,6-3 2 0,-6 4 2 0,7-1 0 16,0 1-1-16,-1 3-1 0,0 0-2 0,0 1-2 0,-6 3-4 15,14 0-3-15,-8 0-2 0,-6 0-3 0,13 3-2 0,-6 1-4 0,-7 0-3 16,7 0-4-16,-1-1-4 0,0 4-2 0,0 1-4 0,-6-1-2 0,8 0-2 16,-2 1-2-16,0 2-1 0,1-2-1 0,0 3-2 0,-1 0-2 15,-6-4-1-15,7 4-3 0,-7 0-4 0,0 0 0 0,6 4-2 16,-6-4-1-16,6 4 1 0,-6-1-1 0,0-3 0 0,0 3-1 0,0 1 2 15,0 4-1-15,0-5-1 0,0 1 0 0,-6 0 0 0,6 3 0 0,-6-4 2 16,6-3 0-16,0 4-1 0,-7 0-2 0,1-1-1 0,-1 1-2 16,0 0-3-16,1-1-2 0,0-3-1 0,-2 4-2 0,8 0-1 0,-6-5-1 15,0 1 1-15,-7 0-1 0,6 0 0 0,1 0-2 0,-7 0 1 16,-1-4-2-16,8 5 0 0,-6-5-1 0,-2 4-1 0,1-4-2 0,0 0-1 16,-6 1-2-16,5-1 1 0,-5 0 0 0,6 1 3 0,-6-1 1 0,-1-3 0 15,0 3 1-15,1 0 2 0,-1-3-1 0,1-1 1 16,-1 1 2-16,7 0-1 0,-6-1 2 0,5-3 2 0,-5 0 1 0,6 0-1 0,0 1-3 15,7-5 0-15,-8 0-2 0,2 0-1 0,5-3-1 0,0 0-1 16,-6-1-1-16,13 1-1 0,-6-4-1 0,0 3-3 0,6-2-3 0,-7-5-4 16,7 0-5-16,-7 4-7 0,7-7-7 0,0 3-9 0,0 1-11 15,0-5-11-15,0 1-12 0,0 0-15 0,0-1-15 0,0 1-18 0,0-4-18 16,0 3-27-16,0-3-27 0,0 0-26 0,0 0-30 0,0 0-51 16,14 0-62-16,-8-3-86 0,0-1-99 0,14 1-51 0,-7-1-24 0,7-3-7 15,6-4 162-15</inkml:trace>
   <inkml:trace contextRef="#ctx0" brushRef="#br0" timeOffset="105175.15">12510 10682 2 0,'0'-3'317'0,"0"3"-56"0,-6 0-45 0,6-4-28 0,0 4-20 0,0 0-14 16,0 0-10-16,0 0-12 0,-6 4-8 0,6-4-11 0,0 3-10 15,-7 1-8-15,7 0-9 0,0 3-2 0,0 0-5 0,0 4 1 0,0 0 0 16,0 4 5-16,0-1 6 0,-7 5 4 0,7-1 5 0,0 4 1 16,0 0-1-16,0 4-6 0,0-1-6 0,0 5-8 0,-6-1-8 0,6 0-6 15,0 4-4-15,0 1-1 0,-6-2 1 0,6 5 2 0,-7-1 0 0,7 5 1 16,-6-1 2-16,-1 0 0 0,0 4 1 0,1 1 0 0,0 2 2 0,-2 1 3 16,-4-1 2-16,6 5 2 0,-1-5 1 0,-6 8-5 0,6-4-7 15,1 5-6-15,0-2-7 0,-2 1-7 0,2-3-6 0,0 3-2 0,0-1-2 16,-8 2 2-16,8 2 0 0,-1-3 0 0,-6 0-1 0,6 0 1 15,1 4 1-15,-6-5 0 0,-2 5 2 0,8-4 0 0,-7 0 3 0,-1 0 1 16,2 4 2-16,6-5-2 0,-8-2-2 0,1 3-5 0,6-4-5 16,-6 0-5-16,1-3-4 0,5 0-4 0,-6-4-4 0,7-1-5 0,-1 2-3 15,-6-5-3-15,6 0-2 0,1-3-1 0,-8 0 0 0,8-1 2 0,0 1-1 16,0-5 1-16,-8 2 2 0,8-1 1 0,-1-4 1 0,-6 0 2 16,6 0 1-16,1 1 3 0,-6-4 0 0,4-1 2 0,2 1 1 0,0-1 0 15,-8 1-3-15,8-4-1 0,-1 0-2 0,1-4-1 0,0 4-2 0,-1-4-4 16,0 1-1-16,1-5-6 0,6 1-3 0,-6 0-4 0,6 0-6 15,0-4-4-15,0 0-6 0,0-1-5 0,0 1-6 0,0-3-4 0,0-1-8 16,0 4-6-16,0-7-7 0,0 3-6 0,0-3-9 0,0-1-6 16,6 1-8-16,-6 0-9 0,6-4-8 0,-6 0-8 0,7 4-8 0,-7-4-7 15,0 0-5-15,0 0-8 0,7 0-6 0,-1 0-10 0,-6 0-11 16,6 0-15-16,1-4-19 0,-1 4-26 0,1 0-33 0,-7 0-42 0,7-4-46 16,-7 4-70-16,6-4-79 0,0 1-37 0,2-1-12 0</inkml:trace>
-  <inkml:trace contextRef="#ctx0" brushRef="#br0" timeOffset="107282.41">20977 9169 0 0,'-12'-4'474'0,"5"1"36"0,-6-1-45 16,0 4-86-16,6-3-108 0,0 3-63 0,1-4-38 0,-6 4-23 0,12 0-13 15,-8 0-12-15,2 0-13 0,6 0-14 0,-6 0-15 0,6 0-12 16,0 0-14-16,-7 0-9 0,7 4-9 0,0-4-5 0,0 0-3 15,-6 0-2-15,6 0-1 0,-7 3 0 0,7-3 1 0,0 0 1 16,-7 4 2-16,7-4 1 0,-6 3 2 0,6 1 1 0,0 0 2 0,-6-1 1 16,6 2 1-16,0 2 1 0,0-3-2 0,0 3 0 0,0 0 0 15,0 0-3-15,0 4 0 0,0-3 0 0,0 3-2 0,0 0-1 0,0 0-1 16,0 0-2-16,0 3-3 0,0-3-1 0,0 4-3 0,0 0-1 16,0-1 0-16,0 1-2 0,6 0-1 0,-6-1-1 0,0 1-2 0,6-1-2 15,-6-3-1-15,7 4-2 0,-7 0-1 0,7 0-1 0,-1-1-2 16,1 1 1-16,-7-4-2 0,6 3 0 0,0-3 1 0,2 4-1 15,-8-4 1-15,6 0-1 0,-6 0-1 0,6 0-2 0,-6-3-1 0,6-2-5 16,-6 6-3-16,0-5-6 0,7 0-9 0,-7 1-10 0,7-5-11 16,-7 5-17-16,0-5-16 0,6 1-24 0,-6 0-22 0,0-1-32 15,0 1-33-15,0 0-46 0,7-1-52 0,-7-3-55 0,0 0-56 0,0 0-68 16,0 0-74-16,0 0-30 0,0 0-11 0</inkml:trace>
+  <inkml:trace contextRef="#ctx0" brushRef="#br0" timeOffset="107282.4">20977 9169 0 0,'-12'-4'474'0,"5"1"36"0,-6-1-45 16,0 4-86-16,6-3-108 0,0 3-63 0,1-4-38 0,-6 4-23 0,12 0-13 15,-8 0-12-15,2 0-13 0,6 0-14 0,-6 0-15 0,6 0-12 16,0 0-14-16,-7 0-9 0,7 4-9 0,0-4-5 0,0 0-3 15,-6 0-2-15,6 0-1 0,-7 3 0 0,7-3 1 0,0 0 1 16,-7 4 2-16,7-4 1 0,-6 3 2 0,6 1 1 0,0 0 2 0,-6-1 1 16,6 2 1-16,0 2 1 0,0-3-2 0,0 3 0 0,0 0 0 15,0 0-3-15,0 4 0 0,0-3 0 0,0 3-2 0,0 0-1 0,0 0-1 16,0 0-2-16,0 3-3 0,0-3-1 0,0 4-3 0,0 0-1 16,0-1 0-16,0 1-2 0,6 0-1 0,-6-1-1 0,0 1-2 0,6-1-2 15,-6-3-1-15,7 4-2 0,-7 0-1 0,7 0-1 0,-1-1-2 16,1 1 1-16,-7-4-2 0,6 3 0 0,0-3 1 0,2 4-1 15,-8-4 1-15,6 0-1 0,-6 0-1 0,6 0-2 0,-6-3-1 0,6-2-5 16,-6 6-3-16,0-5-6 0,7 0-9 0,-7 1-10 0,7-5-11 16,-7 5-17-16,0-5-16 0,6 1-24 0,-6 0-22 0,0-1-32 15,0 1-33-15,0 0-46 0,7-1-52 0,-7-3-55 0,0 0-56 0,0 0-68 16,0 0-74-16,0 0-30 0,0 0-11 0</inkml:trace>
   <inkml:trace contextRef="#ctx0" brushRef="#br0" timeOffset="107724.5">20620 9213 28 0,'-14'-7'508'0,"8"0"-67"0,-1 0-109 0,7-1-68 0,-7 5-43 0,1-5-26 16,-1 4-15-16,7-3-8 0,0 3-7 0,-6 1-10 0,6-1-12 0,0 0-16 15,0 1-15-15,0-1-14 0,0 0-13 0,0-3-10 0,0 7-7 16,6-4-6-16,-6 1-6 0,0-1-3 0,7 0-2 0,-1 1-4 0,1 3-4 16,-7-4-4-16,7 0-3 0,-1 1-2 0,8 3-5 0,-8-4-2 15,0 0-2-15,0 1-4 0,8-1-2 0,-1 4-2 0,-1-3-3 0,-4-1-3 16,4 4-2-16,-6-4-4 0,1 4-1 0,6 0-2 0,-6-3-1 16,-1 3-1-16,8 0-1 0,-8 0-1 0,0 0 0 0,0 3 0 15,2-3 1-15,4 0 0 0,1 4 1 0,1 0 1 0,-8-1 2 16,8 1 0-16,-2 3 3 0,-6-3 0 0,8 3 2 0,-1 0 1 0,-7 1 0 15,8 3 1-15,-2-4-1 0,1 0 1 0,-6 4 1 0,6 0-2 0,0-4 1 16,-6 5-1-16,-1-1-1 0,6-4-1 0,-4 4 1 0,-8-4-1 16,6 4 0-16,-6 0 1 0,6-3 0 0,-6 3-1 0,0-4 2 15,0 4 2-15,-6 0-1 0,6-4-1 0,-6 5 0 0,-2-6 1 0,2 6 0 16,-6-1-1-16,5-4 1 0,-6 4-1 0,0 0 0 0,-1-4-2 16,2 1-4-16,-2 2-6 0,2-2-7 0,-1-1-9 0,-1 0-11 15,2 1-10-15,-2-1-14 0,2 0-17 0,-8 1-16 0,7-1-21 16,-1 1-23-16,2-5-31 0,-1 5-35 0,0-5-43 0,6 5-46 0,-6-5-36 15,6 1-33-15,-5-4-68 0,12 4-85 0,-6-1-38 0,6-3-13 0</inkml:trace>
   <inkml:trace contextRef="#ctx0" brushRef="#br0" timeOffset="108118.29">21062 9294 74 0,'6'-4'428'0,"1"4"-68"16,0-4-91-16,-1 4-59 0,7 0-46 0,-7-3-25 0,8 3-14 16,-8 0-10-16,7 0-8 0,0 0-7 0,0 3-7 0,0 1-7 0,-6-4-10 15,5 4-6-15,2-1-6 0,-1 5-4 0,-7-5-4 0,7 5-3 16,0-5-2-16,-7 5-3 0,8-1-2 0,-8 4-3 0,8-3-5 16,-8-1-3-16,1 0-6 0,-1 4-3 0,0-3-5 0,1 2 0 0,-7 1-3 15,0-3 1-15,7 3 0 0,-7-4 2 0,0 4 2 0,0-4 2 16,0 1 4-16,0-1 2 0,-7 4 5 0,7-7 3 0,0 3 1 15,-7 1 3-15,7-5 1 0,-6 4 1 0,6-3 2 0,-6 0 2 0,6-1 3 16,0-3 2-16,-7 4 2 0,7-4 3 0,-6 4 2 0,6-4 2 16,0 0 1-16,0 0 0 0,0 0-2 0,0 0-3 0,-7-4 0 0,7 4-2 15,-7-4-2-15,7 1-2 0,-6-1-1 0,6 0-5 0,-6-3-4 16,6 0-7-16,0 0-7 0,0-4-6 0,0 0-7 0,0-1-5 16,0 1-2-16,0-3-4 0,0-1-2 0,6 0-3 0,0 1-3 0,1-4-2 15,0 3-4-15,-1-3-1 0,1 3-3 0,-1 0-4 0,7 0-3 0,-6 1-7 16,-1 3-8-16,0 0-11 0,8 0-12 0,-8 4-15 0,1-1-19 15,-1 1-20-15,-6 0-24 0,6 7-27 0,1-4-29 0,6 0-38 16,-7 4-45-16,2 0-41 0,-2 0-40 0,7 4-70 0,-7 0-81 0,7 3-44 16,0-3-25-16</inkml:trace>
   <inkml:trace contextRef="#ctx0" brushRef="#br0" timeOffset="108422.87">21739 9440 57 0,'13'-7'310'0,"-6"3"-53"0,0 1-44 16,-1-5-24-16,7 5-15 0,-6-5-3 0,-1 1 3 0,0 0 0 0,7 0-3 15,-6 3-4-15,0-3-6 0,-1-1-6 0,-6 1-5 0,6 0-3 16,-6-1 0-16,0 5-5 0,0-5-1 0,0 5-3 0,0-5-4 0,-6 4-5 16,6 1-8-16,-6 0-6 0,-1 3-8 0,0-5-11 0,1 5-9 15,-1 0-13-15,1 0-12 0,0 0-10 0,-1 0-12 0,-6 0-8 16,7 5-8-16,-1-5-9 0,0 3-6 0,-6 0-4 0,7 1-5 0,-8 0-4 15,8 0-1-15,-6 3-3 0,-2 0 0 0,8-3 2 0,-1 3 3 0,1 1 0 16,-8-1-3-16,14 0-3 0,-6 1-4 0,0-1-9 16,0 0-8-16,6 0-13 0,0 1-12 0,-8-5-16 0,8 5-18 0,0-1-20 15,0 0-23-15,8 1-23 0,-8-5-26 0,0 1-29 0,6 4-31 0,6-5-31 16,-5 0-32-16,0 2-22 0,6-2-20 0,-1-3-23 0,2 4-29 16,5-4-31-16,-6-4-33 0</inkml:trace>
@@ -2574,6 +2578,144 @@
   <inkml:trace contextRef="#ctx0" brushRef="#br0" timeOffset="127060.39">21048 9972 175 0,'-12'0'583'0,"-1"3"-11"0,6-3-21 0,-6 0-92 15,1 0-124-15,4 0-74 0,2 0-50 0,-6 0-27 0,5 0-17 16,0 0-15-16,7 0-13 0,-6 0-17 0,6 0-16 0,0 0-15 0,0 0-14 16,0 0-12-16,0 0-11 0,0 0-8 0,0 0-9 0,0 0-3 15,0 0-4-15,0 0-1 0,6 0 0 0,-6-3-1 0,7 3-2 0,0 0-1 16,5 0 2-16,2-4 2 0,-8 4 0 0,7-4 1 0,7 4 2 16,6-3 0-16,-7-1 2 0,7 4 1 0,6-7 0 0,1 3 1 15,-1 0 0-15,8-3 1 0,5 3 2 0,1-3 0 0,6-4-2 0,-6 4-1 16,13-5-5-16,-8 2-2 0,8-1-3 0,-1 0-3 0,7-4-3 0,1 0-2 15,-1 1-4-15,1-1-4 0,-9 1-4 0,9-1-1 0,-7 0-4 16,-1 0-2-16,-6 4-1 0,-6 0-1 0,-1 0 1 0,-6 0 1 16,-6 4-1-16,-7 0-2 0,0 0 0 0,-6 3-6 0,-7 0-8 0,-7 1-8 15,1 3-10-15,-1-4-12 0,1 4-14 0,-7 0-15 0,0 0-15 16,0 4-18-16,-7-1-21 0,1 1-22 0,-1 0-25 0,-6-1-30 16,1 5-31-16,-8-1-44 0,0 0-45 0,1 4-38 0,-7 0-33 0,0 0-67 15,-7 4-83-15,7-4-36 0,-7 4-15 0</inkml:trace>
   <inkml:trace contextRef="#ctx0" brushRef="#br0" timeOffset="127436.48">20815 10250 0 0,'0'0'336'0,"0"0"140"0,0 0-68 0,0 0-67 0,6-4-68 15,0 4-41-15,2-3-30 0,4-1-18 0,1 0-7 0,0 1-10 16,6-4-7-16,1 3-9 0,0-3-11 0,6-1-7 0,7 5-9 0,-8-8-8 16,7 3-7-16,2 1-4 0,5-1-4 0,0-3-2 0,-1 4-1 15,2-4-2-15,5 0 0 0,1 0-1 0,0 0-3 0,0 0-1 0,5 0-2 16,-5 0-1-16,6 0-3 0,0-3-3 0,0 2-1 0,0-2-3 16,0 3-5-16,1 0-3 0,-8-4-5 0,7 4-3 0,-7-3-6 15,8 3-3-15,-7 0-4 0,-1 0-4 0,1-4-4 0,-7 4-4 0,6 0-3 16,1 4-4-16,-7-4-2 0,0 0-3 0,7 0-2 0,-7 3-3 15,-1-3-1-15,-5 4-2 0,0 0-3 0,0 0-1 0,-8-1-3 0,1 1-1 16,-6 3-1-16,0-3-1 0,-7 7-1 0,-1-4 1 0,2 1-2 16,-8-1-7-16,0 4-2 0,1 0-11 0,0-4-9 0,-7 4-16 15,0 0-14-15,0 0-18 0,0 0-18 0,-7 4-18 0,7-4-18 0,-7 4-18 16,1-4-19-16,0 7-19 0,-8-7-21 0,8 7-26 0,-7 1-30 16,-7-5-47-16,8 5-56 0,-8-1-72 0,-6 4-82 0,7-4-55 15,-7 4-45-15,-1-4-15 0,1 4 1 0</inkml:trace>
   <inkml:trace contextRef="#ctx0" brushRef="#br0" timeOffset="129700.31">11032 15316 316 0,'6'0'477'0,"-6"0"-46"15,0 4-74-15,0-4-89 0,0 0-99 0,0 0-59 0,0 0-38 16,0 0-19-16,0 0-9 0,0 0-4 0,0 0 0 0,0 0-4 0,0 0-4 16,0 0-13-16,0 0-17 0,0 0-26 0,0 0-28 0,0 0-40 0,0 0-48 15,0 0-60-15,0 0-69 0,0 0-76 0,0 0-84 0,0-4-40 0,0 1 23 16</inkml:trace>
+</inkml:ink>
+</file>
+
+<file path=ppt/ink/ink72.xml><?xml version="1.0" encoding="utf-8"?>
+<inkml:ink xmlns:inkml="http://www.w3.org/2003/InkML">
+  <inkml:definitions>
+    <inkml:context xml:id="ctx0">
+      <inkml:inkSource xml:id="inkSrc0">
+        <inkml:traceFormat>
+          <inkml:channel name="X" type="integer" max="32767" units="cm"/>
+          <inkml:channel name="Y" type="integer" max="32767" units="cm"/>
+          <inkml:channel name="F" type="integer" max="8191" units="cm"/>
+          <inkml:channel name="T" type="integer" max="2.14748E9" units="dev"/>
+        </inkml:traceFormat>
+        <inkml:channelProperties>
+          <inkml:channelProperty channel="X" name="resolution" value="1612.54919" units="1/cm"/>
+          <inkml:channelProperty channel="Y" name="resolution" value="2580.07886" units="1/cm"/>
+          <inkml:channelProperty channel="F" name="resolution" value="10E-6" units="1/cm"/>
+          <inkml:channelProperty channel="T" name="resolution" value="1" units="1/dev"/>
+        </inkml:channelProperties>
+      </inkml:inkSource>
+      <inkml:timestamp xml:id="ts0" timeString="2021-10-30T12:17:51.773"/>
+    </inkml:context>
+    <inkml:brush xml:id="br0">
+      <inkml:brushProperty name="width" value="0.05292" units="cm"/>
+      <inkml:brushProperty name="height" value="0.05292" units="cm"/>
+      <inkml:brushProperty name="color" value="#FF0000"/>
+    </inkml:brush>
+    <inkml:context xml:id="ctx1">
+      <inkml:inkSource xml:id="inkSrc23">
+        <inkml:traceFormat>
+          <inkml:channel name="X" type="integer" min="-1920" max="1920" units="cm"/>
+          <inkml:channel name="Y" type="integer" min="-116" max="1084" units="cm"/>
+          <inkml:channel name="T" type="integer" max="2.14748E9" units="dev"/>
+        </inkml:traceFormat>
+        <inkml:channelProperties>
+          <inkml:channelProperty channel="X" name="resolution" value="124.27184" units="1/cm"/>
+          <inkml:channelProperty channel="Y" name="resolution" value="68.96552" units="1/cm"/>
+          <inkml:channelProperty channel="T" name="resolution" value="1" units="1/dev"/>
+        </inkml:channelProperties>
+      </inkml:inkSource>
+      <inkml:timestamp xml:id="ts1" timeString="2021-10-30T12:18:57.359"/>
+    </inkml:context>
+    <inkml:brush xml:id="br1">
+      <inkml:brushProperty name="width" value="0.05292" units="cm"/>
+      <inkml:brushProperty name="height" value="0.05292" units="cm"/>
+      <inkml:brushProperty name="color" value="#92D050"/>
+    </inkml:brush>
+  </inkml:definitions>
+  <inkml:trace contextRef="#ctx0" brushRef="#br0">2836 13127 288 0,'0'5'559'0,"-4"-2"5"0,4 2 5 0,-2-2-118 0,-2 1-179 0,0-1-89 0,-3 1-43 0,3-1-24 0,2 0-13 0,-2-1-9 0,-2 1-9 0,2-1-12 0,2 0-14 0,-2-1-13 0,4-1-12 0,-3 2-11 0,3 0-8 0,0-2-8 0,0 0-10 0,0 0-9 0,0 0-12 0,0 0-12 0,0 0-13 0,0 0-18 0,0 0-19 0,0 0-26 0,0 0-27 0,0 0-39 0,0 0-46 0,0 0-65 0,0 0-73 0,0 0-71 0,0 0-67 0,0 0-32 0,0 0-12 0</inkml:trace>
+  <inkml:trace contextRef="#ctx0" brushRef="#br0" timeOffset="11167.82">3582 2977 131 0,'0'0'250'0,"0"0"-61"0,0 0-30 15,0 0-14-15,0 0-9 0,0 0-6 0,0 0-6 0,0 0-7 0,0 0-10 0,0 0-11 0,0 0-12 0,0 0-10 16,-4 0-5-16,4 0-6 0,-2 1-4 0,2 1-1 0,0 0-2 0,0-1 0 0,0 1-1 0,-4 2 2 0,4 1-1 16,0-2-1-16,0 2 1 0,-2 2 1 0,2 1-1 0,-4 0 1 0,4 1-1 0,0 1 0 15,-4 0-4-15,4 1 0 0,-2 2-2 0,-3 1-3 0,5 0-1 0,-6 0 0 0,6 1-1 16,-4 2 1-16,2 0-1 0,-2-1 0 0,0 1 0 16,2 2 0-16,-2-1-1 0,2 0-1 0,-3 0-3 0,1 2 0 0,2 0-1 0,-2 1-1 15,4-1 0-15,-6 0-4 0,2 1-1 0,4-1-3 16,-6 0-1-16,6 2-4 0,-5-1-2 0,3-1-3 0,2 2-2 0,-4 0-1 0,4-1-2 0,-2-1-2 15,-2 4 0-15,4-3-3 0,-4 1 0 0,2-1 0 0,2 1-1 0,0 0 0 0,0 0 0 0,-4 0 1 0,4-1 0 0,0 1 1 16,0-1 2-16,0-1-1 0,0 2 2 0,0-1 0 0,0 1 0 0,0-2-1 0,0 4 1 0,0-1-2 16,0-3 1-16,0 3-1 0,0-1-1 0,0 1 2 0,0-1-2 0,0 1 0 0,0-1 0 0,0 1-1 15,0 1 1-15,0-1-1 0,0 0 0 0,0 0 0 0,0 1-1 0,0-1 0 0,0 2-1 16,-2-1 0-16,2-1 0 0,-5 0-1 0,5 1 1 0,0-1-1 0,-4 2 0 0,4-2 0 0,-2-1-2 0,-2 2 0 16,4-3-1-16,0 2 0 0,-4-3-2 0,4 2 0 0,-2-1-1 0,2-1 0 0,0 0-2 0,0-1-1 0,-4 1-1 0,4-2-1 15,0-1 0-15,0 1-1 0,-2 0 0 0,2-1-1 0,-4 0 0 0,4 0 1 0,0-1-1 0,0 1-1 0,0-1 1 16,-5-1 0-16,5 1 0 0,-2 0 2 0,2 1 0 0,0 0 3 15,0-3 0-15,-4 3 3 0,4-2 1 0,-2 2 0 0,-2 0 3 0,4-1-1 0,-4-1 2 16,2 2 1-16,-2 0 1 0,4-2 2 0,-2 2 0 0,-3-3 0 0,1 3-1 0,4-1 0 16,-6 0 0-16,6 0-1 0,-4 1 0 0,2-2-1 0,2 1-1 0,-4-1-1 0,4 2 1 15,-6-2 0-15,6 2-2 0,-5-2 1 0,3 0-1 0,2 2-1 0,-4-2 1 0,4 2-1 0,-2-3 1 0,-2 3-1 16,4-1 1-16,-6 1-1 0,6-2 1 0,-4 2-2 0,4-2 0 0,-4 3 1 0,2-1-1 0,2-1 0 16,-5 1 0-16,5 2-1 0,-2-3-1 0,-2 1 0 0,0 0 0 15,2-1 0-15,2 2-1 0,-4-1-1 0,4-2 0 0,-2 2 0 0,-2-2 0 0,4 2 0 0,-4-1 0 0,1-1 0 16,3 2-2-16,0-2 1 0,-4 2 0 0,4-1 0 0,-2-1-1 0,2 3 0 0,-4-1-2 0,4-2 1 15,-4 4-1-15,4-3 1 0,0 1-1 0,0 0 0 0,-2-1-2 0,2 1-1 0,-4-2 0 0,4 3 0 16,0-1 1-16,0 0-1 0,-4-1 0 0,4 3-1 0,0-3 0 0,0 1 0 0,0-1 1 0,0 3 0 0,0-2 1 0,0-1 2 16,0 1 1-16,0 2 3 0,0-3 1 0,4 0 2 0,-4 1 1 0,0 0 0 0,0 1 3 0,4 1 0 0,-4-1 3 15,2 0 2-15,-2-1 0 0,0 3 0 0,0-3 1 0,4 1 0 0,-4 0-1 0,0 1 0 16,0-1-1-16,4 0 0 0,-4 0 1 0,0 1-2 0,0 1 0 0,0-2-2 0,0 2 1 16,0-2-1-16,0 2 0 0,0 0 0 0,0-1-2 0,0-1 0 0,0 2-1 0,0 0 1 0,0 0-2 15,0-2 0-15,0 2 1 0,2 1-2 0,-2-1 0 0,0-2-1 0,0 2 1 0,4-2-1 16,-4 2-2-16,0-2 1 0,0 1-2 0,3-1 1 0,-3 0 0 0,4 1 0 0,-4-1-1 0,0-1 0 0,0 0-1 15,0 1 1-15,4-1 0 0,-4-1 0 0,0 1-2 0,2 1 1 0,-2-1-1 0,0-1 1 0,0 0-1 0,0 0 0 0,0-1 0 0,0 2-1 16,0-1 0-16,0-1-1 0,0 2 0 0,0-2 1 0,0 2-1 0,0 0 0 0,0-3 1 0,0 3-1 0,0-2 1 16,0 2-2-16,0-2 0 0,0 1 0 0,0-1 2 0,0 1 1 0,0-1 2 0,0 1 1 0,0-1 2 15,0 0 0-15,0 0 1 0,0 0 2 0,0 2-1 0,-2-2 3 0,2 1-1 0,0 0 3 0,-4-1 1 16,4 0 1-16,0-1 1 0,0 3-2 0,0-2 0 0,0 0-2 0,-4 0 1 0,4 0 1 0,-3 0 0 0,3 0 0 16,0 2 0-16,0-2-1 0,-4 1 0 0,4-1 0 0,0 2 0 0,0-2 0 0,-2 2 0 0,2 0-1 0,-4-3 1 0,4 3-1 0,0-2 0 0,-4 2 0 0,4 0-1 15,0 1 2-15,-2-1 0 0,2-1-2 0,-4 1-1 0,4 1 0 0,0 0-1 0,-4 1 2 0,2-1-2 0,2 2 1 0,0 0-2 16,0-2 2-16,-5 2-1 0,5-1 1 0,0 2-2 0,-2-1 1 0,2-1-1 0,-4 1 3 0,4 1 0 15,0-1 1-15,-4 1 1 0,2-1 0 0,2 0 0 0,0 0 0 0,-4 0-1 0,4 1 1 0,-2-1 0 16,-2 0-1-16,4 0 0 0,-4 0-1 0,2 2 0 0,2-1-1 0,-5 1-1 0,5 0-1 16,-2 0 0-16,-2-2-1 0,4 2 1 0,-4 1 3 0,4-2 1 0,-2 2 2 0,-2-1 1 0,4 0 0 15,-4 0 2-15,2-1 2 0,2-1 3 0,-4 4 2 0,4-3 2 0,0 1 3 0,-3-1 1 0,-1 3 3 0,4-1 0 16,-4-1 0-16,2-1 0 0,2 3 0 0,0-1-1 0,-4 1 0 0,4-1-1 0,0 0-2 0,-2 0-2 16,2 1 0-16,-4 1-2 0,4-2-2 0,-4 0-1 0,4 3-2 0,0-3-1 0,-2 2-3 0,2 0 0 0,-5 0 0 0,5 0-2 15,0 0 0-15,-4 2 0 0,2-2 0 0,2-1 0 0,-4 4 0 0,4-4-2 0,-2 3 1 16,-2-2-1-16,4 2 0 0,-4-3-2 0,2 2 1 0,-2 0 0 0,4-1-3 0,-7 0 0 15,3 2 0-15,2-2-2 0,-2 0-2 0,4 2 0 0,-2-3-2 0,-2 2 2 0,4-1 2 0,-4-1 0 0,4 0 3 16,-2 1 0-16,-3-2 2 0,5 0 3 0,-4 1 1 0,2-1 2 0,2 2 2 0,-4-3 3 0,4-1 1 0,-2 3 2 16,2-3 3-16,-4 3 0 0,4-2 1 0,0-1 1 0,-4-1-2 0,4 2 1 0,-2-1-1 0,2 1-1 0,0 0-1 0,0-2-1 15,-4 0 0-15,4 0-2 0,0 0-2 0,0 0 0 0,-2 2-2 0,2-1-3 0,0-1-1 0,-5 0-1 0,5 2-2 0,0-1-2 0,0 1 1 16,0 0 0-16,0-2-1 0,0 4 1 0,0-4-2 0,0 1 1 0,-4 1-1 0,4-1 2 0,0 1-1 16,0-2-1-16,0 0 2 0,0 0-2 0,0 0 1 0,0 0-1 0,0 0 1 0,-2 0-1 15,2-2 0-15,0 0 0 0,0 2-1 0,0 1 1 0,0-3-1 0,0 2 1 16,-4-2-2-16,4 2 0 0,0-2 0 0,0 3 1 0,0-3-2 0,-4 2-1 0,4 0-3 0,0-2 2 0,-2 2 0 15,2 0 2-15,0 2 0 0,0-2 2 0,0 0 0 0,0 0 2 0,0 0 0 0,0 2 1 0,0-2-1 0,-4 0 2 0,4 1 2 16,0 1 1-16,0-1 2 0,0 1 0 0,0 0-1 16,-2-2 0-16,2 2 1 15,-4-1-2-15,4 1-1 0,0-1 0 16,-5 3 1-16,5-2-1 0,-2 0-1 16,2 1 0-16,0-3 0 0,0 3-2 15,-4-2 0-15,4 1 0 0,0 0-1 0,0 0 0 16,-2-1-2-16,2-1-1 0,-4 2 1 0,4-2-2 15,0 1-2-15,0-1-1 0,-4-1 0 16,4 1-1-16,-2-2-2 0,2 1 0 16,0-3-3-16,0 3-1 0,-4-2-1 15,4-1-3-15,0-1-1 16,0 1-4-16,-2 0-4 0,2-1-4 0,0 0-3 16,-5-2-5-16,5 0-5 0,0 3-7 0,0-4-7 0,0 3-9 0,0-3-8 15,0 2-9-15,0-1-13 0,0-1-10 0,-4 1-14 16,4-2-11-16,0 2-14 0,0-2-12 0,0 1-14 15,0-1-18-15,0-1-15 0,0 0-20 16,0 0-22-16,0 0-34 0,0-1-40 0,0-1-60 0,4 0-69 16,-4-1-63-16,0 0-59 0,0-2-23 0,5-2-4 0</inkml:trace>
+  <inkml:trace contextRef="#ctx0" brushRef="#br0" timeOffset="15072.37">2441 11160 100 0,'-2'0'174'0,"2"0"-22"15,-4 0-11-15,4 0-9 0,0 0-6 0,0 0-6 0,0 0-8 0,0 0-8 0,0 0-11 0,0 0-8 0,0 0-5 0,0 0-5 0,0 0-7 0,0 0-5 0,0 0-5 0,0 0-7 0,0 0-5 16,0 0-4-16,0 0-5 0,0 0-2 0,0 0-3 0,0 0-2 0,0 0-1 0,0 0-1 0,4 0 0 0,-4 0 1 0,6 0 0 16,-6 0 0-16,5 2 1 0,1-2 1 0,-2 1 0 0,2-1 2 0,0 2-2 0,0-2 3 0,-1 0 1 15,7 0-1-15,-4 0 0 0,-2 0-2 0,7 0 0 16,-3-2-2-16,1 2-1 0,1-1-2 0,-2 1-1 0,7-4-1 0,-7 3-1 0,7-1-1 0,-1-1 0 0,-1 0-2 15,1-1-2-15,1 1 0 0,-1 0-1 0,1-1-1 0,-1 1-1 0,5 1-1 0,-2-1-2 0,-3-1-1 0,5 3 0 0,-5-1-2 16,5 1-2-16,-2-3-3 0,1 3 1 0,-3-1-2 16,4 2 2-16,-1-2-1 0,-1 1-1 0,-3 1 1 0,5-2-2 0,-4 0 1 0,5 2 1 15,-5 0-1-15,4-2 3 0,-5 2 2 0,5-1 1 0,-5 1 2 0,1-2 0 0,3 1 1 0,-1 1 1 16,-2-2 1-16,-1 2 0 0,1-2 1 0,1 1-1 0,-1 1 0 0,-1-2 0 0,3 0 0 0,-5 2-3 16,3-2-1-16,0 1-1 0,-1 1-1 0,-4-2 0 0,5 0-2 0,-3 2 0 0,3-1-1 0,0-1-2 0,-5 2 1 15,2-1-1-15,3 1 2 0,-5 0-1 0,3 0 2 0,1-2 1 0,1 2 0 16,-5 0 2-16,3 0 1 0,1 0 2 0,1 0 1 0,-3 0 4 0,3 0 2 0,-1 0 2 15,-3-2 0-15,3 2 2 0,1 0 1 0,-1 0 1 0,1 0 1 0,-1-1 1 0,1-1 0 0,4 2-1 0,-5-2 0 16,1 0-2-16,3 2-1 0,-3-1-1 0,0 1-2 0,3-2-1 0,-3 0 0 0,1 2-2 0,3-1-2 0,0-1 1 0,-5 2-1 0,7-1 0 16,-7-1 0-16,5 1-2 0,2-1 1 0,-7 0-1 0,5 0 1 0,2 0 0 0,-2 1-2 0,-5 1 0 0,7-4-1 0,-3 3 0 0,1-1 0 15,-2 1-2-15,6-1-1 0,-7 1-1 16,3-1-2-16,2 0 0 31,-3 0 0-31,3 0-2 16,-7 2-1-16,9-1 0 15,-6-1-1-15,2 2-1 0,-1-2-1 0,-1 1 0 16,2 1-1-16,1-2 0 0,-1 1 0 0,2 1-2 0,-3 0 1 0,-1 0 0 0,2 0-1 0,-1 0-2 0,3 0-1 0,0 0 1 0,2 0-1 0,-7 0 1 0,9 0-1 0,-6 0 0 16,1 0 2-16,5 0 0 0,-4 0 2 0,4 0 3 0,-6 0 2 0,5 0 0 0,-3 0 3 0,4 0 1 0,0 0 2 0,-4 0 3 0,4 0 1 0,-1 1 2 0,1 1 1 0,0-2 0 0,0 1 1 0,2 1-1 15,-2-2 0-15,4 0 0 0,-2 0-3 0,-2 0 1 0,4 0-2 0,-2 0 0 0,-2 0 1 0,6 0-2 0,-2 0-1 0,-2 0 0 0,4 0 0 0,-7 0-1 0,5 0-1 0,-2 0-1 0,2 0 0 0,-2 0-2 0,-2 0 1 0,4 0-3 16,-2 0 0-16,-2 0-1 0,0 0-1 0,0 0-2 0,0 0 0 0,2 0-2 0,-2 0 0 0,-1-2-1 0,1 1-1 0,4 1 1 0,-6 0 0 0,6-2 2 0,-4 1 1 0,0 1 4 0,2-2 1 0,2 1 0 0,-2 1 3 0,-2-2 1 16,4 2 1-16,-5-2 2 0,3 0 0 0,-2 0 3 0,4 1-1 0,-2 1 2 0,-2-2-1 0,0 1 0 0,2 1-1 0,-2-2 0 0,4 0-2 0,-2 2 0 0,-2-1-1 0,4-1-1 0,-2 2-1 0,-3-2 0 0,5 2 0 0,-2-1-1 15,2-1 0-15,-2 0-2 0,2 0 0 0,-2 1-2 0,-2-1 0 0,6 1 0 0,-6-3-1 0,4 3-2 0,-2-1-1 0,-2 0 0 0,4-1-2 0,-6 1 1 0,6 0-1 0,-4-1-2 0,2 2 0 16,2-1-1-16,-5 0-1 0,3-1 1 0,-2 1 0 0,4 0 3 0,-2-1 1 0,-2 1 5 0,4-1 0 0,-4 0 3 0,2 0 2 0,-2-1 1 0,2 1 2 0,2-1 2 0,-4 1 2 0,-1 0 1 0,3 0 2 15,-2-1 1-15,0 1-1 0,4 1-2 0,-4 0-2 0,-2-1-1 0,2 0-2 0,4 2 0 0,-4-3-1 0,1 0-1 0,-1 3 0 0,4-2-2 0,-4-1 0 0,2 3-2 0,-2-3 1 0,2 1-2 0,2-1 0 0,-4 1-1 0,0 2 1 0,2-3-2 0,-2 1-1 0,-1 0-1 16,-3-1 0-16,4 2-1 0,0-1 0 0,0 0-2 0,-4 1 1 0,3-1-1 0,-1 0-1 0,-2-1 2 0,0 1 0 0,4 0-1 0,-5-1-1 0,3 1 1 0,-2-1-1 0,0 3 2 0,-1-3 0 0,3 1 3 0,-2 2 0 0,4-2 3 0,-5-1 1 0,3 2 2 16,-2 0 2-16,4 1 2 0,-4-3 2 0,-1 3 0 0,5-1 2 0,-6-1 2 0,6 2 1 0,-5-3 2 0,5 2 0 0,-4-1-2 0,2 1 0 0,-2-1 0 0,4 0-1 0,-5 0 0 0,5-1-1 0,0 2-2 0,-4-1 0 15,4 0-2-15,-5 1 0 0,5-1 0 0,0 1-1 0,-4 0-1 0,4-1 0 0,0 1 1 0,-5 0 0 0,5-1-1 0,0 2-1 0,-6-1 0 0,6 0-1 0,-5-1-1 0,5 1 0 0,-4 2 0 0,2-1-1 0,-3-1-1 0,1 2-1 0,0-2-1 16,2 0-1-16,-2 2-2 0,-1-1-1 0,3-1 0 0,-2 2-1 0,0 0-2 0,-1 0 1 0,3 0-2 0,-6 0 1 0,8 0-2 0,-7 0 2 0,3 0 0 0,4 0 2 0,-6 0 3 0,1 0 2 0,1 0 0 0,4 0 1 0,-6 0 3 0,5 0 0 16,-3 0 2-16,4 0 1 0,-6 0 2 0,6 0 2 0,-5 0 2 0,5 0-1 0,-4 0 0 0,0 0 0 0,4 0-2 0,-3 0 1 0,-1 0-2 0,0 0 0 0,4 0 0 0,-5 0-2 0,5 0 0 0,0 0-1 0,-2 2 0 0,0-1-1 0,2-1-1 15,-3 0-2-15,-1 2 1 0,4 0-3 0,0-2 1 0,-4 2-1 0,4-1-1 0,-5-1-1 0,5 2-2 0,-4-2 0 0,2 2 0 0,-3-1 0 0,1-1 0 0,-2 2-2 0,2 0 1 16,-1-2-1-16,3 1 1 0,-6-1-2 0,1 2 0 0,3-1-1 0,-2-1 0 0,2 2-1 0,-3 0 1 0,1-2 0 0,2 2-1 0,-3-1-1 0,-1 1 0 0,2-2 0 0,1 2 0 0,-1-1 3 15,2-1-1-15,-3 4 3 0,1-4 1 0,-2 1 1 0,1 1 1 0,1-1 1 0,-2 1 3 0,1 0 0 0,-3-2 2 0,3 2 2 0,-3 0 2 0,2-1 2 0,1 1-1 0,-3-2-1 16,4 1 2-16,-5 1-1 0,1-1 0 0,3 1 1 0,-3-2-1 16,-1 2-1-16,3-1 2 0,0-1-1 0,-1 2-1 15,-1 0 1-15,3-2-2 16,-3 2 0-16,6 0 0 0,-7-2-1 0,5 1-1 0,-5-1-1 0,5 2-1 16,-4-1 1-16,3-1 0 0,-1 2 0 0,2-1-2 0,-5-1 1 0,1 2-1 0,3 0 0 0,-1-2-1 0,-5 1 1 15,5-1-1-15,2 0 1 0,-5 0 1 0,1 2-2 0,-1-2 1 0,-1 0-2 0,1 2 0 0,1-2 0 0,-5 0-1 16,5 0 0-16,-3 0 0 0,-1 0-1 0,3 0 1 15,-6 0-1-15,5 0-2 16,-3 0 1-16,-1 0 0 0,1 0-2 0,-2 0 2 16,5 0-1-16,-5 0 0 0,-2 2 0 0,3-2-1 0,-1 0 1 15,0 0-2-15,1 0 2 0,-5 0 0 0,4 0 0 0,-3 2 1 0,3-2-1 0,-4 0 0 0,0 0-1 0,5 0 0 16,-5 0 1-16,-2 0-1 0,6 0 1 0,-3 0 0 0,-1 0 0 0,-2 0-2 16,2 0 2-16,0 0 0 0,-2 0 0 0,3 0 0 15,-1 0 1-15,-2 0 1 16,0 0-1-16,-2 0 0 0,2 0-1 15,2 0 1-15,-1 0 0 0,-3 0-1 0,2 0 0 0,0 0-2 0,-2 0 0 0,4 0-1 16,-6 0-2-16,4 0-3 0,-4 0-3 0,4 0-4 0,-4 0-3 0,3 0-5 16,-3 0-5-16,0 0-7 0,0 0-7 0,0 0-9 15,0 0-6-15,0 0-9 0,0 0-7 0,0-2-9 16,0 2-10-16,0 0-13 0,0 0-16 0,0 0-19 0,0-2-26 0,0-2-29 16,0 4-50-16,0-1-61 0,-3-4-102 0,-1 0-120 15,4 2-64-15,-4-3-35 0,-2 1-13 0,0 1-3 0</inkml:trace>
+  <inkml:trace contextRef="#ctx0" brushRef="#br0" timeOffset="18337.59">4665 9497 61 0,'0'0'492'0,"-4"0"3"0,2 0-98 16,2 0-147-16,0 0-73 0,0 0-38 0,0 0-16 0,0 0-9 0,0 0-6 0,0 0-4 15,0 0-10-15,0 0-9 0,0 0-8 0,0 0-6 0,0 0-7 0,0 0-5 0,0 0-6 0,0 0-8 0,0 0-7 16,0 0-6-16,0 0-5 0,0 0-5 0,0 0-1 0,0 0 2 0,0 0 2 0,0 2 1 0,2-1 1 0,2-1 1 16,1 3 1-16,-3-1 0 0,2 1 2 0,2 1-1 0,-2 0-1 0,2-1 2 15,1 1-1-15,3 1-1 0,-4 1-3 0,4-1-3 16,1-1-5-16,-5 3-5 0,8 0-3 0,-5-1-3 0,1 0-4 0,0 0-2 0,5 1-2 0,-3 0 0 0,-1 1-1 0,1 0-1 15,2-1-1-15,-1-1 1 0,-3 1-1 0,3 0 2 0,1-1 1 0,-4-1 0 0,3 3 2 0,3-2 0 16,-5-1 0-16,3 0 2 0,-1 0-1 0,-3 0 1 0,2 0 1 16,-1-2-1-16,-1 2-1 0,0-1-2 0,-3-1-4 0,3 0-6 0,-4-1-8 15,0 0-9-15,3 1-11 0,-7-3-12 0,2 2-14 0,2-1-15 0,-6-1-18 16,4 2-20-16,-2 0-23 0,-2-2-26 0,0 0-23 0,0 0-26 0,0 0-23 0,-2-2-24 16,-2 0-21-16,-2-1-17 0,2 0-34 0,-3-1-41 0,1-1-40 0</inkml:trace>
+  <inkml:trace contextRef="#ctx0" brushRef="#br0" timeOffset="19042.41">4878 9400 122 0,'0'-5'338'0,"-2"2"-56"16,2-1-49-16,-4 3-27 0,4-1-15 0,0 1-12 0,0-1-9 0,-4 2-9 0,4-1-11 15,-2 1-9-15,2 0-12 0,0 0-9 0,0 0-11 0,0 0-9 0,0 0-9 0,0 0-8 0,0 0-7 16,0 0-7-16,-4 0-6 0,4 0-4 0,0 1-6 0,0-1-6 0,-2 2-5 16,2-1-6-16,-4-1-5 0,4 3-2 0,0-1 0 0,0 0-1 15,0 1 0-15,-4 1 0 0,4-1 1 0,0 3-2 0,0-1 0 16,0 2-1-16,0 1-1 0,0 3 1 0,0-2 0 0,0 2-1 0,-3 0 1 0,3 2 0 0,0 0-2 15,0-1-3-15,-4 2-2 0,4 1-2 0,0-2-2 0,0 2-2 0,-6 0-1 0,6-1-2 0,-4 1-1 16,4-1-1-16,-2 0-2 0,-2 0 0 0,4-2 0 0,-4 2-3 0,2-1 0 0,2 1-3 0,0-3-3 16,-5 1-6-16,5-2-6 0,0 0-8 0,-2 0-10 0,2-1-10 0,-4 0-13 0,4 0-14 0,0-3-15 15,0 2-21-15,-4-1-20 0,4-2-27 0,-2 2-29 0,2-4-41 0,0-3-45 0,0 4-62 0,0-4-72 16,0 0-58-16,0 0-53 0,2-2-22 0</inkml:trace>
+  <inkml:trace contextRef="#ctx0" brushRef="#br0" timeOffset="26569.53">4986 8267 280 0,'0'-2'406'15,"-4"2"-96"-15,4-1-64 0,0-1-52 0,0 2-24 0,0 0-11 16,0 0-10-16,0 0-6 0,0 0-12 0,0 0-14 0,0 0-13 0,0 0-11 16,0 0-9-16,0 0-8 0,0 0-7 0,0 0-8 0,0 0-8 0,0 0-9 0,0 0-6 15,0 0-3-15,0 2-2 0,0-1 0 0,4-1-1 0,-4 4-2 0,6-3-1 0,0 1-2 16,-2 1 0-16,3-1 0 0,-1 1 0 0,4 1 0 0,-4-1 1 0,5 2 2 0,-1 0-2 15,0-2-2-15,1 2-5 0,1-1-3 0,-2 0-2 0,5 0-2 16,-3 1 0-16,-1-2-3 0,1-1-1 0,-2 1-1 0,5 0-2 0,-7 1-4 0,7 0-4 0,-3-1-6 16,-2 0-8-16,1 0-11 0,-5 0-12 0,4-1-14 0,1 2-16 0,-5-2-15 15,4-1-18-15,-4 1-18 0,-2-1-22 0,3 1-22 0,-1-2-24 0,-2 1-22 0,-2 1-29 16,2-2-27-16,-4 0-25 0,0 0-24 0,0 0-43 0,0 0-52 0</inkml:trace>
+  <inkml:trace contextRef="#ctx0" brushRef="#br0" timeOffset="27072.27">5188 8180 303 0,'0'0'285'0,"-2"0"-61"0,-2 0-33 16,4 0-18-16,-4 2-10 0,2-2-6 0,2 2-9 15,-4-1-6-15,2-1-10 0,-2 4-13 0,0-3-10 16,4 1-10-16,-7 1-10 0,7 0-9 0,-6 3-10 15,2-3-10-15,4 3-7 16,-6-1-7-16,6 4-4 16,-6-1-5-16,6 1-4 0,-4 2-5 0,1 1-3 0,-1 1-3 15,0 0-3-15,2 1-2 0,-2 1-3 16,2 0-2-16,-2 0-2 0,0 0 0 0,2 2-2 0,-3-2-1 16,5 0-2-16,-4-1 0 0,2 0-4 0,2 1-3 15,-4-4-7-15,4 3-6 0,0-2-10 0,-2-1-9 0,-2-1-14 16,4 2-12-16,0-2-18 0,-4 0-17 0,2-2-19 0,2 0-22 15,-4 1-28-15,4-2-28 0,-2 1-31 0,2-3-30 0,-5 1-43 16,5 1-47-16,0-3-51 0,0 1-51 16</inkml:trace>
+  <inkml:trace contextRef="#ctx0" brushRef="#br0" timeOffset="27846.5">6369 8817 346 0,'-4'-2'388'15,"4"0"-68"-15,0 2-80 0,0 0-40 16,0 0-24 0,0 0-13-16,0 0-7 15,0 0-15 1,0 0-16-16,0 0-15 0,0 0-15 31,0 0-13-15,0 0-12-1,0 0-12 1,0 0-10-16,0 0-10 16,0 0-9-1,4 0-5-15,-4 0-5 0,4 0-2 16,-2 2-2-16,2 0 0 0,2 0 0 15,1-1 0-15,3 1 0 16,-4 1 0-16,4 1 0 16,1-1 1-16,-1 0 1 15,2 1 0-15,3 1 0 0,-3-1-3 0,3 0-1 0,-3 1-3 16,3 0-1-16,1-2-2 0,-3 2-1 16,3-2-1-16,-1 3-2 0,-3-3-4 0,3 2-6 0,-3-2-7 0,0 2-12 15,3-1-12-15,-5-1-14 0,3-1-16 0,-3-1-15 16,0 2-18-16,-4-1-19 0,5 0-22 0,-5-2-22 0,4 0-27 0,-4 0-27 15,-1 0-23-15,1 0-22 0,-2-2-14 0,-2 0-8 0,2-1-12 0,0 0-10 0</inkml:trace>
+  <inkml:trace contextRef="#ctx0" brushRef="#br0" timeOffset="28055.66">6635 8727 33 0,'-6'-5'194'15,"0"1"-7"-15,-4 1-4 0,6 0-3 16,-3 1-2-16,1-1-5 0,2 3-5 0,-2-2-9 0,2 2-9 15,-2 0-11-15,-1 0-10 0,3 0-10 0,2 2-11 0,-2-2-10 0,-2 3-9 16,6 1-11-16,-4-3-9 0,-3 4-7 0,3-1-8 0,2 2-6 0,-6-1-4 16,6 4-6-16,-2-1-5 0,-2 2-5 0,1 0-3 0,3 0-5 0,-2 1-4 0,-2 1-3 15,2 2-1-15,2-3-2 0,-2 3-1 0,-3 1-1 0,3-2-2 0,2 0 0 16,-2 2-1-16,-2 0-3 0,6-2-1 0,-4 3-7 0,2-3-5 0,-2 2-7 16,-1-2-9-16,3-1-12 0,-2 1-13 0,4-1-16 0,-2 0-17 0,-2-3-23 15,4 2-25-15,-4-3-33 0,4-1-39 16,0-1-38-16,0-1-39 15,0 0-65 1,0-1-76-16,4-1-38 0</inkml:trace>
+  <inkml:trace contextRef="#ctx0" brushRef="#br0" timeOffset="28796.55">6005 6910 277 0,'0'0'296'0,"0"0"-67"0,0 0-36 0,0 2-16 16,0-2-7-16,0 2-4 0,0-2-6 0,0 0-9 0,0 0-8 0,0 1-7 0,0 1-10 0,0-2-12 0,0 2-8 0,4-1-9 16,-4-1-8-16,0 2-7 0,0 1-7 0,4-1-6 0,-4-1-4 0,2 3-4 0,-2-2-4 0,4 1-4 0,-1 2-3 0,1 0-5 0,2-2-4 15,-2 4-2-15,2-2-5 0,0 0-2 0,3 0-4 0,-1 2-3 0,0-1-4 0,-2 1-3 0,7-2-3 0,-7 1-3 0,4 0-3 16,1 0-1-16,3-1-2 0,-1 0-2 0,-3 0 1 0,2 2-1 0,3-4 1 0,-3 2 0 0,3-1 1 0,-3 1 0 0,-2-2 0 15,3 0 0-15,1 0-2 0,-1-1 0 0,-3 0-5 0,-4 0-5 0,5-2-7 0,-1 2-10 0,-4-1-11 0,2-1-13 0,-6 0-16 0,5 0-17 16,-3 0-20-16,0 0-23 0,-2 0-31 0,-2 0-37 0,0 0-38 0,0 0-40 0,4-3-34 0,-4 1-32 0,0-3-53 16,0 0-65-16,-4-1-29 0</inkml:trace>
+  <inkml:trace contextRef="#ctx0" brushRef="#br0" timeOffset="29003.36">6189 6784 412 0,'-4'-4'367'0,"2"4"-89"0,-2-1-52 0,-3 1-31 0,3 0-16 0,2 1-11 0,-2-1-8 16,-2 4-9-16,2-3-12 0,-2 3-11 0,1 0-14 0,-1 0-10 0,4 1-11 0,-6 3-7 0,6 1-9 0,-2-1-8 16,-3 2-8-16,3 1-7 0,2 3-7 0,-2 1-5 0,-2-2-5 0,2 2-5 0,2 0-2 0,-7 2-5 0,7 2-1 0,-2-3-4 0,4 0-3 0,-6 1-2 15,6 1-6-15,-4-1-7 0,2 0-9 0,-2-2-10 0,4 2-11 0,-2-3-12 0,-2 1-15 0,4 1-17 0,0-3-19 0,-5 0-21 0,5 2-27 16,0-3-33-16,0 1-38 0,0-1-39 0,0 0-50 0,0-3-52 0,5 2-59 0,-1-2-64 0,-2 0-25 0</inkml:trace>
+  <inkml:trace contextRef="#ctx0" brushRef="#br0" timeOffset="29354.61">7576 7472 243 0,'0'-2'519'16,"-4"0"6"-16,4 2-92 0,-2-1-139 0,2-1-88 0,0 2-63 0,0 0-35 0,0 0-21 0,0 0-13 0,0 0-9 0,0 0-7 0,2 0-9 0,-2 0-4 15,4 0-2-15,-2 0-1 0,6 0-1 0,-1 0 2 0,-1 2 0 0,4-1 2 0,0-1 1 0,1 4 2 0,-3-2 4 16,6 0 0-16,-1 1-2 0,1 0-1 0,3 0-3 0,-5 0-5 0,5 3-3 0,-1-3-7 0,-1 2-4 0,1-2-3 16,1 2-5-16,-1 0-2 0,1 0-4 0,0-2-2 0,-1 4-2 0,5-3-1 0,-9 1-1 0,5-1-2 0,1 0-3 0,-5 1-6 0,3-2-3 15,1 2-8-15,-7-2-5 0,2 1-8 0,3 0-11 0,-3-1-11 0,-1 0-16 0,-5-2-15 0,4 1-16 0,-4 1-22 16,5-1-19-16,-7 0-26 0,2 0-30 0,0-2-36 0,-2 0-45 0,1 0-43 0,-3-2-44 0,2 0-52 0,-2-1-57 0,2-1-20 16</inkml:trace>
+  <inkml:trace contextRef="#ctx0" brushRef="#br0" timeOffset="29550.73">7915 7317 265 0,'-12'-4'444'0,"5"3"-42"0,-3-1-69 0,4 2-84 0,-2 0-42 0,-1 0-24 0,1 0-13 0,-2 0-10 0,4 2-11 0,-5-1-10 16,5 3-12-16,-4-2-11 0,3 3-13 0,-3-2-12 0,4 3-10 0,-4 0-10 0,-1 2-10 0,5 0-10 0,0 1-9 0,-4 0-6 0,3 3-5 15,1 0-4-15,-4-1-5 0,6 3-3 0,-7 0-3 0,5 0-2 0,0 1-3 0,2 0-3 0,-7 2 0 0,5-2-1 0,4 2 1 0,-6-1-1 16,6-1-4-16,-4 2-5 0,1-2-6 0,1 2-9 0,-2-3-8 0,0 1-14 0,2 1-11 0,4-3-16 0,-6 2-15 0,6-4-18 16,-7 3-23-16,7-3-27 0,-4 0-33 0,4-2-37 0,-2 0-43 0,2-3-46 0,-4 1-68 0,4-2-83 0,0 0-41 0,0-5-20 0</inkml:trace>
+  <inkml:trace contextRef="#ctx0" brushRef="#br0" timeOffset="30006.14">7696 5531 16 0,'0'0'369'0,"0"0"-91"0,0 0-54 0,0 0-36 0,0 0-15 0,0 0-3 0,0-2-1 0,0 2 0 0,0 0-5 16,0-2-8-16,0 2-7 0,0 0-11 0,0 0-8 0,0 0-10 0,0 0-10 0,0 0-10 0,0 0-9 0,0 0-11 0,0 0-8 0,0 0-9 0,0 0-9 15,0 0-6-15,0 0-6 0,0 0-3 0,0 0-1 0,0 2-1 0,2 0-1 0,2-1-1 0,-4 1-1 0,6 1-2 0,-2 0 0 0,1 2-1 0,-3-1 2 16,4 2 1-16,4-1 0 0,-4 0 4 0,5 2-1 0,-1 1-1 0,0-1-4 0,1 1-2 0,1-1-5 0,3 1-1 0,1-1-1 0,-3 1-3 15,3-1-2-15,1 1-2 0,-1-1-1 0,5-1 0 0,-5 1-2 0,5 0-1 0,-2-2-2 0,1 0-2 0,-3-2-2 0,3 2-2 0,-3-1-8 16,0-1-8-16,-1 0-10 0,1-1-13 0,-7 1-16 0,2-3-16 0,3 2-23 0,-5-2-25 0,1 0-29 0,-5-2-33 0,4 2-44 0,-4-3-49 0,5-1-41 0,-5 1-37 16,0-3-62-16,0 0-75 0,-2-2-34 0,3 0-13 0</inkml:trace>
+  <inkml:trace contextRef="#ctx0" brushRef="#br0" timeOffset="30174.69">8122 5372 130 0,'-11'-4'483'0,"3"3"-47"15,-2-2-74-15,-1-1-65 0,5 3-63 0,-4-1-32 0,4 2-15 0,-5 0-13 0,5 0-8 0,-2 0-13 0,0 2-14 0,-1-1-17 0,-1 3-14 16,4 0-11-16,-7 2-11 0,7 2-11 0,-2 0-11 0,-2 1-9 0,1 2-9 0,-1 1-6 0,0 3-6 0,-1 0-6 0,5 2-5 0,-4-1-2 0,-1 2-3 0,1-1-2 15,2 3-1-15,0 0-4 0,-5-2-3 0,7 2-6 0,-4 0-6 0,3 0-7 0,-3-1-8 0,6-1-12 0,-6 0-12 0,3 1-15 16,1-1-17-16,2-3-21 0,-2 2-22 0,2-2-27 0,2-2-31 0,-2 1-42 0,4-3-51 0,0 1-75 0,0-2-87 0,0 0-55 16,4-2-37-16,-4 1-13 0</inkml:trace>
+  <inkml:trace contextRef="#ctx0" brushRef="#br0" timeOffset="30475.76">9265 6022 255 0,'0'0'463'0,"0"0"-23"0,0 0-81 0,0 0-109 0,0 0-62 0,0 0-40 0,0 0-18 0,4 0-11 0,-4 1-9 15,4-1-7-15,-2 2-9 0,2 0-7 0,3 0-7 0,3 0-6 0,-4 1-4 0,4 0-4 0,1 0-4 0,1-1-3 0,-2 1-1 0,7 3-3 0,0-3-2 0,-3 0-5 0,3 2-5 0,-1-2-5 16,1 1-5-16,-1-1-5 0,1 0-3 0,-1-1-5 0,5 1-4 0,-5 0-4 0,1 1-3 0,-1-1-3 0,1 1-7 0,-5-1-7 0,3-2-6 0,1 1-5 15,-3 2-6-15,-3-3-7 0,1 1-12 0,-1 0-12 0,-4-1-18 0,4-1-17 0,-3 0-25 0,-3 0-26 0,2 0-35 0,-2 0-37 0,-2 0-30 0,2-3-29 0,-2 1-22 16,2-1-19-16,1-1-20 0,-3 1-20 0,-2-3-24 0</inkml:trace>
+  <inkml:trace contextRef="#ctx0" brushRef="#br0" timeOffset="30629.51">9662 5920 184 0,'-6'-6'291'0,"-5"0"-34"0,1 0-34 0,4 3-20 16,-5 0-11-16,1-1-10 0,2 2-7 0,-3 0-6 0,1 2-6 0,0 0-8 0,-1 0-7 0,-1 2-8 0,2 0-8 0,-1 2-8 0,1-1-8 15,-2 3-9-15,1-1-8 0,1 2-9 0,0 1-9 0,-3 1-8 0,-1 2-9 0,1-1-9 0,3 3-8 0,-2-1-7 0,1 2-8 0,-3 1-6 0,1 1-7 0,3 1-3 16,0-1-6-16,-3 1-2 0,3 2-4 0,0-1-2 0,-1 0-5 0,5 1-5 0,-4 1-6 0,-1-2-9 0,5 2-7 0,0-3-9 0,-4 1-12 0,3-1-15 15,3 1-17-15,-2-3-19 0,0 0-22 0,2 0-31 0,2 0-36 0,-2-4-49 0,-1 1-57 0,5 0-76 0,0-2-87 0,0-2-43 0,0-1-23 0</inkml:trace>
+  <inkml:trace contextRef="#ctx0" brushRef="#br0" timeOffset="31015.51">9149 4430 461 0,'0'0'401'0,"0"0"-97"0,0 0-59 0,0 0-40 15,0 0-18-15,0 0-8 0,0 0-6 0,0 0-2 0,0 0-6 0,0 0-8 0,0 0-9 0,0 0-7 0,0 0-11 0,0 0-7 0,0 0-12 0,0 0-9 0,0 0-12 0,0 0-9 0,0 2-6 0,0 0-4 16,6-1-5-16,-6 1-4 0,4 1-4 0,-2 0-4 0,3 3-6 0,1-1-3 0,0 0-5 0,2 1-2 0,-2 3-4 0,5-3 2 0,-1 3-1 0,-2-1 1 0,3 0-3 15,5 1-5-15,-5 0-4 0,3 0-5 0,3-1-3 0,-5 1-4 0,5-1-6 0,-1 0-9 0,1-1-3 0,-3-1-5 0,3 1-4 16,-1 0-9-16,-3-2-10 0,1 0-11 0,3 0-14 0,-5-2-17 0,2 1-18 0,-1-1-23 0,-3-2-26 0,1 3-28 0,1-4-34 0,-2 0-36 0,-4 0-43 0,5 0-48 0,-1-4-65 16,0 1-72-16,-3 0-44 0,3-2-28 0,-4-2-6 0</inkml:trace>
+  <inkml:trace contextRef="#ctx0" brushRef="#br0" timeOffset="31158.54">9591 4372 401 0,'-6'-5'424'0,"0"1"-74"0,2 1-64 0,-2 0-60 0,-1 0-29 0,-3 3-15 0,4-2-9 0,0 2-7 0,-3 2-9 0,1-1-9 0,-2 1-13 0,0 3-15 0,-1 0-13 0,1 2-11 0,-3 1-11 0,-1 0-11 0,2 2-11 0,-3 2-9 0,3 1-9 0,-1 1-8 15,-1-1-6-15,-3 4-6 0,5-3-6 0,-3 3-7 0,3 0-6 0,-2 0-10 0,1 1-9 0,-1-1-11 0,1-1-14 0,3 1-16 0,0-1-18 0,-1 1-20 0,-1 0-26 0,6-2-29 0,-5 0-42 0,7 0-48 0,-2-2-58 0,2 1-61 0,2-3-66 0,-2-1-70 0,4 0-29 0,4 0-10 16</inkml:trace>
+  <inkml:trace contextRef="#ctx0" brushRef="#br0" timeOffset="31199.55">10625 5357 317 0,'-2'-2'305'0,"-2"1"-74"0,4 1-37 0,0 0-20 0,0 0-9 0,0 0-6 0,0 0-6 0,0 0-10 0,0 0-11 0,0 0-12 0,0 0-7 0,0 0-6 0,0 0-6 0,4 1-6 0,-2 1-6 0,-2 1-5 0,4 1-7 0,2 0-4 0,-2 0-4 0,-1 3-4 16,5-1-1-16,-2-1-1 0,0 4-1 0,0-3-3 0,1 3-5 0,3-3-7 0,-2 2-5 0,0-1-8 0,3 1-5 0,-5-1-6 0,4 2-4 0,1-3-3 0,-1 1-5 0,-4 0-5 15,5-3-7-15,-5 2-9 0,4-1-9 0,-4-2-11 0,5 2-11 0,-5-2-14 0,2-1-20 0,-2 0-20 0,1 0-27 0,-1-2-29 0,-2 0-40 0,6-2-46 0,-4 0-38 0,-1-2-33 16,1 1-49-16,0-2-55 0,0 0-40 0,-2-2-28 0</inkml:trace>
+  <inkml:trace contextRef="#ctx0" brushRef="#br0" timeOffset="31214.55">10892 5242 124 0,'-11'-7'407'15,"5"2"-61"-15,0-1-56 0,0 2-56 0,2-1-30 0,-7 2-17 0,5 1-13 0,0 1-6 0,-4 1-11 0,3 0-9 0,1 3-12 0,-2 0-11 0,0 1-10 0,-3 1-8 0,1 3-9 0,0 0-10 0,-1 2-9 0,-1 2-12 0,1 3-8 0,-3 0-10 0,2 0-7 0,1 3-7 0,-1-1-6 0,2 1-2 0,-5 1-5 16,3 1-5-16,1 0-8 0,1 0-10 0,-2 0-12 0,1 1-15 0,1-1-20 0,0 0-21 0,-3 2-33 0,3-2-34 0,4-2-54 0,-5 0-62 0,7 1-93 0,-2-4-108 0,0 0-53 0,2-2-29 0,-3-1-12 0</inkml:trace>
+  <inkml:trace contextRef="#ctx0" brushRef="#br0" timeOffset="31249.56">10232 4252 4 0,'0'0'142'0,"0"0"-61"0,0 0-37 0,0 0-14 16,0 0-4-16,0 0 8 0,0 0 12 0,0 0 12 0,0 1 13 0,4 1 10 0,-2-2 11 0,-2 2 7 0,5 0 6 0,-5-2 3 0,2 3 2 0,2-1 3 0,-4-1 3 0,6 1 1 0,-6 1 2 0,4 0-3 0,2 1-8 16,-2-2-5-16,-1 1-6 0,1 0-6 0,2 0-5 0,-2 2-3 0,-2 1-2 0,2-3-2 0,2 2-1 0,-1-2-2 0,1 2-3 0,0 2-4 0,-2-2-3 0,2 0-3 0,-2 2-3 0,3-1-3 0,-1-1-2 0,0 2-3 0,4-1-4 0,-1 3-3 0,-1-2-4 0,0 1-5 0,-2-1-5 15,7-1-4-15,-7 1-3 0,4 0-4 0,1-2-2 0,-1 1-2 0,2-1-2 0,3 2-1 0,-5-2-3 0,3 0-4 0,-3-2-8 0,0 1-7 0,3-1-7 0,1 0-13 0,-4-1-13 0,-1-1-19 0,1 1-21 0,0-2-32 0,1 0-35 0,-5-2-52 0,4 1-54 16,1-1-79-16,-1-1-89 0,-4-2-52 0,7 0-30 0,-5-2-13 0</inkml:trace>
+  <inkml:trace contextRef="#ctx0" brushRef="#br0" timeOffset="31309.42">10582 4179 237 0,'-13'-2'488'15,"3"0"-42"-15,-3 2-73 0,-1 2-71 0,4 0-72 0,-3-1-36 0,3 3-18 0,-2-1-11 0,-3 3-8 0,5 0-12 0,-3 2-15 0,-1 0-13 0,1 4-13 0,-1 0-10 0,2 1-13 0,1 2-12 0,-1 2-10 0,-3 1-12 0,3 2-10 0,-3 2-7 0,3-1-9 0,2 1-4 0,-3 1-6 0,-1 1-6 0,4-1-10 0,-3 0-15 0,-1-1-20 16,5 1-19-16,-1 1-23 0,-4-3-30 0,7 1-31 0,-3 0-47 0,4-3-54 0,0 0-88 0,-1 1-105 0,-1-2-66 0,6-1-45 0,-2 0-19 0</inkml:trace>
+  <inkml:trace contextRef="#ctx1" brushRef="#br1">3933 10337 0,'-17'0'16,"17"-18"-1,0-17 1,0-36 0,0 54-16,0-19 15,0-17 1,0 18-16,53-71 15,-36 89-15,1-54 16,53-70 0,-54 106-16,1-36 15,17 18-15,0 18 16,1-53-16,-1 70 16,0-70-1,-17 53-15,0-36 16,52 1-16,18-19 15,0 1 1,18 53 0,-53 0-1,-18-18-15,36 0 16,70 17 0,-88-34-16,35 35 15,0-18-15,-52-18 16,-1 54-16,53-36 15,-70 17-15,35 1 16,17-18-16,-34 18 16,-1 0-1,0 17 1,53-35-16,18-18 16,-53 36-16,53-35 15,-71 52-15,89-70 16,-54 53-1,-34 17-15,16-17 16,107-71 0,-106 88-1,0-52-15,53 34 16,-53-52 0,-18 88-16,18-53 15,-18 36-15,18-54 16,-35 53-1,17-17-15,0 0 16,-17 17-16,17-17 16,-17 17-1,35-35-15,17-17 16,-34 17 0,-1 18-16,0-18 15,-17 53-15,17-53 16,18 17-16,-18 19 0,1-36 15,34 18 1,-17-18-16,53 35 16,-71-17-16,71-36 15,-35 1 1,52-1 0,-88 54-16,36-36 15,-18 35-15,-36 0 16,54-35-16,-18 18 15,53-18-15,-36 18 16,-34 0-16,52-1 16,-35 1-16,-36-18 15,19 36-15,34-72 32,-35 72-32,36-19 15,-53 1-15,35 0 16,-18 0-1,18 35-15,35-53 0,-35 0 16,17 17 0,19 19-16,-19-71 0,-35 70 15,36-17 1,0-1-16,-36 1 16,35-18-16,-52 36 0,35-1 15,0-35 1,35 0-16,-17 36 15,-36-36 1,18 35-16,0-17 16,0 17-16,0-35 15,-36 35-15,89-34 16,-71 16 0,36 1-16,-1 17 15,1-35-15,0 18 16,-19 18-16,1-36 15,18 0-15,17 0 32,18-18-32,-71 36 15,18-18 1,18 18-16,-1-1 16,-17-16-1,-18 34-15,54 0 16,-19-35-1,-17 18 1,18 0-16,-18 0 16,-18 17-16,18-17 15,-18 17-15,18-17 16,0 17-16,17-17 16,-17 0-16,18 17 15,-1-35 1,1 18-1,0-1 1,-36 1-16,18 17 0,-18-17 16,-17 35-16,-1-17 15,72-36-15,-72 53 16,18-36-16,1 19 16,34-19-1,-52 36-15,17-17 16,-17-1-16,-1 1 15,1-1-15,0 18 16,-1-35 0,19 35-16,-1-18 15,18 0-15,-35 18 16,-1-35 0,1 35-1,-1 0 1,-17-18-16,18 18 31</inkml:trace>
+  <inkml:trace contextRef="#ctx1" brushRef="#br1" timeOffset="1926.44">12136 4040 0,'0'35'188,"0"-17"-188,0 17 15,0-18 1,17 19 0,1 34-16,-18-34 15,17-36 1,-17 17-16,18 1 31,-18-1-15,0 1-16,18 0 31,-18-1-15,0 1-16,0 17 125,35-17 47,-17-18-157,35 0-15,-36 0 16,1 0-16,17 0 15,0 0-15,1 0 16,34 0 0,-52 0-1,17 0-15,-17 0 16,-1 0-16,19 0 16,-19 0-16,19 0 15,-19 0 1,1 0 31,0 0-32</inkml:trace>
+  <inkml:trace contextRef="#ctx1" brushRef="#br1" timeOffset="3228.34">12700 4322 0,'0'17'63,"0"1"-47,18-18-16,-1 0 31,1 18 0,0-18-15,-1 0-16,1 17 156,-1-17-140,19 18 109,-36 0-110,35-18 1,-17 35-1,-18 0 142,0-17-157,-36 35 15,19-53 1,-36 88-16,35-88 16</inkml:trace>
+  <inkml:trace contextRef="#ctx1" brushRef="#br1" timeOffset="11184.23">13176 4339 0,'18'0'250,"17"36"-203,-17-19-47,17 19 31,-17-36-15,17-18 234</inkml:trace>
+  <inkml:trace contextRef="#ctx1" brushRef="#br1" timeOffset="11888.68">13441 4287 0,'0'17'47,"0"1"-47,17 17 15,-17-17-15,0-1 16,0 1-16,0 17 16,0-17-16,0 35 15,0 0-15,-35-18 16,0 71 15,35-88-31,-35 17 16,35-18-1</inkml:trace>
+  <inkml:trace contextRef="#ctx1" brushRef="#br1" timeOffset="12693.5">13988 4498 0,'-18'0'15,"0"0"-15,36 0 63,0 0-63,-1 0 15,19 0 17,-19 0-32,1 0 15,17-17 173</inkml:trace>
+  <inkml:trace contextRef="#ctx1" brushRef="#br1" timeOffset="13414.23">13882 4304 0,'35'0'62,"-17"0"-30,-1 0-17,1 0-15,0 0 16,17 0 0,18 0-1,-18 0-15,-17 0 16,17 0-16,-17 0 15,-1-17 1,1 17-16,0 0 16</inkml:trace>
+  <inkml:trace contextRef="#ctx1" brushRef="#br1" timeOffset="15801.89">14623 4216 0,'0'18'63,"0"17"-63,0-17 47,0-1-16,0 1-31,0-1 78,0 36 0,0-35-62,0 0-1,0 17 17,-18-35 155,0 0-171,1-18-16,-1 18 15,18-17-15,0-19 16,-35 19-16,17-1 16,1 0-16,17-34 15,0 34-15,0 0 16,0 1 0,0-1-1,0-17 63,17 35-62,1 0-16,17-18 31,-17-17-15,-1 35-16,19 0 15,-19 0 1,1 0 0,0 0-1,-1 0-15,1-35 16,-1 35-16,19 0 16,-19 0-1,1 0-15,17 0 78,-17 0-78,0 0 16,-18 17 15,52 18-15,-52 18 15,0-17 78,0-19-93,0-52 140,0 0-140,0-18 0,0 18-16,0-18 15,0 35-15,0-17 16,0 17-16,0-17 15,0 17-15,0 1 16,36 17 78,-19 0-94,19 0 15,-19-18 1,19 18 15,-19 0-31,19 0 47,-19 0-31,36 53 15,-35-36-31,-1 1 16,-17 0-1,18-1 17,0 19-32,-18-19 15,0 1 1,0 0-16,0 34 15,0-34 1,0 17-16,0 18 16</inkml:trace>
+  <inkml:trace contextRef="#ctx1" brushRef="#br1" timeOffset="16399.49">15452 3951 0,'17'0'31,"-17"18"-31,36-18 15,-1 35-15,-17-35 16,-1 0 0,124 36 15,-88-19-31,-18 1 16,18 17-1,-35-35-15,53 0 16,-54 0-16,1 35 15,-1-35-15,1 0 16,-18-17 78</inkml:trace>
+  <inkml:trace contextRef="#ctx1" brushRef="#br1" timeOffset="16938.93">15787 3740 0,'0'70'16,"0"-34"0,0 17-16,0-1 15,0-16-15,0-1 16,0 0-16,0 18 16,0 0-1,0-18-15,0 1 0,0-19 16,-18 1 31</inkml:trace>
+  <inkml:trace contextRef="#ctx1" brushRef="#br1" timeOffset="17456.14">16228 3722 0,'0'0'0,"17"71"15,-17-54-15,0 19 16,36-1-16,-19 18 16,-17-18-16,18 0 15,-18-17 1,18 17-16,-18-17 16,0 0-16</inkml:trace>
+  <inkml:trace contextRef="#ctx1" brushRef="#br1" timeOffset="18062.75">16175 4093 0,'0'-18'47,"17"-17"-16,19-1-31,34-34 32,-52 70-17,0 0-15,17-18 16,0 1 0,-35-1-16,18 18 15,-1 0-15,1-18 16,0 18-16,-18-17 31,17 17-15,19 0 93</inkml:trace>
+  <inkml:trace contextRef="#ctx1" brushRef="#br1" timeOffset="19039.98">17039 3581 0,'-17'0'16,"-1"0"0,0 18-16,1-1 15,-1 1 1,0-18 0,-17 18-16,17-1 15,1 18 1,-1-17-1,-35 35-15,36-35 16,-1 17 0,18-17-1,0-1 17,0 36-1,0-35 31,0-1-62,18-17 16,-1 0 0,19 0-16,16 0 15,-16 0-15,17 0 0,-18 0 16,-17 0-1,-1 0-15,1 0 16,-1 0 0</inkml:trace>
+  <inkml:trace contextRef="#ctx0" brushRef="#br1" timeOffset="129032.06">9633 12909 20 0,'0'0'425'0,"0"0"-50"16,0 0-86-16,0 0-102 0,0 0-57 0,0 0-35 0,0 0-18 0,0 0-7 0,0 1-3 0,-4 1 1 0,4-2-1 0,0 1 2 0,0 3 1 0,-2-2 1 0,2 1 1 15,-5 0 3-15,5 2 3 0,0 0 2 0,0 1 3 0,0 0 2 0,0 2 1 0,-4 1-2 0,4-1-3 0,0 4-7 0,0-1-4 0,-2 1-5 16,2 3-3-16,-4 0-3 0,4 0-5 0,-4 3-5 0,2-1-4 0,-2 3-4 0,2-2-5 0,-2 0-6 0,-1 2-3 0,3 0-4 16,-2 2-4-16,2-4-3 0,-2 1-3 0,0 1-2 0,4-2-2 0,-6 0-2 0,6-1-1 15,-2 0-2-15,-3-3 0 0,5-2-2 0,-4 0 0 16,4-2 0-16,0-1-1 0,0-1 2 0,-2-1-1 0,2-2 1 0,0-2 1 0,0 0 1 16,0-1 2-16,0 1 3 0,0-3 3 0,0 0 1 0,0 0 2 0,2-3 0 0,-2 1-1 0,0-1-1 15,0-2-3-15,4 0-2 0,-4-4-3 0,0 1-3 0,0 0-4 0,5-3-2 0,-3-2-4 0,-2 0-3 0,4 0-5 0,-2-2-4 0,-2 0-3 0,4 0-4 0,-4-2-1 16,4 1 0-16,-2-2 1 0,-2 1 1 0,4 1 1 0,-2 0 2 0,3 1-1 0,-1 0 2 0,-2 2 0 0,2-3-1 0,2 5 1 0,-2-1 1 15,-2 0 2-15,2 3 2 0,3 0 0 0,-3 1 0 0,-2 1 2 0,6 0 0 0,-2 3 2 0,-4-1 0 0,7 1-1 0,-7 1 2 0,6 1 2 0,-2 0 1 16,0 2 1-16,1 0 1 0,-3 2 0 0,2 0 1 0,0 1 3 0,0 1 0 0,-2 1 1 0,3-2 1 0,-3 2 0 0,2 2 1 0,0-2 1 16,-2 1 0-16,3 1 1 0,-3-1-1 0,-2 3 0 0,2-1 0 0,0-1 2 15,-2 1-1-15,-2-1 1 0,4 1-1 0,-4-1 0 0,2-1 1 0,-2 3-2 0,4-2 0 0,-4-1 2 0,0 1-2 16,0 0 1-16,0-3 2 0,0 3 0 0,0-3 1 0,-4 0 0 0,4 0-1 0,-2-1 2 16,2-1-1-16,0 0-1 0,0 0-1 0,0-2-1 0,0 0 0 0,0 0 0 0,-4 0-2 0,4-2-1 0,-2 0-1 15,-2 2-1-15,4-2 0 0,-4-1 0 0,2-1-1 0,2 1-1 0,-4-2 1 0,4 0 1 0,0 0 0 16,0-1 1-16,-3-1-1 0,3-1 0 0,0-1 0 0,0 1-2 0,0-2 2 0,0 0-1 15,0-2-2-15,3-1-1 0,-3-1 0 0,4 1-3 0,-2-2-1 0,2 0-3 0,2 0-1 0,-2 2-1 16,2-2 1-16,1 2 1 0,1 1 1 0,-2-1-1 0,0 1 3 0,0 2 1 0,5-2 1 0,-1 2 3 16,-4 2 2-16,5 0 3 0,-1 1 3 0,0 0 0 0,-3 2 4 0,5-2-1 15,-4 4 2-15,1 0-1 0,1 1 0 0,0 1-2 0,1-1 1 0,-1 2-1 0,-4 0-1 16,4 2-1-16,3-1 1 0,-7 1-2 0,4 0 1 0,-1 1 1 0,-1 0 0 0,2 0 2 0,-6 1 1 16,7 1 2-16,-5 0 1 0,0 0 1 0,0 2 1 0,3-1 2 0,-3 1-1 0,0 3 2 0,-2-2 1 0,2 2-2 0,-4 0 2 0,2 0-1 0,3 0-2 15,-3 2 0-15,-4-2-1 0,6 1 0 0,-6 1 0 0,4 0-1 0,-4-2-2 0,2 0 0 0,-2 2-2 0,0-2-5 0,0-1-8 0,0 2-9 0,0-2-12 16,-2 0-15-16,2 1-15 0,-4-4-21 0,4 1-22 0,0 1-30 0,0-1-33 0,-2-2-44 0,2 0-48 0,0 0-68 0,0-1-79 0,0-1-57 0,-4 0-45 0,4-3-18 0</inkml:trace>
+  <inkml:trace contextRef="#ctx0" brushRef="#br1" timeOffset="135731.96">10362 12975 25 0,'0'0'78'0,"0"0"3"16,0 0 1-16,0 0 3 0,0 0-2 0,0 0-3 0,0 0-4 0,-4 0-3 0,4 0-4 0,0 0-5 0,-2 0-2 0,2 0-2 0,-4 0-4 0,4 0-4 0,-4 0-5 0,2 0-4 0,2 0-4 0,-4 0-3 15,4 0-1-15,-2 2-3 0,-2-2 0 0,4 2-2 0,-5 0 0 0,3-2-2 0,2 1-1 0,-4 1-3 0,2 1 1 0,-2-2 1 0,0 3 3 0,-2-1 4 0,4-1 1 0,-2 3 2 16,-1 0 1-16,-1 0 1 0,2 0 1 0,2 2 1 0,-2-3-1 0,-2 3-1 0,2 2 1 0,1-3-2 0,-3 3-1 0,2-1-4 0,0 1-2 0,2-2-6 0,-2 2-1 15,0 1-4-15,2-2-2 0,2 1-2 0,-5-1-3 0,5 0 0 0,0 0-2 0,0 3-1 0,0-3-2 0,0-1-1 0,0 1-2 0,0-2-1 0,0 1 0 0,0 0 0 0,5-2 1 0,-5 0-2 16,2 2 1-16,2-4 0 0,0 2 0 0,-2-2-1 0,2 1 3 0,2-1 0 0,1 0 2 0,-3-1 3 0,2-1 3 0,-2 3 1 0,2-3 3 0,5 1 1 0,-5-2 2 0,0 2 3 0,4-2 3 0,-6 0 2 0,7-2 2 0,-5 2 4 16,4-2 1-16,-4 1 0 0,5-3 1 0,-5 3 1 0,4-2 0 0,1-2-1 0,-5 1-1 0,4-1-1 0,-4 0-1 0,5 1 2 0,-5-2-1 0,4-1 0 0,-4 3-2 0,1-3 0 15,1 0-1-15,0 1 3 0,-4-1 1 0,7 0 3 0,-5 1 2 0,0-3 2 0,-2 3 4 0,2-3 4 0,-1 2 1 0,-3-1-1 0,2 1 0 0,0-1-2 0,-2 2-1 0,4-3-1 16,-6 3-1-16,4-3-2 0,-4 1-3 0,0 0-3 0,0 1-5 0,0-1-1 0,0 1-4 0,0-1-4 0,0 1 0 0,0 0-2 0,0 1 1 0,0-1-2 0,-4 0 0 0,4 2-1 0,-2 1-1 0,-2-2-1 0,4-1-1 0,-2 4-3 0,-2-1 1 0,4 0-2 0,-4-1-1 0,4 1 0 0,-2 1-5 0,-3 0-1 16,5 2-2-16,-4-1-1 0,2 0-2 0,-2-2-2 0,4 4 0 0,-6-1-1 0,6-1-2 0,-6 2-1 0,6-1-1 0,-4-1-2 0,-3 2-2 0,7 0 0 0,-4 0-2 0,2 0-1 0,-2 0 0 0,2 0-2 0,-2 0 1 0,0 2 1 0,2-1-1 0,-3-1-1 0,1 2 0 0,2-1 1 0,-2-1-1 15,4 2 1-15,-6 0 1 0,2 2 0 0,2-3 2 0,-2 2 1 0,-3 0-1 0,3 2 2 0,2-1 1 0,-2 3 0 0,-2-3 0 0,2 1 1 0,2 1 0 0,-7-1 1 0,7 1-2 0,-2-1-2 0,-2 0-1 0,2 2-4 0,4-2-3 0,-6 0-4 0,6 2-6 0,-7-4-3 0,7 2-6 0,-4-2-6 0,2 2-5 0,-2-1-6 0,4-1-4 0,-4-2-8 0,2 3-4 0,2-2-4 0,0-1-4 0,-4 3-3 0,4-4-3 16,0 1-5-16,0-1-4 0,-2 2-5 0,2 0-7 0,-4-2-7 0,4 1-11 0,0 1-11 0,0-2-15 0,0 3-15 0,0-3-19 0,0 0-19 0,0 0-17 0,0 0-19 0,0 0-47 0,0 2-65 0</inkml:trace>
+  <inkml:trace contextRef="#ctx0" brushRef="#br1" timeOffset="136140.04">10809 12912 156 0,'0'-2'381'0,"0"1"-80"0,0 1-55 0,-4-2-41 0,4 0-29 0,0 2-20 0,-2-1-17 0,-2 1-14 0,2-2-15 16,-3 0-13-16,5 2-13 0,-4-1-8 0,4-1-10 0,-2 2-8 0,-2-2-8 0,0 0-5 0,2 2-5 0,-2-1-7 0,4 1-5 0,-6 0-6 0,6 0-6 0,-5 0-5 0,3 0-2 0,-2 0-1 0,2 0-3 0,-2 0 1 0,0 0-2 16,2 0 1-16,-2 0-1 0,2 0 1 0,-3 0-2 0,1 0 1 0,2 1-1 0,-2-1 0 0,-2 2 2 0,2 0-1 0,-2 0 1 0,1-1-1 0,-1 3 1 0,4-3-1 0,-6 3 2 0,6-1 0 0,-6-2-2 0,6 5 2 15,-5-1-2-15,-1 0 1 0,2-1-1 0,0 4 1 0,2-4-2 0,-3 3 2 0,5 0-2 0,-6-1 2 0,6 1-2 0,-6 2 0 0,1-3 1 0,5 2-1 0,-2 1-1 0,-2-1 1 0,2 0-1 0,4 0 0 0,-6 3-1 0,6-3 0 0,-4-1-2 0,4-1 0 0,-2 2-1 16,2 0-2-16,0-1-1 0,0 0-1 0,0 0-1 0,0-2 1 0,2 0-2 0,-2 0-1 0,4 0 0 0,-4 0-1 0,4-2 0 0,-2 0-1 0,2 1 2 0,2-2 0 0,-2-1 3 0,-2 1 0 0,3 0 2 0,1-2 0 0,0 0 3 0,2 0 3 0,-2 0 2 0,1-2 0 15,-1 0 2-15,4-1 2 0,-4-1 1 0,5 1 1 0,-5 0 2 0,2-2 2 0,-2 0 1 0,1 0 3 0,3 0 3 0,-4 0 1 0,0-2 1 0,-2 0 0 0,3 1 3 0,-1-1 3 0,-2-1 3 0,2 1 2 0,-2-1-1 0,3 0 1 0,-1-3-2 0,-2 3-2 0,-2-2-2 0,2-1-4 0,2 0-3 0,-6 0-2 0,4-1-2 0,1 2-1 0,-3-3-4 0,2 1-3 0,-2-1-3 0,-2 0-4 0,4 1-2 0,-4-2 0 0,0 1 0 0,0 0-1 0,0-2 2 0,0 2 0 16,0-1 0-16,0 1 2 0,0 1-1 0,0-1 0 0,0-1 2 0,0 1 0 0,0 2 3 0,0-1 0 0,-4 1 0 0,4 0 2 0,0 2 2 0,0-2-1 0,-2 3 0 0,2-1 1 0,-4 3 0 0,4-1-1 0,0 0 1 0,-2 3-1 0,2 0-1 0,-5-1 0 16,5 2-1-16,0-1-2 0,0 3 1 0,-4-2-1 0,4 1-2 0,0 0 0 0,0 2-2 0,0 0 0 0,0 0-1 0,0 0-1 0,0 0-1 0,0 0 0 0,0 0 0 0,0 0-1 0,0 0-2 0,0 0 0 0,0 0-2 0,0 0-1 0,0 0 1 0,0 0-2 15,0 0 0-15,0 0-1 0,0 0-1 0,0 0 0 0,0 0-2 0,0 0 1 0,0 0-1 0,0 0-1 0,0 0 1 0,0 0-2 0,-2 2 1 0,2-2 1 0,0 0-1 0,0 0 2 0,0 2 0 0,0-2 1 0,0 3-1 0,0-3 4 0,0 1 0 0,0 1 0 0,0 0 1 0,0 1 2 16,0-1 1-16,2 0-1 0,-2-1 2 0,0 3 0 0,0-3 1 0,0 1-1 0,0-1 1 0,0 3 0 0,0-2 0 0,0-1 0 0,0 3 1 0,0-3-1 0,0 1 0 0,0 0 1 0,0 1-1 0,0-2-1 0,0 1 2 0,0 0-1 0,0 1 0 0,0-1 0 0,0 0 1 0,4 1-1 0,-4-1 1 0,0-1-1 0,0 1 1 0,0-1-1 0,0 1 1 0,0 0-1 0,0 0 1 0,0 0-2 0,0-1 1 0,0-1 1 0,0 3-1 0,0-3 0 0,0 3 0 0,0-1 0 0,0 0 0 0,0 1 0 0,0-1-1 0,0 0 1 0,0 0 0 0,0 1 0 0,0-2-1 16,0 1 1-16,0 1 0 0,0 0-1 0,0 1 2 0,0-1 2 0,0 1-1 0,0-1 0 0,0-2 0 0,0 3 1 0,0-1-1 0,0 1 2 0,0-1-1 0,0 0 1 0,0 0 1 0,0 1-1 0,0-1 0 0,0 2 2 0,0-1 0 0,0 0 1 15,0 0 0-15,0 1-1 0,0 0 2 0,0 0 0 0,5 0 1 0,-5 2 1 0,0-1 1 0,2 1 0 0,-2 0 0 0,0-1 0 0,4 3 1 0,-4-3 0 0,2 2-1 0,-2-1-1 0,0 1 0 0,0-1 0 0,4 0-1 0,-4-1-1 0,0 1 0 0,0-2-1 0,4 2-2 0,-4 0 1 0,2-2-2 0,-2 1 1 0,4-1-1 0,-4 1 0 0,2-2 0 0,3-1-2 0,-5 2 0 16,4-1 0-16,-2 1-1 0,-2-2 0 0,4 0 0 0,-4 1 0 0,4-1 1 0,-2 1-1 0,-2-1 1 0,4 0-2 0,-2 0 1 0,-2 1 0 0,4-3 0 0,-4 1 0 0,5 0-1 0,-3 1 0 0,-2-1-1 0,4 0-3 0,-4 1-3 0,2-2-3 15,2 1-5-15,-4 0-4 0,4 0-6 0,-2-2-7 0,-2 1-6 0,4 1-8 0,-4-2-8 0,2 2-7 0,2-2-9 0,1 0-10 0,-5 0-10 0,2 0-13 0,-2 0-14 0,0 0-18 0,0 0-25 0,0 0-30 0,0 0-37 0,4-2-41 0,0 2-64 0,-2-2-78 0,2 1-38 0</inkml:trace>
+  <inkml:trace contextRef="#ctx0" brushRef="#br1" timeOffset="155521.25">11289 13115 428 0,'0'-1'393'0,"0"-1"-89"0,0 0-83 0,0 2-79 16,0-2-43-16,0 2-25 0,0 0-12 16,0 0-3-16,0 0-4 0,0 0-1 0,0 0 0 15,0-1 0-15,0 1 2 0,0-2 2 0,0 2 3 16,0-2 2-16,0 2 4 16,0 0 1-16,4 0 3 15,-4 0 2-15,0 0 1 0,0 0 0 0,0-1-5 0,0 1-5 16,0 0-5-16,0-2-7 0,0 2-7 0,0-3-7 0,0 2-5 0,0-1-8 15,-4-2-4-15,4 2-6 0,0 1-3 0,0-3-4 0,-3 3-2 16,-1-2-1-16,4 1-1 16,0 1 1-16,0-3-1 0,-4 2 2 0,4 0 1 0,0 1 1 0,-2 1 1 0,-2-2 2 0,4 2 1 15,-2 0 2-15,-2 0-1 0,4 2-2 0,-4-2 0 0,2 1-5 0,-3 1 0 0,-1 0-2 0,2 2 0 16,2-1-2-16,-6 0-1 0,6 2 0 0,-4-2-2 0,1 4-2 0,-1-2-1 16,0 0 0-16,2 2-1 0,-2-1 1 0,-3 1 1 0,7-2 0 0,-2 2 1 0,-2-1 1 15,2-1-1-15,2 0-2 0,-2 0-1 0,4 0-4 0,-2-1-3 0,-3-1-1 16,5-1-4-16,0 1-1 0,0-3-2 0,0 0 0 0,0 0-2 0,0 0 2 0,5 0 0 15,-3-2 1-15,-2 1 1 0,4 1 2 0,-2-4 2 0,2 3 4 0,2-1 1 0,-2-2 2 16,-2 1 3-16,7 0 1 0,-7 0-1 0,6-1 2 0,-6-1 0 0,4 2-2 0,-2 0 0 0,1-1-2 0,-3 1-1 16,4-1 0-16,-6 1-4 0,4 1 0 0,-4 1-3 0,4-2-2 0,-2 3-4 0,-2 0-5 15,0 0-6-15,0 0-7 0,0 0-12 0,0 0-13 0,0 0-24 0,-6 0-30 16,6 0-36-16,0 1-41 0,-4 1-34 0,2-1-33 0,-2 3-60 0,-3-1-75 0,3-1-45 16</inkml:trace>
+  <inkml:trace contextRef="#ctx0" brushRef="#br1" timeOffset="157255.7">11663 12717 56 0,'-4'-2'367'16,"1"2"-95"-16,-1-1-52 0,0 1-28 0,2-2-18 0,-2 1-8 0,2 1-9 0,-2 0-10 16,4 0-8-16,-4 0-12 0,4 0-8 0,0 0-9 0,-2 0-5 15,2 0-6-15,0 0-6 0,0 0-5 0,0 0-7 0,0 0-6 0,0 0-6 16,0 0-7-16,-5 1-7 0,5 1-7 0,0-2-4 0,0 1-3 16,-4 1-3-16,4-1-1 0,-2 3 0 0,2 1 1 0,0 0 2 15,0 1 0-15,0 1 3 0,0 2 1 0,0 2 1 0,0 1 2 16,0 1 2-16,0 2 1 0,0 2 1 15,2-1-2-15,-2 3 0 0,4 1-2 16,-4 0-3-16,5 0-5 0,-3 4-3 0,-2-1-3 16,4 0-4-16,-4 2-3 15,4 0-1-15,-2 0-3 0,-2 0-2 0,4 2 0 16,-2-2-2-16,-2 1-3 0,0-1 0 16,4-1-3-16,-4-1 0 0,0 0-2 0,0 1-2 15,4-3-3-15,-4 0-1 0,3-1-6 0,-3 0-1 16,0-4-4-1,0 1-4-15,0-1-7 0,0-1-8 0,0-1-8 0,0-1-13 16,0-2-15-16,0 0-16 0,0-2-20 0,0 0-23 0,0-2-23 16,0-1-33-16,-3 1-38 0,3-2-50 0,0 0-54 15,-4-4-79-15,4-1-91 0,0 0-42 0,0 0-18 16,0 0-2-16</inkml:trace>
+  <inkml:trace contextRef="#ctx0" brushRef="#br1" timeOffset="158558.79">11532 12870 319 0,'0'-5'246'0,"5"2"-72"0,-5-2-63 16,2 1-31-16,2 0-17 16,-2-1-7-16,2 1-2 15,2-1-1-15,0 0 1 16,3 2 2-16,-3-2 4 16,0 0 3-16,4 0 1 0,1 0 4 0,-1 0 1 15,-4 0 3-15,7-2 1 31,-3 2 1-31,0 0-1 0,1 0-1 0,1 0-3 0,-2-1-1 16,1 0-6-16,1 2-6 16,-1 0-6-16,-1-1-7 0,0 2-4 15,3-1-6-15,-3 1-3 0,-4 2-6 0,4-3-2 0,1 4-5 16,-1 0-3-16,-4 0-2 16,5 0-3-16,-5 2 0 0,0 0 1 0,2 1 1 0,-1 0 2 0,-1 2 5 0,0 0 4 0,-2 2 3 15,0 0 3-15,2 3 4 0,-4-2 7 0,3 0 2 0,-1 4 5 0,-2-1 4 16,-2 2 3-16,0-1 0 0,4 2-1 0,-4-1 0 0,0 2-1 31,-4-2-4-31,4 3-3 0,0-1-2 16,-2-2-3-16,-2 2-3 15,-1-2-3-15,3 3-3 0,-4-2-3 0,-2-1-3 0,2 3-2 0,0-3-2 16,1 0-2-16,-5 1-1 0,4-2-2 0,-4 0-3 0,3 2-3 0,-3-2-4 16,0-1-8-16,1-1-7 0,-1 2-9 0,0-4-12 15,-1 2-13-15,1-1-14 0,0-1-12 16,1 0-16-16,-1-1-15 0,0-1-15 15,-1 2-17-15,1-4-28 0,0-1-32 16,4 2-38-16,-5-1-39 0,3-2-54 0,0 0-61 0,-3-2-44 16,5-2-40-16</inkml:trace>
+  <inkml:trace contextRef="#ctx0" brushRef="#br1" timeOffset="159771.57">11892 12780 347 0,'0'-3'484'0,"0"0"-55"0,4-1-83 0,-2 3-88 16,-2-1-92-16,4-1-49 0,3 1-29 0,-3 0-16 15,2 0-9-15,0 1-7 0,-2-1-5 0,7 1-3 0,-5 1-2 16,4-2-1-16,1 0-1 0,-3 2-2 15,2 0-4-15,1 0-2 0,-1 0 0 16,2 0 0-16,-1 2 1 0,-1 0-1 0,0 1-1 0,1 0-2 16,-1 2-4-16,-2 0-3 0,3 0-4 0,-1 0 0 15,0 2-2-15,1 0 1 0,-5-1 2 0,6 3-1 16,-4-1 2 0,-1 1 0-16,-1-2-1 15,0 4 1-15,2-2-1 0,1 0 1 0,-5 1 0 16,0 0 2-16,-2 0 1 0,2 0 2 0,2 0 0 0,-6-2 1 15,4 2 1-15,-2 1-1 0,-2-4-1 0,0 2 2 0,5-1-1 0,-5 0 1 16,0 0-1-16,0-2 1 16,0-1 2-16,0 0 0 0,0 0-2 15,0 0 2-15,0-2-1 16,-5 1 2-16,5-3 2 0,0 1 2 16,0 0 4-16,0-2 5 0,0 0 5 0,0 0 2 15,0 0-1-15,0 0 0 0,0-2 0 0,0 0-3 0,0 1-1 0,-2-3-4 0,2-1-4 16,-4 0-4-16,4-2-5 0,0 1-7 0,0-4-8 0,-4 1-8 15,4-2-9-15,-2-1-6 0,2-1-3 0,0-2-3 0,0-2-5 0,2 1-1 16,2-1-3-16,-4 0-1 16,4-1-5-16,-2 1-5 15,3 0-5 1,1 1-9 0,-2 1-9-16,2-2-11 0,-2 4-14 0,2 1-16 15,-4 1-20-15,7 2-21 16,-3-1-25-16,0 4-33 15,0-3-35-15,3 4-54 16,-1 0-58-16,0 2-81 16,-2-1-91-1,5 3-43 1,-3-1-19-16</inkml:trace>
+  <inkml:trace contextRef="#ctx0" brushRef="#br1" timeOffset="161514.51">12725 12770 68 0,'0'-3'501'0,"0"0"6"0,0-3-84 16,0 2-130-16,0-1-82 0,-2-1-56 0,2 1-29 15,-4 1-14-15,4-3-8 0,-4 2-1 16,2 0-1-16,-2 0 1 0,-3 0-3 16,3 0-2-16,-2 1-4 0,0 0-4 15,2 1-3-15,-7 1-5 0,5 0-3 0,-4 0-5 16,4 0-3-16,-5 2-5 15,5 2-6-15,-4 0-6 0,0 0-9 0,-3 1-8 16,3 0-7-16,-1 4-5 0,-1-2-4 16,2 2-3-16,-1-1 0 0,5 3-1 15,-4 0 1-15,-1 0 0 16,1 2 0-16,4 1-2 0,-4 0-1 16,3 1-2-16,1 1-1 0,0-3 0 0,2 2-4 15,-2 1-4-15,2-3-6 0,4 3-6 0,0-2-6 16,0-1-5-1,0-1-5-15,0 2-7 0,0-2-3 0,4 0-4 16,2-2-3-16,-2 0-6 0,2 0-3 0,0-1-5 0,5 0-4 16,-5-1-2-16,4-3 2 0,1 0 3 0,1-2 0 0,-2 1 2 15,5-2 2-15,-3-2 1 0,1-1 1 0,1-1 2 0,3-2 1 0,-1-1 2 16,-1 0 3 0,-3-2 6-16,5-1 5 15,-5-2 4-15,2 2 3 0,-1-1 3 0,-3-1 3 16,1-1 4-16,-1 1 4 15,2-2 3-15,-3 2 5 0,-3-2 4 16,0 2 5-16,-2-1 4 0,-2 0 5 16,2 1 2-16,-2 2 2 0,-2 0 2 0,4 2 2 15,-4-1 2-15,0 1 1 0,-4 3-1 16,4 0 0-16,-2 1-1 0,2 1-3 16,-4 1-3-16,4 1-2 15,-2 1-3-15,-2 1-4 0,4 1-2 16,-4 1-1-16,2 1-2 0,-2 3 1 0,2-3-2 0,-3 3 1 15,1 0-1-15,2 1 1 0,-2 1-1 16,2-3 1-16,-2 3 0 16,0-3 1-1,4 2 1-15,-2-1-2 16,-2 0 1-16,4-1-1 16,0 0-2-16,0-1-2 0,0-2-2 15,0 0-1 1,0 0-1-16,4-1 0 0,-2 0 1 15,-2 0 2-15,4-2 2 16,-4 0 1-16,4 0 2 0,-2-2-1 0,4 0 2 16,-2-1 1-16,3-1-2 0,-3 1 1 0,2 0 0 15,0-2-1-15,-2-2 0 0,2 1-1 16,1-1 2-16,1-1 0 0,-2-1-2 0,0-1 1 16,-2 0-1-16,3-1 1 0,-5-1-1 15,2 0 2-15,2 0 2 0,-2-1 1 16,-4 0 1-16,2-2 0 0,2 0 2 0,-4 0 1 15,5-2-1-15,-5 1-1 0,0-1 0 16,0-1 0-16,0-1-2 0,0 3 0 0,0-3 0 0,0 1-2 16,-5-1 0-16,5 3 0 0,0-1 1 0,0 1-1 0,-4 1-1 15,4 1 1-15,-2 3-1 0,2 1-3 0,0 1-2 0,0 1-2 0,0 3-3 0,0 0-1 0,0 1 1 16,0 4-1-16,0 0 1 0,0 4 0 0,0-1 1 0,0 4-1 16,2 1 1-16,2 2 0 0,-4 2 0 0,5 1 2 15,-3 2 0-15,-2 3 3 0,4-1 2 0,0 2-1 0,-2-1-1 16,2 4 0-16,-2-2-2 0,2-1-3 0,-4 1-2 0,6 0-4 15,-1 0-6-15,-5-1-6 0,6 1-11 0,-2-2-11 0,-2 0-13 16,2-1-19-16,2 0-24 0,-1-2-29 0,-3 2-34 0,2-3-50 0,0 2-57 16,2-1-74-16,-4-4-81 0,2 1-53 0,2-2-38 0,-1-2-15 15</inkml:trace>
+  <inkml:trace contextRef="#ctx0" brushRef="#br1" timeOffset="162377.32">13199 12679 128 0,'0'-5'336'16,"0"1"-80"-16,-3-1-100 0,3 2-84 15,0-4-78-15,0 2-61 16,0 0-57-16,0 0-80 0,0-1-91 0</inkml:trace>
+  <inkml:trace contextRef="#ctx0" brushRef="#br1" timeOffset="163553.12">13352 12337 30 0,'-7'-2'534'0,"5"0"5"0,-2 2 3 16,0 0-89-16,2 0-135 0,-2 0-87 0,4 0-63 16,-4 2-29-16,4 0-18 0,-2 1-9 0,2 1-9 0,0 1-5 15,0-1-8-15,0 5-4 16,0-1-4-16,0 2-2 0,0 0-1 0,0 2 1 15,0-1 2-15,2 3-2 0,2 1-2 0,0 0-7 16,-2 0-8-16,2 1-7 0,-4 3-8 0,6-1-5 0,-2 1-7 16,-1 0-5-16,1 0-6 0,2 1-3 0,-2 0-3 15,-2 0-2-15,2-2-3 0,2 2-1 16,-1-2-4-16,-3 1-2 0,2-1-2 0,2-1-4 16,-2 1-4-16,0-3-8 0,-2 0-10 0,4 0-10 15,-1-1-14-15,1-1-18 0,-6 0-21 0,4-1-28 16,-2-2-30-16,2 0-38 0,-4-2-42 0,4 1-60 0,-2-1-66 15,-2-1-89-15,0-1-97 0,0-1-44 0,0-2-18 16,0 1-1-16</inkml:trace>
+  <inkml:trace contextRef="#ctx0" brushRef="#br1" timeOffset="164478.13">13273 12760 318 0,'-4'-3'468'0,"0"0"-38"0,2 1-78 0,2 0-98 15,0-1-55-15,0 1-33 16,0 2-20-16,0-2-12 0,0 1-9 0,0-3-11 15,2 3-7-15,2-1-8 0,0 1-7 0,2-3-4 16,-2 1-5-16,5-1-4 16,-5-1-5-16,6 2-4 15,0-1-5-15,-1-2-4 0,1-1-12 0,0 3-16 0,1-1-16 16,1-1-21-16,3 0-22 0,-5 1-23 0,0 0-25 16,-2 0-27-16,3-2-33 0,-1 4-34 0,0-2-45 15,3 1-54-15,-5 0-63 16,0 0-68-1,3-1-59-15,-1 2-54 0,-4-2-23 0</inkml:trace>
+  <inkml:trace contextRef="#ctx0" brushRef="#br1" timeOffset="168665.61">13982 12257 232 0,'0'0'266'15,"0"0"-41"-15,0 0-25 0,0 0-16 16,0 0-11-16,0 0-9 0,0 0-6 15,0 0-5-15,0 0-6 0,0 0-3 0,0 0-6 16,0 0-5-16,0 0-6 16,0 0-5-16,0 0-8 0,0 0-6 15,0 0-5-15,0 0-9 16,0 0-5-16,-2 0-4 0,-2 1-6 16,4 1-2-16,-4-2-5 15,4 2-2-15,-2 0-4 0,-3-2-3 0,5 1-2 16,-6 1-4-16,6 0-2 0,-4-1-1 15,-2 1-1-15,2 1 0 0,2 2 0 16,-4 0-1-16,1 0-3 0,-1 0-3 0,0 2-2 0,-2 0-4 16,-3 1-3-16,5 2 0 0,0 0 0 15,-4 0 0-15,3 1 0 0,-3 3-1 16,4-2-2-16,0 1-4 0,-3 2-2 0,3 0-1 16,-4 0-2-1,4 0-3-15,-1 0-3 16,1 1-1-16,2 1-3 0,-2 2-3 15,2-3-3-15,-2 1-4 16,1 2-1-16,3-1-3 0,-2 0 0 16,2 0 1-16,-2 2-1 0,4-1 0 15,0 1 1-15,0-2-1 0,0 2 1 16,0-2 1-16,0 1 2 0,4-1 0 16,-2-2 1-16,2 1 1 0,-2 0 1 15,3 0 1-15,1-2 0 16,-2-1-1-1,2 0-1-15,0-1 4 0,3-1-1 16,-1 1 0-16,0-2 0 0,0-2 1 16,3 2 0-16,-5-4 2 0,8 2-1 15,-3-2 2-15,-1-1-1 0,3-1 1 16,-3 0-2-16,2 0-1 16,-1 0-2-16,-1-1-4 0,2-3-6 15,-1 1-7-15,-1 0-8 0,0-2-9 16,3 0-10-16,-3 0-10 0,-4-2-13 0,5 2-15 15,-3-3-15-15,0 1-15 0,2 0-18 0,-5-1-17 0,5 1-20 0,-4-1-23 16,0 0-22-16,1-1-26 16,-3 1-37-16,2-1-47 15,-2 1-46-15,-2-1-47 16,2 0-57 0,-4-1-62-16,4 1-24 0</inkml:trace>
+  <inkml:trace contextRef="#ctx0" brushRef="#br1" timeOffset="199801.68">14079 11948 9 0,'0'-1'457'16,"0"-1"4"-16,-4 2-92 0,4 0-138 0,0 0-75 15,0 0-45-15,0 0-22 0,0 0-9 0,0 0-6 0,-2 0-1 0,-2 2-1 16,4-1-2-16,0-1-2 0,-4 2 0 0,2 0-1 0,2-2 0 0,-5 3-2 16,5-1 0-16,-2 0 2 0,-2-1-1 0,4 3-2 0,-4-1-2 15,2 2-2-15,-2-2-5 0,-2 2-2 0,2 2-4 0,-3 0-2 0,3-1 0 16,-2 4-1-16,4-1-1 0,-6 0 0 0,2 2 0 16,-1 0-1-16,1 1-3 0,0 2 1 0,-2-3-3 0,1 4-1 0,1 0 0 15,2 0-4-15,-2 0 0 0,0 1-1 0,0 1-4 0,-3 0-1 16,3 0-2-16,0-1-2 0,2 3-2 0,-2-1-2 0,1 0-3 0,3 1-1 15,-2-1-2-15,2 2-2 0,-2 0-1 0,4-2 0 0,-4 2 0 16,4-1-1-16,0 1 0 0,4-2 1 0,-4 2 0 0,0-2 2 16,4 2-2-16,-2 0 1 0,2-1 2 0,-4-1 0 0,7 0 0 15,-1 0-1-15,-2-1 1 0,0 0 1 0,2 0-2 0,0-2 1 0,1 2-1 16,-1-5-1-16,-2 2 2 0,6-1-1 0,-4-1 1 0,1 0-2 16,3-2 1-16,-4 0-1 0,5 0 2 0,-1-2-1 0,0-2 2 0,-4 1-1 0,5 0 1 15,1-2 1-15,-2 0-1 0,1-1 0 0,-1-1-1 0,3-2-1 0,-3 2-1 16,4-3 0-16,-5 0-2 0,5 0-1 0,-1 0-4 0,-3-1-2 0,0-1-8 15,1 1-4-15,1-2-8 0,-2-1-7 0,-4-1-10 0,5 1-10 16,-1 0-11-16,-4 0-12 0,5-1-12 0,-5 2-17 16,-2 0-15-16,6-1-24 0,-8 1-27 0,3 0-34 15,1-1-37-15,-2 1-48 0,-4 1-55 0,2 1-74 0,-2-3-89 0,4 1-42 16,-4-2-19-16,0 0-5 0</inkml:trace>
+  <inkml:trace contextRef="#ctx0" brushRef="#br1" timeOffset="202429.55">14203 12477 346 0,'-4'-2'396'0,"0"2"-91"0,2 0-64 0,-2 0-52 0,2 0-30 16,-2 0-18-16,4 0-13 0,0 0-10 0,0 0-6 0,0 0-8 0,0 0-6 0,0 0-7 15,0 0-7-15,0 0-9 0,0 0-6 0,0 0-10 0,0 0-6 16,0 0-6-16,0 0-4 0,0 0-5 0,0 0-3 0,0 0-2 15,0 2-4-15,6-2-2 0,-6 2-2 0,6-1-3 0,-2 1 0 0,2 0-1 0,0 1 1 16,-1-2 0-16,5 3 1 0,-4-1 0 0,4 2 0 0,1-1-1 0,-1 0-2 0,3 2 0 16,-3-3-4-16,2 2-2 0,-1-2-2 0,3 2 0 0,-2 0-3 0,-1-1 0 0,5 1-3 0,-3-2 1 15,1 2 0-15,-1-1-2 0,1-1 1 0,-1-2 0 0,-3 2-2 0,4 1 1 16,-1-3-2-16,-1 1 0 0,-2 0 1 0,1 2-2 0,-1-4 0 0,0 1-1 16,-3 1-3-16,3-2-3 0,-4 1-6 0,5-1-5 0,-5 2-10 0,-2-2-10 0,-2 1-10 15,2-1-11-15,2 0-8 0,-2 0-8 0,-2 0-10 0,3 0-13 0,-5 0-13 16,0 0-16-16,0 0-17 0,0 0-15 0,0 0-20 0,4 0-21 0,-4 0-16 0,0 0-12 0,0 0-9 15,0-4-6-15,0 1-4 0,0-3-3 0,-4 1 0 0,4 0 5 0</inkml:trace>
+  <inkml:trace contextRef="#ctx0" brushRef="#br1" timeOffset="203216.68">14495 12338 39 0,'-2'-5'205'0,"-3"2"5"0,5 2 3 0,-6-2 2 15,2 1-4-15,4 0-2 0,-6 2-5 0,6-2-7 0,-6 2-10 16,6 0-12-16,-4 0-14 0,2 0-15 0,-3 0-13 16,-1 2-10-16,2-2-11 0,2 2-7 0,-2 0-10 0,-2 1-8 0,2-2-8 15,1 2-7-15,-1 2-7 0,0 1-7 0,-2-1-5 0,4 1-4 0,-2 1-5 16,0 1-4-16,2 1-1 0,-3 1-1 0,-1 0-4 0,6 0-2 0,-4 1-3 16,2 2-3-16,-2-1-3 0,0 2-4 0,2-1-4 0,-2 0-1 0,1 1-6 0,-1 1-6 15,4-2-4-15,-4 0-4 0,4 3-5 0,-2-5-6 16,-2 2-8-16,2 1-6 0,-2-1-9 0,4-1-8 0,-4-1-10 0,4 1-13 0,0 0-13 15,0-3-12-15,-2 2-17 0,2-2-15 0,-5 0-23 0,5-1-23 16,0-1-38-16,0 0-42 0,5-1-37 0,-5-1-36 0,2 0-57 0,-2-1-72 16,4-3-32-16</inkml:trace>
+  <inkml:trace contextRef="#ctx0" brushRef="#br1" timeOffset="204725.94">14705 12342 93 0,'0'0'353'0,"0"0"-84"16,0 0-66-16,0 0-59 0,0 2-33 0,0-2-20 0,0 3-12 0,5-1-7 16,-5 1-5-16,2 0-1 0,-2 0-2 0,0 3 0 0,0-1-1 0,4-1-1 0,-4 3 0 15,0 0 1-15,0-1-3 0,4 3-1 0,-4-2-5 0,2 1-5 16,-2 2-4-16,0-2-3 0,0 1-6 0,4-1-6 0,-2 1-3 0,-2-2-3 16,4 2-4-16,-4 1-3 0,5-2-2 0,-5 1-3 0,2-1-2 0,-2 0-2 15,4-1-1-15,-4 1-4 0,2-1-1 16,-2-1 0-16,0 3-1 0,0-3 1 0,4 1-1 0,-4-1-1 0,0-2 0 15,0 3 1-15,4-2 0 0,-4 0 0 0,0-2 1 0,0 0 0 16,0 1 2-16,0-1 2 0,0-1 1 0,0 1 2 0,0-1 2 0,0-2 4 16,0 0 3-16,0 0 4 0,0 0 5 0,0 2 5 0,0-2 2 15,0 0 4-15,0 0 0 0,0 0 1 0,0 0 2 0,-4 0-1 0,4-2 0 0,-4 0-1 16,4 2-1-16,-2-3-1 0,-2 1-3 0,4 0-2 0,-2-1-3 16,-3 0-3-16,1-2-2 0,4 2-1 0,-6-4-2 0,6 0 1 0,-6 3-1 15,6-5-1-15,-4 1-1 0,4-1 1 0,-2-1-2 0,-3 2 0 0,5-4-2 0,-4 2 0 16,4-1-2-16,0-1-2 0,0 0-1 0,0 2-2 0,0 0-1 15,4-1-1-15,-4 0-3 0,0 2 0 0,7-2-2 0,-7 3 0 16,4 0-1-16,-4 0-2 0,6-1 1 0,-6 2 1 0,6 3-1 0,-6-3-1 16,4 0-1-16,3 2 1 0,-3 2 0 0,-2-2 0 15,2 0 0-15,2 1 2 0,-2 1-2 0,-2 0-2 0,2 2 1 0,1-3-1 16,-3 4-3-16,2-2-1 0,0 2 1 0,-2 0-1 0,2 0 0 0,-2 2 0 0,2 0 1 16,0 0-2-16,-1 1 0 0,1 1 0 0,2 0 0 0,-6 3 1 0,6-2 1 15,-6 1 1-15,4 1 1 0,0 1-1 0,-2 1 1 0,3-1-1 0,-3 0 2 0,2 2-2 16,-4-2 1-16,6 3 0 0,-6-2 1 0,4 2-2 0,-2-2 2 15,-2 2 0-15,4-3-1 0,-4 2 1 0,6-2 0 0,-6 1-2 16,5-1 2-16,-3 2-1 0,2-3 1 0,0 1 0 0,-2-1-1 0,-2-2 1 0,4-1-1 16,0 2 2-16,-2-1 0 0,5-2 0 0,-7 0 1 0,4 0-1 0,0-1 4 0,2 0 0 15,-4 0-1-15,2-2 0 0,2 0 1 0,-1-2-1 0,7-2-1 0,-8 1 0 0,8-3-3 0,-3-1-1 16,-3 2-2-16,0-2-1 0,4 1-1 0,-3-3-1 0,-1 1 0 0,4-1 0 0,5-11-5 16,-9 11 9-16,0-2 1 0,9-12-3 0,-9 10 5 0,0 0 1 0,-2-1 3 0,4-11 6 15,-3 14-3-15,1-14 8 0,-2 11-7 0,0-6 9 0,-4 12-7 0,0-7 11 16,0 10-8-16,0-2 2 0,0 4-1 0,-4-2 16 0,0 3-13 0,4 1-3 15,-6 2 7-15,-1 1-11 0,3 0-1 0,2 1 0 0,-6 3 1 0,2 1-6 0,-5 5-2 16,5-3-2-16,0 5-7 0,2-5 4 0,-2-1 1 0,1 10-3 0,5-9 5 0,-2-1-2 0,2 9-3 16,0-2 0-16,0-7 3 0,2-3 1 0,-2 2-1 0,5-1 1 0,-1-1 0 0,2 5-2 15,0-7 3-15,-2 1 0 0,-2-1-1 0,2-1 1 0,3-2 0 0,3 2-5 16,-4-2 3-16,0-2-2 0,3 0 0 0,-3 0 0 0,0-1-2 0,0 0-3 16,5 0-2-16,3-8-16 0,-2 0 0 0,-1 4 14 0,-5 1 0 0,0-1 1 0,2-2 0 15,5-7-13-15,-7 8 15 0,-2-1 2 0,2 1 2 0,1-9-4 16,-3 11 7-16,2-1 1 0,-6 0-2 0,4 2 0 0,-2 1 0 0,-2 0-1 0,0 0 0 15,4 3-1-15,-4-2-2 0,0 3-1 0,0 0 0 0,0 0 0 0,0 0 1 16,-4 3 1-16,4 4-8 0,0-2 11 0,-2-1-1 0,2 3 1 0,-4 2 2 16,4 6-1-16,0-6 6 0,-2 0 1 0,2-2 0 0,0 1 0 0,0-1-1 0,0-1-1 0,0 1-1 15,0-2 0-15,0 5-1 0,2-7 1 0,-2 1-1 0,0-1 2 0,4-1 2 16,-2 1 0-16,-2-3 0 0,4 1 1 0,0 1 2 0,-2-2-1 0,3 0 0 0,1-2-1 16,-2 1-2-16,2-1-2 0,-2-1-1 0,2 0-3 0,-3-3 0 0,11-2-10 15,-12 3 7-15,6-2-3 0,1-6-18 0,-1 6 13 0,-6 1 0 0,6-3 1 0,-6 3 0 16,9-8-9-16,-7 8 14 0,-2 1 0 0,2 0 1 0,2 0 0 0,-6 0 0 0,6 2 1 0,-6 0 1 15,5-1 2-15,-1 2-1 0,-2 0 2 0,-2 1 0 0,4 1 1 0,-2-2 1 16,2 1 1-16,0 1 1 0,-2 0 1 0,2 0 1 0,-2 0 2 0,3 0 2 16,-1 0 1-16,-2 0 2 0,2 0 1 0,2-2 1 0,-2 0 3 0,-2 2 3 15,7-1 2-15,-3-3 1 0,-4 3 2 0,6-3 3 0,-6 1 2 0,4-2 1 16,-1 2 2-16,1-2-1 0,-2-1 1 0,0 2 2 0,2-3-1 0,-4 2 1 0,2-2-2 16,3 2-1-16,-7 0-1 0,6 0-1 0,-6 0-1 0,4-5 22 0,-4 3-27 0,0 4-1 15,0-1-2-15,0 0-3 0,0-1-2 0,0 0-1 0,-4 2-3 0,4-2-3 0,-6-4 2 16,4 4-9-16,-3 2-5 0,1-7-25 0,-2 3-1 0,4 4-13 0,-2-2-14 15,0 0-19-15,-2-3-148 0,1 2 56 0,3 1-44 0,-2 2-47 16,2-2-66-16,-6-3-536 0,8 3 365 0,-2 2-15 0</inkml:trace>
+  <inkml:trace contextRef="#ctx0" brushRef="#br1" timeOffset="205287.03">15522 11826 317 0,'0'-2'526'0,"0"0"6"0,-2-2-79 0,2 4-123 0,0 0-78 0,0 0-57 16,0 0-32-16,2 0-18 0,-2 0-11 0,4 0-9 0,-2 0-8 0,6 0-7 0,-1 2-3 16,-1 0-2-16,4 0-1 0,1 0 0 0,1 1-2 0,-2-2-2 0,7 2-3 0,-3 1-7 15,-1 1-5-15,3 0-8 0,1 0-5 0,-1 1-5 0,1 1-7 0,-1 0-2 0,1 1-5 0,-1 1-5 16,-1 1-2-16,1 0-2 0,1 0-2 0,-5 1-1 15,3 1 2-15,-3-1 2 0,-1 1 2 0,3 2 3 0,-6-1 3 0,3 2 2 0,-1 0 1 0,0 0 0 16,-3 0 0-16,-1 0 0 0,-2 1-1 0,2 1 0 16,-2-2-2-16,-4 2-3 15,0 1-2-15,0-1-6 0,-4-1-5 0,2 3-8 0,-2-3-11 16,-6 1-14-16,3 0-17 0,-3 1-18 0,0-1-22 0,-3 0-22 16,-1-1-26-16,-3 1-26 0,5-1-29 0,-9 1-27 0,5-2-30 15,-1 2-29-15,-4-2-35 0,5 0-42 0,-7-2-52 0,3 1-61 16,1-1-78-16,-2-1-85 0,5-3-33 0,-5 0-5 0,4-1 9 15</inkml:trace>
+</inkml:ink>
+</file>
+
+<file path=ppt/ink/ink73.xml><?xml version="1.0" encoding="utf-8"?>
+<inkml:ink xmlns:inkml="http://www.w3.org/2003/InkML">
+  <inkml:definitions>
+    <inkml:context xml:id="ctx0">
+      <inkml:inkSource xml:id="inkSrc0">
+        <inkml:traceFormat>
+          <inkml:channel name="X" type="integer" min="-1920" max="1920" units="cm"/>
+          <inkml:channel name="Y" type="integer" min="-116" max="1084" units="cm"/>
+          <inkml:channel name="T" type="integer" max="2.14748E9" units="dev"/>
+        </inkml:traceFormat>
+        <inkml:channelProperties>
+          <inkml:channelProperty channel="X" name="resolution" value="124.27184" units="1/cm"/>
+          <inkml:channelProperty channel="Y" name="resolution" value="68.96552" units="1/cm"/>
+          <inkml:channelProperty channel="T" name="resolution" value="1" units="1/dev"/>
+        </inkml:channelProperties>
+      </inkml:inkSource>
+      <inkml:timestamp xml:id="ts0" timeString="2021-10-30T12:22:23.328"/>
+    </inkml:context>
+    <inkml:brush xml:id="br0">
+      <inkml:brushProperty name="width" value="0.05292" units="cm"/>
+      <inkml:brushProperty name="height" value="0.05292" units="cm"/>
+      <inkml:brushProperty name="color" value="#FF0000"/>
+    </inkml:brush>
+  </inkml:definitions>
+  <inkml:trace contextRef="#ctx0" brushRef="#br0">4745 8855 0,'0'18'78,"0"-1"-78,0 1 16,0 0 0,0 17-16,0 0 0,0 0 15,0-17-15,0 0 16,0-1 0,0 1-16,0 0 15,0 17-15,0-17 16,0-1-16,0 18 31,0-17-15,0 17 15,0-17-31,0 0 172,0 17-141,35-17-15,-35-1-1,18 1 1,-18-1 31,17 1-32,-17 0-15,0-1 16,0 19 0,0-19 15,-35-70 78,35 18-93</inkml:trace>
+  <inkml:trace contextRef="#ctx0" brushRef="#br0" timeOffset="1310.67">4533 8820 0,'18'0'63,"-1"0"-63,19 0 62,-19 0-46,36 17 171,-53 1-124,18 17-48,0-17 1,17 17-16,-18 18 16,1-35-1,0-1 16,-1-17-31</inkml:trace>
+  <inkml:trace contextRef="#ctx0" brushRef="#br0" timeOffset="2164.13">4798 8837 0,'-18'0'78,"0"53"-62,1-35-16,-54 88 31,71-89 0,-17 1 173,17 0-189</inkml:trace>
+  <inkml:trace contextRef="#ctx0" brushRef="#br0" timeOffset="6183.76">5098 8344 0,'17'0'109,"-17"17"-93,0 36-16,0-35 31,0-1-15,0 1 374,0 0-390</inkml:trace>
+  <inkml:trace contextRef="#ctx0" brushRef="#br0" timeOffset="8010.94">6174 7126 0,'0'36'62,"0"-1"-46,0-17-16,0 17 16,0-17-16,0 34 15,0-34-15,0 17 16,0 1-1,0-1-15,0-17 16,0-1 0,0 18-16,0-17 15,0 0-15,0 17 16,-18 0 0,18-17-1,0 0 1,0 17 15,-18-17-15,18-1-1,0 18 110,0-17-109,0 0 31,0 17-32,0-17 17,0-1-1,0 1-15</inkml:trace>
+  <inkml:trace contextRef="#ctx0" brushRef="#br0" timeOffset="9182.2">6403 7779 0,'18'0'16,"-1"18"-1,-17-1 1,0 1 15,0 123 0,0-70-31,0-18 16,0-1-16,0 1 16,0 18-16,0-18 15,0-35-15,0-1 16,0 18 0,0-17-16,0 53 31,0-36-16,0-17-15,0-1 16,0 36 0,0-18-16,0-17 15,0 0-15,0 17 32,0-17-32</inkml:trace>
+  <inkml:trace contextRef="#ctx0" brushRef="#br0" timeOffset="10957.12">7620 6597 0,'-18'0'16,"18"36"0,0-19-1,0 1-15,18-1 16,0 36 0,-18-35-16,17 0 15,1 35-15,-18-36 16,0 1-16,0-1 15,0 36-15,35 0 16,-35-35-16,0 35 16,18-53-16,-18 35 15,0 0-15,0-17 16,0 17-16,0-17 16,0 0-1,0-1-15,0 1 16,0 0-16,0-1 15,0 1-15,0-1 63,0 1-63,0 0 16,0-1-16,0 1 31</inkml:trace>
+  <inkml:trace contextRef="#ctx0" brushRef="#br0" timeOffset="12030.71">7585 6633 0,'17'0'156,"-17"17"-141,18-17 1,17 35 0,-35-17 156</inkml:trace>
+  <inkml:trace contextRef="#ctx0" brushRef="#br0" timeOffset="12461.68">7602 6456 0,'0'18'16,"0"-1"-16,0 36 15,-35 0 1,-18 18 0,18-1-16,17-17 0,18-17 15,-17-19-15,17 36 32</inkml:trace>
 </inkml:ink>
 </file>
 
@@ -2788,7 +2930,7 @@
           <a:p>
             <a:fld id="{70CC5D0C-AA5A-4D6D-9BB2-7F02754A2FC6}" type="datetimeFigureOut">
               <a:rPr lang="en-IN" smtClean="0"/>
-              <a:t>24-10-2021</a:t>
+              <a:t>30-10-2021</a:t>
             </a:fld>
             <a:endParaRPr lang="en-IN"/>
           </a:p>
@@ -2988,7 +3130,7 @@
           <a:p>
             <a:fld id="{70CC5D0C-AA5A-4D6D-9BB2-7F02754A2FC6}" type="datetimeFigureOut">
               <a:rPr lang="en-IN" smtClean="0"/>
-              <a:t>24-10-2021</a:t>
+              <a:t>30-10-2021</a:t>
             </a:fld>
             <a:endParaRPr lang="en-IN"/>
           </a:p>
@@ -3198,7 +3340,7 @@
           <a:p>
             <a:fld id="{70CC5D0C-AA5A-4D6D-9BB2-7F02754A2FC6}" type="datetimeFigureOut">
               <a:rPr lang="en-IN" smtClean="0"/>
-              <a:t>24-10-2021</a:t>
+              <a:t>30-10-2021</a:t>
             </a:fld>
             <a:endParaRPr lang="en-IN"/>
           </a:p>
@@ -3398,7 +3540,7 @@
           <a:p>
             <a:fld id="{70CC5D0C-AA5A-4D6D-9BB2-7F02754A2FC6}" type="datetimeFigureOut">
               <a:rPr lang="en-IN" smtClean="0"/>
-              <a:t>24-10-2021</a:t>
+              <a:t>30-10-2021</a:t>
             </a:fld>
             <a:endParaRPr lang="en-IN"/>
           </a:p>
@@ -3674,7 +3816,7 @@
           <a:p>
             <a:fld id="{70CC5D0C-AA5A-4D6D-9BB2-7F02754A2FC6}" type="datetimeFigureOut">
               <a:rPr lang="en-IN" smtClean="0"/>
-              <a:t>24-10-2021</a:t>
+              <a:t>30-10-2021</a:t>
             </a:fld>
             <a:endParaRPr lang="en-IN"/>
           </a:p>
@@ -3942,7 +4084,7 @@
           <a:p>
             <a:fld id="{70CC5D0C-AA5A-4D6D-9BB2-7F02754A2FC6}" type="datetimeFigureOut">
               <a:rPr lang="en-IN" smtClean="0"/>
-              <a:t>24-10-2021</a:t>
+              <a:t>30-10-2021</a:t>
             </a:fld>
             <a:endParaRPr lang="en-IN"/>
           </a:p>
@@ -4357,7 +4499,7 @@
           <a:p>
             <a:fld id="{70CC5D0C-AA5A-4D6D-9BB2-7F02754A2FC6}" type="datetimeFigureOut">
               <a:rPr lang="en-IN" smtClean="0"/>
-              <a:t>24-10-2021</a:t>
+              <a:t>30-10-2021</a:t>
             </a:fld>
             <a:endParaRPr lang="en-IN"/>
           </a:p>
@@ -4499,7 +4641,7 @@
           <a:p>
             <a:fld id="{70CC5D0C-AA5A-4D6D-9BB2-7F02754A2FC6}" type="datetimeFigureOut">
               <a:rPr lang="en-IN" smtClean="0"/>
-              <a:t>24-10-2021</a:t>
+              <a:t>30-10-2021</a:t>
             </a:fld>
             <a:endParaRPr lang="en-IN"/>
           </a:p>
@@ -4612,7 +4754,7 @@
           <a:p>
             <a:fld id="{70CC5D0C-AA5A-4D6D-9BB2-7F02754A2FC6}" type="datetimeFigureOut">
               <a:rPr lang="en-IN" smtClean="0"/>
-              <a:t>24-10-2021</a:t>
+              <a:t>30-10-2021</a:t>
             </a:fld>
             <a:endParaRPr lang="en-IN"/>
           </a:p>
@@ -4925,7 +5067,7 @@
           <a:p>
             <a:fld id="{70CC5D0C-AA5A-4D6D-9BB2-7F02754A2FC6}" type="datetimeFigureOut">
               <a:rPr lang="en-IN" smtClean="0"/>
-              <a:t>24-10-2021</a:t>
+              <a:t>30-10-2021</a:t>
             </a:fld>
             <a:endParaRPr lang="en-IN"/>
           </a:p>
@@ -5214,7 +5356,7 @@
           <a:p>
             <a:fld id="{70CC5D0C-AA5A-4D6D-9BB2-7F02754A2FC6}" type="datetimeFigureOut">
               <a:rPr lang="en-IN" smtClean="0"/>
-              <a:t>24-10-2021</a:t>
+              <a:t>30-10-2021</a:t>
             </a:fld>
             <a:endParaRPr lang="en-IN"/>
           </a:p>
@@ -5457,7 +5599,7 @@
           <a:p>
             <a:fld id="{70CC5D0C-AA5A-4D6D-9BB2-7F02754A2FC6}" type="datetimeFigureOut">
               <a:rPr lang="en-IN" smtClean="0"/>
-              <a:t>24-10-2021</a:t>
+              <a:t>30-10-2021</a:t>
             </a:fld>
             <a:endParaRPr lang="en-IN"/>
           </a:p>
@@ -5940,6 +6082,246 @@
 </p:sld>
 </file>
 
+<file path=ppt/slides/slide10.xml><?xml version="1.0" encoding="utf-8"?>
+<p:sld xmlns:a="http://schemas.openxmlformats.org/drawingml/2006/main" xmlns:r="http://schemas.openxmlformats.org/officeDocument/2006/relationships" xmlns:p="http://schemas.openxmlformats.org/presentationml/2006/main">
+  <p:cSld>
+    <p:spTree>
+      <p:nvGrpSpPr>
+        <p:cNvPr id="1" name=""/>
+        <p:cNvGrpSpPr/>
+        <p:nvPr/>
+      </p:nvGrpSpPr>
+      <p:grpSpPr>
+        <a:xfrm>
+          <a:off x="0" y="0"/>
+          <a:ext cx="0" cy="0"/>
+          <a:chOff x="0" y="0"/>
+          <a:chExt cx="0" cy="0"/>
+        </a:xfrm>
+      </p:grpSpPr>
+      <p:sp>
+        <p:nvSpPr>
+          <p:cNvPr id="2" name="Title 1">
+            <a:extLst>
+              <a:ext uri="{FF2B5EF4-FFF2-40B4-BE49-F238E27FC236}">
+                <a16:creationId xmlns:a16="http://schemas.microsoft.com/office/drawing/2014/main" id="{A976BBBA-579A-4800-80B9-EFDF1D4DF2C9}"/>
+              </a:ext>
+            </a:extLst>
+          </p:cNvPr>
+          <p:cNvSpPr>
+            <a:spLocks noGrp="1"/>
+          </p:cNvSpPr>
+          <p:nvPr>
+            <p:ph type="title"/>
+          </p:nvPr>
+        </p:nvSpPr>
+        <p:spPr/>
+        <p:txBody>
+          <a:bodyPr/>
+          <a:lstStyle/>
+          <a:p>
+            <a:endParaRPr lang="en-IN"/>
+          </a:p>
+        </p:txBody>
+      </p:sp>
+      <p:sp>
+        <p:nvSpPr>
+          <p:cNvPr id="3" name="Content Placeholder 2">
+            <a:extLst>
+              <a:ext uri="{FF2B5EF4-FFF2-40B4-BE49-F238E27FC236}">
+                <a16:creationId xmlns:a16="http://schemas.microsoft.com/office/drawing/2014/main" id="{FC5095F7-3345-43C8-A04C-26CBD73B1646}"/>
+              </a:ext>
+            </a:extLst>
+          </p:cNvPr>
+          <p:cNvSpPr>
+            <a:spLocks noGrp="1"/>
+          </p:cNvSpPr>
+          <p:nvPr>
+            <p:ph idx="1"/>
+          </p:nvPr>
+        </p:nvSpPr>
+        <p:spPr/>
+        <p:txBody>
+          <a:bodyPr/>
+          <a:lstStyle/>
+          <a:p>
+            <a:endParaRPr lang="en-IN"/>
+          </a:p>
+        </p:txBody>
+      </p:sp>
+    </p:spTree>
+    <p:extLst>
+      <p:ext uri="{BB962C8B-B14F-4D97-AF65-F5344CB8AC3E}">
+        <p14:creationId xmlns:p14="http://schemas.microsoft.com/office/powerpoint/2010/main" val="2552526149"/>
+      </p:ext>
+    </p:extLst>
+  </p:cSld>
+  <p:clrMapOvr>
+    <a:masterClrMapping/>
+  </p:clrMapOvr>
+</p:sld>
+</file>
+
+<file path=ppt/slides/slide11.xml><?xml version="1.0" encoding="utf-8"?>
+<p:sld xmlns:a="http://schemas.openxmlformats.org/drawingml/2006/main" xmlns:r="http://schemas.openxmlformats.org/officeDocument/2006/relationships" xmlns:p="http://schemas.openxmlformats.org/presentationml/2006/main">
+  <p:cSld>
+    <p:spTree>
+      <p:nvGrpSpPr>
+        <p:cNvPr id="1" name=""/>
+        <p:cNvGrpSpPr/>
+        <p:nvPr/>
+      </p:nvGrpSpPr>
+      <p:grpSpPr>
+        <a:xfrm>
+          <a:off x="0" y="0"/>
+          <a:ext cx="0" cy="0"/>
+          <a:chOff x="0" y="0"/>
+          <a:chExt cx="0" cy="0"/>
+        </a:xfrm>
+      </p:grpSpPr>
+      <p:sp>
+        <p:nvSpPr>
+          <p:cNvPr id="2" name="Title 1">
+            <a:extLst>
+              <a:ext uri="{FF2B5EF4-FFF2-40B4-BE49-F238E27FC236}">
+                <a16:creationId xmlns:a16="http://schemas.microsoft.com/office/drawing/2014/main" id="{0D294039-FBF5-4D5E-9089-D995C7A47AE3}"/>
+              </a:ext>
+            </a:extLst>
+          </p:cNvPr>
+          <p:cNvSpPr>
+            <a:spLocks noGrp="1"/>
+          </p:cNvSpPr>
+          <p:nvPr>
+            <p:ph type="title"/>
+          </p:nvPr>
+        </p:nvSpPr>
+        <p:spPr/>
+        <p:txBody>
+          <a:bodyPr/>
+          <a:lstStyle/>
+          <a:p>
+            <a:endParaRPr lang="en-IN"/>
+          </a:p>
+        </p:txBody>
+      </p:sp>
+      <p:sp>
+        <p:nvSpPr>
+          <p:cNvPr id="3" name="Content Placeholder 2">
+            <a:extLst>
+              <a:ext uri="{FF2B5EF4-FFF2-40B4-BE49-F238E27FC236}">
+                <a16:creationId xmlns:a16="http://schemas.microsoft.com/office/drawing/2014/main" id="{3D9728AD-0A60-435F-81FE-E2A2AFA2BFD8}"/>
+              </a:ext>
+            </a:extLst>
+          </p:cNvPr>
+          <p:cNvSpPr>
+            <a:spLocks noGrp="1"/>
+          </p:cNvSpPr>
+          <p:nvPr>
+            <p:ph idx="1"/>
+          </p:nvPr>
+        </p:nvSpPr>
+        <p:spPr/>
+        <p:txBody>
+          <a:bodyPr/>
+          <a:lstStyle/>
+          <a:p>
+            <a:endParaRPr lang="en-IN"/>
+          </a:p>
+        </p:txBody>
+      </p:sp>
+    </p:spTree>
+    <p:extLst>
+      <p:ext uri="{BB962C8B-B14F-4D97-AF65-F5344CB8AC3E}">
+        <p14:creationId xmlns:p14="http://schemas.microsoft.com/office/powerpoint/2010/main" val="4243261778"/>
+      </p:ext>
+    </p:extLst>
+  </p:cSld>
+  <p:clrMapOvr>
+    <a:masterClrMapping/>
+  </p:clrMapOvr>
+</p:sld>
+</file>
+
+<file path=ppt/slides/slide12.xml><?xml version="1.0" encoding="utf-8"?>
+<p:sld xmlns:a="http://schemas.openxmlformats.org/drawingml/2006/main" xmlns:r="http://schemas.openxmlformats.org/officeDocument/2006/relationships" xmlns:p="http://schemas.openxmlformats.org/presentationml/2006/main">
+  <p:cSld>
+    <p:spTree>
+      <p:nvGrpSpPr>
+        <p:cNvPr id="1" name=""/>
+        <p:cNvGrpSpPr/>
+        <p:nvPr/>
+      </p:nvGrpSpPr>
+      <p:grpSpPr>
+        <a:xfrm>
+          <a:off x="0" y="0"/>
+          <a:ext cx="0" cy="0"/>
+          <a:chOff x="0" y="0"/>
+          <a:chExt cx="0" cy="0"/>
+        </a:xfrm>
+      </p:grpSpPr>
+      <p:sp>
+        <p:nvSpPr>
+          <p:cNvPr id="2" name="Title 1">
+            <a:extLst>
+              <a:ext uri="{FF2B5EF4-FFF2-40B4-BE49-F238E27FC236}">
+                <a16:creationId xmlns:a16="http://schemas.microsoft.com/office/drawing/2014/main" id="{EAE2E2F9-CD80-412D-8E46-B5F52101DB45}"/>
+              </a:ext>
+            </a:extLst>
+          </p:cNvPr>
+          <p:cNvSpPr>
+            <a:spLocks noGrp="1"/>
+          </p:cNvSpPr>
+          <p:nvPr>
+            <p:ph type="title"/>
+          </p:nvPr>
+        </p:nvSpPr>
+        <p:spPr/>
+        <p:txBody>
+          <a:bodyPr/>
+          <a:lstStyle/>
+          <a:p>
+            <a:endParaRPr lang="en-IN"/>
+          </a:p>
+        </p:txBody>
+      </p:sp>
+      <p:sp>
+        <p:nvSpPr>
+          <p:cNvPr id="3" name="Content Placeholder 2">
+            <a:extLst>
+              <a:ext uri="{FF2B5EF4-FFF2-40B4-BE49-F238E27FC236}">
+                <a16:creationId xmlns:a16="http://schemas.microsoft.com/office/drawing/2014/main" id="{72F1AB25-8752-4E8D-82BE-1AC61B548561}"/>
+              </a:ext>
+            </a:extLst>
+          </p:cNvPr>
+          <p:cNvSpPr>
+            <a:spLocks noGrp="1"/>
+          </p:cNvSpPr>
+          <p:nvPr>
+            <p:ph idx="1"/>
+          </p:nvPr>
+        </p:nvSpPr>
+        <p:spPr/>
+        <p:txBody>
+          <a:bodyPr/>
+          <a:lstStyle/>
+          <a:p>
+            <a:endParaRPr lang="en-IN"/>
+          </a:p>
+        </p:txBody>
+      </p:sp>
+    </p:spTree>
+    <p:extLst>
+      <p:ext uri="{BB962C8B-B14F-4D97-AF65-F5344CB8AC3E}">
+        <p14:creationId xmlns:p14="http://schemas.microsoft.com/office/powerpoint/2010/main" val="1203913305"/>
+      </p:ext>
+    </p:extLst>
+  </p:cSld>
+  <p:clrMapOvr>
+    <a:masterClrMapping/>
+  </p:clrMapOvr>
+</p:sld>
+</file>
+
 <file path=ppt/slides/slide2.xml><?xml version="1.0" encoding="utf-8"?>
 <p:sld xmlns:a="http://schemas.openxmlformats.org/drawingml/2006/main" xmlns:r="http://schemas.openxmlformats.org/officeDocument/2006/relationships" xmlns:p="http://schemas.openxmlformats.org/presentationml/2006/main">
   <p:cSld>
@@ -10290,8 +10672,8 @@
           </a:p>
         </p:txBody>
       </p:sp>
-      <mc:AlternateContent xmlns:mc="http://schemas.openxmlformats.org/markup-compatibility/2006">
-        <mc:Choice xmlns:p14="http://schemas.microsoft.com/office/powerpoint/2010/main" Requires="p14">
+      <mc:AlternateContent xmlns:mc="http://schemas.openxmlformats.org/markup-compatibility/2006" xmlns:p14="http://schemas.microsoft.com/office/powerpoint/2010/main">
+        <mc:Choice Requires="p14">
           <p:contentPart p14:bwMode="auto" r:id="rId2">
             <p14:nvContentPartPr>
               <p14:cNvPr id="4" name="Ink 3">
@@ -10310,7 +10692,7 @@
             </p14:xfrm>
           </p:contentPart>
         </mc:Choice>
-        <mc:Fallback>
+        <mc:Fallback xmlns="">
           <p:pic>
             <p:nvPicPr>
               <p:cNvPr id="4" name="Ink 3">
@@ -10345,6 +10727,188 @@
     <p:extLst>
       <p:ext uri="{BB962C8B-B14F-4D97-AF65-F5344CB8AC3E}">
         <p14:creationId xmlns:p14="http://schemas.microsoft.com/office/powerpoint/2010/main" val="2077210129"/>
+      </p:ext>
+    </p:extLst>
+  </p:cSld>
+  <p:clrMapOvr>
+    <a:masterClrMapping/>
+  </p:clrMapOvr>
+</p:sld>
+</file>
+
+<file path=ppt/slides/slide9.xml><?xml version="1.0" encoding="utf-8"?>
+<p:sld xmlns:a="http://schemas.openxmlformats.org/drawingml/2006/main" xmlns:r="http://schemas.openxmlformats.org/officeDocument/2006/relationships" xmlns:p="http://schemas.openxmlformats.org/presentationml/2006/main">
+  <p:cSld>
+    <p:spTree>
+      <p:nvGrpSpPr>
+        <p:cNvPr id="1" name=""/>
+        <p:cNvGrpSpPr/>
+        <p:nvPr/>
+      </p:nvGrpSpPr>
+      <p:grpSpPr>
+        <a:xfrm>
+          <a:off x="0" y="0"/>
+          <a:ext cx="0" cy="0"/>
+          <a:chOff x="0" y="0"/>
+          <a:chExt cx="0" cy="0"/>
+        </a:xfrm>
+      </p:grpSpPr>
+      <p:sp>
+        <p:nvSpPr>
+          <p:cNvPr id="2" name="Title 1">
+            <a:extLst>
+              <a:ext uri="{FF2B5EF4-FFF2-40B4-BE49-F238E27FC236}">
+                <a16:creationId xmlns:a16="http://schemas.microsoft.com/office/drawing/2014/main" id="{5201BEA7-2BE9-49A6-ABD8-D4383ABFBAE9}"/>
+              </a:ext>
+            </a:extLst>
+          </p:cNvPr>
+          <p:cNvSpPr>
+            <a:spLocks noGrp="1"/>
+          </p:cNvSpPr>
+          <p:nvPr>
+            <p:ph type="title"/>
+          </p:nvPr>
+        </p:nvSpPr>
+        <p:spPr/>
+        <p:txBody>
+          <a:bodyPr/>
+          <a:lstStyle/>
+          <a:p>
+            <a:endParaRPr lang="en-IN"/>
+          </a:p>
+        </p:txBody>
+      </p:sp>
+      <p:sp>
+        <p:nvSpPr>
+          <p:cNvPr id="3" name="Content Placeholder 2">
+            <a:extLst>
+              <a:ext uri="{FF2B5EF4-FFF2-40B4-BE49-F238E27FC236}">
+                <a16:creationId xmlns:a16="http://schemas.microsoft.com/office/drawing/2014/main" id="{0BA08746-B0D0-4DE4-81DD-5B0EEFF5F97E}"/>
+              </a:ext>
+            </a:extLst>
+          </p:cNvPr>
+          <p:cNvSpPr>
+            <a:spLocks noGrp="1"/>
+          </p:cNvSpPr>
+          <p:nvPr>
+            <p:ph idx="1"/>
+          </p:nvPr>
+        </p:nvSpPr>
+        <p:spPr/>
+        <p:txBody>
+          <a:bodyPr/>
+          <a:lstStyle/>
+          <a:p>
+            <a:endParaRPr lang="en-IN"/>
+          </a:p>
+        </p:txBody>
+      </p:sp>
+      <mc:AlternateContent xmlns:mc="http://schemas.openxmlformats.org/markup-compatibility/2006">
+        <mc:Choice xmlns:p14="http://schemas.microsoft.com/office/powerpoint/2010/main" Requires="p14">
+          <p:contentPart p14:bwMode="auto" r:id="rId2">
+            <p14:nvContentPartPr>
+              <p14:cNvPr id="4" name="Ink 3">
+                <a:extLst>
+                  <a:ext uri="{FF2B5EF4-FFF2-40B4-BE49-F238E27FC236}">
+                    <a16:creationId xmlns:a16="http://schemas.microsoft.com/office/drawing/2014/main" id="{2DE83ECA-BBBB-428C-92AC-CD95C9F26A0C}"/>
+                  </a:ext>
+                </a:extLst>
+              </p14:cNvPr>
+              <p14:cNvContentPartPr/>
+              <p14:nvPr/>
+            </p14:nvContentPartPr>
+            <p14:xfrm>
+              <a:off x="876600" y="1071720"/>
+              <a:ext cx="5270400" cy="3798720"/>
+            </p14:xfrm>
+          </p:contentPart>
+        </mc:Choice>
+        <mc:Fallback>
+          <p:pic>
+            <p:nvPicPr>
+              <p:cNvPr id="4" name="Ink 3">
+                <a:extLst>
+                  <a:ext uri="{FF2B5EF4-FFF2-40B4-BE49-F238E27FC236}">
+                    <a16:creationId xmlns:a16="http://schemas.microsoft.com/office/drawing/2014/main" id="{2DE83ECA-BBBB-428C-92AC-CD95C9F26A0C}"/>
+                  </a:ext>
+                </a:extLst>
+              </p:cNvPr>
+              <p:cNvPicPr/>
+              <p:nvPr/>
+            </p:nvPicPr>
+            <p:blipFill>
+              <a:blip r:embed="rId3"/>
+              <a:stretch>
+                <a:fillRect/>
+              </a:stretch>
+            </p:blipFill>
+            <p:spPr>
+              <a:xfrm>
+                <a:off x="867240" y="1062360"/>
+                <a:ext cx="5289120" cy="3817440"/>
+              </a:xfrm>
+              <a:prstGeom prst="rect">
+                <a:avLst/>
+              </a:prstGeom>
+            </p:spPr>
+          </p:pic>
+        </mc:Fallback>
+      </mc:AlternateContent>
+      <mc:AlternateContent xmlns:mc="http://schemas.openxmlformats.org/markup-compatibility/2006">
+        <mc:Choice xmlns:p14="http://schemas.microsoft.com/office/powerpoint/2010/main" Requires="p14">
+          <p:contentPart p14:bwMode="auto" r:id="rId4">
+            <p14:nvContentPartPr>
+              <p14:cNvPr id="5" name="Ink 4">
+                <a:extLst>
+                  <a:ext uri="{FF2B5EF4-FFF2-40B4-BE49-F238E27FC236}">
+                    <a16:creationId xmlns:a16="http://schemas.microsoft.com/office/drawing/2014/main" id="{E9A35593-9EAF-4904-B335-4181E2EE30A0}"/>
+                  </a:ext>
+                </a:extLst>
+              </p14:cNvPr>
+              <p14:cNvContentPartPr/>
+              <p14:nvPr/>
+            </p14:nvContentPartPr>
+            <p14:xfrm>
+              <a:off x="1631880" y="2324160"/>
+              <a:ext cx="1149840" cy="1105200"/>
+            </p14:xfrm>
+          </p:contentPart>
+        </mc:Choice>
+        <mc:Fallback>
+          <p:pic>
+            <p:nvPicPr>
+              <p:cNvPr id="5" name="Ink 4">
+                <a:extLst>
+                  <a:ext uri="{FF2B5EF4-FFF2-40B4-BE49-F238E27FC236}">
+                    <a16:creationId xmlns:a16="http://schemas.microsoft.com/office/drawing/2014/main" id="{E9A35593-9EAF-4904-B335-4181E2EE30A0}"/>
+                  </a:ext>
+                </a:extLst>
+              </p:cNvPr>
+              <p:cNvPicPr/>
+              <p:nvPr/>
+            </p:nvPicPr>
+            <p:blipFill>
+              <a:blip r:embed="rId5"/>
+              <a:stretch>
+                <a:fillRect/>
+              </a:stretch>
+            </p:blipFill>
+            <p:spPr>
+              <a:xfrm>
+                <a:off x="1622520" y="2314800"/>
+                <a:ext cx="1168560" cy="1123920"/>
+              </a:xfrm>
+              <a:prstGeom prst="rect">
+                <a:avLst/>
+              </a:prstGeom>
+            </p:spPr>
+          </p:pic>
+        </mc:Fallback>
+      </mc:AlternateContent>
+    </p:spTree>
+    <p:extLst>
+      <p:ext uri="{BB962C8B-B14F-4D97-AF65-F5344CB8AC3E}">
+        <p14:creationId xmlns:p14="http://schemas.microsoft.com/office/powerpoint/2010/main" val="495361876"/>
       </p:ext>
     </p:extLst>
   </p:cSld>

--- a/machine Learning.pptx
+++ b/machine Learning.pptx
@@ -432,7 +432,7 @@
   <inkml:trace contextRef="#ctx0" brushRef="#br0">6221 3342 414 0,'-3'-5'574'0,"0"0"18"0,-2 1 18 0,3-2-113 16,-2 3-175-16,2-2-93 0,-1 3-50 0,2-1-25 0,-1 0-11 0,0 0-4 16,2 1-3-16,-1 1-5 0,-1-1-6 0,2 1-16 0,0 1-19 0,0 0-19 15,0 0-19-15,0 0-15 0,0 0-11 0,0 0-9 0,0 0-7 0,0 0-4 16,0 0-4-16,0 3-2 0,0 0-1 0,0 0 0 0,0 3 2 16,0 1 0-16,0 2 2 0,0 3 2 0,-1 2 2 0,-1 1 2 0,2 3 3 15,-2 1 3-15,2 2 3 0,-1 2 2 0,-1 1 0 0,0 1 0 16,1 4-1-16,-1-1-2 0,-2 2-1 0,2 0-2 0,1 0-2 0,-2 2-1 15,-1-1-1-15,1-1-2 0,1 2-1 0,1-1-1 0,-2-2-3 16,1 1-1-16,-1-3-1 0,1 0-3 0,1-2-2 0,-1-1-5 0,-1-1-5 16,3-1-6-16,-1-1-8 0,-1-1-7 0,2 1-8 0,-3-3-10 15,3-2-10-15,-2 1-12 0,-1-2-14 0,1-2-17 0,1 1-15 0,-1-3-23 16,-1 0-27-16,1-2-31 0,-1 0-32 0,0 0-51 0,0-1-63 0,0-1-86 16,1-1-97-16,1-3-44 0,-1 2-17 0,-1-4-1 0</inkml:trace>
   <inkml:trace contextRef="#ctx0" brushRef="#br0" timeOffset="407.74">6158 3376 72 0,'0'-13'528'0,"0"-1"16"0,0 2-49 0,1 0-81 0,1-1-96 16,1 1-104-16,-1 1-54 0,3-1-29 0,-2 2-10 0,1-1-6 16,-1 2-2-16,2 0-3 0,-1 0-9 0,0 2-12 0,0-1-14 0,0 2-17 15,1 0-11-15,-2 0-10 0,3 2-6 0,-1 1-6 0,0-2-4 0,0 2-1 16,2 0 0-16,0 0 0 0,-1 0-4 0,2 2 0 0,-1-1 0 16,0 1-3-16,1 1 1 0,0 0-1 0,0 0 1 0,1 0-1 0,1 0 1 15,-2 1-1-15,3 1 1 0,-3 1-1 0,3 0 1 0,-2 1-2 16,1 1 1-16,-2 1 0 0,4-2 0 0,-4 4-1 0,0-1 0 0,0 2 0 15,1-1-1-15,-2 2 0 0,1 1 0 0,-3 1-1 0,2-2 1 0,-3 4-2 16,-1-2 1-16,-2 1 0 0,1 2 0 0,-2-1 1 0,-2 1 0 16,1 0 2-16,-2 0-1 0,-1 1 1 0,-3 1-1 0,2-2-1 0,-3 1 2 15,1 0-1-15,-2 1-1 0,1 0 0 0,-3-1 0 0,-1-1-1 0,-1 2-4 16,2-2-3-16,-3-1-7 0,-1 2-5 0,0-1-8 0,0 0-10 16,-2 0-11-16,3-2-10 0,-4 1-15 0,4-2-16 0,-2 0-19 0,0 0-20 15,2 0-26-15,0-2-26 0,-2 1-35 0,5-2-38 0,-1 0-56 16,2-2-64-16,0 0-75 0,1 0-78 0,1-1-34 0,2-1-14 15</inkml:trace>
   <inkml:trace contextRef="#ctx0" brushRef="#br0" timeOffset="815.83">6476 3766 366 0,'5'-2'608'0,"-1"0"8"16,-1 0 6-16,0 1 4 0,-1-2-124 0,1 1-187 0,0 1-111 0,1-2-70 16,-1 3-35-16,3-2-15 0,0 1-9 0,1 1-2 0,-1 0-4 15,2 1-6-15,3 1-10 0,-2-1-10 0,3 1-7 0,0 1-6 0,-1 1-4 16,-1 0-3-16,4 3-1 0,-3-3-4 0,0 3-3 0,-1 1-2 0,-1 0-4 16,2 1-4-16,-3-2-1 0,0 2-3 0,-2 2-2 0,2-2 0 15,-2 1-1-15,-1-1 1 0,0 2-1 0,-2-2-1 0,1 1-1 0,-3-1 2 16,1 2 0-16,-2-2 0 0,0 0 0 0,-2 0 5 0,2-2 1 15,-3 1 5-15,1-2 6 0,-1 1 5 0,0-1 6 0,-2-1 5 0,2 1 8 16,-2-2 6-16,-1 1 6 0,1-2 8 0,-1 1 6 0,1-1 7 16,2 0 8-16,-2-2 8 0,1 1 4 0,-1-2 1 0,2 0 1 0,-2 0-3 15,2 0-3-15,-1-2-5 0,1 1-4 0,0-2-6 0,1-1-7 0,0 1-7 16,0-3-9-16,0 0-7 0,1 0-10 0,1-2-12 0,0-1-9 16,1 0-7-16,1-1-8 0,2-1-6 0,0 1-6 0,0-1-8 0,1 1-5 15,0-1-7-15,1 1-10 0,2-1-11 0,-2 0-14 0,1 1-14 16,-1 1-18-16,2-1-19 0,1 2-23 0,-1-1-23 0,1 0-35 0,0 2-38 15,-1-1-50-15,1 2-53 0,1-1-70 0,-1 1-79 0,2 0-72 16,-1 0-66-16,1 3-26 0,-2 0-5 0,1 0 6 0</inkml:trace>
-  <inkml:trace contextRef="#ctx0" brushRef="#br0" timeOffset="1119.86">7091 4035 164 0,'3'-3'552'0,"0"-2"14"16,0-1 12-16,2-1-93 0,-2-1-146 0,2 1-87 0,-2-2-60 0,2-2-30 16,-2 2-18-16,2-1-11 0,-1-1-9 0,-1 1-12 0,1-1-12 15,-1 1-13-15,0-2-15 0,0 1-12 0,-1 2-12 0,0 0-8 0,-1-1-6 16,-1 2-3-16,2-1-6 0,-2 2 0 0,0-1 0 0,0 1 1 16,-2 1 0-16,2 1-2 0,-3 2 1 0,1 0-1 0,1 0-3 0,-3 2-3 15,3-1-4-15,-2 2-4 0,-1 0-3 0,1 2-2 0,-1-1 1 0,-1 2-3 16,0 0-2-16,0 3-2 0,1 2-3 0,-3-1-2 0,0 2-2 15,0 0 0-15,1 2 0 0,-1-1 3 0,1 2 0 0,0-1 3 0,1 1 2 16,-1 0 0-16,1-1-1 0,2 2-2 0,0-3-2 0,1 1-5 16,0-1-7-16,0 1-8 0,2-1-10 0,2-1-13 0,-2 0-15 0,2-1-18 15,1-1-20-15,2 1-23 0,0-4-24 0,1 2-32 0,2-3-35 0,3 0-44 16,-1-1-48-16,2-2-42 0,1-2-40 0,1 1-29 0,2-4-20 16,0 0-9-16,4 0 0 0</inkml:trace>
+  <inkml:trace contextRef="#ctx0" brushRef="#br0" timeOffset="1119.85">7091 4035 164 0,'3'-3'552'0,"0"-2"14"16,0-1 12-16,2-1-93 0,-2-1-146 0,2 1-87 0,-2-2-60 0,2-2-30 16,-2 2-18-16,2-1-11 0,-1-1-9 0,-1 1-12 0,1-1-12 15,-1 1-13-15,0-2-15 0,0 1-12 0,-1 2-12 0,0 0-8 0,-1-1-6 16,-1 2-3-16,2-1-6 0,-2 2 0 0,0-1 0 0,0 1 1 16,-2 1 0-16,2 1-2 0,-3 2 1 0,1 0-1 0,1 0-3 0,-3 2-3 15,3-1-4-15,-2 2-4 0,-1 0-3 0,1 2-2 0,-1-1 1 0,-1 2-3 16,0 0-2-16,0 3-2 0,1 2-3 0,-3-1-2 0,0 2-2 15,0 0 0-15,1 2 0 0,-1-1 3 0,1 2 0 0,0-1 3 0,1 1 2 16,-1 0 0-16,1-1-1 0,2 2-2 0,0-3-2 0,1 1-5 16,0-1-7-16,0 1-8 0,2-1-10 0,2-1-13 0,-2 0-15 0,2-1-18 15,1-1-20-15,2 1-23 0,0-4-24 0,1 2-32 0,2-3-35 0,3 0-44 16,-1-1-48-16,2-2-42 0,1-2-40 0,1 1-29 0,2-4-20 16,0 0-9-16,4 0 0 0</inkml:trace>
   <inkml:trace contextRef="#ctx0" brushRef="#br0" timeOffset="1542.05">7451 3834 202 0,'0'-8'347'0,"-3"2"-10"16,-2 0-14-16,2 2-17 0,-3 1-17 0,0 0-20 0,-1 1-22 16,-1 0-18-16,-1 2-19 0,1 2-19 0,0 0-21 0,0 1-17 0,0 0-15 15,-1 0-16-15,1 1-14 0,0 2-11 0,-1 2-9 0,0-1-11 16,1 1-8-16,-1 1-8 0,1 0-7 0,2 1-6 0,-1 1-4 0,1-1-5 16,-3 1-5-16,4-1-4 0,0 1-4 0,2-1-3 0,0-1-3 0,0 2-3 15,1-4-4-15,-1 2-1 0,3-1-3 0,0-1-1 0,0 1-2 16,3-4 1-16,-1 2-1 0,-1-1 0 0,2-1 0 0,1-1 0 0,-1 0-2 15,2-1-2-15,1-1-3 0,0-1-2 0,0 0-2 0,-1-1-2 16,3-1-6-16,-1-1-1 0,0-1-2 0,3-1-3 0,-2 1-4 0,0-2-3 16,1-2-2-16,-1 1-1 0,0-2 0 0,1-2 1 0,-1 1-1 0,0-2 4 15,0-2 0-15,3 1 1 0,-3-4 4 0,0 1 1 0,0-2 2 16,1-3 2-16,-1 0 3 0,0-2 2 0,2-1 3 0,-4 0 4 0,2 0 3 16,-3-1 3-16,1-1 4 0,2 2 4 0,-3 0 6 0,-2 0 4 15,2 2 6-15,-2 1 5 0,0 1 3 0,-1 1 6 0,-1 4 5 16,1 0 6-16,1 1 3 0,-2 2 4 0,-1 2 0 0,0 1 1 0,0 3-3 0,0 0-3 15,0 1-4-15,0 2-6 0,0 0-5 0,0 0-6 16,0 2-8-16,0 1-7 0,0 0-7 0,0 0-6 0,0 1-3 0,0 3-5 0,0 1-1 16,0 3-1-16,0-1 2 0,0 2 1 0,0 3 2 0,0 2 2 15,0 1 2-15,0 3 3 0,0 0 3 0,0 1 3 0,0 1 0 0,0 1 2 16,0 1-2-16,0 1 0 0,-1 1-2 0,-2-2-1 0,3 2-1 16,-2-1-2-16,2-2-3 0,-3 1-5 0,2 1-7 0,-1-2-9 0,0 0-12 15,-1-2-16-15,0 0-18 0,0 1-21 0,-1-2-25 0,1 0-35 0,0-1-41 16,-1-1-53-16,1-1-64 0,1 2-86 0,0-4-99 0,1 1-73 0,1-2-59 15,1 0-23-15,1-2-6 0</inkml:trace>
   <inkml:trace contextRef="#ctx0" brushRef="#br0" timeOffset="3413.52">4950 3672 416 0,'-3'-5'575'0,"-2"-1"21"0,2 2-82 16,0-1-131-16,1 1-83 0,-1 1-55 0,0-2-31 0,-2 2-19 0,3 0-11 15,1 0-5-15,-1 2-13 0,1-1-14 0,-1 1-23 0,2-1-30 16,-2 2-26-16,2 0-25 0,0 0-16 0,0 0-13 0,-2 3-11 0,0 0-10 16,2 0-5-16,0 2-6 0,0 1-3 0,0 1-2 0,2 1 2 0,0 0-1 15,-2 3 3-15,2 1 3 0,1 0 2 0,-1 2 4 0,1-2 2 0,0 2 1 16,2 2 0-16,-2-3 0 0,2 1 1 0,1-1-1 0,-1 1 0 15,1-1 1-15,-1 1 0 0,3-2-2 0,1 0 1 0,-1-2 0 0,0-1 0 16,0 0-2-16,3-1 0 0,-1 1 0 0,-2-3 0 0,2 0-2 0,0-2 1 16,0 1-1-16,0-3 0 0,0 0 1 0,-2 0-1 0,3-2 2 15,-1-2-2-15,-1 2 0 0,-1-3 2 0,1 0-1 0,-2 0 1 0,3-1 0 16,-3-2 2-16,1-2 1 0,-2 1 2 0,1-1 0 0,-1 1 0 16,0-3 2-16,-1 2-1 0,0-3 0 0,-2-1 0 0,0 0 2 0,1 0 1 15,-3 0 3-15,2 0 2 0,-3 0 1 0,2-1 1 0,-2 1 0 0,0 0 4 16,0 1 2-16,0 0 2 0,0 1 4 0,0 1 3 0,-2 0 4 15,2 1 4-15,-1 1 1 0,-1 0 1 0,2 2-1 0,-1 1-2 0,-1 1-2 16,0 0-5-16,1 0-6 0,-1 1-6 0,2 1-9 0,0 1-7 16,-3 1-4-16,3 1-5 0,-2 1-5 0,2 1-3 0,-1 2-2 0,-1 2-3 15,2 2 0-15,-2 2 0 0,2 2 2 0,0-1 3 0,0 3 4 16,0 3 6-16,0 0 6 0,0 0 3 0,2 1 3 0,-2 3-1 0,2-2 1 16,-1 1 1-16,1 1-2 0,-1 0 1 0,1 2-1 0,1-1-1 0,-1 0-1 15,0 0 1-15,-1 0-4 0,2-2 0 0,-1 2-1 0,1-1-2 16,-2-1-1-16,1 1-1 0,-1-2-1 0,1-2 1 0,-2 1 3 0,0-1 0 15,0-2 3-15,0 1 3 0,0-3 2 0,0 0 3 0,-2-2 3 16,1-1 4-16,-1 0 4 0,-2-1 6 0,2-2 3 0,-1 0 6 0,0-2 4 16,1 1 2-16,-3-4 4 0,2 2 1 0,-2-1 0 0,-1-2-1 15,0 0 1-15,-2 0-2 0,2-2-4 0,-2 0-3 0,-3 1-3 16,1-2-5-16,-1 0-5 0,0-2-8 0,0 1-11 0,-3 0-13 0,3-1-15 16,-2-1-14-16,1 0-15 0,0-1-16 0,0 0-19 0,2 0-20 0,-1 0-20 15,0-2-28-15,3 0-30 0,0 0-32 0,0-2-35 0,2 1-48 0,3-2-54 16,0 0-67-16,3 0-73 0,2 1-56 0,2-2-46 0,1 1-14 15</inkml:trace>
   <inkml:trace contextRef="#ctx0" brushRef="#br0" timeOffset="3674.08">5464 4198 374 0,'0'0'577'0,"0"0"11"15,0 0 7-15,0 0-97 0,0 0-148 0,3 0-99 0,-2 0-72 0,2 0-36 16,2 0-17-16,0 0-4 0,0 2 4 0,3-2 1 0,3 0-1 16,-2 1-6-16,3 1-9 0,0-2-9 0,3 0-6 0,-2 0-9 0,2 0-9 15,2 0-7-15,-2 1-8 0,0-1-7 0,1 2-8 0,1-2-8 16,-2 0-8-16,2 0-6 0,-3 0-7 0,2 1-5 0,-1-1-4 0,-2 0-4 16,0 0-1-16,1 0-7 0,-4 0-5 0,1 0-9 0,-2 0-11 15,1 0-13-15,-2 0-12 0,0 0-16 0,-2 0-16 0,0 0-22 0,-2 2-23 16,-1-2-32-16,-2 1-37 0,-1-1-68 0,0 0-85 0,0 0-101 15,0 0-108-15,-1 1-52 0,-2 3-24 0,-1-3-5 0,1 1 3 0</inkml:trace>
@@ -2509,7 +2509,7 @@
   <inkml:trace contextRef="#ctx0" brushRef="#br0" timeOffset="37142.25">31450 15533 54 0,'0'0'537'0,"-7"0"13"0,7 0 10 15,0-4-96-15,0 4-145 0,0 0-89 0,0 0-59 0,0 0-36 16,0 0-23-16,0 0-16 0,0 0-11 0,-6 4-17 0,6-4-15 0,0 0-17 15,-6 0-16-15,6 0-11 0,-8 4-10 0,8-4-4 0,0 3-2 16,0 1 0-16,0-1 3 0,0 1 1 0,0 0 2 0,0-1 4 0,0 1 1 16,0 0 3-16,0-1 4 0,0 5 1 0,0-5 1 0,0 5-1 15,0-5-2-15,0 5-1 0,0-5-2 0,0 5-1 0,0-1-1 0,0-4 0 16,8 5-2-16,-8-4 1 0,0 3-1 0,0 1-1 0,6-5 0 0,-6 1 1 16,0-1-2-16,6 1 0 0,-6 0 1 0,0-1-1 0,0 1-1 15,7 0 1-15,-7-4 2 0,6 3-1 0,-6-3 1 0,7 0 1 0,-7 0-2 16,0 0 1-16,0 0 0 0,0 0-1 0,7 0-1 0,-1 0 1 0,0 0-1 15,-6 0 0-15,14-3-1 0,-8 3-1 0,0 0-2 0,8-4-2 16,-8 0 0-16,7 1 0 0,1-1 0 0,-2 0 0 0,1 1 0 0,0-1-1 16,0 1 1-16,1-5 1 0,-2 5-2 0,-6-1 1 0,8 0-1 15,-1 1 2-15,-7-2 0 0,8 2 1 0,-8 3-2 0,0-4 0 0,0 1-1 16,2 3 0-16,-2-4-1 0,0 4-1 0,-6-4-1 0,0 4-1 0,0 0-1 16,0 0 0-16,0 0 0 0,7 0 0 0,-7 0 1 0,7 4-1 15,-7-4 2-15,6 0 0 0,1 4 0 0,-1-4 2 0,0 3 0 0,1-3 1 16,-7 4 3-16,7-4 1 0,-1 0-1 0,0 0 3 0,1 3 1 15,0-3 1-15,-7 0 0 0,6 5 1 0,-6-5 2 0,7 0 1 0,-7 0 3 16,6 0 4-16,-6 0 4 0,0 0 5 0,0 0 4 0,0 0 6 16,0 0 5-16,0 0 5 0,0 0 6 0,6 0 1 0,-6 0 3 0,7-5 0 15,-7 5-2-15,0-3 0 0,7 3-3 0,-7-4-4 0,0 1-4 0,0-1-4 16,0 0-3-16,0 1-7 0,0-1-4 0,0-3-7 0,0 3-5 16,0 0-3-16,0-3-3 0,0 0 0 0,0-1-2 0,0 5 0 0,0-5 1 15,0 1-1-15,0 0 0 0,0 3-1 0,0-3-1 0,0 0 0 16,0 3-1-16,0-3-2 0,0 3-1 0,-7 0-4 0,7 1-2 0,0-1-5 15,-7-3-4-15,7 7-7 0,0-4-9 0,-6 0-11 0,6 4-9 16,0 0-14-16,0-4-14 0,0 4-18 0,0 0-19 0,0 0-20 0,0 0-24 16,0 0-20-16,-6 0-21 0,6 0-29 0,0 0-35 0,0 0-33 15,-7 4-32-15,7 0-62 0,0-4-78 0,0 4-31 0,0-1 163 0</inkml:trace>
   <inkml:trace contextRef="#ctx0" brushRef="#br0" timeOffset="37570.37">32329 15474 306 0,'0'0'361'0,"-6"-4"-62"0,6 1-63 0,-7 3-39 0,0 0-28 16,1 0-14-16,6 0-6 0,-13 0-9 0,6 0-7 0,1 0-15 0,-7 0-17 15,0 0-16-15,6 0-18 0,-5 0-13 0,-2 3-11 0,2 1-6 16,-2-4-5-16,1 4-3 0,-6 0-2 0,6-1-2 0,-1 1-2 0,2 3 0 15,-1-3-3-15,0 0-2 0,0 3-3 0,-1-3-2 0,2-1-2 0,5 5-1 16,-6-5 1-16,0 1-1 0,7 0-1 0,-8 3 0 0,14-4-1 16,-6 1-2-16,0 0 1 0,6-4 0 0,0 3 0 0,0 1-1 0,0-4 1 15,0 4 1-15,0-4 1 0,0 0 0 0,0 0 0 0,0 0 1 16,0 3 1-16,6-3 2 0,-6 0 0 0,6 0 1 0,-6 0 0 0,7 0 2 16,0-3 1-16,-1 3 0 0,1 0 1 0,5-4 0 0,-5 4 0 0,0-4-1 15,5 4 0-15,-4-3-2 0,4-1 0 0,1 0-3 0,0 4 0 16,-6-3-3-16,5-1 0 0,2 1-3 0,-8-1-1 0,7 0-2 0,-6 1-1 15,-1 3 0-15,7-4-2 0,-6 0-2 0,0 1 0 0,-1 3 0 16,0-4-1-16,-6 4-1 0,7-4 0 0,-7 4-2 0,0 0-1 0,0 0-1 16,0 0-1-16,0 0-1 0,0 0-1 0,0 0-2 0,0 0-2 15,0 0 0-15,-7 4 2 0,7-4 0 0,0 0 2 0,-6 4 1 0,6-4 1 16,-6 3 0-16,6-3 1 0,-7 4-1 0,7 0-2 0,0-4-6 16,0 3-5-16,-7-3-12 0,7 4-13 0,0-4-25 0,0 4-30 0,0-4-39 15,0 0-46-15,0 0-45 0,0 0-46 0,0 0-76 0,0 0-91 0,7 3-45 16,-7-3-24-16</inkml:trace>
   <inkml:trace contextRef="#ctx0" brushRef="#br0" timeOffset="37760.68">32518 15423 0 0,'0'0'309'0,"0"3"116"0,0-3-64 0,0 4-78 0,0 0-86 16,0-1-52-16,0-3-37 0,0 8-16 0,0-8-4 0,0 7-4 0,0-7-2 15,0 4-6-15,0-1-12 0,0 1-14 0,0 0-15 0,-6-4-15 0,6 3-16 16,0 1-22-16,0-4-22 0,0 4-29 0,0-4-35 0,0 0-36 16,0 0-42-16,0 0-44 0,0 0-46 0,0 0-70 0,0 0-83 0,0 0-39 15,0 0 323-15</inkml:trace>
-  <inkml:trace contextRef="#ctx0" brushRef="#br0" timeOffset="37900.72">32479 15298 0 0,'0'-3'273'0,"-7"-1"165"0,7 0-66 0,-6 4-81 0,6-3-87 16,-7 3-61-16,7-4-48 0,-6 4-39 0,6 0-36 0,0 0-38 0,0 0-36 15,0 0-47-15,0 0-52 0,0 0-63 0,0 0-68 0,0 0-68 0,6 4-71 16</inkml:trace>
+  <inkml:trace contextRef="#ctx0" brushRef="#br0" timeOffset="37900.71">32479 15298 0 0,'0'-3'273'0,"-7"-1"165"0,7 0-66 0,-6 4-81 0,6-3-87 16,-7 3-61-16,7-4-48 0,-6 4-39 0,6 0-36 0,0 0-38 0,0 0-36 15,0 0-47-15,0 0-52 0,0 0-63 0,0 0-68 0,0 0-68 0,6 4-71 16</inkml:trace>
   <inkml:trace contextRef="#ctx0" brushRef="#br0" timeOffset="38191.8">32772 15320 173 0,'0'0'516'0,"-6"0"-58"0,6 0-95 0,-7 0-75 16,0 0-66-16,1 0-44 0,6 4-33 0,0-4-24 0,-7 0-19 0,7 0-17 16,-6 3-13-16,6-3-13 0,-6 0-11 0,6 5-9 0,0-2-6 0,-8-3-5 15,8 3-2-15,0 2 1 0,0-5 1 0,0 3 4 0,0 1 3 16,0-1 4-16,0 1 5 0,0 0 1 0,0-1 0 0,8 5-1 0,-8-5-4 15,0 1-2-15,6 0-2 0,0-1-2 0,1 5-1 0,-7-5-3 0,6 1 1 16,1 3-4-16,0-3-2 0,-1 0-2 0,0-1-3 0,-6 4-3 16,7-3-1-16,0 0-3 0,-1-1-1 0,-6 1-2 0,6 0-2 0,-6-1-2 15,7 1 0-15,-7 0-3 0,0-4-2 0,7 3-5 0,-7-3-7 16,0 4-8-16,0 0-11 0,0-4-12 0,0 0-18 0,0 0-18 0,0 0-18 16,0 0-25-16,0 0-25 0,0 0-36 0,0 0-42 0,0 0-43 15,0 0-41-15,0 0-72 0,0 0-86 0,0 0-43 0,0 0-22 16</inkml:trace>
   <inkml:trace contextRef="#ctx0" brushRef="#br0" timeOffset="38428.85">33234 15144 0 0,'7'-3'556'0,"-7"-1"31"0,0 0 8 0,0 1-85 0,0 3-129 15,-7-4-94-15,7 4-73 0,0 0-39 0,0 0-26 0,0 4-15 16,0-4-11-16,0 3-12 0,0 1-14 0,0 0-14 0,7-1-14 0,-7 5-9 15,7-5-8-15,-1 5-1 0,0-1 0 0,1 0-1 0,-1 1 3 0,1-1-2 16,6 1-5-16,-7-1-6 0,1 0-4 0,0 4-5 0,5-4-4 16,-5 1-5-16,0-1-3 0,-1 0-4 0,7 1-6 0,-7-1-9 0,2-3-10 15,-2 3-10-15,0 0-12 0,1-3-15 0,-1 3-19 0,-6-3-22 16,0 0-22-16,7-1-30 0,-7 4-31 0,0-3-39 0,0 0-43 0,0-1-51 16,0 2-54-16,0-2-76 0,-7 0-88 0,7 2-43 0,-6-2-22 0,-1-3 0 15,7 0 407-15</inkml:trace>
   <inkml:trace contextRef="#ctx0" brushRef="#br0" timeOffset="38601.57">33084 15276 0 0,'-6'0'1'0,"0"-3"541"0,-1 3 15 0,0-4-43 16,1 4-71-16,6 0-81 0,-6-4-87 0,6 4-56 0,0 0-39 0,0 0-27 16,0 0-19-16,0 0-16 0,6 0-13 0,0-3-16 0,8 3-15 15,-8-4-20-15,14 4-19 0,-1-4-23 0,1 4-21 0,6-3-26 0,0 3-26 16,7-4-37-16,-1 0-40 0,7 4-62 0,-7-3-75 0,1 3-99 15,6-4-109-15,-7 4-55 0,2-4-31 0,-2 1-11 0,-6-1 73 0</inkml:trace>
@@ -2638,7 +2638,7 @@
   <inkml:trace contextRef="#ctx0" brushRef="#br0" timeOffset="28055.66">6635 8727 33 0,'-6'-5'194'15,"0"1"-7"-15,-4 1-4 0,6 0-3 16,-3 1-2-16,1-1-5 0,2 3-5 0,-2-2-9 0,2 2-9 15,-2 0-11-15,-1 0-10 0,3 0-10 0,2 2-11 0,-2-2-10 0,-2 3-9 16,6 1-11-16,-4-3-9 0,-3 4-7 0,3-1-8 0,2 2-6 0,-6-1-4 16,6 4-6-16,-2-1-5 0,-2 2-5 0,1 0-3 0,3 0-5 0,-2 1-4 0,-2 1-3 15,2 2-1-15,2-3-2 0,-2 3-1 0,-3 1-1 0,3-2-2 0,2 0 0 16,-2 2-1-16,-2 0-3 0,6-2-1 0,-4 3-7 0,2-3-5 0,-2 2-7 16,-1-2-9-16,3-1-12 0,-2 1-13 0,4-1-16 0,-2 0-17 0,-2-3-23 15,4 2-25-15,-4-3-33 0,4-1-39 16,0-1-38-16,0-1-39 15,0 0-65 1,0-1-76-16,4-1-38 0</inkml:trace>
   <inkml:trace contextRef="#ctx0" brushRef="#br0" timeOffset="28796.55">6005 6910 277 0,'0'0'296'0,"0"0"-67"0,0 0-36 0,0 2-16 16,0-2-7-16,0 2-4 0,0-2-6 0,0 0-9 0,0 0-8 0,0 1-7 0,0 1-10 0,0-2-12 0,0 2-8 0,4-1-9 16,-4-1-8-16,0 2-7 0,0 1-7 0,4-1-6 0,-4-1-4 0,2 3-4 0,-2-2-4 0,4 1-4 0,-1 2-3 0,1 0-5 0,2-2-4 15,-2 4-2-15,2-2-5 0,0 0-2 0,3 0-4 0,-1 2-3 0,0-1-4 0,-2 1-3 0,7-2-3 0,-7 1-3 0,4 0-3 16,1 0-1-16,3-1-2 0,-1 0-2 0,-3 0 1 0,2 2-1 0,3-4 1 0,-3 2 0 0,3-1 1 0,-3 1 0 0,-2-2 0 15,3 0 0-15,1 0-2 0,-1-1 0 0,-3 0-5 0,-4 0-5 0,5-2-7 0,-1 2-10 0,-4-1-11 0,2-1-13 0,-6 0-16 0,5 0-17 16,-3 0-20-16,0 0-23 0,-2 0-31 0,-2 0-37 0,0 0-38 0,0 0-40 0,4-3-34 0,-4 1-32 0,0-3-53 16,0 0-65-16,-4-1-29 0</inkml:trace>
   <inkml:trace contextRef="#ctx0" brushRef="#br0" timeOffset="29003.36">6189 6784 412 0,'-4'-4'367'0,"2"4"-89"0,-2-1-52 0,-3 1-31 0,3 0-16 0,2 1-11 0,-2-1-8 16,-2 4-9-16,2-3-12 0,-2 3-11 0,1 0-14 0,-1 0-10 0,4 1-11 0,-6 3-7 0,6 1-9 0,-2-1-8 16,-3 2-8-16,3 1-7 0,2 3-7 0,-2 1-5 0,-2-2-5 0,2 2-5 0,2 0-2 0,-7 2-5 0,7 2-1 0,-2-3-4 0,4 0-3 0,-6 1-2 15,6 1-6-15,-4-1-7 0,2 0-9 0,-2-2-10 0,4 2-11 0,-2-3-12 0,-2 1-15 0,4 1-17 0,0-3-19 0,-5 0-21 0,5 2-27 16,0-3-33-16,0 1-38 0,0-1-39 0,0 0-50 0,0-3-52 0,5 2-59 0,-1-2-64 0,-2 0-25 0</inkml:trace>
-  <inkml:trace contextRef="#ctx0" brushRef="#br0" timeOffset="29354.61">7576 7472 243 0,'0'-2'519'16,"-4"0"6"-16,4 2-92 0,-2-1-139 0,2-1-88 0,0 2-63 0,0 0-35 0,0 0-21 0,0 0-13 0,0 0-9 0,0 0-7 0,2 0-9 0,-2 0-4 15,4 0-2-15,-2 0-1 0,6 0-1 0,-1 0 2 0,-1 2 0 0,4-1 2 0,0-1 1 0,1 4 2 0,-3-2 4 16,6 0 0-16,-1 1-2 0,1 0-1 0,3 0-3 0,-5 0-5 0,5 3-3 0,-1-3-7 0,-1 2-4 0,1-2-3 16,1 2-5-16,-1 0-2 0,1 0-4 0,0-2-2 0,-1 4-2 0,5-3-1 0,-9 1-1 0,5-1-2 0,1 0-3 0,-5 1-6 0,3-2-3 15,1 2-8-15,-7-2-5 0,2 1-8 0,3 0-11 0,-3-1-11 0,-1 0-16 0,-5-2-15 0,4 1-16 0,-4 1-22 16,5-1-19-16,-7 0-26 0,2 0-30 0,0-2-36 0,-2 0-45 0,1 0-43 0,-3-2-44 0,2 0-52 0,-2-1-57 0,2-1-20 16</inkml:trace>
+  <inkml:trace contextRef="#ctx0" brushRef="#br0" timeOffset="29354.6">7576 7472 243 0,'0'-2'519'16,"-4"0"6"-16,4 2-92 0,-2-1-139 0,2-1-88 0,0 2-63 0,0 0-35 0,0 0-21 0,0 0-13 0,0 0-9 0,0 0-7 0,2 0-9 0,-2 0-4 15,4 0-2-15,-2 0-1 0,6 0-1 0,-1 0 2 0,-1 2 0 0,4-1 2 0,0-1 1 0,1 4 2 0,-3-2 4 16,6 0 0-16,-1 1-2 0,1 0-1 0,3 0-3 0,-5 0-5 0,5 3-3 0,-1-3-7 0,-1 2-4 0,1-2-3 16,1 2-5-16,-1 0-2 0,1 0-4 0,0-2-2 0,-1 4-2 0,5-3-1 0,-9 1-1 0,5-1-2 0,1 0-3 0,-5 1-6 0,3-2-3 15,1 2-8-15,-7-2-5 0,2 1-8 0,3 0-11 0,-3-1-11 0,-1 0-16 0,-5-2-15 0,4 1-16 0,-4 1-22 16,5-1-19-16,-7 0-26 0,2 0-30 0,0-2-36 0,-2 0-45 0,1 0-43 0,-3-2-44 0,2 0-52 0,-2-1-57 0,2-1-20 16</inkml:trace>
   <inkml:trace contextRef="#ctx0" brushRef="#br0" timeOffset="29550.73">7915 7317 265 0,'-12'-4'444'0,"5"3"-42"0,-3-1-69 0,4 2-84 0,-2 0-42 0,-1 0-24 0,1 0-13 0,-2 0-10 0,4 2-11 0,-5-1-10 16,5 3-12-16,-4-2-11 0,3 3-13 0,-3-2-12 0,4 3-10 0,-4 0-10 0,-1 2-10 0,5 0-10 0,0 1-9 0,-4 0-6 0,3 3-5 15,1 0-4-15,-4-1-5 0,6 3-3 0,-7 0-3 0,5 0-2 0,0 1-3 0,2 0-3 0,-7 2 0 0,5-2-1 0,4 2 1 0,-6-1-1 16,6-1-4-16,-4 2-5 0,1-2-6 0,1 2-9 0,-2-3-8 0,0 1-14 0,2 1-11 0,4-3-16 0,-6 2-15 0,6-4-18 16,-7 3-23-16,7-3-27 0,-4 0-33 0,4-2-37 0,-2 0-43 0,2-3-46 0,-4 1-68 0,4-2-83 0,0 0-41 0,0-5-20 0</inkml:trace>
   <inkml:trace contextRef="#ctx0" brushRef="#br0" timeOffset="30006.14">7696 5531 16 0,'0'0'369'0,"0"0"-91"0,0 0-54 0,0 0-36 0,0 0-15 0,0 0-3 0,0-2-1 0,0 2 0 0,0 0-5 16,0-2-8-16,0 2-7 0,0 0-11 0,0 0-8 0,0 0-10 0,0 0-10 0,0 0-10 0,0 0-9 0,0 0-11 0,0 0-8 0,0 0-9 0,0 0-9 15,0 0-6-15,0 0-6 0,0 0-3 0,0 0-1 0,0 2-1 0,2 0-1 0,2-1-1 0,-4 1-1 0,6 1-2 0,-2 0 0 0,1 2-1 0,-3-1 2 16,4 2 1-16,4-1 0 0,-4 0 4 0,5 2-1 0,-1 1-1 0,0-1-4 0,1 1-2 0,1-1-5 0,3 1-1 0,1-1-1 0,-3 1-3 15,3-1-2-15,1 1-2 0,-1-1-1 0,5-1 0 0,-5 1-2 0,5 0-1 0,-2-2-2 0,1 0-2 0,-3-2-2 0,3 2-2 0,-3-1-8 16,0-1-8-16,-1 0-10 0,1-1-13 0,-7 1-16 0,2-3-16 0,3 2-23 0,-5-2-25 0,1 0-29 0,-5-2-33 0,4 2-44 0,-4-3-49 0,5-1-41 0,-5 1-37 16,0-3-62-16,0 0-75 0,-2-2-34 0,3 0-13 0</inkml:trace>
   <inkml:trace contextRef="#ctx0" brushRef="#br0" timeOffset="30174.69">8122 5372 130 0,'-11'-4'483'0,"3"3"-47"15,-2-2-74-15,-1-1-65 0,5 3-63 0,-4-1-32 0,4 2-15 0,-5 0-13 0,5 0-8 0,-2 0-13 0,0 2-14 0,-1-1-17 0,-1 3-14 16,4 0-11-16,-7 2-11 0,7 2-11 0,-2 0-11 0,-2 1-9 0,1 2-9 0,-1 1-6 0,0 3-6 0,-1 0-6 0,5 2-5 0,-4-1-2 0,-1 2-3 0,1-1-2 15,2 3-1-15,0 0-4 0,-5-2-3 0,7 2-6 0,-4 0-6 0,3 0-7 0,-3-1-8 0,6-1-12 0,-6 0-12 0,3 1-15 16,1-1-17-16,2-3-21 0,-2 2-22 0,2-2-27 0,2-2-31 0,-2 1-42 0,4-3-51 0,0 1-75 0,0-2-87 0,0 0-55 16,4-2-37-16,-4 1-13 0</inkml:trace>
@@ -2671,7 +2671,7 @@
   <inkml:trace contextRef="#ctx0" brushRef="#br1" timeOffset="158558.79">11532 12870 319 0,'0'-5'246'0,"5"2"-72"0,-5-2-63 16,2 1-31-16,2 0-17 16,-2-1-7-16,2 1-2 15,2-1-1-15,0 0 1 16,3 2 2-16,-3-2 4 16,0 0 3-16,4 0 1 0,1 0 4 0,-1 0 1 15,-4 0 3-15,7-2 1 31,-3 2 1-31,0 0-1 0,1 0-1 0,1 0-3 0,-2-1-1 16,1 0-6-16,1 2-6 16,-1 0-6-16,-1-1-7 0,0 2-4 15,3-1-6-15,-3 1-3 0,-4 2-6 0,4-3-2 0,1 4-5 16,-1 0-3-16,-4 0-2 16,5 0-3-16,-5 2 0 0,0 0 1 0,2 1 1 0,-1 0 2 0,-1 2 5 0,0 0 4 0,-2 2 3 15,0 0 3-15,2 3 4 0,-4-2 7 0,3 0 2 0,-1 4 5 0,-2-1 4 16,-2 2 3-16,0-1 0 0,4 2-1 0,-4-1 0 0,0 2-1 31,-4-2-4-31,4 3-3 0,0-1-2 16,-2-2-3-16,-2 2-3 15,-1-2-3-15,3 3-3 0,-4-2-3 0,-2-1-3 0,2 3-2 0,0-3-2 16,1 0-2-16,-5 1-1 0,4-2-2 0,-4 0-3 0,3 2-3 0,-3-2-4 16,0-1-8-16,1-1-7 0,-1 2-9 0,0-4-12 15,-1 2-13-15,1-1-14 0,0-1-12 16,1 0-16-16,-1-1-15 0,0-1-15 15,-1 2-17-15,1-4-28 0,0-1-32 16,4 2-38-16,-5-1-39 0,3-2-54 0,0 0-61 0,-3-2-44 16,5-2-40-16</inkml:trace>
   <inkml:trace contextRef="#ctx0" brushRef="#br1" timeOffset="159771.57">11892 12780 347 0,'0'-3'484'0,"0"0"-55"0,4-1-83 0,-2 3-88 16,-2-1-92-16,4-1-49 0,3 1-29 0,-3 0-16 15,2 0-9-15,0 1-7 0,-2-1-5 0,7 1-3 0,-5 1-2 16,4-2-1-16,1 0-1 0,-3 2-2 15,2 0-4-15,1 0-2 0,-1 0 0 16,2 0 0-16,-1 2 1 0,-1 0-1 0,0 1-1 0,1 0-2 16,-1 2-4-16,-2 0-3 0,3 0-4 0,-1 0 0 15,0 2-2-15,1 0 1 0,-5-1 2 0,6 3-1 16,-4-1 2 0,-1 1 0-16,-1-2-1 15,0 4 1-15,2-2-1 0,1 0 1 0,-5 1 0 16,0 0 2-16,-2 0 1 0,2 0 2 0,2 0 0 0,-6-2 1 15,4 2 1-15,-2 1-1 0,-2-4-1 0,0 2 2 0,5-1-1 0,-5 0 1 16,0 0-1-16,0-2 1 16,0-1 2-16,0 0 0 0,0 0-2 15,0 0 2-15,0-2-1 16,-5 1 2-16,5-3 2 0,0 1 2 16,0 0 4-16,0-2 5 0,0 0 5 0,0 0 2 15,0 0-1-15,0 0 0 0,0-2 0 0,0 0-3 0,0 1-1 0,-2-3-4 0,2-1-4 16,-4 0-4-16,4-2-5 0,0 1-7 0,0-4-8 0,-4 1-8 15,4-2-9-15,-2-1-6 0,2-1-3 0,0-2-3 0,0-2-5 0,2 1-1 16,2-1-3-16,-4 0-1 16,4-1-5-16,-2 1-5 15,3 0-5 1,1 1-9 0,-2 1-9-16,2-2-11 0,-2 4-14 0,2 1-16 15,-4 1-20-15,7 2-21 16,-3-1-25-16,0 4-33 15,0-3-35-15,3 4-54 16,-1 0-58-16,0 2-81 16,-2-1-91-1,5 3-43 1,-3-1-19-16</inkml:trace>
   <inkml:trace contextRef="#ctx0" brushRef="#br1" timeOffset="161514.51">12725 12770 68 0,'0'-3'501'0,"0"0"6"0,0-3-84 16,0 2-130-16,0-1-82 0,-2-1-56 0,2 1-29 15,-4 1-14-15,4-3-8 0,-4 2-1 16,2 0-1-16,-2 0 1 0,-3 0-3 16,3 0-2-16,-2 1-4 0,0 0-4 15,2 1-3-15,-7 1-5 0,5 0-3 0,-4 0-5 16,4 0-3-16,-5 2-5 15,5 2-6-15,-4 0-6 0,0 0-9 0,-3 1-8 16,3 0-7-16,-1 4-5 0,-1-2-4 16,2 2-3-16,-1-1 0 0,5 3-1 15,-4 0 1-15,-1 0 0 16,1 2 0-16,4 1-2 0,-4 0-1 16,3 1-2-16,1 1-1 0,0-3 0 0,2 2-4 15,-2 1-4-15,2-3-6 0,4 3-6 0,0-2-6 16,0-1-5-1,0-1-5-15,0 2-7 0,0-2-3 0,4 0-4 16,2-2-3-16,-2 0-6 0,2 0-3 0,0-1-5 0,5 0-4 16,-5-1-2-16,4-3 2 0,1 0 3 0,1-2 0 0,-2 1 2 15,5-2 2-15,-3-2 1 0,1-1 1 0,1-1 2 0,3-2 1 0,-1-1 2 16,-1 0 3 0,-3-2 6-16,5-1 5 15,-5-2 4-15,2 2 3 0,-1-1 3 0,-3-1 3 16,1-1 4-16,-1 1 4 15,2-2 3-15,-3 2 5 0,-3-2 4 16,0 2 5-16,-2-1 4 0,-2 0 5 16,2 1 2-16,-2 2 2 0,-2 0 2 0,4 2 2 15,-4-1 2-15,0 1 1 0,-4 3-1 16,4 0 0-16,-2 1-1 0,2 1-3 16,-4 1-3-16,4 1-2 15,-2 1-3-15,-2 1-4 0,4 1-2 16,-4 1-1-16,2 1-2 0,-2 3 1 0,2-3-2 0,-3 3 1 15,1 0-1-15,2 1 1 0,-2 1-1 16,2-3 1-16,-2 3 0 16,0-3 1-1,4 2 1-15,-2-1-2 16,-2 0 1-16,4-1-1 16,0 0-2-16,0-1-2 0,0-2-2 15,0 0-1 1,0 0-1-16,4-1 0 0,-2 0 1 15,-2 0 2-15,4-2 2 16,-4 0 1-16,4 0 2 0,-2-2-1 0,4 0 2 16,-2-1 1-16,3-1-2 0,-3 1 1 0,2 0 0 15,0-2-1-15,-2-2 0 0,2 1-1 16,1-1 2-16,1-1 0 0,-2-1-2 0,0-1 1 16,-2 0-1-16,3-1 1 0,-5-1-1 15,2 0 2-15,2 0 2 0,-2-1 1 16,-4 0 1-16,2-2 0 0,2 0 2 0,-4 0 1 15,5-2-1-15,-5 1-1 0,0-1 0 16,0-1 0-16,0-1-2 0,0 3 0 0,0-3 0 0,0 1-2 16,-5-1 0-16,5 3 0 0,0-1 1 0,0 1-1 0,-4 1-1 15,4 1 1-15,-2 3-1 0,2 1-3 0,0 1-2 0,0 1-2 0,0 3-3 0,0 0-1 0,0 1 1 16,0 4-1-16,0 0 1 0,0 4 0 0,0-1 1 0,0 4-1 16,2 1 1-16,2 2 0 0,-4 2 0 0,5 1 2 15,-3 2 0-15,-2 3 3 0,4-1 2 0,0 2-1 0,-2-1-1 16,2 4 0-16,-2-2-2 0,2-1-3 0,-4 1-2 0,6 0-4 15,-1 0-6-15,-5-1-6 0,6 1-11 0,-2-2-11 0,-2 0-13 16,2-1-19-16,2 0-24 0,-1-2-29 0,-3 2-34 0,2-3-50 0,0 2-57 16,2-1-74-16,-4-4-81 0,2 1-53 0,2-2-38 0,-1-2-15 15</inkml:trace>
-  <inkml:trace contextRef="#ctx0" brushRef="#br1" timeOffset="162377.32">13199 12679 128 0,'0'-5'336'16,"0"1"-80"-16,-3-1-100 0,3 2-84 15,0-4-78-15,0 2-61 16,0 0-57-16,0 0-80 0,0-1-91 0</inkml:trace>
+  <inkml:trace contextRef="#ctx0" brushRef="#br1" timeOffset="162377.31">13199 12679 128 0,'0'-5'336'16,"0"1"-80"-16,-3-1-100 0,3 2-84 15,0-4-78-15,0 2-61 16,0 0-57-16,0 0-80 0,0-1-91 0</inkml:trace>
   <inkml:trace contextRef="#ctx0" brushRef="#br1" timeOffset="163553.12">13352 12337 30 0,'-7'-2'534'0,"5"0"5"0,-2 2 3 16,0 0-89-16,2 0-135 0,-2 0-87 0,4 0-63 16,-4 2-29-16,4 0-18 0,-2 1-9 0,2 1-9 0,0 1-5 15,0-1-8-15,0 5-4 16,0-1-4-16,0 2-2 0,0 0-1 0,0 2 1 15,0-1 2-15,2 3-2 0,2 1-2 0,0 0-7 16,-2 0-8-16,2 1-7 0,-4 3-8 0,6-1-5 0,-2 1-7 16,-1 0-5-16,1 0-6 0,2 1-3 0,-2 0-3 15,-2 0-2-15,2-2-3 0,2 2-1 16,-1-2-4-16,-3 1-2 0,2-1-2 0,2-1-4 16,-2 1-4-16,0-3-8 0,-2 0-10 0,4 0-10 15,-1-1-14-15,1-1-18 0,-6 0-21 0,4-1-28 16,-2-2-30-16,2 0-38 0,-4-2-42 0,4 1-60 0,-2-1-66 15,-2-1-89-15,0-1-97 0,0-1-44 0,0-2-18 16,0 1-1-16</inkml:trace>
   <inkml:trace contextRef="#ctx0" brushRef="#br1" timeOffset="164478.13">13273 12760 318 0,'-4'-3'468'0,"0"0"-38"0,2 1-78 0,2 0-98 15,0-1-55-15,0 1-33 16,0 2-20-16,0-2-12 0,0 1-9 0,0-3-11 15,2 3-7-15,2-1-8 0,0 1-7 0,2-3-4 16,-2 1-5-16,5-1-4 16,-5-1-5-16,6 2-4 15,0-1-5-15,-1-2-4 0,1-1-12 0,0 3-16 0,1-1-16 16,1-1-21-16,3 0-22 0,-5 1-23 0,0 0-25 16,-2 0-27-16,3-2-33 0,-1 4-34 0,0-2-45 15,3 1-54-15,-5 0-63 16,0 0-68-1,3-1-59-15,-1 2-54 0,-4-2-23 0</inkml:trace>
   <inkml:trace contextRef="#ctx0" brushRef="#br1" timeOffset="168665.61">13982 12257 232 0,'0'0'266'15,"0"0"-41"-15,0 0-25 0,0 0-16 16,0 0-11-16,0 0-9 0,0 0-6 15,0 0-5-15,0 0-6 0,0 0-3 0,0 0-6 16,0 0-5-16,0 0-6 16,0 0-5-16,0 0-8 0,0 0-6 15,0 0-5-15,0 0-9 16,0 0-5-16,-2 0-4 0,-2 1-6 16,4 1-2-16,-4-2-5 15,4 2-2-15,-2 0-4 0,-3-2-3 0,5 1-2 16,-6 1-4-16,6 0-2 0,-4-1-1 15,-2 1-1-15,2 1 0 0,2 2 0 16,-4 0-1-16,1 0-3 0,-1 0-3 0,0 2-2 0,-2 0-4 16,-3 1-3-16,5 2 0 0,0 0 0 15,-4 0 0-15,3 1 0 0,-3 3-1 16,4-2-2-16,0 1-4 0,-3 2-2 0,3 0-1 16,-4 0-2-1,4 0-3-15,-1 0-3 16,1 1-1-16,2 1-3 0,-2 2-3 15,2-3-3-15,-2 1-4 16,1 2-1-16,3-1-3 0,-2 0 0 16,2 0 1-16,-2 2-1 0,4-1 0 15,0 1 1-15,0-2-1 0,0 2 1 16,0-2 1-16,0 1 2 0,4-1 0 16,-2-2 1-16,2 1 1 0,-2 0 1 15,3 0 1-15,1-2 0 16,-2-1-1-1,2 0-1-15,0-1 4 0,3-1-1 16,-1 1 0-16,0-2 0 0,0-2 1 16,3 2 0-16,-5-4 2 0,8 2-1 15,-3-2 2-15,-1-1-1 0,3-1 1 16,-3 0-2-16,2 0-1 16,-1 0-2-16,-1-1-4 0,2-3-6 15,-1 1-7-15,-1 0-8 0,0-2-9 16,3 0-10-16,-3 0-10 0,-4-2-13 0,5 2-15 15,-3-3-15-15,0 1-15 0,2 0-18 0,-5-1-17 0,5 1-20 0,-4-1-23 16,0 0-22-16,1-1-26 16,-3 1-37-16,2-1-47 15,-2 1-46-15,-2-1-47 16,2 0-57 0,-4-1-62-16,4 1-24 0</inkml:trace>
@@ -2708,7 +2708,7 @@
     </inkml:brush>
   </inkml:definitions>
   <inkml:trace contextRef="#ctx0" brushRef="#br0">4745 8855 0,'0'18'78,"0"-1"-78,0 1 16,0 0 0,0 17-16,0 0 0,0 0 15,0-17-15,0 0 16,0-1 0,0 1-16,0 0 15,0 17-15,0-17 16,0-1-16,0 18 31,0-17-15,0 17 15,0-17-31,0 0 172,0 17-141,35-17-15,-35-1-1,18 1 1,-18-1 31,17 1-32,-17 0-15,0-1 16,0 19 0,0-19 15,-35-70 78,35 18-93</inkml:trace>
-  <inkml:trace contextRef="#ctx0" brushRef="#br0" timeOffset="1310.67">4533 8820 0,'18'0'63,"-1"0"-63,19 0 62,-19 0-46,36 17 171,-53 1-124,18 17-48,0-17 1,17 17-16,-18 18 16,1-35-1,0-1 16,-1-17-31</inkml:trace>
+  <inkml:trace contextRef="#ctx0" brushRef="#br0" timeOffset="1310.66">4533 8820 0,'18'0'63,"-1"0"-63,19 0 62,-19 0-46,36 17 171,-53 1-124,18 17-48,0-17 1,17 17-16,-18 18 16,1-35-1,0-1 16,-1-17-31</inkml:trace>
   <inkml:trace contextRef="#ctx0" brushRef="#br0" timeOffset="2164.13">4798 8837 0,'-18'0'78,"0"53"-62,1-35-16,-54 88 31,71-89 0,-17 1 173,17 0-189</inkml:trace>
   <inkml:trace contextRef="#ctx0" brushRef="#br0" timeOffset="6183.76">5098 8344 0,'17'0'109,"-17"17"-93,0 36-16,0-35 31,0-1-15,0 1 374,0 0-390</inkml:trace>
   <inkml:trace contextRef="#ctx0" brushRef="#br0" timeOffset="8010.94">6174 7126 0,'0'36'62,"0"-1"-46,0-17-16,0 17 16,0-17-16,0 34 15,0-34-15,0 17 16,0 1-1,0-1-15,0-17 16,0-1 0,0 18-16,0-17 15,0 0-15,0 17 16,-18 0 0,18-17-1,0 0 1,0 17 15,-18-17-15,18-1-1,0 18 110,0-17-109,0 0 31,0 17-32,0-17 17,0-1-1,0 1-15</inkml:trace>
@@ -2716,6 +2716,222 @@
   <inkml:trace contextRef="#ctx0" brushRef="#br0" timeOffset="10957.12">7620 6597 0,'-18'0'16,"18"36"0,0-19-1,0 1-15,18-1 16,0 36 0,-18-35-16,17 0 15,1 35-15,-18-36 16,0 1-16,0-1 15,0 36-15,35 0 16,-35-35-16,0 35 16,18-53-16,-18 35 15,0 0-15,0-17 16,0 17-16,0-17 16,0 0-1,0-1-15,0 1 16,0 0-16,0-1 15,0 1-15,0-1 63,0 1-63,0 0 16,0-1-16,0 1 31</inkml:trace>
   <inkml:trace contextRef="#ctx0" brushRef="#br0" timeOffset="12030.71">7585 6633 0,'17'0'156,"-17"17"-141,18-17 1,17 35 0,-35-17 156</inkml:trace>
   <inkml:trace contextRef="#ctx0" brushRef="#br0" timeOffset="12461.68">7602 6456 0,'0'18'16,"0"-1"-16,0 36 15,-35 0 1,-18 18 0,18-1-16,17-17 0,18-17 15,-17-19-15,17 36 32</inkml:trace>
+</inkml:ink>
+</file>
+
+<file path=ppt/ink/ink74.xml><?xml version="1.0" encoding="utf-8"?>
+<inkml:ink xmlns:inkml="http://www.w3.org/2003/InkML">
+  <inkml:definitions>
+    <inkml:context xml:id="ctx0">
+      <inkml:inkSource xml:id="inkSrc0">
+        <inkml:traceFormat>
+          <inkml:channel name="X" type="integer" min="-1920" max="1920" units="cm"/>
+          <inkml:channel name="Y" type="integer" min="-116" max="1084" units="cm"/>
+          <inkml:channel name="T" type="integer" max="2.14748E9" units="dev"/>
+        </inkml:traceFormat>
+        <inkml:channelProperties>
+          <inkml:channelProperty channel="X" name="resolution" value="124.27184" units="1/cm"/>
+          <inkml:channelProperty channel="Y" name="resolution" value="68.96552" units="1/cm"/>
+          <inkml:channelProperty channel="T" name="resolution" value="1" units="1/dev"/>
+        </inkml:channelProperties>
+      </inkml:inkSource>
+      <inkml:timestamp xml:id="ts0" timeString="2021-10-31T11:59:01.451"/>
+    </inkml:context>
+    <inkml:brush xml:id="br0">
+      <inkml:brushProperty name="width" value="0.05292" units="cm"/>
+      <inkml:brushProperty name="height" value="0.05292" units="cm"/>
+      <inkml:brushProperty name="color" value="#FF0000"/>
+    </inkml:brush>
+  </inkml:definitions>
+  <inkml:trace contextRef="#ctx0" brushRef="#br0">8061 1323 0,'0'-17'94,"18"17"-79,-1 0-15,1 35 16,17-17-16,0 17 31,54 35-15,-1 1 0,-35-36-16,0 0 15,0 1-15,88 87 31,-106-105-31,88 88 16,-17 17 0,-53-70-1,0 18 1,18-18-16,-71-18 16,35 0-16,0 18 15,18 18-15,18-1 16,-18 1-16,17 17 15,1-35-15,-36-18 16,106 106 0,-53-88-16,0 18 15,1-1-15,-1 1 16,88 52 0,-70-52-1,106 70-15,-71-71 16,-18 19-16,1-1 15,17 35-15,0-17 16,18 18 0,141 105-1,-142-123-15,1 17 16,-18-17-16,18 35 16,0-35-16,158 141 15,-140-141 1,-1 17-16,0-17 15,1 18-15,-1-19 16,1 1-16,175 106 16,-158-106-1,-17 0-15,193 123 16,-176-123 0,0 17-16,0 1 15,0-19-15,-17 1 16,-1-17-16,0 34 15,1-17-15,-1 17 16,18 18-16,0 1 16,18-1-16,17 0 15,36 17-15,-18 1 16,35 35-16,-35-53 16,247 230-1,-53-54 1,-194-140-1,176 158-15,-211-176 16,-1 17 0,142 124-1,18 17-15,-195-176 16,0 18 0,160 141-1,157 159 1,-193-159-1,-141-142 1,141 124 0,-18 18-1,-158-176-15,17 35 16,0-1-16,-18 1 16,1-18-16,-18 0 15,17 0-15,106 177 16,-140-195-1,122 160 1,-123-160-16,1 36 16,16-36-16,-34 18 15,0-17 1,-1-1-16,1 1 16,-1-18-16,1 35 0,35-18 15,-36 1 1,1-18-16,-1 17 15,71 142-15,-88-124 16,36 17 0,16 160-1,-52-142-15,0-17 16,18 0-16,-18 0 16,0-1-16,0-17 15,52 142 1,-52-160-16,0-17 15,0-35-15,-18 17 16,1-18 0,-19 1-16,1-36 0,0-17 15,-1 17-15,1-17 16,-18-1 15,0 1-31</inkml:trace>
+  <inkml:trace contextRef="#ctx0" brushRef="#br0" timeOffset="45159.8">7655 1553 0,'-17'0'16,"-19"17"0,36 1-1,-17-1 17,-1 1-32,18 17 15,0-17-15,0 17 16,0 1-16,0 16 0,0-34 15,0 70 1,0-70 0,0 17-16,0 18 15,0-35-15,0 17 16,0 36-16,0-54 0,0 19 16,35 16-1,-35-34 1,0 17-16,36 18 15,-36-35 1,17-18-16,-17 35 16,18-17-16,0-1 15,34 19 1,-34-1-16,0-35 16,17 18-16,18-1 15,-35-17-15,52 36 16,-17-36-16,0 0 15,0 0-15,-18 0 16,0 0 0,1 0-16,17-36 15,-36 19-15,1-1 16,-18 0 0,18-17-16,-18 0 31,0-18-31,0 35 15,0 1-15,0-19 16,-36 1-16,36 0 16,-17 17-16,17-17 15,-18-18-15,0 18 16,18-1 0,0-16-16,-17 52 15,17-18-15,0-17 16,0 17-16,-36-17 15,19 17 1,17 0 0,-18-17-16,1 17 15,-1-17 1,0 18 0,1-19-16,-1 19 15,0-1 1,-35-17-16,18-1 15,18 36 1,-36-35 0,53 18-1,-18-19-15,-17 36 16,-1-17 0,19-1-16,-36 18 46,35 0-46,1 0 16,-1 0-16,0 0 16,1 0-16,-19 0 62,19 0-62,-1 0 16,0 0-16,18 35 15,-17-17-15,17 17 16,-18 0-16,18-17 16,-17 17-1,17 1 17,-18 34-32,18-52 15,0 17 63,0-17-62</inkml:trace>
+  <inkml:trace contextRef="#ctx0" brushRef="#br0" timeOffset="48219.95">12859 3422 0,'7196'-317'812,"-7143"317"-812,124-18 16,-19 0 0,-52 1-1,-35-1-15,17 1 16,-17 17-16,17 0 15,-35 0 1,0 0-16,0 0 0,-1-18 16,-16 18-16,-1 0 15,-17-18-15,35 18 32,-1-17-32,1-1 15,18 18 1,-18 0-1,0 0 1,-18-18-16,0 18 16,1 0-16,17 0 15,-1 0-15,-16 0 16,17 0-16,17 0 16,1 0-16,-1 0 15,1 0-15,-18 0 16,0 0-16,0 0 15,35 0-15,-18 0 16,36 0-16,-35 0 16,17 0-16,18 0 15,-18 0-15,35 0 16,-34 0-16,34 0 16,1 0-16,-36 18 15,18 0 1,-36-18-16,1 17 15,17 1-15,-18 0 0,1-18 16,0 0 0,-1 0-16,-17 0 0,53 0 31,-53 0-31,0 0 0,-18 0 16,0 0-1,54 0-15,-54 0 16,-18 0-1,36 0-15,-17 0 16,17 0-16,-36 0 16,1 0-16,-1 0 15,19 0-15,-1 0 16,0 0 0,1 0-16,-19 0 15,1 0-15,-1 0 16,54 0-1,-36 0-15,18 0 16,-18 0-16,1 0 16,17 0-1,35 0-15,-53 0 0,0 0 16,18 0-16,-35 0 16,0 0-1,17 0 1</inkml:trace>
+  <inkml:trace contextRef="#ctx0" brushRef="#br0" timeOffset="63417.05">12330 600 0,'0'18'46,"0"-1"-30,0 1-16,0 0 16,0-1-1,0 1-15,0 0 16,0-1 0,0 1-16,0 17 31,0-17-31,0 17 0,0-17 15,0 17 1,0-17 0,0 17-16,0-18 15,0 54 1,0-36-16,0 18 16,35 35 15,-18-52-31,19 70 15,-36-71-15,0 0 16,35 18-16,-17-35 16,17 70-1,0-18-15,-35-52 16,71 88 0,-54-89-1,1 19-15,-18-19 16,35 36-16,1 18 15,-19-36 1,1-17-16,0-1 16,17 1-1,-18 35-15,1-18 16,0-17-16,17 17 16,-17 18-16,17-18 15,0 18 1,-35-35-16,36 0 15,-1 17 1,-18 0-16,19 0 16,-19-17-16,36 17 15,-53-17 1,71 17 0,-54 1-1,19-36 1,-19 35-16,19-18 15,-1 1 1,-17-18-16,34 35 16,1-17 15,18 35-15,17-35-1,0 17 1,-35-18-16,18 1 15,-18 0 1,-18-1-16,-17-17 0,-1 0 16,36 18-1,-35-18-15,17 18 16,36-18 0,-36 0-1,-17 17-15,-1-17 16,1 18-16,17-18 15,-17 0-15,-1 0 16,19 18 0,-19-18-16,1 0 0,17 17 15,36 1 1,-36-18 0,0 0 15,-17 0-31,17 17 15,-17-17 1,0 0-16,-1 0 16,18 0-16,-35 18 15,18-18-15,35 35 16,-18-35 0,-35 18-1,18-18-15,0 0 16,-1 18-16,1-18 15</inkml:trace>
+  <inkml:trace contextRef="#ctx0" brushRef="#br0" timeOffset="68928.05">27129 7761 0</inkml:trace>
+  <inkml:trace contextRef="#ctx0" brushRef="#br0" timeOffset="77804.31">16104 812 0,'0'17'359,"0"1"-343,0 0 15,0 17 94,0-17-109,0 17 921,0-18-858,0 1 124,0 0-188,0-1 32,0 1 203,0 0 125,0-1-234,0 1-1,0 0 220,0 17-298,0-18 1,0 1-32,18-18 0,-18 18 1,18-1-17,-18 1-15,0 0 16,17 17-1,-17-17 1,0-1-16,18 1 16,-18 0-1,17 17 1,-17-18 15,0 19 0,18-1-15,-18-17 0,0-1-1,0 1 1,18-18 0,-18 18-1,17-1 1,-17 18-16,0 1 15,18-36 1,0 17 0,-1 36-1,-17-35 1,18 0 0,0-1-1,-18 18 1,17 1-1,-17-1 1,36 18 0,-36-35-1,0-1 1,17 1 0,1 0-1,-18-1-15,0 18 31,35-17 1,-17 0-1,-1-18-15,1 17-16,-18 1 15,0 0-15,0-1 0,18-17 16,-1 36-1,1-19 1,0 1 0,-18 17-1,35 0 1,-18-17 0,19 17 15,-19-35-16,19 36 1,-19-19 0,36 18-1,-35-17 1,0-18 0,-1 35-1,36-17 1,-35-18-1,-18 18-15,17-18 16,19 35 0,-19-17-16,1-1 0,0-17 15,-1 0-15,-17 18 16,18-18-16,35 18 16,-36-1-1,36 36 1,18-35-1,-36-1 1,18-17 15,-35 18-15,17 17 0,0-17-16,-17 17 31,52-17-16,-70-1-15,36 1 16,-19 0 0,19-18-1,-1 35 1,-17-35 0,17 18-1,-18-1-15,1-17 16,0 18-16,-1-18 0,19 35 15,-1-35 17,-17 18-17,17-18-15,-18 0 16,1 35-16,17-17 31,1-18-15,-19 17-1,1 1 1,17-18 31,-17 18 0</inkml:trace>
+  <inkml:trace contextRef="#ctx0" brushRef="#br0" timeOffset="81160.82">19808 459 0,'0'18'109,"18"-1"-93,-18 1 15,18-18-15,-18 35-1,0 0 1,35-17-16,-17-18 16,-18 35-1,0-17 1,0 17-1,17 1 1,1-19 0,0 36-1,-1-35 1,1 17 0,-18-17-1,0 17 1,17-17-1,-17-1 17,18 54-17,0-54 1,-18 36-16,17-35 16,19 17-16,-1 53 15,-35-52 1,35 52 15,-17-88-31,17 35 16,-35 0-1,35 18 1,-35-35 0,0 17-16,53-17 15,-53 0-15,18-1 16,17 54-1,-17-71 1,0 35 0,-18-17-16,0-1 15,35 36 1,0-53 0,0 35-1,-17 1 1,17-19-1,-17 19 1,17-1 0,-17 0-16,17 1 31,18-1-31,-35 0 16,35 0-1,-18 18 16,0-17-15,18-1 0,-35-18-1,-1 19-15,1-36 16,17 53 15,1-36-15,-1 19-1,-18-36 1,1 17 0,17 1-16,-17-18 15,17 17 1,-17 19-16,17-1 31,0-17-15,18 17-1,-17-17-15,17 17 32,0-17-17,-1-1-15,-34 1 16,17-18 0,1 35 15,-19-17-31,1-18 15,17 0 1,0 0 0,-17 0-16,17 17 15,-17-17-15,0 0 0,17 0 32,-17 18-1,-1-18-16,1 0 1,0 0-16,-1 0 16,1 0 31,-1 0-32,-17 18 1,18-18-1</inkml:trace>
+  <inkml:trace contextRef="#ctx0" brushRef="#br0" timeOffset="88697.5">23283 3369 0,'18'-53'188,"0"18"-172,35-18-16,-36 0 15,18 18-15,-35 0 16,36-36-16,-19 54 15,19-54 1,-19 53-16,36-35 16,-18-17-1,-35 52-15,18 1 16,0-1-16,17-35 31,0-17-15,18 34-16,-53 19 0,71-36 15,-71 35-15,70-35 32,1 0-17,-53 18 1,17 0 0,0-18-1,0 0 1,1 0-1,34 0 1,-52 35-16,35-35 16,0 18-1,17-18 1,-52 36 0,35-19-1,-36 19-15,36-36 16,0 17-1,-17 1 1,-1-18 0,53-35 15,-17 35-15,-36 53-1,-18-35-15,19 0 16,-19 17-16,1 0 0,17 1 15,-35-1 1,36-17-16,-19 17 16,18-17-1,-17 17 1,17-17 0,-17 17-1,17 1 16,-35-19-15,36 19-16,-19-19 16,19 1 15,-19 18-15,-17-1-16,0-17 15,18 35-15,-1-18 16,19-53-1,-19 54 17,1 17-32,0-35 15,-1 17-15,1-17 16,17 35 0,-17-18-1,-1-17 1,1 35-16,-18-36 15,18 19-15,-1 17 16,1-35 0,0 17-1,-1 18-15,1-35 16,0 17 0,-1 0-1,1 1-15,-18-1 16,35-17-1,0-1 1,1 19 15,-19-18-31,19-1 32,-36 19-17,17 17 16,1-18-31,-18 0 16,18 18 0,-18-17 15</inkml:trace>
+  <inkml:trace contextRef="#ctx0" brushRef="#br0" timeOffset="-211425.35">8167 529 0,'17'0'109,"54"0"-93,-18 18-16,0-18 0,35 0 15,-17 18-15,34-18 16,-69 0-1,105 0 1,-35 0-16,-18 0 16,0 0-16,18 0 15,-18 0-15,18-18 16,0 18-16,-18-18 16,-18 1-16,36 17 15,-35 0-15,35-18 16,-18 18-16,18-17 15,-18-1-15,141 0 16,-123 18 0,18-17-16,-1-1 15,-17 0-15,0 18 16,17 0 0,195 0-1,-124 0 1,-88 0-1,105 0 1,-105 0-16,106 0 16,176-35 15,-124 17-15,-158 18-16,18 0 15,-19 0-15,142 0 31,-123 0-31,-1 0 0,-34 0 16,52 0-16,70 0 16,36 0 15,-106 0-31,0 0 16,18 0-16,-18 0 0,18 0 15,229-17 1,-194-1-1,-17 1-15,175 17 16,54 0 0,-230 0-1,230 0 1,-35 0 0,175 0 15,-158 0-31,18-36 15,-18 1 1,-70 17 0,123-17 15,-336 35-15,1-18-16,0 1 15,88-18 1,-70 17-16,-54 18 15,18-18-15,177 1 16,-124 17 0,18-18-16,158-17 15,36 35 1,-159 0 0,0 0-16,-35 0 15,35 0-15,-18 0 16,18 0-16,-35 0 15,17 0 1,-17 0-16,0 0 16,0 0-16,17 0 15,124 0 1,-18 0 0,71 0-1,0 0-15,-212 0 16,0 0-1,-35 0-15,-18 0 16,194 0 0,-105 0-1,-107 0 1,142 0 0,-159 0-1,0 0-15,35 0 16,-53 0-1,0 0 17,1 0-32,-19 0 15,1 0 1,0 0 15,17 0-15,-17 53-1,52 88 1,-70-53-16,35-18 16,-17-34-16,0 52 15,-18-35 1,0-18-16,0 36 16,17 35-1,-17 17 1,0-88-1,0 1-15,0 16 16,0 19-16,0 264 47,0-264-31,0-1-16,0-17 15,0 35 1,0-35-16,0 0 15,0 18 1,0-18-16,0 0 16,0 70-16,0-52 15,18 105 17,0-70-17,-18-18 1,0 18-1,0-71-15,17 18 16,-17 18 0,0-54-16,0 19 15,0 16 1,0-16 0,18 17 15,-18-18-31,0 18 31,0-36-15,0 1-1,0 0 1,0 17 0,0-17-1,0-1 1,-53 1-16,18 0 15,-71-1 1,53 1 0,-71 0-16,-52-1 0,0 18 15,-36-17-15,-35 0 16,-264 17 0,-19 36-1,301-54 1,0 1-16,-230 17 15,89 0 1,-195 1 0,230 17-1,0-18 17,194-35-32,-141 17 15,105 1-15,36 0 16,-18-18-1,1 0-15,-19 0 0,1 0 16,-18 0 0,0 0-16,17 0 0,-193 0 31,176 0-31,-176 0 31,193 0-31,18 17 16,-17 1-16,-177 0 15,142-1 1,-213 1-16,248 0 16,-18-18-16,0 0 15,-247 0 1,159 0 15,-18 0-31,-18 0 16,159 0-1,1 0-15,-230 0 32,17 0-17,1 0 1,-1 0 0,195 0-16,17 0 15,1 0-15,-19 0 16,18 0-16,18 0 15,-264 0 1,281 0 0,-52 0-1,88 0-15,-54 0 16,1 0 0,-17-18-1,87 18 1,0 0-16,1-18 15,-36 1 1,18 17-16,-18-18 0,0 0 16,18 1-1,-106-19 1,88 19-16,36-1 16,-89 1-1,-53-1 1,124 0-1,17 18-15,-52 0 16,70 0 0,-35 0-1,70 0-15,-17 0 16,17 0-16,-70 0 16,-35 0-1,-989-70 235,1095 17-234,-1 35-16,18-17 15,-18 17 1,1-35-16,17 18 16,0-71-1,0-17 1,-35-54 0,17 72-1,18 69 1,-18-34-16,18 17 15,0 0-15,-17 0 0,17-53 16,-36-17 0,19 87-1,17-17-15,0 18 16,-36-88 0,1-18 15,18-1-16,-19 90 1,36-37 0,-35 19-1,35 17-15,-18 18 16,18-18-16,-35-53 16,17 35-1,1 36 1,17-18-16,0 35 15,0 1-15,-18-36 16,18 18-16,-18-18 16,18 35-1,0-35 1,0 36-16,-17-1 0,17-17 16,0-18-1,0 17 1,0-16-1,0 16 1,0-17 0,0 36-1,0-1 1,0 0 15,0-17-15,0 0-1,0 17 17,0 1 15,0-1-32,0 0 1,0 1-1</inkml:trace>
+  <inkml:trace contextRef="#ctx0" brushRef="#br0" timeOffset="-208887.44">11448 600 0,'0'18'47,"0"35"-47,0-18 15,17 35-15,-17-34 16,18 34 0,17 248-1,-35-230 1,0 18-16,0-36 15,0-17 1,0 0-16,0 18 0,0 35 16,0 35-1,0-18 1,0-70 0,0 18-16,0-18 15,0 17-15,0 54 31,0-72-31,0 72 16,0-71 0,0 0-16,0 0 15,0 35 1,0-53-16,0 18 0,0 0 16,0-18-1,0 1-15,0-1 16,0 0-1,0 0-15,0 1 16,18-19-16,-1 19 16,1-1-16,0 18 15,-18-18 17,17 18-17,-17-18 1,0 1-1,0-19 1,0 1 0,0-1-16,0 1 15,0 0 1,0-1 125,0 1-126,18-18-15,0 18 16,17-1-1,0-17-15,36 0 16,35 18-16,35-18 16</inkml:trace>
+  <inkml:trace contextRef="#ctx0" brushRef="#br0" timeOffset="-168619.89">12559 724 0,'0'35'172,"0"-18"-157,0 1 1,0 0-16,0 17 16,0 0-1,0-17 1,0 17-1,0-17 32,18-1-31,-18 1-16,17-18 16,1 18-1,-18-1 1,0 1-16,0 35 31,17-18-15,-17-17-1,18-18 1,-18 35 15,18-17-15,-18 17-1,0-17 1,17-1 0,1 19 15,0-1-15,-18-17-16,17-1 15,-17 18 1,18-17-1,-18 0-15,35-18 16,-35 53-16,0-36 16,18 1-1,-18 0 1,17-1-16,19 36 16,-36-18-1,35-17 1,-35 0-1,0-1-15,18 19 16,-18-19-16,17 1 16,19 70 15,-1-70-15,-17 35-1,-1-36 1,-17 1-16,35 52 15,1-17 1,-1 36 0,0-37-1,36 19 1,-54-18 0,19 0-16,-1-18 15,18 36 1,0-18-1,-18 0-15,18 17 32,0 1-17,-18-36 1,18 0 0,0 18 15,-35-35-31,17 17 15,0 0 1,-17-35-16,52 18 16,-52 0-16,17-1 0,1 1 15,-19-1-15,1 1 16,123 35 0,-88-53-1,-18 35 1,71-17-1,-88 0 17,35-18-32,-36 0 15,36 17 1,-18 1-16,18 0 16,18-18-16,-53 0 15,34 0 1,-34 0-16,17 0 15,-17 17-15,0-17 16,-1 35 0,1-35 15</inkml:trace>
+  <inkml:trace contextRef="#ctx0" brushRef="#br0" timeOffset="-167272.6">16104 776 0,'18'0'16,"-18"53"-16,0-17 15,0-1 1,0 0-16,18 0 15,-18 1 1,17-1-16,-17-17 16,18 35-16,-18-18 15,0 0-15,53 53 32,-18 18-17,-17-18 1,17 1-1,-17-19 1,17-35 0,-35 18-1,35 0-15,-17 0 16,52 18 0,-52-1-16,35-34 15,0 34 1,17-17-1,1 18 1,17-19 0,18 19-1,53 0 1,-36-1 15,-105-52-31,35-18 0,35 35 16,-53-17-1,0-18-15,18 0 16,36 35 0,-72-35-1,19 18 1,-1-18 0,-18 17-16,19-17 0,34 0 15,-17 18 1,-35-18-1,70 35 1,-17-17 0,17-1-1,-53 1 1,-17-18 0</inkml:trace>
+  <inkml:trace contextRef="#ctx0" brushRef="#br0" timeOffset="-165673.12">19791 547 0,'0'18'16,"17"17"0,-17 71-1,18-18 1,-18-53-16,18 36 16,-18-53-16,17 17 15,1 18-15,-18-18 16,18 0-16,-1 18 15,-17-18-15,36 54 32,-19-89-32,18 35 15,-17 36 1,35 17 0,-18-18-1,1 36 1,87 35 15,-52-53-15,-36-35-16,-17-17 15,52 34-15,-17-17 16,71 88 15,-54-70-15,18 35-1,0-36 1,36 1 0,-89-36-1,0-17 1,-17 17-16,53-17 16,34 34-1,-69-52-15,34 36 16,-17-19-16,18 1 15,-36-18 1,-17 0-16,17 0 16,-17 18-16,-1-18 15,1 17 32,17-17 31,-17 18-78,-1 0 16,1-1 0,17-17-1</inkml:trace>
+  <inkml:trace contextRef="#ctx0" brushRef="#br0" timeOffset="-160184.5">12841 847 0,'0'53'94,"0"-18"-78,0 0-16,0 36 15,0-53-15,18 70 16,-1-35-16,1 0 16,-18-18-1,0 0-15,18 1 0,35 87 32,-18-35-17,18 53 1,0-70-1,0 17 1,-18-35 0,18 0-16,-36 0 15,36-18-15,18 36 16,17 17 0,-53-53-1,54 18 1,-19 0-1,54 35 17,-54-35-32,-17 0 0,88 18 15,-88-36 1,18-18 0,17 54-1,35-36 1,-52 1-1,17-19 1,0-17 0,18 18 15,-88-18-31,17 17 0,-17 1 16,-1-18-1,19 0 1,-1 18-16,18-1 31,-18 1-15</inkml:trace>
+  <inkml:trace contextRef="#ctx0" brushRef="#br0" timeOffset="-158467.27">15981 724 0,'0'17'32,"17"1"-17,-17-1-15,0 19 16,0-1-1,18 0-15,-18-17 16,0 0-16,0 17 16,0 0-1,18-17-15,-18-1 16,17 36-16,1-35 16,0 35-16,-1-18 15,-17 0 1,0 1-1,18-19 1,-18 1-16,35 35 16,-17 17-1,17-17 17,-35 0-32,18 18 15,-1-36-15,19 71 31,-1-53-31,0 35 16,1-35-16,-19 0 16,18-18-1,-17 0-15,17 36 0,1-18 16,34 70 0,-17-52-1,0-36 1,-18 18-16,18 0 15,-35-53-15,17 35 16,18 18 0,35-35-1,-17 17 1,52-17 0,-87-1-1,-1-17 1,18 0-1,35 18 1,-53-18 0,0 0-16,36 18 15,17-1 1,-17 19 0,17-19-1,-17 1-15,-54 0 16,71-1-1,-52 1 1,-1-18-16,-17 17 16,52 1-1,18 17 1,-17 1 15,-53-19-15,-1 1-1</inkml:trace>
+  <inkml:trace contextRef="#ctx0" brushRef="#br0" timeOffset="-156512.67">19632 653 0,'18'0'16,"-18"18"-16,0-1 15,0 1-15,0 0 16,17 52-16,1-35 16,0-17-16,-18 53 15,35-36 1,-17 35 0,17-34-1,-35 52 1,0-71-1,17 36 1,1-35-16,-18 53 16,53 17-1,-53-53 1,18 0-16,-1 18 16,36 18-1,-35-36 1,35 89-1,0-36 1,-18 18 0,36-36-1,-1 89 17,1-89-17,-18 19 1,17-1-1,-52-71 1,-1 19-16,19-19 16,17 19-1,-53-19 1,17-17-16,19 0 16,16 36-1,107 34 16,-106-70-15,18 18 0,-1-1-16,-35-17 15,1 18-15,-19-18 0,19 0 16,-19 0 0,36 18-1,-35-18-15,-1 17 16,19 1-1,34 0 1,19-1 0,16-17-1,-34 0 1,-18 0 0,-18 0-16,-17 18 15,-1-18 16,1 0-15,0 0 31,-1 0-31</inkml:trace>
+  <inkml:trace contextRef="#ctx0" brushRef="#br0" timeOffset="-148285.78">7849 1359 0,'-17'0'0,"-1"0"16,0 0 0,-17 0-16,17 0 15,1 0 1,-54 0-1,54 0 1,-19 0 0,-69 70-1,87-70 1,-17 35-16,-18 54 16,35-54-1,0 0-15,18 18 16,0-35-1,0 17-15,-17 53 16,17-53-16,0 89 16,0 52 15,0-158-15,0 17-16,0 0 15,17 36 1,19 0-1,-1-36 1,36 18 0,17-36-1,-53-17-15,53 0 16,-35 0-16,53 0 16,-35-35-1,-36 17-15,0 1 16,-17 17-16,17-53 15,36-18 17,-54 1-17,-17 52 1,0 1-16,0-36 0,0 17 16,0 19-16,0-1 15,0-70 1,-35-36 15,35 107-15,-53-71-1,35 52-15,1-34 16,-1 34 0,0 36-16,1-35 0,17 18 15,-18-1 1,-17-17-16,17-1 31,1 1-31,-1 35 0,0-18 16,1 18-1,-1-17-15,-17-18 16,-18 35 0,35 0-16,1 0 15,-1 0-15,0 0 16,1 0-16,-1 0 15,-17 0 1,17 0-16,0 0 31,1 0-31</inkml:trace>
+  <inkml:trace contextRef="#ctx0" brushRef="#br0" timeOffset="-145896.3">12612 529 0,'17'0'140,"-17"18"-124,18 0-16,-18-1 16,0 19-1,18-1 16,-18-17-31,0 35 16,0-36 0,0 54-1,0-36-15,0 0 16,17 36 15,-17-54-31,0 1 16,0 17-16,18 36 15,-18-36 1,18 18-16,-1 0 31,-17 0-15,0-35-16,0-1 0,18 1 16,0 17-1,-1 18 16,-17 18-15,53-54-16,-53 19 16,18-1-1,17 0-15,-35 0 16,18 18-16,-1-35 16,19 17-16,-19 18 15,19 0-15,-1-18 16,18 36-16,0-18 15,0 35 1,52 18 0,-87-71-1,35 0-15,0 18 0,-36-35 16,19 17-16,17 18 16,-36-35-16,19 17 15,-19-17 1,18 35-16,1-36 15,70 71 17,-71-70-32,-17 17 15,-1-35-15,36 53 32,0-17-32,-18-1 15,1-18-15,-1 1 16,0 0-1,71 35 1,-53-36 0,0 1-16,-18 0 0,36-1 15,-54-17 1,36 35-16,0-35 16,35 18-1,-52 0-15,16-1 16,1 19-1,-17-19 1,17 19-16,-18-36 16,0 53-16,0-53 15,-17 17-15,0 1 16,-1-18 0</inkml:trace>
+  <inkml:trace contextRef="#ctx0" brushRef="#br0" timeOffset="-144375.08">16140 882 0,'17'18'16,"-17"0"0,18 34-16,-1 1 31,19 36-15,17-54-16,-36 18 15,1-18-15,0-17 16,17 52-1,-17-52-15,-1 35 16,18 0-16,-17 0 16,35 35-1,0-18-15,35 71 16,0-17 0,18-1-1,-53-87 1,-18-1-16,54 53 15,-37-17 1,1-36 0,18 18-1,17-18-15,-70-17 16,-1-1 0,1-17-16,0 0 15,17 18 16,-17-18-15,-1 18 0,1-1-16,-1-17 15,19 0 1,34 0 0,-17 0-1,35 0 1,1 0-1,-72 0-15,19 0 16,34 0 0</inkml:trace>
+  <inkml:trace contextRef="#ctx0" brushRef="#br0" timeOffset="-143316.2">19773 847 0,'0'18'16,"0"-1"0,18 1-16,17 35 15,-35 0-15,35-18 16,18 36 0,-17-19-16,-1 1 0,0 0 15,-17-17-15,105 87 16,-70-35-1,-18-52 1,-35-19-16,53 36 16,-17 0-1,-1-35-15,0 17 16,-17 0 0,17-17-16,53 52 15,-35-17 1,18-17-16,-18-19 15,70 71 1,-70-70-16,0 17 16,18-17-16,-54 0 15,71-1 1,-52-17-16,-19 18 16,1-18-16,35 18 31,-18-18-31,-17 0 15,17 17 1,-17-17-16,17 18 16,-17-18-1,52 0 1,-52 0 0,-1 0-1,1 0 1,0 0-1,-1 0 1</inkml:trace>
+  <inkml:trace contextRef="#ctx0" brushRef="#br0" timeOffset="-139759.73">23495 3299 0,'0'-18'156,"0"1"-140,0-1-1,18 0-15,-1-17 16,19-18-16,-19 35 15,18-17-15,18-35 16,-35 34-16,17 1 16,36-53-1,-71 70-15,17-17 16,1 17-16,17-17 16,-17-18-1,17-17 1,1 17-1,17-18 1,35-35 0,-53 0-1,36 36 17,-19 17-17,-16-35-15,-1 52 16,-35 19-1,35-18-15,1-1 16,-1 1 0,0 0-1,0-18-15,-17 35 16,53-35-16,-36 18 16,35-18-16,19-18 15,-54 54 1,-17-18-16,17-1 15,-35 19 1,35-1 0,-17 0-16,-18 1 15,17-1 1,-17 0 0,18-17-16,0 35 0,-1-35 15,1 35-15,-18-18 16,18 18-1,-1-35 1,-17 17-16,0 1 16,35-19-16,18-34 31,-35 35-31,-18-1 16,35 19-1,-35-36-15,18 17 16,0 1-1,-18 18 1,17-19 0,-17 19-1,36-54 17,-19 53-17,1 1-15,35-71 16,-36 52 15,54 1-31,-53 17 16,-18-17-1,17 35-15,-17-18 16,35-17 0,-35 0-1,18 35 1,0 0-16,-18-18 15,17 1 48</inkml:trace>
+  <inkml:trace contextRef="#ctx0" brushRef="#br0" timeOffset="-29405.26">7285 4093 0,'0'17'15,"17"1"1,1 17-16,-18 36 16,0-18-1,0-18-15,0 88 16,0 1-1,0 70 1,0-106-16,0 35 16,0 19-1,0-1-15,0 0 16,0 0-16,0 18 16,0 193-1,0 1-15,0-159 16,0 0-16,0 177 31,0-213-31,0 36 16,0 159-1,0 18 1,0 228 0,0-175-1,0-1 1,53-17-1,-53-36 1,18-176 0,-18-17-16,0 17 15,17 17-15,36 424 32,-17-211-17,-36-213 1,17 195-1,18-53-15,-17 141 32,0-230-17,-1-17 1,-17-159 0,0 1-16,0 16 15,0 213 16,0-248-31,0 89 16,18 35 0,-18-106-1,0 1-15,0 122 16,0-87 0,0-1-1,0 18-15,0 159 16,0-141-1,0 17-15,0-17 16,0 0-16,0 17 0,0-35 16,0 142-1,0-54 1,0-88 0,0-53-1,0-17 16,0-18-31,0-18 16,0 0-16,0 0 16,0-17-16,0 17 15,0-17 1,0-36 46,0-17-46</inkml:trace>
+  <inkml:trace contextRef="#ctx0" brushRef="#br0" timeOffset="-25426.98">7056 4040 0,'0'0'0,"17"0"16,1 17-1,-1 19 1,1-19-16,0-17 16,-1 0-1,-17 18-15,53-1 16,0-17-1,18 0-15,-1 18 16,-34-18 0,34 0-16,18 0 15,177 0 1,-89 0-16,-17 0 16,17 0-16,1 0 15,-18 0-15,158-18 16,-52 1-1,-1-18 1,-34 35 0,-19 0-1,-105 0 1,-18 0-16,18 0 16,-35 0-16,70 0 31,-18 0-31,1 0 31,87 0-15,-34-18-1,-18 0 1,52 1 15,-123-1-15,-70 18 124,0 0-124,-1 0 0,1 0-1,17 0 1,-17 0-16,35 0 16,-18 0-1,-17 0 1,17 0-16,-17 0 31,-1 0 125,1 0-140,0 35-16,-18-17 16,35 17-1,-18 36 1,-17-1-1,18 18 1,-18-35-16,0 18 16,0 0-16,18 123 15,-1-71 1,1-35-16,0 18 16,-1 18-16,19 122 15,-36-157 1,17 16-16,18 107 15,1 17 1,-19-140 0,1 16-16,0 19 0,-1-1 15,1 1 1,17 140 0,-17-140-16,17 141 15,0-54 1,1 19-1,-19-142 1,1 0-16,0 124 31,-18-124-15,0 53 0,0 18-1,17 17 1,-17 142-1,0-107 1,0-87 0,0 105-1,0 36 1,0 158 0,0-141-1,0 18 1,0 35-1,0 18 1,0-194 0,0 17-16,0-35 15,0 0-15,0 159 16,0 35 15,-17-176-31,17 35 16,-18-18-16,18 36 15,-18 0-15,1-1 0,-1-17 16,-17 159 0,17-176-1,18-19-15,0-17 0,-18 1 16,18 122 0,0-140-1,0-36-15,0 18 16,0-36-16,-17 1 15,17-1-15,-18 89 16,18-88 0,0-1-16,-17-17 15,17 0-15,0 18 16,0-19-16,-18 54 16,0 106 15,1-141-16,-1-1-15,0 89 16,18-89-16,-17 1 16,-19 88-1,36-18 1,0 0 0,0 18-1,0-89-15,0-17 16,0 106 15,0-71-15,0 18-1,0-53-15,0-18 16,0 18-16,0 0 16,0-18-16,-17 1 15,-1-1-15,18 0 16,-17-35 124,-1 0-124,0 0-16,-17-18 16,35-17-16,-35 18 15,17-1 1,-105-35 0,87 35-1,19 18-15,-54-17 16,18 17-16,18 0 15,-18 0-15,0 0 16,-88 0 0,18 0-1,-72 0 1,1 0 0,0 17-1,0 1 1,124-18-1,17 0-15,-71 18 16,72-1 0,-19-17-16,-17 18 15,17 0-15,1-1 16,-71 1 0,88-1-1,0 1-15,0-18 16,-88 0-1,70 18-15,-17-18 16,17 0-16,-17 0 0,-18 0 16,-70 0-1,-18 0 1,35 17 0,53-17-1,1 0 1,52 0-1,0 0 1,17 0 0,1 0-1,18 0 1,-36 0-16,35 0 31,0 0-31,1 0 16,-1 0-16,0 0 15,-17 0 1,-18 0 0,36 0-1,-1-17-15,-17 17 16,-1-18 0,-17 18 15,18-18 78,53-34-93,-18 16-16,70-52 15</inkml:trace>
+</inkml:ink>
+</file>
+
+<file path=ppt/ink/ink75.xml><?xml version="1.0" encoding="utf-8"?>
+<inkml:ink xmlns:inkml="http://www.w3.org/2003/InkML">
+  <inkml:definitions>
+    <inkml:context xml:id="ctx0">
+      <inkml:inkSource xml:id="inkSrc0">
+        <inkml:traceFormat>
+          <inkml:channel name="X" type="integer" min="-1920" max="1920" units="cm"/>
+          <inkml:channel name="Y" type="integer" min="-116" max="1084" units="cm"/>
+          <inkml:channel name="T" type="integer" max="2.14748E9" units="dev"/>
+        </inkml:traceFormat>
+        <inkml:channelProperties>
+          <inkml:channelProperty channel="X" name="resolution" value="124.27184" units="1/cm"/>
+          <inkml:channelProperty channel="Y" name="resolution" value="68.96552" units="1/cm"/>
+          <inkml:channelProperty channel="T" name="resolution" value="1" units="1/dev"/>
+        </inkml:channelProperties>
+      </inkml:inkSource>
+      <inkml:timestamp xml:id="ts0" timeString="2021-10-31T12:42:40.400"/>
+    </inkml:context>
+    <inkml:brush xml:id="br0">
+      <inkml:brushProperty name="width" value="0.05292" units="cm"/>
+      <inkml:brushProperty name="height" value="0.05292" units="cm"/>
+      <inkml:brushProperty name="color" value="#FF0000"/>
+    </inkml:brush>
+  </inkml:definitions>
+  <inkml:trace contextRef="#ctx0" brushRef="#br0">6050 3863 0,'-18'0'156,"18"36"-156,0-19 15,0 18 1,18 1 0,-18-1-16,18 0 15,-18 1-15,17 69 32,-17-52-32,0-17 15,0-19 1,0 107 15,0-71-31,0-18 31,18 53-15,-18-53-16,0 54 16,0 16 15,0 19 0,0-107-31,0 72 16,0-1-1,0 35 17,0-17-17,0 18 16,0-54-15,0-17-16,0-18 31,0 54-15,0 122 15,0-158-15,0 0-16,0-18 15,0 1-15,0 52 16,0 0 0,0 36-1,-35 17 17,17 17-17,18-34 16,0-71-31,0 0 0,-18 70 32,1 18-17,17 124 32,0-195-47,0 142 31,0-106-31,0-18 16,0-17-16,0 34 16,0-16-16,-18-1 0,18 53 31,0-53-31,0 18 16,-17-18-16,-1 0 15,18 1-15,0 16 16,0-16-16,0-1 15,0 18-15,0-18 16,-18 212 0,18-230-1,-17 1-15,17-1 16,0 71 0,0-88-16,0 0 15,0 53 1,0-53-16,-18 106 31,18-53-15,0 176 31,0-159-32,0-52-15,0 17 0,0 18 16,0-18-16,0 265 47,0-283-47,0 54 15,0-36 1,0-53 0,18 142 15,-18-142-31,17 53 15,1-35 1,-18 124 15,18-125-31,17 54 32,-35-70-32,0 263 46,0-228-30,0-18 0,17 0-16,-17-36 0,0 19 47</inkml:trace>
+  <inkml:trace contextRef="#ctx0" brushRef="#br0" timeOffset="4266.55">6032 3775 0,'36'0'125,"-1"0"-109,-17 0-16,-1 18 15,89-18 1,-53 0 0,0 0-16,53 0 15,-18 0 1,53 0 0,-88 0-1,0 0-15,123 0 31,-140 0-31,-1 0 16,53 0 0,-17 0-1,-1 0 17,1 0-1,-1 0 0,1 0 0,-36 0-15,0 0 0,1 0-16,52 0 15,-35 0 16,-36 0 1,1 0-32,0 0 15,-1 0 1,36 0 15,-35 0 0,0 0 188,-1 0-203,1 17 93,0 1-93,-1 0-16,-17 17 15,0 0-15,0 177 47,0-159-47,0 17 16,0-17-16,0 18 16,0-1-1,0 195 16,0-230-15,0 18 0,0-18-16,0 18 0,0 0 15,0-18-15,0 18 16,0-17-16,0 158 31,0-71 0,0-70-31,0 53 16,0 35 0,18-35 15,-1 17-15,-17-52 15,18 105 0,0-123-31,-1-18 16,-17 18-16,0 53 15,18 0 1,0-35 0,-18 105-1,0-105 1,17-1-16,19 159 31,-36-158-31,17 158 31,-17-105-15,0-1 0,18 107 15,-18-178-16,0 1-15,0-17 16,0-1-16,0 0 16,0 0-16,0-17 15,0 35-15,0-18 0,0 106 32,0-88-17,0 88 1,0-17-1,0 70 1,0 159 15,0-230-31,0 89 16,0-18 0,0 106 15,0-141-16,0-89-15,0 71 16,0-17 0,0 176 15,0-230-15,0 71-1,0 0 1,0-70-16,0 158 47,0-158-47,0-1 15,0 18-15,0-17 16,0-18-16,0 70 16,0-17-1,0 71 16,0-107-31,0 71 16,0-17 0,0-36 15,0 18-15,0-71-1,0 0-15,0 54 31,0-72-15,-18 1 78,1-18-63,-1 0-15,-17-35-1,-1 35-15,-17-53 16,-52 17 0,52 19-1,-71-1 1,89 18-1,-18 0-15,-88-18 32,106-17-32,-36 18 15,53 17 1,-17-18 0,-141 18-1,70 0 16,18 0-15,52 0 0,-16 0-16,34 0 0,-53 0 31,54 0-31,-36 0 16,-18 0-1,-35 0 1,53 0-1,-17 0 1,17 0 15,35 0 1,1 18-1,-1-1-16,0-17-15,-34 18 32,52-1-32,-36-17 15,19 0 32,-19 18-31,19 0-1,17-54 110,0-52-109,0-18-16</inkml:trace>
+  <inkml:trace contextRef="#ctx0" brushRef="#br0" timeOffset="6153.11">6579 4639 0,'0'0'0,"18"0"47,0 18-31,-18 35-1,17 0 1,-17 17-16,0 19 31,0-72-15,0 1 15,-17-36 47,17 1-62,-18-1-16,18 0 15,0-17-15,-18 17 16,18-123 15,0 124-31,0-19 16,0 54 125,18-18-126,0 18-15,-18 17 16,53-35-16,-53 18 15,17 17 1,18 18 15,-35-36-15,0-34 62,0-36-62,0 18-16,0 17 15,0-35-15,0 0 16,0 0 0,0 36-16,0-1 15,0 0-15,18 18 78,0 53-46,17-18-32,-35-17 15,18 35-15,-1 18 31,1-19-15,-18-16-16,18-19 16,-18 1 109</inkml:trace>
+  <inkml:trace contextRef="#ctx0" brushRef="#br0" timeOffset="6857.38">6720 5892 0,'0'17'47,"18"1"-47,-18 17 0,35 71 31,-17 0-15,-18-71-16,0 71 31,0-88-15,0-1-1,0-70 79,0-17-78,0 35-16</inkml:trace>
+  <inkml:trace contextRef="#ctx0" brushRef="#br0" timeOffset="7386.7">6791 5733 0,'18'18'16,"-1"-18"-16,1 17 0,0 19 31,-1 16-15,1-16 0,17 105 15,-35-88-31,18 0 15,-18-36 110,0 1-109</inkml:trace>
+  <inkml:trace contextRef="#ctx0" brushRef="#br0" timeOffset="8010.99">6826 6209 0,'-17'0'32,"17"-17"-1,0-19-16,35 1-15,-17 35 16,-1-35 0,-17 17-1,18 0 1,17 1 15,-17 17 16,-1-18-31</inkml:trace>
+  <inkml:trace contextRef="#ctx0" brushRef="#br0" timeOffset="9147.4">6844 7126 0,'-18'0'31,"18"18"-16,0 0 1,0 35 0,0 0-16,0 105 31,0 72 0,0-177-31,0-1 16,-17-16-1,-1-1 17,36-35 108,-1 0-124,54 0 0,-36 0-16,18 0 15,-18 0 1,36-18-1,-36 1 1,-17 17 0,-18-18 15,17-17-15,-17 17 46,0 1-46,0-1-16</inkml:trace>
+  <inkml:trace contextRef="#ctx0" brushRef="#br0" timeOffset="10605.43">6932 8873 0,'-18'17'31,"18"1"-16,0 0-15,0 52 16,0-35-16,0 18 0,0 18 16,0 52 15,0-105-15,0 35-1,-17-71 95,17-17-95,0-18-15,0-17 16,0-1-1,0 36-15,0-36 16,17 71 156,1 18-156,70 88-1,-35-53-15,18 17 16,-54-52-16,1-1 15,-18 19-15,18-1 16,-1-17 15,-17-54 47,0 1-78,0 0 16,0-1-16,0 1 16,0-71-16,0 1 31,0-19-15</inkml:trace>
+  <inkml:trace contextRef="#ctx0" brushRef="#br0" timeOffset="12775.88">8326 4657 0,'35'0'187,"0"0"-187,18 0 16,-18 0 0,-17 0-1,0 0-15,17 0 32,-18 0-17,1 0 1,0 0 140</inkml:trace>
+  <inkml:trace contextRef="#ctx0" brushRef="#br0" timeOffset="13469.54">8908 4463 0,'17'0'47,"-17"53"-47,0-18 16,0 0-16,0 1 15,0 52 17,0-35-32,0-18 15,18 36 1,0-36 31,-1-35-32,-17 18 79</inkml:trace>
+  <inkml:trace contextRef="#ctx0" brushRef="#br0" timeOffset="14348.28">8343 5662 0,'0'18'15,"35"-18"95,1 0-110,17 0 15,-18 0-15,0 0 16,89 0 0,-89 0-1,-17 0 1,-1 0-1</inkml:trace>
+  <inkml:trace contextRef="#ctx0" brushRef="#br0" timeOffset="15295.66">8749 5468 0,'0'0'16,"18"0"-16,-18-17 0,52 17 16,-16 0-1,17 0 1,-36 0 0,1 0-16,0 0 15,-1 0 1,18 17-1,-35 1 17,0 0-17,0 70 17,0-71-32,-17 54 15,17-53 1,-18-18-16,18 17 47,35-17 109,36 0-140,-36 0-16,36-53 15,17 36 1,-35 17-16,0-36 15,-18 36 1,-17 0 0,17 0-16,-17 0 93,-36 18-77,0 0 0,1-1-16,-18 36 15</inkml:trace>
+  <inkml:trace contextRef="#ctx0" brushRef="#br0" timeOffset="16076.19">8396 7426 0,'0'18'47,"18"-18"-32,-1 0 1,36 0-16,53 0 16,53-18 15,-124-17-31,0 17 16,1 18-1,-1 0 1</inkml:trace>
+  <inkml:trace contextRef="#ctx0" brushRef="#br0" timeOffset="17120.57">8943 7056 0,'35'-35'0,"18"-1"15,-18 19 1,-17-1 0,70 18-1,-70-18 17,0 18-17,17 0 1,-35 124 15,0-71-15,0-36-16,0 19 15,-18-1 1,36-35 187,-1 0-187,19-18-1,-19 18-15,19 0 32,-19 0-17,1 71 16,-18-18-31,0 35 16,0-53 0,0 1-1,0-1 1,-35-18 15,-1-17-31,1 0 16,0 0-1,0 0-15,-18 0 16,35 0-16,0 0 16</inkml:trace>
+  <inkml:trace contextRef="#ctx0" brushRef="#br0" timeOffset="17970.24">8661 8643 0,'0'18'31,"17"-18"1,54 0-32,-36 0 15,0 0-15,36 0 16,0 0 15,-19 0-15,19 0 15,-36-18-15</inkml:trace>
+  <inkml:trace contextRef="#ctx0" brushRef="#br0" timeOffset="18730.36">9331 8396 0,'0'36'16,"0"-1"-1,0 0 1,-18 106 0,-17-70-1,17-18 1,-17 35-1,18-35 1,17-35 0,17-18 62,18 0-78,1 0 15,-1 0-15,36 0 16,-19 0-16,19 0 16,0 0-1,-1 0-15,1 0 0,-18 0 16,17 17 0,-52-17-1,-36 0 63,0 0-62,-17 0 0,-53-35-1,70 35 1</inkml:trace>
+  <inkml:trace contextRef="#ctx0" brushRef="#br0" timeOffset="19231.2">9543 8714 0,'0'-18'15,"17"36"1,-17 17-1,0 89 1,0-1 0,0-70-1,0-18-15,0 36 16,0-53-16,0-1 16,0 18-1</inkml:trace>
+  <inkml:trace contextRef="#ctx0" brushRef="#br0" timeOffset="28444.79">12929 3316 0,'0'-17'329,"0"34"-298,0 1-16,0 17 1,0 18-16,0 0 16,0-35-1,0-1-15,0 54 16,0-53 0,0-1-16,0 19 0,0-1 15,0 18 1,0 17 15,0-34-31,0 52 31,0-71-31,0 36 16,18-35-16,-18 70 16,0-53-16,0 1 15,0 17 1,0-18-16,0 0 15,0 0-15,0 1 16,0 17-16,0 70 31,0-88-31,18 54 16,-18 34 15,0 18 0,0-123-31,0 17 32,0 0-32,0 1 15,0 17 1,0 0 0,0-18-16,0 35 31,0-34-31,0-1 0,0 0 15,0 18 1,0 0-16,0 18 16,0-36-1,0 18 1,0 17-16,0 54 31,-18-54-31,18-52 0,0 17 16,0 18-1,-18 71 1,18-19 0,0-52-1,0 18-15,0-36 16,0 1-16,0 16 16,0 19-16,0 0 15,0 105 1,0-123-1,0 70 1,0-17 0,0-35-16,0 105 31,0 18-15,0-88-1,0 70 16,0-140-15,0 17-16,0-1 0,0 19 16,0 17-16,18 124 31,-18-159-15,0 88-1,18 141 1,-1-53 15,-17-158-15,0 0-16,0 70 15,0 35 1,0-88 0,0 18-1,0-18-15,0 18 0,0 0 16,0 17-16,18 195 31,-18-230-15,18 18-16,-18-36 15,0 1-15,17 88 16,-17-89-16,0 1 16,0-18-16,0 0 15,0 35 1,0 53 15,0-106-31,0 18 0,0 0 16,0 0-16,0 0 15,0 88 17,0-88-32,0-18 15,0 1-15,0 34 16,0 18 15,0-52-15,0 34-1,0 18 1,0-52-16,0-1 16,0 18-1,0-18-15,0 0 16,0-17-1,0 0-15,0-1 16,0 36 0,0 0 15,0-35-31,0-1 16,0 19 15,18 17-16,-18-18 1,0-17-16,0-1 16,0 1-16,0 17 15,0-17 1,17 17 0,-17-17-1,0 35 16,0-36-31,18 107 32,-18-54-17,0-35 17</inkml:trace>
+  <inkml:trace contextRef="#ctx0" brushRef="#br0" timeOffset="30783.98">12524 12859 0,'17'-18'125,"36"18"-110,0 0 1,-18 0-16,36 0 16,-1 0-16,36 0 15,-70 0 1,52 0-1,-35 0-15,17 0 16,18-17 15,-17 17-15,-36 0-16,1 0 16,16 0-1,-16 0-15,17 0 0,141 0 31,-88 0 1,-89 0-32,36 0 0,-18 0 15,36 0 1,105 0 15,-17 0-15,-106 0-1,-18-18-15,18 18 16,-35 0-16,105 0 31,-87 0-31,69 0 32,-52 0-32,0 0 0,-18 0 15,36 0-15,-18 0 16,0-17-16,211-36 31,-193 53-15,17-18-1,0 18-15,-17 0 16,123-18 0,-18 18 15,-70 0-16,-18 0-15,-35 0 16,88 0 0,-35 0-16,-35-17 15,-1 17 1,36-18-16,-53 18 0,18 0 16,-1 0-16,1 0 15,-1 0-15,71 0 31,-88 0-31,53 0 16,-18 0-16,-35 0 16,-17 0-16,34 0 15,-35 0-15,124-35 32,71 17-17,-142 18 1,-35 0-16,105 0 15,-69 0 1,16-18 0,-16 18-16,52 0 15,17-17 1,-52 17-16,-35 0 16,17-18-16,-17 18 15,105 0 1,-88 0-1,18 0-15,-35 0 16,-1 0-16,36 0 16,-36 0-16,1 0 15,0 0 1,17 0-16,18 0 0,105-35 16,-105 35-1,88-18 1,53-35-1,-194 53 1,0 0 0,-35 0-16,105 0 15,53-35 1,-87 35 0,-36-18-16,35 18 15,-35 0 1,-18 0-16,18 0 0,0 0 15,141 0 17,-71-17-17,71-18 1,53 17 15,-176 18-15,-18 0-16,0 0 15,0 0-15,-36 0 16,36 0 0,18 0-1,-54 0 1,72-18 0,16 18-1,54-17 16,-124-1-15,71 18 0,0 0-1,35 0-15,-88 0 16,0 0 0,0 0-1,-35 0 16,-1 0-15,1 0 0,-1 0-1,54 0 1,-18-18 15,-35 1-31,-1 17 16,1 0-16</inkml:trace>
+  <inkml:trace contextRef="#ctx0" brushRef="#br0" timeOffset="32214.12">15187 12330 0,'0'53'62,"18"-18"-62,-18 0 16,0 1-16,0-1 16,0-17-16,0 34 15,0 72 16,0-1-15,0-87 0,0-1-16,0 0 0,0 18 31,0-18-31,0 1 16,0-19-1</inkml:trace>
+  <inkml:trace contextRef="#ctx0" brushRef="#br0" timeOffset="33220.96">17039 12277 0,'18'0'0,"-1"0"15,1 0 1,-18 18-1,0-1-15,18 19 16,-18-19-16,0 18 31,17 1-31,-17-19 16,0 1-16,0 0 16,0 70-1,0-53 1,0 0-1,18-35 1,-18 18-16,0 0 16,0 35-1,0-36 17,0 1-17,0 0 157,0-1-156</inkml:trace>
+  <inkml:trace contextRef="#ctx0" brushRef="#br0" timeOffset="34002.6">19315 12171 0,'0'18'31,"53"52"-31,-53-34 16,0-1-16,17 71 31,-17-71-31,18 36 15,-1 17 1,-17-53-16,0 0 16,0 18 15,0-17-31,0-1 16,0-18-1,0 19 1,0 17 15</inkml:trace>
+  <inkml:trace contextRef="#ctx0" brushRef="#br0" timeOffset="34823.73">21519 11907 0,'18'17'16,"-18"18"-1,18 1 1,-18-19-16,35 54 16,-35-18-1,0 17 1,35 72 0,-17-125-1,-18 18-15,0-17 16,18 17-16,-18-17 15,0 53 1,17 52 15,-17-88-31,0 1 16,18-19 0,-18 19 15</inkml:trace>
+  <inkml:trace contextRef="#ctx0" brushRef="#br0" timeOffset="38092.97">21819 13371 0,'0'17'78,"0"1"-63,0 0-15,0 17 16,0 18 0,0 0-1,0-36 1,0 19-16,0-1 31,0 0-15,0 0-16,0-17 31,-17 17-15,17-17 15,0 0 109,0-1-140,0 1 16,0-1 47,0 1-63,0 0 15,0 17 1,-18-17-1,18 17 1,0 36 0,0-54-1,0 1 1,0-1 0,0 1-1,0 0 1,0-1-1</inkml:trace>
+  <inkml:trace contextRef="#ctx0" brushRef="#br0" timeOffset="39403.61">21713 13512 0,'18'0'16,"0"0"-1,-1 0 1,1 35 0,-18-17-1,18-18 1,-1 17-16,19 19 31,17 16-15,-53-34-16,35 17 0,18 36 31,0-36-15,-18 18-1,-35-35 1,35-1 0,-35 1-16,53 70 31,-35-70-16,-1 0 1,1-1-16,17 18 47,-35-70 78,0-18-109,0-70-1,0 35-15,0 35 16,0 0-16,0-71 31,0 89-15,0 0-16,0-1 15,0-16 17,0 16-32,0 19 15,0-1 1,0 0-1,0 1 1,0-1 0,0 0-1</inkml:trace>
+  <inkml:trace contextRef="#ctx0" brushRef="#br0" timeOffset="41649.67">19438 13635 0,'0'18'156,"18"-18"-156,-18 17 16,17-17 0,-17 53-1,18 0 1,-18-35-16,0 35 15,0-18 1,0 71 0,0-53-16,0 0 31,0 35-15,0-53-1,0-17 1,0 0-1,0-1 64,0 1-64,18-18 157,-1 0-156,19-53-16,16 18 31,37-1-31,34 1 16,-17 17-1,-53 1-15,88 17 31,-123 0-15,17 0 0</inkml:trace>
+  <inkml:trace contextRef="#ctx0" brushRef="#br0" timeOffset="43862.35">17092 14023 0,'0'18'78,"0"0"-78,0 17 15,0 18-15,0-36 16,18 89 0,-1 0-1,-17-71-15,0 1 16,0-1-1,36 18 1,-19-36 47,1 1-48,-18 0 1,0-1-1,0 1 1,0 0 0,18 17 15,-18-17-31,17 17 16,-17-18-1,18 36 1</inkml:trace>
+  <inkml:trace contextRef="#ctx0" brushRef="#br0" timeOffset="44660.08">17410 14111 0,'17'0'31,"1"18"0,-18 0-31,0-1 16,17 36-1,19 106 1,-19-88-16,-17-36 16,36 18-1,-19 70 1,1-70 15</inkml:trace>
+  <inkml:trace contextRef="#ctx0" brushRef="#br0" timeOffset="45523.61">17304 14658 0,'0'-17'78,"0"-19"-62,17 36-16,107-53 31,-54 36-31,1-19 16,-36 1-16,1 35 15,-19-17 1,18-1 0</inkml:trace>
+  <inkml:trace contextRef="#ctx0" brushRef="#br0" timeOffset="46471.96">15363 14006 0,'-17'0'31,"17"17"16,0 1-32,0 52-15,0-34 16,17 17-16,1 194 31,0-177 0,-18-35-31,0 1 16,35 52 15,-35-70-31,18 52 32,-18-52-32,17 35 46</inkml:trace>
+  <inkml:trace contextRef="#ctx0" brushRef="#br0" timeOffset="48183.43">15258 14200 0,'0'35'110,"-18"-17"-95,-17 70-15,35-71 16,-36 36-1,19 53 1,-1-88 0,18 35-1</inkml:trace>
+  <inkml:trace contextRef="#ctx0" brushRef="#br0" timeOffset="50051.01">15346 14076 0,'17'-17'78,"1"17"-62,17 17-1,-17 1-15,0 17 16,-1 0 0,1-17-1,0 0-15,-18 17 31,0-17-31,17-18 16,-17-18 93,0 0-109,0-17 16,0-18-16,18 0 16,-18-35-1,18 17 1,-1 36-16,-17 0 31,18 35 32,17 0-48,-17 53 1,17 17 0,-17-17-16,-1 0 15,36 141 1,0-17 15,-35-72-15,17-16 15,-35-107 47,-18-35-62,18-18-1</inkml:trace>
+  <inkml:trace contextRef="#ctx0" brushRef="#br0" timeOffset="53931.83">13476 12083 0,'35'0'375,"36"0"-375,-1-18 16,1-17-16,-18 0 16,18 17-16,52-35 31,-123 36-16,35 17-15,-17-36 16,17 19 0,18 17-1,-35-18 1,35-17 0,-18 17-16,18-35 31,35 18-16,-35 0 17,53-36-17,35-52 17,-123 70-17,87 0 1,-69 35-16,52-70 15,18 17 17,-18 1-17,0-1 17,88-87-1,-158 140-31,17-17 15,18-18-15,-17 17 16,17-17 15,-18 36-31,0-18 32,36-71-17,-1 35 1,89-158 15,-71 141-15,88-159 15,71-53 0,-211 247-31,-19-35 16,54 35-16,-1-35 15,19-36 1,105-87 0,-53 87 15,-35 18-15,-18 0-1,53-52 16,-106 140-15,-35-17 0,88-53-1,-70 52-15,70 1 16,0-71 0,1 0 15,52-52-16,35 16 17,-105 72-32,-18 35 15,0-18-15,52 0 16,-16-35-16,16-36 16,89-52 15,18 17-16,-88 53 1,34-53 15,19 36-15,-36 17 0,-53 36-1,88-54 16,-140 89-31,87-36 16,-52-17 0,70 17-1,18-70 17,-159 124-17,88-36 1,-35 18-1,-18-18 1,0 35-16,18 0 16,-35-17-1,-1 35-15,54-88 32,-36 70-32,-17-17 15,35 0 16</inkml:trace>
+  <inkml:trace contextRef="#ctx0" brushRef="#br0" timeOffset="56197.78">15399 10672 0,'17'0'94,"1"0"-94,0 17 16,52 1-1,-52 0-15,17-18 16,0 17-16,18 1 31,0 17-15</inkml:trace>
+  <inkml:trace contextRef="#ctx0" brushRef="#br0" timeOffset="56758.3">15646 10478 0,'0'17'15,"-18"36"1,18 0 0,-35 35-1,35-17 1,-18-18 0,1 53 15,17-89-31,-18-17 15</inkml:trace>
+  <inkml:trace contextRef="#ctx0" brushRef="#br0" timeOffset="57849.49">16898 9067 0,'18'0'94,"-1"0"-78,19 0-1,-19 17 17,1 1-32,0-18 15,-1 0 1,1 0-1,-18 18 17</inkml:trace>
+  <inkml:trace contextRef="#ctx0" brushRef="#br0" timeOffset="58391.5">17022 8784 0,'-18'18'31,"18"17"-15,0-17-16,0 0 15,0 17-15,0 0 16,-18 1 0,18-1-16,0-18 15,0 1 1,-17 17-1</inkml:trace>
+  <inkml:trace contextRef="#ctx0" brushRef="#br0" timeOffset="59241.37">18256 7426 0,'0'0'0,"0"18"0,36 0 15,16-1 1,-34-17-16,123 53 31,18 0-15,88 0 0,-141-35-1,0-18 1,-71 0-1,-18 0 17</inkml:trace>
+  <inkml:trace contextRef="#ctx0" brushRef="#br0" timeOffset="59801.19">18732 7056 0,'0'18'16,"-17"17"-16,17 0 15,-18 18-15,-35 141 31,18-141-15,17 70 0,18-105-16,0 17 15,-17 36 17,17-53-32</inkml:trace>
+  <inkml:trace contextRef="#ctx0" brushRef="#br0" timeOffset="-82691.08">16933 9014 0,'0'-18'218,"0"1"-202,18 17 0,0 0-1,-18 17 1,17 1-16,1-1 16,0 19-1,17-19-15,0 36 16,-17-53-16,-1 18 15,19 35 17,-19-36-32,-17 1 15,36 0 1,-19 17 0,1-17-1,-1-1 1,-17 1-16,53 0 0,-35-1 15,0-17-15,17 35 16,0 1 0,18-1-1,0 18 1,-35-53-16,-1 18 16,19-1-1,34 19 1,-70-19-1,88 18-15,-52-17 16,-1 0 0,-17-1-16,34 36 15,1-35 1,18 17 0,17 53 15,18-52-31,-88-1 15,70 0 17,-71-17-32,54 17 0,-71-17 15,18-18 1,-1 17-16,1-17 0,0 18 31,-1 0-15,1-1-16,-1-17 15,36 18 1,-35 17 0,0-35-1,35 36 1,-18 16 0,-18-34-1,36 0 1,-35-1-16,0 1 15,52 35 1,-52-35 0,0 17-1,-1-35 1,18 35 15,-17-17-31,0-1 31,-1 1-31,1 0 16,0 35 15,-1-53-15,-17 35-16,36-18 16,-36 1-1,0 0 1,17-18 15,1 17-15,-1-17-16,1 36 47,0-19-16</inkml:trace>
+  <inkml:trace contextRef="#ctx0" brushRef="#br0" timeOffset="-73938.85">19226 10742 0,'18'0'125,"0"0"-78,-1 0-32,36 0-15,18 0 16,-18 0-16,17 0 15,-34 0-15,16 0 16,1 0 0,-35 0-1,17 0 17,-17-17-17,0 17-15,17 0 16,-18 0-16,19-36 15,-19 36-15,1 0 16,0 0 0,17 0-16,18 0 15,-18 0-15,18 0 0,35 0 32,-17 0-32,-54 0 15,36 0-15,-35 0 16,53 0-1,-36 0 1,-18 0-16,19 0 16,-19 0-1,19 0 1,52 0-16,-53 0 16,0 0-16,1 0 15,-1 0-15,0-17 16,1 17-1,-19 0 1,1 0 0,17-18-1,-17 18 17,17 0-17,-17 0-15,17 0 31,-17 0-15,-1 0-16,18 0 16,-17 0 15,0 0-15,-1 0-16,1 0 31</inkml:trace>
+  <inkml:trace contextRef="#ctx0" brushRef="#br0" timeOffset="-69258.67">17198 8220 0,'0'0'0,"18"18"16,-1-1-16,18 1 16,1 17-16,34 1 15,1 34-15,17-35 16,-35 18-16,53 53 15,-53-71 1,17-17 0,-52 0-16,0-18 15,-36-89 63,0-16-78,-17 52 16,-36-71-16,19-35 16,-1-17-16,0 0 15,-18-1-15,1-87 16,70 246 0,35 53 30,-18-35-46,54 71 16,-36-1-16,54 19 16,-37-54-16,54 53 15,18 0-15,35 18 16,-36-18-16,0-17 16,-17-1-1,-106-87 16,0-1-31,0-35 16,-35-53-16,-18-17 16,0 17-1,-17-17-15,-1 17 16,1 0-16,-19-70 16,72 140-1,34 54 48,19 53-48,52 17-15,-35-53 16,0 53-16,0-53 16,-1 36-16,54 17 15,18 0-15,-18 1 16,-18-19-16,-53-35 15,0-17-15,-17 0 16,0-18 15,-18-71-15,-18 18-16,-35-141 16,-70-53 15,52-17-16,36 176-15,35 17 16,-18 18 0,18 35 31,18 36-47,88 70 15,-1 18 1,142 70-1,-123-87-15,-1-19 16,-17-17-16,-18-18 16,-70-17-1,-18-71 32,0 35-47,0-34 16,-35-19-16,17 53 15,-35 1 1,0-54-16,-17-35 16,17 1-16,17 16 15,19 1-15,17 70 16,0 1 0,70 70 30,19 17-46,-54-34 16,35 52 0,36 0-16,-18 0 15,1-17-15,-1 17 16,-35-53-16,-36-17 16,1-18-1,0-53 1,-18 0-1,0-18 1,0-34-16,-18-1 16,0-18-1,-17-34-15,17 69 16,1-16-16,17 34 16,0 18-16,0 35 15,0-17-15,0 18 16,35 17 31,-17 17-32,35 1-15,0 35 16,-18-18 0,0 0-16,18 18 15,-35-53 32,-18-53-47,0-17 16,0-18-16,0-18 15,0-18-15,0 36 16,0-18-16,0 36 16,0 52-1,0 0 16,70 54-15,-34-19 0,34 36-1,-52-35 1,17-18-16,-17 0 16,-1 0-16,1-53 31,-18 0-16,18 0-15,-18-53 16,0 53-16,0-53 31,0 89-31,0-1 16</inkml:trace>
+</inkml:ink>
+</file>
+
+<file path=ppt/ink/ink76.xml><?xml version="1.0" encoding="utf-8"?>
+<inkml:ink xmlns:inkml="http://www.w3.org/2003/InkML">
+  <inkml:definitions>
+    <inkml:context xml:id="ctx0">
+      <inkml:inkSource xml:id="inkSrc0">
+        <inkml:traceFormat>
+          <inkml:channel name="X" type="integer" min="-1920" max="1920" units="cm"/>
+          <inkml:channel name="Y" type="integer" min="-116" max="1084" units="cm"/>
+          <inkml:channel name="T" type="integer" max="2.14748E9" units="dev"/>
+        </inkml:traceFormat>
+        <inkml:channelProperties>
+          <inkml:channelProperty channel="X" name="resolution" value="124.27184" units="1/cm"/>
+          <inkml:channelProperty channel="Y" name="resolution" value="68.96552" units="1/cm"/>
+          <inkml:channelProperty channel="T" name="resolution" value="1" units="1/dev"/>
+        </inkml:channelProperties>
+      </inkml:inkSource>
+      <inkml:timestamp xml:id="ts0" timeString="2021-10-31T12:44:06.553"/>
+    </inkml:context>
+    <inkml:brush xml:id="br0">
+      <inkml:brushProperty name="width" value="0.05292" units="cm"/>
+      <inkml:brushProperty name="height" value="0.05292" units="cm"/>
+      <inkml:brushProperty name="color" value="#FF0000"/>
+    </inkml:brush>
+  </inkml:definitions>
+  <inkml:trace contextRef="#ctx0" brushRef="#br0">9384 3440 0,'18'0'0,"-1"0"15,1 53 1,-18-18-16,0 0 16,0 54-1,17-1-15,-17 18 16,18-53 0,-18 17-1,18 36-15,-18-18 0,0 0 16,17 89-1,19 140 17,-36-193-32,17 105 15,-17-123 1,18 17-16,-18-17 16,18 0-16,-18 211 31,0-228-31,35 140 15,-18-141 1,-17 18-16,18 17 16,0-34-16,-1 16 15,-17-16-15,18 16 16,0 1-16,-18-17 16,17 157-1,1-69 1,0-107-1,-1 107 1,-17-107-16,18 71 16,-18 71 15,0-141-31,17 70 31,1 18-15,-18-89-1,18-17-15,-1 106 32,-17-89-32,0 54 15,0-71-15,18 0 16,0 105 0,-1-17 15,-17-88-31,0 0 15,0-17 1,0-1-16,0 124 31,18-89-31,-18 18 32,0 89-17,0-71 1,0 17-1,18 1 1,-18-89-16,0 88 31,0-105-15,0 17-16,0 18 16,0-35-1,0-1-15,0 107 31,0 35-15,0-124 0,0 35-16,0-17 15,0 0-15,0 35 32,0-35-17,0 0 16,0-17-15,0-19-16,0 1 16,0 17-1,0-17 1,0 17 15,0-88 16,0 0-47</inkml:trace>
+  <inkml:trace contextRef="#ctx0" brushRef="#br0" timeOffset="2773.88">9296 3405 0,'17'0'47,"1"0"-31,17 0-1,-17 0 1,141 0 15,-106 0-31,105 0 16,-70 0-16,1 0 15,-19 0-15,212 0 32,-229 0-32,36 0 15,-36 0-15,35 0 31,-53 0-31,124 0 32,-89 0-17,-17 0-15,-35 0 203,17 70-203,-35-35 16,0 1 0,18 87-16,17 54 15,-17-72 1,-18 1-16,0 0 16,0 88-1,0-123-15,53 229 31,-1 17 1,-34-105-17,0 35 1,-1-36 0,36 89-1,-35-123 1,0 17-1,-18-106 1,17 106 0,19 141-1,-1-88 1,-18 0 15,19 0-15,-19-141-16,1 17 15,0 1-15,-1-1 16,1 142-16,35 105 31,-53-264-31,17 88 32,1-88-32,-18-18 15,0 0-15,0-17 16,18 140-1,-18 19 17,0-160-32,0 1 15,0-1-15,17 1 16,36 246 15,-35-211-15,0-53-16,-18 18 15,0-1 17,0-52-32,0 35 15,17-18 1,-17-17-16,0 17 16,18 71 15,-18-89-31,0 36 15,0-17 1,0-19 0,0 1-16,0 17 31,0 18-15,0-35-1,0-1-15,0 54 16,-18-53-1,-70 35 1,-35-36 15,34-17-15,19 0 0,-18 0-1,-1-35 1,72 35-1,-71-35 1,70 35 0,-53 0-16,36 0 15,-18 0 1,-17 0-16,52 0 16,0 0-16,-105 0 31,17 0-16,71 0-15,-18 0 16,0 0-16,0 0 16,-18 0-16,36 0 15,-53 0 1,0 0 15,70 0-31,1 0 16,-1 0 31,0 0-32,36 0 79,35-36-78,53-34-1,-36 17-15</inkml:trace>
+  <inkml:trace contextRef="#ctx0" brushRef="#br0" timeOffset="4635.46">14764 2875 0,'0'18'15,"0"0"1,0 17-16,17 53 31,1-35-31,-18 53 16,18-53 0,-1 0-16,-17 0 0,18 17 15,0 18-15,-1 106 31,-17-70-31,35 123 16,-17-106 0,17 35-16,-17-17 15,0 0-15,-1 17 16,19 18-16,34 177 16,-35-177-1,1-18-15,-1 18 16,0-35-16,1 176 15,16 106 17,1-35-17,-35-36 17,-18 18-1,0-264-31,0-18 0,0 176 31,0 53-15,0 0 15,0-212-31,0 1 16,0-36-16,18 18 15,-18-18-15,0 106 16,0 53 15,0-159-15,0-35-1,0 18-15,0-1 16,0 107 0,0 17-1,0-141 1,0 0-16,0 17 15,0-17-15,0 0 16,0 53 0,0 17-1,0-87 17,0-54 14,0-35-46,17-194 16,-17 88 0</inkml:trace>
+  <inkml:trace contextRef="#ctx0" brushRef="#br0" timeOffset="7370.19">14534 2840 0,'18'0'16,"17"0"-16,1-17 16,-19 17-1,19 0-15,34-18 31,18 0-15,-17 1 0,-1-36-16,-34 53 15,52-18-15,-53 18 16,142-18 15,-107 1-15,-52 17-16,17 0 15,-17 0-15,-1 0 16,72 0 15,-54-18-15,-18 18-16,36 0 16,-17 0-16,69 0 31,-69-35-31,87 17 15,-70 1 17,-35 17-17,17-18 1,-17 18 0,123-18 15,-124 18-31,54 0 31,-18 0-15,0 0 15,-36 0 0,1 0-15,53 36-1,-18 87 1,-36-70 0,18 35-16,-35-53 15,18 54-15,123 563 32,-88-281-1,-35-195-31,-1 18 15,1 0-15,0-17 16,-18 17-16,88 582 31,-70-371-15,-1-246 0,1 18-16,-1-36 15,-17 0-15,0 0 16,0 0-16,0-18 15,36 142 1,-19-124-16,19 124 16,-19-124-1,-17-18-15,0 1 16,18 158 0,-18 0 15,0-88-16,0-123-15,0 105 16,0 212 15,18-317-15,-18-1-16,0 1 16,0-18-16,0 35 31,0 0-16,0-70 1,0 17-16,0 0 16,0 18-1,0 0 17,0-17-17,0-19 1,0 1-16,0 88 31,0-18-15,0-35-16,0 0 15,0 0-15,0-1 16,0 1-16,0 0 16,0-17-1,0 34-15,0-17 31,0-35-15,0 17 15,0 0-15,0-17-16,0 17 31,0-17-15,-18 17 15,-35-35-31,-53 18 16,-105-18 15,87 17-15,89 1-1,17-18-15,-17 0 16,17 0-16,-88 0 31,-17 0-15,70 0-1,-53 0 1,53 0 0,36 0-16,-1 0 31,-17 0-16,-1 18 1,19-18-16,-71 17 31,52 1-31,-70-18 16,54 0 0,16 18-16,-140-1 31,141-17 47,17-17-31,18-19-32,0 19 1</inkml:trace>
+  <inkml:trace contextRef="#ctx0" brushRef="#br0" timeOffset="8774.12">18891 2170 0,'36'70'16,"-72"-140"-16,72 211 0,-36-106 15,0 71 1,0 0-16,17 176 16,1-88-1,-1 18-15,1 17 16,35 300-1,18 247 1,-19-70 15,-16-353-15,-19-212-16,1 265 31,0-283-31,-1-17 16,-17 17-16,18-17 15,-18 141 1,0-123 0,18 228-1,17-34 17,-35-159-17,18-1 1,-1-105-1,-17 71 1,0-36 0,0 18-1,0-36 1,0 19 0,0-72-1,0 18-15,0 18 16,0 36 15,0-36-31,0 52 16,0-34-1,0-1-15,0-17 16,0 0-16,0 0 0,0 247 31,0-247-15,0 0-1,0 0-15,0 0 16,0-18-16,0 18 16,0 70 15,0-87-31,-17-1 16,17 0-1,0 106 16,0-105-15,0-19-16,0 1 31,0 17-15,0-70 62,35-53-62,35-71-16,19-88 15,-19-123-15</inkml:trace>
+  <inkml:trace contextRef="#ctx0" brushRef="#br0" timeOffset="10899.7">19068 2240 0,'17'18'93,"19"-18"-77,52 0-16,0 0 16,71 18-1,-36-1 17,-70-17-32,0 18 15,-35 0 16,-18-1-15,0 36 0,35 124-1,-35-1 17,35 194-1,-17-246-31,17 140 15,0 19 1,1-1 0,17 229 15,-1-87-15,1-89 15,0 0-16,-35-247 1,-18-17-16,0 35 16,0 105-1,0 72 1,0 16 0,18 195-1,-18-317 1,0-19-16,0-16 15,35 122 1,-17-140-16,17 87 16,0 89 15,-17-194-15,-18-18-16,17 18 15,1 88-15,17 0 31,1-35-15,-1 17 0,-35-141-1,0 1-15,0 17 16,0-18 0,0-17-1,0-1 1,17-17-1,-17 35 79,0-17-78,-17-18-1,-89 18 17,53-18-32,-35 53 15,70-53 1,-17 17-16,17-17 0,-35 53 31,36-53-15,-36 18-1,18 17 1,17-17 0,0-1-16,-17 1 31,17-18 47,18-18-78,0-17 16,0-53-16,0 35 15,0 0-15,0-70 16</inkml:trace>
+  <inkml:trace contextRef="#ctx0" brushRef="#br0" timeOffset="11997.64">21378 2893 0,'0'0'0,"0"35"16,0 1 0,0 17-16,0-1 15,0 37-15,0 193 31,18-53-31,17 36 16,-17-1-16,0 19 16,70 352-1,0 194 17,-70-582-32,-1-36 15,1 1-15,17 141 16,-35 141 15,0-353-31,0 141 16,0 0 15,18-141-31,-1 212 31,-17-230-31,18 1 16,-18-1-16,18-34 15,-1 16-15,1 89 16,0 71 15,-1-124-15,1-35 0,-18-71-1,0 36 1,0-54 15,0 1-15,0 35-1,0-18 17,0-52 14,0-1-46,0-53 16</inkml:trace>
+  <inkml:trace contextRef="#ctx0" brushRef="#br0" timeOffset="13936">21608 3140 0,'-18'-18'31,"18"1"-15,0-1-1,0 0 17,0 1-32,0-1 15,0 1 1,0-19-16,0 19 15,35-19 1,53 1-16,-35 0 0,18 17 16,70-70 15,-88 70-31,141-105 16,-88 70 15,0-18-16,-89 71 1,1 0-16,0-17 16,-1 17-16,1-18 15,-1 18 1,19-18 15,-19 18 16,1 0-47,17 18 16,-35 53-1,0-36-15,18 106 16,17 53 15,1 300-15,-19-282-1,1 17-15,35 36 16,-18-19-16,0 19 16,71 282-1,-35-318-15,35 230 16,-54-265 0,-16 0-1,-1-35-15,-17 17 0,35 106 16,-1 124 15,-34-283-31,0 18 16,-1 18-16,1-35 15,0-18-15,17 123 16,18 71 15,-36-212-31,1 18 16,0 0-16,-18-18 15,0 18-15,17 35 32,-17-71-32,0-17 0,18 53 31,-18-71-31,18 53 16,-18-35-1,17 36 1,-17-54-1,0 0 1,0-17-16,0 35 16,0 0-16,0 0 15,0-18-15,0 0 16,0 53 0,0-52-16,0-19 15,0 18 1,0-17-1,0 0 32,-35-18-31,-36 17 0,-228 19-1,158-19 1,-54 1-16,19 17 15,0 18-15,-265 0 32,353-53-17,70 0-15,0 0 16,1 0 15,-1 0-15,0 0-16,1 0 47,-1-18-16,0 18-15,18-17-16,0-18 15</inkml:trace>
+  <inkml:trace contextRef="#ctx0" brushRef="#br0" timeOffset="15521.77">23971 3017 0,'18'35'32,"-18"-18"-32,0 72 15,18 17 1,-1 70 15,1-53-31,-1 142 16,-17-124-1,0 18-15,18-18 0,17 353 32,18 229-1,-53-511-15,0-36-16,36 177 15,16 88 16,-34-318-31,17 124 16,1-17 0,52 704 46,-88-810-62,18-1 16,-18 1-16,0-18 15,17-1-15,-17-16 16,0-1-16,0-18 16,0-17-16,0 0 15,0-17-15,0-1 16,0-18-16,0 19 16,0 17-16,0-36 15,0 1-15,0 0 16,0 17-16,0 0 15,0-17-15,0-1 16,0 1-16,0 0 16,0 17-16,0 0 15,0 18-15,0-18 16,0 1-16,0-1 16,0-17-16,0 17 15,0-17 95,0-1-95,0 1 32,0-71-31,0-35-16,0 35 15,0-53-15</inkml:trace>
+  <inkml:trace contextRef="#ctx0" brushRef="#br0" timeOffset="22379.58">24201 3087 0,'0'-35'62,"17"35"-62,1 0 0,-1-18 16,19 1-1,-19 17-15,125-36 32,-107 19-17,0 17 1,36 0-1,17-18 17,-53 18-32,-17 0 15,52-18 17,-52 18-17,0 0 48,-1 0-48,-17 18-15,0 0 16,18 35 0,-18 17-1,0-35-15,0 124 31,0-71-31,0 18 16,0 123 0,35 230 15,-17-265-31,52 194 16,36 265 15,0-247-16,-18 17 1,53 318 15,-123-600-31,17 18 16,-17-18-16,17 106 16,18-53-1,-18-124 1,-35 36-16,36 53 15,17 35 17,-36-124-32,-17-17 15,18 0-15,-18 0 16,17 18 0,-17-54-16,18 54 31,-18-1-16,0-52-15,0 0 16,0 17-16,0 18 16,0 88 15,0-106-31,18 53 16,-18-35-1,0 18-15,0 158 31,0-141 1,0-52-32,17 70 15,-17-18 1,0-18 0,0-17-16,0 0 15,0-18 1,0-17 140,-17-18-140,-19 0-1,-34 0 1,-18-18-16,35 18 16,0 0-16,18 0 15,-1 0-15,19 0 16,-19 0-16,-17 0 15,-52 0 1,-1-17 0,-53 17 15,106 0-31,0 0 16,0 0-16,36 0 15,-1 0-15,18-18 219,-18 18-172,1 0-32,17-18-15,-18 1 16,0 17-16,1 0 16,-18-18-16,17 18 31,0-17-15,1-1-1,-1 18 1,-17-53-1,17 18 1,0 17 0,18 0-1,-35-52 1,35 52-16,0 1 16,0-19-1,0 19 1,0-1 15</inkml:trace>
+  <inkml:trace contextRef="#ctx0" brushRef="#br0" timeOffset="26963.17">9966 4181 0,'35'17'94,"-35"1"-78,0 0-16,0 35 15,0-18-15,0 0 16,0 18-16,0 0 16,0 0-16,0 123 47,0-158-47,0 17 15,0-17-15,0-1 31,0 1-15,0 35 15,0-35 16</inkml:trace>
+  <inkml:trace contextRef="#ctx0" brushRef="#br0" timeOffset="28977.99">10037 4234 0,'0'-18'187,"17"18"-140,-17 18-31,18-18-1,-1 35 1,1-17-16,-18-1 47,18 1 31,-1 17-78,-17 0 15,18-35-15,0 53 16,-1-17-16</inkml:trace>
+  <inkml:trace contextRef="#ctx0" brushRef="#br0" timeOffset="29672.17">10301 4163 0,'0'35'47,"0"-17"-47,0 17 16,0 53-1,-18-35-15,-17 18 16,0 0 15,0-36-15,35-70 124,0 17-124,0-53-16</inkml:trace>
+  <inkml:trace contextRef="#ctx0" brushRef="#br0" timeOffset="30421.15">10301 4057 0,'18'18'31,"-1"-18"-15,-17 18 0,0-1-1,18 1-15,-18 35 16,0 35-1,0 53 17,0 35-1,0-123-31,0 18 16,0-18-16,0 35 15,0-35 16,0-35-31,0 34 16,0-34-16,0 0 16,0-1 15,0 1-15,0 17-1,0-17 1</inkml:trace>
+  <inkml:trace contextRef="#ctx0" brushRef="#br0" timeOffset="31211.2">10213 5698 0,'0'17'47,"0"19"-31,18-1-16,-18 0 15,0 18-15,0 18 16,0-36-16,0 229 31,0-140-15,0-53 0,0-19-1,0-16 1,0-19 31,0-34 15,0-1-46</inkml:trace>
+  <inkml:trace contextRef="#ctx0" brushRef="#br0" timeOffset="31934.61">10336 5627 0,'18'0'31,"0"35"-15,-18-17-16,35 141 31,-35-106-31,0 70 16,0-70-1,0 0-15,0 0 16,0 0-16,0-18 15,0 71 17,0-71-1,0-17-15,0 0-16,0 17 31,0-18-16</inkml:trace>
+  <inkml:trace contextRef="#ctx0" brushRef="#br0" timeOffset="32591.25">10195 6315 0,'18'0'78,"0"-35"-62,34 17-16,1-17 31,-35 35-15,35-18 0,-35 18-16,-1 0 156</inkml:trace>
+  <inkml:trace contextRef="#ctx0" brushRef="#br0" timeOffset="33782.23">10372 7532 0,'17'-18'31,"1"18"-15,-18 18-1,0 0-15,0 70 32,0 18-17,0-18 1,-18-53 15,18-17-15,0 0 124,18-18-124,17 0 0,-17 0-16,17 0 15,0 0-15,18-18 16,0-17 15,-35 17-31,0 18 156,-18 18-140</inkml:trace>
+  <inkml:trace contextRef="#ctx0" brushRef="#br0" timeOffset="35250.73">10495 9014 0,'0'-18'15,"18"18"16,-18 35-15,0-17 0,0 17-16,0 18 15,0 0-15,0 35 16,0 1 15,0-54-31,0 0 16,0-17 31,0-54-32,0 1 1,0-35 0,0 17-16,0-212 31,0 212-31,0 18 15,0 17 1,0 1 0,0 34 109,17 1-125,1 35 15,0-35-15,-18-1 16,35 54 0,-35-36-1,35 0-15,-35-17 47,0-36 94,0-17-126,0-36-15,0 36 16,0-53-16,0-88 31,36 17-15,-36 53-1,17 71 1</inkml:trace>
+  <inkml:trace contextRef="#ctx0" brushRef="#br0" timeOffset="37574.91">14887 1482 0,'0'18'63,"18"17"-48,-18 0-15,0 0 16,17 18-16,-17 0 16,0 212 15,0-212-31,0 0 16,0 0-1,0-36 63,0-34-62,0-19-16,0-17 16,0 1-16,0-1 15,0-89 16,0-69-15,0 87 0,0 107-1,0-19 63,18 19-62,0 34 0,-1 1-1,1 17-15,0 18 16,-1-35-16,1 17 16,0 18-1,-18 53 1,35-18-1,-35-35 32,0-71 47,0-17-94,0 0 0,0-18 16,0-18-16,35-105 31,-35 70-31,18 18 16,-18 35-16,17 0 15,1 35 63,0 36-62,-18 17 0,35 124-1,-17 53 16,-18-89-15,17-87 0,-17-19-16,0 18 31</inkml:trace>
+  <inkml:trace contextRef="#ctx0" brushRef="#br0" timeOffset="39173.08">18732 1447 0,'0'17'47,"0"36"-47,0-17 16,0 34-16,0-17 15,0 18 1,0 158 0,0-159-1,0 19 1,0-54 0,0-53 93,0-35-93</inkml:trace>
+  <inkml:trace contextRef="#ctx0" brushRef="#br0" timeOffset="39860.26">18962 1376 0,'0'0'0,"17"53"16,1-18-16,-18 18 16,18 0-16,-18 0 15,17 35 1,-17-35 0,0-35-16,0 17 15,0 0 95</inkml:trace>
+  <inkml:trace contextRef="#ctx0" brushRef="#br0" timeOffset="40659.67">18768 1747 0,'0'-18'94,"53"18"-63,0-18-31,-18 18 16,0-17-16,0-19 15,-17 36 1,53-35 15,-54 35 125</inkml:trace>
+  <inkml:trace contextRef="#ctx0" brushRef="#br0" timeOffset="41730.75">21572 1570 0,'0'18'46,"0"52"-30,0 1-16,0-1 16,0 1-16,0 0 15,0 140 17,0-140-32,0-36 15,0 0-15,0 1 16,0 17 15,0-36 110,18-17-126,35 0-15,17 0 16,36 0-16,18-17 16,-1-1-16,89 18 31,-159 0-16</inkml:trace>
+  <inkml:trace contextRef="#ctx0" brushRef="#br0" timeOffset="43197.84">24359 1747 0,'0'17'31,"0"1"-31,18 176 32,-18-124-32,0-34 15,0-1 1,0 18-16,0 0 0,0 17 16,0 1-16,0 52 31,0-105-16,0-53 79</inkml:trace>
+  <inkml:trace contextRef="#ctx0" brushRef="#br0" timeOffset="43970.13">24377 1923 0,'0'-18'16,"18"18"15,-1 18-31,1 17 15,35-17-15,0 70 16,88 36 15,-124-89-15,36 18 0,-35-36-1,0-17 95,-18-35-95,0-18-15,0-17 16,0-1-16,0-176 31,0 194-31,0-17 16,0 17-16,0 35 15,-18-35-15,18 18 32,0 17 77</inkml:trace>
+  <inkml:trace contextRef="#ctx0" brushRef="#br0" timeOffset="51615.26">15752 3546 0,'0'17'47,"0"19"-31,0 17-1,0-18-15,0 35 16,0-17-16,17 0 15,1 0-15,-1 0 16,-17 18-16,18 17 31,0-53-31,-18-17 16,0-1-16,17 19 16,-17-19-16,0 19 31,0-19-16</inkml:trace>
+  <inkml:trace contextRef="#ctx0" brushRef="#br0" timeOffset="53487.61">19315 3087 0,'17'0'46,"-17"18"-30,0-1-16,0 19 31,0-1-31,0 0 16,0 1-16,0 16 16,0-34-16,0 0 15,0 17 1,36 53 15,-36-70 0,17 17-15,-17-17 15,18-18-15,-1 0 62,1 0-62,17 0 15,-35-18-16,18 0 1,-18 1-16,0-36 31,18 18-15,-18 17-16,35-35 16,-35 18 15,0 17-16,18 1-15,-18-1 32,0 0-17,0-17 1,0 17-16,0 1 16,0-1-16,-18-17 15,0 17 48,1 18-16,-19 0-32,19 0 16,-1 0-15,0 0-16,1 0 16,-1 0 31,1 0-32,-1 0-15,0 0 156</inkml:trace>
+  <inkml:trace contextRef="#ctx0" brushRef="#br0" timeOffset="54703.19">22049 3422 0,'0'53'31,"0"-35"-31,0 35 16,0 88 15,0-88-15,0-36-1,0 19-15,0-19 16,0 1 15,0 0-15,35-18-1,-17 35 1,34-35 15,-34 0-31,17 0 16,18 0 0,-17-18-1,-19-17 16,-17-36 1,0 54-32,0-36 15,0 35 1,0 1-16,0-1 16,0-17-16,0 17 15,-53-88 1,0 71 15,36 35-15,-1 0 93,0 0-78,18 18-31,-17-1 16</inkml:trace>
+  <inkml:trace contextRef="#ctx0" brushRef="#br0" timeOffset="56136.49">24342 3475 0,'0'0'0,"0"18"47,0-1-47,0 19 16,0-19-1,0 1-15,0 17 16,0 1 0,17 34-1,1-52 1,-18-1 0,18 1-1,-1-18-15,1 18 31,-18-1-15,0 1 0,18-18-1,-18 18-15,17-18 16,1 0-16,-1 0 16,1 0-16,17 0 15,-35-18 63,0 0-78,0 1 16,0-1 0,0-35 15,0 35-31,0-17 0,0 18 15,-17-19 1,-1 1 15,0-18-15,1 18 15,-18 0-15,17 35 62,0 0-78,1 0 16,-1 0-16,0 17 46,1-17-14</inkml:trace>
+  <inkml:trace contextRef="#ctx0" brushRef="#br0" timeOffset="58115.1">15928 5027 0,'-18'0'16,"18"18"-16,-17 0 15,-1-1-15,18 1 16,0 88 15,0-89-31,0 19 31,0-1-31,0-17 16,0 17 15,35-17 1,18-18-17,-35 0-15,17 0 16,18 0-1,0-18 1,-18 0-16,0 18 31,-17-17-31,0-1 16,-18 0-16,0 1 16,0-1-1,0 0-15,0 1 16,0-1-16,0 1 31,0-36 0,0 35-15,0 0 0,0-17-1,-36 0-15,-34 17 16,70 0-1,-35 18 1,-18 0 0,35 0-1,-17 0 1,0 0-16,17 0 78</inkml:trace>
+  <inkml:trace contextRef="#ctx0" brushRef="#br0" timeOffset="59367.39">19526 4604 0,'0'18'62,"18"17"-46,-18 18-16,0 17 16,18 19 15,-18-72-31,17 54 31,-17-18-15,0-36-1,0 1 1,0 0 0,0-1-1,0 1 1,0 17-16,0 1 31,0-19-15,0 1-1</inkml:trace>
+  <inkml:trace contextRef="#ctx0" brushRef="#br0" timeOffset="60811.18">21943 4974 0,'17'0'63,"1"0"-63,-18 18 15,0 17 1,0-17-16,0 17 16,0 18-16,0 18 15,18-18 1,-18 0 0,35-36 15,-17 1-31,-1-18 15,19 18 1,-1-18-16,0 0 16,71 0 15,-71-18-31,18-17 31,0-1-15,-35 19-1,-18-36 17,0 35-17,-18 1-15,0-1 16,1-17-16,-19-36 16,-34 18-1,35 35 16,17 1-31,0 17 16,-17 0 0,17 0-1,1 0 1,-1 0-16,1 0 31,-19 0 47,19 17-46,17 1-17,-18 0 1,0-1-1,1-17 1,-1 0-16</inkml:trace>
+  <inkml:trace contextRef="#ctx0" brushRef="#br0" timeOffset="62224.02">24412 4728 0,'0'17'47,"0"1"-31,0 35-1,0 0 1,0-18 0,0 18-1,0-18 1,18-17-1,0-1 32,-1 1-15,-17 0-32,18-18 31,17 0-16,-17 0 17,-1 0-32,19-18 15,-19 18 1,-17-18 15,0-35-15,0 36-1,0-18-15,0 17 16,0-17-16,0-1 31,0 19-31,0-36 16,-17 35 0,-1 1-16,-17-19 15,17 19 1,0 17 62,18 17-47,0 1-31,0 17 16,0-17-1,-17 17-15</inkml:trace>
+  <inkml:trace contextRef="#ctx0" brushRef="#br0" timeOffset="63066.72">22366 6597 0,'18'18'31,"-1"0"-15,1 17 0,17 124 15,-35-107-31,0 1 16,18 18-16,-18 0 15,18 34 16,-18-69-31</inkml:trace>
+  <inkml:trace contextRef="#ctx0" brushRef="#br0" timeOffset="64319.3">24500 6192 0,'0'-18'0,"0"36"31,0-1-16,0 1-15,0-1 0,0 19 32,0-19-32,0 36 15,0-17 1,18-19 0,0 1 30,17-18-30,0 0 0,-17 0-16,0 0 15,-1 0-15,1-18 16,35 1 15,-36 17-31,1-18 16,0 0-1,-1 1-15,1 17 16,-18-36-16,0-17 31,0 18-15,0 18 0,0-19-16,-18 36 15,-17-70 1,-36 34-1,-17 36 17,71 0-32,-1 0 15,0 0-15,1 0 16,-1 0-16,-17 53 31,17-17-15,1-19-1,17 1 1,0 0 0,0-1-1,-18 1 32</inkml:trace>
+  <inkml:trace contextRef="#ctx0" brushRef="#br0" timeOffset="65683.62">19738 6721 0,'0'17'15,"0"1"1,0 53 15,0-54-31,-18 36 16,18-18-16,0-17 16,0 35-1,0-35 1,0-1-1,18-17 48,17 0-47,0 0-16,1-17 15,17-19 1,-18 1-1,-17-18 17,-18 35-32,0 1 15,0-1 1,17 1 0,-17-1-16,0-17 0,0 17 15,0 0 16,0 1-15,0-1-16,0 0 31,0-17-15,-53 35 0,36 0-1,-54 0 1,1 0-16,52 18 15,-70 17 17,52-35-32,1 0 15,18 0-15,-1 18 32,0-18-17</inkml:trace>
+  <inkml:trace contextRef="#ctx0" brushRef="#br0" timeOffset="66822.73">16157 6950 0,'-17'0'15,"-1"0"-15,-35 18 16,53-1 0,-18 36-16,18-17 15,-17-19-15,17 36 16,0 0 15,0-18-15,0-17 31,35-18-32,18 0-15,53 0 31,-18-18-31,71-52 32,-124 52-32,18 0 15,-35-17-15,-1 35 16,1-17 0,-18-19 15,0-17-31,0 36 15,0-19 1,-18 1-16,-52-18 31,52 36-31,-53-1 32,-52 18-17,88 0-15,17 18 16,-53 34-1,1 1 17,35-35-32,17-18 15,-17 35 1,35-17 15</inkml:trace>
+  <inkml:trace contextRef="#ctx0" brushRef="#br0" timeOffset="68102.13">16387 8520 0,'0'18'15,"0"-1"1,0 1-16,0 105 31,-18-17 1,0 0-17,18 53 1,0-124-1,0 0-15,0-17 16,0 17 0,18-17-16,17-18 15,142-35 17,17-54-17,-141 36 1,-53 18-1,0 0-15,0-18 32,0 18-32,0-18 15,0 35 1,0-17-16,0-18 0,-18 18 31,-53-18 0,54 35-31,-36 18 16,17 0 0,1 0-16,-88 18 31,-18-1-15,88 19 15,0 17-16</inkml:trace>
+  <inkml:trace contextRef="#ctx0" brushRef="#br0" timeOffset="69218.96">19579 8485 0,'0'-18'16,"18"53"0,-18 36-1,0-54 1,0 72 0,0-19-1,0 1 16,0-54-15,0 19-16,88-19 31,-70-17-31,17 0 16,18 0 0,17 0-16,-17 0 15,35 0 1,-17-35-16,-36 0 15,1-1 1,-36 1 0,0 0-1,-18-71 17,0 88-17,-17 1-15,35-18 16,-53 35-1,18 0-15,0 0 16,17 0-16,-35 0 16,18 0-16,-1 17 31,19-17-31,-18 0 16,35 18 15</inkml:trace>
+  <inkml:trace contextRef="#ctx0" brushRef="#br0" timeOffset="70455.7">22207 8502 0,'0'18'31,"0"0"-31,-17-1 16,-19 1-16,19 35 15,-1-18 17,1-17-17,17 17 1,0-17-16,0 17 15,0 35 1,0-52 0,0 0-16,52-18 47,-34 0-47,35 0 0,-18-18 15,-35 0-15,36-17 16,34 0-16,-70 17 15,35 1-15,-17-36 32,-18 35-17,0-17 1,0-1 0,0 19-16,0-18 15,0 17 1,0-35 15,-18 35-31,-17 18 0,0-17 16,0 17-16,17 0 15,-53 0 1,-17 0 15,71 0-31,-19 0 16,19 53 15,17-36-15,0 1-1,0 0-15,0-1 16,0 1-16,0-1 16,0 19-1</inkml:trace>
+  <inkml:trace contextRef="#ctx0" brushRef="#br0" timeOffset="73930.99">25047 8555 0,'0'18'94,"0"35"-79,0 0-15,18 0 16,-18-1-16,17 1 16,-17 71-1,18-89 1,-18 18-1,18-18 1,-18-17 0,0 0-1,17-18 1,-17 17 0</inkml:trace>
+  <inkml:trace contextRef="#ctx0" brushRef="#br0" timeOffset="87441.18">18785 12101 0,'0'17'47,"0"1"-31,0 52-16,0-34 15,0 17 1,0 35-16,18 176 16,0 89-1,35 511 16,-53-652-15,17 0-16,-17-1 16,18-16-1,-18-19-15,0 283 16,0-354 0,0 19-1,0-1-15,0-17 16,0 35-16,0 124 15,0-124-15,0 212 32,0-159-17,0 17 17,0-87-17,0-71 1,0-36-1,0 1 17,0-36 30</inkml:trace>
+  <inkml:trace contextRef="#ctx0" brushRef="#br0" timeOffset="88451.7">18150 16651 0,'53'0'47,"36"0"-32,-37 0-15,72 0 16,17-35-16,53 0 15,0 0-15,-18-1 16,424-17 0,123 36 15,-282 17-15,-229 0-1,229 0-15,35-36 31,124 1-15,-18-18 0,-106 0 15,-370 53-15,141-17-1,-88-1 1,211 18 15,-282 0-15,-17 0-16,35 0 15,0 0 1,-1 0 15,-69 0-31,52 0 16,-70 0-1,-1-18 32,1 18-47,0 0 32,-1 0-32</inkml:trace>
+  <inkml:trace contextRef="#ctx0" brushRef="#br0" timeOffset="89471.07">19914 16193 0,'0'0'0,"0"17"16,0 36-16,18-17 15,-18 105 17,0-71-32,0 36 15,0-35-15,0 158 32,0-211-17,18-1-15,-18 1 16</inkml:trace>
+  <inkml:trace contextRef="#ctx0" brushRef="#br0" timeOffset="90229.67">23795 15946 0,'0'35'16,"0"0"-16,0 18 15,0-17-15,0 158 32,0-106-17,0-71 1,0 19-16,0 34 15,0 89 1,0-88 0,0-18 15,0-36 16,0 1-16</inkml:trace>
+  <inkml:trace contextRef="#ctx0" brushRef="#br0" timeOffset="91460.25">23495 16246 0,'0'0'0,"35"17"0,71 19 16,35 17-1,141 88 17,-211-106-17,-36-35 17</inkml:trace>
+  <inkml:trace contextRef="#ctx0" brushRef="#br0" timeOffset="91859.85">23848 16122 0,'0'36'0,"0"16"16,-18 1-16,0 18 15,-17 17 1,-53 53 15,17-53-15,54-17-1,-1-36 1,1-17 46</inkml:trace>
+  <inkml:trace contextRef="#ctx0" brushRef="#br0" timeOffset="93298.56">22348 12612 0,'18'0'16,"0"0"-1,70 0-15,18 18 16,-53 17-16,476 177 31,-335-142-31,0 1 16,-35-1-16,123 19 15,-176-72 17</inkml:trace>
+  <inkml:trace contextRef="#ctx0" brushRef="#br0" timeOffset="93720.55">23460 12789 0,'-18'52'16,"-35"72"-1,18-71-15,0 35 16,-36 141 15,36-88-15,35-123-1,-18 17-15,18-17 16</inkml:trace>
+  <inkml:trace contextRef="#ctx0" brushRef="#br0" timeOffset="95206.56">19650 15681 0,'17'0'47,"54"0"-47,17 0 15,18 0 1,35 0 0,-123 0-1</inkml:trace>
+  <inkml:trace contextRef="#ctx0" brushRef="#br0" timeOffset="95574.3">19950 15470 0,'-18'0'0,"18"17"16,-18 19-16,18 16 16,-35 1-16,-18 88 46,53-105-46,0-19 16,0 1 0,0 0-16,0-1 47</inkml:trace>
+  <inkml:trace contextRef="#ctx0" brushRef="#br0" timeOffset="96183.53">18486 15893 0,'176'-35'16,"-70"-1"-16,-36 1 15,36 17 1,-18-17 0,-70 35-16,35-17 31,53-19-16</inkml:trace>
+  <inkml:trace contextRef="#ctx0" brushRef="#br0" timeOffset="97449.71">19738 15787 0,'18'-35'78,"52"-18"-78,-52-18 16,17 18-1,0-17-15,18 35 16,35-71-16,18-53 16,-35 106-1,-18-35-15,53 35 16,88-70 15,-124 87-31,18-17 16,18 18-16,-35 17 15,52-34 1,-17-1-16,-18 0 0,124-53 16,52-53 15,-17-17-15,-88 52 15,106-17-16,-71 18 17,-106 52-17,-53 53 1,177-105 15,-106 70-31,-18 0 16,0-35-1,53-53 17,18 17-17,-106 54 17,17 17-32,-17 18 31,53-36-16,-35 1 1,-36 52 15,18-35-15</inkml:trace>
+  <inkml:trace contextRef="#ctx0" brushRef="#br0" timeOffset="100567.14">23760 18151 0,'0'-18'110,"0"0"-95,88-52 1,0 70 0,-35-18-16,17 1 15,54-1-15,-1-17 16,36-18 15</inkml:trace>
+  <inkml:trace contextRef="#ctx0" brushRef="#br0" timeOffset="101239.78">24130 17816 0,'35'0'16,"18"0"0,18 17-1,105 19 17,-105-19-32,17-17 15,-70 35 79,-18-17-78,0 0-16,0 17 15,0 36 1,0-19-16,-18 1 0,0-17 15,-17 52 1,0-53 15,52-88 63</inkml:trace>
+  <inkml:trace contextRef="#ctx0" brushRef="#br0" timeOffset="102539.97">25206 17410 0,'0'18'16,"0"17"-1,0 18-15,0 53 16,18 88 15,-1-89-15,-17-87-1,0 0 17,0-36 30,0-35-46,0 18-1,0-18-15,-17-71 16,-1 19 0,0-54 15,18 141-16,0-17 1,18 53 47,53 35-48,-1 70 16,-35-70-31,1 0 16,-1-18 0,0 0-16,0 18 31,-35-70 47,0-19-62,0 1-16,0-18 15,0 18 1,0-106 0,0 0-1,0 17 1,0 107-1,18 17 1,0 0 62,-1 35-78,36 35 16,-53-34-16,18 17 15,17 17-15,-17-17 16,52 71 0,-34-19-1,-1 1 1</inkml:trace>
+  <inkml:trace contextRef="#ctx0" brushRef="#br0" timeOffset="108191">27693 11078 0,'-71'0'16,"1"17"0,-36 18-16,0 1 15,-123 34 1,106-70-1,-19 53-15,-52-35 16,-335 35 0,124 0-16,-689 53 31,406-36-31,0 18 16,-18 18-16,107-18 0,-1 0 15,53 1-15,36-1 16,-795 141-1,266-52 17,511-125-17,-71 37 17,476-72-32,-34-17 15,140 0 1,-35 0 15,-106 0 0,89 0-31,-36 0 16,-18 0-16,19 0 16,-89 0-1,88 0-15,53 0 16,-88-17 15,88-1-15,18 0-1,-1 1-15,-52-36 32,70 35-17,1 18-15,-1-35 16,-17-18-1,-53-53 17,35-70-1,-18-54-15,54 125-1,-1-19-15,-17-17 16,17-18-16,0-52 15,-17-424 1,35 194 0,0 194-1,0-35-15,0 52 16,0-52-16,0-776 31,-18 793-15,1-194-1,-1 36 1,-52-159 15,52 423-31,0-193 16,-17-1 0,17 71-1,18-18 1,-35-247 15,18 406-15,17 17-16,-18-17 15,0 0-15,1 18 16,-1-1-16,0-17 16,-52-282-1,17 35 16,18 123-15,-1 18 0,-17-18-1,-52-352 17,87 476-32,0 18 15,1 17-15,-19-18 16,19 18-16,-19-70 31,36 141-31,0 17 16,0 0-16,0 36 109,36 53-93,17-71-1,70 35 1,106 18 0,142-18-1,352 0 1,-458-35-1,17 0 1,688 0 0,-582 0-1,-53 0-15,53 0 16,335 0 0,71 0-1,-353 0 1,-194 0-1,-35 0-15,17-17 16,724-19 15,-689 36-31,212-35 32,-264 18-32,317-1 15,-264-17 1,-1 35 15,142 0-15,35-36-1,-317 36 1,-1-17 0,-35 17-16,-53 0 15,18 0-15,-17 0 16,17 0-16,-18 0 15,18 0 1,-36 0 140,-17 17-140,0 36-16,0-17 16,0 16-1,53 125 1,71 211 15,-89-247-31,71 177 16,-36-1-1,-52-141 1,0-17-16,52 176 16,19 212 15,-37-353-31,-16 0 15,-19 0-15,1-17 16,35 193 0,0-35-1,-18 0 1,71 142 15,-71-336-31,36 141 16,-18-141-1,-18 0-15,0-17 0,36 158 16,-36-159 0,0 1-16,36 176 31,-18-89-15,-18 36-1,-17-123-15,52 140 16,18 89 15,-52-106-15,-19-124-1,19 71 1,-1 1 0,0-90-1,-17-34-15,88 282 31,-89-300-31,-17-18 16,36 35 0,-36-17-1,17 53 1,1-53 15,-18-35-31,18 35 16,-18-36-16,0 19 15,17-1 1,-17 0 0,0-17-1,0 17-15,53 53 32,-18 124-1,-17-142-31,17 72 15,-17-54 1,17 53 15,-35-88 1,0-18-17,0-17 32,18-18-31</inkml:trace>
+  <inkml:trace contextRef="#ctx0" brushRef="#br0" timeOffset="109195.8">27111 4004 0,'0'53'0,"0"18"16,18 17 0,17-17-16,-17-1 15,-18-17-15,35 53 16,-35-36 0,17 1-16,1-18 15,35 106 1,0 52-1,-53-193 1,18 0 15,-18-1 1</inkml:trace>
+  <inkml:trace contextRef="#ctx0" brushRef="#br0" timeOffset="109970.16">27252 3916 0,'18'0'0,"-1"0"16,19 0 0,-1 0-1,18 35 16,-53-17-31,70 106 16,-52-72-16,35 90 31,-18 16-15,-35-87 0,0-18-16,0 0 15,18 0-15,-18 0 16,0 35-1,0 35 1,-35-35 15,-18-17-31,0 17 16,0-17 0,0-18 15</inkml:trace>
+  <inkml:trace contextRef="#ctx0" brushRef="#br0" timeOffset="111063.25">27852 4287 0,'17'0'31,"1"0"-31,0 70 31,-18 18-31,17 18 16,1-35 0,0-1-1,-18-34 1,0-19 0,17 18-1,19-35 95,-36-17-95,0-1 1,17-17-16,-17 0 0,0 17 15,0-17 17,0-18-32,0 18 15,0-36 1,0 0 15,18 89 79,-1-18-110,19 71 15,-19-54-15,1 19 16,0-1-1,17 0 17,-35-70 93,18 35-110,-18-35-15,0 17 16,0 0 0</inkml:trace>
+  <inkml:trace contextRef="#ctx0" brushRef="#br0" timeOffset="112167.77">28205 4304 0,'17'18'31,"1"35"-31,0-18 16,-1 36-1,1-18 16,-1-36-31,-34-17 141,17-35-125,-18-18-16,1 35 15,17 1-15,0-36 16,0-18 0,0 36-1,0 0 16,0 17 1,17 0-1,36 18-15,-35 18-16,17 17 15,0 36 16,-17-36-31,0 18 16,-18-18 15,0-52 47,0-1-62,0-35 0,0-53-1,0 71-15,0-71 16,0 89 0,0-19-1,17 54 63,18 35-78,-17-18 16,0-17-16,-1 17 16,-17-17-1,0-1 1,0 1 15</inkml:trace>
+  <inkml:trace contextRef="#ctx0" brushRef="#br0" timeOffset="114650.04">28787 4428 0,'-18'-18'47,"18"-35"-16,-18 18-31,1 0 16,17-1 0,0 19-1,0-1 1,17 18 203,-17 18-204,18-1 16,-18-34 79,0-1-95,0 0-15,0-35 16,0 1-16,0-37 31,0 54-15,18 35 31,-1 0-32,1 18 1,0-1 0,17 36-16,-35-35 15,35 0-15,-17-18 32,-18 17-17,0 1 1,17-1-16,-17 1 15,18-18 1,0 0 78,17-18-79,-35-34-15,53-19 16,-53 53 0,35-35-16,-35 18 15,0 0 1,35 17-16,-17 18 62,17 0-46,-17 0 0,0 18-16,17 17 15,18 0 17,-18-17-17,-17 0 16,-1-18-15,1 0 31,0-18-31,-1-52-1,1 34 1,-18 1-1,0 0 1,0 17-16,0 0 16,35 36 62,-17 0-63,-18-1 1,35 36 0,-35-17-16,18-19 15,-1-17 63,1-17-62,0-1 0,-18-17-1,0-18-15,0 17 16,0 19 0,0-19-16,17 72 93,1 34-77,0-34-16,-1 34 16,19 1-1,16 105 1,90 159-1,-54-53 17,-53-211-32,0-18 15,-17 35-15,-18-35 16,18 18-16,-1 87 16,-17 1 15,0-106-16,0-35 17,-35-18-1,-71-106-15,71-18 15,-18 54-31,35-89 15,18-17 17,0-18-17,0 70 17,0 71-32,18-88 15,0 88 1,-18 36-16,0-1 15,0 0-15,0-35 32</inkml:trace>
+  <inkml:trace contextRef="#ctx0" brushRef="#br0" timeOffset="-103773.9">19932 17375 0,'0'35'16,"0"-17"-1,0 17-15,0 0 16,0-17-16,0 35 15,0-18 1,0-17-16,0-1 0,0 18 16,0-17-1,0 0-15,0-1 16,18-17-16,-18 18 16,35 0 15,-35-1-31,17 1 15,-17 0-15,36-18 16,-19 0 0,1 0-1,17 0-15,-17 0 16,53 0 0,-19-18-1,-16-17 1,-36 17-16,17-17 15,1 17-15,-18-35 16,0 0 0,0-17-1,0 17 1,0 18 0,0 17-16,0-17 15,0-1 1,-18-17-1,18 36-15,-17-1 0,-1 1 16,0 17 0,1-18-16,-1 18 15,1 0 1,-1 0-16,0 0 16,1 0-16,-1 0 15,0 0 1,-17 18-16,17-18 15,18 17-15,-53 18 16,36-17 0,17 0-16,-35-1 15,-1 36 1,19-17-16,-19-19 16,19 1-16,-1 17 15,-17 18 16,17-18-15,18-17-16,-17-18 16,17 35 46,0-17-46,17-18-1,18 0-15</inkml:trace>
+  <inkml:trace contextRef="#ctx0" brushRef="#br0" timeOffset="-102631.64">23742 17145 0,'0'36'47,"0"-1"-31,0 53-1,0-53-15,0 18 16,0 0-1,0-18 1,0 1-16,0-19 0,0 1 16,0 0-16,18-18 15,-18 17-15,0 1 16,0 0-16,0-1 16,0 1 15,0-1-16,0 1 126</inkml:trace>
+  <inkml:trace contextRef="#ctx0" brushRef="#br0" timeOffset="-98198.9">19703 15611 0,'0'17'16,"17"-17"30,36-70-30,18 35-16,-18-18 16,-18 0-1,71-18-15,-53 36 16,-18-36-16,36 18 16,-36 18-16,0 0 15,18-18-15,-18 0 16,36-18-16,17-17 15,-53 53-15,36-53 16,-1 53-16,1-18 16,0-18-1,17 18-15,-35 0 0,-18 18 16,124-36 0,17-34-1,124-54 1,-88 53-1,-18 0 1,-89 53 0,-16-17-1,105-107 1,-124 107-16,18-18 16,54-36-1,-54 36 1,-35 17-1,17 1 1,-35 52 0,1-17-1,34 35-15,-52-18 16,35 1-16,0-19 16,0 19-16,-36-1 15,1 0-15,17 18 16,18-35-1,-35 35-15,-1-35 16,1 17 0,17 1-1,-17-1 17,0 18 46,-18-35-16,17 17-46</inkml:trace>
+  <inkml:trace contextRef="#ctx0" brushRef="#br0" timeOffset="-96170.06">26335 14711 0,'0'18'47,"0"-1"-47,17-17 15,1-35 1,0 0-16,70-89 16,-53 89-1,1 0-15,-19-18 16,18 35-1,-17 1-15,0-19 0,17-17 16,-35 18-16,53-71 31,-18 53-31,0 1 16,-17-19-16,0 0 16,35 1-16,-18-1 15,-17 18-15,35-35 16,17-18-1,-17 1 1,-18 52 0,18 0-16,-18-18 15,18 1-15,0-1 16,-17 18 0,16-17-16,19-19 0,-36 36 15,71-70 1,-88 88-16,17-36 15,-17 36-15,17-53 16,0-18 15,-17 71 1,0-1-17,-18 19 95,0-1-110</inkml:trace>
+  <inkml:trace contextRef="#ctx0" brushRef="#br0" timeOffset="-93913.81">7885 16069 0,'0'-17'47,"0"-36"-32,17 18 1,1-1-16,-18-17 16,18 0-1,52-17-15,-35-18 16,54-71 0,-1 18-1,-71 88-15,36-35 16,0-1-16,18-16 15,-1-1-15,71-159 16,-88 177 0,36-35-16,-19 17 15,36-35 1,-71 70-16,0 36 16,1-18-16,-1 0 15,0 18 16,-35 17-31,0 0 16,0 1-16,18 17 16,0 0 140,-1 0-156,1 35 16,17 18-1,36 18-15,-18-19 16,0 37-16,-1-36 15,-16-1 1,17 1-16,0 18 16,17-18-16,1 0 15,-1 17-15,18-17 0,1 0 16,-1 18-16,-53-18 16,53 17-1,-52-17 1,-1-18-16,53 36 15,-70-53 1,17 17-16,18 53 31,-18-53-31,0 1 0,1 17 16,-1-1 0,-35-34 15,35 0-16,-35-1 1</inkml:trace>
+  <inkml:trace contextRef="#ctx0" brushRef="#br0" timeOffset="-56728.9">15716 3581 0,'0'18'0,"0"-1"16,0 1-16,0 0 15,0 17 1,0-18-1,0 1 1,0 0 15,0-1-31,0 36 16,0-17 0,0 34-1,0-17 1,0-18-1,0 1 1,0 17-16,0-18 16,0 18-16,0-36 15,0 1-15,0 17 16,0-17 0</inkml:trace>
+  <inkml:trace contextRef="#ctx0" brushRef="#br0" timeOffset="-50025.22">10354 1923 0,'0'-18'94,"-35"18"-94,17 0 31,0 0-16,-17 0 1,0 36 0,35-1-1,0 0-15,-18 18 16,18 71 0,0-36-1,0-35-15,0 35 16,0 0-1,0-70 1,0-1-16,0 1 16,0 0-1,18-18 63,17 0-46,0-18-32,1-17 15,-1 17-15,0 0 16,18 1 0,-17 17-1,-19 0 1,1 0-1,-1 0 1,1 0 31,0 0-31,-1 17-1,1 19 1,-18-1-1,0-17-15,18 17 16,-18 0 0,0-17-16,0 17 15,0-17-15,0-1 16,-18 19 0,18-19-16,-71 1 15,36-18 1,0 18-16,0-1 15,-18 1 17,17-1-32,36 1 15,-35-18 1,0 0 15,17 0-15,1 0-1,-1 0-15,0 0 16</inkml:trace>
 </inkml:ink>
 </file>
 
@@ -2930,7 +3146,7 @@
           <a:p>
             <a:fld id="{70CC5D0C-AA5A-4D6D-9BB2-7F02754A2FC6}" type="datetimeFigureOut">
               <a:rPr lang="en-IN" smtClean="0"/>
-              <a:t>30-10-2021</a:t>
+              <a:t>31-10-2021</a:t>
             </a:fld>
             <a:endParaRPr lang="en-IN"/>
           </a:p>
@@ -3130,7 +3346,7 @@
           <a:p>
             <a:fld id="{70CC5D0C-AA5A-4D6D-9BB2-7F02754A2FC6}" type="datetimeFigureOut">
               <a:rPr lang="en-IN" smtClean="0"/>
-              <a:t>30-10-2021</a:t>
+              <a:t>31-10-2021</a:t>
             </a:fld>
             <a:endParaRPr lang="en-IN"/>
           </a:p>
@@ -3340,7 +3556,7 @@
           <a:p>
             <a:fld id="{70CC5D0C-AA5A-4D6D-9BB2-7F02754A2FC6}" type="datetimeFigureOut">
               <a:rPr lang="en-IN" smtClean="0"/>
-              <a:t>30-10-2021</a:t>
+              <a:t>31-10-2021</a:t>
             </a:fld>
             <a:endParaRPr lang="en-IN"/>
           </a:p>
@@ -3540,7 +3756,7 @@
           <a:p>
             <a:fld id="{70CC5D0C-AA5A-4D6D-9BB2-7F02754A2FC6}" type="datetimeFigureOut">
               <a:rPr lang="en-IN" smtClean="0"/>
-              <a:t>30-10-2021</a:t>
+              <a:t>31-10-2021</a:t>
             </a:fld>
             <a:endParaRPr lang="en-IN"/>
           </a:p>
@@ -3816,7 +4032,7 @@
           <a:p>
             <a:fld id="{70CC5D0C-AA5A-4D6D-9BB2-7F02754A2FC6}" type="datetimeFigureOut">
               <a:rPr lang="en-IN" smtClean="0"/>
-              <a:t>30-10-2021</a:t>
+              <a:t>31-10-2021</a:t>
             </a:fld>
             <a:endParaRPr lang="en-IN"/>
           </a:p>
@@ -4084,7 +4300,7 @@
           <a:p>
             <a:fld id="{70CC5D0C-AA5A-4D6D-9BB2-7F02754A2FC6}" type="datetimeFigureOut">
               <a:rPr lang="en-IN" smtClean="0"/>
-              <a:t>30-10-2021</a:t>
+              <a:t>31-10-2021</a:t>
             </a:fld>
             <a:endParaRPr lang="en-IN"/>
           </a:p>
@@ -4499,7 +4715,7 @@
           <a:p>
             <a:fld id="{70CC5D0C-AA5A-4D6D-9BB2-7F02754A2FC6}" type="datetimeFigureOut">
               <a:rPr lang="en-IN" smtClean="0"/>
-              <a:t>30-10-2021</a:t>
+              <a:t>31-10-2021</a:t>
             </a:fld>
             <a:endParaRPr lang="en-IN"/>
           </a:p>
@@ -4641,7 +4857,7 @@
           <a:p>
             <a:fld id="{70CC5D0C-AA5A-4D6D-9BB2-7F02754A2FC6}" type="datetimeFigureOut">
               <a:rPr lang="en-IN" smtClean="0"/>
-              <a:t>30-10-2021</a:t>
+              <a:t>31-10-2021</a:t>
             </a:fld>
             <a:endParaRPr lang="en-IN"/>
           </a:p>
@@ -4754,7 +4970,7 @@
           <a:p>
             <a:fld id="{70CC5D0C-AA5A-4D6D-9BB2-7F02754A2FC6}" type="datetimeFigureOut">
               <a:rPr lang="en-IN" smtClean="0"/>
-              <a:t>30-10-2021</a:t>
+              <a:t>31-10-2021</a:t>
             </a:fld>
             <a:endParaRPr lang="en-IN"/>
           </a:p>
@@ -5067,7 +5283,7 @@
           <a:p>
             <a:fld id="{70CC5D0C-AA5A-4D6D-9BB2-7F02754A2FC6}" type="datetimeFigureOut">
               <a:rPr lang="en-IN" smtClean="0"/>
-              <a:t>30-10-2021</a:t>
+              <a:t>31-10-2021</a:t>
             </a:fld>
             <a:endParaRPr lang="en-IN"/>
           </a:p>
@@ -5356,7 +5572,7 @@
           <a:p>
             <a:fld id="{70CC5D0C-AA5A-4D6D-9BB2-7F02754A2FC6}" type="datetimeFigureOut">
               <a:rPr lang="en-IN" smtClean="0"/>
-              <a:t>30-10-2021</a:t>
+              <a:t>31-10-2021</a:t>
             </a:fld>
             <a:endParaRPr lang="en-IN"/>
           </a:p>
@@ -5599,7 +5815,7 @@
           <a:p>
             <a:fld id="{70CC5D0C-AA5A-4D6D-9BB2-7F02754A2FC6}" type="datetimeFigureOut">
               <a:rPr lang="en-IN" smtClean="0"/>
-              <a:t>30-10-2021</a:t>
+              <a:t>31-10-2021</a:t>
             </a:fld>
             <a:endParaRPr lang="en-IN"/>
           </a:p>
@@ -6149,6 +6365,87 @@
           </a:p>
         </p:txBody>
       </p:sp>
+      <p:pic>
+        <p:nvPicPr>
+          <p:cNvPr id="5" name="Picture 4">
+            <a:extLst>
+              <a:ext uri="{FF2B5EF4-FFF2-40B4-BE49-F238E27FC236}">
+                <a16:creationId xmlns:a16="http://schemas.microsoft.com/office/drawing/2014/main" id="{8B9B1EAB-AEE5-4F58-83AD-AAF259C85F96}"/>
+              </a:ext>
+            </a:extLst>
+          </p:cNvPr>
+          <p:cNvPicPr>
+            <a:picLocks noChangeAspect="1"/>
+          </p:cNvPicPr>
+          <p:nvPr/>
+        </p:nvPicPr>
+        <p:blipFill>
+          <a:blip r:embed="rId2"/>
+          <a:stretch>
+            <a:fillRect/>
+          </a:stretch>
+        </p:blipFill>
+        <p:spPr>
+          <a:xfrm>
+            <a:off x="2670870" y="0"/>
+            <a:ext cx="6850260" cy="6858000"/>
+          </a:xfrm>
+          <a:prstGeom prst="rect">
+            <a:avLst/>
+          </a:prstGeom>
+        </p:spPr>
+      </p:pic>
+      <mc:AlternateContent xmlns:mc="http://schemas.openxmlformats.org/markup-compatibility/2006">
+        <mc:Choice xmlns:p14="http://schemas.microsoft.com/office/powerpoint/2010/main" Requires="p14">
+          <p:contentPart p14:bwMode="auto" r:id="rId3">
+            <p14:nvContentPartPr>
+              <p14:cNvPr id="6" name="Ink 5">
+                <a:extLst>
+                  <a:ext uri="{FF2B5EF4-FFF2-40B4-BE49-F238E27FC236}">
+                    <a16:creationId xmlns:a16="http://schemas.microsoft.com/office/drawing/2014/main" id="{A9A66BCA-4CD9-4277-A1FC-D1A0965968B1}"/>
+                  </a:ext>
+                </a:extLst>
+              </p14:cNvPr>
+              <p14:cNvContentPartPr/>
+              <p14:nvPr/>
+            </p14:nvContentPartPr>
+            <p14:xfrm>
+              <a:off x="2540160" y="-6120"/>
+              <a:ext cx="7328160" cy="6870960"/>
+            </p14:xfrm>
+          </p:contentPart>
+        </mc:Choice>
+        <mc:Fallback>
+          <p:pic>
+            <p:nvPicPr>
+              <p:cNvPr id="6" name="Ink 5">
+                <a:extLst>
+                  <a:ext uri="{FF2B5EF4-FFF2-40B4-BE49-F238E27FC236}">
+                    <a16:creationId xmlns:a16="http://schemas.microsoft.com/office/drawing/2014/main" id="{A9A66BCA-4CD9-4277-A1FC-D1A0965968B1}"/>
+                  </a:ext>
+                </a:extLst>
+              </p:cNvPr>
+              <p:cNvPicPr/>
+              <p:nvPr/>
+            </p:nvPicPr>
+            <p:blipFill>
+              <a:blip r:embed="rId4"/>
+              <a:stretch>
+                <a:fillRect/>
+              </a:stretch>
+            </p:blipFill>
+            <p:spPr>
+              <a:xfrm>
+                <a:off x="2530800" y="-15480"/>
+                <a:ext cx="7346880" cy="6889680"/>
+              </a:xfrm>
+              <a:prstGeom prst="rect">
+                <a:avLst/>
+              </a:prstGeom>
+            </p:spPr>
+          </p:pic>
+        </mc:Fallback>
+      </mc:AlternateContent>
     </p:spTree>
     <p:extLst>
       <p:ext uri="{BB962C8B-B14F-4D97-AF65-F5344CB8AC3E}">
@@ -6229,6 +6526,57 @@
           </a:p>
         </p:txBody>
       </p:sp>
+      <mc:AlternateContent xmlns:mc="http://schemas.openxmlformats.org/markup-compatibility/2006">
+        <mc:Choice xmlns:p14="http://schemas.microsoft.com/office/powerpoint/2010/main" Requires="p14">
+          <p:contentPart p14:bwMode="auto" r:id="rId2">
+            <p14:nvContentPartPr>
+              <p14:cNvPr id="4" name="Ink 3">
+                <a:extLst>
+                  <a:ext uri="{FF2B5EF4-FFF2-40B4-BE49-F238E27FC236}">
+                    <a16:creationId xmlns:a16="http://schemas.microsoft.com/office/drawing/2014/main" id="{F5819157-7365-4F37-A6A9-5DE722FBE9A5}"/>
+                  </a:ext>
+                </a:extLst>
+              </p14:cNvPr>
+              <p14:cNvContentPartPr/>
+              <p14:nvPr/>
+            </p14:nvContentPartPr>
+            <p14:xfrm>
+              <a:off x="2127240" y="1187640"/>
+              <a:ext cx="6598080" cy="4153320"/>
+            </p14:xfrm>
+          </p:contentPart>
+        </mc:Choice>
+        <mc:Fallback>
+          <p:pic>
+            <p:nvPicPr>
+              <p:cNvPr id="4" name="Ink 3">
+                <a:extLst>
+                  <a:ext uri="{FF2B5EF4-FFF2-40B4-BE49-F238E27FC236}">
+                    <a16:creationId xmlns:a16="http://schemas.microsoft.com/office/drawing/2014/main" id="{F5819157-7365-4F37-A6A9-5DE722FBE9A5}"/>
+                  </a:ext>
+                </a:extLst>
+              </p:cNvPr>
+              <p:cNvPicPr/>
+              <p:nvPr/>
+            </p:nvPicPr>
+            <p:blipFill>
+              <a:blip r:embed="rId3"/>
+              <a:stretch>
+                <a:fillRect/>
+              </a:stretch>
+            </p:blipFill>
+            <p:spPr>
+              <a:xfrm>
+                <a:off x="2117880" y="1178280"/>
+                <a:ext cx="6616800" cy="4172040"/>
+              </a:xfrm>
+              <a:prstGeom prst="rect">
+                <a:avLst/>
+              </a:prstGeom>
+            </p:spPr>
+          </p:pic>
+        </mc:Fallback>
+      </mc:AlternateContent>
     </p:spTree>
     <p:extLst>
       <p:ext uri="{BB962C8B-B14F-4D97-AF65-F5344CB8AC3E}">
@@ -6309,6 +6657,57 @@
           </a:p>
         </p:txBody>
       </p:sp>
+      <mc:AlternateContent xmlns:mc="http://schemas.openxmlformats.org/markup-compatibility/2006">
+        <mc:Choice xmlns:p14="http://schemas.microsoft.com/office/powerpoint/2010/main" Requires="p14">
+          <p:contentPart p14:bwMode="auto" r:id="rId2">
+            <p14:nvContentPartPr>
+              <p14:cNvPr id="4" name="Ink 3">
+                <a:extLst>
+                  <a:ext uri="{FF2B5EF4-FFF2-40B4-BE49-F238E27FC236}">
+                    <a16:creationId xmlns:a16="http://schemas.microsoft.com/office/drawing/2014/main" id="{69CC939D-CD0D-4BE2-9013-5AA978A6400E}"/>
+                  </a:ext>
+                </a:extLst>
+              </p14:cNvPr>
+              <p14:cNvContentPartPr/>
+              <p14:nvPr/>
+            </p14:nvContentPartPr>
+            <p14:xfrm>
+              <a:off x="2838600" y="120600"/>
+              <a:ext cx="8007480" cy="6477480"/>
+            </p14:xfrm>
+          </p:contentPart>
+        </mc:Choice>
+        <mc:Fallback>
+          <p:pic>
+            <p:nvPicPr>
+              <p:cNvPr id="4" name="Ink 3">
+                <a:extLst>
+                  <a:ext uri="{FF2B5EF4-FFF2-40B4-BE49-F238E27FC236}">
+                    <a16:creationId xmlns:a16="http://schemas.microsoft.com/office/drawing/2014/main" id="{69CC939D-CD0D-4BE2-9013-5AA978A6400E}"/>
+                  </a:ext>
+                </a:extLst>
+              </p:cNvPr>
+              <p:cNvPicPr/>
+              <p:nvPr/>
+            </p:nvPicPr>
+            <p:blipFill>
+              <a:blip r:embed="rId3"/>
+              <a:stretch>
+                <a:fillRect/>
+              </a:stretch>
+            </p:blipFill>
+            <p:spPr>
+              <a:xfrm>
+                <a:off x="2829240" y="111240"/>
+                <a:ext cx="8026200" cy="6496200"/>
+              </a:xfrm>
+              <a:prstGeom prst="rect">
+                <a:avLst/>
+              </a:prstGeom>
+            </p:spPr>
+          </p:pic>
+        </mc:Fallback>
+      </mc:AlternateContent>
     </p:spTree>
     <p:extLst>
       <p:ext uri="{BB962C8B-B14F-4D97-AF65-F5344CB8AC3E}">
@@ -10803,8 +11202,8 @@
           </a:p>
         </p:txBody>
       </p:sp>
-      <mc:AlternateContent xmlns:mc="http://schemas.openxmlformats.org/markup-compatibility/2006">
-        <mc:Choice xmlns:p14="http://schemas.microsoft.com/office/powerpoint/2010/main" Requires="p14">
+      <mc:AlternateContent xmlns:mc="http://schemas.openxmlformats.org/markup-compatibility/2006" xmlns:p14="http://schemas.microsoft.com/office/powerpoint/2010/main">
+        <mc:Choice Requires="p14">
           <p:contentPart p14:bwMode="auto" r:id="rId2">
             <p14:nvContentPartPr>
               <p14:cNvPr id="4" name="Ink 3">
@@ -10823,7 +11222,7 @@
             </p14:xfrm>
           </p:contentPart>
         </mc:Choice>
-        <mc:Fallback>
+        <mc:Fallback xmlns="">
           <p:pic>
             <p:nvPicPr>
               <p:cNvPr id="4" name="Ink 3">
@@ -10854,8 +11253,8 @@
           </p:pic>
         </mc:Fallback>
       </mc:AlternateContent>
-      <mc:AlternateContent xmlns:mc="http://schemas.openxmlformats.org/markup-compatibility/2006">
-        <mc:Choice xmlns:p14="http://schemas.microsoft.com/office/powerpoint/2010/main" Requires="p14">
+      <mc:AlternateContent xmlns:mc="http://schemas.openxmlformats.org/markup-compatibility/2006" xmlns:p14="http://schemas.microsoft.com/office/powerpoint/2010/main">
+        <mc:Choice Requires="p14">
           <p:contentPart p14:bwMode="auto" r:id="rId4">
             <p14:nvContentPartPr>
               <p14:cNvPr id="5" name="Ink 4">
@@ -10874,7 +11273,7 @@
             </p14:xfrm>
           </p:contentPart>
         </mc:Choice>
-        <mc:Fallback>
+        <mc:Fallback xmlns="">
           <p:pic>
             <p:nvPicPr>
               <p:cNvPr id="5" name="Ink 4">
